--- a/Project Documents/Group3_Presentation1_Capstone.pptx
+++ b/Project Documents/Group3_Presentation1_Capstone.pptx
@@ -8,9 +8,9 @@
     <p:sldId id="301" r:id="rId2"/>
     <p:sldId id="271" r:id="rId3"/>
     <p:sldId id="257" r:id="rId4"/>
-    <p:sldId id="274" r:id="rId5"/>
-    <p:sldId id="297" r:id="rId6"/>
-    <p:sldId id="272" r:id="rId7"/>
+    <p:sldId id="302" r:id="rId5"/>
+    <p:sldId id="272" r:id="rId6"/>
+    <p:sldId id="297" r:id="rId7"/>
     <p:sldId id="275" r:id="rId8"/>
     <p:sldId id="280" r:id="rId9"/>
     <p:sldId id="278" r:id="rId10"/>
@@ -30,11 +30,7 @@
     <p:sldId id="299" r:id="rId24"/>
     <p:sldId id="295" r:id="rId25"/>
     <p:sldId id="300" r:id="rId26"/>
-    <p:sldId id="296" r:id="rId27"/>
-    <p:sldId id="290" r:id="rId28"/>
-    <p:sldId id="291" r:id="rId29"/>
-    <p:sldId id="292" r:id="rId30"/>
-    <p:sldId id="293" r:id="rId31"/>
+    <p:sldId id="293" r:id="rId27"/>
   </p:sldIdLst>
   <p:sldSz cx="9144000" cy="6858000" type="screen4x3"/>
   <p:notesSz cx="6858000" cy="9144000"/>
@@ -133,6 +129,22 @@
       </a:defRPr>
     </a:lvl9pPr>
   </p:defaultTextStyle>
+  <p:extLst>
+    <p:ext uri="{EFAFB233-063F-42B5-8137-9DF3F51BA10A}">
+      <p15:sldGuideLst xmlns:p15="http://schemas.microsoft.com/office/powerpoint/2012/main">
+        <p15:guide id="1" orient="horz" pos="2160">
+          <p15:clr>
+            <a:srgbClr val="A4A3A4"/>
+          </p15:clr>
+        </p15:guide>
+        <p15:guide id="2" pos="2880">
+          <p15:clr>
+            <a:srgbClr val="A4A3A4"/>
+          </p15:clr>
+        </p15:guide>
+      </p15:sldGuideLst>
+    </p:ext>
+  </p:extLst>
 </p:presentation>
 </file>
 
@@ -317,7 +329,7 @@
           <a:p>
             <a:fld id="{9CBAF4B6-CA8D-4A6D-9D13-D160FC327925}" type="datetimeFigureOut">
               <a:rPr lang="en-US" smtClean="0"/>
-              <a:t>5/23/2013</a:t>
+              <a:t>5/26/2013</a:t>
             </a:fld>
             <a:endParaRPr lang="en-US"/>
           </a:p>
@@ -487,7 +499,7 @@
           <a:p>
             <a:fld id="{9CBAF4B6-CA8D-4A6D-9D13-D160FC327925}" type="datetimeFigureOut">
               <a:rPr lang="en-US" smtClean="0"/>
-              <a:t>5/23/2013</a:t>
+              <a:t>5/26/2013</a:t>
             </a:fld>
             <a:endParaRPr lang="en-US"/>
           </a:p>
@@ -667,7 +679,7 @@
           <a:p>
             <a:fld id="{9CBAF4B6-CA8D-4A6D-9D13-D160FC327925}" type="datetimeFigureOut">
               <a:rPr lang="en-US" smtClean="0"/>
-              <a:t>5/23/2013</a:t>
+              <a:t>5/26/2013</a:t>
             </a:fld>
             <a:endParaRPr lang="en-US"/>
           </a:p>
@@ -837,7 +849,7 @@
           <a:p>
             <a:fld id="{9CBAF4B6-CA8D-4A6D-9D13-D160FC327925}" type="datetimeFigureOut">
               <a:rPr lang="en-US" smtClean="0"/>
-              <a:t>5/23/2013</a:t>
+              <a:t>5/26/2013</a:t>
             </a:fld>
             <a:endParaRPr lang="en-US"/>
           </a:p>
@@ -1083,7 +1095,7 @@
           <a:p>
             <a:fld id="{9CBAF4B6-CA8D-4A6D-9D13-D160FC327925}" type="datetimeFigureOut">
               <a:rPr lang="en-US" smtClean="0"/>
-              <a:t>5/23/2013</a:t>
+              <a:t>5/26/2013</a:t>
             </a:fld>
             <a:endParaRPr lang="en-US"/>
           </a:p>
@@ -1371,7 +1383,7 @@
           <a:p>
             <a:fld id="{9CBAF4B6-CA8D-4A6D-9D13-D160FC327925}" type="datetimeFigureOut">
               <a:rPr lang="en-US" smtClean="0"/>
-              <a:t>5/23/2013</a:t>
+              <a:t>5/26/2013</a:t>
             </a:fld>
             <a:endParaRPr lang="en-US"/>
           </a:p>
@@ -1793,7 +1805,7 @@
           <a:p>
             <a:fld id="{9CBAF4B6-CA8D-4A6D-9D13-D160FC327925}" type="datetimeFigureOut">
               <a:rPr lang="en-US" smtClean="0"/>
-              <a:t>5/23/2013</a:t>
+              <a:t>5/26/2013</a:t>
             </a:fld>
             <a:endParaRPr lang="en-US"/>
           </a:p>
@@ -1911,7 +1923,7 @@
           <a:p>
             <a:fld id="{9CBAF4B6-CA8D-4A6D-9D13-D160FC327925}" type="datetimeFigureOut">
               <a:rPr lang="en-US" smtClean="0"/>
-              <a:t>5/23/2013</a:t>
+              <a:t>5/26/2013</a:t>
             </a:fld>
             <a:endParaRPr lang="en-US"/>
           </a:p>
@@ -2006,7 +2018,7 @@
           <a:p>
             <a:fld id="{9CBAF4B6-CA8D-4A6D-9D13-D160FC327925}" type="datetimeFigureOut">
               <a:rPr lang="en-US" smtClean="0"/>
-              <a:t>5/23/2013</a:t>
+              <a:t>5/26/2013</a:t>
             </a:fld>
             <a:endParaRPr lang="en-US"/>
           </a:p>
@@ -2283,7 +2295,7 @@
           <a:p>
             <a:fld id="{9CBAF4B6-CA8D-4A6D-9D13-D160FC327925}" type="datetimeFigureOut">
               <a:rPr lang="en-US" smtClean="0"/>
-              <a:t>5/23/2013</a:t>
+              <a:t>5/26/2013</a:t>
             </a:fld>
             <a:endParaRPr lang="en-US"/>
           </a:p>
@@ -2536,7 +2548,7 @@
           <a:p>
             <a:fld id="{9CBAF4B6-CA8D-4A6D-9D13-D160FC327925}" type="datetimeFigureOut">
               <a:rPr lang="en-US" smtClean="0"/>
-              <a:t>5/23/2013</a:t>
+              <a:t>5/26/2013</a:t>
             </a:fld>
             <a:endParaRPr lang="en-US"/>
           </a:p>
@@ -2758,7 +2770,7 @@
           <a:p>
             <a:fld id="{9CBAF4B6-CA8D-4A6D-9D13-D160FC327925}" type="datetimeFigureOut">
               <a:rPr lang="en-US" smtClean="0"/>
-              <a:t>5/23/2013</a:t>
+              <a:t>5/26/2013</a:t>
             </a:fld>
             <a:endParaRPr lang="en-US"/>
           </a:p>
@@ -3185,7 +3197,7 @@
         <p:spPr/>
         <p:txBody>
           <a:bodyPr>
-            <a:normAutofit fontScale="77500" lnSpcReduction="20000"/>
+            <a:normAutofit fontScale="92500" lnSpcReduction="10000"/>
           </a:bodyPr>
           <a:lstStyle/>
           <a:p>
@@ -3200,22 +3212,20 @@
           </a:p>
           <a:p>
             <a:r>
+              <a:rPr lang="en-US" sz="4000" b="1" dirty="0" smtClean="0">
+                <a:solidFill>
+                  <a:srgbClr val="C00000"/>
+                </a:solidFill>
+              </a:rPr>
+              <a:t>Would </a:t>
+            </a:r>
+            <a:r>
               <a:rPr lang="en-US" sz="4000" b="1" dirty="0">
                 <a:solidFill>
                   <a:srgbClr val="C00000"/>
                 </a:solidFill>
               </a:rPr>
-              <a:t>Story boards</a:t>
-            </a:r>
-          </a:p>
-          <a:p>
-            <a:r>
-              <a:rPr lang="en-US" sz="4000" b="1" dirty="0">
-                <a:solidFill>
-                  <a:srgbClr val="C00000"/>
-                </a:solidFill>
-              </a:rPr>
-              <a:t>Would "Tab" or "Bill" be less confusing than "Order" since the term order can also mean the act of requesting an </a:t>
+              <a:t>"Tab" or "Bill" be less confusing than "Order" since the term order can also mean the act of requesting an </a:t>
             </a:r>
             <a:r>
               <a:rPr lang="en-US" sz="4000" b="1" dirty="0" smtClean="0">
@@ -3262,30 +3272,20 @@
           </a:p>
           <a:p>
             <a:r>
-              <a:rPr lang="en-US" sz="4000" b="1" dirty="0">
-                <a:solidFill>
-                  <a:srgbClr val="C00000"/>
-                </a:solidFill>
-              </a:rPr>
-              <a:t>Scope: what's in / out / </a:t>
-            </a:r>
-            <a:r>
               <a:rPr lang="en-US" sz="4000" b="1" dirty="0" smtClean="0">
                 <a:solidFill>
                   <a:srgbClr val="C00000"/>
                 </a:solidFill>
               </a:rPr>
-              <a:t>maybe</a:t>
-            </a:r>
-          </a:p>
-          <a:p>
+              <a:t>Glossary</a:t>
+            </a:r>
             <a:r>
               <a:rPr lang="en-US" sz="4000" b="1" dirty="0" smtClean="0">
                 <a:solidFill>
                   <a:srgbClr val="C00000"/>
                 </a:solidFill>
               </a:rPr>
-              <a:t>Glossary?</a:t>
+              <a:t>?</a:t>
             </a:r>
             <a:endParaRPr lang="en-US" sz="4000" b="1" dirty="0">
               <a:solidFill>
@@ -3364,7 +3364,11 @@
             <a:pPr algn="l"/>
             <a:r>
               <a:rPr lang="en-US" sz="6000" b="1" dirty="0" smtClean="0"/>
-              <a:t>Actor:  Manager</a:t>
+              <a:t>Goals:  </a:t>
+            </a:r>
+            <a:r>
+              <a:rPr lang="en-US" sz="6000" b="1" dirty="0" smtClean="0"/>
+              <a:t>Manager</a:t>
             </a:r>
             <a:endParaRPr lang="en-US" sz="6000" b="1" dirty="0"/>
           </a:p>
@@ -3388,29 +3392,29 @@
         </p:spPr>
         <p:txBody>
           <a:bodyPr>
-            <a:normAutofit fontScale="85000" lnSpcReduction="20000"/>
+            <a:normAutofit fontScale="92500"/>
           </a:bodyPr>
           <a:lstStyle/>
           <a:p>
-            <a:pPr marL="0" indent="0">
-              <a:buNone/>
-            </a:pPr>
-            <a:r>
-              <a:rPr lang="en-US" sz="7100" b="1" dirty="0" smtClean="0"/>
-              <a:t>Goals</a:t>
-            </a:r>
-          </a:p>
-          <a:p>
             <a:r>
               <a:rPr lang="en-US" sz="4000" b="1" dirty="0" smtClean="0"/>
-              <a:t>View aggregated information about sales</a:t>
-            </a:r>
-          </a:p>
-          <a:p>
+              <a:t>View </a:t>
+            </a:r>
             <a:r>
               <a:rPr lang="en-US" sz="4000" b="1" dirty="0" smtClean="0"/>
-              <a:t>View aggregated information about inventory</a:t>
-            </a:r>
+              <a:t>aggregated information about sales</a:t>
+            </a:r>
+          </a:p>
+          <a:p>
+            <a:r>
+              <a:rPr lang="en-US" sz="4000" b="1" dirty="0" smtClean="0"/>
+              <a:t>View aggregated information about </a:t>
+            </a:r>
+            <a:r>
+              <a:rPr lang="en-US" sz="4000" b="1" dirty="0" smtClean="0"/>
+              <a:t>inventory consumption</a:t>
+            </a:r>
+            <a:endParaRPr lang="en-US" sz="4000" b="1" dirty="0" smtClean="0"/>
           </a:p>
           <a:p>
             <a:r>
@@ -3501,7 +3505,11 @@
             <a:pPr algn="l"/>
             <a:r>
               <a:rPr lang="en-US" sz="6000" b="1" dirty="0" smtClean="0"/>
-              <a:t>Actor:  Hostess</a:t>
+              <a:t>Goals: </a:t>
+            </a:r>
+            <a:r>
+              <a:rPr lang="en-US" sz="6000" b="1" dirty="0" smtClean="0"/>
+              <a:t>Hostess</a:t>
             </a:r>
             <a:endParaRPr lang="en-US" sz="6000" b="1" dirty="0"/>
           </a:p>
@@ -3525,22 +3533,17 @@
         </p:spPr>
         <p:txBody>
           <a:bodyPr>
-            <a:normAutofit fontScale="85000" lnSpcReduction="20000"/>
+            <a:normAutofit fontScale="92500" lnSpcReduction="20000"/>
           </a:bodyPr>
           <a:lstStyle/>
           <a:p>
-            <a:pPr marL="0" indent="0">
-              <a:buNone/>
-            </a:pPr>
-            <a:r>
-              <a:rPr lang="en-US" sz="7100" b="1" dirty="0" smtClean="0"/>
-              <a:t>Goals</a:t>
-            </a:r>
-          </a:p>
-          <a:p>
             <a:r>
               <a:rPr lang="en-US" sz="4000" b="1" dirty="0" smtClean="0"/>
-              <a:t>View which tables are open and which are not</a:t>
+              <a:t>View </a:t>
+            </a:r>
+            <a:r>
+              <a:rPr lang="en-US" sz="4000" b="1" dirty="0" smtClean="0"/>
+              <a:t>which tables are open and which are not</a:t>
             </a:r>
           </a:p>
           <a:p>
@@ -3644,7 +3647,11 @@
             <a:pPr algn="l"/>
             <a:r>
               <a:rPr lang="en-US" sz="6000" b="1" dirty="0" smtClean="0"/>
-              <a:t>Actor: Busboy </a:t>
+              <a:t>Goals: </a:t>
+            </a:r>
+            <a:r>
+              <a:rPr lang="en-US" sz="6000" b="1" dirty="0" smtClean="0"/>
+              <a:t>Busboy </a:t>
             </a:r>
             <a:endParaRPr lang="en-US" sz="6000" b="1" dirty="0"/>
           </a:p>
@@ -3672,18 +3679,13 @@
           </a:bodyPr>
           <a:lstStyle/>
           <a:p>
-            <a:pPr marL="0" indent="0">
-              <a:buNone/>
-            </a:pPr>
-            <a:r>
-              <a:rPr lang="en-US" sz="6000" b="1" dirty="0" smtClean="0"/>
-              <a:t>Goals</a:t>
-            </a:r>
-          </a:p>
-          <a:p>
             <a:r>
               <a:rPr lang="en-US" sz="4000" b="1" dirty="0" smtClean="0"/>
-              <a:t>Indicate that tables are ready for seating, easily and without error</a:t>
+              <a:t>Indicate </a:t>
+            </a:r>
+            <a:r>
+              <a:rPr lang="en-US" sz="4000" b="1" dirty="0" smtClean="0"/>
+              <a:t>that tables are ready for seating, easily and without error</a:t>
             </a:r>
           </a:p>
           <a:p>
@@ -4030,11 +4032,7 @@
             </a:r>
             <a:r>
               <a:rPr lang="en-US" sz="4000" b="1" dirty="0" smtClean="0"/>
-              <a:t>: order-items (drinks and dishes) are added to order-group </a:t>
-            </a:r>
-            <a:r>
-              <a:rPr lang="en-US" sz="4000" b="1" dirty="0" smtClean="0"/>
-              <a:t>which is placed in an order-queue by wait-staff</a:t>
+              <a:t>: order-items (drinks and dishes) are added to order-group which is placed in an order-queue by wait-staff</a:t>
             </a:r>
           </a:p>
           <a:p>
@@ -4190,11 +4188,7 @@
             </a:r>
             <a:r>
               <a:rPr lang="en-US" sz="4000" b="1" dirty="0"/>
-              <a:t>by </a:t>
-            </a:r>
-            <a:r>
-              <a:rPr lang="en-US" sz="4000" b="1" dirty="0"/>
-              <a:t>l</a:t>
+              <a:t>by l</a:t>
             </a:r>
             <a:r>
               <a:rPr lang="en-US" sz="4000" b="1" dirty="0" smtClean="0"/>
@@ -4216,7 +4210,6 @@
               <a:rPr lang="en-US" sz="4000" b="1" dirty="0" smtClean="0"/>
               <a:t>) to synchronize their completion</a:t>
             </a:r>
-            <a:endParaRPr lang="en-US" sz="4000" b="1" dirty="0" smtClean="0"/>
           </a:p>
           <a:p>
             <a:endParaRPr lang="en-US" sz="4000" b="1" dirty="0"/>
@@ -4520,14 +4513,14 @@
             <p:ph idx="1"/>
             <p:extLst>
               <p:ext uri="{D42A27DB-BD31-4B8C-83A1-F6EECF244321}">
-                <p14:modId xmlns:p14="http://schemas.microsoft.com/office/powerpoint/2010/main" val="3745425156"/>
+                <p14:modId xmlns:p14="http://schemas.microsoft.com/office/powerpoint/2010/main" val="3326821041"/>
               </p:ext>
             </p:extLst>
           </p:nvPr>
         </p:nvGraphicFramePr>
         <p:xfrm>
-          <a:off x="0" y="381000"/>
-          <a:ext cx="9067800" cy="6324603"/>
+          <a:off x="0" y="838200"/>
+          <a:ext cx="9067800" cy="5873963"/>
         </p:xfrm>
         <a:graphic>
           <a:graphicData uri="http://schemas.openxmlformats.org/drawingml/2006/table">
@@ -4536,14 +4529,14 @@
                 <a:tableStyleId>{5DA37D80-6434-44D0-A028-1B22A696006F}</a:tableStyleId>
               </a:tblPr>
               <a:tblGrid>
-                <a:gridCol w="1030405"/>
-                <a:gridCol w="2404280"/>
-                <a:gridCol w="1030405"/>
-                <a:gridCol w="2563804"/>
-                <a:gridCol w="849415"/>
-                <a:gridCol w="1189491"/>
+                <a:gridCol w="457200"/>
+                <a:gridCol w="2209800"/>
+                <a:gridCol w="914400"/>
+                <a:gridCol w="2590800"/>
+                <a:gridCol w="1752600"/>
+                <a:gridCol w="1143000"/>
               </a:tblGrid>
-              <a:tr h="846563">
+              <a:tr h="389363">
                 <a:tc>
                   <a:txBody>
                     <a:bodyPr/>
@@ -4692,7 +4685,7 @@
                         <a:rPr lang="en-US" sz="2400" dirty="0" err="1" smtClean="0">
                           <a:effectLst/>
                         </a:rPr>
-                        <a:t>Cmplxity</a:t>
+                        <a:t>Compelxity</a:t>
                       </a:r>
                       <a:endParaRPr lang="en-US" sz="3600" dirty="0">
                         <a:effectLst/>
@@ -4721,12 +4714,12 @@
                         </a:spcAft>
                       </a:pPr>
                       <a:r>
-                        <a:rPr lang="en-US" sz="2400">
+                        <a:rPr lang="en-US" sz="2400" dirty="0">
                           <a:effectLst/>
                         </a:rPr>
                         <a:t>Priority</a:t>
                       </a:r>
-                      <a:endParaRPr lang="en-US" sz="3600">
+                      <a:endParaRPr lang="en-US" sz="3600" dirty="0">
                         <a:effectLst/>
                         <a:latin typeface="Calibri"/>
                         <a:ea typeface="Calibri"/>
@@ -4851,12 +4844,12 @@
                         </a:spcAft>
                       </a:pPr>
                       <a:r>
-                        <a:rPr lang="en-US" sz="2400">
+                        <a:rPr lang="en-US" sz="2400" dirty="0">
                           <a:effectLst/>
                         </a:rPr>
                         <a:t>Anyone</a:t>
                       </a:r>
-                      <a:endParaRPr lang="en-US" sz="3600">
+                      <a:endParaRPr lang="en-US" sz="3600" dirty="0">
                         <a:effectLst/>
                         <a:latin typeface="Calibri"/>
                         <a:ea typeface="Calibri"/>
@@ -6694,11 +6687,9 @@
         <p:spPr>
           <a:xfrm>
             <a:off x="381000" y="0"/>
-            <a:ext cx="3657600" cy="838200"/>
+            <a:ext cx="7010400" cy="838200"/>
           </a:xfrm>
-          <a:solidFill>
-            <a:schemeClr val="bg1"/>
-          </a:solidFill>
+          <a:noFill/>
         </p:spPr>
         <p:txBody>
           <a:bodyPr>
@@ -6709,7 +6700,11 @@
             <a:pPr algn="l"/>
             <a:r>
               <a:rPr lang="en-US" sz="6000" b="1" dirty="0" smtClean="0"/>
-              <a:t>Use Cases</a:t>
+              <a:t>Preliminary Use </a:t>
+            </a:r>
+            <a:r>
+              <a:rPr lang="en-US" sz="6000" b="1" dirty="0" smtClean="0"/>
+              <a:t>Cases</a:t>
             </a:r>
             <a:endParaRPr lang="en-US" sz="6000" b="1" dirty="0"/>
           </a:p>
@@ -6811,14 +6806,36 @@
           <a:lstStyle/>
           <a:p>
             <a:r>
-              <a:rPr lang="en-US" sz="4000" b="1" dirty="0" smtClean="0"/>
+              <a:rPr lang="en-US" sz="4000" b="1" dirty="0"/>
+              <a:t>Fred </a:t>
+            </a:r>
+            <a:r>
+              <a:rPr lang="en-US" sz="4000" b="1" dirty="0" err="1"/>
+              <a:t>Arandi</a:t>
+            </a:r>
+            <a:endParaRPr lang="en-US" sz="4000" b="1" dirty="0"/>
+          </a:p>
+          <a:p>
+            <a:r>
+              <a:rPr lang="en-US" sz="4000" b="1" dirty="0"/>
+              <a:t>Charles </a:t>
+            </a:r>
+            <a:r>
+              <a:rPr lang="en-US" sz="4000" b="1" dirty="0" err="1"/>
+              <a:t>Hafslund</a:t>
+            </a:r>
+            <a:endParaRPr lang="en-US" sz="4000" b="1" dirty="0"/>
+          </a:p>
+          <a:p>
+            <a:r>
+              <a:rPr lang="en-US" sz="4000" b="1" dirty="0"/>
+              <a:t>Terry McCarthy</a:t>
+            </a:r>
+          </a:p>
+          <a:p>
+            <a:r>
+              <a:rPr lang="en-US" sz="4000" b="1" dirty="0"/>
               <a:t>Othman Smihi</a:t>
-            </a:r>
-          </a:p>
-          <a:p>
-            <a:r>
-              <a:rPr lang="en-US" sz="4000" b="1" dirty="0" smtClean="0"/>
-              <a:t>Charles Hafslund</a:t>
             </a:r>
           </a:p>
           <a:p>
@@ -6831,24 +6848,6 @@
               <a:t>Utenkov</a:t>
             </a:r>
             <a:endParaRPr lang="en-US" sz="4000" b="1" dirty="0" smtClean="0"/>
-          </a:p>
-          <a:p>
-            <a:r>
-              <a:rPr lang="en-US" sz="4000" b="1" dirty="0" smtClean="0"/>
-              <a:t>Fred </a:t>
-            </a:r>
-            <a:r>
-              <a:rPr lang="en-US" sz="4000" b="1" dirty="0" err="1" smtClean="0"/>
-              <a:t>Arandi</a:t>
-            </a:r>
-            <a:endParaRPr lang="en-US" sz="4000" b="1" dirty="0" smtClean="0"/>
-          </a:p>
-          <a:p>
-            <a:r>
-              <a:rPr lang="en-US" sz="4000" b="1" dirty="0" smtClean="0"/>
-              <a:t>Terry McCarthy</a:t>
-            </a:r>
-            <a:endParaRPr lang="en-US" sz="4000" b="1" dirty="0"/>
           </a:p>
         </p:txBody>
       </p:sp>
@@ -6907,14 +6906,14 @@
         </p:spPr>
         <p:txBody>
           <a:bodyPr>
-            <a:normAutofit fontScale="90000"/>
+            <a:normAutofit/>
           </a:bodyPr>
           <a:lstStyle/>
           <a:p>
             <a:pPr algn="l"/>
             <a:r>
               <a:rPr lang="en-US" sz="6000" b="1" dirty="0" smtClean="0"/>
-              <a:t>Risks / Essential Features</a:t>
+              <a:t>Risks</a:t>
             </a:r>
             <a:endParaRPr lang="en-US" sz="6000" b="1" dirty="0"/>
           </a:p>
@@ -7053,15 +7052,7 @@
             <a:pPr algn="l"/>
             <a:r>
               <a:rPr lang="en-US" sz="6000" b="1" dirty="0" smtClean="0"/>
-              <a:t>Scope: </a:t>
-            </a:r>
-            <a:r>
-              <a:rPr lang="en-US" sz="6000" b="1" dirty="0"/>
-              <a:t>W</a:t>
-            </a:r>
-            <a:r>
-              <a:rPr lang="en-US" sz="6000" b="1" dirty="0" smtClean="0"/>
-              <a:t>hat’s In</a:t>
+              <a:t>In Scope</a:t>
             </a:r>
             <a:endParaRPr lang="en-US" sz="6000" b="1" dirty="0"/>
           </a:p>
@@ -7077,13 +7068,313 @@
             <p:ph idx="1"/>
           </p:nvPr>
         </p:nvSpPr>
-        <p:spPr/>
+        <p:spPr>
+          <a:xfrm>
+            <a:off x="457200" y="1600200"/>
+            <a:ext cx="4191000" cy="4525963"/>
+          </a:xfrm>
+        </p:spPr>
         <p:txBody>
           <a:bodyPr>
-            <a:normAutofit/>
+            <a:normAutofit fontScale="70000" lnSpcReduction="20000"/>
           </a:bodyPr>
           <a:lstStyle/>
           <a:p>
+            <a:r>
+              <a:rPr lang="en-US" dirty="0"/>
+              <a:t>Queue customers waiting to be seated</a:t>
+            </a:r>
+          </a:p>
+          <a:p>
+            <a:r>
+              <a:rPr lang="en-US" dirty="0"/>
+              <a:t>Table management:</a:t>
+            </a:r>
+          </a:p>
+          <a:p>
+            <a:pPr lvl="1"/>
+            <a:r>
+              <a:rPr lang="en-US" dirty="0"/>
+              <a:t>Table capacity</a:t>
+            </a:r>
+          </a:p>
+          <a:p>
+            <a:pPr lvl="1"/>
+            <a:r>
+              <a:rPr lang="en-US" dirty="0"/>
+              <a:t>Server assignments</a:t>
+            </a:r>
+          </a:p>
+          <a:p>
+            <a:pPr lvl="1"/>
+            <a:r>
+              <a:rPr lang="en-US" dirty="0"/>
+              <a:t>Ready to clean / cleaned status</a:t>
+            </a:r>
+          </a:p>
+          <a:p>
+            <a:r>
+              <a:rPr lang="en-US" dirty="0"/>
+              <a:t>Menu</a:t>
+            </a:r>
+          </a:p>
+          <a:p>
+            <a:r>
+              <a:rPr lang="en-US" dirty="0"/>
+              <a:t>Send orders to kitchen</a:t>
+            </a:r>
+          </a:p>
+          <a:p>
+            <a:r>
+              <a:rPr lang="en-US" dirty="0"/>
+              <a:t>Payment API (stub)</a:t>
+            </a:r>
+          </a:p>
+          <a:p>
+            <a:r>
+              <a:rPr lang="en-US" dirty="0"/>
+              <a:t>Employee names and roles</a:t>
+            </a:r>
+          </a:p>
+          <a:p>
+            <a:r>
+              <a:rPr lang="en-US" dirty="0"/>
+              <a:t>Consumption report of ingredients</a:t>
+            </a:r>
+          </a:p>
+          <a:p>
+            <a:r>
+              <a:rPr lang="en-US" dirty="0"/>
+              <a:t>Sales numbers</a:t>
+            </a:r>
+          </a:p>
+          <a:p>
+            <a:endParaRPr lang="en-US" sz="4000" b="1" dirty="0"/>
+          </a:p>
+        </p:txBody>
+      </p:sp>
+      <p:sp>
+        <p:nvSpPr>
+          <p:cNvPr id="4" name="Content Placeholder 2"/>
+          <p:cNvSpPr txBox="1">
+            <a:spLocks/>
+          </p:cNvSpPr>
+          <p:nvPr/>
+        </p:nvSpPr>
+        <p:spPr>
+          <a:xfrm>
+            <a:off x="4572000" y="1600199"/>
+            <a:ext cx="4191000" cy="4525963"/>
+          </a:xfrm>
+          <a:prstGeom prst="rect">
+            <a:avLst/>
+          </a:prstGeom>
+        </p:spPr>
+        <p:txBody>
+          <a:bodyPr vert="horz" lIns="91440" tIns="45720" rIns="91440" bIns="45720" rtlCol="0">
+            <a:normAutofit fontScale="55000" lnSpcReduction="20000"/>
+          </a:bodyPr>
+          <a:lstStyle>
+            <a:lvl1pPr marL="342900" indent="-342900" algn="l" defTabSz="914400" rtl="0" eaLnBrk="1" latinLnBrk="0" hangingPunct="1">
+              <a:spcBef>
+                <a:spcPct val="20000"/>
+              </a:spcBef>
+              <a:buFont typeface="Arial" pitchFamily="34" charset="0"/>
+              <a:buChar char="•"/>
+              <a:defRPr sz="3200" kern="1200">
+                <a:solidFill>
+                  <a:schemeClr val="tx1"/>
+                </a:solidFill>
+                <a:latin typeface="+mn-lt"/>
+                <a:ea typeface="+mn-ea"/>
+                <a:cs typeface="+mn-cs"/>
+              </a:defRPr>
+            </a:lvl1pPr>
+            <a:lvl2pPr marL="742950" indent="-285750" algn="l" defTabSz="914400" rtl="0" eaLnBrk="1" latinLnBrk="0" hangingPunct="1">
+              <a:spcBef>
+                <a:spcPct val="20000"/>
+              </a:spcBef>
+              <a:buFont typeface="Arial" pitchFamily="34" charset="0"/>
+              <a:buChar char="–"/>
+              <a:defRPr sz="2800" kern="1200">
+                <a:solidFill>
+                  <a:schemeClr val="tx1"/>
+                </a:solidFill>
+                <a:latin typeface="+mn-lt"/>
+                <a:ea typeface="+mn-ea"/>
+                <a:cs typeface="+mn-cs"/>
+              </a:defRPr>
+            </a:lvl2pPr>
+            <a:lvl3pPr marL="1143000" indent="-228600" algn="l" defTabSz="914400" rtl="0" eaLnBrk="1" latinLnBrk="0" hangingPunct="1">
+              <a:spcBef>
+                <a:spcPct val="20000"/>
+              </a:spcBef>
+              <a:buFont typeface="Arial" pitchFamily="34" charset="0"/>
+              <a:buChar char="•"/>
+              <a:defRPr sz="2400" kern="1200">
+                <a:solidFill>
+                  <a:schemeClr val="tx1"/>
+                </a:solidFill>
+                <a:latin typeface="+mn-lt"/>
+                <a:ea typeface="+mn-ea"/>
+                <a:cs typeface="+mn-cs"/>
+              </a:defRPr>
+            </a:lvl3pPr>
+            <a:lvl4pPr marL="1600200" indent="-228600" algn="l" defTabSz="914400" rtl="0" eaLnBrk="1" latinLnBrk="0" hangingPunct="1">
+              <a:spcBef>
+                <a:spcPct val="20000"/>
+              </a:spcBef>
+              <a:buFont typeface="Arial" pitchFamily="34" charset="0"/>
+              <a:buChar char="–"/>
+              <a:defRPr sz="2000" kern="1200">
+                <a:solidFill>
+                  <a:schemeClr val="tx1"/>
+                </a:solidFill>
+                <a:latin typeface="+mn-lt"/>
+                <a:ea typeface="+mn-ea"/>
+                <a:cs typeface="+mn-cs"/>
+              </a:defRPr>
+            </a:lvl4pPr>
+            <a:lvl5pPr marL="2057400" indent="-228600" algn="l" defTabSz="914400" rtl="0" eaLnBrk="1" latinLnBrk="0" hangingPunct="1">
+              <a:spcBef>
+                <a:spcPct val="20000"/>
+              </a:spcBef>
+              <a:buFont typeface="Arial" pitchFamily="34" charset="0"/>
+              <a:buChar char="»"/>
+              <a:defRPr sz="2000" kern="1200">
+                <a:solidFill>
+                  <a:schemeClr val="tx1"/>
+                </a:solidFill>
+                <a:latin typeface="+mn-lt"/>
+                <a:ea typeface="+mn-ea"/>
+                <a:cs typeface="+mn-cs"/>
+              </a:defRPr>
+            </a:lvl5pPr>
+            <a:lvl6pPr marL="2514600" indent="-228600" algn="l" defTabSz="914400" rtl="0" eaLnBrk="1" latinLnBrk="0" hangingPunct="1">
+              <a:spcBef>
+                <a:spcPct val="20000"/>
+              </a:spcBef>
+              <a:buFont typeface="Arial" pitchFamily="34" charset="0"/>
+              <a:buChar char="•"/>
+              <a:defRPr sz="2000" kern="1200">
+                <a:solidFill>
+                  <a:schemeClr val="tx1"/>
+                </a:solidFill>
+                <a:latin typeface="+mn-lt"/>
+                <a:ea typeface="+mn-ea"/>
+                <a:cs typeface="+mn-cs"/>
+              </a:defRPr>
+            </a:lvl6pPr>
+            <a:lvl7pPr marL="2971800" indent="-228600" algn="l" defTabSz="914400" rtl="0" eaLnBrk="1" latinLnBrk="0" hangingPunct="1">
+              <a:spcBef>
+                <a:spcPct val="20000"/>
+              </a:spcBef>
+              <a:buFont typeface="Arial" pitchFamily="34" charset="0"/>
+              <a:buChar char="•"/>
+              <a:defRPr sz="2000" kern="1200">
+                <a:solidFill>
+                  <a:schemeClr val="tx1"/>
+                </a:solidFill>
+                <a:latin typeface="+mn-lt"/>
+                <a:ea typeface="+mn-ea"/>
+                <a:cs typeface="+mn-cs"/>
+              </a:defRPr>
+            </a:lvl7pPr>
+            <a:lvl8pPr marL="3429000" indent="-228600" algn="l" defTabSz="914400" rtl="0" eaLnBrk="1" latinLnBrk="0" hangingPunct="1">
+              <a:spcBef>
+                <a:spcPct val="20000"/>
+              </a:spcBef>
+              <a:buFont typeface="Arial" pitchFamily="34" charset="0"/>
+              <a:buChar char="•"/>
+              <a:defRPr sz="2000" kern="1200">
+                <a:solidFill>
+                  <a:schemeClr val="tx1"/>
+                </a:solidFill>
+                <a:latin typeface="+mn-lt"/>
+                <a:ea typeface="+mn-ea"/>
+                <a:cs typeface="+mn-cs"/>
+              </a:defRPr>
+            </a:lvl8pPr>
+            <a:lvl9pPr marL="3886200" indent="-228600" algn="l" defTabSz="914400" rtl="0" eaLnBrk="1" latinLnBrk="0" hangingPunct="1">
+              <a:spcBef>
+                <a:spcPct val="20000"/>
+              </a:spcBef>
+              <a:buFont typeface="Arial" pitchFamily="34" charset="0"/>
+              <a:buChar char="•"/>
+              <a:defRPr sz="2000" kern="1200">
+                <a:solidFill>
+                  <a:schemeClr val="tx1"/>
+                </a:solidFill>
+                <a:latin typeface="+mn-lt"/>
+                <a:ea typeface="+mn-ea"/>
+                <a:cs typeface="+mn-cs"/>
+              </a:defRPr>
+            </a:lvl9pPr>
+          </a:lstStyle>
+          <a:p>
+            <a:r>
+              <a:rPr lang="en-US" sz="4000" dirty="0"/>
+              <a:t>Mobile site</a:t>
+            </a:r>
+          </a:p>
+          <a:p>
+            <a:r>
+              <a:rPr lang="en-US" sz="4000" dirty="0"/>
+              <a:t>Bill splitting</a:t>
+            </a:r>
+          </a:p>
+          <a:p>
+            <a:r>
+              <a:rPr lang="en-US" sz="4000" dirty="0"/>
+              <a:t>Tips</a:t>
+            </a:r>
+          </a:p>
+          <a:p>
+            <a:r>
+              <a:rPr lang="en-US" sz="4000" dirty="0"/>
+              <a:t>Prioritize orders in the kitchen</a:t>
+            </a:r>
+          </a:p>
+          <a:p>
+            <a:r>
+              <a:rPr lang="en-US" sz="4000" dirty="0"/>
+              <a:t>Customer time in/out</a:t>
+            </a:r>
+          </a:p>
+          <a:p>
+            <a:r>
+              <a:rPr lang="en-US" sz="4000" dirty="0"/>
+              <a:t>Busboy role</a:t>
+            </a:r>
+          </a:p>
+          <a:p>
+            <a:r>
+              <a:rPr lang="en-US" sz="4000" dirty="0"/>
+              <a:t>Drinks as items</a:t>
+            </a:r>
+          </a:p>
+          <a:p>
+            <a:r>
+              <a:rPr lang="en-US" sz="4000" dirty="0"/>
+              <a:t>Dish categories (app, main, dessert, drink, etc.)</a:t>
+            </a:r>
+          </a:p>
+          <a:p>
+            <a:r>
+              <a:rPr lang="en-US" sz="4000" dirty="0"/>
+              <a:t>Basic account authorization &amp; security</a:t>
+            </a:r>
+          </a:p>
+          <a:p>
+            <a:r>
+              <a:rPr lang="en-US" sz="4000" dirty="0"/>
+              <a:t>Kitchen UI (queue display)</a:t>
+            </a:r>
+          </a:p>
+          <a:p>
+            <a:pPr marL="0" indent="0">
+              <a:buNone/>
+            </a:pPr>
             <a:endParaRPr lang="en-US" sz="4000" b="1" dirty="0"/>
           </a:p>
         </p:txBody>
@@ -7150,15 +7441,7 @@
             <a:pPr algn="l"/>
             <a:r>
               <a:rPr lang="en-US" sz="6000" b="1" dirty="0" smtClean="0"/>
-              <a:t>Scope: </a:t>
-            </a:r>
-            <a:r>
-              <a:rPr lang="en-US" sz="6000" b="1" dirty="0"/>
-              <a:t>W</a:t>
-            </a:r>
-            <a:r>
-              <a:rPr lang="en-US" sz="6000" b="1" dirty="0" smtClean="0"/>
-              <a:t>hat’s In</a:t>
+              <a:t>Out of Scope</a:t>
             </a:r>
             <a:endParaRPr lang="en-US" sz="6000" b="1" dirty="0"/>
           </a:p>
@@ -7177,11 +7460,63 @@
         <p:spPr/>
         <p:txBody>
           <a:bodyPr>
-            <a:normAutofit/>
+            <a:normAutofit fontScale="77500" lnSpcReduction="20000"/>
           </a:bodyPr>
           <a:lstStyle/>
           <a:p>
-            <a:endParaRPr lang="en-US" sz="4000" b="1" dirty="0"/>
+            <a:r>
+              <a:rPr lang="en-US" sz="4000" dirty="0"/>
+              <a:t>Specifics of payment</a:t>
+            </a:r>
+          </a:p>
+          <a:p>
+            <a:r>
+              <a:rPr lang="en-US" sz="4000" dirty="0"/>
+              <a:t>PCI compliance</a:t>
+            </a:r>
+          </a:p>
+          <a:p>
+            <a:r>
+              <a:rPr lang="en-US" sz="4000" dirty="0"/>
+              <a:t>Payroll, time clocks</a:t>
+            </a:r>
+          </a:p>
+          <a:p>
+            <a:r>
+              <a:rPr lang="en-US" sz="4000" dirty="0"/>
+              <a:t>Inventory management</a:t>
+            </a:r>
+          </a:p>
+          <a:p>
+            <a:r>
+              <a:rPr lang="en-US" sz="4000" dirty="0"/>
+              <a:t>Complaints</a:t>
+            </a:r>
+          </a:p>
+          <a:p>
+            <a:r>
+              <a:rPr lang="en-US" sz="4000" dirty="0"/>
+              <a:t>Bar management</a:t>
+            </a:r>
+          </a:p>
+          <a:p>
+            <a:r>
+              <a:rPr lang="en-US" sz="4000" dirty="0"/>
+              <a:t>Splitting bill for a single item</a:t>
+            </a:r>
+          </a:p>
+          <a:p>
+            <a:r>
+              <a:rPr lang="en-US" sz="4000" dirty="0"/>
+              <a:t>Custom table setups</a:t>
+            </a:r>
+          </a:p>
+          <a:p>
+            <a:r>
+              <a:rPr lang="en-US" sz="4000" dirty="0" smtClean="0"/>
+              <a:t>Recipes</a:t>
+            </a:r>
+            <a:endParaRPr lang="en-US" sz="4000" dirty="0"/>
           </a:p>
         </p:txBody>
       </p:sp>
@@ -7247,11 +7582,7 @@
             <a:pPr algn="l"/>
             <a:r>
               <a:rPr lang="en-US" sz="6000" b="1" dirty="0" smtClean="0"/>
-              <a:t>Scope: </a:t>
-            </a:r>
-            <a:r>
-              <a:rPr lang="en-US" sz="6000" b="1" dirty="0" smtClean="0"/>
-              <a:t>Undecided</a:t>
+              <a:t>Scope Undecided</a:t>
             </a:r>
             <a:endParaRPr lang="en-US" sz="6000" b="1" dirty="0"/>
           </a:p>
@@ -7274,7 +7605,42 @@
           </a:bodyPr>
           <a:lstStyle/>
           <a:p>
-            <a:endParaRPr lang="en-US" sz="4000" b="1" dirty="0"/>
+            <a:r>
+              <a:rPr lang="en-US" sz="3600" dirty="0"/>
+              <a:t>Reservations</a:t>
+            </a:r>
+          </a:p>
+          <a:p>
+            <a:r>
+              <a:rPr lang="en-US" sz="3600" dirty="0"/>
+              <a:t>Basic employee stats</a:t>
+            </a:r>
+          </a:p>
+          <a:p>
+            <a:r>
+              <a:rPr lang="en-US" sz="3600" dirty="0"/>
+              <a:t>Mobile app</a:t>
+            </a:r>
+          </a:p>
+          <a:p>
+            <a:r>
+              <a:rPr lang="en-US" sz="3600" dirty="0"/>
+              <a:t>Discounts / adjustments (</a:t>
+            </a:r>
+            <a:r>
+              <a:rPr lang="en-US" sz="3600" dirty="0" err="1"/>
+              <a:t>comping</a:t>
+            </a:r>
+            <a:r>
+              <a:rPr lang="en-US" sz="3600" dirty="0"/>
+              <a:t>)</a:t>
+            </a:r>
+          </a:p>
+          <a:p>
+            <a:r>
+              <a:rPr lang="en-US" sz="3600" dirty="0"/>
+              <a:t>Parties spanning &gt; 1 table</a:t>
+            </a:r>
           </a:p>
         </p:txBody>
       </p:sp>
@@ -8098,11 +8464,15 @@
         </p:spPr>
         <p:txBody>
           <a:bodyPr>
-            <a:normAutofit/>
+            <a:normAutofit fontScale="90000"/>
           </a:bodyPr>
           <a:lstStyle/>
           <a:p>
             <a:pPr algn="l"/>
+            <a:r>
+              <a:rPr lang="en-US" sz="6000" b="1" dirty="0" smtClean="0"/>
+              <a:t>Glossary of Terms</a:t>
+            </a:r>
             <a:endParaRPr lang="en-US" sz="6000" b="1" dirty="0"/>
           </a:p>
         </p:txBody>
@@ -8117,269 +8487,141 @@
             <p:ph idx="1"/>
           </p:nvPr>
         </p:nvSpPr>
-        <p:spPr/>
+        <p:spPr>
+          <a:xfrm>
+            <a:off x="457200" y="1600200"/>
+            <a:ext cx="8229600" cy="4953000"/>
+          </a:xfrm>
+        </p:spPr>
         <p:txBody>
           <a:bodyPr>
-            <a:normAutofit/>
+            <a:normAutofit fontScale="47500" lnSpcReduction="20000"/>
           </a:bodyPr>
           <a:lstStyle/>
           <a:p>
-            <a:endParaRPr lang="en-US" sz="4000" b="1" dirty="0"/>
-          </a:p>
-        </p:txBody>
-      </p:sp>
-    </p:spTree>
-    <p:extLst>
-      <p:ext uri="{BB962C8B-B14F-4D97-AF65-F5344CB8AC3E}">
-        <p14:creationId xmlns:p14="http://schemas.microsoft.com/office/powerpoint/2010/main" val="23986043"/>
-      </p:ext>
-    </p:extLst>
-  </p:cSld>
-  <p:clrMapOvr>
-    <a:masterClrMapping/>
-  </p:clrMapOvr>
-  <p:timing>
-    <p:tnLst>
-      <p:par>
-        <p:cTn id="1" dur="indefinite" restart="never" nodeType="tmRoot"/>
-      </p:par>
-    </p:tnLst>
-  </p:timing>
-</p:sld>
-</file>
-
-<file path=ppt/slides/slide27.xml><?xml version="1.0" encoding="utf-8"?>
-<p:sld xmlns:a="http://schemas.openxmlformats.org/drawingml/2006/main" xmlns:r="http://schemas.openxmlformats.org/officeDocument/2006/relationships" xmlns:p="http://schemas.openxmlformats.org/presentationml/2006/main">
-  <p:cSld>
-    <p:spTree>
-      <p:nvGrpSpPr>
-        <p:cNvPr id="1" name=""/>
-        <p:cNvGrpSpPr/>
-        <p:nvPr/>
-      </p:nvGrpSpPr>
-      <p:grpSpPr>
-        <a:xfrm>
-          <a:off x="0" y="0"/>
-          <a:ext cx="0" cy="0"/>
-          <a:chOff x="0" y="0"/>
-          <a:chExt cx="0" cy="0"/>
-        </a:xfrm>
-      </p:grpSpPr>
-      <p:sp>
-        <p:nvSpPr>
-          <p:cNvPr id="2" name="Title 1"/>
-          <p:cNvSpPr>
-            <a:spLocks noGrp="1"/>
-          </p:cNvSpPr>
-          <p:nvPr>
-            <p:ph type="title"/>
-          </p:nvPr>
-        </p:nvSpPr>
-        <p:spPr>
-          <a:xfrm>
-            <a:off x="457200" y="274638"/>
-            <a:ext cx="5486400" cy="1143000"/>
-          </a:xfrm>
-        </p:spPr>
-        <p:txBody>
-          <a:bodyPr>
-            <a:normAutofit/>
-          </a:bodyPr>
-          <a:lstStyle/>
-          <a:p>
-            <a:pPr algn="l"/>
-            <a:endParaRPr lang="en-US" sz="6000" b="1" dirty="0"/>
-          </a:p>
-        </p:txBody>
-      </p:sp>
-      <p:sp>
-        <p:nvSpPr>
-          <p:cNvPr id="3" name="Content Placeholder 2"/>
-          <p:cNvSpPr>
-            <a:spLocks noGrp="1"/>
-          </p:cNvSpPr>
-          <p:nvPr>
-            <p:ph idx="1"/>
-          </p:nvPr>
-        </p:nvSpPr>
-        <p:spPr/>
-        <p:txBody>
-          <a:bodyPr>
-            <a:normAutofit/>
-          </a:bodyPr>
-          <a:lstStyle/>
-          <a:p>
-            <a:endParaRPr lang="en-US" sz="4000" b="1" dirty="0"/>
-          </a:p>
-        </p:txBody>
-      </p:sp>
-    </p:spTree>
-    <p:extLst>
-      <p:ext uri="{BB962C8B-B14F-4D97-AF65-F5344CB8AC3E}">
-        <p14:creationId xmlns:p14="http://schemas.microsoft.com/office/powerpoint/2010/main" val="822662854"/>
-      </p:ext>
-    </p:extLst>
-  </p:cSld>
-  <p:clrMapOvr>
-    <a:masterClrMapping/>
-  </p:clrMapOvr>
-  <p:timing>
-    <p:tnLst>
-      <p:par>
-        <p:cTn id="1" dur="indefinite" restart="never" nodeType="tmRoot"/>
-      </p:par>
-    </p:tnLst>
-  </p:timing>
-</p:sld>
-</file>
-
-<file path=ppt/slides/slide28.xml><?xml version="1.0" encoding="utf-8"?>
-<p:sld xmlns:a="http://schemas.openxmlformats.org/drawingml/2006/main" xmlns:r="http://schemas.openxmlformats.org/officeDocument/2006/relationships" xmlns:p="http://schemas.openxmlformats.org/presentationml/2006/main">
-  <p:cSld>
-    <p:spTree>
-      <p:nvGrpSpPr>
-        <p:cNvPr id="1" name=""/>
-        <p:cNvGrpSpPr/>
-        <p:nvPr/>
-      </p:nvGrpSpPr>
-      <p:grpSpPr>
-        <a:xfrm>
-          <a:off x="0" y="0"/>
-          <a:ext cx="0" cy="0"/>
-          <a:chOff x="0" y="0"/>
-          <a:chExt cx="0" cy="0"/>
-        </a:xfrm>
-      </p:grpSpPr>
-      <p:sp>
-        <p:nvSpPr>
-          <p:cNvPr id="2" name="Title 1"/>
-          <p:cNvSpPr>
-            <a:spLocks noGrp="1"/>
-          </p:cNvSpPr>
-          <p:nvPr>
-            <p:ph type="title"/>
-          </p:nvPr>
-        </p:nvSpPr>
-        <p:spPr>
-          <a:xfrm>
-            <a:off x="457200" y="274638"/>
-            <a:ext cx="5486400" cy="1143000"/>
-          </a:xfrm>
-        </p:spPr>
-        <p:txBody>
-          <a:bodyPr>
-            <a:normAutofit/>
-          </a:bodyPr>
-          <a:lstStyle/>
-          <a:p>
-            <a:pPr algn="l"/>
-            <a:endParaRPr lang="en-US" sz="6000" b="1" dirty="0"/>
-          </a:p>
-        </p:txBody>
-      </p:sp>
-      <p:sp>
-        <p:nvSpPr>
-          <p:cNvPr id="3" name="Content Placeholder 2"/>
-          <p:cNvSpPr>
-            <a:spLocks noGrp="1"/>
-          </p:cNvSpPr>
-          <p:nvPr>
-            <p:ph idx="1"/>
-          </p:nvPr>
-        </p:nvSpPr>
-        <p:spPr/>
-        <p:txBody>
-          <a:bodyPr>
-            <a:normAutofit/>
-          </a:bodyPr>
-          <a:lstStyle/>
-          <a:p>
-            <a:endParaRPr lang="en-US" sz="4000" b="1" dirty="0"/>
-          </a:p>
-        </p:txBody>
-      </p:sp>
-    </p:spTree>
-    <p:extLst>
-      <p:ext uri="{BB962C8B-B14F-4D97-AF65-F5344CB8AC3E}">
-        <p14:creationId xmlns:p14="http://schemas.microsoft.com/office/powerpoint/2010/main" val="822662854"/>
-      </p:ext>
-    </p:extLst>
-  </p:cSld>
-  <p:clrMapOvr>
-    <a:masterClrMapping/>
-  </p:clrMapOvr>
-  <p:timing>
-    <p:tnLst>
-      <p:par>
-        <p:cTn id="1" dur="indefinite" restart="never" nodeType="tmRoot"/>
-      </p:par>
-    </p:tnLst>
-  </p:timing>
-</p:sld>
-</file>
-
-<file path=ppt/slides/slide29.xml><?xml version="1.0" encoding="utf-8"?>
-<p:sld xmlns:a="http://schemas.openxmlformats.org/drawingml/2006/main" xmlns:r="http://schemas.openxmlformats.org/officeDocument/2006/relationships" xmlns:p="http://schemas.openxmlformats.org/presentationml/2006/main">
-  <p:cSld>
-    <p:spTree>
-      <p:nvGrpSpPr>
-        <p:cNvPr id="1" name=""/>
-        <p:cNvGrpSpPr/>
-        <p:nvPr/>
-      </p:nvGrpSpPr>
-      <p:grpSpPr>
-        <a:xfrm>
-          <a:off x="0" y="0"/>
-          <a:ext cx="0" cy="0"/>
-          <a:chOff x="0" y="0"/>
-          <a:chExt cx="0" cy="0"/>
-        </a:xfrm>
-      </p:grpSpPr>
-      <p:sp>
-        <p:nvSpPr>
-          <p:cNvPr id="2" name="Title 1"/>
-          <p:cNvSpPr>
-            <a:spLocks noGrp="1"/>
-          </p:cNvSpPr>
-          <p:nvPr>
-            <p:ph type="title"/>
-          </p:nvPr>
-        </p:nvSpPr>
-        <p:spPr>
-          <a:xfrm>
-            <a:off x="457200" y="274638"/>
-            <a:ext cx="5486400" cy="1143000"/>
-          </a:xfrm>
-        </p:spPr>
-        <p:txBody>
-          <a:bodyPr>
-            <a:normAutofit/>
-          </a:bodyPr>
-          <a:lstStyle/>
-          <a:p>
-            <a:pPr algn="l"/>
-            <a:endParaRPr lang="en-US" sz="6000" b="1" dirty="0"/>
-          </a:p>
-        </p:txBody>
-      </p:sp>
-      <p:sp>
-        <p:nvSpPr>
-          <p:cNvPr id="3" name="Content Placeholder 2"/>
-          <p:cNvSpPr>
-            <a:spLocks noGrp="1"/>
-          </p:cNvSpPr>
-          <p:nvPr>
-            <p:ph idx="1"/>
-          </p:nvPr>
-        </p:nvSpPr>
-        <p:spPr/>
-        <p:txBody>
-          <a:bodyPr>
-            <a:normAutofit/>
-          </a:bodyPr>
-          <a:lstStyle/>
-          <a:p>
-            <a:endParaRPr lang="en-US" sz="4000" b="1" dirty="0"/>
+            <a:r>
+              <a:rPr lang="en-US" sz="4000" b="1" dirty="0"/>
+              <a:t>Table</a:t>
+            </a:r>
+            <a:r>
+              <a:rPr lang="en-US" sz="4000" dirty="0"/>
+              <a:t>: A set of customers sitting together and ordering for the same meal.</a:t>
+            </a:r>
+          </a:p>
+          <a:p>
+            <a:r>
+              <a:rPr lang="en-US" sz="4000" b="1" dirty="0"/>
+              <a:t>Seat</a:t>
+            </a:r>
+            <a:r>
+              <a:rPr lang="en-US" sz="4000" dirty="0"/>
+              <a:t>: A single person at a table, identified by number.</a:t>
+            </a:r>
+          </a:p>
+          <a:p>
+            <a:r>
+              <a:rPr lang="en-US" sz="4000" b="1" dirty="0"/>
+              <a:t>Item</a:t>
+            </a:r>
+            <a:r>
+              <a:rPr lang="en-US" sz="4000" dirty="0"/>
+              <a:t>: A dish or drink on the menu that a customer can order.</a:t>
+            </a:r>
+          </a:p>
+          <a:p>
+            <a:r>
+              <a:rPr lang="en-US" sz="4000" b="1" dirty="0"/>
+              <a:t>Item Type</a:t>
+            </a:r>
+            <a:r>
+              <a:rPr lang="en-US" sz="4000" dirty="0"/>
+              <a:t>: An attribute of an item. Values include, Appetizer, Main, Dessert, Drink, etc.</a:t>
+            </a:r>
+          </a:p>
+          <a:p>
+            <a:r>
+              <a:rPr lang="en-US" sz="4000" b="1" dirty="0"/>
+              <a:t>Order</a:t>
+            </a:r>
+            <a:r>
+              <a:rPr lang="en-US" sz="4000" dirty="0"/>
+              <a:t>: A set of items ordered by a customer at a seat.</a:t>
+            </a:r>
+          </a:p>
+          <a:p>
+            <a:r>
+              <a:rPr lang="en-US" sz="4000" b="1" dirty="0"/>
+              <a:t>Order Group</a:t>
+            </a:r>
+            <a:r>
+              <a:rPr lang="en-US" sz="4000" dirty="0"/>
+              <a:t>: Orders to be paid by the same payee.</a:t>
+            </a:r>
+          </a:p>
+          <a:p>
+            <a:r>
+              <a:rPr lang="en-US" sz="4000" b="1" dirty="0"/>
+              <a:t>Bill</a:t>
+            </a:r>
+            <a:r>
+              <a:rPr lang="en-US" sz="4000" dirty="0"/>
+              <a:t>: All Items belonging to a table, includes the price of each Item and the total price.</a:t>
+            </a:r>
+          </a:p>
+          <a:p>
+            <a:r>
+              <a:rPr lang="en-US" sz="4000" b="1" dirty="0"/>
+              <a:t>Order Queue</a:t>
+            </a:r>
+            <a:r>
+              <a:rPr lang="en-US" sz="4000" dirty="0"/>
+              <a:t>: List of Orders, used in the kitchen to plan for orders to be prepared on a first-come first-served basis (grouped by Bill).</a:t>
+            </a:r>
+          </a:p>
+          <a:p>
+            <a:r>
+              <a:rPr lang="en-US" sz="4000" b="1" dirty="0"/>
+              <a:t>Item Queue</a:t>
+            </a:r>
+            <a:r>
+              <a:rPr lang="en-US" sz="4000" dirty="0"/>
+              <a:t>: List of Items, used in the kitchen to plan for Items of the same Type to be ready for each seat at a table at the same time.</a:t>
+            </a:r>
+          </a:p>
+          <a:p>
+            <a:r>
+              <a:rPr lang="en-US" sz="4000" b="1" dirty="0"/>
+              <a:t>Service Queue</a:t>
+            </a:r>
+            <a:r>
+              <a:rPr lang="en-US" sz="4000" dirty="0"/>
+              <a:t>: Collection of Items of the same type ready to be delivered to a table.</a:t>
+            </a:r>
+          </a:p>
+          <a:p>
+            <a:r>
+              <a:rPr lang="en-US" sz="4000" b="1" dirty="0"/>
+              <a:t>Bus queue</a:t>
+            </a:r>
+            <a:r>
+              <a:rPr lang="en-US" sz="4000" dirty="0"/>
+              <a:t>: List of tables ready to be cleaned and prepared for new customers.</a:t>
+            </a:r>
+          </a:p>
+          <a:p>
+            <a:r>
+              <a:rPr lang="en-US" sz="4000" b="1" dirty="0"/>
+              <a:t>Table status</a:t>
+            </a:r>
+            <a:r>
+              <a:rPr lang="en-US" sz="4000" dirty="0"/>
+              <a:t>: Attribute of Tables determining next action that can be taken. Values include: occupied, bus-queue, available</a:t>
+            </a:r>
+            <a:r>
+              <a:rPr lang="en-US" sz="4000" dirty="0" smtClean="0"/>
+              <a:t>.</a:t>
+            </a:r>
+            <a:endParaRPr lang="en-US" sz="4000" dirty="0"/>
           </a:p>
         </p:txBody>
       </p:sp>
@@ -8464,7 +8706,7 @@
         <p:spPr>
           <a:xfrm>
             <a:off x="23648" y="1295400"/>
-            <a:ext cx="8763000" cy="3352800"/>
+            <a:ext cx="8763000" cy="5257800"/>
           </a:xfrm>
         </p:spPr>
         <p:txBody>
@@ -8473,26 +8715,67 @@
           </a:bodyPr>
           <a:lstStyle/>
           <a:p>
-            <a:pPr>
-              <a:spcBef>
-                <a:spcPts val="0"/>
-              </a:spcBef>
+            <a:pPr marL="0" indent="0">
+              <a:buNone/>
             </a:pPr>
             <a:r>
-              <a:rPr lang="en-GB" sz="3600" b="1" dirty="0"/>
-              <a:t>Restaurants are </a:t>
-            </a:r>
-            <a:r>
-              <a:rPr lang="en-GB" sz="3600" b="1" dirty="0" smtClean="0"/>
-              <a:t>busy environments and inefficiencies can result in business failure </a:t>
-            </a:r>
-            <a:r>
-              <a:rPr lang="en-GB" sz="3600" b="1" dirty="0"/>
-              <a:t>even </a:t>
-            </a:r>
-            <a:r>
-              <a:rPr lang="en-GB" sz="3600" b="1" dirty="0" smtClean="0"/>
-              <a:t>if the food is great. </a:t>
+              <a:rPr lang="en-US" dirty="0" smtClean="0"/>
+              <a:t>A </a:t>
+            </a:r>
+            <a:r>
+              <a:rPr lang="en-US" b="1" dirty="0"/>
+              <a:t>restaurant management application </a:t>
+            </a:r>
+            <a:r>
+              <a:rPr lang="en-US" dirty="0"/>
+              <a:t>used </a:t>
+            </a:r>
+            <a:r>
+              <a:rPr lang="en-US" dirty="0" smtClean="0"/>
+              <a:t>to:</a:t>
+            </a:r>
+            <a:endParaRPr lang="en-US" dirty="0"/>
+          </a:p>
+          <a:p>
+            <a:r>
+              <a:rPr lang="en-US" dirty="0"/>
+              <a:t>Enter, track, and delegate food and drink orders</a:t>
+            </a:r>
+          </a:p>
+          <a:p>
+            <a:r>
+              <a:rPr lang="en-US" dirty="0"/>
+              <a:t>Enter and track table statuses and reservations</a:t>
+            </a:r>
+          </a:p>
+          <a:p>
+            <a:r>
+              <a:rPr lang="en-US" dirty="0"/>
+              <a:t>Prioritize orders in the kitchen according to arrival of orders and required prep times</a:t>
+            </a:r>
+          </a:p>
+          <a:p>
+            <a:r>
+              <a:rPr lang="en-US" dirty="0"/>
+              <a:t>Handle billing</a:t>
+            </a:r>
+          </a:p>
+          <a:p>
+            <a:r>
+              <a:rPr lang="en-US" dirty="0" smtClean="0"/>
+              <a:t>We </a:t>
+            </a:r>
+            <a:r>
+              <a:rPr lang="en-US" dirty="0"/>
+              <a:t>envision this as a </a:t>
+            </a:r>
+            <a:r>
+              <a:rPr lang="en-US" dirty="0" smtClean="0"/>
+              <a:t>web </a:t>
+            </a:r>
+            <a:r>
+              <a:rPr lang="en-US" dirty="0"/>
+              <a:t>application which may be adapted to Android if time allows.</a:t>
             </a:r>
           </a:p>
           <a:p>
@@ -8504,108 +8787,12 @@
             </a:pPr>
             <a:endParaRPr lang="en-GB" sz="3600" b="1" dirty="0" smtClean="0"/>
           </a:p>
-          <a:p>
-            <a:pPr>
-              <a:spcBef>
-                <a:spcPts val="0"/>
-              </a:spcBef>
-            </a:pPr>
-            <a:r>
-              <a:rPr lang="en-GB" sz="3600" b="1" dirty="0" smtClean="0"/>
-              <a:t>Effective coordination of personnel and resources is key to timely service and customer satisfaction.</a:t>
-            </a:r>
-          </a:p>
         </p:txBody>
       </p:sp>
     </p:spTree>
     <p:extLst>
       <p:ext uri="{BB962C8B-B14F-4D97-AF65-F5344CB8AC3E}">
         <p14:creationId xmlns:p14="http://schemas.microsoft.com/office/powerpoint/2010/main" val="4103635040"/>
-      </p:ext>
-    </p:extLst>
-  </p:cSld>
-  <p:clrMapOvr>
-    <a:masterClrMapping/>
-  </p:clrMapOvr>
-  <p:timing>
-    <p:tnLst>
-      <p:par>
-        <p:cTn id="1" dur="indefinite" restart="never" nodeType="tmRoot"/>
-      </p:par>
-    </p:tnLst>
-  </p:timing>
-</p:sld>
-</file>
-
-<file path=ppt/slides/slide30.xml><?xml version="1.0" encoding="utf-8"?>
-<p:sld xmlns:a="http://schemas.openxmlformats.org/drawingml/2006/main" xmlns:r="http://schemas.openxmlformats.org/officeDocument/2006/relationships" xmlns:p="http://schemas.openxmlformats.org/presentationml/2006/main">
-  <p:cSld>
-    <p:spTree>
-      <p:nvGrpSpPr>
-        <p:cNvPr id="1" name=""/>
-        <p:cNvGrpSpPr/>
-        <p:nvPr/>
-      </p:nvGrpSpPr>
-      <p:grpSpPr>
-        <a:xfrm>
-          <a:off x="0" y="0"/>
-          <a:ext cx="0" cy="0"/>
-          <a:chOff x="0" y="0"/>
-          <a:chExt cx="0" cy="0"/>
-        </a:xfrm>
-      </p:grpSpPr>
-      <p:sp>
-        <p:nvSpPr>
-          <p:cNvPr id="2" name="Title 1"/>
-          <p:cNvSpPr>
-            <a:spLocks noGrp="1"/>
-          </p:cNvSpPr>
-          <p:nvPr>
-            <p:ph type="title"/>
-          </p:nvPr>
-        </p:nvSpPr>
-        <p:spPr>
-          <a:xfrm>
-            <a:off x="457200" y="274638"/>
-            <a:ext cx="5486400" cy="1143000"/>
-          </a:xfrm>
-        </p:spPr>
-        <p:txBody>
-          <a:bodyPr>
-            <a:normAutofit/>
-          </a:bodyPr>
-          <a:lstStyle/>
-          <a:p>
-            <a:pPr algn="l"/>
-            <a:endParaRPr lang="en-US" sz="6000" b="1" dirty="0"/>
-          </a:p>
-        </p:txBody>
-      </p:sp>
-      <p:sp>
-        <p:nvSpPr>
-          <p:cNvPr id="3" name="Content Placeholder 2"/>
-          <p:cNvSpPr>
-            <a:spLocks noGrp="1"/>
-          </p:cNvSpPr>
-          <p:nvPr>
-            <p:ph idx="1"/>
-          </p:nvPr>
-        </p:nvSpPr>
-        <p:spPr/>
-        <p:txBody>
-          <a:bodyPr>
-            <a:normAutofit/>
-          </a:bodyPr>
-          <a:lstStyle/>
-          <a:p>
-            <a:endParaRPr lang="en-US" sz="4000" b="1" dirty="0"/>
-          </a:p>
-        </p:txBody>
-      </p:sp>
-    </p:spTree>
-    <p:extLst>
-      <p:ext uri="{BB962C8B-B14F-4D97-AF65-F5344CB8AC3E}">
-        <p14:creationId xmlns:p14="http://schemas.microsoft.com/office/powerpoint/2010/main" val="822662854"/>
       </p:ext>
     </p:extLst>
   </p:cSld>
@@ -8651,20 +8838,20 @@
         </p:nvSpPr>
         <p:spPr>
           <a:xfrm>
-            <a:off x="762000" y="152400"/>
-            <a:ext cx="4572000" cy="1096962"/>
+            <a:off x="685800" y="304800"/>
+            <a:ext cx="5562600" cy="725214"/>
           </a:xfrm>
         </p:spPr>
         <p:txBody>
           <a:bodyPr>
-            <a:normAutofit/>
+            <a:noAutofit/>
           </a:bodyPr>
           <a:lstStyle/>
           <a:p>
             <a:pPr algn="l"/>
             <a:r>
-              <a:rPr lang="en-US" sz="6000" b="1" dirty="0" err="1" smtClean="0"/>
-              <a:t>OrderUp</a:t>
+              <a:rPr lang="en-US" sz="6000" b="1" dirty="0" smtClean="0"/>
+              <a:t>Business Case</a:t>
             </a:r>
             <a:endParaRPr lang="en-US" sz="6000" b="1" dirty="0"/>
           </a:p>
@@ -8682,48 +8869,56 @@
         </p:nvSpPr>
         <p:spPr>
           <a:xfrm>
-            <a:off x="457200" y="1371600"/>
-            <a:ext cx="8229600" cy="4525963"/>
+            <a:off x="23648" y="1295400"/>
+            <a:ext cx="8763000" cy="3352800"/>
           </a:xfrm>
         </p:spPr>
         <p:txBody>
-          <a:bodyPr/>
+          <a:bodyPr>
+            <a:noAutofit/>
+          </a:bodyPr>
           <a:lstStyle/>
           <a:p>
+            <a:pPr>
+              <a:spcBef>
+                <a:spcPts val="0"/>
+              </a:spcBef>
+            </a:pPr>
+            <a:r>
+              <a:rPr lang="en-GB" sz="3600" b="1" dirty="0"/>
+              <a:t>Restaurants are </a:t>
+            </a:r>
+            <a:r>
+              <a:rPr lang="en-GB" sz="3600" b="1" dirty="0" smtClean="0"/>
+              <a:t>busy environments and inefficiencies can result in business failure </a:t>
+            </a:r>
+            <a:r>
+              <a:rPr lang="en-GB" sz="3600" b="1" dirty="0"/>
+              <a:t>even </a:t>
+            </a:r>
+            <a:r>
+              <a:rPr lang="en-GB" sz="3600" b="1" dirty="0" smtClean="0"/>
+              <a:t>if the food is great. </a:t>
+            </a:r>
+          </a:p>
+          <a:p>
             <a:pPr marL="0" indent="0">
+              <a:spcBef>
+                <a:spcPts val="0"/>
+              </a:spcBef>
               <a:buNone/>
             </a:pPr>
-            <a:r>
-              <a:rPr lang="en-US" sz="4000" b="1" dirty="0" smtClean="0"/>
-              <a:t>A restaurant management application used to…</a:t>
-            </a:r>
-          </a:p>
-          <a:p>
-            <a:pPr lvl="0"/>
-            <a:r>
-              <a:rPr lang="en-US" sz="3600" b="1" dirty="0" smtClean="0"/>
-              <a:t>Enter, track, and delegate food and drink orders</a:t>
-            </a:r>
-          </a:p>
-          <a:p>
-            <a:pPr lvl="0"/>
-            <a:r>
-              <a:rPr lang="en-US" sz="3600" b="1" dirty="0" smtClean="0"/>
-              <a:t>Enter and track table statuses</a:t>
-            </a:r>
-          </a:p>
-          <a:p>
-            <a:pPr lvl="0"/>
-            <a:r>
-              <a:rPr lang="en-US" sz="3600" b="1" dirty="0" smtClean="0"/>
-              <a:t>Handle billing</a:t>
-            </a:r>
-          </a:p>
-          <a:p>
-            <a:pPr lvl="0"/>
-            <a:r>
-              <a:rPr lang="en-US" sz="3600" b="1" dirty="0" smtClean="0"/>
-              <a:t>Track inventory</a:t>
+            <a:endParaRPr lang="en-GB" sz="3600" b="1" dirty="0" smtClean="0"/>
+          </a:p>
+          <a:p>
+            <a:pPr>
+              <a:spcBef>
+                <a:spcPts val="0"/>
+              </a:spcBef>
+            </a:pPr>
+            <a:r>
+              <a:rPr lang="en-GB" sz="3600" b="1" dirty="0" smtClean="0"/>
+              <a:t>Effective coordination of personnel and resources is key to timely service and customer satisfaction.</a:t>
             </a:r>
           </a:p>
         </p:txBody>
@@ -8731,7 +8926,7 @@
     </p:spTree>
     <p:extLst>
       <p:ext uri="{BB962C8B-B14F-4D97-AF65-F5344CB8AC3E}">
-        <p14:creationId xmlns:p14="http://schemas.microsoft.com/office/powerpoint/2010/main" val="3169704658"/>
+        <p14:creationId xmlns:p14="http://schemas.microsoft.com/office/powerpoint/2010/main" val="3324145256"/>
       </p:ext>
     </p:extLst>
   </p:cSld>
@@ -8777,8 +8972,8 @@
         </p:nvSpPr>
         <p:spPr>
           <a:xfrm>
-            <a:off x="762000" y="152400"/>
-            <a:ext cx="4572000" cy="1096962"/>
+            <a:off x="457200" y="274638"/>
+            <a:ext cx="5486400" cy="1143000"/>
           </a:xfrm>
         </p:spPr>
         <p:txBody>
@@ -8789,70 +8984,16 @@
           <a:p>
             <a:pPr algn="l"/>
             <a:r>
-              <a:rPr lang="en-US" sz="6000" b="1" dirty="0" err="1" smtClean="0"/>
-              <a:t>OrderUp</a:t>
+              <a:rPr lang="en-US" sz="6000" b="1" dirty="0" smtClean="0"/>
+              <a:t>Business Case</a:t>
             </a:r>
             <a:endParaRPr lang="en-US" sz="6000" b="1" dirty="0"/>
           </a:p>
         </p:txBody>
       </p:sp>
-      <p:pic>
-        <p:nvPicPr>
-          <p:cNvPr id="2050" name="Picture 2" descr="useCaseDigram"/>
-          <p:cNvPicPr>
-            <a:picLocks noChangeAspect="1" noChangeArrowheads="1"/>
-          </p:cNvPicPr>
-          <p:nvPr/>
-        </p:nvPicPr>
-        <p:blipFill>
-          <a:blip r:embed="rId2">
-            <a:extLst>
-              <a:ext uri="{28A0092B-C50C-407E-A947-70E740481C1C}">
-                <a14:useLocalDpi xmlns:a14="http://schemas.microsoft.com/office/drawing/2010/main" val="0"/>
-              </a:ext>
-            </a:extLst>
-          </a:blip>
-          <a:srcRect/>
-          <a:stretch>
-            <a:fillRect/>
-          </a:stretch>
-        </p:blipFill>
-        <p:spPr bwMode="auto">
-          <a:xfrm>
-            <a:off x="1905000" y="1219200"/>
-            <a:ext cx="5808663" cy="5332412"/>
-          </a:xfrm>
-          <a:prstGeom prst="rect">
-            <a:avLst/>
-          </a:prstGeom>
-          <a:noFill/>
-          <a:ln>
-            <a:noFill/>
-          </a:ln>
-          <a:extLst>
-            <a:ext uri="{909E8E84-426E-40DD-AFC4-6F175D3DCCD1}">
-              <a14:hiddenFill xmlns:a14="http://schemas.microsoft.com/office/drawing/2010/main">
-                <a:solidFill>
-                  <a:srgbClr val="FFFFFF"/>
-                </a:solidFill>
-              </a14:hiddenFill>
-            </a:ext>
-            <a:ext uri="{91240B29-F687-4F45-9708-019B960494DF}">
-              <a14:hiddenLine xmlns:a14="http://schemas.microsoft.com/office/drawing/2010/main" w="9525">
-                <a:solidFill>
-                  <a:srgbClr val="000000"/>
-                </a:solidFill>
-                <a:miter lim="800000"/>
-                <a:headEnd/>
-                <a:tailEnd/>
-              </a14:hiddenLine>
-            </a:ext>
-          </a:extLst>
-        </p:spPr>
-      </p:pic>
-      <p:sp>
-        <p:nvSpPr>
-          <p:cNvPr id="4" name="Content Placeholder 3"/>
+      <p:sp>
+        <p:nvSpPr>
+          <p:cNvPr id="3" name="Content Placeholder 2"/>
           <p:cNvSpPr>
             <a:spLocks noGrp="1"/>
           </p:cNvSpPr>
@@ -8862,17 +9003,50 @@
         </p:nvSpPr>
         <p:spPr/>
         <p:txBody>
-          <a:bodyPr/>
+          <a:bodyPr>
+            <a:normAutofit/>
+          </a:bodyPr>
           <a:lstStyle/>
           <a:p>
-            <a:endParaRPr lang="en-US" dirty="0"/>
+            <a:pPr marL="0" indent="0">
+              <a:buNone/>
+            </a:pPr>
+            <a:r>
+              <a:rPr lang="en-GB" sz="4000" b="1" dirty="0" smtClean="0"/>
+              <a:t>Boost business by </a:t>
+            </a:r>
+          </a:p>
+          <a:p>
+            <a:r>
+              <a:rPr lang="en-GB" sz="4000" b="1" dirty="0" smtClean="0"/>
+              <a:t>Making waiting times smaller and more predictable</a:t>
+            </a:r>
+          </a:p>
+          <a:p>
+            <a:r>
+              <a:rPr lang="en-GB" sz="4000" b="1" dirty="0" smtClean="0"/>
+              <a:t>Maximizing customer throughput</a:t>
+            </a:r>
+            <a:endParaRPr lang="en-GB" sz="4000" b="1" dirty="0"/>
+          </a:p>
+          <a:p>
+            <a:r>
+              <a:rPr lang="en-GB" sz="4000" b="1" dirty="0" smtClean="0"/>
+              <a:t>Maximizing employee efficiency</a:t>
+            </a:r>
+          </a:p>
+          <a:p>
+            <a:r>
+              <a:rPr lang="en-GB" sz="4000" b="1" dirty="0" smtClean="0"/>
+              <a:t>Increasing customer satisfaction</a:t>
+            </a:r>
           </a:p>
         </p:txBody>
       </p:sp>
     </p:spTree>
     <p:extLst>
       <p:ext uri="{BB962C8B-B14F-4D97-AF65-F5344CB8AC3E}">
-        <p14:creationId xmlns:p14="http://schemas.microsoft.com/office/powerpoint/2010/main" val="3137227738"/>
+        <p14:creationId xmlns:p14="http://schemas.microsoft.com/office/powerpoint/2010/main" val="3169704658"/>
       </p:ext>
     </p:extLst>
   </p:cSld>
@@ -8918,8 +9092,8 @@
         </p:nvSpPr>
         <p:spPr>
           <a:xfrm>
-            <a:off x="457200" y="274638"/>
-            <a:ext cx="5486400" cy="1143000"/>
+            <a:off x="762000" y="152400"/>
+            <a:ext cx="4572000" cy="1096962"/>
           </a:xfrm>
         </p:spPr>
         <p:txBody>
@@ -8931,68 +9105,140 @@
             <a:pPr algn="l"/>
             <a:r>
               <a:rPr lang="en-US" sz="6000" b="1" dirty="0" smtClean="0"/>
-              <a:t>Business Case</a:t>
+              <a:t>Actors</a:t>
             </a:r>
             <a:endParaRPr lang="en-US" sz="6000" b="1" dirty="0"/>
           </a:p>
         </p:txBody>
       </p:sp>
-      <p:sp>
-        <p:nvSpPr>
-          <p:cNvPr id="3" name="Content Placeholder 2"/>
-          <p:cNvSpPr>
-            <a:spLocks noGrp="1"/>
-          </p:cNvSpPr>
-          <p:nvPr>
-            <p:ph idx="1"/>
-          </p:nvPr>
-        </p:nvSpPr>
-        <p:spPr/>
-        <p:txBody>
-          <a:bodyPr>
-            <a:normAutofit/>
+      <p:pic>
+        <p:nvPicPr>
+          <p:cNvPr id="3" name="Picture 2"/>
+          <p:cNvPicPr>
+            <a:picLocks noChangeAspect="1"/>
+          </p:cNvPicPr>
+          <p:nvPr/>
+        </p:nvPicPr>
+        <p:blipFill>
+          <a:blip r:embed="rId2">
+            <a:extLst>
+              <a:ext uri="{28A0092B-C50C-407E-A947-70E740481C1C}">
+                <a14:useLocalDpi xmlns:a14="http://schemas.microsoft.com/office/drawing/2010/main" val="0"/>
+              </a:ext>
+            </a:extLst>
+          </a:blip>
+          <a:stretch>
+            <a:fillRect/>
+          </a:stretch>
+        </p:blipFill>
+        <p:spPr>
+          <a:xfrm>
+            <a:off x="3048000" y="1249362"/>
+            <a:ext cx="5809524" cy="5333333"/>
+          </a:xfrm>
+          <a:prstGeom prst="rect">
+            <a:avLst/>
+          </a:prstGeom>
+        </p:spPr>
+      </p:pic>
+      <p:sp>
+        <p:nvSpPr>
+          <p:cNvPr id="5" name="TextBox 4"/>
+          <p:cNvSpPr txBox="1"/>
+          <p:nvPr/>
+        </p:nvSpPr>
+        <p:spPr>
+          <a:xfrm>
+            <a:off x="304800" y="1371600"/>
+            <a:ext cx="2514600" cy="4524315"/>
+          </a:xfrm>
+          <a:prstGeom prst="rect">
+            <a:avLst/>
+          </a:prstGeom>
+          <a:noFill/>
+        </p:spPr>
+        <p:txBody>
+          <a:bodyPr wrap="square" rtlCol="0">
+            <a:spAutoFit/>
           </a:bodyPr>
           <a:lstStyle/>
           <a:p>
-            <a:pPr marL="0" indent="0">
-              <a:buNone/>
+            <a:pPr marL="285750" indent="-285750">
+              <a:buFont typeface="Arial" panose="020B0604020202020204" pitchFamily="34" charset="0"/>
+              <a:buChar char="•"/>
             </a:pPr>
             <a:r>
-              <a:rPr lang="en-GB" sz="4000" b="1" dirty="0" smtClean="0"/>
-              <a:t>Boost business by </a:t>
-            </a:r>
-          </a:p>
-          <a:p>
-            <a:r>
-              <a:rPr lang="en-GB" sz="4000" b="1" dirty="0" smtClean="0"/>
-              <a:t>Making waiting times smaller and more predictable</a:t>
-            </a:r>
-          </a:p>
-          <a:p>
-            <a:r>
-              <a:rPr lang="en-GB" sz="4000" b="1" dirty="0" smtClean="0"/>
-              <a:t>Maximizing customer throughput</a:t>
-            </a:r>
-            <a:endParaRPr lang="en-GB" sz="4000" b="1" dirty="0"/>
-          </a:p>
-          <a:p>
-            <a:r>
-              <a:rPr lang="en-GB" sz="4000" b="1" dirty="0" smtClean="0"/>
-              <a:t>Maximizing employee efficiency</a:t>
-            </a:r>
-          </a:p>
-          <a:p>
-            <a:r>
-              <a:rPr lang="en-GB" sz="4000" b="1" dirty="0" smtClean="0"/>
-              <a:t>Increasing customer satisfaction</a:t>
-            </a:r>
+              <a:rPr lang="en-US" sz="3600" dirty="0" smtClean="0"/>
+              <a:t>Waiter</a:t>
+            </a:r>
+          </a:p>
+          <a:p>
+            <a:pPr marL="285750" indent="-285750">
+              <a:buFont typeface="Arial" panose="020B0604020202020204" pitchFamily="34" charset="0"/>
+              <a:buChar char="•"/>
+            </a:pPr>
+            <a:r>
+              <a:rPr lang="en-US" sz="3600" dirty="0" smtClean="0"/>
+              <a:t>Kitchen Staff</a:t>
+            </a:r>
+          </a:p>
+          <a:p>
+            <a:pPr marL="285750" indent="-285750">
+              <a:buFont typeface="Arial" panose="020B0604020202020204" pitchFamily="34" charset="0"/>
+              <a:buChar char="•"/>
+            </a:pPr>
+            <a:r>
+              <a:rPr lang="en-US" sz="3600" dirty="0" smtClean="0"/>
+              <a:t>Hostess</a:t>
+            </a:r>
+          </a:p>
+          <a:p>
+            <a:pPr marL="285750" indent="-285750">
+              <a:buFont typeface="Arial" panose="020B0604020202020204" pitchFamily="34" charset="0"/>
+              <a:buChar char="•"/>
+            </a:pPr>
+            <a:r>
+              <a:rPr lang="en-US" sz="3600" dirty="0" smtClean="0"/>
+              <a:t>Customer</a:t>
+            </a:r>
+          </a:p>
+          <a:p>
+            <a:pPr marL="285750" indent="-285750">
+              <a:buFont typeface="Arial" panose="020B0604020202020204" pitchFamily="34" charset="0"/>
+              <a:buChar char="•"/>
+            </a:pPr>
+            <a:r>
+              <a:rPr lang="en-US" sz="3600" dirty="0" smtClean="0"/>
+              <a:t>Busboy</a:t>
+            </a:r>
+          </a:p>
+          <a:p>
+            <a:pPr marL="285750" indent="-285750">
+              <a:buFont typeface="Arial" panose="020B0604020202020204" pitchFamily="34" charset="0"/>
+              <a:buChar char="•"/>
+            </a:pPr>
+            <a:r>
+              <a:rPr lang="en-US" sz="3600" dirty="0" smtClean="0"/>
+              <a:t>Bartender</a:t>
+            </a:r>
+          </a:p>
+          <a:p>
+            <a:pPr marL="285750" indent="-285750">
+              <a:buFont typeface="Arial" panose="020B0604020202020204" pitchFamily="34" charset="0"/>
+              <a:buChar char="•"/>
+            </a:pPr>
+            <a:r>
+              <a:rPr lang="en-US" sz="3600" dirty="0" smtClean="0"/>
+              <a:t>Manager</a:t>
+            </a:r>
+            <a:endParaRPr lang="en-US" sz="3600" dirty="0"/>
           </a:p>
         </p:txBody>
       </p:sp>
     </p:spTree>
     <p:extLst>
       <p:ext uri="{BB962C8B-B14F-4D97-AF65-F5344CB8AC3E}">
-        <p14:creationId xmlns:p14="http://schemas.microsoft.com/office/powerpoint/2010/main" val="3169704658"/>
+        <p14:creationId xmlns:p14="http://schemas.microsoft.com/office/powerpoint/2010/main" val="3137227738"/>
       </p:ext>
     </p:extLst>
   </p:cSld>
@@ -9051,7 +9297,11 @@
             <a:pPr algn="l"/>
             <a:r>
               <a:rPr lang="en-US" sz="6000" b="1" dirty="0" smtClean="0"/>
-              <a:t>Actor:  Waiter</a:t>
+              <a:t>Goals:  </a:t>
+            </a:r>
+            <a:r>
+              <a:rPr lang="en-US" sz="6000" b="1" dirty="0" smtClean="0"/>
+              <a:t>Waiter</a:t>
             </a:r>
             <a:endParaRPr lang="en-US" sz="6000" b="1" dirty="0"/>
           </a:p>
@@ -9075,22 +9325,17 @@
         </p:spPr>
         <p:txBody>
           <a:bodyPr>
-            <a:normAutofit fontScale="62500" lnSpcReduction="20000"/>
+            <a:normAutofit fontScale="70000" lnSpcReduction="20000"/>
           </a:bodyPr>
           <a:lstStyle/>
           <a:p>
-            <a:pPr marL="0" indent="0">
-              <a:buNone/>
-            </a:pPr>
-            <a:r>
-              <a:rPr lang="en-US" sz="9600" b="1" dirty="0" smtClean="0"/>
-              <a:t>Goals</a:t>
-            </a:r>
-          </a:p>
-          <a:p>
             <a:r>
               <a:rPr lang="en-US" sz="4000" b="1" dirty="0" smtClean="0"/>
-              <a:t>Enter customers' orders quickly and easily</a:t>
+              <a:t>Enter </a:t>
+            </a:r>
+            <a:r>
+              <a:rPr lang="en-US" sz="4000" b="1" dirty="0" smtClean="0"/>
+              <a:t>customers' orders quickly and easily</a:t>
             </a:r>
           </a:p>
           <a:p>
@@ -9217,7 +9462,11 @@
             <a:pPr algn="l"/>
             <a:r>
               <a:rPr lang="en-US" sz="6000" b="1" dirty="0" smtClean="0"/>
-              <a:t>Actor: Kitchen Staff  </a:t>
+              <a:t>Goals: </a:t>
+            </a:r>
+            <a:r>
+              <a:rPr lang="en-US" sz="6000" b="1" dirty="0" smtClean="0"/>
+              <a:t>Kitchen Staff  </a:t>
             </a:r>
             <a:endParaRPr lang="en-US" sz="6000" b="1" dirty="0"/>
           </a:p>
@@ -9245,18 +9494,13 @@
           </a:bodyPr>
           <a:lstStyle/>
           <a:p>
-            <a:pPr marL="0" indent="0">
-              <a:buNone/>
-            </a:pPr>
-            <a:r>
-              <a:rPr lang="en-US" sz="6000" b="1" dirty="0" smtClean="0"/>
-              <a:t>Goals</a:t>
-            </a:r>
-          </a:p>
-          <a:p>
             <a:r>
               <a:rPr lang="en-US" sz="4000" b="1" dirty="0" smtClean="0"/>
-              <a:t>View clear and accurate report of queued orders</a:t>
+              <a:t>View </a:t>
+            </a:r>
+            <a:r>
+              <a:rPr lang="en-US" sz="4000" b="1" dirty="0" smtClean="0"/>
+              <a:t>clear and accurate report of queued orders</a:t>
             </a:r>
           </a:p>
           <a:p>
@@ -9342,7 +9586,11 @@
             <a:pPr algn="l"/>
             <a:r>
               <a:rPr lang="en-US" sz="6000" b="1" dirty="0" smtClean="0"/>
-              <a:t>Actor:  Customer</a:t>
+              <a:t>Goals:  </a:t>
+            </a:r>
+            <a:r>
+              <a:rPr lang="en-US" sz="6000" b="1" dirty="0" smtClean="0"/>
+              <a:t>Customer</a:t>
             </a:r>
             <a:endParaRPr lang="en-US" sz="6000" b="1" dirty="0"/>
           </a:p>
@@ -9366,22 +9614,17 @@
         </p:spPr>
         <p:txBody>
           <a:bodyPr>
-            <a:normAutofit fontScale="85000" lnSpcReduction="10000"/>
+            <a:normAutofit fontScale="92500" lnSpcReduction="10000"/>
           </a:bodyPr>
           <a:lstStyle/>
           <a:p>
-            <a:pPr marL="0" indent="0">
-              <a:buNone/>
-            </a:pPr>
-            <a:r>
-              <a:rPr lang="en-US" sz="7100" b="1" dirty="0" smtClean="0"/>
-              <a:t>Goals</a:t>
-            </a:r>
-          </a:p>
-          <a:p>
             <a:r>
               <a:rPr lang="en-US" sz="4000" b="1" dirty="0" smtClean="0"/>
-              <a:t>Have order recorded accurately</a:t>
+              <a:t>Have </a:t>
+            </a:r>
+            <a:r>
+              <a:rPr lang="en-US" sz="4000" b="1" dirty="0" smtClean="0"/>
+              <a:t>order recorded accurately</a:t>
             </a:r>
           </a:p>
           <a:p>

--- a/Project Documents/Group3_Presentation1_Capstone.pptx
+++ b/Project Documents/Group3_Presentation1_Capstone.pptx
@@ -5,32 +5,33 @@
     <p:sldMasterId id="2147483672" r:id="rId1"/>
   </p:sldMasterIdLst>
   <p:sldIdLst>
-    <p:sldId id="301" r:id="rId2"/>
-    <p:sldId id="271" r:id="rId3"/>
-    <p:sldId id="257" r:id="rId4"/>
-    <p:sldId id="302" r:id="rId5"/>
-    <p:sldId id="272" r:id="rId6"/>
-    <p:sldId id="297" r:id="rId7"/>
-    <p:sldId id="275" r:id="rId8"/>
-    <p:sldId id="280" r:id="rId9"/>
-    <p:sldId id="278" r:id="rId10"/>
-    <p:sldId id="282" r:id="rId11"/>
-    <p:sldId id="279" r:id="rId12"/>
-    <p:sldId id="281" r:id="rId13"/>
-    <p:sldId id="276" r:id="rId14"/>
-    <p:sldId id="277" r:id="rId15"/>
-    <p:sldId id="286" r:id="rId16"/>
-    <p:sldId id="287" r:id="rId17"/>
-    <p:sldId id="288" r:id="rId18"/>
-    <p:sldId id="289" r:id="rId19"/>
-    <p:sldId id="283" r:id="rId20"/>
-    <p:sldId id="284" r:id="rId21"/>
-    <p:sldId id="285" r:id="rId22"/>
-    <p:sldId id="298" r:id="rId23"/>
-    <p:sldId id="299" r:id="rId24"/>
-    <p:sldId id="295" r:id="rId25"/>
-    <p:sldId id="300" r:id="rId26"/>
-    <p:sldId id="293" r:id="rId27"/>
+    <p:sldId id="256" r:id="rId2"/>
+    <p:sldId id="257" r:id="rId3"/>
+    <p:sldId id="258" r:id="rId4"/>
+    <p:sldId id="259" r:id="rId5"/>
+    <p:sldId id="260" r:id="rId6"/>
+    <p:sldId id="261" r:id="rId7"/>
+    <p:sldId id="262" r:id="rId8"/>
+    <p:sldId id="263" r:id="rId9"/>
+    <p:sldId id="264" r:id="rId10"/>
+    <p:sldId id="265" r:id="rId11"/>
+    <p:sldId id="266" r:id="rId12"/>
+    <p:sldId id="267" r:id="rId13"/>
+    <p:sldId id="268" r:id="rId14"/>
+    <p:sldId id="269" r:id="rId15"/>
+    <p:sldId id="270" r:id="rId16"/>
+    <p:sldId id="271" r:id="rId17"/>
+    <p:sldId id="272" r:id="rId18"/>
+    <p:sldId id="273" r:id="rId19"/>
+    <p:sldId id="274" r:id="rId20"/>
+    <p:sldId id="275" r:id="rId21"/>
+    <p:sldId id="276" r:id="rId22"/>
+    <p:sldId id="277" r:id="rId23"/>
+    <p:sldId id="278" r:id="rId24"/>
+    <p:sldId id="279" r:id="rId25"/>
+    <p:sldId id="280" r:id="rId26"/>
+    <p:sldId id="281" r:id="rId27"/>
+    <p:sldId id="282" r:id="rId28"/>
   </p:sldIdLst>
   <p:sldSz cx="9144000" cy="6858000" type="screen4x3"/>
   <p:notesSz cx="6858000" cy="9144000"/>
@@ -329,7 +330,7 @@
           <a:p>
             <a:fld id="{9CBAF4B6-CA8D-4A6D-9D13-D160FC327925}" type="datetimeFigureOut">
               <a:rPr lang="en-US" smtClean="0"/>
-              <a:t>5/26/2013</a:t>
+              <a:t>5/27/2013</a:t>
             </a:fld>
             <a:endParaRPr lang="en-US"/>
           </a:p>
@@ -499,7 +500,7 @@
           <a:p>
             <a:fld id="{9CBAF4B6-CA8D-4A6D-9D13-D160FC327925}" type="datetimeFigureOut">
               <a:rPr lang="en-US" smtClean="0"/>
-              <a:t>5/26/2013</a:t>
+              <a:t>5/27/2013</a:t>
             </a:fld>
             <a:endParaRPr lang="en-US"/>
           </a:p>
@@ -679,7 +680,7 @@
           <a:p>
             <a:fld id="{9CBAF4B6-CA8D-4A6D-9D13-D160FC327925}" type="datetimeFigureOut">
               <a:rPr lang="en-US" smtClean="0"/>
-              <a:t>5/26/2013</a:t>
+              <a:t>5/27/2013</a:t>
             </a:fld>
             <a:endParaRPr lang="en-US"/>
           </a:p>
@@ -849,7 +850,7 @@
           <a:p>
             <a:fld id="{9CBAF4B6-CA8D-4A6D-9D13-D160FC327925}" type="datetimeFigureOut">
               <a:rPr lang="en-US" smtClean="0"/>
-              <a:t>5/26/2013</a:t>
+              <a:t>5/27/2013</a:t>
             </a:fld>
             <a:endParaRPr lang="en-US"/>
           </a:p>
@@ -1095,7 +1096,7 @@
           <a:p>
             <a:fld id="{9CBAF4B6-CA8D-4A6D-9D13-D160FC327925}" type="datetimeFigureOut">
               <a:rPr lang="en-US" smtClean="0"/>
-              <a:t>5/26/2013</a:t>
+              <a:t>5/27/2013</a:t>
             </a:fld>
             <a:endParaRPr lang="en-US"/>
           </a:p>
@@ -1383,7 +1384,7 @@
           <a:p>
             <a:fld id="{9CBAF4B6-CA8D-4A6D-9D13-D160FC327925}" type="datetimeFigureOut">
               <a:rPr lang="en-US" smtClean="0"/>
-              <a:t>5/26/2013</a:t>
+              <a:t>5/27/2013</a:t>
             </a:fld>
             <a:endParaRPr lang="en-US"/>
           </a:p>
@@ -1805,7 +1806,7 @@
           <a:p>
             <a:fld id="{9CBAF4B6-CA8D-4A6D-9D13-D160FC327925}" type="datetimeFigureOut">
               <a:rPr lang="en-US" smtClean="0"/>
-              <a:t>5/26/2013</a:t>
+              <a:t>5/27/2013</a:t>
             </a:fld>
             <a:endParaRPr lang="en-US"/>
           </a:p>
@@ -1923,7 +1924,7 @@
           <a:p>
             <a:fld id="{9CBAF4B6-CA8D-4A6D-9D13-D160FC327925}" type="datetimeFigureOut">
               <a:rPr lang="en-US" smtClean="0"/>
-              <a:t>5/26/2013</a:t>
+              <a:t>5/27/2013</a:t>
             </a:fld>
             <a:endParaRPr lang="en-US"/>
           </a:p>
@@ -2018,7 +2019,7 @@
           <a:p>
             <a:fld id="{9CBAF4B6-CA8D-4A6D-9D13-D160FC327925}" type="datetimeFigureOut">
               <a:rPr lang="en-US" smtClean="0"/>
-              <a:t>5/26/2013</a:t>
+              <a:t>5/27/2013</a:t>
             </a:fld>
             <a:endParaRPr lang="en-US"/>
           </a:p>
@@ -2295,7 +2296,7 @@
           <a:p>
             <a:fld id="{9CBAF4B6-CA8D-4A6D-9D13-D160FC327925}" type="datetimeFigureOut">
               <a:rPr lang="en-US" smtClean="0"/>
-              <a:t>5/26/2013</a:t>
+              <a:t>5/27/2013</a:t>
             </a:fld>
             <a:endParaRPr lang="en-US"/>
           </a:p>
@@ -2548,7 +2549,7 @@
           <a:p>
             <a:fld id="{9CBAF4B6-CA8D-4A6D-9D13-D160FC327925}" type="datetimeFigureOut">
               <a:rPr lang="en-US" smtClean="0"/>
-              <a:t>5/26/2013</a:t>
+              <a:t>5/27/2013</a:t>
             </a:fld>
             <a:endParaRPr lang="en-US"/>
           </a:p>
@@ -2770,7 +2771,7 @@
           <a:p>
             <a:fld id="{9CBAF4B6-CA8D-4A6D-9D13-D160FC327925}" type="datetimeFigureOut">
               <a:rPr lang="en-US" smtClean="0"/>
-              <a:t>5/26/2013</a:t>
+              <a:t>5/27/2013</a:t>
             </a:fld>
             <a:endParaRPr lang="en-US"/>
           </a:p>
@@ -3277,15 +3278,7 @@
                   <a:srgbClr val="C00000"/>
                 </a:solidFill>
               </a:rPr>
-              <a:t>Glossary</a:t>
-            </a:r>
-            <a:r>
-              <a:rPr lang="en-US" sz="4000" b="1" dirty="0" smtClean="0">
-                <a:solidFill>
-                  <a:srgbClr val="C00000"/>
-                </a:solidFill>
-              </a:rPr>
-              <a:t>?</a:t>
+              <a:t>Glossary?</a:t>
             </a:r>
             <a:endParaRPr lang="en-US" sz="4000" b="1" dirty="0">
               <a:solidFill>
@@ -3305,7 +3298,7 @@
     </p:spTree>
     <p:extLst>
       <p:ext uri="{BB962C8B-B14F-4D97-AF65-F5344CB8AC3E}">
-        <p14:creationId xmlns:p14="http://schemas.microsoft.com/office/powerpoint/2010/main" val="1617315837"/>
+        <p14:creationId xmlns:p14="http://schemas.microsoft.com/office/powerpoint/2010/main" val="2022097557"/>
       </p:ext>
     </p:extLst>
   </p:cSld>
@@ -3352,23 +3345,19 @@
         <p:spPr>
           <a:xfrm>
             <a:off x="228600" y="0"/>
-            <a:ext cx="5562600" cy="1030014"/>
+            <a:ext cx="5943600" cy="1030014"/>
           </a:xfrm>
         </p:spPr>
         <p:txBody>
           <a:bodyPr>
-            <a:noAutofit/>
+            <a:normAutofit/>
           </a:bodyPr>
           <a:lstStyle/>
           <a:p>
             <a:pPr algn="l"/>
             <a:r>
               <a:rPr lang="en-US" sz="6000" b="1" dirty="0" smtClean="0"/>
-              <a:t>Goals:  </a:t>
-            </a:r>
-            <a:r>
-              <a:rPr lang="en-US" sz="6000" b="1" dirty="0" smtClean="0"/>
-              <a:t>Manager</a:t>
+              <a:t>Goals:  Customer</a:t>
             </a:r>
             <a:endParaRPr lang="en-US" sz="6000" b="1" dirty="0"/>
           </a:p>
@@ -3392,52 +3381,49 @@
         </p:spPr>
         <p:txBody>
           <a:bodyPr>
-            <a:normAutofit fontScale="92500"/>
+            <a:normAutofit fontScale="92500" lnSpcReduction="10000"/>
           </a:bodyPr>
           <a:lstStyle/>
           <a:p>
             <a:r>
               <a:rPr lang="en-US" sz="4000" b="1" dirty="0" smtClean="0"/>
-              <a:t>View </a:t>
-            </a:r>
+              <a:t>Have order recorded accurately</a:t>
+            </a:r>
+          </a:p>
+          <a:p>
             <a:r>
               <a:rPr lang="en-US" sz="4000" b="1" dirty="0" smtClean="0"/>
-              <a:t>aggregated information about sales</a:t>
+              <a:t>Receive an accurate bill,</a:t>
             </a:r>
           </a:p>
           <a:p>
             <a:r>
               <a:rPr lang="en-US" sz="4000" b="1" dirty="0" smtClean="0"/>
-              <a:t>View aggregated information about </a:t>
-            </a:r>
+              <a:t>including any splitting/sharing arrangements</a:t>
+            </a:r>
+          </a:p>
+          <a:p>
             <a:r>
               <a:rPr lang="en-US" sz="4000" b="1" dirty="0" smtClean="0"/>
-              <a:t>inventory consumption</a:t>
-            </a:r>
-            <a:endParaRPr lang="en-US" sz="4000" b="1" dirty="0" smtClean="0"/>
+              <a:t>Pay with a credit card easily and securely</a:t>
+            </a:r>
           </a:p>
           <a:p>
             <a:r>
               <a:rPr lang="en-US" sz="4000" b="1" dirty="0" smtClean="0"/>
-              <a:t>View aggregated information about employee work</a:t>
+              <a:t>Use coupons / codes</a:t>
             </a:r>
           </a:p>
           <a:p>
             <a:r>
               <a:rPr lang="en-US" sz="4000" b="1" dirty="0" smtClean="0"/>
-              <a:t>Make adjustments to bill amounts</a:t>
+              <a:t>Make a reservation</a:t>
             </a:r>
           </a:p>
           <a:p>
             <a:r>
               <a:rPr lang="en-US" sz="4000" b="1" dirty="0" smtClean="0"/>
-              <a:t>View complaints</a:t>
-            </a:r>
-          </a:p>
-          <a:p>
-            <a:r>
-              <a:rPr lang="en-US" sz="4000" b="1" dirty="0" smtClean="0"/>
-              <a:t>Perform all other roles</a:t>
+              <a:t>Lodge a complaint</a:t>
             </a:r>
             <a:endParaRPr lang="en-US" sz="4000" b="1" dirty="0"/>
           </a:p>
@@ -3446,7 +3432,7 @@
     </p:spTree>
     <p:extLst>
       <p:ext uri="{BB962C8B-B14F-4D97-AF65-F5344CB8AC3E}">
-        <p14:creationId xmlns:p14="http://schemas.microsoft.com/office/powerpoint/2010/main" val="263037169"/>
+        <p14:creationId xmlns:p14="http://schemas.microsoft.com/office/powerpoint/2010/main" val="2219990299"/>
       </p:ext>
     </p:extLst>
   </p:cSld>
@@ -3492,7 +3478,7 @@
         </p:nvSpPr>
         <p:spPr>
           <a:xfrm>
-            <a:off x="304800" y="0"/>
+            <a:off x="228600" y="0"/>
             <a:ext cx="5562600" cy="1030014"/>
           </a:xfrm>
         </p:spPr>
@@ -3505,11 +3491,7 @@
             <a:pPr algn="l"/>
             <a:r>
               <a:rPr lang="en-US" sz="6000" b="1" dirty="0" smtClean="0"/>
-              <a:t>Goals: </a:t>
-            </a:r>
-            <a:r>
-              <a:rPr lang="en-US" sz="6000" b="1" dirty="0" smtClean="0"/>
-              <a:t>Hostess</a:t>
+              <a:t>Goals:  Manager</a:t>
             </a:r>
             <a:endParaRPr lang="en-US" sz="6000" b="1" dirty="0"/>
           </a:p>
@@ -3527,59 +3509,49 @@
         </p:nvSpPr>
         <p:spPr>
           <a:xfrm>
-            <a:off x="304800" y="1066800"/>
+            <a:off x="152400" y="1143000"/>
             <a:ext cx="8610600" cy="5181600"/>
           </a:xfrm>
         </p:spPr>
         <p:txBody>
           <a:bodyPr>
-            <a:normAutofit fontScale="92500" lnSpcReduction="20000"/>
+            <a:normAutofit fontScale="92500"/>
           </a:bodyPr>
           <a:lstStyle/>
           <a:p>
             <a:r>
               <a:rPr lang="en-US" sz="4000" b="1" dirty="0" smtClean="0"/>
-              <a:t>View </a:t>
-            </a:r>
+              <a:t>View aggregated information about sales</a:t>
+            </a:r>
+          </a:p>
+          <a:p>
             <a:r>
               <a:rPr lang="en-US" sz="4000" b="1" dirty="0" smtClean="0"/>
-              <a:t>which tables are open and which are not</a:t>
+              <a:t>View aggregated information about inventory consumption</a:t>
             </a:r>
           </a:p>
           <a:p>
             <a:r>
               <a:rPr lang="en-US" sz="4000" b="1" dirty="0" smtClean="0"/>
-              <a:t>View waiting times for tables</a:t>
+              <a:t>View aggregated information about employee work</a:t>
             </a:r>
           </a:p>
           <a:p>
             <a:r>
               <a:rPr lang="en-US" sz="4000" b="1" dirty="0" smtClean="0"/>
-              <a:t>via check in and check out, average duration</a:t>
+              <a:t>Make adjustments to bill amounts</a:t>
             </a:r>
           </a:p>
           <a:p>
             <a:r>
               <a:rPr lang="en-US" sz="4000" b="1" dirty="0" smtClean="0"/>
-              <a:t>View which tables may be open soon</a:t>
+              <a:t>View complaints</a:t>
             </a:r>
           </a:p>
           <a:p>
             <a:r>
               <a:rPr lang="en-US" sz="4000" b="1" dirty="0" smtClean="0"/>
-              <a:t>See table capacities</a:t>
-            </a:r>
-          </a:p>
-          <a:p>
-            <a:r>
-              <a:rPr lang="en-US" sz="4000" b="1" dirty="0" smtClean="0"/>
-              <a:t>View table server assignments</a:t>
-            </a:r>
-          </a:p>
-          <a:p>
-            <a:r>
-              <a:rPr lang="en-US" sz="4000" b="1" dirty="0" smtClean="0"/>
-              <a:t>by zone</a:t>
+              <a:t>Perform all other roles</a:t>
             </a:r>
             <a:endParaRPr lang="en-US" sz="4000" b="1" dirty="0"/>
           </a:p>
@@ -3588,7 +3560,7 @@
     </p:spTree>
     <p:extLst>
       <p:ext uri="{BB962C8B-B14F-4D97-AF65-F5344CB8AC3E}">
-        <p14:creationId xmlns:p14="http://schemas.microsoft.com/office/powerpoint/2010/main" val="2905895394"/>
+        <p14:creationId xmlns:p14="http://schemas.microsoft.com/office/powerpoint/2010/main" val="3143960085"/>
       </p:ext>
     </p:extLst>
   </p:cSld>
@@ -3634,24 +3606,20 @@
         </p:nvSpPr>
         <p:spPr>
           <a:xfrm>
-            <a:off x="0" y="36786"/>
-            <a:ext cx="4876800" cy="1030014"/>
+            <a:off x="304800" y="0"/>
+            <a:ext cx="5562600" cy="1030014"/>
           </a:xfrm>
         </p:spPr>
         <p:txBody>
           <a:bodyPr>
-            <a:normAutofit/>
+            <a:noAutofit/>
           </a:bodyPr>
           <a:lstStyle/>
           <a:p>
             <a:pPr algn="l"/>
             <a:r>
               <a:rPr lang="en-US" sz="6000" b="1" dirty="0" smtClean="0"/>
-              <a:t>Goals: </a:t>
-            </a:r>
-            <a:r>
-              <a:rPr lang="en-US" sz="6000" b="1" dirty="0" smtClean="0"/>
-              <a:t>Busboy </a:t>
+              <a:t>Goals: Hostess</a:t>
             </a:r>
             <a:endParaRPr lang="en-US" sz="6000" b="1" dirty="0"/>
           </a:p>
@@ -3669,35 +3637,56 @@
         </p:nvSpPr>
         <p:spPr>
           <a:xfrm>
-            <a:off x="152400" y="1143000"/>
+            <a:off x="304800" y="1066800"/>
             <a:ext cx="8610600" cy="5181600"/>
           </a:xfrm>
         </p:spPr>
         <p:txBody>
           <a:bodyPr>
-            <a:normAutofit/>
+            <a:normAutofit fontScale="92500" lnSpcReduction="20000"/>
           </a:bodyPr>
           <a:lstStyle/>
           <a:p>
             <a:r>
               <a:rPr lang="en-US" sz="4000" b="1" dirty="0" smtClean="0"/>
-              <a:t>Indicate </a:t>
-            </a:r>
+              <a:t>View which tables are open and which are not</a:t>
+            </a:r>
+          </a:p>
+          <a:p>
             <a:r>
               <a:rPr lang="en-US" sz="4000" b="1" dirty="0" smtClean="0"/>
-              <a:t>that tables are ready for seating, easily and without error</a:t>
+              <a:t>View waiting times for tables</a:t>
             </a:r>
           </a:p>
           <a:p>
             <a:r>
               <a:rPr lang="en-US" sz="4000" b="1" dirty="0" smtClean="0"/>
-              <a:t>See which tables need to be cleaned (indicated by bill paid)</a:t>
-            </a:r>
-          </a:p>
-          <a:p>
-            <a:pPr marL="0" indent="0">
-              <a:buNone/>
-            </a:pPr>
+              <a:t>via check in and check out, average duration</a:t>
+            </a:r>
+          </a:p>
+          <a:p>
+            <a:r>
+              <a:rPr lang="en-US" sz="4000" b="1" dirty="0" smtClean="0"/>
+              <a:t>View which tables may be open soon</a:t>
+            </a:r>
+          </a:p>
+          <a:p>
+            <a:r>
+              <a:rPr lang="en-US" sz="4000" b="1" dirty="0" smtClean="0"/>
+              <a:t>See table capacities</a:t>
+            </a:r>
+          </a:p>
+          <a:p>
+            <a:r>
+              <a:rPr lang="en-US" sz="4000" b="1" dirty="0" smtClean="0"/>
+              <a:t>View table server assignments</a:t>
+            </a:r>
+          </a:p>
+          <a:p>
+            <a:r>
+              <a:rPr lang="en-US" sz="4000" b="1" dirty="0" smtClean="0"/>
+              <a:t>by zone</a:t>
+            </a:r>
             <a:endParaRPr lang="en-US" sz="4000" b="1" dirty="0"/>
           </a:p>
         </p:txBody>
@@ -3705,7 +3694,7 @@
     </p:spTree>
     <p:extLst>
       <p:ext uri="{BB962C8B-B14F-4D97-AF65-F5344CB8AC3E}">
-        <p14:creationId xmlns:p14="http://schemas.microsoft.com/office/powerpoint/2010/main" val="263037169"/>
+        <p14:creationId xmlns:p14="http://schemas.microsoft.com/office/powerpoint/2010/main" val="4270577504"/>
       </p:ext>
     </p:extLst>
   </p:cSld>
@@ -3751,6 +3740,115 @@
         </p:nvSpPr>
         <p:spPr>
           <a:xfrm>
+            <a:off x="0" y="36786"/>
+            <a:ext cx="4876800" cy="1030014"/>
+          </a:xfrm>
+        </p:spPr>
+        <p:txBody>
+          <a:bodyPr>
+            <a:normAutofit/>
+          </a:bodyPr>
+          <a:lstStyle/>
+          <a:p>
+            <a:pPr algn="l"/>
+            <a:r>
+              <a:rPr lang="en-US" sz="6000" b="1" dirty="0" smtClean="0"/>
+              <a:t>Goals: Busboy </a:t>
+            </a:r>
+            <a:endParaRPr lang="en-US" sz="6000" b="1" dirty="0"/>
+          </a:p>
+        </p:txBody>
+      </p:sp>
+      <p:sp>
+        <p:nvSpPr>
+          <p:cNvPr id="3" name="Content Placeholder 2"/>
+          <p:cNvSpPr>
+            <a:spLocks noGrp="1"/>
+          </p:cNvSpPr>
+          <p:nvPr>
+            <p:ph idx="1"/>
+          </p:nvPr>
+        </p:nvSpPr>
+        <p:spPr>
+          <a:xfrm>
+            <a:off x="152400" y="1143000"/>
+            <a:ext cx="8610600" cy="5181600"/>
+          </a:xfrm>
+        </p:spPr>
+        <p:txBody>
+          <a:bodyPr>
+            <a:normAutofit/>
+          </a:bodyPr>
+          <a:lstStyle/>
+          <a:p>
+            <a:r>
+              <a:rPr lang="en-US" sz="4000" b="1" dirty="0" smtClean="0"/>
+              <a:t>Indicate that tables are ready for seating, easily and without error</a:t>
+            </a:r>
+          </a:p>
+          <a:p>
+            <a:r>
+              <a:rPr lang="en-US" sz="4000" b="1" dirty="0" smtClean="0"/>
+              <a:t>See which tables need to be cleaned (indicated by bill paid)</a:t>
+            </a:r>
+          </a:p>
+          <a:p>
+            <a:pPr marL="0" indent="0">
+              <a:buNone/>
+            </a:pPr>
+            <a:endParaRPr lang="en-US" sz="4000" b="1" dirty="0"/>
+          </a:p>
+        </p:txBody>
+      </p:sp>
+    </p:spTree>
+    <p:extLst>
+      <p:ext uri="{BB962C8B-B14F-4D97-AF65-F5344CB8AC3E}">
+        <p14:creationId xmlns:p14="http://schemas.microsoft.com/office/powerpoint/2010/main" val="1451251532"/>
+      </p:ext>
+    </p:extLst>
+  </p:cSld>
+  <p:clrMapOvr>
+    <a:masterClrMapping/>
+  </p:clrMapOvr>
+  <p:timing>
+    <p:tnLst>
+      <p:par>
+        <p:cTn id="1" dur="indefinite" restart="never" nodeType="tmRoot"/>
+      </p:par>
+    </p:tnLst>
+  </p:timing>
+</p:sld>
+</file>
+
+<file path=ppt/slides/slide14.xml><?xml version="1.0" encoding="utf-8"?>
+<p:sld xmlns:a="http://schemas.openxmlformats.org/drawingml/2006/main" xmlns:r="http://schemas.openxmlformats.org/officeDocument/2006/relationships" xmlns:p="http://schemas.openxmlformats.org/presentationml/2006/main">
+  <p:cSld>
+    <p:spTree>
+      <p:nvGrpSpPr>
+        <p:cNvPr id="1" name=""/>
+        <p:cNvGrpSpPr/>
+        <p:nvPr/>
+      </p:nvGrpSpPr>
+      <p:grpSpPr>
+        <a:xfrm>
+          <a:off x="0" y="0"/>
+          <a:ext cx="0" cy="0"/>
+          <a:chOff x="0" y="0"/>
+          <a:chExt cx="0" cy="0"/>
+        </a:xfrm>
+      </p:grpSpPr>
+      <p:sp>
+        <p:nvSpPr>
+          <p:cNvPr id="2" name="Title 1"/>
+          <p:cNvSpPr>
+            <a:spLocks noGrp="1"/>
+          </p:cNvSpPr>
+          <p:nvPr>
+            <p:ph type="title"/>
+          </p:nvPr>
+        </p:nvSpPr>
+        <p:spPr>
+          <a:xfrm>
             <a:off x="34159" y="0"/>
             <a:ext cx="5486400" cy="1143000"/>
           </a:xfrm>
@@ -3803,143 +3901,7 @@
     </p:spTree>
     <p:extLst>
       <p:ext uri="{BB962C8B-B14F-4D97-AF65-F5344CB8AC3E}">
-        <p14:creationId xmlns:p14="http://schemas.microsoft.com/office/powerpoint/2010/main" val="3004781825"/>
-      </p:ext>
-    </p:extLst>
-  </p:cSld>
-  <p:clrMapOvr>
-    <a:masterClrMapping/>
-  </p:clrMapOvr>
-  <p:timing>
-    <p:tnLst>
-      <p:par>
-        <p:cTn id="1" dur="indefinite" restart="never" nodeType="tmRoot"/>
-      </p:par>
-    </p:tnLst>
-  </p:timing>
-</p:sld>
-</file>
-
-<file path=ppt/slides/slide14.xml><?xml version="1.0" encoding="utf-8"?>
-<p:sld xmlns:a="http://schemas.openxmlformats.org/drawingml/2006/main" xmlns:r="http://schemas.openxmlformats.org/officeDocument/2006/relationships" xmlns:p="http://schemas.openxmlformats.org/presentationml/2006/main">
-  <p:cSld>
-    <p:spTree>
-      <p:nvGrpSpPr>
-        <p:cNvPr id="1" name=""/>
-        <p:cNvGrpSpPr/>
-        <p:nvPr/>
-      </p:nvGrpSpPr>
-      <p:grpSpPr>
-        <a:xfrm>
-          <a:off x="0" y="0"/>
-          <a:ext cx="0" cy="0"/>
-          <a:chOff x="0" y="0"/>
-          <a:chExt cx="0" cy="0"/>
-        </a:xfrm>
-      </p:grpSpPr>
-      <p:sp>
-        <p:nvSpPr>
-          <p:cNvPr id="2" name="Title 1"/>
-          <p:cNvSpPr>
-            <a:spLocks noGrp="1"/>
-          </p:cNvSpPr>
-          <p:nvPr>
-            <p:ph type="title"/>
-          </p:nvPr>
-        </p:nvSpPr>
-        <p:spPr>
-          <a:xfrm>
-            <a:off x="76200" y="-76200"/>
-            <a:ext cx="7924800" cy="1143000"/>
-          </a:xfrm>
-        </p:spPr>
-        <p:txBody>
-          <a:bodyPr>
-            <a:normAutofit/>
-          </a:bodyPr>
-          <a:lstStyle/>
-          <a:p>
-            <a:pPr algn="l"/>
-            <a:r>
-              <a:rPr lang="en-US" sz="6000" b="1" dirty="0" smtClean="0"/>
-              <a:t>Main Success Scenario</a:t>
-            </a:r>
-            <a:endParaRPr lang="en-US" sz="6000" b="1" dirty="0"/>
-          </a:p>
-        </p:txBody>
-      </p:sp>
-      <p:sp>
-        <p:nvSpPr>
-          <p:cNvPr id="3" name="Content Placeholder 2"/>
-          <p:cNvSpPr>
-            <a:spLocks noGrp="1"/>
-          </p:cNvSpPr>
-          <p:nvPr>
-            <p:ph idx="1"/>
-          </p:nvPr>
-        </p:nvSpPr>
-        <p:spPr>
-          <a:xfrm>
-            <a:off x="228600" y="914400"/>
-            <a:ext cx="8458200" cy="5486400"/>
-          </a:xfrm>
-        </p:spPr>
-        <p:txBody>
-          <a:bodyPr>
-            <a:normAutofit/>
-          </a:bodyPr>
-          <a:lstStyle/>
-          <a:p>
-            <a:r>
-              <a:rPr lang="en-US" sz="4000" b="1" dirty="0"/>
-              <a:t>Customer enters</a:t>
-            </a:r>
-          </a:p>
-          <a:p>
-            <a:r>
-              <a:rPr lang="en-US" sz="4000" b="1" dirty="0" smtClean="0"/>
-              <a:t>Hostess </a:t>
-            </a:r>
-            <a:r>
-              <a:rPr lang="en-US" sz="4000" b="1" dirty="0"/>
-              <a:t>checks for available </a:t>
-            </a:r>
-            <a:r>
-              <a:rPr lang="en-US" sz="4000" b="1" dirty="0" smtClean="0"/>
-              <a:t>tables / estimated wait-time </a:t>
-            </a:r>
-            <a:endParaRPr lang="en-US" sz="4000" b="1" dirty="0"/>
-          </a:p>
-          <a:p>
-            <a:r>
-              <a:rPr lang="en-US" sz="4000" b="1" dirty="0"/>
-              <a:t>Customer seated by </a:t>
-            </a:r>
-            <a:r>
-              <a:rPr lang="en-US" sz="4000" b="1" dirty="0" smtClean="0"/>
-              <a:t>hostess, table marked occupied and  assigned to a waiter</a:t>
-            </a:r>
-          </a:p>
-          <a:p>
-            <a:r>
-              <a:rPr lang="en-US" sz="4000" b="1" dirty="0" smtClean="0"/>
-              <a:t>Drinks, Appetizers, meals: ordered /prepared </a:t>
-            </a:r>
-            <a:r>
-              <a:rPr lang="en-US" sz="4000" b="1" dirty="0"/>
-              <a:t>/ </a:t>
-            </a:r>
-            <a:r>
-              <a:rPr lang="en-US" sz="4000" b="1" dirty="0" smtClean="0"/>
-              <a:t>delivered</a:t>
-            </a:r>
-          </a:p>
-        </p:txBody>
-      </p:sp>
-    </p:spTree>
-    <p:extLst>
-      <p:ext uri="{BB962C8B-B14F-4D97-AF65-F5344CB8AC3E}">
-        <p14:creationId xmlns:p14="http://schemas.microsoft.com/office/powerpoint/2010/main" val="3004781825"/>
+        <p14:creationId xmlns:p14="http://schemas.microsoft.com/office/powerpoint/2010/main" val="3692276360"/>
       </p:ext>
     </p:extLst>
   </p:cSld>
@@ -4016,60 +3978,96 @@
         </p:nvSpPr>
         <p:spPr>
           <a:xfrm>
-            <a:off x="228600" y="914400"/>
-            <a:ext cx="8458200" cy="5486400"/>
+            <a:off x="4419600" y="914400"/>
+            <a:ext cx="4267200" cy="5486400"/>
           </a:xfrm>
         </p:spPr>
         <p:txBody>
           <a:bodyPr>
-            <a:normAutofit fontScale="92500" lnSpcReduction="20000"/>
+            <a:normAutofit fontScale="77500" lnSpcReduction="20000"/>
           </a:bodyPr>
           <a:lstStyle/>
           <a:p>
             <a:r>
-              <a:rPr lang="en-US" sz="4000" b="1" u="sng" dirty="0" smtClean="0"/>
-              <a:t>Ordering</a:t>
-            </a:r>
+              <a:rPr lang="en-US" sz="4000" b="1" dirty="0"/>
+              <a:t>Customer enters</a:t>
+            </a:r>
+          </a:p>
+          <a:p>
             <a:r>
               <a:rPr lang="en-US" sz="4000" b="1" dirty="0" smtClean="0"/>
-              <a:t>: order-items (drinks and dishes) are added to order-group which is placed in an order-queue by wait-staff</a:t>
-            </a:r>
-          </a:p>
-          <a:p>
-            <a:r>
-              <a:rPr lang="en-US" sz="4000" b="1" u="sng" dirty="0" smtClean="0"/>
-              <a:t>Preparation</a:t>
+              <a:t>Hostess </a:t>
+            </a:r>
+            <a:r>
+              <a:rPr lang="en-US" sz="4000" b="1" dirty="0"/>
+              <a:t>checks for available </a:t>
             </a:r>
             <a:r>
               <a:rPr lang="en-US" sz="4000" b="1" dirty="0" smtClean="0"/>
-              <a:t>: order-group is removed from the order-queue by kitchen staff, order-items are prepared (in </a:t>
-            </a:r>
-            <a:r>
-              <a:rPr lang="en-US" sz="4000" b="1" dirty="0" err="1" smtClean="0"/>
-              <a:t>LPTF</a:t>
+              <a:t>tables / estimated wait-time </a:t>
+            </a:r>
+            <a:endParaRPr lang="en-US" sz="4000" b="1" dirty="0"/>
+          </a:p>
+          <a:p>
+            <a:r>
+              <a:rPr lang="en-US" sz="4000" b="1" dirty="0"/>
+              <a:t>Customer seated by </a:t>
             </a:r>
             <a:r>
               <a:rPr lang="en-US" sz="4000" b="1" dirty="0" smtClean="0"/>
-              <a:t> order), and the order-group is placed in the delivery-queue.  Inventory is updated.</a:t>
-            </a:r>
-          </a:p>
-          <a:p>
-            <a:r>
-              <a:rPr lang="en-US" sz="4000" b="1" u="sng" dirty="0" smtClean="0"/>
-              <a:t>Delivery</a:t>
-            </a:r>
+              <a:t>hostess, table marked occupied and  assigned to a waiter</a:t>
+            </a:r>
+          </a:p>
+          <a:p>
             <a:r>
               <a:rPr lang="en-US" sz="4000" b="1" dirty="0" smtClean="0"/>
-              <a:t>: item is delivered and removed from delivery-queue by wait-staff.</a:t>
-            </a:r>
-            <a:endParaRPr lang="en-US" sz="4000" b="1" dirty="0"/>
-          </a:p>
-        </p:txBody>
-      </p:sp>
+              <a:t>Drinks, Appetizers, meals: ordered /prepared </a:t>
+            </a:r>
+            <a:r>
+              <a:rPr lang="en-US" sz="4000" b="1" dirty="0"/>
+              <a:t>/ </a:t>
+            </a:r>
+            <a:r>
+              <a:rPr lang="en-US" sz="4000" b="1" dirty="0" smtClean="0"/>
+              <a:t>delivered</a:t>
+            </a:r>
+          </a:p>
+        </p:txBody>
+      </p:sp>
+      <p:pic>
+        <p:nvPicPr>
+          <p:cNvPr id="4" name="Picture 3"/>
+          <p:cNvPicPr>
+            <a:picLocks noChangeAspect="1"/>
+          </p:cNvPicPr>
+          <p:nvPr/>
+        </p:nvPicPr>
+        <p:blipFill>
+          <a:blip r:embed="rId2">
+            <a:extLst>
+              <a:ext uri="{28A0092B-C50C-407E-A947-70E740481C1C}">
+                <a14:useLocalDpi xmlns:a14="http://schemas.microsoft.com/office/drawing/2010/main" val="0"/>
+              </a:ext>
+            </a:extLst>
+          </a:blip>
+          <a:stretch>
+            <a:fillRect/>
+          </a:stretch>
+        </p:blipFill>
+        <p:spPr>
+          <a:xfrm>
+            <a:off x="838200" y="1162050"/>
+            <a:ext cx="3124200" cy="4783932"/>
+          </a:xfrm>
+          <a:prstGeom prst="rect">
+            <a:avLst/>
+          </a:prstGeom>
+        </p:spPr>
+      </p:pic>
     </p:spTree>
     <p:extLst>
       <p:ext uri="{BB962C8B-B14F-4D97-AF65-F5344CB8AC3E}">
-        <p14:creationId xmlns:p14="http://schemas.microsoft.com/office/powerpoint/2010/main" val="2876076367"/>
+        <p14:creationId xmlns:p14="http://schemas.microsoft.com/office/powerpoint/2010/main" val="1944642615"/>
       </p:ext>
     </p:extLst>
   </p:cSld>
@@ -4152,55 +4150,27 @@
         </p:spPr>
         <p:txBody>
           <a:bodyPr>
-            <a:normAutofit/>
+            <a:normAutofit fontScale="92500" lnSpcReduction="20000"/>
           </a:bodyPr>
           <a:lstStyle/>
           <a:p>
-            <a:pPr marL="0" indent="0">
-              <a:buNone/>
-            </a:pPr>
+            <a:r>
+              <a:rPr lang="en-US" sz="4000" b="1" u="sng" dirty="0" smtClean="0"/>
+              <a:t>Ordering</a:t>
+            </a:r>
             <a:r>
               <a:rPr lang="en-US" sz="4000" b="1" dirty="0" smtClean="0"/>
-              <a:t>Queue order is processed by an algorithm that:</a:t>
-            </a:r>
-          </a:p>
-          <a:p>
-            <a:pPr lvl="0"/>
+              <a:t>: order-items (drinks and dishes) are added to order-group which is placed in an order-queue by wait-staff</a:t>
+            </a:r>
+          </a:p>
+          <a:p>
+            <a:r>
+              <a:rPr lang="en-US" sz="4000" b="1" u="sng" dirty="0" smtClean="0"/>
+              <a:t>Preparation</a:t>
+            </a:r>
             <a:r>
               <a:rPr lang="en-US" sz="4000" b="1" dirty="0" smtClean="0"/>
-              <a:t>Order-groups queued in FIFO</a:t>
-            </a:r>
-            <a:endParaRPr lang="en-US" sz="4000" b="1" dirty="0"/>
-          </a:p>
-          <a:p>
-            <a:pPr lvl="0"/>
-            <a:r>
-              <a:rPr lang="en-US" sz="4000" b="1" dirty="0" smtClean="0"/>
-              <a:t>Order-items queued </a:t>
-            </a:r>
-            <a:r>
-              <a:rPr lang="en-US" sz="4000" b="1" dirty="0"/>
-              <a:t>within </a:t>
-            </a:r>
-            <a:r>
-              <a:rPr lang="en-US" sz="4000" b="1" dirty="0" smtClean="0"/>
-              <a:t>order-group </a:t>
-            </a:r>
-            <a:r>
-              <a:rPr lang="en-US" sz="4000" b="1" dirty="0"/>
-              <a:t>by l</a:t>
-            </a:r>
-            <a:r>
-              <a:rPr lang="en-US" sz="4000" b="1" dirty="0" smtClean="0"/>
-              <a:t>ongest </a:t>
-            </a:r>
-            <a:r>
-              <a:rPr lang="en-US" sz="4000" b="1" dirty="0"/>
-              <a:t>prep-time </a:t>
-            </a:r>
-            <a:r>
-              <a:rPr lang="en-US" sz="4000" b="1" dirty="0" smtClean="0"/>
-              <a:t>first (</a:t>
+              <a:t>: order-group is removed from the order-queue by kitchen staff, order-items are prepared (in </a:t>
             </a:r>
             <a:r>
               <a:rPr lang="en-US" sz="4000" b="1" dirty="0" err="1" smtClean="0"/>
@@ -4208,10 +4178,18 @@
             </a:r>
             <a:r>
               <a:rPr lang="en-US" sz="4000" b="1" dirty="0" smtClean="0"/>
-              <a:t>) to synchronize their completion</a:t>
-            </a:r>
-          </a:p>
-          <a:p>
+              <a:t> order), and the order-group is placed in the delivery-queue.  Inventory is updated.</a:t>
+            </a:r>
+          </a:p>
+          <a:p>
+            <a:r>
+              <a:rPr lang="en-US" sz="4000" b="1" u="sng" dirty="0" smtClean="0"/>
+              <a:t>Delivery</a:t>
+            </a:r>
+            <a:r>
+              <a:rPr lang="en-US" sz="4000" b="1" dirty="0" smtClean="0"/>
+              <a:t>: item is delivered and removed from delivery-queue by wait-staff.</a:t>
+            </a:r>
             <a:endParaRPr lang="en-US" sz="4000" b="1" dirty="0"/>
           </a:p>
         </p:txBody>
@@ -4219,7 +4197,7 @@
     </p:spTree>
     <p:extLst>
       <p:ext uri="{BB962C8B-B14F-4D97-AF65-F5344CB8AC3E}">
-        <p14:creationId xmlns:p14="http://schemas.microsoft.com/office/powerpoint/2010/main" val="2876076367"/>
+        <p14:creationId xmlns:p14="http://schemas.microsoft.com/office/powerpoint/2010/main" val="1877067265"/>
       </p:ext>
     </p:extLst>
   </p:cSld>
@@ -4306,41 +4284,59 @@
           </a:bodyPr>
           <a:lstStyle/>
           <a:p>
+            <a:pPr marL="0" indent="0">
+              <a:buNone/>
+            </a:pPr>
             <a:r>
               <a:rPr lang="en-US" sz="4000" b="1" dirty="0" smtClean="0"/>
-              <a:t>People enjoy food and drinks and  possibly order more things.</a:t>
-            </a:r>
-          </a:p>
-          <a:p>
+              <a:t>Queue order is processed by an algorithm that:</a:t>
+            </a:r>
+          </a:p>
+          <a:p>
+            <a:pPr lvl="0"/>
+            <a:r>
+              <a:rPr lang="en-US" sz="4000" b="1" dirty="0" smtClean="0"/>
+              <a:t>Order-groups queued in FIFO</a:t>
+            </a:r>
+            <a:endParaRPr lang="en-US" sz="4000" b="1" dirty="0"/>
+          </a:p>
+          <a:p>
+            <a:pPr lvl="0"/>
+            <a:r>
+              <a:rPr lang="en-US" sz="4000" b="1" dirty="0" smtClean="0"/>
+              <a:t>Order-items queued </a:t>
+            </a:r>
             <a:r>
               <a:rPr lang="en-US" sz="4000" b="1" dirty="0"/>
-              <a:t>Meal </a:t>
+              <a:t>within </a:t>
             </a:r>
             <a:r>
               <a:rPr lang="en-US" sz="4000" b="1" dirty="0" smtClean="0"/>
-              <a:t>completed.</a:t>
-            </a:r>
-          </a:p>
-          <a:p>
+              <a:t>order-group </a:t>
+            </a:r>
+            <a:r>
+              <a:rPr lang="en-US" sz="4000" b="1" dirty="0"/>
+              <a:t>by l</a:t>
+            </a:r>
             <a:r>
               <a:rPr lang="en-US" sz="4000" b="1" dirty="0" smtClean="0"/>
-              <a:t>Bill is totaled and presented.</a:t>
-            </a:r>
-          </a:p>
-          <a:p>
+              <a:t>ongest </a:t>
+            </a:r>
+            <a:r>
+              <a:rPr lang="en-US" sz="4000" b="1" dirty="0"/>
+              <a:t>prep-time </a:t>
+            </a:r>
             <a:r>
               <a:rPr lang="en-US" sz="4000" b="1" dirty="0" smtClean="0"/>
-              <a:t>Bill and tip can be paid electronically</a:t>
-            </a:r>
-          </a:p>
-          <a:p>
+              <a:t>first (</a:t>
+            </a:r>
+            <a:r>
+              <a:rPr lang="en-US" sz="4000" b="1" dirty="0" err="1" smtClean="0"/>
+              <a:t>LPTF</a:t>
+            </a:r>
             <a:r>
               <a:rPr lang="en-US" sz="4000" b="1" dirty="0" smtClean="0"/>
-              <a:t>Bill is designated </a:t>
-            </a:r>
-            <a:r>
-              <a:rPr lang="en-US" sz="4000" b="1" dirty="0"/>
-              <a:t>“settled”</a:t>
+              <a:t>) to synchronize their completion</a:t>
             </a:r>
           </a:p>
           <a:p>
@@ -4351,7 +4347,7 @@
     </p:spTree>
     <p:extLst>
       <p:ext uri="{BB962C8B-B14F-4D97-AF65-F5344CB8AC3E}">
-        <p14:creationId xmlns:p14="http://schemas.microsoft.com/office/powerpoint/2010/main" val="2876076367"/>
+        <p14:creationId xmlns:p14="http://schemas.microsoft.com/office/powerpoint/2010/main" val="3392404194"/>
       </p:ext>
     </p:extLst>
   </p:cSld>
@@ -4440,26 +4436,40 @@
           <a:p>
             <a:r>
               <a:rPr lang="en-US" sz="4000" b="1" dirty="0" smtClean="0"/>
-              <a:t>People leave.</a:t>
-            </a:r>
-          </a:p>
-          <a:p>
+              <a:t>People enjoy food and drinks and  possibly order more things.</a:t>
+            </a:r>
+          </a:p>
+          <a:p>
+            <a:r>
+              <a:rPr lang="en-US" sz="4000" b="1" dirty="0"/>
+              <a:t>Meal </a:t>
+            </a:r>
             <a:r>
               <a:rPr lang="en-US" sz="4000" b="1" dirty="0" smtClean="0"/>
-              <a:t>Table placed in bus queue</a:t>
+              <a:t>completed.</a:t>
             </a:r>
           </a:p>
           <a:p>
             <a:r>
               <a:rPr lang="en-US" sz="4000" b="1" dirty="0" smtClean="0"/>
-              <a:t>Table is cleaned, removed from bus queue, and marked as available </a:t>
-            </a:r>
-          </a:p>
-          <a:p>
-            <a:pPr marL="0" indent="0">
-              <a:buNone/>
-            </a:pPr>
-            <a:endParaRPr lang="en-US" sz="4000" b="1" dirty="0" smtClean="0"/>
+              <a:t>Bill is totaled and presented.</a:t>
+            </a:r>
+          </a:p>
+          <a:p>
+            <a:r>
+              <a:rPr lang="en-US" sz="4000" b="1" dirty="0" smtClean="0"/>
+              <a:t>Bill and tip can be paid electronically</a:t>
+            </a:r>
+          </a:p>
+          <a:p>
+            <a:r>
+              <a:rPr lang="en-US" sz="4000" b="1" dirty="0" smtClean="0"/>
+              <a:t>Bill is designated </a:t>
+            </a:r>
+            <a:r>
+              <a:rPr lang="en-US" sz="4000" b="1" dirty="0"/>
+              <a:t>“settled”</a:t>
+            </a:r>
           </a:p>
           <a:p>
             <a:endParaRPr lang="en-US" sz="4000" b="1" dirty="0"/>
@@ -4469,7 +4479,7 @@
     </p:spTree>
     <p:extLst>
       <p:ext uri="{BB962C8B-B14F-4D97-AF65-F5344CB8AC3E}">
-        <p14:creationId xmlns:p14="http://schemas.microsoft.com/office/powerpoint/2010/main" val="2876076367"/>
+        <p14:creationId xmlns:p14="http://schemas.microsoft.com/office/powerpoint/2010/main" val="2001475889"/>
       </p:ext>
     </p:extLst>
   </p:cSld>
@@ -4503,2177 +4513,6 @@
           <a:chExt cx="0" cy="0"/>
         </a:xfrm>
       </p:grpSpPr>
-      <p:graphicFrame>
-        <p:nvGraphicFramePr>
-          <p:cNvPr id="4" name="Content Placeholder 3"/>
-          <p:cNvGraphicFramePr>
-            <a:graphicFrameLocks noGrp="1"/>
-          </p:cNvGraphicFramePr>
-          <p:nvPr>
-            <p:ph idx="1"/>
-            <p:extLst>
-              <p:ext uri="{D42A27DB-BD31-4B8C-83A1-F6EECF244321}">
-                <p14:modId xmlns:p14="http://schemas.microsoft.com/office/powerpoint/2010/main" val="3326821041"/>
-              </p:ext>
-            </p:extLst>
-          </p:nvPr>
-        </p:nvGraphicFramePr>
-        <p:xfrm>
-          <a:off x="0" y="838200"/>
-          <a:ext cx="9067800" cy="5873963"/>
-        </p:xfrm>
-        <a:graphic>
-          <a:graphicData uri="http://schemas.openxmlformats.org/drawingml/2006/table">
-            <a:tbl>
-              <a:tblPr firstRow="1" firstCol="1" bandRow="1">
-                <a:tableStyleId>{5DA37D80-6434-44D0-A028-1B22A696006F}</a:tableStyleId>
-              </a:tblPr>
-              <a:tblGrid>
-                <a:gridCol w="457200"/>
-                <a:gridCol w="2209800"/>
-                <a:gridCol w="914400"/>
-                <a:gridCol w="2590800"/>
-                <a:gridCol w="1752600"/>
-                <a:gridCol w="1143000"/>
-              </a:tblGrid>
-              <a:tr h="389363">
-                <a:tc>
-                  <a:txBody>
-                    <a:bodyPr/>
-                    <a:lstStyle/>
-                    <a:p>
-                      <a:pPr marL="0" marR="0" algn="ctr">
-                        <a:lnSpc>
-                          <a:spcPct val="115000"/>
-                        </a:lnSpc>
-                        <a:spcBef>
-                          <a:spcPts val="0"/>
-                        </a:spcBef>
-                        <a:spcAft>
-                          <a:spcPts val="0"/>
-                        </a:spcAft>
-                      </a:pPr>
-                      <a:r>
-                        <a:rPr lang="en-US" sz="2400" dirty="0">
-                          <a:effectLst/>
-                        </a:rPr>
-                        <a:t>ID</a:t>
-                      </a:r>
-                      <a:endParaRPr lang="en-US" sz="3600" dirty="0">
-                        <a:effectLst/>
-                        <a:latin typeface="Calibri"/>
-                        <a:ea typeface="Calibri"/>
-                        <a:cs typeface="Times New Roman"/>
-                      </a:endParaRPr>
-                    </a:p>
-                  </a:txBody>
-                  <a:tcPr marL="68580" marR="68580" marT="0" marB="0" anchor="b"/>
-                </a:tc>
-                <a:tc>
-                  <a:txBody>
-                    <a:bodyPr/>
-                    <a:lstStyle/>
-                    <a:p>
-                      <a:pPr marL="0" marR="0" algn="ctr">
-                        <a:lnSpc>
-                          <a:spcPct val="115000"/>
-                        </a:lnSpc>
-                        <a:spcBef>
-                          <a:spcPts val="0"/>
-                        </a:spcBef>
-                        <a:spcAft>
-                          <a:spcPts val="0"/>
-                        </a:spcAft>
-                      </a:pPr>
-                      <a:r>
-                        <a:rPr lang="en-US" sz="2400" dirty="0">
-                          <a:effectLst/>
-                        </a:rPr>
-                        <a:t>Name </a:t>
-                      </a:r>
-                      <a:endParaRPr lang="en-US" sz="3600" dirty="0">
-                        <a:effectLst/>
-                        <a:latin typeface="Calibri"/>
-                        <a:ea typeface="Calibri"/>
-                        <a:cs typeface="Times New Roman"/>
-                      </a:endParaRPr>
-                    </a:p>
-                  </a:txBody>
-                  <a:tcPr marL="68580" marR="68580" marT="0" marB="0" anchor="b"/>
-                </a:tc>
-                <a:tc>
-                  <a:txBody>
-                    <a:bodyPr/>
-                    <a:lstStyle/>
-                    <a:p>
-                      <a:pPr marL="0" marR="0" algn="ctr">
-                        <a:lnSpc>
-                          <a:spcPct val="115000"/>
-                        </a:lnSpc>
-                        <a:spcBef>
-                          <a:spcPts val="0"/>
-                        </a:spcBef>
-                        <a:spcAft>
-                          <a:spcPts val="0"/>
-                        </a:spcAft>
-                      </a:pPr>
-                      <a:r>
-                        <a:rPr lang="en-US" sz="2400">
-                          <a:effectLst/>
-                        </a:rPr>
-                        <a:t>Scope</a:t>
-                      </a:r>
-                      <a:endParaRPr lang="en-US" sz="3600">
-                        <a:effectLst/>
-                        <a:latin typeface="Calibri"/>
-                        <a:ea typeface="Calibri"/>
-                        <a:cs typeface="Times New Roman"/>
-                      </a:endParaRPr>
-                    </a:p>
-                  </a:txBody>
-                  <a:tcPr marL="68580" marR="68580" marT="0" marB="0" anchor="b"/>
-                </a:tc>
-                <a:tc>
-                  <a:txBody>
-                    <a:bodyPr/>
-                    <a:lstStyle/>
-                    <a:p>
-                      <a:pPr marL="0" marR="0" algn="ctr">
-                        <a:lnSpc>
-                          <a:spcPct val="115000"/>
-                        </a:lnSpc>
-                        <a:spcBef>
-                          <a:spcPts val="0"/>
-                        </a:spcBef>
-                        <a:spcAft>
-                          <a:spcPts val="0"/>
-                        </a:spcAft>
-                      </a:pPr>
-                      <a:r>
-                        <a:rPr lang="en-US" sz="2400" dirty="0">
-                          <a:effectLst/>
-                        </a:rPr>
-                        <a:t>Primary Actor</a:t>
-                      </a:r>
-                      <a:endParaRPr lang="en-US" sz="3600" dirty="0">
-                        <a:effectLst/>
-                        <a:latin typeface="Calibri"/>
-                        <a:ea typeface="Calibri"/>
-                        <a:cs typeface="Times New Roman"/>
-                      </a:endParaRPr>
-                    </a:p>
-                  </a:txBody>
-                  <a:tcPr marL="68580" marR="68580" marT="0" marB="0" anchor="b"/>
-                </a:tc>
-                <a:tc>
-                  <a:txBody>
-                    <a:bodyPr/>
-                    <a:lstStyle/>
-                    <a:p>
-                      <a:pPr marL="0" marR="0" algn="ctr">
-                        <a:lnSpc>
-                          <a:spcPct val="115000"/>
-                        </a:lnSpc>
-                        <a:spcBef>
-                          <a:spcPts val="0"/>
-                        </a:spcBef>
-                        <a:spcAft>
-                          <a:spcPts val="0"/>
-                        </a:spcAft>
-                      </a:pPr>
-                      <a:r>
-                        <a:rPr lang="en-US" sz="2400" dirty="0" err="1" smtClean="0">
-                          <a:effectLst/>
-                        </a:rPr>
-                        <a:t>Compelxity</a:t>
-                      </a:r>
-                      <a:endParaRPr lang="en-US" sz="3600" dirty="0">
-                        <a:effectLst/>
-                        <a:latin typeface="Calibri"/>
-                        <a:ea typeface="Calibri"/>
-                        <a:cs typeface="Times New Roman"/>
-                      </a:endParaRPr>
-                    </a:p>
-                  </a:txBody>
-                  <a:tcPr marL="68580" marR="68580" marT="0" marB="0" anchor="b"/>
-                </a:tc>
-                <a:tc>
-                  <a:txBody>
-                    <a:bodyPr/>
-                    <a:lstStyle/>
-                    <a:p>
-                      <a:pPr marL="0" marR="0" algn="ctr">
-                        <a:lnSpc>
-                          <a:spcPct val="115000"/>
-                        </a:lnSpc>
-                        <a:spcBef>
-                          <a:spcPts val="0"/>
-                        </a:spcBef>
-                        <a:spcAft>
-                          <a:spcPts val="0"/>
-                        </a:spcAft>
-                      </a:pPr>
-                      <a:r>
-                        <a:rPr lang="en-US" sz="2400" dirty="0">
-                          <a:effectLst/>
-                        </a:rPr>
-                        <a:t>Priority</a:t>
-                      </a:r>
-                      <a:endParaRPr lang="en-US" sz="3600" dirty="0">
-                        <a:effectLst/>
-                        <a:latin typeface="Calibri"/>
-                        <a:ea typeface="Calibri"/>
-                        <a:cs typeface="Times New Roman"/>
-                      </a:endParaRPr>
-                    </a:p>
-                  </a:txBody>
-                  <a:tcPr marL="68580" marR="68580" marT="0" marB="0" anchor="b"/>
-                </a:tc>
-              </a:tr>
-              <a:tr h="547804">
-                <a:tc>
-                  <a:txBody>
-                    <a:bodyPr/>
-                    <a:lstStyle/>
-                    <a:p>
-                      <a:pPr marL="0" marR="0" algn="ctr">
-                        <a:lnSpc>
-                          <a:spcPct val="115000"/>
-                        </a:lnSpc>
-                        <a:spcBef>
-                          <a:spcPts val="0"/>
-                        </a:spcBef>
-                        <a:spcAft>
-                          <a:spcPts val="0"/>
-                        </a:spcAft>
-                      </a:pPr>
-                      <a:r>
-                        <a:rPr lang="en-US" sz="2400" dirty="0">
-                          <a:effectLst/>
-                        </a:rPr>
-                        <a:t>1</a:t>
-                      </a:r>
-                      <a:endParaRPr lang="en-US" sz="3600" dirty="0">
-                        <a:effectLst/>
-                        <a:latin typeface="Calibri"/>
-                        <a:ea typeface="Calibri"/>
-                        <a:cs typeface="Times New Roman"/>
-                      </a:endParaRPr>
-                    </a:p>
-                  </a:txBody>
-                  <a:tcPr marL="68580" marR="68580" marT="0" marB="0" anchor="b"/>
-                </a:tc>
-                <a:tc>
-                  <a:txBody>
-                    <a:bodyPr/>
-                    <a:lstStyle/>
-                    <a:p>
-                      <a:pPr marL="0" marR="0" algn="ctr">
-                        <a:lnSpc>
-                          <a:spcPct val="115000"/>
-                        </a:lnSpc>
-                        <a:spcBef>
-                          <a:spcPts val="0"/>
-                        </a:spcBef>
-                        <a:spcAft>
-                          <a:spcPts val="0"/>
-                        </a:spcAft>
-                      </a:pPr>
-                      <a:r>
-                        <a:rPr lang="en-US" sz="2400" dirty="0">
-                          <a:effectLst/>
-                        </a:rPr>
-                        <a:t>Menu view</a:t>
-                      </a:r>
-                      <a:endParaRPr lang="en-US" sz="3600" dirty="0">
-                        <a:effectLst/>
-                        <a:latin typeface="Calibri"/>
-                        <a:ea typeface="Calibri"/>
-                        <a:cs typeface="Times New Roman"/>
-                      </a:endParaRPr>
-                    </a:p>
-                  </a:txBody>
-                  <a:tcPr marL="68580" marR="68580" marT="0" marB="0" anchor="b"/>
-                </a:tc>
-                <a:tc>
-                  <a:txBody>
-                    <a:bodyPr/>
-                    <a:lstStyle/>
-                    <a:p>
-                      <a:pPr marL="0" marR="0" algn="ctr">
-                        <a:lnSpc>
-                          <a:spcPct val="115000"/>
-                        </a:lnSpc>
-                        <a:spcBef>
-                          <a:spcPts val="0"/>
-                        </a:spcBef>
-                        <a:spcAft>
-                          <a:spcPts val="0"/>
-                        </a:spcAft>
-                      </a:pPr>
-                      <a:r>
-                        <a:rPr lang="en-US" sz="2400">
-                          <a:effectLst/>
-                        </a:rPr>
-                        <a:t>In</a:t>
-                      </a:r>
-                      <a:endParaRPr lang="en-US" sz="3600">
-                        <a:effectLst/>
-                        <a:latin typeface="Calibri"/>
-                        <a:ea typeface="Calibri"/>
-                        <a:cs typeface="Times New Roman"/>
-                      </a:endParaRPr>
-                    </a:p>
-                  </a:txBody>
-                  <a:tcPr marL="68580" marR="68580" marT="0" marB="0" anchor="b"/>
-                </a:tc>
-                <a:tc>
-                  <a:txBody>
-                    <a:bodyPr/>
-                    <a:lstStyle/>
-                    <a:p>
-                      <a:pPr marL="0" marR="0" algn="ctr">
-                        <a:lnSpc>
-                          <a:spcPct val="115000"/>
-                        </a:lnSpc>
-                        <a:spcBef>
-                          <a:spcPts val="0"/>
-                        </a:spcBef>
-                        <a:spcAft>
-                          <a:spcPts val="0"/>
-                        </a:spcAft>
-                      </a:pPr>
-                      <a:r>
-                        <a:rPr lang="en-US" sz="2400" dirty="0">
-                          <a:effectLst/>
-                        </a:rPr>
-                        <a:t>Anyone</a:t>
-                      </a:r>
-                      <a:endParaRPr lang="en-US" sz="3600" dirty="0">
-                        <a:effectLst/>
-                        <a:latin typeface="Calibri"/>
-                        <a:ea typeface="Calibri"/>
-                        <a:cs typeface="Times New Roman"/>
-                      </a:endParaRPr>
-                    </a:p>
-                  </a:txBody>
-                  <a:tcPr marL="68580" marR="68580" marT="0" marB="0" anchor="b"/>
-                </a:tc>
-                <a:tc>
-                  <a:txBody>
-                    <a:bodyPr/>
-                    <a:lstStyle/>
-                    <a:p>
-                      <a:pPr marL="0" marR="0" algn="ctr">
-                        <a:lnSpc>
-                          <a:spcPct val="115000"/>
-                        </a:lnSpc>
-                        <a:spcBef>
-                          <a:spcPts val="0"/>
-                        </a:spcBef>
-                        <a:spcAft>
-                          <a:spcPts val="0"/>
-                        </a:spcAft>
-                      </a:pPr>
-                      <a:r>
-                        <a:rPr lang="en-US" sz="2400">
-                          <a:effectLst/>
-                        </a:rPr>
-                        <a:t>Low</a:t>
-                      </a:r>
-                      <a:endParaRPr lang="en-US" sz="3600">
-                        <a:effectLst/>
-                        <a:latin typeface="Calibri"/>
-                        <a:ea typeface="Calibri"/>
-                        <a:cs typeface="Times New Roman"/>
-                      </a:endParaRPr>
-                    </a:p>
-                  </a:txBody>
-                  <a:tcPr marL="68580" marR="68580" marT="0" marB="0" anchor="b"/>
-                </a:tc>
-                <a:tc>
-                  <a:txBody>
-                    <a:bodyPr/>
-                    <a:lstStyle/>
-                    <a:p>
-                      <a:pPr marL="0" marR="0" algn="ctr">
-                        <a:lnSpc>
-                          <a:spcPct val="115000"/>
-                        </a:lnSpc>
-                        <a:spcBef>
-                          <a:spcPts val="0"/>
-                        </a:spcBef>
-                        <a:spcAft>
-                          <a:spcPts val="0"/>
-                        </a:spcAft>
-                      </a:pPr>
-                      <a:r>
-                        <a:rPr lang="en-US" sz="2400">
-                          <a:effectLst/>
-                        </a:rPr>
-                        <a:t>1</a:t>
-                      </a:r>
-                      <a:endParaRPr lang="en-US" sz="3600">
-                        <a:effectLst/>
-                        <a:latin typeface="Calibri"/>
-                        <a:ea typeface="Calibri"/>
-                        <a:cs typeface="Times New Roman"/>
-                      </a:endParaRPr>
-                    </a:p>
-                  </a:txBody>
-                  <a:tcPr marL="68580" marR="68580" marT="0" marB="0" anchor="b"/>
-                </a:tc>
-              </a:tr>
-              <a:tr h="547804">
-                <a:tc>
-                  <a:txBody>
-                    <a:bodyPr/>
-                    <a:lstStyle/>
-                    <a:p>
-                      <a:pPr marL="0" marR="0" algn="ctr">
-                        <a:lnSpc>
-                          <a:spcPct val="115000"/>
-                        </a:lnSpc>
-                        <a:spcBef>
-                          <a:spcPts val="0"/>
-                        </a:spcBef>
-                        <a:spcAft>
-                          <a:spcPts val="0"/>
-                        </a:spcAft>
-                      </a:pPr>
-                      <a:r>
-                        <a:rPr lang="en-US" sz="2400">
-                          <a:effectLst/>
-                        </a:rPr>
-                        <a:t>2</a:t>
-                      </a:r>
-                      <a:endParaRPr lang="en-US" sz="3600">
-                        <a:effectLst/>
-                        <a:latin typeface="Calibri"/>
-                        <a:ea typeface="Calibri"/>
-                        <a:cs typeface="Times New Roman"/>
-                      </a:endParaRPr>
-                    </a:p>
-                  </a:txBody>
-                  <a:tcPr marL="68580" marR="68580" marT="0" marB="0" anchor="b"/>
-                </a:tc>
-                <a:tc>
-                  <a:txBody>
-                    <a:bodyPr/>
-                    <a:lstStyle/>
-                    <a:p>
-                      <a:pPr marL="0" marR="0" algn="ctr">
-                        <a:lnSpc>
-                          <a:spcPct val="115000"/>
-                        </a:lnSpc>
-                        <a:spcBef>
-                          <a:spcPts val="0"/>
-                        </a:spcBef>
-                        <a:spcAft>
-                          <a:spcPts val="0"/>
-                        </a:spcAft>
-                      </a:pPr>
-                      <a:r>
-                        <a:rPr lang="en-US" sz="2400" dirty="0" smtClean="0">
-                          <a:effectLst/>
-                        </a:rPr>
-                        <a:t>Place Order</a:t>
-                      </a:r>
-                      <a:endParaRPr lang="en-US" sz="3600" dirty="0">
-                        <a:effectLst/>
-                        <a:latin typeface="Calibri"/>
-                        <a:ea typeface="Calibri"/>
-                        <a:cs typeface="Times New Roman"/>
-                      </a:endParaRPr>
-                    </a:p>
-                  </a:txBody>
-                  <a:tcPr marL="68580" marR="68580" marT="0" marB="0" anchor="b"/>
-                </a:tc>
-                <a:tc>
-                  <a:txBody>
-                    <a:bodyPr/>
-                    <a:lstStyle/>
-                    <a:p>
-                      <a:pPr marL="0" marR="0" algn="ctr">
-                        <a:lnSpc>
-                          <a:spcPct val="115000"/>
-                        </a:lnSpc>
-                        <a:spcBef>
-                          <a:spcPts val="0"/>
-                        </a:spcBef>
-                        <a:spcAft>
-                          <a:spcPts val="0"/>
-                        </a:spcAft>
-                      </a:pPr>
-                      <a:r>
-                        <a:rPr lang="en-US" sz="2400">
-                          <a:effectLst/>
-                        </a:rPr>
-                        <a:t>In</a:t>
-                      </a:r>
-                      <a:endParaRPr lang="en-US" sz="3600">
-                        <a:effectLst/>
-                        <a:latin typeface="Calibri"/>
-                        <a:ea typeface="Calibri"/>
-                        <a:cs typeface="Times New Roman"/>
-                      </a:endParaRPr>
-                    </a:p>
-                  </a:txBody>
-                  <a:tcPr marL="68580" marR="68580" marT="0" marB="0" anchor="b"/>
-                </a:tc>
-                <a:tc>
-                  <a:txBody>
-                    <a:bodyPr/>
-                    <a:lstStyle/>
-                    <a:p>
-                      <a:pPr marL="0" marR="0" algn="ctr">
-                        <a:lnSpc>
-                          <a:spcPct val="115000"/>
-                        </a:lnSpc>
-                        <a:spcBef>
-                          <a:spcPts val="0"/>
-                        </a:spcBef>
-                        <a:spcAft>
-                          <a:spcPts val="0"/>
-                        </a:spcAft>
-                      </a:pPr>
-                      <a:r>
-                        <a:rPr lang="en-US" sz="2400">
-                          <a:effectLst/>
-                        </a:rPr>
-                        <a:t>Customer</a:t>
-                      </a:r>
-                      <a:endParaRPr lang="en-US" sz="3600">
-                        <a:effectLst/>
-                        <a:latin typeface="Calibri"/>
-                        <a:ea typeface="Calibri"/>
-                        <a:cs typeface="Times New Roman"/>
-                      </a:endParaRPr>
-                    </a:p>
-                  </a:txBody>
-                  <a:tcPr marL="68580" marR="68580" marT="0" marB="0" anchor="b"/>
-                </a:tc>
-                <a:tc>
-                  <a:txBody>
-                    <a:bodyPr/>
-                    <a:lstStyle/>
-                    <a:p>
-                      <a:pPr marL="0" marR="0" algn="ctr">
-                        <a:lnSpc>
-                          <a:spcPct val="115000"/>
-                        </a:lnSpc>
-                        <a:spcBef>
-                          <a:spcPts val="0"/>
-                        </a:spcBef>
-                        <a:spcAft>
-                          <a:spcPts val="0"/>
-                        </a:spcAft>
-                      </a:pPr>
-                      <a:r>
-                        <a:rPr lang="en-US" sz="2400">
-                          <a:effectLst/>
-                        </a:rPr>
-                        <a:t>Low</a:t>
-                      </a:r>
-                      <a:endParaRPr lang="en-US" sz="3600">
-                        <a:effectLst/>
-                        <a:latin typeface="Calibri"/>
-                        <a:ea typeface="Calibri"/>
-                        <a:cs typeface="Times New Roman"/>
-                      </a:endParaRPr>
-                    </a:p>
-                  </a:txBody>
-                  <a:tcPr marL="68580" marR="68580" marT="0" marB="0" anchor="b"/>
-                </a:tc>
-                <a:tc>
-                  <a:txBody>
-                    <a:bodyPr/>
-                    <a:lstStyle/>
-                    <a:p>
-                      <a:pPr marL="0" marR="0" algn="ctr">
-                        <a:lnSpc>
-                          <a:spcPct val="115000"/>
-                        </a:lnSpc>
-                        <a:spcBef>
-                          <a:spcPts val="0"/>
-                        </a:spcBef>
-                        <a:spcAft>
-                          <a:spcPts val="0"/>
-                        </a:spcAft>
-                      </a:pPr>
-                      <a:r>
-                        <a:rPr lang="en-US" sz="2400">
-                          <a:effectLst/>
-                        </a:rPr>
-                        <a:t>1</a:t>
-                      </a:r>
-                      <a:endParaRPr lang="en-US" sz="3600">
-                        <a:effectLst/>
-                        <a:latin typeface="Calibri"/>
-                        <a:ea typeface="Calibri"/>
-                        <a:cs typeface="Times New Roman"/>
-                      </a:endParaRPr>
-                    </a:p>
-                  </a:txBody>
-                  <a:tcPr marL="68580" marR="68580" marT="0" marB="0" anchor="b"/>
-                </a:tc>
-              </a:tr>
-              <a:tr h="547804">
-                <a:tc>
-                  <a:txBody>
-                    <a:bodyPr/>
-                    <a:lstStyle/>
-                    <a:p>
-                      <a:pPr marL="0" marR="0" algn="ctr">
-                        <a:lnSpc>
-                          <a:spcPct val="115000"/>
-                        </a:lnSpc>
-                        <a:spcBef>
-                          <a:spcPts val="0"/>
-                        </a:spcBef>
-                        <a:spcAft>
-                          <a:spcPts val="0"/>
-                        </a:spcAft>
-                      </a:pPr>
-                      <a:r>
-                        <a:rPr lang="en-US" sz="2400">
-                          <a:effectLst/>
-                        </a:rPr>
-                        <a:t>3</a:t>
-                      </a:r>
-                      <a:endParaRPr lang="en-US" sz="3600">
-                        <a:effectLst/>
-                        <a:latin typeface="Calibri"/>
-                        <a:ea typeface="Calibri"/>
-                        <a:cs typeface="Times New Roman"/>
-                      </a:endParaRPr>
-                    </a:p>
-                  </a:txBody>
-                  <a:tcPr marL="68580" marR="68580" marT="0" marB="0" anchor="b"/>
-                </a:tc>
-                <a:tc>
-                  <a:txBody>
-                    <a:bodyPr/>
-                    <a:lstStyle/>
-                    <a:p>
-                      <a:pPr marL="0" marR="0" algn="ctr">
-                        <a:lnSpc>
-                          <a:spcPct val="115000"/>
-                        </a:lnSpc>
-                        <a:spcBef>
-                          <a:spcPts val="0"/>
-                        </a:spcBef>
-                        <a:spcAft>
-                          <a:spcPts val="0"/>
-                        </a:spcAft>
-                      </a:pPr>
-                      <a:r>
-                        <a:rPr lang="en-US" sz="2400" dirty="0" smtClean="0">
-                          <a:effectLst/>
-                        </a:rPr>
-                        <a:t>Deliver Order</a:t>
-                      </a:r>
-                      <a:endParaRPr lang="en-US" sz="3600" dirty="0">
-                        <a:effectLst/>
-                        <a:latin typeface="Calibri"/>
-                        <a:ea typeface="Calibri"/>
-                        <a:cs typeface="Times New Roman"/>
-                      </a:endParaRPr>
-                    </a:p>
-                  </a:txBody>
-                  <a:tcPr marL="68580" marR="68580" marT="0" marB="0" anchor="b"/>
-                </a:tc>
-                <a:tc>
-                  <a:txBody>
-                    <a:bodyPr/>
-                    <a:lstStyle/>
-                    <a:p>
-                      <a:pPr marL="0" marR="0" algn="ctr">
-                        <a:lnSpc>
-                          <a:spcPct val="115000"/>
-                        </a:lnSpc>
-                        <a:spcBef>
-                          <a:spcPts val="0"/>
-                        </a:spcBef>
-                        <a:spcAft>
-                          <a:spcPts val="0"/>
-                        </a:spcAft>
-                      </a:pPr>
-                      <a:r>
-                        <a:rPr lang="en-US" sz="2400" dirty="0">
-                          <a:effectLst/>
-                        </a:rPr>
-                        <a:t>In</a:t>
-                      </a:r>
-                      <a:endParaRPr lang="en-US" sz="3600" dirty="0">
-                        <a:effectLst/>
-                        <a:latin typeface="Calibri"/>
-                        <a:ea typeface="Calibri"/>
-                        <a:cs typeface="Times New Roman"/>
-                      </a:endParaRPr>
-                    </a:p>
-                  </a:txBody>
-                  <a:tcPr marL="68580" marR="68580" marT="0" marB="0" anchor="b"/>
-                </a:tc>
-                <a:tc>
-                  <a:txBody>
-                    <a:bodyPr/>
-                    <a:lstStyle/>
-                    <a:p>
-                      <a:pPr marL="0" marR="0" algn="ctr">
-                        <a:lnSpc>
-                          <a:spcPct val="115000"/>
-                        </a:lnSpc>
-                        <a:spcBef>
-                          <a:spcPts val="0"/>
-                        </a:spcBef>
-                        <a:spcAft>
-                          <a:spcPts val="0"/>
-                        </a:spcAft>
-                      </a:pPr>
-                      <a:r>
-                        <a:rPr lang="en-US" sz="2400">
-                          <a:effectLst/>
-                        </a:rPr>
-                        <a:t>Waiter</a:t>
-                      </a:r>
-                      <a:endParaRPr lang="en-US" sz="3600">
-                        <a:effectLst/>
-                        <a:latin typeface="Calibri"/>
-                        <a:ea typeface="Calibri"/>
-                        <a:cs typeface="Times New Roman"/>
-                      </a:endParaRPr>
-                    </a:p>
-                  </a:txBody>
-                  <a:tcPr marL="68580" marR="68580" marT="0" marB="0" anchor="b"/>
-                </a:tc>
-                <a:tc>
-                  <a:txBody>
-                    <a:bodyPr/>
-                    <a:lstStyle/>
-                    <a:p>
-                      <a:pPr marL="0" marR="0" algn="ctr">
-                        <a:lnSpc>
-                          <a:spcPct val="115000"/>
-                        </a:lnSpc>
-                        <a:spcBef>
-                          <a:spcPts val="0"/>
-                        </a:spcBef>
-                        <a:spcAft>
-                          <a:spcPts val="0"/>
-                        </a:spcAft>
-                      </a:pPr>
-                      <a:r>
-                        <a:rPr lang="en-US" sz="2400">
-                          <a:effectLst/>
-                        </a:rPr>
-                        <a:t>Low</a:t>
-                      </a:r>
-                      <a:endParaRPr lang="en-US" sz="3600">
-                        <a:effectLst/>
-                        <a:latin typeface="Calibri"/>
-                        <a:ea typeface="Calibri"/>
-                        <a:cs typeface="Times New Roman"/>
-                      </a:endParaRPr>
-                    </a:p>
-                  </a:txBody>
-                  <a:tcPr marL="68580" marR="68580" marT="0" marB="0" anchor="b"/>
-                </a:tc>
-                <a:tc>
-                  <a:txBody>
-                    <a:bodyPr/>
-                    <a:lstStyle/>
-                    <a:p>
-                      <a:pPr marL="0" marR="0" algn="ctr">
-                        <a:lnSpc>
-                          <a:spcPct val="115000"/>
-                        </a:lnSpc>
-                        <a:spcBef>
-                          <a:spcPts val="0"/>
-                        </a:spcBef>
-                        <a:spcAft>
-                          <a:spcPts val="0"/>
-                        </a:spcAft>
-                      </a:pPr>
-                      <a:r>
-                        <a:rPr lang="en-US" sz="2400">
-                          <a:effectLst/>
-                        </a:rPr>
-                        <a:t>1</a:t>
-                      </a:r>
-                      <a:endParaRPr lang="en-US" sz="3600">
-                        <a:effectLst/>
-                        <a:latin typeface="Calibri"/>
-                        <a:ea typeface="Calibri"/>
-                        <a:cs typeface="Times New Roman"/>
-                      </a:endParaRPr>
-                    </a:p>
-                  </a:txBody>
-                  <a:tcPr marL="68580" marR="68580" marT="0" marB="0" anchor="b"/>
-                </a:tc>
-              </a:tr>
-              <a:tr h="547804">
-                <a:tc>
-                  <a:txBody>
-                    <a:bodyPr/>
-                    <a:lstStyle/>
-                    <a:p>
-                      <a:pPr marL="0" marR="0" algn="ctr">
-                        <a:lnSpc>
-                          <a:spcPct val="115000"/>
-                        </a:lnSpc>
-                        <a:spcBef>
-                          <a:spcPts val="0"/>
-                        </a:spcBef>
-                        <a:spcAft>
-                          <a:spcPts val="0"/>
-                        </a:spcAft>
-                      </a:pPr>
-                      <a:r>
-                        <a:rPr lang="en-US" sz="2400">
-                          <a:effectLst/>
-                        </a:rPr>
-                        <a:t>4</a:t>
-                      </a:r>
-                      <a:endParaRPr lang="en-US" sz="3600">
-                        <a:effectLst/>
-                        <a:latin typeface="Calibri"/>
-                        <a:ea typeface="Calibri"/>
-                        <a:cs typeface="Times New Roman"/>
-                      </a:endParaRPr>
-                    </a:p>
-                  </a:txBody>
-                  <a:tcPr marL="68580" marR="68580" marT="0" marB="0" anchor="b"/>
-                </a:tc>
-                <a:tc>
-                  <a:txBody>
-                    <a:bodyPr/>
-                    <a:lstStyle/>
-                    <a:p>
-                      <a:pPr marL="0" marR="0" algn="ctr">
-                        <a:lnSpc>
-                          <a:spcPct val="115000"/>
-                        </a:lnSpc>
-                        <a:spcBef>
-                          <a:spcPts val="0"/>
-                        </a:spcBef>
-                        <a:spcAft>
-                          <a:spcPts val="0"/>
-                        </a:spcAft>
-                      </a:pPr>
-                      <a:r>
-                        <a:rPr lang="en-US" sz="2400" dirty="0">
-                          <a:effectLst/>
-                        </a:rPr>
-                        <a:t>Order review</a:t>
-                      </a:r>
-                      <a:endParaRPr lang="en-US" sz="3600" dirty="0">
-                        <a:effectLst/>
-                        <a:latin typeface="Calibri"/>
-                        <a:ea typeface="Calibri"/>
-                        <a:cs typeface="Times New Roman"/>
-                      </a:endParaRPr>
-                    </a:p>
-                  </a:txBody>
-                  <a:tcPr marL="68580" marR="68580" marT="0" marB="0" anchor="b"/>
-                </a:tc>
-                <a:tc>
-                  <a:txBody>
-                    <a:bodyPr/>
-                    <a:lstStyle/>
-                    <a:p>
-                      <a:pPr marL="0" marR="0" algn="ctr">
-                        <a:lnSpc>
-                          <a:spcPct val="115000"/>
-                        </a:lnSpc>
-                        <a:spcBef>
-                          <a:spcPts val="0"/>
-                        </a:spcBef>
-                        <a:spcAft>
-                          <a:spcPts val="0"/>
-                        </a:spcAft>
-                      </a:pPr>
-                      <a:r>
-                        <a:rPr lang="en-US" sz="2400" dirty="0">
-                          <a:effectLst/>
-                        </a:rPr>
-                        <a:t>In</a:t>
-                      </a:r>
-                      <a:endParaRPr lang="en-US" sz="3600" dirty="0">
-                        <a:effectLst/>
-                        <a:latin typeface="Calibri"/>
-                        <a:ea typeface="Calibri"/>
-                        <a:cs typeface="Times New Roman"/>
-                      </a:endParaRPr>
-                    </a:p>
-                  </a:txBody>
-                  <a:tcPr marL="68580" marR="68580" marT="0" marB="0" anchor="b"/>
-                </a:tc>
-                <a:tc>
-                  <a:txBody>
-                    <a:bodyPr/>
-                    <a:lstStyle/>
-                    <a:p>
-                      <a:pPr marL="0" marR="0" algn="ctr">
-                        <a:lnSpc>
-                          <a:spcPct val="115000"/>
-                        </a:lnSpc>
-                        <a:spcBef>
-                          <a:spcPts val="0"/>
-                        </a:spcBef>
-                        <a:spcAft>
-                          <a:spcPts val="0"/>
-                        </a:spcAft>
-                      </a:pPr>
-                      <a:r>
-                        <a:rPr lang="en-US" sz="2400" dirty="0" smtClean="0">
-                          <a:effectLst/>
-                        </a:rPr>
-                        <a:t>Waiter/customer</a:t>
-                      </a:r>
-                      <a:endParaRPr lang="en-US" sz="3600" dirty="0">
-                        <a:effectLst/>
-                        <a:latin typeface="Calibri"/>
-                        <a:ea typeface="Calibri"/>
-                        <a:cs typeface="Times New Roman"/>
-                      </a:endParaRPr>
-                    </a:p>
-                  </a:txBody>
-                  <a:tcPr marL="68580" marR="68580" marT="0" marB="0" anchor="b"/>
-                </a:tc>
-                <a:tc>
-                  <a:txBody>
-                    <a:bodyPr/>
-                    <a:lstStyle/>
-                    <a:p>
-                      <a:pPr marL="0" marR="0" algn="ctr">
-                        <a:lnSpc>
-                          <a:spcPct val="115000"/>
-                        </a:lnSpc>
-                        <a:spcBef>
-                          <a:spcPts val="0"/>
-                        </a:spcBef>
-                        <a:spcAft>
-                          <a:spcPts val="0"/>
-                        </a:spcAft>
-                      </a:pPr>
-                      <a:r>
-                        <a:rPr lang="en-US" sz="2400">
-                          <a:effectLst/>
-                        </a:rPr>
-                        <a:t>Low</a:t>
-                      </a:r>
-                      <a:endParaRPr lang="en-US" sz="3600">
-                        <a:effectLst/>
-                        <a:latin typeface="Calibri"/>
-                        <a:ea typeface="Calibri"/>
-                        <a:cs typeface="Times New Roman"/>
-                      </a:endParaRPr>
-                    </a:p>
-                  </a:txBody>
-                  <a:tcPr marL="68580" marR="68580" marT="0" marB="0" anchor="b"/>
-                </a:tc>
-                <a:tc>
-                  <a:txBody>
-                    <a:bodyPr/>
-                    <a:lstStyle/>
-                    <a:p>
-                      <a:pPr marL="0" marR="0" algn="ctr">
-                        <a:lnSpc>
-                          <a:spcPct val="115000"/>
-                        </a:lnSpc>
-                        <a:spcBef>
-                          <a:spcPts val="0"/>
-                        </a:spcBef>
-                        <a:spcAft>
-                          <a:spcPts val="0"/>
-                        </a:spcAft>
-                      </a:pPr>
-                      <a:r>
-                        <a:rPr lang="en-US" sz="2400">
-                          <a:effectLst/>
-                        </a:rPr>
-                        <a:t>1</a:t>
-                      </a:r>
-                      <a:endParaRPr lang="en-US" sz="3600">
-                        <a:effectLst/>
-                        <a:latin typeface="Calibri"/>
-                        <a:ea typeface="Calibri"/>
-                        <a:cs typeface="Times New Roman"/>
-                      </a:endParaRPr>
-                    </a:p>
-                  </a:txBody>
-                  <a:tcPr marL="68580" marR="68580" marT="0" marB="0" anchor="b"/>
-                </a:tc>
-              </a:tr>
-              <a:tr h="547804">
-                <a:tc>
-                  <a:txBody>
-                    <a:bodyPr/>
-                    <a:lstStyle/>
-                    <a:p>
-                      <a:pPr marL="0" marR="0" algn="ctr">
-                        <a:lnSpc>
-                          <a:spcPct val="115000"/>
-                        </a:lnSpc>
-                        <a:spcBef>
-                          <a:spcPts val="0"/>
-                        </a:spcBef>
-                        <a:spcAft>
-                          <a:spcPts val="0"/>
-                        </a:spcAft>
-                      </a:pPr>
-                      <a:r>
-                        <a:rPr lang="en-US" sz="2400">
-                          <a:effectLst/>
-                        </a:rPr>
-                        <a:t>5</a:t>
-                      </a:r>
-                      <a:endParaRPr lang="en-US" sz="3600">
-                        <a:effectLst/>
-                        <a:latin typeface="Calibri"/>
-                        <a:ea typeface="Calibri"/>
-                        <a:cs typeface="Times New Roman"/>
-                      </a:endParaRPr>
-                    </a:p>
-                  </a:txBody>
-                  <a:tcPr marL="68580" marR="68580" marT="0" marB="0" anchor="b"/>
-                </a:tc>
-                <a:tc>
-                  <a:txBody>
-                    <a:bodyPr/>
-                    <a:lstStyle/>
-                    <a:p>
-                      <a:pPr marL="0" marR="0" algn="ctr">
-                        <a:lnSpc>
-                          <a:spcPct val="115000"/>
-                        </a:lnSpc>
-                        <a:spcBef>
-                          <a:spcPts val="0"/>
-                        </a:spcBef>
-                        <a:spcAft>
-                          <a:spcPts val="0"/>
-                        </a:spcAft>
-                      </a:pPr>
-                      <a:r>
-                        <a:rPr lang="en-US" sz="2400" dirty="0" smtClean="0">
-                          <a:effectLst/>
-                        </a:rPr>
-                        <a:t>Manage Table</a:t>
-                      </a:r>
-                      <a:endParaRPr lang="en-US" sz="3600" dirty="0">
-                        <a:effectLst/>
-                        <a:latin typeface="Calibri"/>
-                        <a:ea typeface="Calibri"/>
-                        <a:cs typeface="Times New Roman"/>
-                      </a:endParaRPr>
-                    </a:p>
-                  </a:txBody>
-                  <a:tcPr marL="68580" marR="68580" marT="0" marB="0" anchor="b"/>
-                </a:tc>
-                <a:tc>
-                  <a:txBody>
-                    <a:bodyPr/>
-                    <a:lstStyle/>
-                    <a:p>
-                      <a:pPr marL="0" marR="0" algn="ctr">
-                        <a:lnSpc>
-                          <a:spcPct val="115000"/>
-                        </a:lnSpc>
-                        <a:spcBef>
-                          <a:spcPts val="0"/>
-                        </a:spcBef>
-                        <a:spcAft>
-                          <a:spcPts val="0"/>
-                        </a:spcAft>
-                      </a:pPr>
-                      <a:r>
-                        <a:rPr lang="en-US" sz="2400" dirty="0">
-                          <a:effectLst/>
-                        </a:rPr>
-                        <a:t>In</a:t>
-                      </a:r>
-                      <a:endParaRPr lang="en-US" sz="3600" dirty="0">
-                        <a:effectLst/>
-                        <a:latin typeface="Calibri"/>
-                        <a:ea typeface="Calibri"/>
-                        <a:cs typeface="Times New Roman"/>
-                      </a:endParaRPr>
-                    </a:p>
-                  </a:txBody>
-                  <a:tcPr marL="68580" marR="68580" marT="0" marB="0" anchor="b"/>
-                </a:tc>
-                <a:tc>
-                  <a:txBody>
-                    <a:bodyPr/>
-                    <a:lstStyle/>
-                    <a:p>
-                      <a:pPr marL="0" marR="0" algn="ctr">
-                        <a:lnSpc>
-                          <a:spcPct val="115000"/>
-                        </a:lnSpc>
-                        <a:spcBef>
-                          <a:spcPts val="0"/>
-                        </a:spcBef>
-                        <a:spcAft>
-                          <a:spcPts val="0"/>
-                        </a:spcAft>
-                      </a:pPr>
-                      <a:r>
-                        <a:rPr lang="en-US" sz="2400" dirty="0">
-                          <a:effectLst/>
-                        </a:rPr>
-                        <a:t>Waiter</a:t>
-                      </a:r>
-                      <a:endParaRPr lang="en-US" sz="3600" dirty="0">
-                        <a:effectLst/>
-                        <a:latin typeface="Calibri"/>
-                        <a:ea typeface="Calibri"/>
-                        <a:cs typeface="Times New Roman"/>
-                      </a:endParaRPr>
-                    </a:p>
-                  </a:txBody>
-                  <a:tcPr marL="68580" marR="68580" marT="0" marB="0" anchor="b"/>
-                </a:tc>
-                <a:tc>
-                  <a:txBody>
-                    <a:bodyPr/>
-                    <a:lstStyle/>
-                    <a:p>
-                      <a:pPr marL="0" marR="0" algn="ctr">
-                        <a:lnSpc>
-                          <a:spcPct val="115000"/>
-                        </a:lnSpc>
-                        <a:spcBef>
-                          <a:spcPts val="0"/>
-                        </a:spcBef>
-                        <a:spcAft>
-                          <a:spcPts val="0"/>
-                        </a:spcAft>
-                      </a:pPr>
-                      <a:r>
-                        <a:rPr lang="en-US" sz="2400">
-                          <a:effectLst/>
-                        </a:rPr>
-                        <a:t>High</a:t>
-                      </a:r>
-                      <a:endParaRPr lang="en-US" sz="3600">
-                        <a:effectLst/>
-                        <a:latin typeface="Calibri"/>
-                        <a:ea typeface="Calibri"/>
-                        <a:cs typeface="Times New Roman"/>
-                      </a:endParaRPr>
-                    </a:p>
-                  </a:txBody>
-                  <a:tcPr marL="68580" marR="68580" marT="0" marB="0" anchor="b"/>
-                </a:tc>
-                <a:tc>
-                  <a:txBody>
-                    <a:bodyPr/>
-                    <a:lstStyle/>
-                    <a:p>
-                      <a:pPr marL="0" marR="0" algn="ctr">
-                        <a:lnSpc>
-                          <a:spcPct val="115000"/>
-                        </a:lnSpc>
-                        <a:spcBef>
-                          <a:spcPts val="0"/>
-                        </a:spcBef>
-                        <a:spcAft>
-                          <a:spcPts val="0"/>
-                        </a:spcAft>
-                      </a:pPr>
-                      <a:r>
-                        <a:rPr lang="en-US" sz="2400">
-                          <a:effectLst/>
-                        </a:rPr>
-                        <a:t>2</a:t>
-                      </a:r>
-                      <a:endParaRPr lang="en-US" sz="3600">
-                        <a:effectLst/>
-                        <a:latin typeface="Calibri"/>
-                        <a:ea typeface="Calibri"/>
-                        <a:cs typeface="Times New Roman"/>
-                      </a:endParaRPr>
-                    </a:p>
-                  </a:txBody>
-                  <a:tcPr marL="68580" marR="68580" marT="0" marB="0" anchor="b"/>
-                </a:tc>
-              </a:tr>
-              <a:tr h="547804">
-                <a:tc>
-                  <a:txBody>
-                    <a:bodyPr/>
-                    <a:lstStyle/>
-                    <a:p>
-                      <a:pPr marL="0" marR="0" algn="ctr">
-                        <a:lnSpc>
-                          <a:spcPct val="115000"/>
-                        </a:lnSpc>
-                        <a:spcBef>
-                          <a:spcPts val="0"/>
-                        </a:spcBef>
-                        <a:spcAft>
-                          <a:spcPts val="0"/>
-                        </a:spcAft>
-                      </a:pPr>
-                      <a:r>
-                        <a:rPr lang="en-US" sz="2400">
-                          <a:effectLst/>
-                        </a:rPr>
-                        <a:t>6</a:t>
-                      </a:r>
-                      <a:endParaRPr lang="en-US" sz="3600">
-                        <a:effectLst/>
-                        <a:latin typeface="Calibri"/>
-                        <a:ea typeface="Calibri"/>
-                        <a:cs typeface="Times New Roman"/>
-                      </a:endParaRPr>
-                    </a:p>
-                  </a:txBody>
-                  <a:tcPr marL="68580" marR="68580" marT="0" marB="0" anchor="b"/>
-                </a:tc>
-                <a:tc>
-                  <a:txBody>
-                    <a:bodyPr/>
-                    <a:lstStyle/>
-                    <a:p>
-                      <a:pPr marL="0" marR="0" algn="ctr">
-                        <a:lnSpc>
-                          <a:spcPct val="115000"/>
-                        </a:lnSpc>
-                        <a:spcBef>
-                          <a:spcPts val="0"/>
-                        </a:spcBef>
-                        <a:spcAft>
-                          <a:spcPts val="0"/>
-                        </a:spcAft>
-                      </a:pPr>
-                      <a:r>
-                        <a:rPr lang="en-US" sz="2400">
-                          <a:effectLst/>
-                        </a:rPr>
-                        <a:t>Order check off</a:t>
-                      </a:r>
-                      <a:endParaRPr lang="en-US" sz="3600">
-                        <a:effectLst/>
-                        <a:latin typeface="Calibri"/>
-                        <a:ea typeface="Calibri"/>
-                        <a:cs typeface="Times New Roman"/>
-                      </a:endParaRPr>
-                    </a:p>
-                  </a:txBody>
-                  <a:tcPr marL="68580" marR="68580" marT="0" marB="0" anchor="b"/>
-                </a:tc>
-                <a:tc>
-                  <a:txBody>
-                    <a:bodyPr/>
-                    <a:lstStyle/>
-                    <a:p>
-                      <a:pPr marL="0" marR="0" algn="ctr">
-                        <a:lnSpc>
-                          <a:spcPct val="115000"/>
-                        </a:lnSpc>
-                        <a:spcBef>
-                          <a:spcPts val="0"/>
-                        </a:spcBef>
-                        <a:spcAft>
-                          <a:spcPts val="0"/>
-                        </a:spcAft>
-                      </a:pPr>
-                      <a:r>
-                        <a:rPr lang="en-US" sz="2400" dirty="0">
-                          <a:effectLst/>
-                        </a:rPr>
-                        <a:t>In</a:t>
-                      </a:r>
-                      <a:endParaRPr lang="en-US" sz="3600" dirty="0">
-                        <a:effectLst/>
-                        <a:latin typeface="Calibri"/>
-                        <a:ea typeface="Calibri"/>
-                        <a:cs typeface="Times New Roman"/>
-                      </a:endParaRPr>
-                    </a:p>
-                  </a:txBody>
-                  <a:tcPr marL="68580" marR="68580" marT="0" marB="0" anchor="b"/>
-                </a:tc>
-                <a:tc>
-                  <a:txBody>
-                    <a:bodyPr/>
-                    <a:lstStyle/>
-                    <a:p>
-                      <a:pPr marL="0" marR="0" algn="ctr">
-                        <a:lnSpc>
-                          <a:spcPct val="115000"/>
-                        </a:lnSpc>
-                        <a:spcBef>
-                          <a:spcPts val="0"/>
-                        </a:spcBef>
-                        <a:spcAft>
-                          <a:spcPts val="0"/>
-                        </a:spcAft>
-                      </a:pPr>
-                      <a:r>
-                        <a:rPr lang="en-US" sz="2400" dirty="0">
-                          <a:effectLst/>
-                        </a:rPr>
-                        <a:t>Kitchen staff</a:t>
-                      </a:r>
-                      <a:endParaRPr lang="en-US" sz="3600" dirty="0">
-                        <a:effectLst/>
-                        <a:latin typeface="Calibri"/>
-                        <a:ea typeface="Calibri"/>
-                        <a:cs typeface="Times New Roman"/>
-                      </a:endParaRPr>
-                    </a:p>
-                  </a:txBody>
-                  <a:tcPr marL="68580" marR="68580" marT="0" marB="0" anchor="b"/>
-                </a:tc>
-                <a:tc>
-                  <a:txBody>
-                    <a:bodyPr/>
-                    <a:lstStyle/>
-                    <a:p>
-                      <a:pPr marL="0" marR="0" algn="ctr">
-                        <a:lnSpc>
-                          <a:spcPct val="115000"/>
-                        </a:lnSpc>
-                        <a:spcBef>
-                          <a:spcPts val="0"/>
-                        </a:spcBef>
-                        <a:spcAft>
-                          <a:spcPts val="0"/>
-                        </a:spcAft>
-                      </a:pPr>
-                      <a:r>
-                        <a:rPr lang="en-US" sz="2400" dirty="0" smtClean="0">
-                          <a:effectLst/>
-                        </a:rPr>
-                        <a:t>Med</a:t>
-                      </a:r>
-                      <a:endParaRPr lang="en-US" sz="3600" dirty="0">
-                        <a:effectLst/>
-                        <a:latin typeface="Calibri"/>
-                        <a:ea typeface="Calibri"/>
-                        <a:cs typeface="Times New Roman"/>
-                      </a:endParaRPr>
-                    </a:p>
-                  </a:txBody>
-                  <a:tcPr marL="68580" marR="68580" marT="0" marB="0" anchor="b"/>
-                </a:tc>
-                <a:tc>
-                  <a:txBody>
-                    <a:bodyPr/>
-                    <a:lstStyle/>
-                    <a:p>
-                      <a:pPr marL="0" marR="0" algn="ctr">
-                        <a:lnSpc>
-                          <a:spcPct val="115000"/>
-                        </a:lnSpc>
-                        <a:spcBef>
-                          <a:spcPts val="0"/>
-                        </a:spcBef>
-                        <a:spcAft>
-                          <a:spcPts val="0"/>
-                        </a:spcAft>
-                      </a:pPr>
-                      <a:r>
-                        <a:rPr lang="en-US" sz="2400">
-                          <a:effectLst/>
-                        </a:rPr>
-                        <a:t>1</a:t>
-                      </a:r>
-                      <a:endParaRPr lang="en-US" sz="3600">
-                        <a:effectLst/>
-                        <a:latin typeface="Calibri"/>
-                        <a:ea typeface="Calibri"/>
-                        <a:cs typeface="Times New Roman"/>
-                      </a:endParaRPr>
-                    </a:p>
-                  </a:txBody>
-                  <a:tcPr marL="68580" marR="68580" marT="0" marB="0" anchor="b"/>
-                </a:tc>
-              </a:tr>
-              <a:tr h="547804">
-                <a:tc>
-                  <a:txBody>
-                    <a:bodyPr/>
-                    <a:lstStyle/>
-                    <a:p>
-                      <a:pPr marL="0" marR="0" algn="ctr">
-                        <a:lnSpc>
-                          <a:spcPct val="115000"/>
-                        </a:lnSpc>
-                        <a:spcBef>
-                          <a:spcPts val="0"/>
-                        </a:spcBef>
-                        <a:spcAft>
-                          <a:spcPts val="0"/>
-                        </a:spcAft>
-                      </a:pPr>
-                      <a:r>
-                        <a:rPr lang="en-US" sz="2400">
-                          <a:effectLst/>
-                        </a:rPr>
-                        <a:t>7</a:t>
-                      </a:r>
-                      <a:endParaRPr lang="en-US" sz="3600">
-                        <a:effectLst/>
-                        <a:latin typeface="Calibri"/>
-                        <a:ea typeface="Calibri"/>
-                        <a:cs typeface="Times New Roman"/>
-                      </a:endParaRPr>
-                    </a:p>
-                  </a:txBody>
-                  <a:tcPr marL="68580" marR="68580" marT="0" marB="0" anchor="b"/>
-                </a:tc>
-                <a:tc>
-                  <a:txBody>
-                    <a:bodyPr/>
-                    <a:lstStyle/>
-                    <a:p>
-                      <a:pPr marL="0" marR="0" algn="ctr">
-                        <a:lnSpc>
-                          <a:spcPct val="115000"/>
-                        </a:lnSpc>
-                        <a:spcBef>
-                          <a:spcPts val="0"/>
-                        </a:spcBef>
-                        <a:spcAft>
-                          <a:spcPts val="0"/>
-                        </a:spcAft>
-                      </a:pPr>
-                      <a:r>
-                        <a:rPr lang="en-US" sz="2400">
-                          <a:effectLst/>
-                        </a:rPr>
-                        <a:t>Reservation</a:t>
-                      </a:r>
-                      <a:endParaRPr lang="en-US" sz="3600">
-                        <a:effectLst/>
-                        <a:latin typeface="Calibri"/>
-                        <a:ea typeface="Calibri"/>
-                        <a:cs typeface="Times New Roman"/>
-                      </a:endParaRPr>
-                    </a:p>
-                  </a:txBody>
-                  <a:tcPr marL="68580" marR="68580" marT="0" marB="0" anchor="b"/>
-                </a:tc>
-                <a:tc>
-                  <a:txBody>
-                    <a:bodyPr/>
-                    <a:lstStyle/>
-                    <a:p>
-                      <a:pPr marL="0" marR="0" algn="ctr">
-                        <a:lnSpc>
-                          <a:spcPct val="115000"/>
-                        </a:lnSpc>
-                        <a:spcBef>
-                          <a:spcPts val="0"/>
-                        </a:spcBef>
-                        <a:spcAft>
-                          <a:spcPts val="0"/>
-                        </a:spcAft>
-                      </a:pPr>
-                      <a:r>
-                        <a:rPr lang="en-US" sz="2400">
-                          <a:effectLst/>
-                        </a:rPr>
-                        <a:t>In</a:t>
-                      </a:r>
-                      <a:endParaRPr lang="en-US" sz="3600">
-                        <a:effectLst/>
-                        <a:latin typeface="Calibri"/>
-                        <a:ea typeface="Calibri"/>
-                        <a:cs typeface="Times New Roman"/>
-                      </a:endParaRPr>
-                    </a:p>
-                  </a:txBody>
-                  <a:tcPr marL="68580" marR="68580" marT="0" marB="0" anchor="b"/>
-                </a:tc>
-                <a:tc>
-                  <a:txBody>
-                    <a:bodyPr/>
-                    <a:lstStyle/>
-                    <a:p>
-                      <a:pPr marL="0" marR="0" algn="ctr">
-                        <a:lnSpc>
-                          <a:spcPct val="115000"/>
-                        </a:lnSpc>
-                        <a:spcBef>
-                          <a:spcPts val="0"/>
-                        </a:spcBef>
-                        <a:spcAft>
-                          <a:spcPts val="0"/>
-                        </a:spcAft>
-                      </a:pPr>
-                      <a:r>
-                        <a:rPr lang="en-US" sz="2400" dirty="0">
-                          <a:effectLst/>
-                        </a:rPr>
-                        <a:t>Customer</a:t>
-                      </a:r>
-                      <a:endParaRPr lang="en-US" sz="3600" dirty="0">
-                        <a:effectLst/>
-                        <a:latin typeface="Calibri"/>
-                        <a:ea typeface="Calibri"/>
-                        <a:cs typeface="Times New Roman"/>
-                      </a:endParaRPr>
-                    </a:p>
-                  </a:txBody>
-                  <a:tcPr marL="68580" marR="68580" marT="0" marB="0" anchor="b"/>
-                </a:tc>
-                <a:tc>
-                  <a:txBody>
-                    <a:bodyPr/>
-                    <a:lstStyle/>
-                    <a:p>
-                      <a:pPr marL="0" marR="0" algn="ctr">
-                        <a:lnSpc>
-                          <a:spcPct val="115000"/>
-                        </a:lnSpc>
-                        <a:spcBef>
-                          <a:spcPts val="0"/>
-                        </a:spcBef>
-                        <a:spcAft>
-                          <a:spcPts val="0"/>
-                        </a:spcAft>
-                      </a:pPr>
-                      <a:r>
-                        <a:rPr lang="en-US" sz="2400" dirty="0" smtClean="0">
-                          <a:effectLst/>
-                        </a:rPr>
-                        <a:t>Med</a:t>
-                      </a:r>
-                      <a:endParaRPr lang="en-US" sz="3600" dirty="0">
-                        <a:effectLst/>
-                        <a:latin typeface="Calibri"/>
-                        <a:ea typeface="Calibri"/>
-                        <a:cs typeface="Times New Roman"/>
-                      </a:endParaRPr>
-                    </a:p>
-                  </a:txBody>
-                  <a:tcPr marL="68580" marR="68580" marT="0" marB="0" anchor="b"/>
-                </a:tc>
-                <a:tc>
-                  <a:txBody>
-                    <a:bodyPr/>
-                    <a:lstStyle/>
-                    <a:p>
-                      <a:pPr marL="0" marR="0" algn="ctr">
-                        <a:lnSpc>
-                          <a:spcPct val="115000"/>
-                        </a:lnSpc>
-                        <a:spcBef>
-                          <a:spcPts val="0"/>
-                        </a:spcBef>
-                        <a:spcAft>
-                          <a:spcPts val="0"/>
-                        </a:spcAft>
-                      </a:pPr>
-                      <a:r>
-                        <a:rPr lang="en-US" sz="2400">
-                          <a:effectLst/>
-                        </a:rPr>
-                        <a:t>2</a:t>
-                      </a:r>
-                      <a:endParaRPr lang="en-US" sz="3600">
-                        <a:effectLst/>
-                        <a:latin typeface="Calibri"/>
-                        <a:ea typeface="Calibri"/>
-                        <a:cs typeface="Times New Roman"/>
-                      </a:endParaRPr>
-                    </a:p>
-                  </a:txBody>
-                  <a:tcPr marL="68580" marR="68580" marT="0" marB="0" anchor="b"/>
-                </a:tc>
-              </a:tr>
-              <a:tr h="547804">
-                <a:tc>
-                  <a:txBody>
-                    <a:bodyPr/>
-                    <a:lstStyle/>
-                    <a:p>
-                      <a:pPr marL="0" marR="0" algn="ctr">
-                        <a:lnSpc>
-                          <a:spcPct val="115000"/>
-                        </a:lnSpc>
-                        <a:spcBef>
-                          <a:spcPts val="0"/>
-                        </a:spcBef>
-                        <a:spcAft>
-                          <a:spcPts val="0"/>
-                        </a:spcAft>
-                      </a:pPr>
-                      <a:r>
-                        <a:rPr lang="en-US" sz="2400">
-                          <a:effectLst/>
-                        </a:rPr>
-                        <a:t>8</a:t>
-                      </a:r>
-                      <a:endParaRPr lang="en-US" sz="3600">
-                        <a:effectLst/>
-                        <a:latin typeface="Calibri"/>
-                        <a:ea typeface="Calibri"/>
-                        <a:cs typeface="Times New Roman"/>
-                      </a:endParaRPr>
-                    </a:p>
-                  </a:txBody>
-                  <a:tcPr marL="68580" marR="68580" marT="0" marB="0" anchor="b"/>
-                </a:tc>
-                <a:tc>
-                  <a:txBody>
-                    <a:bodyPr/>
-                    <a:lstStyle/>
-                    <a:p>
-                      <a:pPr marL="0" marR="0" algn="ctr">
-                        <a:lnSpc>
-                          <a:spcPct val="115000"/>
-                        </a:lnSpc>
-                        <a:spcBef>
-                          <a:spcPts val="0"/>
-                        </a:spcBef>
-                        <a:spcAft>
-                          <a:spcPts val="0"/>
-                        </a:spcAft>
-                      </a:pPr>
-                      <a:r>
-                        <a:rPr lang="en-US" sz="2400">
-                          <a:effectLst/>
-                        </a:rPr>
-                        <a:t>Item's metadata</a:t>
-                      </a:r>
-                      <a:endParaRPr lang="en-US" sz="3600">
-                        <a:effectLst/>
-                        <a:latin typeface="Calibri"/>
-                        <a:ea typeface="Calibri"/>
-                        <a:cs typeface="Times New Roman"/>
-                      </a:endParaRPr>
-                    </a:p>
-                  </a:txBody>
-                  <a:tcPr marL="68580" marR="68580" marT="0" marB="0" anchor="b"/>
-                </a:tc>
-                <a:tc>
-                  <a:txBody>
-                    <a:bodyPr/>
-                    <a:lstStyle/>
-                    <a:p>
-                      <a:pPr marL="0" marR="0" algn="ctr">
-                        <a:lnSpc>
-                          <a:spcPct val="115000"/>
-                        </a:lnSpc>
-                        <a:spcBef>
-                          <a:spcPts val="0"/>
-                        </a:spcBef>
-                        <a:spcAft>
-                          <a:spcPts val="0"/>
-                        </a:spcAft>
-                      </a:pPr>
-                      <a:r>
-                        <a:rPr lang="en-US" sz="2400">
-                          <a:effectLst/>
-                        </a:rPr>
-                        <a:t>In</a:t>
-                      </a:r>
-                      <a:endParaRPr lang="en-US" sz="3600">
-                        <a:effectLst/>
-                        <a:latin typeface="Calibri"/>
-                        <a:ea typeface="Calibri"/>
-                        <a:cs typeface="Times New Roman"/>
-                      </a:endParaRPr>
-                    </a:p>
-                  </a:txBody>
-                  <a:tcPr marL="68580" marR="68580" marT="0" marB="0" anchor="b"/>
-                </a:tc>
-                <a:tc>
-                  <a:txBody>
-                    <a:bodyPr/>
-                    <a:lstStyle/>
-                    <a:p>
-                      <a:pPr marL="0" marR="0" algn="ctr">
-                        <a:lnSpc>
-                          <a:spcPct val="115000"/>
-                        </a:lnSpc>
-                        <a:spcBef>
-                          <a:spcPts val="0"/>
-                        </a:spcBef>
-                        <a:spcAft>
-                          <a:spcPts val="0"/>
-                        </a:spcAft>
-                      </a:pPr>
-                      <a:r>
-                        <a:rPr lang="en-US" sz="2400" dirty="0">
-                          <a:effectLst/>
-                        </a:rPr>
-                        <a:t>Anyone</a:t>
-                      </a:r>
-                      <a:endParaRPr lang="en-US" sz="3600" dirty="0">
-                        <a:effectLst/>
-                        <a:latin typeface="Calibri"/>
-                        <a:ea typeface="Calibri"/>
-                        <a:cs typeface="Times New Roman"/>
-                      </a:endParaRPr>
-                    </a:p>
-                  </a:txBody>
-                  <a:tcPr marL="68580" marR="68580" marT="0" marB="0" anchor="b"/>
-                </a:tc>
-                <a:tc>
-                  <a:txBody>
-                    <a:bodyPr/>
-                    <a:lstStyle/>
-                    <a:p>
-                      <a:pPr marL="0" marR="0" algn="ctr">
-                        <a:lnSpc>
-                          <a:spcPct val="115000"/>
-                        </a:lnSpc>
-                        <a:spcBef>
-                          <a:spcPts val="0"/>
-                        </a:spcBef>
-                        <a:spcAft>
-                          <a:spcPts val="0"/>
-                        </a:spcAft>
-                      </a:pPr>
-                      <a:r>
-                        <a:rPr lang="en-US" sz="2400" dirty="0" smtClean="0">
-                          <a:effectLst/>
-                        </a:rPr>
-                        <a:t>Med</a:t>
-                      </a:r>
-                      <a:endParaRPr lang="en-US" sz="3600" dirty="0">
-                        <a:effectLst/>
-                        <a:latin typeface="Calibri"/>
-                        <a:ea typeface="Calibri"/>
-                        <a:cs typeface="Times New Roman"/>
-                      </a:endParaRPr>
-                    </a:p>
-                  </a:txBody>
-                  <a:tcPr marL="68580" marR="68580" marT="0" marB="0" anchor="b"/>
-                </a:tc>
-                <a:tc>
-                  <a:txBody>
-                    <a:bodyPr/>
-                    <a:lstStyle/>
-                    <a:p>
-                      <a:pPr marL="0" marR="0" algn="ctr">
-                        <a:lnSpc>
-                          <a:spcPct val="115000"/>
-                        </a:lnSpc>
-                        <a:spcBef>
-                          <a:spcPts val="0"/>
-                        </a:spcBef>
-                        <a:spcAft>
-                          <a:spcPts val="0"/>
-                        </a:spcAft>
-                      </a:pPr>
-                      <a:r>
-                        <a:rPr lang="en-US" sz="2400">
-                          <a:effectLst/>
-                        </a:rPr>
-                        <a:t>2</a:t>
-                      </a:r>
-                      <a:endParaRPr lang="en-US" sz="3600">
-                        <a:effectLst/>
-                        <a:latin typeface="Calibri"/>
-                        <a:ea typeface="Calibri"/>
-                        <a:cs typeface="Times New Roman"/>
-                      </a:endParaRPr>
-                    </a:p>
-                  </a:txBody>
-                  <a:tcPr marL="68580" marR="68580" marT="0" marB="0" anchor="b"/>
-                </a:tc>
-              </a:tr>
-              <a:tr h="547804">
-                <a:tc>
-                  <a:txBody>
-                    <a:bodyPr/>
-                    <a:lstStyle/>
-                    <a:p>
-                      <a:pPr marL="0" marR="0" algn="ctr">
-                        <a:lnSpc>
-                          <a:spcPct val="115000"/>
-                        </a:lnSpc>
-                        <a:spcBef>
-                          <a:spcPts val="0"/>
-                        </a:spcBef>
-                        <a:spcAft>
-                          <a:spcPts val="0"/>
-                        </a:spcAft>
-                      </a:pPr>
-                      <a:r>
-                        <a:rPr lang="en-US" sz="2400">
-                          <a:effectLst/>
-                        </a:rPr>
-                        <a:t>9</a:t>
-                      </a:r>
-                      <a:endParaRPr lang="en-US" sz="3600">
-                        <a:effectLst/>
-                        <a:latin typeface="Calibri"/>
-                        <a:ea typeface="Calibri"/>
-                        <a:cs typeface="Times New Roman"/>
-                      </a:endParaRPr>
-                    </a:p>
-                  </a:txBody>
-                  <a:tcPr marL="68580" marR="68580" marT="0" marB="0" anchor="b"/>
-                </a:tc>
-                <a:tc>
-                  <a:txBody>
-                    <a:bodyPr/>
-                    <a:lstStyle/>
-                    <a:p>
-                      <a:pPr marL="0" marR="0" algn="ctr">
-                        <a:lnSpc>
-                          <a:spcPct val="115000"/>
-                        </a:lnSpc>
-                        <a:spcBef>
-                          <a:spcPts val="0"/>
-                        </a:spcBef>
-                        <a:spcAft>
-                          <a:spcPts val="0"/>
-                        </a:spcAft>
-                      </a:pPr>
-                      <a:r>
-                        <a:rPr lang="en-US" sz="2400">
-                          <a:effectLst/>
-                        </a:rPr>
-                        <a:t>Inventory</a:t>
-                      </a:r>
-                      <a:endParaRPr lang="en-US" sz="3600">
-                        <a:effectLst/>
-                        <a:latin typeface="Calibri"/>
-                        <a:ea typeface="Calibri"/>
-                        <a:cs typeface="Times New Roman"/>
-                      </a:endParaRPr>
-                    </a:p>
-                  </a:txBody>
-                  <a:tcPr marL="68580" marR="68580" marT="0" marB="0" anchor="b"/>
-                </a:tc>
-                <a:tc>
-                  <a:txBody>
-                    <a:bodyPr/>
-                    <a:lstStyle/>
-                    <a:p>
-                      <a:pPr marL="0" marR="0" algn="ctr">
-                        <a:lnSpc>
-                          <a:spcPct val="115000"/>
-                        </a:lnSpc>
-                        <a:spcBef>
-                          <a:spcPts val="0"/>
-                        </a:spcBef>
-                        <a:spcAft>
-                          <a:spcPts val="0"/>
-                        </a:spcAft>
-                      </a:pPr>
-                      <a:r>
-                        <a:rPr lang="en-US" sz="2400">
-                          <a:effectLst/>
-                        </a:rPr>
-                        <a:t>In</a:t>
-                      </a:r>
-                      <a:endParaRPr lang="en-US" sz="3600">
-                        <a:effectLst/>
-                        <a:latin typeface="Calibri"/>
-                        <a:ea typeface="Calibri"/>
-                        <a:cs typeface="Times New Roman"/>
-                      </a:endParaRPr>
-                    </a:p>
-                  </a:txBody>
-                  <a:tcPr marL="68580" marR="68580" marT="0" marB="0" anchor="b"/>
-                </a:tc>
-                <a:tc>
-                  <a:txBody>
-                    <a:bodyPr/>
-                    <a:lstStyle/>
-                    <a:p>
-                      <a:pPr marL="0" marR="0" algn="ctr">
-                        <a:lnSpc>
-                          <a:spcPct val="115000"/>
-                        </a:lnSpc>
-                        <a:spcBef>
-                          <a:spcPts val="0"/>
-                        </a:spcBef>
-                        <a:spcAft>
-                          <a:spcPts val="0"/>
-                        </a:spcAft>
-                      </a:pPr>
-                      <a:r>
-                        <a:rPr lang="en-US" sz="2400">
-                          <a:effectLst/>
-                        </a:rPr>
-                        <a:t>Manager</a:t>
-                      </a:r>
-                      <a:endParaRPr lang="en-US" sz="3600">
-                        <a:effectLst/>
-                        <a:latin typeface="Calibri"/>
-                        <a:ea typeface="Calibri"/>
-                        <a:cs typeface="Times New Roman"/>
-                      </a:endParaRPr>
-                    </a:p>
-                  </a:txBody>
-                  <a:tcPr marL="68580" marR="68580" marT="0" marB="0" anchor="b"/>
-                </a:tc>
-                <a:tc>
-                  <a:txBody>
-                    <a:bodyPr/>
-                    <a:lstStyle/>
-                    <a:p>
-                      <a:pPr marL="0" marR="0" algn="ctr">
-                        <a:lnSpc>
-                          <a:spcPct val="115000"/>
-                        </a:lnSpc>
-                        <a:spcBef>
-                          <a:spcPts val="0"/>
-                        </a:spcBef>
-                        <a:spcAft>
-                          <a:spcPts val="0"/>
-                        </a:spcAft>
-                      </a:pPr>
-                      <a:r>
-                        <a:rPr lang="en-US" sz="2400" dirty="0">
-                          <a:effectLst/>
-                        </a:rPr>
-                        <a:t>Low</a:t>
-                      </a:r>
-                      <a:endParaRPr lang="en-US" sz="3600" dirty="0">
-                        <a:effectLst/>
-                        <a:latin typeface="Calibri"/>
-                        <a:ea typeface="Calibri"/>
-                        <a:cs typeface="Times New Roman"/>
-                      </a:endParaRPr>
-                    </a:p>
-                  </a:txBody>
-                  <a:tcPr marL="68580" marR="68580" marT="0" marB="0" anchor="b"/>
-                </a:tc>
-                <a:tc>
-                  <a:txBody>
-                    <a:bodyPr/>
-                    <a:lstStyle/>
-                    <a:p>
-                      <a:pPr marL="0" marR="0" algn="ctr">
-                        <a:lnSpc>
-                          <a:spcPct val="115000"/>
-                        </a:lnSpc>
-                        <a:spcBef>
-                          <a:spcPts val="0"/>
-                        </a:spcBef>
-                        <a:spcAft>
-                          <a:spcPts val="0"/>
-                        </a:spcAft>
-                      </a:pPr>
-                      <a:r>
-                        <a:rPr lang="en-US" sz="2400" dirty="0">
-                          <a:effectLst/>
-                        </a:rPr>
-                        <a:t>1</a:t>
-                      </a:r>
-                      <a:endParaRPr lang="en-US" sz="3600" dirty="0">
-                        <a:effectLst/>
-                        <a:latin typeface="Calibri"/>
-                        <a:ea typeface="Calibri"/>
-                        <a:cs typeface="Times New Roman"/>
-                      </a:endParaRPr>
-                    </a:p>
-                  </a:txBody>
-                  <a:tcPr marL="68580" marR="68580" marT="0" marB="0" anchor="b"/>
-                </a:tc>
-              </a:tr>
-              <a:tr h="547804">
-                <a:tc>
-                  <a:txBody>
-                    <a:bodyPr/>
-                    <a:lstStyle/>
-                    <a:p>
-                      <a:pPr marL="0" marR="0" algn="ctr">
-                        <a:lnSpc>
-                          <a:spcPct val="115000"/>
-                        </a:lnSpc>
-                        <a:spcBef>
-                          <a:spcPts val="0"/>
-                        </a:spcBef>
-                        <a:spcAft>
-                          <a:spcPts val="0"/>
-                        </a:spcAft>
-                      </a:pPr>
-                      <a:r>
-                        <a:rPr lang="en-US" sz="2400">
-                          <a:effectLst/>
-                        </a:rPr>
-                        <a:t>10</a:t>
-                      </a:r>
-                      <a:endParaRPr lang="en-US" sz="3600">
-                        <a:effectLst/>
-                        <a:latin typeface="Calibri"/>
-                        <a:ea typeface="Calibri"/>
-                        <a:cs typeface="Times New Roman"/>
-                      </a:endParaRPr>
-                    </a:p>
-                  </a:txBody>
-                  <a:tcPr marL="68580" marR="68580" marT="0" marB="0" anchor="b"/>
-                </a:tc>
-                <a:tc>
-                  <a:txBody>
-                    <a:bodyPr/>
-                    <a:lstStyle/>
-                    <a:p>
-                      <a:pPr marL="0" marR="0" algn="ctr">
-                        <a:lnSpc>
-                          <a:spcPct val="115000"/>
-                        </a:lnSpc>
-                        <a:spcBef>
-                          <a:spcPts val="0"/>
-                        </a:spcBef>
-                        <a:spcAft>
-                          <a:spcPts val="0"/>
-                        </a:spcAft>
-                      </a:pPr>
-                      <a:r>
-                        <a:rPr lang="en-US" sz="2400" dirty="0" smtClean="0">
-                          <a:effectLst/>
-                        </a:rPr>
-                        <a:t>Complaint</a:t>
-                      </a:r>
-                      <a:endParaRPr lang="en-US" sz="3600" dirty="0">
-                        <a:effectLst/>
-                        <a:latin typeface="Calibri"/>
-                        <a:ea typeface="Calibri"/>
-                        <a:cs typeface="Times New Roman"/>
-                      </a:endParaRPr>
-                    </a:p>
-                  </a:txBody>
-                  <a:tcPr marL="68580" marR="68580" marT="0" marB="0" anchor="b"/>
-                </a:tc>
-                <a:tc>
-                  <a:txBody>
-                    <a:bodyPr/>
-                    <a:lstStyle/>
-                    <a:p>
-                      <a:pPr marL="0" marR="0" algn="ctr">
-                        <a:lnSpc>
-                          <a:spcPct val="115000"/>
-                        </a:lnSpc>
-                        <a:spcBef>
-                          <a:spcPts val="0"/>
-                        </a:spcBef>
-                        <a:spcAft>
-                          <a:spcPts val="0"/>
-                        </a:spcAft>
-                      </a:pPr>
-                      <a:r>
-                        <a:rPr lang="en-US" sz="2400">
-                          <a:effectLst/>
-                        </a:rPr>
-                        <a:t>In</a:t>
-                      </a:r>
-                      <a:endParaRPr lang="en-US" sz="3600">
-                        <a:effectLst/>
-                        <a:latin typeface="Calibri"/>
-                        <a:ea typeface="Calibri"/>
-                        <a:cs typeface="Times New Roman"/>
-                      </a:endParaRPr>
-                    </a:p>
-                  </a:txBody>
-                  <a:tcPr marL="68580" marR="68580" marT="0" marB="0" anchor="b"/>
-                </a:tc>
-                <a:tc>
-                  <a:txBody>
-                    <a:bodyPr/>
-                    <a:lstStyle/>
-                    <a:p>
-                      <a:pPr marL="0" marR="0" algn="ctr">
-                        <a:lnSpc>
-                          <a:spcPct val="115000"/>
-                        </a:lnSpc>
-                        <a:spcBef>
-                          <a:spcPts val="0"/>
-                        </a:spcBef>
-                        <a:spcAft>
-                          <a:spcPts val="0"/>
-                        </a:spcAft>
-                      </a:pPr>
-                      <a:r>
-                        <a:rPr lang="en-US" sz="2400" dirty="0" smtClean="0">
-                          <a:effectLst/>
-                        </a:rPr>
-                        <a:t>Manager/waiter</a:t>
-                      </a:r>
-                      <a:endParaRPr lang="en-US" sz="3600" dirty="0">
-                        <a:effectLst/>
-                        <a:latin typeface="Calibri"/>
-                        <a:ea typeface="Calibri"/>
-                        <a:cs typeface="Times New Roman"/>
-                      </a:endParaRPr>
-                    </a:p>
-                  </a:txBody>
-                  <a:tcPr marL="68580" marR="68580" marT="0" marB="0" anchor="b"/>
-                </a:tc>
-                <a:tc>
-                  <a:txBody>
-                    <a:bodyPr/>
-                    <a:lstStyle/>
-                    <a:p>
-                      <a:pPr marL="0" marR="0" algn="ctr">
-                        <a:lnSpc>
-                          <a:spcPct val="115000"/>
-                        </a:lnSpc>
-                        <a:spcBef>
-                          <a:spcPts val="0"/>
-                        </a:spcBef>
-                        <a:spcAft>
-                          <a:spcPts val="0"/>
-                        </a:spcAft>
-                      </a:pPr>
-                      <a:r>
-                        <a:rPr lang="en-US" sz="2400" dirty="0" smtClean="0">
-                          <a:effectLst/>
-                        </a:rPr>
-                        <a:t>Med</a:t>
-                      </a:r>
-                      <a:endParaRPr lang="en-US" sz="3600" dirty="0">
-                        <a:effectLst/>
-                        <a:latin typeface="Calibri"/>
-                        <a:ea typeface="Calibri"/>
-                        <a:cs typeface="Times New Roman"/>
-                      </a:endParaRPr>
-                    </a:p>
-                  </a:txBody>
-                  <a:tcPr marL="68580" marR="68580" marT="0" marB="0" anchor="b"/>
-                </a:tc>
-                <a:tc>
-                  <a:txBody>
-                    <a:bodyPr/>
-                    <a:lstStyle/>
-                    <a:p>
-                      <a:pPr marL="0" marR="0" algn="ctr">
-                        <a:lnSpc>
-                          <a:spcPct val="115000"/>
-                        </a:lnSpc>
-                        <a:spcBef>
-                          <a:spcPts val="0"/>
-                        </a:spcBef>
-                        <a:spcAft>
-                          <a:spcPts val="0"/>
-                        </a:spcAft>
-                      </a:pPr>
-                      <a:r>
-                        <a:rPr lang="en-US" sz="2400" dirty="0">
-                          <a:effectLst/>
-                        </a:rPr>
-                        <a:t>2</a:t>
-                      </a:r>
-                      <a:endParaRPr lang="en-US" sz="3600" dirty="0">
-                        <a:effectLst/>
-                        <a:latin typeface="Calibri"/>
-                        <a:ea typeface="Calibri"/>
-                        <a:cs typeface="Times New Roman"/>
-                      </a:endParaRPr>
-                    </a:p>
-                  </a:txBody>
-                  <a:tcPr marL="68580" marR="68580" marT="0" marB="0" anchor="b"/>
-                </a:tc>
-              </a:tr>
-            </a:tbl>
-          </a:graphicData>
-        </a:graphic>
-      </p:graphicFrame>
       <p:sp>
         <p:nvSpPr>
           <p:cNvPr id="2" name="Title 1"/>
@@ -6686,34 +4525,79 @@
         </p:nvSpPr>
         <p:spPr>
           <a:xfrm>
-            <a:off x="381000" y="0"/>
-            <a:ext cx="7010400" cy="838200"/>
+            <a:off x="76200" y="-76200"/>
+            <a:ext cx="7924800" cy="1143000"/>
           </a:xfrm>
-          <a:noFill/>
         </p:spPr>
         <p:txBody>
           <a:bodyPr>
-            <a:normAutofit fontScale="90000"/>
+            <a:normAutofit/>
           </a:bodyPr>
           <a:lstStyle/>
           <a:p>
             <a:pPr algn="l"/>
             <a:r>
               <a:rPr lang="en-US" sz="6000" b="1" dirty="0" smtClean="0"/>
-              <a:t>Preliminary Use </a:t>
-            </a:r>
-            <a:r>
-              <a:rPr lang="en-US" sz="6000" b="1" dirty="0" smtClean="0"/>
-              <a:t>Cases</a:t>
+              <a:t>Main Success Scenario</a:t>
             </a:r>
             <a:endParaRPr lang="en-US" sz="6000" b="1" dirty="0"/>
+          </a:p>
+        </p:txBody>
+      </p:sp>
+      <p:sp>
+        <p:nvSpPr>
+          <p:cNvPr id="3" name="Content Placeholder 2"/>
+          <p:cNvSpPr>
+            <a:spLocks noGrp="1"/>
+          </p:cNvSpPr>
+          <p:nvPr>
+            <p:ph idx="1"/>
+          </p:nvPr>
+        </p:nvSpPr>
+        <p:spPr>
+          <a:xfrm>
+            <a:off x="228600" y="914400"/>
+            <a:ext cx="8458200" cy="5486400"/>
+          </a:xfrm>
+        </p:spPr>
+        <p:txBody>
+          <a:bodyPr>
+            <a:normAutofit/>
+          </a:bodyPr>
+          <a:lstStyle/>
+          <a:p>
+            <a:r>
+              <a:rPr lang="en-US" sz="4000" b="1" dirty="0" smtClean="0"/>
+              <a:t>People leave.</a:t>
+            </a:r>
+          </a:p>
+          <a:p>
+            <a:r>
+              <a:rPr lang="en-US" sz="4000" b="1" dirty="0" smtClean="0"/>
+              <a:t>Table placed in bus queue</a:t>
+            </a:r>
+          </a:p>
+          <a:p>
+            <a:r>
+              <a:rPr lang="en-US" sz="4000" b="1" dirty="0" smtClean="0"/>
+              <a:t>Table is cleaned, removed from bus queue, and marked as available </a:t>
+            </a:r>
+          </a:p>
+          <a:p>
+            <a:pPr marL="0" indent="0">
+              <a:buNone/>
+            </a:pPr>
+            <a:endParaRPr lang="en-US" sz="4000" b="1" dirty="0" smtClean="0"/>
+          </a:p>
+          <a:p>
+            <a:endParaRPr lang="en-US" sz="4000" b="1" dirty="0"/>
           </a:p>
         </p:txBody>
       </p:sp>
     </p:spTree>
     <p:extLst>
       <p:ext uri="{BB962C8B-B14F-4D97-AF65-F5344CB8AC3E}">
-        <p14:creationId xmlns:p14="http://schemas.microsoft.com/office/powerpoint/2010/main" val="1733782401"/>
+        <p14:creationId xmlns:p14="http://schemas.microsoft.com/office/powerpoint/2010/main" val="2977566684"/>
       </p:ext>
     </p:extLst>
   </p:cSld>
@@ -6854,7 +4738,7 @@
     </p:spTree>
     <p:extLst>
       <p:ext uri="{BB962C8B-B14F-4D97-AF65-F5344CB8AC3E}">
-        <p14:creationId xmlns:p14="http://schemas.microsoft.com/office/powerpoint/2010/main" val="2083519932"/>
+        <p14:creationId xmlns:p14="http://schemas.microsoft.com/office/powerpoint/2010/main" val="3103370237"/>
       </p:ext>
     </p:extLst>
   </p:cSld>
@@ -6888,6 +4772,2177 @@
           <a:chExt cx="0" cy="0"/>
         </a:xfrm>
       </p:grpSpPr>
+      <p:graphicFrame>
+        <p:nvGraphicFramePr>
+          <p:cNvPr id="4" name="Content Placeholder 3"/>
+          <p:cNvGraphicFramePr>
+            <a:graphicFrameLocks noGrp="1"/>
+          </p:cNvGraphicFramePr>
+          <p:nvPr>
+            <p:ph idx="1"/>
+            <p:extLst>
+              <p:ext uri="{D42A27DB-BD31-4B8C-83A1-F6EECF244321}">
+                <p14:modId xmlns:p14="http://schemas.microsoft.com/office/powerpoint/2010/main" val="2978832265"/>
+              </p:ext>
+            </p:extLst>
+          </p:nvPr>
+        </p:nvGraphicFramePr>
+        <p:xfrm>
+          <a:off x="0" y="838200"/>
+          <a:ext cx="9067800" cy="5898664"/>
+        </p:xfrm>
+        <a:graphic>
+          <a:graphicData uri="http://schemas.openxmlformats.org/drawingml/2006/table">
+            <a:tbl>
+              <a:tblPr firstRow="1" firstCol="1" bandRow="1">
+                <a:tableStyleId>{5DA37D80-6434-44D0-A028-1B22A696006F}</a:tableStyleId>
+              </a:tblPr>
+              <a:tblGrid>
+                <a:gridCol w="457200"/>
+                <a:gridCol w="2209800"/>
+                <a:gridCol w="914400"/>
+                <a:gridCol w="2590800"/>
+                <a:gridCol w="1752600"/>
+                <a:gridCol w="1143000"/>
+              </a:tblGrid>
+              <a:tr h="389363">
+                <a:tc>
+                  <a:txBody>
+                    <a:bodyPr/>
+                    <a:lstStyle/>
+                    <a:p>
+                      <a:pPr marL="0" marR="0" algn="ctr">
+                        <a:lnSpc>
+                          <a:spcPct val="115000"/>
+                        </a:lnSpc>
+                        <a:spcBef>
+                          <a:spcPts val="0"/>
+                        </a:spcBef>
+                        <a:spcAft>
+                          <a:spcPts val="0"/>
+                        </a:spcAft>
+                      </a:pPr>
+                      <a:r>
+                        <a:rPr lang="en-US" sz="2400" dirty="0">
+                          <a:effectLst/>
+                        </a:rPr>
+                        <a:t>ID</a:t>
+                      </a:r>
+                      <a:endParaRPr lang="en-US" sz="3600" dirty="0">
+                        <a:effectLst/>
+                        <a:latin typeface="Calibri"/>
+                        <a:ea typeface="Calibri"/>
+                        <a:cs typeface="Times New Roman"/>
+                      </a:endParaRPr>
+                    </a:p>
+                  </a:txBody>
+                  <a:tcPr marL="68580" marR="68580" marT="0" marB="0" anchor="b"/>
+                </a:tc>
+                <a:tc>
+                  <a:txBody>
+                    <a:bodyPr/>
+                    <a:lstStyle/>
+                    <a:p>
+                      <a:pPr marL="0" marR="0" algn="ctr">
+                        <a:lnSpc>
+                          <a:spcPct val="115000"/>
+                        </a:lnSpc>
+                        <a:spcBef>
+                          <a:spcPts val="0"/>
+                        </a:spcBef>
+                        <a:spcAft>
+                          <a:spcPts val="0"/>
+                        </a:spcAft>
+                      </a:pPr>
+                      <a:r>
+                        <a:rPr lang="en-US" sz="2400" dirty="0">
+                          <a:effectLst/>
+                        </a:rPr>
+                        <a:t>Name </a:t>
+                      </a:r>
+                      <a:endParaRPr lang="en-US" sz="3600" dirty="0">
+                        <a:effectLst/>
+                        <a:latin typeface="Calibri"/>
+                        <a:ea typeface="Calibri"/>
+                        <a:cs typeface="Times New Roman"/>
+                      </a:endParaRPr>
+                    </a:p>
+                  </a:txBody>
+                  <a:tcPr marL="68580" marR="68580" marT="0" marB="0" anchor="b"/>
+                </a:tc>
+                <a:tc>
+                  <a:txBody>
+                    <a:bodyPr/>
+                    <a:lstStyle/>
+                    <a:p>
+                      <a:pPr marL="0" marR="0" algn="ctr">
+                        <a:lnSpc>
+                          <a:spcPct val="115000"/>
+                        </a:lnSpc>
+                        <a:spcBef>
+                          <a:spcPts val="0"/>
+                        </a:spcBef>
+                        <a:spcAft>
+                          <a:spcPts val="0"/>
+                        </a:spcAft>
+                      </a:pPr>
+                      <a:r>
+                        <a:rPr lang="en-US" sz="2400">
+                          <a:effectLst/>
+                        </a:rPr>
+                        <a:t>Scope</a:t>
+                      </a:r>
+                      <a:endParaRPr lang="en-US" sz="3600">
+                        <a:effectLst/>
+                        <a:latin typeface="Calibri"/>
+                        <a:ea typeface="Calibri"/>
+                        <a:cs typeface="Times New Roman"/>
+                      </a:endParaRPr>
+                    </a:p>
+                  </a:txBody>
+                  <a:tcPr marL="68580" marR="68580" marT="0" marB="0" anchor="b"/>
+                </a:tc>
+                <a:tc>
+                  <a:txBody>
+                    <a:bodyPr/>
+                    <a:lstStyle/>
+                    <a:p>
+                      <a:pPr marL="0" marR="0" algn="ctr">
+                        <a:lnSpc>
+                          <a:spcPct val="115000"/>
+                        </a:lnSpc>
+                        <a:spcBef>
+                          <a:spcPts val="0"/>
+                        </a:spcBef>
+                        <a:spcAft>
+                          <a:spcPts val="0"/>
+                        </a:spcAft>
+                      </a:pPr>
+                      <a:r>
+                        <a:rPr lang="en-US" sz="2400" dirty="0">
+                          <a:effectLst/>
+                        </a:rPr>
+                        <a:t>Primary Actor</a:t>
+                      </a:r>
+                      <a:endParaRPr lang="en-US" sz="3600" dirty="0">
+                        <a:effectLst/>
+                        <a:latin typeface="Calibri"/>
+                        <a:ea typeface="Calibri"/>
+                        <a:cs typeface="Times New Roman"/>
+                      </a:endParaRPr>
+                    </a:p>
+                  </a:txBody>
+                  <a:tcPr marL="68580" marR="68580" marT="0" marB="0" anchor="b"/>
+                </a:tc>
+                <a:tc>
+                  <a:txBody>
+                    <a:bodyPr/>
+                    <a:lstStyle/>
+                    <a:p>
+                      <a:pPr marL="0" marR="0" algn="ctr">
+                        <a:lnSpc>
+                          <a:spcPct val="115000"/>
+                        </a:lnSpc>
+                        <a:spcBef>
+                          <a:spcPts val="0"/>
+                        </a:spcBef>
+                        <a:spcAft>
+                          <a:spcPts val="0"/>
+                        </a:spcAft>
+                      </a:pPr>
+                      <a:r>
+                        <a:rPr lang="en-US" sz="2400" dirty="0" err="1" smtClean="0">
+                          <a:effectLst/>
+                        </a:rPr>
+                        <a:t>Compelxity</a:t>
+                      </a:r>
+                      <a:endParaRPr lang="en-US" sz="3600" dirty="0">
+                        <a:effectLst/>
+                        <a:latin typeface="Calibri"/>
+                        <a:ea typeface="Calibri"/>
+                        <a:cs typeface="Times New Roman"/>
+                      </a:endParaRPr>
+                    </a:p>
+                  </a:txBody>
+                  <a:tcPr marL="68580" marR="68580" marT="0" marB="0" anchor="b"/>
+                </a:tc>
+                <a:tc>
+                  <a:txBody>
+                    <a:bodyPr/>
+                    <a:lstStyle/>
+                    <a:p>
+                      <a:pPr marL="0" marR="0" algn="ctr">
+                        <a:lnSpc>
+                          <a:spcPct val="115000"/>
+                        </a:lnSpc>
+                        <a:spcBef>
+                          <a:spcPts val="0"/>
+                        </a:spcBef>
+                        <a:spcAft>
+                          <a:spcPts val="0"/>
+                        </a:spcAft>
+                      </a:pPr>
+                      <a:r>
+                        <a:rPr lang="en-US" sz="2400" dirty="0">
+                          <a:effectLst/>
+                        </a:rPr>
+                        <a:t>Priority</a:t>
+                      </a:r>
+                      <a:endParaRPr lang="en-US" sz="3600" dirty="0">
+                        <a:effectLst/>
+                        <a:latin typeface="Calibri"/>
+                        <a:ea typeface="Calibri"/>
+                        <a:cs typeface="Times New Roman"/>
+                      </a:endParaRPr>
+                    </a:p>
+                  </a:txBody>
+                  <a:tcPr marL="68580" marR="68580" marT="0" marB="0" anchor="b"/>
+                </a:tc>
+              </a:tr>
+              <a:tr h="547804">
+                <a:tc>
+                  <a:txBody>
+                    <a:bodyPr/>
+                    <a:lstStyle/>
+                    <a:p>
+                      <a:pPr marL="0" marR="0" algn="ctr">
+                        <a:lnSpc>
+                          <a:spcPct val="115000"/>
+                        </a:lnSpc>
+                        <a:spcBef>
+                          <a:spcPts val="0"/>
+                        </a:spcBef>
+                        <a:spcAft>
+                          <a:spcPts val="0"/>
+                        </a:spcAft>
+                      </a:pPr>
+                      <a:r>
+                        <a:rPr lang="en-US" sz="2400" dirty="0">
+                          <a:effectLst/>
+                        </a:rPr>
+                        <a:t>1</a:t>
+                      </a:r>
+                      <a:endParaRPr lang="en-US" sz="3600" dirty="0">
+                        <a:effectLst/>
+                        <a:latin typeface="Calibri"/>
+                        <a:ea typeface="Calibri"/>
+                        <a:cs typeface="Times New Roman"/>
+                      </a:endParaRPr>
+                    </a:p>
+                  </a:txBody>
+                  <a:tcPr marL="68580" marR="68580" marT="0" marB="0" anchor="b"/>
+                </a:tc>
+                <a:tc>
+                  <a:txBody>
+                    <a:bodyPr/>
+                    <a:lstStyle/>
+                    <a:p>
+                      <a:pPr marL="0" marR="0" algn="ctr">
+                        <a:lnSpc>
+                          <a:spcPct val="115000"/>
+                        </a:lnSpc>
+                        <a:spcBef>
+                          <a:spcPts val="0"/>
+                        </a:spcBef>
+                        <a:spcAft>
+                          <a:spcPts val="0"/>
+                        </a:spcAft>
+                      </a:pPr>
+                      <a:r>
+                        <a:rPr lang="en-US" sz="2400" dirty="0">
+                          <a:effectLst/>
+                        </a:rPr>
+                        <a:t>Menu view</a:t>
+                      </a:r>
+                      <a:endParaRPr lang="en-US" sz="3600" dirty="0">
+                        <a:effectLst/>
+                        <a:latin typeface="Calibri"/>
+                        <a:ea typeface="Calibri"/>
+                        <a:cs typeface="Times New Roman"/>
+                      </a:endParaRPr>
+                    </a:p>
+                  </a:txBody>
+                  <a:tcPr marL="68580" marR="68580" marT="0" marB="0" anchor="b"/>
+                </a:tc>
+                <a:tc>
+                  <a:txBody>
+                    <a:bodyPr/>
+                    <a:lstStyle/>
+                    <a:p>
+                      <a:pPr marL="0" marR="0" algn="ctr">
+                        <a:lnSpc>
+                          <a:spcPct val="115000"/>
+                        </a:lnSpc>
+                        <a:spcBef>
+                          <a:spcPts val="0"/>
+                        </a:spcBef>
+                        <a:spcAft>
+                          <a:spcPts val="0"/>
+                        </a:spcAft>
+                      </a:pPr>
+                      <a:r>
+                        <a:rPr lang="en-US" sz="2400">
+                          <a:effectLst/>
+                        </a:rPr>
+                        <a:t>In</a:t>
+                      </a:r>
+                      <a:endParaRPr lang="en-US" sz="3600">
+                        <a:effectLst/>
+                        <a:latin typeface="Calibri"/>
+                        <a:ea typeface="Calibri"/>
+                        <a:cs typeface="Times New Roman"/>
+                      </a:endParaRPr>
+                    </a:p>
+                  </a:txBody>
+                  <a:tcPr marL="68580" marR="68580" marT="0" marB="0" anchor="b"/>
+                </a:tc>
+                <a:tc>
+                  <a:txBody>
+                    <a:bodyPr/>
+                    <a:lstStyle/>
+                    <a:p>
+                      <a:pPr marL="0" marR="0" algn="ctr">
+                        <a:lnSpc>
+                          <a:spcPct val="115000"/>
+                        </a:lnSpc>
+                        <a:spcBef>
+                          <a:spcPts val="0"/>
+                        </a:spcBef>
+                        <a:spcAft>
+                          <a:spcPts val="0"/>
+                        </a:spcAft>
+                      </a:pPr>
+                      <a:r>
+                        <a:rPr lang="en-US" sz="2400" dirty="0">
+                          <a:effectLst/>
+                        </a:rPr>
+                        <a:t>Anyone</a:t>
+                      </a:r>
+                      <a:endParaRPr lang="en-US" sz="3600" dirty="0">
+                        <a:effectLst/>
+                        <a:latin typeface="Calibri"/>
+                        <a:ea typeface="Calibri"/>
+                        <a:cs typeface="Times New Roman"/>
+                      </a:endParaRPr>
+                    </a:p>
+                  </a:txBody>
+                  <a:tcPr marL="68580" marR="68580" marT="0" marB="0" anchor="b"/>
+                </a:tc>
+                <a:tc>
+                  <a:txBody>
+                    <a:bodyPr/>
+                    <a:lstStyle/>
+                    <a:p>
+                      <a:pPr marL="0" marR="0" algn="ctr">
+                        <a:lnSpc>
+                          <a:spcPct val="115000"/>
+                        </a:lnSpc>
+                        <a:spcBef>
+                          <a:spcPts val="0"/>
+                        </a:spcBef>
+                        <a:spcAft>
+                          <a:spcPts val="0"/>
+                        </a:spcAft>
+                      </a:pPr>
+                      <a:r>
+                        <a:rPr lang="en-US" sz="2400">
+                          <a:effectLst/>
+                        </a:rPr>
+                        <a:t>Low</a:t>
+                      </a:r>
+                      <a:endParaRPr lang="en-US" sz="3600">
+                        <a:effectLst/>
+                        <a:latin typeface="Calibri"/>
+                        <a:ea typeface="Calibri"/>
+                        <a:cs typeface="Times New Roman"/>
+                      </a:endParaRPr>
+                    </a:p>
+                  </a:txBody>
+                  <a:tcPr marL="68580" marR="68580" marT="0" marB="0" anchor="b"/>
+                </a:tc>
+                <a:tc>
+                  <a:txBody>
+                    <a:bodyPr/>
+                    <a:lstStyle/>
+                    <a:p>
+                      <a:pPr marL="0" marR="0" algn="ctr">
+                        <a:lnSpc>
+                          <a:spcPct val="115000"/>
+                        </a:lnSpc>
+                        <a:spcBef>
+                          <a:spcPts val="0"/>
+                        </a:spcBef>
+                        <a:spcAft>
+                          <a:spcPts val="0"/>
+                        </a:spcAft>
+                      </a:pPr>
+                      <a:r>
+                        <a:rPr lang="en-US" sz="2400">
+                          <a:effectLst/>
+                        </a:rPr>
+                        <a:t>1</a:t>
+                      </a:r>
+                      <a:endParaRPr lang="en-US" sz="3600">
+                        <a:effectLst/>
+                        <a:latin typeface="Calibri"/>
+                        <a:ea typeface="Calibri"/>
+                        <a:cs typeface="Times New Roman"/>
+                      </a:endParaRPr>
+                    </a:p>
+                  </a:txBody>
+                  <a:tcPr marL="68580" marR="68580" marT="0" marB="0" anchor="b"/>
+                </a:tc>
+              </a:tr>
+              <a:tr h="547804">
+                <a:tc>
+                  <a:txBody>
+                    <a:bodyPr/>
+                    <a:lstStyle/>
+                    <a:p>
+                      <a:pPr marL="0" marR="0" algn="ctr">
+                        <a:lnSpc>
+                          <a:spcPct val="115000"/>
+                        </a:lnSpc>
+                        <a:spcBef>
+                          <a:spcPts val="0"/>
+                        </a:spcBef>
+                        <a:spcAft>
+                          <a:spcPts val="0"/>
+                        </a:spcAft>
+                      </a:pPr>
+                      <a:r>
+                        <a:rPr lang="en-US" sz="2400">
+                          <a:effectLst/>
+                        </a:rPr>
+                        <a:t>2</a:t>
+                      </a:r>
+                      <a:endParaRPr lang="en-US" sz="3600">
+                        <a:effectLst/>
+                        <a:latin typeface="Calibri"/>
+                        <a:ea typeface="Calibri"/>
+                        <a:cs typeface="Times New Roman"/>
+                      </a:endParaRPr>
+                    </a:p>
+                  </a:txBody>
+                  <a:tcPr marL="68580" marR="68580" marT="0" marB="0" anchor="b"/>
+                </a:tc>
+                <a:tc>
+                  <a:txBody>
+                    <a:bodyPr/>
+                    <a:lstStyle/>
+                    <a:p>
+                      <a:pPr marL="0" marR="0" algn="ctr">
+                        <a:lnSpc>
+                          <a:spcPct val="115000"/>
+                        </a:lnSpc>
+                        <a:spcBef>
+                          <a:spcPts val="0"/>
+                        </a:spcBef>
+                        <a:spcAft>
+                          <a:spcPts val="0"/>
+                        </a:spcAft>
+                      </a:pPr>
+                      <a:r>
+                        <a:rPr lang="en-US" sz="2400" dirty="0" smtClean="0">
+                          <a:effectLst/>
+                        </a:rPr>
+                        <a:t>Place Order</a:t>
+                      </a:r>
+                      <a:endParaRPr lang="en-US" sz="3600" dirty="0">
+                        <a:effectLst/>
+                        <a:latin typeface="Calibri"/>
+                        <a:ea typeface="Calibri"/>
+                        <a:cs typeface="Times New Roman"/>
+                      </a:endParaRPr>
+                    </a:p>
+                  </a:txBody>
+                  <a:tcPr marL="68580" marR="68580" marT="0" marB="0" anchor="b"/>
+                </a:tc>
+                <a:tc>
+                  <a:txBody>
+                    <a:bodyPr/>
+                    <a:lstStyle/>
+                    <a:p>
+                      <a:pPr marL="0" marR="0" algn="ctr">
+                        <a:lnSpc>
+                          <a:spcPct val="115000"/>
+                        </a:lnSpc>
+                        <a:spcBef>
+                          <a:spcPts val="0"/>
+                        </a:spcBef>
+                        <a:spcAft>
+                          <a:spcPts val="0"/>
+                        </a:spcAft>
+                      </a:pPr>
+                      <a:r>
+                        <a:rPr lang="en-US" sz="2400">
+                          <a:effectLst/>
+                        </a:rPr>
+                        <a:t>In</a:t>
+                      </a:r>
+                      <a:endParaRPr lang="en-US" sz="3600">
+                        <a:effectLst/>
+                        <a:latin typeface="Calibri"/>
+                        <a:ea typeface="Calibri"/>
+                        <a:cs typeface="Times New Roman"/>
+                      </a:endParaRPr>
+                    </a:p>
+                  </a:txBody>
+                  <a:tcPr marL="68580" marR="68580" marT="0" marB="0" anchor="b"/>
+                </a:tc>
+                <a:tc>
+                  <a:txBody>
+                    <a:bodyPr/>
+                    <a:lstStyle/>
+                    <a:p>
+                      <a:pPr marL="0" marR="0" algn="ctr">
+                        <a:lnSpc>
+                          <a:spcPct val="115000"/>
+                        </a:lnSpc>
+                        <a:spcBef>
+                          <a:spcPts val="0"/>
+                        </a:spcBef>
+                        <a:spcAft>
+                          <a:spcPts val="0"/>
+                        </a:spcAft>
+                      </a:pPr>
+                      <a:r>
+                        <a:rPr lang="en-US" sz="2400">
+                          <a:effectLst/>
+                        </a:rPr>
+                        <a:t>Customer</a:t>
+                      </a:r>
+                      <a:endParaRPr lang="en-US" sz="3600">
+                        <a:effectLst/>
+                        <a:latin typeface="Calibri"/>
+                        <a:ea typeface="Calibri"/>
+                        <a:cs typeface="Times New Roman"/>
+                      </a:endParaRPr>
+                    </a:p>
+                  </a:txBody>
+                  <a:tcPr marL="68580" marR="68580" marT="0" marB="0" anchor="b"/>
+                </a:tc>
+                <a:tc>
+                  <a:txBody>
+                    <a:bodyPr/>
+                    <a:lstStyle/>
+                    <a:p>
+                      <a:pPr marL="0" marR="0" algn="ctr">
+                        <a:lnSpc>
+                          <a:spcPct val="115000"/>
+                        </a:lnSpc>
+                        <a:spcBef>
+                          <a:spcPts val="0"/>
+                        </a:spcBef>
+                        <a:spcAft>
+                          <a:spcPts val="0"/>
+                        </a:spcAft>
+                      </a:pPr>
+                      <a:r>
+                        <a:rPr lang="en-US" sz="2400">
+                          <a:effectLst/>
+                        </a:rPr>
+                        <a:t>Low</a:t>
+                      </a:r>
+                      <a:endParaRPr lang="en-US" sz="3600">
+                        <a:effectLst/>
+                        <a:latin typeface="Calibri"/>
+                        <a:ea typeface="Calibri"/>
+                        <a:cs typeface="Times New Roman"/>
+                      </a:endParaRPr>
+                    </a:p>
+                  </a:txBody>
+                  <a:tcPr marL="68580" marR="68580" marT="0" marB="0" anchor="b"/>
+                </a:tc>
+                <a:tc>
+                  <a:txBody>
+                    <a:bodyPr/>
+                    <a:lstStyle/>
+                    <a:p>
+                      <a:pPr marL="0" marR="0" algn="ctr">
+                        <a:lnSpc>
+                          <a:spcPct val="115000"/>
+                        </a:lnSpc>
+                        <a:spcBef>
+                          <a:spcPts val="0"/>
+                        </a:spcBef>
+                        <a:spcAft>
+                          <a:spcPts val="0"/>
+                        </a:spcAft>
+                      </a:pPr>
+                      <a:r>
+                        <a:rPr lang="en-US" sz="2400">
+                          <a:effectLst/>
+                        </a:rPr>
+                        <a:t>1</a:t>
+                      </a:r>
+                      <a:endParaRPr lang="en-US" sz="3600">
+                        <a:effectLst/>
+                        <a:latin typeface="Calibri"/>
+                        <a:ea typeface="Calibri"/>
+                        <a:cs typeface="Times New Roman"/>
+                      </a:endParaRPr>
+                    </a:p>
+                  </a:txBody>
+                  <a:tcPr marL="68580" marR="68580" marT="0" marB="0" anchor="b"/>
+                </a:tc>
+              </a:tr>
+              <a:tr h="547804">
+                <a:tc>
+                  <a:txBody>
+                    <a:bodyPr/>
+                    <a:lstStyle/>
+                    <a:p>
+                      <a:pPr marL="0" marR="0" algn="ctr">
+                        <a:lnSpc>
+                          <a:spcPct val="115000"/>
+                        </a:lnSpc>
+                        <a:spcBef>
+                          <a:spcPts val="0"/>
+                        </a:spcBef>
+                        <a:spcAft>
+                          <a:spcPts val="0"/>
+                        </a:spcAft>
+                      </a:pPr>
+                      <a:r>
+                        <a:rPr lang="en-US" sz="2400">
+                          <a:effectLst/>
+                        </a:rPr>
+                        <a:t>3</a:t>
+                      </a:r>
+                      <a:endParaRPr lang="en-US" sz="3600">
+                        <a:effectLst/>
+                        <a:latin typeface="Calibri"/>
+                        <a:ea typeface="Calibri"/>
+                        <a:cs typeface="Times New Roman"/>
+                      </a:endParaRPr>
+                    </a:p>
+                  </a:txBody>
+                  <a:tcPr marL="68580" marR="68580" marT="0" marB="0" anchor="b"/>
+                </a:tc>
+                <a:tc>
+                  <a:txBody>
+                    <a:bodyPr/>
+                    <a:lstStyle/>
+                    <a:p>
+                      <a:pPr marL="0" marR="0" algn="ctr">
+                        <a:lnSpc>
+                          <a:spcPct val="115000"/>
+                        </a:lnSpc>
+                        <a:spcBef>
+                          <a:spcPts val="0"/>
+                        </a:spcBef>
+                        <a:spcAft>
+                          <a:spcPts val="0"/>
+                        </a:spcAft>
+                      </a:pPr>
+                      <a:r>
+                        <a:rPr lang="en-US" sz="2400" dirty="0" smtClean="0">
+                          <a:effectLst/>
+                        </a:rPr>
+                        <a:t>Deliver Order</a:t>
+                      </a:r>
+                      <a:endParaRPr lang="en-US" sz="3600" dirty="0">
+                        <a:effectLst/>
+                        <a:latin typeface="Calibri"/>
+                        <a:ea typeface="Calibri"/>
+                        <a:cs typeface="Times New Roman"/>
+                      </a:endParaRPr>
+                    </a:p>
+                  </a:txBody>
+                  <a:tcPr marL="68580" marR="68580" marT="0" marB="0" anchor="b"/>
+                </a:tc>
+                <a:tc>
+                  <a:txBody>
+                    <a:bodyPr/>
+                    <a:lstStyle/>
+                    <a:p>
+                      <a:pPr marL="0" marR="0" algn="ctr">
+                        <a:lnSpc>
+                          <a:spcPct val="115000"/>
+                        </a:lnSpc>
+                        <a:spcBef>
+                          <a:spcPts val="0"/>
+                        </a:spcBef>
+                        <a:spcAft>
+                          <a:spcPts val="0"/>
+                        </a:spcAft>
+                      </a:pPr>
+                      <a:r>
+                        <a:rPr lang="en-US" sz="2400" dirty="0">
+                          <a:effectLst/>
+                        </a:rPr>
+                        <a:t>In</a:t>
+                      </a:r>
+                      <a:endParaRPr lang="en-US" sz="3600" dirty="0">
+                        <a:effectLst/>
+                        <a:latin typeface="Calibri"/>
+                        <a:ea typeface="Calibri"/>
+                        <a:cs typeface="Times New Roman"/>
+                      </a:endParaRPr>
+                    </a:p>
+                  </a:txBody>
+                  <a:tcPr marL="68580" marR="68580" marT="0" marB="0" anchor="b"/>
+                </a:tc>
+                <a:tc>
+                  <a:txBody>
+                    <a:bodyPr/>
+                    <a:lstStyle/>
+                    <a:p>
+                      <a:pPr marL="0" marR="0" algn="ctr">
+                        <a:lnSpc>
+                          <a:spcPct val="115000"/>
+                        </a:lnSpc>
+                        <a:spcBef>
+                          <a:spcPts val="0"/>
+                        </a:spcBef>
+                        <a:spcAft>
+                          <a:spcPts val="0"/>
+                        </a:spcAft>
+                      </a:pPr>
+                      <a:r>
+                        <a:rPr lang="en-US" sz="2400">
+                          <a:effectLst/>
+                        </a:rPr>
+                        <a:t>Waiter</a:t>
+                      </a:r>
+                      <a:endParaRPr lang="en-US" sz="3600">
+                        <a:effectLst/>
+                        <a:latin typeface="Calibri"/>
+                        <a:ea typeface="Calibri"/>
+                        <a:cs typeface="Times New Roman"/>
+                      </a:endParaRPr>
+                    </a:p>
+                  </a:txBody>
+                  <a:tcPr marL="68580" marR="68580" marT="0" marB="0" anchor="b"/>
+                </a:tc>
+                <a:tc>
+                  <a:txBody>
+                    <a:bodyPr/>
+                    <a:lstStyle/>
+                    <a:p>
+                      <a:pPr marL="0" marR="0" algn="ctr">
+                        <a:lnSpc>
+                          <a:spcPct val="115000"/>
+                        </a:lnSpc>
+                        <a:spcBef>
+                          <a:spcPts val="0"/>
+                        </a:spcBef>
+                        <a:spcAft>
+                          <a:spcPts val="0"/>
+                        </a:spcAft>
+                      </a:pPr>
+                      <a:r>
+                        <a:rPr lang="en-US" sz="2400">
+                          <a:effectLst/>
+                        </a:rPr>
+                        <a:t>Low</a:t>
+                      </a:r>
+                      <a:endParaRPr lang="en-US" sz="3600">
+                        <a:effectLst/>
+                        <a:latin typeface="Calibri"/>
+                        <a:ea typeface="Calibri"/>
+                        <a:cs typeface="Times New Roman"/>
+                      </a:endParaRPr>
+                    </a:p>
+                  </a:txBody>
+                  <a:tcPr marL="68580" marR="68580" marT="0" marB="0" anchor="b"/>
+                </a:tc>
+                <a:tc>
+                  <a:txBody>
+                    <a:bodyPr/>
+                    <a:lstStyle/>
+                    <a:p>
+                      <a:pPr marL="0" marR="0" algn="ctr">
+                        <a:lnSpc>
+                          <a:spcPct val="115000"/>
+                        </a:lnSpc>
+                        <a:spcBef>
+                          <a:spcPts val="0"/>
+                        </a:spcBef>
+                        <a:spcAft>
+                          <a:spcPts val="0"/>
+                        </a:spcAft>
+                      </a:pPr>
+                      <a:r>
+                        <a:rPr lang="en-US" sz="2400">
+                          <a:effectLst/>
+                        </a:rPr>
+                        <a:t>1</a:t>
+                      </a:r>
+                      <a:endParaRPr lang="en-US" sz="3600">
+                        <a:effectLst/>
+                        <a:latin typeface="Calibri"/>
+                        <a:ea typeface="Calibri"/>
+                        <a:cs typeface="Times New Roman"/>
+                      </a:endParaRPr>
+                    </a:p>
+                  </a:txBody>
+                  <a:tcPr marL="68580" marR="68580" marT="0" marB="0" anchor="b"/>
+                </a:tc>
+              </a:tr>
+              <a:tr h="547804">
+                <a:tc>
+                  <a:txBody>
+                    <a:bodyPr/>
+                    <a:lstStyle/>
+                    <a:p>
+                      <a:pPr marL="0" marR="0" algn="ctr">
+                        <a:lnSpc>
+                          <a:spcPct val="115000"/>
+                        </a:lnSpc>
+                        <a:spcBef>
+                          <a:spcPts val="0"/>
+                        </a:spcBef>
+                        <a:spcAft>
+                          <a:spcPts val="0"/>
+                        </a:spcAft>
+                      </a:pPr>
+                      <a:r>
+                        <a:rPr lang="en-US" sz="2400">
+                          <a:effectLst/>
+                        </a:rPr>
+                        <a:t>4</a:t>
+                      </a:r>
+                      <a:endParaRPr lang="en-US" sz="3600">
+                        <a:effectLst/>
+                        <a:latin typeface="Calibri"/>
+                        <a:ea typeface="Calibri"/>
+                        <a:cs typeface="Times New Roman"/>
+                      </a:endParaRPr>
+                    </a:p>
+                  </a:txBody>
+                  <a:tcPr marL="68580" marR="68580" marT="0" marB="0" anchor="b"/>
+                </a:tc>
+                <a:tc>
+                  <a:txBody>
+                    <a:bodyPr/>
+                    <a:lstStyle/>
+                    <a:p>
+                      <a:pPr marL="0" marR="0" algn="ctr">
+                        <a:lnSpc>
+                          <a:spcPct val="115000"/>
+                        </a:lnSpc>
+                        <a:spcBef>
+                          <a:spcPts val="0"/>
+                        </a:spcBef>
+                        <a:spcAft>
+                          <a:spcPts val="0"/>
+                        </a:spcAft>
+                      </a:pPr>
+                      <a:r>
+                        <a:rPr lang="en-US" sz="2400" dirty="0">
+                          <a:effectLst/>
+                        </a:rPr>
+                        <a:t>Order review</a:t>
+                      </a:r>
+                      <a:endParaRPr lang="en-US" sz="3600" dirty="0">
+                        <a:effectLst/>
+                        <a:latin typeface="Calibri"/>
+                        <a:ea typeface="Calibri"/>
+                        <a:cs typeface="Times New Roman"/>
+                      </a:endParaRPr>
+                    </a:p>
+                  </a:txBody>
+                  <a:tcPr marL="68580" marR="68580" marT="0" marB="0" anchor="b"/>
+                </a:tc>
+                <a:tc>
+                  <a:txBody>
+                    <a:bodyPr/>
+                    <a:lstStyle/>
+                    <a:p>
+                      <a:pPr marL="0" marR="0" algn="ctr">
+                        <a:lnSpc>
+                          <a:spcPct val="115000"/>
+                        </a:lnSpc>
+                        <a:spcBef>
+                          <a:spcPts val="0"/>
+                        </a:spcBef>
+                        <a:spcAft>
+                          <a:spcPts val="0"/>
+                        </a:spcAft>
+                      </a:pPr>
+                      <a:r>
+                        <a:rPr lang="en-US" sz="2400" dirty="0">
+                          <a:effectLst/>
+                        </a:rPr>
+                        <a:t>In</a:t>
+                      </a:r>
+                      <a:endParaRPr lang="en-US" sz="3600" dirty="0">
+                        <a:effectLst/>
+                        <a:latin typeface="Calibri"/>
+                        <a:ea typeface="Calibri"/>
+                        <a:cs typeface="Times New Roman"/>
+                      </a:endParaRPr>
+                    </a:p>
+                  </a:txBody>
+                  <a:tcPr marL="68580" marR="68580" marT="0" marB="0" anchor="b"/>
+                </a:tc>
+                <a:tc>
+                  <a:txBody>
+                    <a:bodyPr/>
+                    <a:lstStyle/>
+                    <a:p>
+                      <a:pPr marL="0" marR="0" algn="ctr">
+                        <a:lnSpc>
+                          <a:spcPct val="115000"/>
+                        </a:lnSpc>
+                        <a:spcBef>
+                          <a:spcPts val="0"/>
+                        </a:spcBef>
+                        <a:spcAft>
+                          <a:spcPts val="0"/>
+                        </a:spcAft>
+                      </a:pPr>
+                      <a:r>
+                        <a:rPr lang="en-US" sz="2400" dirty="0" smtClean="0">
+                          <a:effectLst/>
+                        </a:rPr>
+                        <a:t>Waiter/customer</a:t>
+                      </a:r>
+                      <a:endParaRPr lang="en-US" sz="3600" dirty="0">
+                        <a:effectLst/>
+                        <a:latin typeface="Calibri"/>
+                        <a:ea typeface="Calibri"/>
+                        <a:cs typeface="Times New Roman"/>
+                      </a:endParaRPr>
+                    </a:p>
+                  </a:txBody>
+                  <a:tcPr marL="68580" marR="68580" marT="0" marB="0" anchor="b"/>
+                </a:tc>
+                <a:tc>
+                  <a:txBody>
+                    <a:bodyPr/>
+                    <a:lstStyle/>
+                    <a:p>
+                      <a:pPr marL="0" marR="0" algn="ctr">
+                        <a:lnSpc>
+                          <a:spcPct val="115000"/>
+                        </a:lnSpc>
+                        <a:spcBef>
+                          <a:spcPts val="0"/>
+                        </a:spcBef>
+                        <a:spcAft>
+                          <a:spcPts val="0"/>
+                        </a:spcAft>
+                      </a:pPr>
+                      <a:r>
+                        <a:rPr lang="en-US" sz="2400">
+                          <a:effectLst/>
+                        </a:rPr>
+                        <a:t>Low</a:t>
+                      </a:r>
+                      <a:endParaRPr lang="en-US" sz="3600">
+                        <a:effectLst/>
+                        <a:latin typeface="Calibri"/>
+                        <a:ea typeface="Calibri"/>
+                        <a:cs typeface="Times New Roman"/>
+                      </a:endParaRPr>
+                    </a:p>
+                  </a:txBody>
+                  <a:tcPr marL="68580" marR="68580" marT="0" marB="0" anchor="b"/>
+                </a:tc>
+                <a:tc>
+                  <a:txBody>
+                    <a:bodyPr/>
+                    <a:lstStyle/>
+                    <a:p>
+                      <a:pPr marL="0" marR="0" algn="ctr">
+                        <a:lnSpc>
+                          <a:spcPct val="115000"/>
+                        </a:lnSpc>
+                        <a:spcBef>
+                          <a:spcPts val="0"/>
+                        </a:spcBef>
+                        <a:spcAft>
+                          <a:spcPts val="0"/>
+                        </a:spcAft>
+                      </a:pPr>
+                      <a:r>
+                        <a:rPr lang="en-US" sz="2400">
+                          <a:effectLst/>
+                        </a:rPr>
+                        <a:t>1</a:t>
+                      </a:r>
+                      <a:endParaRPr lang="en-US" sz="3600">
+                        <a:effectLst/>
+                        <a:latin typeface="Calibri"/>
+                        <a:ea typeface="Calibri"/>
+                        <a:cs typeface="Times New Roman"/>
+                      </a:endParaRPr>
+                    </a:p>
+                  </a:txBody>
+                  <a:tcPr marL="68580" marR="68580" marT="0" marB="0" anchor="b"/>
+                </a:tc>
+              </a:tr>
+              <a:tr h="547804">
+                <a:tc>
+                  <a:txBody>
+                    <a:bodyPr/>
+                    <a:lstStyle/>
+                    <a:p>
+                      <a:pPr marL="0" marR="0" algn="ctr">
+                        <a:lnSpc>
+                          <a:spcPct val="115000"/>
+                        </a:lnSpc>
+                        <a:spcBef>
+                          <a:spcPts val="0"/>
+                        </a:spcBef>
+                        <a:spcAft>
+                          <a:spcPts val="0"/>
+                        </a:spcAft>
+                      </a:pPr>
+                      <a:r>
+                        <a:rPr lang="en-US" sz="2400">
+                          <a:effectLst/>
+                        </a:rPr>
+                        <a:t>5</a:t>
+                      </a:r>
+                      <a:endParaRPr lang="en-US" sz="3600">
+                        <a:effectLst/>
+                        <a:latin typeface="Calibri"/>
+                        <a:ea typeface="Calibri"/>
+                        <a:cs typeface="Times New Roman"/>
+                      </a:endParaRPr>
+                    </a:p>
+                  </a:txBody>
+                  <a:tcPr marL="68580" marR="68580" marT="0" marB="0" anchor="b"/>
+                </a:tc>
+                <a:tc>
+                  <a:txBody>
+                    <a:bodyPr/>
+                    <a:lstStyle/>
+                    <a:p>
+                      <a:pPr marL="0" marR="0" algn="ctr">
+                        <a:lnSpc>
+                          <a:spcPct val="115000"/>
+                        </a:lnSpc>
+                        <a:spcBef>
+                          <a:spcPts val="0"/>
+                        </a:spcBef>
+                        <a:spcAft>
+                          <a:spcPts val="0"/>
+                        </a:spcAft>
+                      </a:pPr>
+                      <a:r>
+                        <a:rPr lang="en-US" sz="2400" dirty="0" smtClean="0">
+                          <a:effectLst/>
+                        </a:rPr>
+                        <a:t>Manage Table</a:t>
+                      </a:r>
+                      <a:endParaRPr lang="en-US" sz="3600" dirty="0">
+                        <a:effectLst/>
+                        <a:latin typeface="Calibri"/>
+                        <a:ea typeface="Calibri"/>
+                        <a:cs typeface="Times New Roman"/>
+                      </a:endParaRPr>
+                    </a:p>
+                  </a:txBody>
+                  <a:tcPr marL="68580" marR="68580" marT="0" marB="0" anchor="b"/>
+                </a:tc>
+                <a:tc>
+                  <a:txBody>
+                    <a:bodyPr/>
+                    <a:lstStyle/>
+                    <a:p>
+                      <a:pPr marL="0" marR="0" algn="ctr">
+                        <a:lnSpc>
+                          <a:spcPct val="115000"/>
+                        </a:lnSpc>
+                        <a:spcBef>
+                          <a:spcPts val="0"/>
+                        </a:spcBef>
+                        <a:spcAft>
+                          <a:spcPts val="0"/>
+                        </a:spcAft>
+                      </a:pPr>
+                      <a:r>
+                        <a:rPr lang="en-US" sz="2400" dirty="0">
+                          <a:effectLst/>
+                        </a:rPr>
+                        <a:t>In</a:t>
+                      </a:r>
+                      <a:endParaRPr lang="en-US" sz="3600" dirty="0">
+                        <a:effectLst/>
+                        <a:latin typeface="Calibri"/>
+                        <a:ea typeface="Calibri"/>
+                        <a:cs typeface="Times New Roman"/>
+                      </a:endParaRPr>
+                    </a:p>
+                  </a:txBody>
+                  <a:tcPr marL="68580" marR="68580" marT="0" marB="0" anchor="b"/>
+                </a:tc>
+                <a:tc>
+                  <a:txBody>
+                    <a:bodyPr/>
+                    <a:lstStyle/>
+                    <a:p>
+                      <a:pPr marL="0" marR="0" algn="ctr">
+                        <a:lnSpc>
+                          <a:spcPct val="115000"/>
+                        </a:lnSpc>
+                        <a:spcBef>
+                          <a:spcPts val="0"/>
+                        </a:spcBef>
+                        <a:spcAft>
+                          <a:spcPts val="0"/>
+                        </a:spcAft>
+                      </a:pPr>
+                      <a:r>
+                        <a:rPr lang="en-US" sz="2400" dirty="0">
+                          <a:effectLst/>
+                        </a:rPr>
+                        <a:t>Waiter</a:t>
+                      </a:r>
+                      <a:endParaRPr lang="en-US" sz="3600" dirty="0">
+                        <a:effectLst/>
+                        <a:latin typeface="Calibri"/>
+                        <a:ea typeface="Calibri"/>
+                        <a:cs typeface="Times New Roman"/>
+                      </a:endParaRPr>
+                    </a:p>
+                  </a:txBody>
+                  <a:tcPr marL="68580" marR="68580" marT="0" marB="0" anchor="b"/>
+                </a:tc>
+                <a:tc>
+                  <a:txBody>
+                    <a:bodyPr/>
+                    <a:lstStyle/>
+                    <a:p>
+                      <a:pPr marL="0" marR="0" algn="ctr">
+                        <a:lnSpc>
+                          <a:spcPct val="115000"/>
+                        </a:lnSpc>
+                        <a:spcBef>
+                          <a:spcPts val="0"/>
+                        </a:spcBef>
+                        <a:spcAft>
+                          <a:spcPts val="0"/>
+                        </a:spcAft>
+                      </a:pPr>
+                      <a:r>
+                        <a:rPr lang="en-US" sz="2400">
+                          <a:effectLst/>
+                        </a:rPr>
+                        <a:t>High</a:t>
+                      </a:r>
+                      <a:endParaRPr lang="en-US" sz="3600">
+                        <a:effectLst/>
+                        <a:latin typeface="Calibri"/>
+                        <a:ea typeface="Calibri"/>
+                        <a:cs typeface="Times New Roman"/>
+                      </a:endParaRPr>
+                    </a:p>
+                  </a:txBody>
+                  <a:tcPr marL="68580" marR="68580" marT="0" marB="0" anchor="b"/>
+                </a:tc>
+                <a:tc>
+                  <a:txBody>
+                    <a:bodyPr/>
+                    <a:lstStyle/>
+                    <a:p>
+                      <a:pPr marL="0" marR="0" algn="ctr">
+                        <a:lnSpc>
+                          <a:spcPct val="115000"/>
+                        </a:lnSpc>
+                        <a:spcBef>
+                          <a:spcPts val="0"/>
+                        </a:spcBef>
+                        <a:spcAft>
+                          <a:spcPts val="0"/>
+                        </a:spcAft>
+                      </a:pPr>
+                      <a:r>
+                        <a:rPr lang="en-US" sz="2400">
+                          <a:effectLst/>
+                        </a:rPr>
+                        <a:t>2</a:t>
+                      </a:r>
+                      <a:endParaRPr lang="en-US" sz="3600">
+                        <a:effectLst/>
+                        <a:latin typeface="Calibri"/>
+                        <a:ea typeface="Calibri"/>
+                        <a:cs typeface="Times New Roman"/>
+                      </a:endParaRPr>
+                    </a:p>
+                  </a:txBody>
+                  <a:tcPr marL="68580" marR="68580" marT="0" marB="0" anchor="b"/>
+                </a:tc>
+              </a:tr>
+              <a:tr h="547804">
+                <a:tc>
+                  <a:txBody>
+                    <a:bodyPr/>
+                    <a:lstStyle/>
+                    <a:p>
+                      <a:pPr marL="0" marR="0" algn="ctr">
+                        <a:lnSpc>
+                          <a:spcPct val="115000"/>
+                        </a:lnSpc>
+                        <a:spcBef>
+                          <a:spcPts val="0"/>
+                        </a:spcBef>
+                        <a:spcAft>
+                          <a:spcPts val="0"/>
+                        </a:spcAft>
+                      </a:pPr>
+                      <a:r>
+                        <a:rPr lang="en-US" sz="2400">
+                          <a:effectLst/>
+                        </a:rPr>
+                        <a:t>6</a:t>
+                      </a:r>
+                      <a:endParaRPr lang="en-US" sz="3600">
+                        <a:effectLst/>
+                        <a:latin typeface="Calibri"/>
+                        <a:ea typeface="Calibri"/>
+                        <a:cs typeface="Times New Roman"/>
+                      </a:endParaRPr>
+                    </a:p>
+                  </a:txBody>
+                  <a:tcPr marL="68580" marR="68580" marT="0" marB="0" anchor="b"/>
+                </a:tc>
+                <a:tc>
+                  <a:txBody>
+                    <a:bodyPr/>
+                    <a:lstStyle/>
+                    <a:p>
+                      <a:pPr marL="0" marR="0" algn="ctr">
+                        <a:lnSpc>
+                          <a:spcPct val="115000"/>
+                        </a:lnSpc>
+                        <a:spcBef>
+                          <a:spcPts val="0"/>
+                        </a:spcBef>
+                        <a:spcAft>
+                          <a:spcPts val="0"/>
+                        </a:spcAft>
+                      </a:pPr>
+                      <a:r>
+                        <a:rPr lang="en-US" sz="2400">
+                          <a:effectLst/>
+                        </a:rPr>
+                        <a:t>Order check off</a:t>
+                      </a:r>
+                      <a:endParaRPr lang="en-US" sz="3600">
+                        <a:effectLst/>
+                        <a:latin typeface="Calibri"/>
+                        <a:ea typeface="Calibri"/>
+                        <a:cs typeface="Times New Roman"/>
+                      </a:endParaRPr>
+                    </a:p>
+                  </a:txBody>
+                  <a:tcPr marL="68580" marR="68580" marT="0" marB="0" anchor="b"/>
+                </a:tc>
+                <a:tc>
+                  <a:txBody>
+                    <a:bodyPr/>
+                    <a:lstStyle/>
+                    <a:p>
+                      <a:pPr marL="0" marR="0" algn="ctr">
+                        <a:lnSpc>
+                          <a:spcPct val="115000"/>
+                        </a:lnSpc>
+                        <a:spcBef>
+                          <a:spcPts val="0"/>
+                        </a:spcBef>
+                        <a:spcAft>
+                          <a:spcPts val="0"/>
+                        </a:spcAft>
+                      </a:pPr>
+                      <a:r>
+                        <a:rPr lang="en-US" sz="2400" dirty="0">
+                          <a:effectLst/>
+                        </a:rPr>
+                        <a:t>In</a:t>
+                      </a:r>
+                      <a:endParaRPr lang="en-US" sz="3600" dirty="0">
+                        <a:effectLst/>
+                        <a:latin typeface="Calibri"/>
+                        <a:ea typeface="Calibri"/>
+                        <a:cs typeface="Times New Roman"/>
+                      </a:endParaRPr>
+                    </a:p>
+                  </a:txBody>
+                  <a:tcPr marL="68580" marR="68580" marT="0" marB="0" anchor="b"/>
+                </a:tc>
+                <a:tc>
+                  <a:txBody>
+                    <a:bodyPr/>
+                    <a:lstStyle/>
+                    <a:p>
+                      <a:pPr marL="0" marR="0" algn="ctr">
+                        <a:lnSpc>
+                          <a:spcPct val="115000"/>
+                        </a:lnSpc>
+                        <a:spcBef>
+                          <a:spcPts val="0"/>
+                        </a:spcBef>
+                        <a:spcAft>
+                          <a:spcPts val="0"/>
+                        </a:spcAft>
+                      </a:pPr>
+                      <a:r>
+                        <a:rPr lang="en-US" sz="2400" dirty="0">
+                          <a:effectLst/>
+                        </a:rPr>
+                        <a:t>Kitchen staff</a:t>
+                      </a:r>
+                      <a:endParaRPr lang="en-US" sz="3600" dirty="0">
+                        <a:effectLst/>
+                        <a:latin typeface="Calibri"/>
+                        <a:ea typeface="Calibri"/>
+                        <a:cs typeface="Times New Roman"/>
+                      </a:endParaRPr>
+                    </a:p>
+                  </a:txBody>
+                  <a:tcPr marL="68580" marR="68580" marT="0" marB="0" anchor="b"/>
+                </a:tc>
+                <a:tc>
+                  <a:txBody>
+                    <a:bodyPr/>
+                    <a:lstStyle/>
+                    <a:p>
+                      <a:pPr marL="0" marR="0" algn="ctr">
+                        <a:lnSpc>
+                          <a:spcPct val="115000"/>
+                        </a:lnSpc>
+                        <a:spcBef>
+                          <a:spcPts val="0"/>
+                        </a:spcBef>
+                        <a:spcAft>
+                          <a:spcPts val="0"/>
+                        </a:spcAft>
+                      </a:pPr>
+                      <a:r>
+                        <a:rPr lang="en-US" sz="2400" dirty="0" smtClean="0">
+                          <a:effectLst/>
+                        </a:rPr>
+                        <a:t>Med</a:t>
+                      </a:r>
+                      <a:endParaRPr lang="en-US" sz="3600" dirty="0">
+                        <a:effectLst/>
+                        <a:latin typeface="Calibri"/>
+                        <a:ea typeface="Calibri"/>
+                        <a:cs typeface="Times New Roman"/>
+                      </a:endParaRPr>
+                    </a:p>
+                  </a:txBody>
+                  <a:tcPr marL="68580" marR="68580" marT="0" marB="0" anchor="b"/>
+                </a:tc>
+                <a:tc>
+                  <a:txBody>
+                    <a:bodyPr/>
+                    <a:lstStyle/>
+                    <a:p>
+                      <a:pPr marL="0" marR="0" algn="ctr">
+                        <a:lnSpc>
+                          <a:spcPct val="115000"/>
+                        </a:lnSpc>
+                        <a:spcBef>
+                          <a:spcPts val="0"/>
+                        </a:spcBef>
+                        <a:spcAft>
+                          <a:spcPts val="0"/>
+                        </a:spcAft>
+                      </a:pPr>
+                      <a:r>
+                        <a:rPr lang="en-US" sz="2400">
+                          <a:effectLst/>
+                        </a:rPr>
+                        <a:t>1</a:t>
+                      </a:r>
+                      <a:endParaRPr lang="en-US" sz="3600">
+                        <a:effectLst/>
+                        <a:latin typeface="Calibri"/>
+                        <a:ea typeface="Calibri"/>
+                        <a:cs typeface="Times New Roman"/>
+                      </a:endParaRPr>
+                    </a:p>
+                  </a:txBody>
+                  <a:tcPr marL="68580" marR="68580" marT="0" marB="0" anchor="b"/>
+                </a:tc>
+              </a:tr>
+              <a:tr h="547804">
+                <a:tc>
+                  <a:txBody>
+                    <a:bodyPr/>
+                    <a:lstStyle/>
+                    <a:p>
+                      <a:pPr marL="0" marR="0" algn="ctr">
+                        <a:lnSpc>
+                          <a:spcPct val="115000"/>
+                        </a:lnSpc>
+                        <a:spcBef>
+                          <a:spcPts val="0"/>
+                        </a:spcBef>
+                        <a:spcAft>
+                          <a:spcPts val="0"/>
+                        </a:spcAft>
+                      </a:pPr>
+                      <a:r>
+                        <a:rPr lang="en-US" sz="2400">
+                          <a:effectLst/>
+                        </a:rPr>
+                        <a:t>7</a:t>
+                      </a:r>
+                      <a:endParaRPr lang="en-US" sz="3600">
+                        <a:effectLst/>
+                        <a:latin typeface="Calibri"/>
+                        <a:ea typeface="Calibri"/>
+                        <a:cs typeface="Times New Roman"/>
+                      </a:endParaRPr>
+                    </a:p>
+                  </a:txBody>
+                  <a:tcPr marL="68580" marR="68580" marT="0" marB="0" anchor="b"/>
+                </a:tc>
+                <a:tc>
+                  <a:txBody>
+                    <a:bodyPr/>
+                    <a:lstStyle/>
+                    <a:p>
+                      <a:pPr marL="0" marR="0" algn="ctr">
+                        <a:lnSpc>
+                          <a:spcPct val="115000"/>
+                        </a:lnSpc>
+                        <a:spcBef>
+                          <a:spcPts val="0"/>
+                        </a:spcBef>
+                        <a:spcAft>
+                          <a:spcPts val="0"/>
+                        </a:spcAft>
+                      </a:pPr>
+                      <a:r>
+                        <a:rPr lang="en-US" sz="2400">
+                          <a:effectLst/>
+                        </a:rPr>
+                        <a:t>Reservation</a:t>
+                      </a:r>
+                      <a:endParaRPr lang="en-US" sz="3600">
+                        <a:effectLst/>
+                        <a:latin typeface="Calibri"/>
+                        <a:ea typeface="Calibri"/>
+                        <a:cs typeface="Times New Roman"/>
+                      </a:endParaRPr>
+                    </a:p>
+                  </a:txBody>
+                  <a:tcPr marL="68580" marR="68580" marT="0" marB="0" anchor="b"/>
+                </a:tc>
+                <a:tc>
+                  <a:txBody>
+                    <a:bodyPr/>
+                    <a:lstStyle/>
+                    <a:p>
+                      <a:pPr marL="0" marR="0" algn="ctr">
+                        <a:lnSpc>
+                          <a:spcPct val="115000"/>
+                        </a:lnSpc>
+                        <a:spcBef>
+                          <a:spcPts val="0"/>
+                        </a:spcBef>
+                        <a:spcAft>
+                          <a:spcPts val="0"/>
+                        </a:spcAft>
+                      </a:pPr>
+                      <a:r>
+                        <a:rPr lang="en-US" sz="2400">
+                          <a:effectLst/>
+                        </a:rPr>
+                        <a:t>In</a:t>
+                      </a:r>
+                      <a:endParaRPr lang="en-US" sz="3600">
+                        <a:effectLst/>
+                        <a:latin typeface="Calibri"/>
+                        <a:ea typeface="Calibri"/>
+                        <a:cs typeface="Times New Roman"/>
+                      </a:endParaRPr>
+                    </a:p>
+                  </a:txBody>
+                  <a:tcPr marL="68580" marR="68580" marT="0" marB="0" anchor="b"/>
+                </a:tc>
+                <a:tc>
+                  <a:txBody>
+                    <a:bodyPr/>
+                    <a:lstStyle/>
+                    <a:p>
+                      <a:pPr marL="0" marR="0" algn="ctr">
+                        <a:lnSpc>
+                          <a:spcPct val="115000"/>
+                        </a:lnSpc>
+                        <a:spcBef>
+                          <a:spcPts val="0"/>
+                        </a:spcBef>
+                        <a:spcAft>
+                          <a:spcPts val="0"/>
+                        </a:spcAft>
+                      </a:pPr>
+                      <a:r>
+                        <a:rPr lang="en-US" sz="2400" dirty="0">
+                          <a:effectLst/>
+                        </a:rPr>
+                        <a:t>Customer</a:t>
+                      </a:r>
+                      <a:endParaRPr lang="en-US" sz="3600" dirty="0">
+                        <a:effectLst/>
+                        <a:latin typeface="Calibri"/>
+                        <a:ea typeface="Calibri"/>
+                        <a:cs typeface="Times New Roman"/>
+                      </a:endParaRPr>
+                    </a:p>
+                  </a:txBody>
+                  <a:tcPr marL="68580" marR="68580" marT="0" marB="0" anchor="b"/>
+                </a:tc>
+                <a:tc>
+                  <a:txBody>
+                    <a:bodyPr/>
+                    <a:lstStyle/>
+                    <a:p>
+                      <a:pPr marL="0" marR="0" algn="ctr">
+                        <a:lnSpc>
+                          <a:spcPct val="115000"/>
+                        </a:lnSpc>
+                        <a:spcBef>
+                          <a:spcPts val="0"/>
+                        </a:spcBef>
+                        <a:spcAft>
+                          <a:spcPts val="0"/>
+                        </a:spcAft>
+                      </a:pPr>
+                      <a:r>
+                        <a:rPr lang="en-US" sz="2400" dirty="0" smtClean="0">
+                          <a:effectLst/>
+                        </a:rPr>
+                        <a:t>Med</a:t>
+                      </a:r>
+                      <a:endParaRPr lang="en-US" sz="3600" dirty="0">
+                        <a:effectLst/>
+                        <a:latin typeface="Calibri"/>
+                        <a:ea typeface="Calibri"/>
+                        <a:cs typeface="Times New Roman"/>
+                      </a:endParaRPr>
+                    </a:p>
+                  </a:txBody>
+                  <a:tcPr marL="68580" marR="68580" marT="0" marB="0" anchor="b"/>
+                </a:tc>
+                <a:tc>
+                  <a:txBody>
+                    <a:bodyPr/>
+                    <a:lstStyle/>
+                    <a:p>
+                      <a:pPr marL="0" marR="0" algn="ctr">
+                        <a:lnSpc>
+                          <a:spcPct val="115000"/>
+                        </a:lnSpc>
+                        <a:spcBef>
+                          <a:spcPts val="0"/>
+                        </a:spcBef>
+                        <a:spcAft>
+                          <a:spcPts val="0"/>
+                        </a:spcAft>
+                      </a:pPr>
+                      <a:r>
+                        <a:rPr lang="en-US" sz="2400">
+                          <a:effectLst/>
+                        </a:rPr>
+                        <a:t>2</a:t>
+                      </a:r>
+                      <a:endParaRPr lang="en-US" sz="3600">
+                        <a:effectLst/>
+                        <a:latin typeface="Calibri"/>
+                        <a:ea typeface="Calibri"/>
+                        <a:cs typeface="Times New Roman"/>
+                      </a:endParaRPr>
+                    </a:p>
+                  </a:txBody>
+                  <a:tcPr marL="68580" marR="68580" marT="0" marB="0" anchor="b"/>
+                </a:tc>
+              </a:tr>
+              <a:tr h="547804">
+                <a:tc>
+                  <a:txBody>
+                    <a:bodyPr/>
+                    <a:lstStyle/>
+                    <a:p>
+                      <a:pPr marL="0" marR="0" algn="ctr">
+                        <a:lnSpc>
+                          <a:spcPct val="115000"/>
+                        </a:lnSpc>
+                        <a:spcBef>
+                          <a:spcPts val="0"/>
+                        </a:spcBef>
+                        <a:spcAft>
+                          <a:spcPts val="0"/>
+                        </a:spcAft>
+                      </a:pPr>
+                      <a:r>
+                        <a:rPr lang="en-US" sz="2400">
+                          <a:effectLst/>
+                        </a:rPr>
+                        <a:t>8</a:t>
+                      </a:r>
+                      <a:endParaRPr lang="en-US" sz="3600">
+                        <a:effectLst/>
+                        <a:latin typeface="Calibri"/>
+                        <a:ea typeface="Calibri"/>
+                        <a:cs typeface="Times New Roman"/>
+                      </a:endParaRPr>
+                    </a:p>
+                  </a:txBody>
+                  <a:tcPr marL="68580" marR="68580" marT="0" marB="0" anchor="b"/>
+                </a:tc>
+                <a:tc>
+                  <a:txBody>
+                    <a:bodyPr/>
+                    <a:lstStyle/>
+                    <a:p>
+                      <a:pPr marL="0" marR="0" algn="ctr">
+                        <a:lnSpc>
+                          <a:spcPct val="115000"/>
+                        </a:lnSpc>
+                        <a:spcBef>
+                          <a:spcPts val="0"/>
+                        </a:spcBef>
+                        <a:spcAft>
+                          <a:spcPts val="0"/>
+                        </a:spcAft>
+                      </a:pPr>
+                      <a:r>
+                        <a:rPr lang="en-US" sz="2400">
+                          <a:effectLst/>
+                        </a:rPr>
+                        <a:t>Item's metadata</a:t>
+                      </a:r>
+                      <a:endParaRPr lang="en-US" sz="3600">
+                        <a:effectLst/>
+                        <a:latin typeface="Calibri"/>
+                        <a:ea typeface="Calibri"/>
+                        <a:cs typeface="Times New Roman"/>
+                      </a:endParaRPr>
+                    </a:p>
+                  </a:txBody>
+                  <a:tcPr marL="68580" marR="68580" marT="0" marB="0" anchor="b"/>
+                </a:tc>
+                <a:tc>
+                  <a:txBody>
+                    <a:bodyPr/>
+                    <a:lstStyle/>
+                    <a:p>
+                      <a:pPr marL="0" marR="0" algn="ctr">
+                        <a:lnSpc>
+                          <a:spcPct val="115000"/>
+                        </a:lnSpc>
+                        <a:spcBef>
+                          <a:spcPts val="0"/>
+                        </a:spcBef>
+                        <a:spcAft>
+                          <a:spcPts val="0"/>
+                        </a:spcAft>
+                      </a:pPr>
+                      <a:r>
+                        <a:rPr lang="en-US" sz="2400">
+                          <a:effectLst/>
+                        </a:rPr>
+                        <a:t>In</a:t>
+                      </a:r>
+                      <a:endParaRPr lang="en-US" sz="3600">
+                        <a:effectLst/>
+                        <a:latin typeface="Calibri"/>
+                        <a:ea typeface="Calibri"/>
+                        <a:cs typeface="Times New Roman"/>
+                      </a:endParaRPr>
+                    </a:p>
+                  </a:txBody>
+                  <a:tcPr marL="68580" marR="68580" marT="0" marB="0" anchor="b"/>
+                </a:tc>
+                <a:tc>
+                  <a:txBody>
+                    <a:bodyPr/>
+                    <a:lstStyle/>
+                    <a:p>
+                      <a:pPr marL="0" marR="0" algn="ctr">
+                        <a:lnSpc>
+                          <a:spcPct val="115000"/>
+                        </a:lnSpc>
+                        <a:spcBef>
+                          <a:spcPts val="0"/>
+                        </a:spcBef>
+                        <a:spcAft>
+                          <a:spcPts val="0"/>
+                        </a:spcAft>
+                      </a:pPr>
+                      <a:r>
+                        <a:rPr lang="en-US" sz="2400" dirty="0">
+                          <a:effectLst/>
+                        </a:rPr>
+                        <a:t>Anyone</a:t>
+                      </a:r>
+                      <a:endParaRPr lang="en-US" sz="3600" dirty="0">
+                        <a:effectLst/>
+                        <a:latin typeface="Calibri"/>
+                        <a:ea typeface="Calibri"/>
+                        <a:cs typeface="Times New Roman"/>
+                      </a:endParaRPr>
+                    </a:p>
+                  </a:txBody>
+                  <a:tcPr marL="68580" marR="68580" marT="0" marB="0" anchor="b"/>
+                </a:tc>
+                <a:tc>
+                  <a:txBody>
+                    <a:bodyPr/>
+                    <a:lstStyle/>
+                    <a:p>
+                      <a:pPr marL="0" marR="0" algn="ctr">
+                        <a:lnSpc>
+                          <a:spcPct val="115000"/>
+                        </a:lnSpc>
+                        <a:spcBef>
+                          <a:spcPts val="0"/>
+                        </a:spcBef>
+                        <a:spcAft>
+                          <a:spcPts val="0"/>
+                        </a:spcAft>
+                      </a:pPr>
+                      <a:r>
+                        <a:rPr lang="en-US" sz="2400" dirty="0" smtClean="0">
+                          <a:effectLst/>
+                        </a:rPr>
+                        <a:t>Med</a:t>
+                      </a:r>
+                      <a:endParaRPr lang="en-US" sz="3600" dirty="0">
+                        <a:effectLst/>
+                        <a:latin typeface="Calibri"/>
+                        <a:ea typeface="Calibri"/>
+                        <a:cs typeface="Times New Roman"/>
+                      </a:endParaRPr>
+                    </a:p>
+                  </a:txBody>
+                  <a:tcPr marL="68580" marR="68580" marT="0" marB="0" anchor="b"/>
+                </a:tc>
+                <a:tc>
+                  <a:txBody>
+                    <a:bodyPr/>
+                    <a:lstStyle/>
+                    <a:p>
+                      <a:pPr marL="0" marR="0" algn="ctr">
+                        <a:lnSpc>
+                          <a:spcPct val="115000"/>
+                        </a:lnSpc>
+                        <a:spcBef>
+                          <a:spcPts val="0"/>
+                        </a:spcBef>
+                        <a:spcAft>
+                          <a:spcPts val="0"/>
+                        </a:spcAft>
+                      </a:pPr>
+                      <a:r>
+                        <a:rPr lang="en-US" sz="2400">
+                          <a:effectLst/>
+                        </a:rPr>
+                        <a:t>2</a:t>
+                      </a:r>
+                      <a:endParaRPr lang="en-US" sz="3600">
+                        <a:effectLst/>
+                        <a:latin typeface="Calibri"/>
+                        <a:ea typeface="Calibri"/>
+                        <a:cs typeface="Times New Roman"/>
+                      </a:endParaRPr>
+                    </a:p>
+                  </a:txBody>
+                  <a:tcPr marL="68580" marR="68580" marT="0" marB="0" anchor="b"/>
+                </a:tc>
+              </a:tr>
+              <a:tr h="547804">
+                <a:tc>
+                  <a:txBody>
+                    <a:bodyPr/>
+                    <a:lstStyle/>
+                    <a:p>
+                      <a:pPr marL="0" marR="0" algn="ctr">
+                        <a:lnSpc>
+                          <a:spcPct val="115000"/>
+                        </a:lnSpc>
+                        <a:spcBef>
+                          <a:spcPts val="0"/>
+                        </a:spcBef>
+                        <a:spcAft>
+                          <a:spcPts val="0"/>
+                        </a:spcAft>
+                      </a:pPr>
+                      <a:r>
+                        <a:rPr lang="en-US" sz="2400">
+                          <a:effectLst/>
+                        </a:rPr>
+                        <a:t>9</a:t>
+                      </a:r>
+                      <a:endParaRPr lang="en-US" sz="3600">
+                        <a:effectLst/>
+                        <a:latin typeface="Calibri"/>
+                        <a:ea typeface="Calibri"/>
+                        <a:cs typeface="Times New Roman"/>
+                      </a:endParaRPr>
+                    </a:p>
+                  </a:txBody>
+                  <a:tcPr marL="68580" marR="68580" marT="0" marB="0" anchor="b"/>
+                </a:tc>
+                <a:tc>
+                  <a:txBody>
+                    <a:bodyPr/>
+                    <a:lstStyle/>
+                    <a:p>
+                      <a:pPr marL="0" marR="0" algn="ctr">
+                        <a:lnSpc>
+                          <a:spcPct val="115000"/>
+                        </a:lnSpc>
+                        <a:spcBef>
+                          <a:spcPts val="0"/>
+                        </a:spcBef>
+                        <a:spcAft>
+                          <a:spcPts val="0"/>
+                        </a:spcAft>
+                      </a:pPr>
+                      <a:r>
+                        <a:rPr lang="en-US" sz="2400">
+                          <a:effectLst/>
+                        </a:rPr>
+                        <a:t>Inventory</a:t>
+                      </a:r>
+                      <a:endParaRPr lang="en-US" sz="3600">
+                        <a:effectLst/>
+                        <a:latin typeface="Calibri"/>
+                        <a:ea typeface="Calibri"/>
+                        <a:cs typeface="Times New Roman"/>
+                      </a:endParaRPr>
+                    </a:p>
+                  </a:txBody>
+                  <a:tcPr marL="68580" marR="68580" marT="0" marB="0" anchor="b"/>
+                </a:tc>
+                <a:tc>
+                  <a:txBody>
+                    <a:bodyPr/>
+                    <a:lstStyle/>
+                    <a:p>
+                      <a:pPr marL="0" marR="0" algn="ctr">
+                        <a:lnSpc>
+                          <a:spcPct val="115000"/>
+                        </a:lnSpc>
+                        <a:spcBef>
+                          <a:spcPts val="0"/>
+                        </a:spcBef>
+                        <a:spcAft>
+                          <a:spcPts val="0"/>
+                        </a:spcAft>
+                      </a:pPr>
+                      <a:r>
+                        <a:rPr lang="en-US" sz="2400">
+                          <a:effectLst/>
+                        </a:rPr>
+                        <a:t>In</a:t>
+                      </a:r>
+                      <a:endParaRPr lang="en-US" sz="3600">
+                        <a:effectLst/>
+                        <a:latin typeface="Calibri"/>
+                        <a:ea typeface="Calibri"/>
+                        <a:cs typeface="Times New Roman"/>
+                      </a:endParaRPr>
+                    </a:p>
+                  </a:txBody>
+                  <a:tcPr marL="68580" marR="68580" marT="0" marB="0" anchor="b"/>
+                </a:tc>
+                <a:tc>
+                  <a:txBody>
+                    <a:bodyPr/>
+                    <a:lstStyle/>
+                    <a:p>
+                      <a:pPr marL="0" marR="0" algn="ctr">
+                        <a:lnSpc>
+                          <a:spcPct val="115000"/>
+                        </a:lnSpc>
+                        <a:spcBef>
+                          <a:spcPts val="0"/>
+                        </a:spcBef>
+                        <a:spcAft>
+                          <a:spcPts val="0"/>
+                        </a:spcAft>
+                      </a:pPr>
+                      <a:r>
+                        <a:rPr lang="en-US" sz="2400">
+                          <a:effectLst/>
+                        </a:rPr>
+                        <a:t>Manager</a:t>
+                      </a:r>
+                      <a:endParaRPr lang="en-US" sz="3600">
+                        <a:effectLst/>
+                        <a:latin typeface="Calibri"/>
+                        <a:ea typeface="Calibri"/>
+                        <a:cs typeface="Times New Roman"/>
+                      </a:endParaRPr>
+                    </a:p>
+                  </a:txBody>
+                  <a:tcPr marL="68580" marR="68580" marT="0" marB="0" anchor="b"/>
+                </a:tc>
+                <a:tc>
+                  <a:txBody>
+                    <a:bodyPr/>
+                    <a:lstStyle/>
+                    <a:p>
+                      <a:pPr marL="0" marR="0" algn="ctr">
+                        <a:lnSpc>
+                          <a:spcPct val="115000"/>
+                        </a:lnSpc>
+                        <a:spcBef>
+                          <a:spcPts val="0"/>
+                        </a:spcBef>
+                        <a:spcAft>
+                          <a:spcPts val="0"/>
+                        </a:spcAft>
+                      </a:pPr>
+                      <a:r>
+                        <a:rPr lang="en-US" sz="2400" dirty="0">
+                          <a:effectLst/>
+                        </a:rPr>
+                        <a:t>Low</a:t>
+                      </a:r>
+                      <a:endParaRPr lang="en-US" sz="3600" dirty="0">
+                        <a:effectLst/>
+                        <a:latin typeface="Calibri"/>
+                        <a:ea typeface="Calibri"/>
+                        <a:cs typeface="Times New Roman"/>
+                      </a:endParaRPr>
+                    </a:p>
+                  </a:txBody>
+                  <a:tcPr marL="68580" marR="68580" marT="0" marB="0" anchor="b"/>
+                </a:tc>
+                <a:tc>
+                  <a:txBody>
+                    <a:bodyPr/>
+                    <a:lstStyle/>
+                    <a:p>
+                      <a:pPr marL="0" marR="0" algn="ctr">
+                        <a:lnSpc>
+                          <a:spcPct val="115000"/>
+                        </a:lnSpc>
+                        <a:spcBef>
+                          <a:spcPts val="0"/>
+                        </a:spcBef>
+                        <a:spcAft>
+                          <a:spcPts val="0"/>
+                        </a:spcAft>
+                      </a:pPr>
+                      <a:r>
+                        <a:rPr lang="en-US" sz="2400" dirty="0">
+                          <a:effectLst/>
+                        </a:rPr>
+                        <a:t>1</a:t>
+                      </a:r>
+                      <a:endParaRPr lang="en-US" sz="3600" dirty="0">
+                        <a:effectLst/>
+                        <a:latin typeface="Calibri"/>
+                        <a:ea typeface="Calibri"/>
+                        <a:cs typeface="Times New Roman"/>
+                      </a:endParaRPr>
+                    </a:p>
+                  </a:txBody>
+                  <a:tcPr marL="68580" marR="68580" marT="0" marB="0" anchor="b"/>
+                </a:tc>
+              </a:tr>
+              <a:tr h="547804">
+                <a:tc>
+                  <a:txBody>
+                    <a:bodyPr/>
+                    <a:lstStyle/>
+                    <a:p>
+                      <a:pPr marL="0" marR="0" algn="ctr">
+                        <a:lnSpc>
+                          <a:spcPct val="115000"/>
+                        </a:lnSpc>
+                        <a:spcBef>
+                          <a:spcPts val="0"/>
+                        </a:spcBef>
+                        <a:spcAft>
+                          <a:spcPts val="0"/>
+                        </a:spcAft>
+                      </a:pPr>
+                      <a:r>
+                        <a:rPr lang="en-US" sz="2400">
+                          <a:effectLst/>
+                        </a:rPr>
+                        <a:t>10</a:t>
+                      </a:r>
+                      <a:endParaRPr lang="en-US" sz="3600">
+                        <a:effectLst/>
+                        <a:latin typeface="Calibri"/>
+                        <a:ea typeface="Calibri"/>
+                        <a:cs typeface="Times New Roman"/>
+                      </a:endParaRPr>
+                    </a:p>
+                  </a:txBody>
+                  <a:tcPr marL="68580" marR="68580" marT="0" marB="0" anchor="b"/>
+                </a:tc>
+                <a:tc>
+                  <a:txBody>
+                    <a:bodyPr/>
+                    <a:lstStyle/>
+                    <a:p>
+                      <a:pPr marL="0" marR="0" algn="ctr">
+                        <a:lnSpc>
+                          <a:spcPct val="115000"/>
+                        </a:lnSpc>
+                        <a:spcBef>
+                          <a:spcPts val="0"/>
+                        </a:spcBef>
+                        <a:spcAft>
+                          <a:spcPts val="0"/>
+                        </a:spcAft>
+                      </a:pPr>
+                      <a:r>
+                        <a:rPr lang="en-US" sz="2400" dirty="0" smtClean="0">
+                          <a:effectLst/>
+                        </a:rPr>
+                        <a:t>Complaint</a:t>
+                      </a:r>
+                      <a:endParaRPr lang="en-US" sz="3600" dirty="0">
+                        <a:effectLst/>
+                        <a:latin typeface="Calibri"/>
+                        <a:ea typeface="Calibri"/>
+                        <a:cs typeface="Times New Roman"/>
+                      </a:endParaRPr>
+                    </a:p>
+                  </a:txBody>
+                  <a:tcPr marL="68580" marR="68580" marT="0" marB="0" anchor="b"/>
+                </a:tc>
+                <a:tc>
+                  <a:txBody>
+                    <a:bodyPr/>
+                    <a:lstStyle/>
+                    <a:p>
+                      <a:pPr marL="0" marR="0" algn="ctr">
+                        <a:lnSpc>
+                          <a:spcPct val="115000"/>
+                        </a:lnSpc>
+                        <a:spcBef>
+                          <a:spcPts val="0"/>
+                        </a:spcBef>
+                        <a:spcAft>
+                          <a:spcPts val="0"/>
+                        </a:spcAft>
+                      </a:pPr>
+                      <a:r>
+                        <a:rPr lang="en-US" sz="2400">
+                          <a:effectLst/>
+                        </a:rPr>
+                        <a:t>In</a:t>
+                      </a:r>
+                      <a:endParaRPr lang="en-US" sz="3600">
+                        <a:effectLst/>
+                        <a:latin typeface="Calibri"/>
+                        <a:ea typeface="Calibri"/>
+                        <a:cs typeface="Times New Roman"/>
+                      </a:endParaRPr>
+                    </a:p>
+                  </a:txBody>
+                  <a:tcPr marL="68580" marR="68580" marT="0" marB="0" anchor="b"/>
+                </a:tc>
+                <a:tc>
+                  <a:txBody>
+                    <a:bodyPr/>
+                    <a:lstStyle/>
+                    <a:p>
+                      <a:pPr marL="0" marR="0" algn="ctr">
+                        <a:lnSpc>
+                          <a:spcPct val="115000"/>
+                        </a:lnSpc>
+                        <a:spcBef>
+                          <a:spcPts val="0"/>
+                        </a:spcBef>
+                        <a:spcAft>
+                          <a:spcPts val="0"/>
+                        </a:spcAft>
+                      </a:pPr>
+                      <a:r>
+                        <a:rPr lang="en-US" sz="2400" dirty="0" smtClean="0">
+                          <a:effectLst/>
+                        </a:rPr>
+                        <a:t>Manager/waiter</a:t>
+                      </a:r>
+                      <a:endParaRPr lang="en-US" sz="3600" dirty="0">
+                        <a:effectLst/>
+                        <a:latin typeface="Calibri"/>
+                        <a:ea typeface="Calibri"/>
+                        <a:cs typeface="Times New Roman"/>
+                      </a:endParaRPr>
+                    </a:p>
+                  </a:txBody>
+                  <a:tcPr marL="68580" marR="68580" marT="0" marB="0" anchor="b"/>
+                </a:tc>
+                <a:tc>
+                  <a:txBody>
+                    <a:bodyPr/>
+                    <a:lstStyle/>
+                    <a:p>
+                      <a:pPr marL="0" marR="0" algn="ctr">
+                        <a:lnSpc>
+                          <a:spcPct val="115000"/>
+                        </a:lnSpc>
+                        <a:spcBef>
+                          <a:spcPts val="0"/>
+                        </a:spcBef>
+                        <a:spcAft>
+                          <a:spcPts val="0"/>
+                        </a:spcAft>
+                      </a:pPr>
+                      <a:r>
+                        <a:rPr lang="en-US" sz="2400" dirty="0" smtClean="0">
+                          <a:effectLst/>
+                        </a:rPr>
+                        <a:t>Med</a:t>
+                      </a:r>
+                      <a:endParaRPr lang="en-US" sz="3600" dirty="0">
+                        <a:effectLst/>
+                        <a:latin typeface="Calibri"/>
+                        <a:ea typeface="Calibri"/>
+                        <a:cs typeface="Times New Roman"/>
+                      </a:endParaRPr>
+                    </a:p>
+                  </a:txBody>
+                  <a:tcPr marL="68580" marR="68580" marT="0" marB="0" anchor="b"/>
+                </a:tc>
+                <a:tc>
+                  <a:txBody>
+                    <a:bodyPr/>
+                    <a:lstStyle/>
+                    <a:p>
+                      <a:pPr marL="0" marR="0" algn="ctr">
+                        <a:lnSpc>
+                          <a:spcPct val="115000"/>
+                        </a:lnSpc>
+                        <a:spcBef>
+                          <a:spcPts val="0"/>
+                        </a:spcBef>
+                        <a:spcAft>
+                          <a:spcPts val="0"/>
+                        </a:spcAft>
+                      </a:pPr>
+                      <a:r>
+                        <a:rPr lang="en-US" sz="2400" dirty="0">
+                          <a:effectLst/>
+                        </a:rPr>
+                        <a:t>2</a:t>
+                      </a:r>
+                      <a:endParaRPr lang="en-US" sz="3600" dirty="0">
+                        <a:effectLst/>
+                        <a:latin typeface="Calibri"/>
+                        <a:ea typeface="Calibri"/>
+                        <a:cs typeface="Times New Roman"/>
+                      </a:endParaRPr>
+                    </a:p>
+                  </a:txBody>
+                  <a:tcPr marL="68580" marR="68580" marT="0" marB="0" anchor="b"/>
+                </a:tc>
+              </a:tr>
+            </a:tbl>
+          </a:graphicData>
+        </a:graphic>
+      </p:graphicFrame>
       <p:sp>
         <p:nvSpPr>
           <p:cNvPr id="2" name="Title 1"/>
@@ -6900,100 +6955,30 @@
         </p:nvSpPr>
         <p:spPr>
           <a:xfrm>
-            <a:off x="304800" y="0"/>
-            <a:ext cx="8001000" cy="1143000"/>
+            <a:off x="381000" y="0"/>
+            <a:ext cx="7010400" cy="838200"/>
           </a:xfrm>
+          <a:noFill/>
         </p:spPr>
         <p:txBody>
           <a:bodyPr>
-            <a:normAutofit/>
+            <a:normAutofit fontScale="90000"/>
           </a:bodyPr>
           <a:lstStyle/>
           <a:p>
             <a:pPr algn="l"/>
             <a:r>
               <a:rPr lang="en-US" sz="6000" b="1" dirty="0" smtClean="0"/>
-              <a:t>Risks</a:t>
+              <a:t>Preliminary Use Cases</a:t>
             </a:r>
             <a:endParaRPr lang="en-US" sz="6000" b="1" dirty="0"/>
-          </a:p>
-        </p:txBody>
-      </p:sp>
-      <p:sp>
-        <p:nvSpPr>
-          <p:cNvPr id="3" name="Content Placeholder 2"/>
-          <p:cNvSpPr>
-            <a:spLocks noGrp="1"/>
-          </p:cNvSpPr>
-          <p:nvPr>
-            <p:ph idx="1"/>
-          </p:nvPr>
-        </p:nvSpPr>
-        <p:spPr>
-          <a:xfrm>
-            <a:off x="228600" y="1066800"/>
-            <a:ext cx="8229600" cy="4525963"/>
-          </a:xfrm>
-        </p:spPr>
-        <p:txBody>
-          <a:bodyPr>
-            <a:normAutofit fontScale="92500" lnSpcReduction="10000"/>
-          </a:bodyPr>
-          <a:lstStyle/>
-          <a:p>
-            <a:pPr lvl="0"/>
-            <a:r>
-              <a:rPr lang="en-US" b="1" dirty="0" smtClean="0"/>
-              <a:t>Fast application speed: Do not try customers’ patience.</a:t>
-            </a:r>
-          </a:p>
-          <a:p>
-            <a:pPr lvl="0"/>
-            <a:r>
-              <a:rPr lang="en-US" b="1" dirty="0" smtClean="0"/>
-              <a:t>High reliability: Downtime must be avoided</a:t>
-            </a:r>
-            <a:endParaRPr lang="en-US" b="1" dirty="0"/>
-          </a:p>
-          <a:p>
-            <a:pPr lvl="0"/>
-            <a:r>
-              <a:rPr lang="en-US" b="1" dirty="0" smtClean="0"/>
-              <a:t>Credit </a:t>
-            </a:r>
-            <a:r>
-              <a:rPr lang="en-US" b="1" dirty="0"/>
-              <a:t>card PCI information handling</a:t>
-            </a:r>
-          </a:p>
-          <a:p>
-            <a:pPr lvl="0"/>
-            <a:r>
-              <a:rPr lang="en-US" b="1" dirty="0" smtClean="0"/>
-              <a:t>Billing accuracy</a:t>
-            </a:r>
-          </a:p>
-          <a:p>
-            <a:pPr lvl="0"/>
-            <a:r>
-              <a:rPr lang="en-US" b="1" dirty="0" smtClean="0"/>
-              <a:t>Logins securely connect users with their correct role</a:t>
-            </a:r>
-            <a:endParaRPr lang="en-US" sz="4000" b="1" dirty="0" smtClean="0"/>
-          </a:p>
-          <a:p>
-            <a:pPr lvl="0"/>
-            <a:r>
-              <a:rPr lang="en-US" b="1" dirty="0" smtClean="0"/>
-              <a:t>Effective prioritization algorithm for orders and dishes</a:t>
-            </a:r>
           </a:p>
         </p:txBody>
       </p:sp>
     </p:spTree>
     <p:extLst>
       <p:ext uri="{BB962C8B-B14F-4D97-AF65-F5344CB8AC3E}">
-        <p14:creationId xmlns:p14="http://schemas.microsoft.com/office/powerpoint/2010/main" val="1733782401"/>
+        <p14:creationId xmlns:p14="http://schemas.microsoft.com/office/powerpoint/2010/main" val="2172318574"/>
       </p:ext>
     </p:extLst>
   </p:cSld>
@@ -7011,6 +6996,145 @@
 </file>
 
 <file path=ppt/slides/slide21.xml><?xml version="1.0" encoding="utf-8"?>
+<p:sld xmlns:a="http://schemas.openxmlformats.org/drawingml/2006/main" xmlns:r="http://schemas.openxmlformats.org/officeDocument/2006/relationships" xmlns:p="http://schemas.openxmlformats.org/presentationml/2006/main">
+  <p:cSld>
+    <p:spTree>
+      <p:nvGrpSpPr>
+        <p:cNvPr id="1" name=""/>
+        <p:cNvGrpSpPr/>
+        <p:nvPr/>
+      </p:nvGrpSpPr>
+      <p:grpSpPr>
+        <a:xfrm>
+          <a:off x="0" y="0"/>
+          <a:ext cx="0" cy="0"/>
+          <a:chOff x="0" y="0"/>
+          <a:chExt cx="0" cy="0"/>
+        </a:xfrm>
+      </p:grpSpPr>
+      <p:sp>
+        <p:nvSpPr>
+          <p:cNvPr id="2" name="Title 1"/>
+          <p:cNvSpPr>
+            <a:spLocks noGrp="1"/>
+          </p:cNvSpPr>
+          <p:nvPr>
+            <p:ph type="title"/>
+          </p:nvPr>
+        </p:nvSpPr>
+        <p:spPr>
+          <a:xfrm>
+            <a:off x="304800" y="0"/>
+            <a:ext cx="8001000" cy="1143000"/>
+          </a:xfrm>
+        </p:spPr>
+        <p:txBody>
+          <a:bodyPr>
+            <a:normAutofit/>
+          </a:bodyPr>
+          <a:lstStyle/>
+          <a:p>
+            <a:pPr algn="l"/>
+            <a:r>
+              <a:rPr lang="en-US" sz="6000" b="1" dirty="0" smtClean="0"/>
+              <a:t>Risks</a:t>
+            </a:r>
+            <a:endParaRPr lang="en-US" sz="6000" b="1" dirty="0"/>
+          </a:p>
+        </p:txBody>
+      </p:sp>
+      <p:sp>
+        <p:nvSpPr>
+          <p:cNvPr id="3" name="Content Placeholder 2"/>
+          <p:cNvSpPr>
+            <a:spLocks noGrp="1"/>
+          </p:cNvSpPr>
+          <p:nvPr>
+            <p:ph idx="1"/>
+          </p:nvPr>
+        </p:nvSpPr>
+        <p:spPr>
+          <a:xfrm>
+            <a:off x="228600" y="1066800"/>
+            <a:ext cx="8229600" cy="4525963"/>
+          </a:xfrm>
+        </p:spPr>
+        <p:txBody>
+          <a:bodyPr>
+            <a:normAutofit fontScale="92500" lnSpcReduction="10000"/>
+          </a:bodyPr>
+          <a:lstStyle/>
+          <a:p>
+            <a:pPr lvl="0"/>
+            <a:r>
+              <a:rPr lang="en-US" b="1" dirty="0" smtClean="0"/>
+              <a:t>Fast application speed: Do not try customers’ patience.</a:t>
+            </a:r>
+          </a:p>
+          <a:p>
+            <a:pPr lvl="0"/>
+            <a:r>
+              <a:rPr lang="en-US" b="1" dirty="0" smtClean="0"/>
+              <a:t>High reliability: Downtime must be avoided</a:t>
+            </a:r>
+            <a:endParaRPr lang="en-US" b="1" dirty="0"/>
+          </a:p>
+          <a:p>
+            <a:pPr lvl="0"/>
+            <a:r>
+              <a:rPr lang="en-US" b="1" dirty="0" smtClean="0"/>
+              <a:t>Credit </a:t>
+            </a:r>
+            <a:r>
+              <a:rPr lang="en-US" b="1" dirty="0"/>
+              <a:t>card PCI information handling</a:t>
+            </a:r>
+          </a:p>
+          <a:p>
+            <a:pPr lvl="0"/>
+            <a:r>
+              <a:rPr lang="en-US" b="1" dirty="0" smtClean="0"/>
+              <a:t>Billing accuracy</a:t>
+            </a:r>
+          </a:p>
+          <a:p>
+            <a:pPr lvl="0"/>
+            <a:r>
+              <a:rPr lang="en-US" b="1" dirty="0" smtClean="0"/>
+              <a:t>Logins securely connect users with their correct role</a:t>
+            </a:r>
+            <a:endParaRPr lang="en-US" sz="4000" b="1" dirty="0" smtClean="0"/>
+          </a:p>
+          <a:p>
+            <a:pPr lvl="0"/>
+            <a:r>
+              <a:rPr lang="en-US" b="1" dirty="0" smtClean="0"/>
+              <a:t>Effective prioritization algorithm for orders and dishes</a:t>
+            </a:r>
+          </a:p>
+        </p:txBody>
+      </p:sp>
+    </p:spTree>
+    <p:extLst>
+      <p:ext uri="{BB962C8B-B14F-4D97-AF65-F5344CB8AC3E}">
+        <p14:creationId xmlns:p14="http://schemas.microsoft.com/office/powerpoint/2010/main" val="1892201934"/>
+      </p:ext>
+    </p:extLst>
+  </p:cSld>
+  <p:clrMapOvr>
+    <a:masterClrMapping/>
+  </p:clrMapOvr>
+  <p:timing>
+    <p:tnLst>
+      <p:par>
+        <p:cTn id="1" dur="indefinite" restart="never" nodeType="tmRoot"/>
+      </p:par>
+    </p:tnLst>
+  </p:timing>
+</p:sld>
+</file>
+
+<file path=ppt/slides/slide22.xml><?xml version="1.0" encoding="utf-8"?>
 <p:sld xmlns:a="http://schemas.openxmlformats.org/drawingml/2006/main" xmlns:r="http://schemas.openxmlformats.org/officeDocument/2006/relationships" xmlns:p="http://schemas.openxmlformats.org/presentationml/2006/main">
   <p:cSld>
     <p:spTree>
@@ -7382,148 +7506,7 @@
     </p:spTree>
     <p:extLst>
       <p:ext uri="{BB962C8B-B14F-4D97-AF65-F5344CB8AC3E}">
-        <p14:creationId xmlns:p14="http://schemas.microsoft.com/office/powerpoint/2010/main" val="1733782401"/>
-      </p:ext>
-    </p:extLst>
-  </p:cSld>
-  <p:clrMapOvr>
-    <a:masterClrMapping/>
-  </p:clrMapOvr>
-  <p:timing>
-    <p:tnLst>
-      <p:par>
-        <p:cTn id="1" dur="indefinite" restart="never" nodeType="tmRoot"/>
-      </p:par>
-    </p:tnLst>
-  </p:timing>
-</p:sld>
-</file>
-
-<file path=ppt/slides/slide22.xml><?xml version="1.0" encoding="utf-8"?>
-<p:sld xmlns:a="http://schemas.openxmlformats.org/drawingml/2006/main" xmlns:r="http://schemas.openxmlformats.org/officeDocument/2006/relationships" xmlns:p="http://schemas.openxmlformats.org/presentationml/2006/main">
-  <p:cSld>
-    <p:spTree>
-      <p:nvGrpSpPr>
-        <p:cNvPr id="1" name=""/>
-        <p:cNvGrpSpPr/>
-        <p:nvPr/>
-      </p:nvGrpSpPr>
-      <p:grpSpPr>
-        <a:xfrm>
-          <a:off x="0" y="0"/>
-          <a:ext cx="0" cy="0"/>
-          <a:chOff x="0" y="0"/>
-          <a:chExt cx="0" cy="0"/>
-        </a:xfrm>
-      </p:grpSpPr>
-      <p:sp>
-        <p:nvSpPr>
-          <p:cNvPr id="2" name="Title 1"/>
-          <p:cNvSpPr>
-            <a:spLocks noGrp="1"/>
-          </p:cNvSpPr>
-          <p:nvPr>
-            <p:ph type="title"/>
-          </p:nvPr>
-        </p:nvSpPr>
-        <p:spPr>
-          <a:xfrm>
-            <a:off x="457200" y="274638"/>
-            <a:ext cx="5486400" cy="1143000"/>
-          </a:xfrm>
-        </p:spPr>
-        <p:txBody>
-          <a:bodyPr>
-            <a:normAutofit/>
-          </a:bodyPr>
-          <a:lstStyle/>
-          <a:p>
-            <a:pPr algn="l"/>
-            <a:r>
-              <a:rPr lang="en-US" sz="6000" b="1" dirty="0" smtClean="0"/>
-              <a:t>Out of Scope</a:t>
-            </a:r>
-            <a:endParaRPr lang="en-US" sz="6000" b="1" dirty="0"/>
-          </a:p>
-        </p:txBody>
-      </p:sp>
-      <p:sp>
-        <p:nvSpPr>
-          <p:cNvPr id="3" name="Content Placeholder 2"/>
-          <p:cNvSpPr>
-            <a:spLocks noGrp="1"/>
-          </p:cNvSpPr>
-          <p:nvPr>
-            <p:ph idx="1"/>
-          </p:nvPr>
-        </p:nvSpPr>
-        <p:spPr/>
-        <p:txBody>
-          <a:bodyPr>
-            <a:normAutofit fontScale="77500" lnSpcReduction="20000"/>
-          </a:bodyPr>
-          <a:lstStyle/>
-          <a:p>
-            <a:r>
-              <a:rPr lang="en-US" sz="4000" dirty="0"/>
-              <a:t>Specifics of payment</a:t>
-            </a:r>
-          </a:p>
-          <a:p>
-            <a:r>
-              <a:rPr lang="en-US" sz="4000" dirty="0"/>
-              <a:t>PCI compliance</a:t>
-            </a:r>
-          </a:p>
-          <a:p>
-            <a:r>
-              <a:rPr lang="en-US" sz="4000" dirty="0"/>
-              <a:t>Payroll, time clocks</a:t>
-            </a:r>
-          </a:p>
-          <a:p>
-            <a:r>
-              <a:rPr lang="en-US" sz="4000" dirty="0"/>
-              <a:t>Inventory management</a:t>
-            </a:r>
-          </a:p>
-          <a:p>
-            <a:r>
-              <a:rPr lang="en-US" sz="4000" dirty="0"/>
-              <a:t>Complaints</a:t>
-            </a:r>
-          </a:p>
-          <a:p>
-            <a:r>
-              <a:rPr lang="en-US" sz="4000" dirty="0"/>
-              <a:t>Bar management</a:t>
-            </a:r>
-          </a:p>
-          <a:p>
-            <a:r>
-              <a:rPr lang="en-US" sz="4000" dirty="0"/>
-              <a:t>Splitting bill for a single item</a:t>
-            </a:r>
-          </a:p>
-          <a:p>
-            <a:r>
-              <a:rPr lang="en-US" sz="4000" dirty="0"/>
-              <a:t>Custom table setups</a:t>
-            </a:r>
-          </a:p>
-          <a:p>
-            <a:r>
-              <a:rPr lang="en-US" sz="4000" dirty="0" smtClean="0"/>
-              <a:t>Recipes</a:t>
-            </a:r>
-            <a:endParaRPr lang="en-US" sz="4000" dirty="0"/>
-          </a:p>
-        </p:txBody>
-      </p:sp>
-    </p:spTree>
-    <p:extLst>
-      <p:ext uri="{BB962C8B-B14F-4D97-AF65-F5344CB8AC3E}">
-        <p14:creationId xmlns:p14="http://schemas.microsoft.com/office/powerpoint/2010/main" val="2150572371"/>
+        <p14:creationId xmlns:p14="http://schemas.microsoft.com/office/powerpoint/2010/main" val="1906361113"/>
       </p:ext>
     </p:extLst>
   </p:cSld>
@@ -7570,7 +7553,7 @@
         <p:spPr>
           <a:xfrm>
             <a:off x="457200" y="274638"/>
-            <a:ext cx="6172200" cy="1143000"/>
+            <a:ext cx="5486400" cy="1143000"/>
           </a:xfrm>
         </p:spPr>
         <p:txBody>
@@ -7582,7 +7565,7 @@
             <a:pPr algn="l"/>
             <a:r>
               <a:rPr lang="en-US" sz="6000" b="1" dirty="0" smtClean="0"/>
-              <a:t>Scope Undecided</a:t>
+              <a:t>Out of Scope</a:t>
             </a:r>
             <a:endParaRPr lang="en-US" sz="6000" b="1" dirty="0"/>
           </a:p>
@@ -7601,53 +7584,70 @@
         <p:spPr/>
         <p:txBody>
           <a:bodyPr>
-            <a:normAutofit/>
+            <a:normAutofit fontScale="77500" lnSpcReduction="20000"/>
           </a:bodyPr>
           <a:lstStyle/>
           <a:p>
             <a:r>
-              <a:rPr lang="en-US" sz="3600" dirty="0"/>
-              <a:t>Reservations</a:t>
-            </a:r>
-          </a:p>
-          <a:p>
-            <a:r>
-              <a:rPr lang="en-US" sz="3600" dirty="0"/>
-              <a:t>Basic employee stats</a:t>
-            </a:r>
-          </a:p>
-          <a:p>
-            <a:r>
-              <a:rPr lang="en-US" sz="3600" dirty="0"/>
-              <a:t>Mobile app</a:t>
-            </a:r>
-          </a:p>
-          <a:p>
-            <a:r>
-              <a:rPr lang="en-US" sz="3600" dirty="0"/>
-              <a:t>Discounts / adjustments (</a:t>
-            </a:r>
-            <a:r>
-              <a:rPr lang="en-US" sz="3600" dirty="0" err="1"/>
-              <a:t>comping</a:t>
-            </a:r>
-            <a:r>
-              <a:rPr lang="en-US" sz="3600" dirty="0"/>
-              <a:t>)</a:t>
-            </a:r>
-          </a:p>
-          <a:p>
-            <a:r>
-              <a:rPr lang="en-US" sz="3600" dirty="0"/>
-              <a:t>Parties spanning &gt; 1 table</a:t>
-            </a:r>
+              <a:rPr lang="en-US" sz="4000" dirty="0"/>
+              <a:t>Specifics of payment</a:t>
+            </a:r>
+          </a:p>
+          <a:p>
+            <a:r>
+              <a:rPr lang="en-US" sz="4000" dirty="0"/>
+              <a:t>PCI compliance</a:t>
+            </a:r>
+          </a:p>
+          <a:p>
+            <a:r>
+              <a:rPr lang="en-US" sz="4000" dirty="0"/>
+              <a:t>Payroll, time clocks</a:t>
+            </a:r>
+          </a:p>
+          <a:p>
+            <a:r>
+              <a:rPr lang="en-US" sz="4000" dirty="0"/>
+              <a:t>Inventory management</a:t>
+            </a:r>
+          </a:p>
+          <a:p>
+            <a:r>
+              <a:rPr lang="en-US" sz="4000" dirty="0"/>
+              <a:t>Complaints</a:t>
+            </a:r>
+          </a:p>
+          <a:p>
+            <a:r>
+              <a:rPr lang="en-US" sz="4000" dirty="0"/>
+              <a:t>Bar management</a:t>
+            </a:r>
+          </a:p>
+          <a:p>
+            <a:r>
+              <a:rPr lang="en-US" sz="4000" dirty="0"/>
+              <a:t>Splitting bill for a single item</a:t>
+            </a:r>
+          </a:p>
+          <a:p>
+            <a:r>
+              <a:rPr lang="en-US" sz="4000" dirty="0"/>
+              <a:t>Custom table setups</a:t>
+            </a:r>
+          </a:p>
+          <a:p>
+            <a:r>
+              <a:rPr lang="en-US" sz="4000" dirty="0" smtClean="0"/>
+              <a:t>Recipes</a:t>
+            </a:r>
+            <a:endParaRPr lang="en-US" sz="4000" dirty="0"/>
           </a:p>
         </p:txBody>
       </p:sp>
     </p:spTree>
     <p:extLst>
       <p:ext uri="{BB962C8B-B14F-4D97-AF65-F5344CB8AC3E}">
-        <p14:creationId xmlns:p14="http://schemas.microsoft.com/office/powerpoint/2010/main" val="2150572371"/>
+        <p14:creationId xmlns:p14="http://schemas.microsoft.com/office/powerpoint/2010/main" val="4070009704"/>
       </p:ext>
     </p:extLst>
   </p:cSld>
@@ -7694,7 +7694,7 @@
         <p:spPr>
           <a:xfrm>
             <a:off x="457200" y="274638"/>
-            <a:ext cx="5486400" cy="1143000"/>
+            <a:ext cx="6172200" cy="1143000"/>
           </a:xfrm>
         </p:spPr>
         <p:txBody>
@@ -7706,7 +7706,7 @@
             <a:pPr algn="l"/>
             <a:r>
               <a:rPr lang="en-US" sz="6000" b="1" dirty="0" smtClean="0"/>
-              <a:t>Planning: Time</a:t>
+              <a:t>Scope Undecided</a:t>
             </a:r>
             <a:endParaRPr lang="en-US" sz="6000" b="1" dirty="0"/>
           </a:p>
@@ -7730,60 +7730,48 @@
           <a:lstStyle/>
           <a:p>
             <a:r>
-              <a:rPr lang="en-US" sz="5400" b="1" dirty="0"/>
-              <a:t>12 weeks</a:t>
-            </a:r>
-          </a:p>
-          <a:p>
-            <a:r>
-              <a:rPr lang="en-US" sz="5400" b="1" dirty="0"/>
-              <a:t>5 people</a:t>
-            </a:r>
-          </a:p>
-          <a:p>
-            <a:r>
-              <a:rPr lang="en-US" sz="5400" b="1" dirty="0" smtClean="0"/>
-              <a:t>9 </a:t>
-            </a:r>
-            <a:r>
-              <a:rPr lang="en-US" sz="5400" b="1" dirty="0"/>
-              <a:t>hours / </a:t>
-            </a:r>
-            <a:r>
-              <a:rPr lang="en-US" sz="5400" b="1" dirty="0" err="1" smtClean="0"/>
-              <a:t>person</a:t>
-            </a:r>
-            <a:r>
-              <a:rPr lang="en-US" sz="5400" b="1" dirty="0" err="1" smtClean="0">
-                <a:sym typeface="Symbol"/>
-              </a:rPr>
-              <a:t></a:t>
-            </a:r>
-            <a:r>
-              <a:rPr lang="en-US" sz="5400" b="1" dirty="0" err="1" smtClean="0"/>
-              <a:t>week</a:t>
-            </a:r>
-            <a:endParaRPr lang="en-US" sz="5400" b="1" dirty="0"/>
-          </a:p>
-          <a:p>
-            <a:r>
-              <a:rPr lang="en-US" sz="5400" b="1" dirty="0" smtClean="0"/>
-              <a:t>540 </a:t>
-            </a:r>
-            <a:r>
-              <a:rPr lang="en-US" sz="5400" b="1" dirty="0"/>
-              <a:t>hours total </a:t>
-            </a:r>
-          </a:p>
-          <a:p>
-            <a:endParaRPr lang="en-US" sz="4000" b="1" dirty="0"/>
+              <a:rPr lang="en-US" sz="3600" dirty="0"/>
+              <a:t>Reservations</a:t>
+            </a:r>
+          </a:p>
+          <a:p>
+            <a:r>
+              <a:rPr lang="en-US" sz="3600" dirty="0"/>
+              <a:t>Basic employee stats</a:t>
+            </a:r>
+          </a:p>
+          <a:p>
+            <a:r>
+              <a:rPr lang="en-US" sz="3600" dirty="0"/>
+              <a:t>Mobile app</a:t>
+            </a:r>
+          </a:p>
+          <a:p>
+            <a:r>
+              <a:rPr lang="en-US" sz="3600" dirty="0"/>
+              <a:t>Discounts / adjustments (</a:t>
+            </a:r>
+            <a:r>
+              <a:rPr lang="en-US" sz="3600" dirty="0" err="1"/>
+              <a:t>comping</a:t>
+            </a:r>
+            <a:r>
+              <a:rPr lang="en-US" sz="3600" dirty="0"/>
+              <a:t>)</a:t>
+            </a:r>
+          </a:p>
+          <a:p>
+            <a:r>
+              <a:rPr lang="en-US" sz="3600" dirty="0"/>
+              <a:t>Parties spanning &gt; 1 table</a:t>
+            </a:r>
           </a:p>
         </p:txBody>
       </p:sp>
     </p:spTree>
     <p:extLst>
       <p:ext uri="{BB962C8B-B14F-4D97-AF65-F5344CB8AC3E}">
-        <p14:creationId xmlns:p14="http://schemas.microsoft.com/office/powerpoint/2010/main" val="23986043"/>
+        <p14:creationId xmlns:p14="http://schemas.microsoft.com/office/powerpoint/2010/main" val="1528390757"/>
       </p:ext>
     </p:extLst>
   </p:cSld>
@@ -7830,6 +7818,142 @@
         <p:spPr>
           <a:xfrm>
             <a:off x="457200" y="274638"/>
+            <a:ext cx="5486400" cy="1143000"/>
+          </a:xfrm>
+        </p:spPr>
+        <p:txBody>
+          <a:bodyPr>
+            <a:normAutofit/>
+          </a:bodyPr>
+          <a:lstStyle/>
+          <a:p>
+            <a:pPr algn="l"/>
+            <a:r>
+              <a:rPr lang="en-US" sz="6000" b="1" dirty="0" smtClean="0"/>
+              <a:t>Planning: Time</a:t>
+            </a:r>
+            <a:endParaRPr lang="en-US" sz="6000" b="1" dirty="0"/>
+          </a:p>
+        </p:txBody>
+      </p:sp>
+      <p:sp>
+        <p:nvSpPr>
+          <p:cNvPr id="3" name="Content Placeholder 2"/>
+          <p:cNvSpPr>
+            <a:spLocks noGrp="1"/>
+          </p:cNvSpPr>
+          <p:nvPr>
+            <p:ph idx="1"/>
+          </p:nvPr>
+        </p:nvSpPr>
+        <p:spPr/>
+        <p:txBody>
+          <a:bodyPr>
+            <a:normAutofit/>
+          </a:bodyPr>
+          <a:lstStyle/>
+          <a:p>
+            <a:r>
+              <a:rPr lang="en-US" sz="5400" b="1" dirty="0"/>
+              <a:t>12 weeks</a:t>
+            </a:r>
+          </a:p>
+          <a:p>
+            <a:r>
+              <a:rPr lang="en-US" sz="5400" b="1" dirty="0"/>
+              <a:t>5 people</a:t>
+            </a:r>
+          </a:p>
+          <a:p>
+            <a:r>
+              <a:rPr lang="en-US" sz="5400" b="1" dirty="0" smtClean="0"/>
+              <a:t>9 </a:t>
+            </a:r>
+            <a:r>
+              <a:rPr lang="en-US" sz="5400" b="1" dirty="0"/>
+              <a:t>hours / </a:t>
+            </a:r>
+            <a:r>
+              <a:rPr lang="en-US" sz="5400" b="1" dirty="0" err="1" smtClean="0"/>
+              <a:t>person</a:t>
+            </a:r>
+            <a:r>
+              <a:rPr lang="en-US" sz="5400" b="1" dirty="0" err="1" smtClean="0">
+                <a:sym typeface="Symbol"/>
+              </a:rPr>
+              <a:t></a:t>
+            </a:r>
+            <a:r>
+              <a:rPr lang="en-US" sz="5400" b="1" dirty="0" err="1" smtClean="0"/>
+              <a:t>week</a:t>
+            </a:r>
+            <a:endParaRPr lang="en-US" sz="5400" b="1" dirty="0"/>
+          </a:p>
+          <a:p>
+            <a:r>
+              <a:rPr lang="en-US" sz="5400" b="1" dirty="0" smtClean="0"/>
+              <a:t>540 </a:t>
+            </a:r>
+            <a:r>
+              <a:rPr lang="en-US" sz="5400" b="1" dirty="0"/>
+              <a:t>hours total </a:t>
+            </a:r>
+          </a:p>
+          <a:p>
+            <a:endParaRPr lang="en-US" sz="4000" b="1" dirty="0"/>
+          </a:p>
+        </p:txBody>
+      </p:sp>
+    </p:spTree>
+    <p:extLst>
+      <p:ext uri="{BB962C8B-B14F-4D97-AF65-F5344CB8AC3E}">
+        <p14:creationId xmlns:p14="http://schemas.microsoft.com/office/powerpoint/2010/main" val="774952319"/>
+      </p:ext>
+    </p:extLst>
+  </p:cSld>
+  <p:clrMapOvr>
+    <a:masterClrMapping/>
+  </p:clrMapOvr>
+  <p:timing>
+    <p:tnLst>
+      <p:par>
+        <p:cTn id="1" dur="indefinite" restart="never" nodeType="tmRoot"/>
+      </p:par>
+    </p:tnLst>
+  </p:timing>
+</p:sld>
+</file>
+
+<file path=ppt/slides/slide26.xml><?xml version="1.0" encoding="utf-8"?>
+<p:sld xmlns:a="http://schemas.openxmlformats.org/drawingml/2006/main" xmlns:r="http://schemas.openxmlformats.org/officeDocument/2006/relationships" xmlns:p="http://schemas.openxmlformats.org/presentationml/2006/main">
+  <p:cSld>
+    <p:spTree>
+      <p:nvGrpSpPr>
+        <p:cNvPr id="1" name=""/>
+        <p:cNvGrpSpPr/>
+        <p:nvPr/>
+      </p:nvGrpSpPr>
+      <p:grpSpPr>
+        <a:xfrm>
+          <a:off x="0" y="0"/>
+          <a:ext cx="0" cy="0"/>
+          <a:chOff x="0" y="0"/>
+          <a:chExt cx="0" cy="0"/>
+        </a:xfrm>
+      </p:grpSpPr>
+      <p:sp>
+        <p:nvSpPr>
+          <p:cNvPr id="2" name="Title 1"/>
+          <p:cNvSpPr>
+            <a:spLocks noGrp="1"/>
+          </p:cNvSpPr>
+          <p:nvPr>
+            <p:ph type="title"/>
+          </p:nvPr>
+        </p:nvSpPr>
+        <p:spPr>
+          <a:xfrm>
+            <a:off x="457200" y="274638"/>
             <a:ext cx="7467600" cy="1143000"/>
           </a:xfrm>
         </p:spPr>
@@ -7882,7 +8006,7 @@
           <p:nvPr>
             <p:extLst>
               <p:ext uri="{D42A27DB-BD31-4B8C-83A1-F6EECF244321}">
-                <p14:modId xmlns:p14="http://schemas.microsoft.com/office/powerpoint/2010/main" val="2306586810"/>
+                <p14:modId xmlns:p14="http://schemas.microsoft.com/office/powerpoint/2010/main" val="4020710955"/>
               </p:ext>
             </p:extLst>
           </p:nvPr>
@@ -8412,7 +8536,7 @@
     </p:spTree>
     <p:extLst>
       <p:ext uri="{BB962C8B-B14F-4D97-AF65-F5344CB8AC3E}">
-        <p14:creationId xmlns:p14="http://schemas.microsoft.com/office/powerpoint/2010/main" val="158169468"/>
+        <p14:creationId xmlns:p14="http://schemas.microsoft.com/office/powerpoint/2010/main" val="1591656869"/>
       </p:ext>
     </p:extLst>
   </p:cSld>
@@ -8429,7 +8553,7 @@
 </p:sld>
 </file>
 
-<file path=ppt/slides/slide26.xml><?xml version="1.0" encoding="utf-8"?>
+<file path=ppt/slides/slide27.xml><?xml version="1.0" encoding="utf-8"?>
 <p:sld xmlns:a="http://schemas.openxmlformats.org/drawingml/2006/main" xmlns:r="http://schemas.openxmlformats.org/officeDocument/2006/relationships" xmlns:p="http://schemas.openxmlformats.org/presentationml/2006/main">
   <p:cSld>
     <p:spTree>
@@ -8628,7 +8752,7 @@
     </p:spTree>
     <p:extLst>
       <p:ext uri="{BB962C8B-B14F-4D97-AF65-F5344CB8AC3E}">
-        <p14:creationId xmlns:p14="http://schemas.microsoft.com/office/powerpoint/2010/main" val="822662854"/>
+        <p14:creationId xmlns:p14="http://schemas.microsoft.com/office/powerpoint/2010/main" val="1700301986"/>
       </p:ext>
     </p:extLst>
   </p:cSld>
@@ -8672,140 +8796,57 @@
             <p:ph type="title"/>
           </p:nvPr>
         </p:nvSpPr>
+        <p:spPr/>
+        <p:txBody>
+          <a:bodyPr>
+            <a:normAutofit/>
+          </a:bodyPr>
+          <a:lstStyle/>
+          <a:p>
+            <a:pPr algn="l"/>
+            <a:endParaRPr lang="en-US" sz="6000" b="1" dirty="0"/>
+          </a:p>
+        </p:txBody>
+      </p:sp>
+      <p:pic>
+        <p:nvPicPr>
+          <p:cNvPr id="4" name="Content Placeholder 3"/>
+          <p:cNvPicPr>
+            <a:picLocks noGrp="1" noChangeAspect="1"/>
+          </p:cNvPicPr>
+          <p:nvPr>
+            <p:ph idx="1"/>
+          </p:nvPr>
+        </p:nvPicPr>
+        <p:blipFill>
+          <a:blip r:embed="rId2">
+            <a:extLst>
+              <a:ext uri="{28A0092B-C50C-407E-A947-70E740481C1C}">
+                <a14:useLocalDpi xmlns:a14="http://schemas.microsoft.com/office/drawing/2010/main" val="0"/>
+              </a:ext>
+            </a:extLst>
+          </a:blip>
+          <a:stretch>
+            <a:fillRect/>
+          </a:stretch>
+        </p:blipFill>
         <p:spPr>
           <a:xfrm>
-            <a:off x="685800" y="304800"/>
-            <a:ext cx="3886200" cy="725214"/>
+            <a:off x="1066800" y="1185389"/>
+            <a:ext cx="6776933" cy="4453411"/>
           </a:xfrm>
         </p:spPr>
-        <p:txBody>
-          <a:bodyPr>
-            <a:noAutofit/>
-          </a:bodyPr>
-          <a:lstStyle/>
-          <a:p>
-            <a:pPr algn="l"/>
-            <a:r>
-              <a:rPr lang="en-US" sz="6000" b="1" dirty="0" smtClean="0"/>
-              <a:t>Vision</a:t>
-            </a:r>
-            <a:endParaRPr lang="en-US" sz="6000" b="1" dirty="0"/>
-          </a:p>
-        </p:txBody>
-      </p:sp>
-      <p:sp>
-        <p:nvSpPr>
-          <p:cNvPr id="3" name="Content Placeholder 2"/>
-          <p:cNvSpPr>
-            <a:spLocks noGrp="1"/>
-          </p:cNvSpPr>
-          <p:nvPr>
-            <p:ph idx="1"/>
-          </p:nvPr>
-        </p:nvSpPr>
-        <p:spPr>
-          <a:xfrm>
-            <a:off x="23648" y="1295400"/>
-            <a:ext cx="8763000" cy="5257800"/>
-          </a:xfrm>
-        </p:spPr>
-        <p:txBody>
-          <a:bodyPr>
-            <a:noAutofit/>
-          </a:bodyPr>
-          <a:lstStyle/>
-          <a:p>
-            <a:pPr marL="0" indent="0">
-              <a:buNone/>
-            </a:pPr>
-            <a:r>
-              <a:rPr lang="en-US" dirty="0" smtClean="0"/>
-              <a:t>A </a:t>
-            </a:r>
-            <a:r>
-              <a:rPr lang="en-US" b="1" dirty="0"/>
-              <a:t>restaurant management application </a:t>
-            </a:r>
-            <a:r>
-              <a:rPr lang="en-US" dirty="0"/>
-              <a:t>used </a:t>
-            </a:r>
-            <a:r>
-              <a:rPr lang="en-US" dirty="0" smtClean="0"/>
-              <a:t>to:</a:t>
-            </a:r>
-            <a:endParaRPr lang="en-US" dirty="0"/>
-          </a:p>
-          <a:p>
-            <a:r>
-              <a:rPr lang="en-US" dirty="0"/>
-              <a:t>Enter, track, and delegate food and drink orders</a:t>
-            </a:r>
-          </a:p>
-          <a:p>
-            <a:r>
-              <a:rPr lang="en-US" dirty="0"/>
-              <a:t>Enter and track table statuses and reservations</a:t>
-            </a:r>
-          </a:p>
-          <a:p>
-            <a:r>
-              <a:rPr lang="en-US" dirty="0"/>
-              <a:t>Prioritize orders in the kitchen according to arrival of orders and required prep times</a:t>
-            </a:r>
-          </a:p>
-          <a:p>
-            <a:r>
-              <a:rPr lang="en-US" dirty="0"/>
-              <a:t>Handle billing</a:t>
-            </a:r>
-          </a:p>
-          <a:p>
-            <a:r>
-              <a:rPr lang="en-US" dirty="0" smtClean="0"/>
-              <a:t>We </a:t>
-            </a:r>
-            <a:r>
-              <a:rPr lang="en-US" dirty="0"/>
-              <a:t>envision this as a </a:t>
-            </a:r>
-            <a:r>
-              <a:rPr lang="en-US" dirty="0" smtClean="0"/>
-              <a:t>web </a:t>
-            </a:r>
-            <a:r>
-              <a:rPr lang="en-US" dirty="0"/>
-              <a:t>application which may be adapted to Android if time allows.</a:t>
-            </a:r>
-          </a:p>
-          <a:p>
-            <a:pPr marL="0" indent="0">
-              <a:spcBef>
-                <a:spcPts val="0"/>
-              </a:spcBef>
-              <a:buNone/>
-            </a:pPr>
-            <a:endParaRPr lang="en-GB" sz="3600" b="1" dirty="0" smtClean="0"/>
-          </a:p>
-        </p:txBody>
-      </p:sp>
+      </p:pic>
     </p:spTree>
     <p:extLst>
       <p:ext uri="{BB962C8B-B14F-4D97-AF65-F5344CB8AC3E}">
-        <p14:creationId xmlns:p14="http://schemas.microsoft.com/office/powerpoint/2010/main" val="4103635040"/>
+        <p14:creationId xmlns:p14="http://schemas.microsoft.com/office/powerpoint/2010/main" val="965326574"/>
       </p:ext>
     </p:extLst>
   </p:cSld>
   <p:clrMapOvr>
     <a:masterClrMapping/>
   </p:clrMapOvr>
-  <p:timing>
-    <p:tnLst>
-      <p:par>
-        <p:cTn id="1" dur="indefinite" restart="never" nodeType="tmRoot"/>
-      </p:par>
-    </p:tnLst>
-  </p:timing>
 </p:sld>
 </file>
 
@@ -8839,7 +8880,7 @@
         <p:spPr>
           <a:xfrm>
             <a:off x="685800" y="304800"/>
-            <a:ext cx="5562600" cy="725214"/>
+            <a:ext cx="3886200" cy="725214"/>
           </a:xfrm>
         </p:spPr>
         <p:txBody>
@@ -8851,7 +8892,7 @@
             <a:pPr algn="l"/>
             <a:r>
               <a:rPr lang="en-US" sz="6000" b="1" dirty="0" smtClean="0"/>
-              <a:t>Business Case</a:t>
+              <a:t>Vision</a:t>
             </a:r>
             <a:endParaRPr lang="en-US" sz="6000" b="1" dirty="0"/>
           </a:p>
@@ -8870,7 +8911,7 @@
         <p:spPr>
           <a:xfrm>
             <a:off x="23648" y="1295400"/>
-            <a:ext cx="8763000" cy="3352800"/>
+            <a:ext cx="8763000" cy="5257800"/>
           </a:xfrm>
         </p:spPr>
         <p:txBody>
@@ -8879,26 +8920,67 @@
           </a:bodyPr>
           <a:lstStyle/>
           <a:p>
-            <a:pPr>
-              <a:spcBef>
-                <a:spcPts val="0"/>
-              </a:spcBef>
+            <a:pPr marL="0" indent="0">
+              <a:buNone/>
             </a:pPr>
             <a:r>
-              <a:rPr lang="en-GB" sz="3600" b="1" dirty="0"/>
-              <a:t>Restaurants are </a:t>
-            </a:r>
-            <a:r>
-              <a:rPr lang="en-GB" sz="3600" b="1" dirty="0" smtClean="0"/>
-              <a:t>busy environments and inefficiencies can result in business failure </a:t>
-            </a:r>
-            <a:r>
-              <a:rPr lang="en-GB" sz="3600" b="1" dirty="0"/>
-              <a:t>even </a:t>
-            </a:r>
-            <a:r>
-              <a:rPr lang="en-GB" sz="3600" b="1" dirty="0" smtClean="0"/>
-              <a:t>if the food is great. </a:t>
+              <a:rPr lang="en-US" dirty="0" smtClean="0"/>
+              <a:t>A </a:t>
+            </a:r>
+            <a:r>
+              <a:rPr lang="en-US" b="1" dirty="0"/>
+              <a:t>restaurant management application </a:t>
+            </a:r>
+            <a:r>
+              <a:rPr lang="en-US" dirty="0"/>
+              <a:t>used </a:t>
+            </a:r>
+            <a:r>
+              <a:rPr lang="en-US" dirty="0" smtClean="0"/>
+              <a:t>to:</a:t>
+            </a:r>
+            <a:endParaRPr lang="en-US" dirty="0"/>
+          </a:p>
+          <a:p>
+            <a:r>
+              <a:rPr lang="en-US" dirty="0"/>
+              <a:t>Enter, track, and delegate food and drink orders</a:t>
+            </a:r>
+          </a:p>
+          <a:p>
+            <a:r>
+              <a:rPr lang="en-US" dirty="0"/>
+              <a:t>Enter and track table statuses and reservations</a:t>
+            </a:r>
+          </a:p>
+          <a:p>
+            <a:r>
+              <a:rPr lang="en-US" dirty="0"/>
+              <a:t>Prioritize orders in the kitchen according to arrival of orders and required prep times</a:t>
+            </a:r>
+          </a:p>
+          <a:p>
+            <a:r>
+              <a:rPr lang="en-US" dirty="0"/>
+              <a:t>Handle billing</a:t>
+            </a:r>
+          </a:p>
+          <a:p>
+            <a:r>
+              <a:rPr lang="en-US" dirty="0" smtClean="0"/>
+              <a:t>We </a:t>
+            </a:r>
+            <a:r>
+              <a:rPr lang="en-US" dirty="0"/>
+              <a:t>envision this as a </a:t>
+            </a:r>
+            <a:r>
+              <a:rPr lang="en-US" dirty="0" smtClean="0"/>
+              <a:t>web </a:t>
+            </a:r>
+            <a:r>
+              <a:rPr lang="en-US" dirty="0"/>
+              <a:t>application which may be adapted to Android if time allows.</a:t>
             </a:r>
           </a:p>
           <a:p>
@@ -8910,23 +8992,12 @@
             </a:pPr>
             <a:endParaRPr lang="en-GB" sz="3600" b="1" dirty="0" smtClean="0"/>
           </a:p>
-          <a:p>
-            <a:pPr>
-              <a:spcBef>
-                <a:spcPts val="0"/>
-              </a:spcBef>
-            </a:pPr>
-            <a:r>
-              <a:rPr lang="en-GB" sz="3600" b="1" dirty="0" smtClean="0"/>
-              <a:t>Effective coordination of personnel and resources is key to timely service and customer satisfaction.</a:t>
-            </a:r>
-          </a:p>
         </p:txBody>
       </p:sp>
     </p:spTree>
     <p:extLst>
       <p:ext uri="{BB962C8B-B14F-4D97-AF65-F5344CB8AC3E}">
-        <p14:creationId xmlns:p14="http://schemas.microsoft.com/office/powerpoint/2010/main" val="3324145256"/>
+        <p14:creationId xmlns:p14="http://schemas.microsoft.com/office/powerpoint/2010/main" val="1782274068"/>
       </p:ext>
     </p:extLst>
   </p:cSld>
@@ -8972,13 +9043,13 @@
         </p:nvSpPr>
         <p:spPr>
           <a:xfrm>
-            <a:off x="457200" y="274638"/>
-            <a:ext cx="5486400" cy="1143000"/>
+            <a:off x="685800" y="304800"/>
+            <a:ext cx="5562600" cy="725214"/>
           </a:xfrm>
         </p:spPr>
         <p:txBody>
           <a:bodyPr>
-            <a:normAutofit/>
+            <a:noAutofit/>
           </a:bodyPr>
           <a:lstStyle/>
           <a:p>
@@ -9001,44 +9072,58 @@
             <p:ph idx="1"/>
           </p:nvPr>
         </p:nvSpPr>
-        <p:spPr/>
+        <p:spPr>
+          <a:xfrm>
+            <a:off x="23648" y="1295400"/>
+            <a:ext cx="8763000" cy="3352800"/>
+          </a:xfrm>
+        </p:spPr>
         <p:txBody>
           <a:bodyPr>
-            <a:normAutofit/>
+            <a:noAutofit/>
           </a:bodyPr>
           <a:lstStyle/>
           <a:p>
+            <a:pPr>
+              <a:spcBef>
+                <a:spcPts val="0"/>
+              </a:spcBef>
+            </a:pPr>
+            <a:r>
+              <a:rPr lang="en-GB" sz="3600" b="1" dirty="0"/>
+              <a:t>Restaurants are </a:t>
+            </a:r>
+            <a:r>
+              <a:rPr lang="en-GB" sz="3600" b="1" dirty="0" smtClean="0"/>
+              <a:t>busy environments and inefficiencies can result in business failure </a:t>
+            </a:r>
+            <a:r>
+              <a:rPr lang="en-GB" sz="3600" b="1" dirty="0"/>
+              <a:t>even </a:t>
+            </a:r>
+            <a:r>
+              <a:rPr lang="en-GB" sz="3600" b="1" dirty="0" smtClean="0"/>
+              <a:t>if the food is great. </a:t>
+            </a:r>
+          </a:p>
+          <a:p>
             <a:pPr marL="0" indent="0">
+              <a:spcBef>
+                <a:spcPts val="0"/>
+              </a:spcBef>
               <a:buNone/>
             </a:pPr>
-            <a:r>
-              <a:rPr lang="en-GB" sz="4000" b="1" dirty="0" smtClean="0"/>
-              <a:t>Boost business by </a:t>
-            </a:r>
-          </a:p>
-          <a:p>
-            <a:r>
-              <a:rPr lang="en-GB" sz="4000" b="1" dirty="0" smtClean="0"/>
-              <a:t>Making waiting times smaller and more predictable</a:t>
-            </a:r>
-          </a:p>
-          <a:p>
-            <a:r>
-              <a:rPr lang="en-GB" sz="4000" b="1" dirty="0" smtClean="0"/>
-              <a:t>Maximizing customer throughput</a:t>
-            </a:r>
-            <a:endParaRPr lang="en-GB" sz="4000" b="1" dirty="0"/>
-          </a:p>
-          <a:p>
-            <a:r>
-              <a:rPr lang="en-GB" sz="4000" b="1" dirty="0" smtClean="0"/>
-              <a:t>Maximizing employee efficiency</a:t>
-            </a:r>
-          </a:p>
-          <a:p>
-            <a:r>
-              <a:rPr lang="en-GB" sz="4000" b="1" dirty="0" smtClean="0"/>
-              <a:t>Increasing customer satisfaction</a:t>
+            <a:endParaRPr lang="en-GB" sz="3600" b="1" dirty="0" smtClean="0"/>
+          </a:p>
+          <a:p>
+            <a:pPr>
+              <a:spcBef>
+                <a:spcPts val="0"/>
+              </a:spcBef>
+            </a:pPr>
+            <a:r>
+              <a:rPr lang="en-GB" sz="3600" b="1" dirty="0" smtClean="0"/>
+              <a:t>Effective coordination of personnel and resources is key to timely service and customer satisfaction.</a:t>
             </a:r>
           </a:p>
         </p:txBody>
@@ -9046,7 +9131,7 @@
     </p:spTree>
     <p:extLst>
       <p:ext uri="{BB962C8B-B14F-4D97-AF65-F5344CB8AC3E}">
-        <p14:creationId xmlns:p14="http://schemas.microsoft.com/office/powerpoint/2010/main" val="3169704658"/>
+        <p14:creationId xmlns:p14="http://schemas.microsoft.com/office/powerpoint/2010/main" val="547735297"/>
       </p:ext>
     </p:extLst>
   </p:cSld>
@@ -9092,8 +9177,8 @@
         </p:nvSpPr>
         <p:spPr>
           <a:xfrm>
-            <a:off x="762000" y="152400"/>
-            <a:ext cx="4572000" cy="1096962"/>
+            <a:off x="457200" y="274638"/>
+            <a:ext cx="5486400" cy="1143000"/>
           </a:xfrm>
         </p:spPr>
         <p:txBody>
@@ -9105,140 +9190,68 @@
             <a:pPr algn="l"/>
             <a:r>
               <a:rPr lang="en-US" sz="6000" b="1" dirty="0" smtClean="0"/>
-              <a:t>Actors</a:t>
+              <a:t>Business Case</a:t>
             </a:r>
             <a:endParaRPr lang="en-US" sz="6000" b="1" dirty="0"/>
           </a:p>
         </p:txBody>
       </p:sp>
-      <p:pic>
-        <p:nvPicPr>
-          <p:cNvPr id="3" name="Picture 2"/>
-          <p:cNvPicPr>
-            <a:picLocks noChangeAspect="1"/>
-          </p:cNvPicPr>
-          <p:nvPr/>
-        </p:nvPicPr>
-        <p:blipFill>
-          <a:blip r:embed="rId2">
-            <a:extLst>
-              <a:ext uri="{28A0092B-C50C-407E-A947-70E740481C1C}">
-                <a14:useLocalDpi xmlns:a14="http://schemas.microsoft.com/office/drawing/2010/main" val="0"/>
-              </a:ext>
-            </a:extLst>
-          </a:blip>
-          <a:stretch>
-            <a:fillRect/>
-          </a:stretch>
-        </p:blipFill>
-        <p:spPr>
-          <a:xfrm>
-            <a:off x="3048000" y="1249362"/>
-            <a:ext cx="5809524" cy="5333333"/>
-          </a:xfrm>
-          <a:prstGeom prst="rect">
-            <a:avLst/>
-          </a:prstGeom>
-        </p:spPr>
-      </p:pic>
-      <p:sp>
-        <p:nvSpPr>
-          <p:cNvPr id="5" name="TextBox 4"/>
-          <p:cNvSpPr txBox="1"/>
-          <p:nvPr/>
-        </p:nvSpPr>
-        <p:spPr>
-          <a:xfrm>
-            <a:off x="304800" y="1371600"/>
-            <a:ext cx="2514600" cy="4524315"/>
-          </a:xfrm>
-          <a:prstGeom prst="rect">
-            <a:avLst/>
-          </a:prstGeom>
-          <a:noFill/>
-        </p:spPr>
-        <p:txBody>
-          <a:bodyPr wrap="square" rtlCol="0">
-            <a:spAutoFit/>
+      <p:sp>
+        <p:nvSpPr>
+          <p:cNvPr id="3" name="Content Placeholder 2"/>
+          <p:cNvSpPr>
+            <a:spLocks noGrp="1"/>
+          </p:cNvSpPr>
+          <p:nvPr>
+            <p:ph idx="1"/>
+          </p:nvPr>
+        </p:nvSpPr>
+        <p:spPr/>
+        <p:txBody>
+          <a:bodyPr>
+            <a:normAutofit/>
           </a:bodyPr>
           <a:lstStyle/>
           <a:p>
-            <a:pPr marL="285750" indent="-285750">
-              <a:buFont typeface="Arial" panose="020B0604020202020204" pitchFamily="34" charset="0"/>
-              <a:buChar char="•"/>
+            <a:pPr marL="0" indent="0">
+              <a:buNone/>
             </a:pPr>
             <a:r>
-              <a:rPr lang="en-US" sz="3600" dirty="0" smtClean="0"/>
-              <a:t>Waiter</a:t>
-            </a:r>
-          </a:p>
-          <a:p>
-            <a:pPr marL="285750" indent="-285750">
-              <a:buFont typeface="Arial" panose="020B0604020202020204" pitchFamily="34" charset="0"/>
-              <a:buChar char="•"/>
-            </a:pPr>
-            <a:r>
-              <a:rPr lang="en-US" sz="3600" dirty="0" smtClean="0"/>
-              <a:t>Kitchen Staff</a:t>
-            </a:r>
-          </a:p>
-          <a:p>
-            <a:pPr marL="285750" indent="-285750">
-              <a:buFont typeface="Arial" panose="020B0604020202020204" pitchFamily="34" charset="0"/>
-              <a:buChar char="•"/>
-            </a:pPr>
-            <a:r>
-              <a:rPr lang="en-US" sz="3600" dirty="0" smtClean="0"/>
-              <a:t>Hostess</a:t>
-            </a:r>
-          </a:p>
-          <a:p>
-            <a:pPr marL="285750" indent="-285750">
-              <a:buFont typeface="Arial" panose="020B0604020202020204" pitchFamily="34" charset="0"/>
-              <a:buChar char="•"/>
-            </a:pPr>
-            <a:r>
-              <a:rPr lang="en-US" sz="3600" dirty="0" smtClean="0"/>
-              <a:t>Customer</a:t>
-            </a:r>
-          </a:p>
-          <a:p>
-            <a:pPr marL="285750" indent="-285750">
-              <a:buFont typeface="Arial" panose="020B0604020202020204" pitchFamily="34" charset="0"/>
-              <a:buChar char="•"/>
-            </a:pPr>
-            <a:r>
-              <a:rPr lang="en-US" sz="3600" dirty="0" smtClean="0"/>
-              <a:t>Busboy</a:t>
-            </a:r>
-          </a:p>
-          <a:p>
-            <a:pPr marL="285750" indent="-285750">
-              <a:buFont typeface="Arial" panose="020B0604020202020204" pitchFamily="34" charset="0"/>
-              <a:buChar char="•"/>
-            </a:pPr>
-            <a:r>
-              <a:rPr lang="en-US" sz="3600" dirty="0" smtClean="0"/>
-              <a:t>Bartender</a:t>
-            </a:r>
-          </a:p>
-          <a:p>
-            <a:pPr marL="285750" indent="-285750">
-              <a:buFont typeface="Arial" panose="020B0604020202020204" pitchFamily="34" charset="0"/>
-              <a:buChar char="•"/>
-            </a:pPr>
-            <a:r>
-              <a:rPr lang="en-US" sz="3600" dirty="0" smtClean="0"/>
-              <a:t>Manager</a:t>
-            </a:r>
-            <a:endParaRPr lang="en-US" sz="3600" dirty="0"/>
+              <a:rPr lang="en-GB" sz="4000" b="1" dirty="0" smtClean="0"/>
+              <a:t>Boost business by </a:t>
+            </a:r>
+          </a:p>
+          <a:p>
+            <a:r>
+              <a:rPr lang="en-GB" sz="4000" b="1" dirty="0" smtClean="0"/>
+              <a:t>Making waiting times smaller and more predictable</a:t>
+            </a:r>
+          </a:p>
+          <a:p>
+            <a:r>
+              <a:rPr lang="en-GB" sz="4000" b="1" dirty="0" smtClean="0"/>
+              <a:t>Maximizing customer throughput</a:t>
+            </a:r>
+            <a:endParaRPr lang="en-GB" sz="4000" b="1" dirty="0"/>
+          </a:p>
+          <a:p>
+            <a:r>
+              <a:rPr lang="en-GB" sz="4000" b="1" dirty="0" smtClean="0"/>
+              <a:t>Maximizing employee efficiency</a:t>
+            </a:r>
+          </a:p>
+          <a:p>
+            <a:r>
+              <a:rPr lang="en-GB" sz="4000" b="1" dirty="0" smtClean="0"/>
+              <a:t>Increasing customer satisfaction</a:t>
+            </a:r>
           </a:p>
         </p:txBody>
       </p:sp>
     </p:spTree>
     <p:extLst>
       <p:ext uri="{BB962C8B-B14F-4D97-AF65-F5344CB8AC3E}">
-        <p14:creationId xmlns:p14="http://schemas.microsoft.com/office/powerpoint/2010/main" val="3137227738"/>
+        <p14:creationId xmlns:p14="http://schemas.microsoft.com/office/powerpoint/2010/main" val="2617764532"/>
       </p:ext>
     </p:extLst>
   </p:cSld>
@@ -9284,8 +9297,8 @@
         </p:nvSpPr>
         <p:spPr>
           <a:xfrm>
-            <a:off x="381000" y="-36786"/>
-            <a:ext cx="4876800" cy="1030014"/>
+            <a:off x="762000" y="152400"/>
+            <a:ext cx="4572000" cy="1096962"/>
           </a:xfrm>
         </p:spPr>
         <p:txBody>
@@ -9297,113 +9310,140 @@
             <a:pPr algn="l"/>
             <a:r>
               <a:rPr lang="en-US" sz="6000" b="1" dirty="0" smtClean="0"/>
-              <a:t>Goals:  </a:t>
-            </a:r>
-            <a:r>
-              <a:rPr lang="en-US" sz="6000" b="1" dirty="0" smtClean="0"/>
-              <a:t>Waiter</a:t>
+              <a:t>Actors</a:t>
             </a:r>
             <a:endParaRPr lang="en-US" sz="6000" b="1" dirty="0"/>
           </a:p>
         </p:txBody>
       </p:sp>
-      <p:sp>
-        <p:nvSpPr>
-          <p:cNvPr id="3" name="Content Placeholder 2"/>
-          <p:cNvSpPr>
-            <a:spLocks noGrp="1"/>
-          </p:cNvSpPr>
-          <p:nvPr>
-            <p:ph idx="1"/>
-          </p:nvPr>
-        </p:nvSpPr>
+      <p:pic>
+        <p:nvPicPr>
+          <p:cNvPr id="3" name="Picture 2"/>
+          <p:cNvPicPr>
+            <a:picLocks noChangeAspect="1"/>
+          </p:cNvPicPr>
+          <p:nvPr/>
+        </p:nvPicPr>
+        <p:blipFill>
+          <a:blip r:embed="rId2">
+            <a:extLst>
+              <a:ext uri="{28A0092B-C50C-407E-A947-70E740481C1C}">
+                <a14:useLocalDpi xmlns:a14="http://schemas.microsoft.com/office/drawing/2010/main" val="0"/>
+              </a:ext>
+            </a:extLst>
+          </a:blip>
+          <a:stretch>
+            <a:fillRect/>
+          </a:stretch>
+        </p:blipFill>
         <p:spPr>
           <a:xfrm>
-            <a:off x="496614" y="1143000"/>
-            <a:ext cx="8610600" cy="5181600"/>
+            <a:off x="3048000" y="1249362"/>
+            <a:ext cx="5809524" cy="5333333"/>
           </a:xfrm>
+          <a:prstGeom prst="rect">
+            <a:avLst/>
+          </a:prstGeom>
         </p:spPr>
-        <p:txBody>
-          <a:bodyPr>
-            <a:normAutofit fontScale="70000" lnSpcReduction="20000"/>
+      </p:pic>
+      <p:sp>
+        <p:nvSpPr>
+          <p:cNvPr id="5" name="TextBox 4"/>
+          <p:cNvSpPr txBox="1"/>
+          <p:nvPr/>
+        </p:nvSpPr>
+        <p:spPr>
+          <a:xfrm>
+            <a:off x="304800" y="1371600"/>
+            <a:ext cx="2514600" cy="4524315"/>
+          </a:xfrm>
+          <a:prstGeom prst="rect">
+            <a:avLst/>
+          </a:prstGeom>
+          <a:noFill/>
+        </p:spPr>
+        <p:txBody>
+          <a:bodyPr wrap="square" rtlCol="0">
+            <a:spAutoFit/>
           </a:bodyPr>
           <a:lstStyle/>
           <a:p>
-            <a:r>
-              <a:rPr lang="en-US" sz="4000" b="1" dirty="0" smtClean="0"/>
-              <a:t>Enter </a:t>
-            </a:r>
-            <a:r>
-              <a:rPr lang="en-US" sz="4000" b="1" dirty="0" smtClean="0"/>
-              <a:t>customers' orders quickly and easily</a:t>
-            </a:r>
-          </a:p>
-          <a:p>
-            <a:r>
-              <a:rPr lang="en-US" sz="4000" b="1" dirty="0" smtClean="0"/>
-              <a:t>Enter customers' orders without errors</a:t>
-            </a:r>
-          </a:p>
-          <a:p>
-            <a:r>
-              <a:rPr lang="en-US" sz="4000" b="1" dirty="0" smtClean="0"/>
-              <a:t>Communicate customer orders to the kitchen</a:t>
-            </a:r>
-          </a:p>
-          <a:p>
-            <a:r>
-              <a:rPr lang="en-US" sz="4000" b="1" dirty="0" smtClean="0"/>
-              <a:t>Access menu information on demand, as needed</a:t>
-            </a:r>
-          </a:p>
-          <a:p>
-            <a:r>
-              <a:rPr lang="en-US" sz="4000" b="1" dirty="0" smtClean="0"/>
-              <a:t>Adjust bill splitting/sharing as needed</a:t>
-            </a:r>
-          </a:p>
-          <a:p>
-            <a:r>
-              <a:rPr lang="en-US" sz="4000" b="1" dirty="0" smtClean="0"/>
-              <a:t>Mark what is from each person (seat number)</a:t>
-            </a:r>
-          </a:p>
-          <a:p>
-            <a:r>
-              <a:rPr lang="en-US" sz="4000" b="1" dirty="0" smtClean="0"/>
-              <a:t>Take customer payment quickly and easily</a:t>
-            </a:r>
-          </a:p>
-          <a:p>
-            <a:r>
-              <a:rPr lang="en-US" sz="4000" b="1" dirty="0" smtClean="0"/>
-              <a:t>See specials</a:t>
-            </a:r>
-          </a:p>
-          <a:p>
-            <a:r>
-              <a:rPr lang="en-US" sz="4000" b="1" dirty="0" smtClean="0"/>
-              <a:t>Use coupons / codes</a:t>
-            </a:r>
-          </a:p>
-          <a:p>
-            <a:r>
-              <a:rPr lang="en-US" sz="4000" b="1" dirty="0" smtClean="0"/>
-              <a:t>Receive tips</a:t>
-            </a:r>
-          </a:p>
-          <a:p>
-            <a:r>
-              <a:rPr lang="en-US" sz="4000" b="1" dirty="0" smtClean="0"/>
-              <a:t>Take complaints</a:t>
-            </a:r>
+            <a:pPr marL="285750" indent="-285750">
+              <a:buFont typeface="Arial" panose="020B0604020202020204" pitchFamily="34" charset="0"/>
+              <a:buChar char="•"/>
+            </a:pPr>
+            <a:r>
+              <a:rPr lang="en-US" sz="3600" dirty="0" smtClean="0"/>
+              <a:t>Waiter</a:t>
+            </a:r>
+          </a:p>
+          <a:p>
+            <a:pPr marL="285750" indent="-285750">
+              <a:buFont typeface="Arial" panose="020B0604020202020204" pitchFamily="34" charset="0"/>
+              <a:buChar char="•"/>
+            </a:pPr>
+            <a:r>
+              <a:rPr lang="en-US" sz="3600" dirty="0" smtClean="0"/>
+              <a:t>Kitchen Staff</a:t>
+            </a:r>
+          </a:p>
+          <a:p>
+            <a:pPr marL="285750" indent="-285750">
+              <a:buFont typeface="Arial" panose="020B0604020202020204" pitchFamily="34" charset="0"/>
+              <a:buChar char="•"/>
+            </a:pPr>
+            <a:r>
+              <a:rPr lang="en-US" sz="3600" dirty="0" smtClean="0"/>
+              <a:t>Hostess</a:t>
+            </a:r>
+          </a:p>
+          <a:p>
+            <a:pPr marL="285750" indent="-285750">
+              <a:buFont typeface="Arial" panose="020B0604020202020204" pitchFamily="34" charset="0"/>
+              <a:buChar char="•"/>
+            </a:pPr>
+            <a:r>
+              <a:rPr lang="en-US" sz="3600" dirty="0" smtClean="0"/>
+              <a:t>Customer</a:t>
+            </a:r>
+          </a:p>
+          <a:p>
+            <a:pPr marL="285750" indent="-285750">
+              <a:buFont typeface="Arial" panose="020B0604020202020204" pitchFamily="34" charset="0"/>
+              <a:buChar char="•"/>
+            </a:pPr>
+            <a:r>
+              <a:rPr lang="en-US" sz="3600" dirty="0" smtClean="0"/>
+              <a:t>Busboy</a:t>
+            </a:r>
+          </a:p>
+          <a:p>
+            <a:pPr marL="285750" indent="-285750">
+              <a:buFont typeface="Arial" panose="020B0604020202020204" pitchFamily="34" charset="0"/>
+              <a:buChar char="•"/>
+            </a:pPr>
+            <a:r>
+              <a:rPr lang="en-US" sz="3600" dirty="0" smtClean="0"/>
+              <a:t>Bartender</a:t>
+            </a:r>
+          </a:p>
+          <a:p>
+            <a:pPr marL="285750" indent="-285750">
+              <a:buFont typeface="Arial" panose="020B0604020202020204" pitchFamily="34" charset="0"/>
+              <a:buChar char="•"/>
+            </a:pPr>
+            <a:r>
+              <a:rPr lang="en-US" sz="3600" dirty="0" smtClean="0"/>
+              <a:t>Manager</a:t>
+            </a:r>
+            <a:endParaRPr lang="en-US" sz="3600" dirty="0"/>
           </a:p>
         </p:txBody>
       </p:sp>
     </p:spTree>
     <p:extLst>
       <p:ext uri="{BB962C8B-B14F-4D97-AF65-F5344CB8AC3E}">
-        <p14:creationId xmlns:p14="http://schemas.microsoft.com/office/powerpoint/2010/main" val="3004781825"/>
+        <p14:creationId xmlns:p14="http://schemas.microsoft.com/office/powerpoint/2010/main" val="3238072072"/>
       </p:ext>
     </p:extLst>
   </p:cSld>
@@ -9449,43 +9489,8 @@
         </p:nvSpPr>
         <p:spPr>
           <a:xfrm>
-            <a:off x="304800" y="18393"/>
-            <a:ext cx="6858000" cy="1030014"/>
-          </a:xfrm>
-        </p:spPr>
-        <p:txBody>
-          <a:bodyPr>
-            <a:noAutofit/>
-          </a:bodyPr>
-          <a:lstStyle/>
-          <a:p>
-            <a:pPr algn="l"/>
-            <a:r>
-              <a:rPr lang="en-US" sz="6000" b="1" dirty="0" smtClean="0"/>
-              <a:t>Goals: </a:t>
-            </a:r>
-            <a:r>
-              <a:rPr lang="en-US" sz="6000" b="1" dirty="0" smtClean="0"/>
-              <a:t>Kitchen Staff  </a:t>
-            </a:r>
-            <a:endParaRPr lang="en-US" sz="6000" b="1" dirty="0"/>
-          </a:p>
-        </p:txBody>
-      </p:sp>
-      <p:sp>
-        <p:nvSpPr>
-          <p:cNvPr id="3" name="Content Placeholder 2"/>
-          <p:cNvSpPr>
-            <a:spLocks noGrp="1"/>
-          </p:cNvSpPr>
-          <p:nvPr>
-            <p:ph idx="1"/>
-          </p:nvPr>
-        </p:nvSpPr>
-        <p:spPr>
-          <a:xfrm>
-            <a:off x="304800" y="1066800"/>
-            <a:ext cx="8610600" cy="5181600"/>
+            <a:off x="381000" y="-36786"/>
+            <a:ext cx="4876800" cy="1030014"/>
           </a:xfrm>
         </p:spPr>
         <p:txBody>
@@ -9494,40 +9499,108 @@
           </a:bodyPr>
           <a:lstStyle/>
           <a:p>
+            <a:pPr algn="l"/>
+            <a:r>
+              <a:rPr lang="en-US" sz="6000" b="1" dirty="0" smtClean="0"/>
+              <a:t>Goals:  Waiter</a:t>
+            </a:r>
+            <a:endParaRPr lang="en-US" sz="6000" b="1" dirty="0"/>
+          </a:p>
+        </p:txBody>
+      </p:sp>
+      <p:sp>
+        <p:nvSpPr>
+          <p:cNvPr id="3" name="Content Placeholder 2"/>
+          <p:cNvSpPr>
+            <a:spLocks noGrp="1"/>
+          </p:cNvSpPr>
+          <p:nvPr>
+            <p:ph idx="1"/>
+          </p:nvPr>
+        </p:nvSpPr>
+        <p:spPr>
+          <a:xfrm>
+            <a:off x="496614" y="1143000"/>
+            <a:ext cx="8610600" cy="5181600"/>
+          </a:xfrm>
+        </p:spPr>
+        <p:txBody>
+          <a:bodyPr>
+            <a:normAutofit fontScale="70000" lnSpcReduction="20000"/>
+          </a:bodyPr>
+          <a:lstStyle/>
+          <a:p>
             <a:r>
               <a:rPr lang="en-US" sz="4000" b="1" dirty="0" smtClean="0"/>
-              <a:t>View </a:t>
-            </a:r>
+              <a:t>Enter customers' orders quickly and easily</a:t>
+            </a:r>
+          </a:p>
+          <a:p>
             <a:r>
               <a:rPr lang="en-US" sz="4000" b="1" dirty="0" smtClean="0"/>
-              <a:t>clear and accurate report of queued orders</a:t>
+              <a:t>Enter customers' orders without errors</a:t>
             </a:r>
           </a:p>
           <a:p>
             <a:r>
               <a:rPr lang="en-US" sz="4000" b="1" dirty="0" smtClean="0"/>
-              <a:t>View upcoming orders in terms of priority</a:t>
+              <a:t>Communicate customer orders to the kitchen</a:t>
             </a:r>
           </a:p>
           <a:p>
             <a:r>
               <a:rPr lang="en-US" sz="4000" b="1" dirty="0" smtClean="0"/>
-              <a:t>Take ownership of orders</a:t>
+              <a:t>Access menu information on demand, as needed</a:t>
             </a:r>
           </a:p>
           <a:p>
             <a:r>
               <a:rPr lang="en-US" sz="4000" b="1" dirty="0" smtClean="0"/>
-              <a:t>Mark items as completed</a:t>
-            </a:r>
-            <a:endParaRPr lang="en-US" sz="4000" b="1" dirty="0"/>
+              <a:t>Adjust bill splitting/sharing as needed</a:t>
+            </a:r>
+          </a:p>
+          <a:p>
+            <a:r>
+              <a:rPr lang="en-US" sz="4000" b="1" dirty="0" smtClean="0"/>
+              <a:t>Mark what is from each person (seat number)</a:t>
+            </a:r>
+          </a:p>
+          <a:p>
+            <a:r>
+              <a:rPr lang="en-US" sz="4000" b="1" dirty="0" smtClean="0"/>
+              <a:t>Take customer payment quickly and easily</a:t>
+            </a:r>
+          </a:p>
+          <a:p>
+            <a:r>
+              <a:rPr lang="en-US" sz="4000" b="1" dirty="0" smtClean="0"/>
+              <a:t>See specials</a:t>
+            </a:r>
+          </a:p>
+          <a:p>
+            <a:r>
+              <a:rPr lang="en-US" sz="4000" b="1" dirty="0" smtClean="0"/>
+              <a:t>Use coupons / codes</a:t>
+            </a:r>
+          </a:p>
+          <a:p>
+            <a:r>
+              <a:rPr lang="en-US" sz="4000" b="1" dirty="0" smtClean="0"/>
+              <a:t>Receive tips</a:t>
+            </a:r>
+          </a:p>
+          <a:p>
+            <a:r>
+              <a:rPr lang="en-US" sz="4000" b="1" dirty="0" smtClean="0"/>
+              <a:t>Take complaints</a:t>
+            </a:r>
           </a:p>
         </p:txBody>
       </p:sp>
     </p:spTree>
     <p:extLst>
       <p:ext uri="{BB962C8B-B14F-4D97-AF65-F5344CB8AC3E}">
-        <p14:creationId xmlns:p14="http://schemas.microsoft.com/office/powerpoint/2010/main" val="2905895394"/>
+        <p14:creationId xmlns:p14="http://schemas.microsoft.com/office/powerpoint/2010/main" val="3983197363"/>
       </p:ext>
     </p:extLst>
   </p:cSld>
@@ -9573,8 +9646,39 @@
         </p:nvSpPr>
         <p:spPr>
           <a:xfrm>
-            <a:off x="228600" y="0"/>
-            <a:ext cx="5943600" cy="1030014"/>
+            <a:off x="304800" y="18393"/>
+            <a:ext cx="6858000" cy="1030014"/>
+          </a:xfrm>
+        </p:spPr>
+        <p:txBody>
+          <a:bodyPr>
+            <a:noAutofit/>
+          </a:bodyPr>
+          <a:lstStyle/>
+          <a:p>
+            <a:pPr algn="l"/>
+            <a:r>
+              <a:rPr lang="en-US" sz="6000" b="1" dirty="0" smtClean="0"/>
+              <a:t>Goals: Kitchen Staff  </a:t>
+            </a:r>
+            <a:endParaRPr lang="en-US" sz="6000" b="1" dirty="0"/>
+          </a:p>
+        </p:txBody>
+      </p:sp>
+      <p:sp>
+        <p:nvSpPr>
+          <p:cNvPr id="3" name="Content Placeholder 2"/>
+          <p:cNvSpPr>
+            <a:spLocks noGrp="1"/>
+          </p:cNvSpPr>
+          <p:nvPr>
+            <p:ph idx="1"/>
+          </p:nvPr>
+        </p:nvSpPr>
+        <p:spPr>
+          <a:xfrm>
+            <a:off x="304800" y="1066800"/>
+            <a:ext cx="8610600" cy="5181600"/>
           </a:xfrm>
         </p:spPr>
         <p:txBody>
@@ -9583,84 +9687,27 @@
           </a:bodyPr>
           <a:lstStyle/>
           <a:p>
-            <a:pPr algn="l"/>
-            <a:r>
-              <a:rPr lang="en-US" sz="6000" b="1" dirty="0" smtClean="0"/>
-              <a:t>Goals:  </a:t>
-            </a:r>
-            <a:r>
-              <a:rPr lang="en-US" sz="6000" b="1" dirty="0" smtClean="0"/>
-              <a:t>Customer</a:t>
-            </a:r>
-            <a:endParaRPr lang="en-US" sz="6000" b="1" dirty="0"/>
-          </a:p>
-        </p:txBody>
-      </p:sp>
-      <p:sp>
-        <p:nvSpPr>
-          <p:cNvPr id="3" name="Content Placeholder 2"/>
-          <p:cNvSpPr>
-            <a:spLocks noGrp="1"/>
-          </p:cNvSpPr>
-          <p:nvPr>
-            <p:ph idx="1"/>
-          </p:nvPr>
-        </p:nvSpPr>
-        <p:spPr>
-          <a:xfrm>
-            <a:off x="152400" y="1143000"/>
-            <a:ext cx="8610600" cy="5181600"/>
-          </a:xfrm>
-        </p:spPr>
-        <p:txBody>
-          <a:bodyPr>
-            <a:normAutofit fontScale="92500" lnSpcReduction="10000"/>
-          </a:bodyPr>
-          <a:lstStyle/>
-          <a:p>
             <a:r>
               <a:rPr lang="en-US" sz="4000" b="1" dirty="0" smtClean="0"/>
-              <a:t>Have </a:t>
-            </a:r>
+              <a:t>View clear and accurate report of queued orders</a:t>
+            </a:r>
+          </a:p>
+          <a:p>
             <a:r>
               <a:rPr lang="en-US" sz="4000" b="1" dirty="0" smtClean="0"/>
-              <a:t>order recorded accurately</a:t>
+              <a:t>View upcoming orders in terms of priority</a:t>
             </a:r>
           </a:p>
           <a:p>
             <a:r>
               <a:rPr lang="en-US" sz="4000" b="1" dirty="0" smtClean="0"/>
-              <a:t>Receive an accurate bill,</a:t>
+              <a:t>Take ownership of orders</a:t>
             </a:r>
           </a:p>
           <a:p>
             <a:r>
               <a:rPr lang="en-US" sz="4000" b="1" dirty="0" smtClean="0"/>
-              <a:t>including any splitting/sharing arrangements</a:t>
-            </a:r>
-          </a:p>
-          <a:p>
-            <a:r>
-              <a:rPr lang="en-US" sz="4000" b="1" dirty="0" smtClean="0"/>
-              <a:t>Pay with a credit card easily and securely</a:t>
-            </a:r>
-          </a:p>
-          <a:p>
-            <a:r>
-              <a:rPr lang="en-US" sz="4000" b="1" dirty="0" smtClean="0"/>
-              <a:t>Use coupons / codes</a:t>
-            </a:r>
-          </a:p>
-          <a:p>
-            <a:r>
-              <a:rPr lang="en-US" sz="4000" b="1" dirty="0" smtClean="0"/>
-              <a:t>Make a reservation</a:t>
-            </a:r>
-          </a:p>
-          <a:p>
-            <a:r>
-              <a:rPr lang="en-US" sz="4000" b="1" dirty="0" smtClean="0"/>
-              <a:t>Lodge a complaint</a:t>
+              <a:t>Mark items as completed</a:t>
             </a:r>
             <a:endParaRPr lang="en-US" sz="4000" b="1" dirty="0"/>
           </a:p>
@@ -9669,7 +9716,7 @@
     </p:spTree>
     <p:extLst>
       <p:ext uri="{BB962C8B-B14F-4D97-AF65-F5344CB8AC3E}">
-        <p14:creationId xmlns:p14="http://schemas.microsoft.com/office/powerpoint/2010/main" val="1036359662"/>
+        <p14:creationId xmlns:p14="http://schemas.microsoft.com/office/powerpoint/2010/main" val="896281299"/>
       </p:ext>
     </p:extLst>
   </p:cSld>

--- a/Project Documents/Group3_Presentation1_Capstone.pptx
+++ b/Project Documents/Group3_Presentation1_Capstone.pptx
@@ -29,9 +29,10 @@
     <p:sldId id="277" r:id="rId23"/>
     <p:sldId id="278" r:id="rId24"/>
     <p:sldId id="279" r:id="rId25"/>
-    <p:sldId id="280" r:id="rId26"/>
-    <p:sldId id="281" r:id="rId27"/>
-    <p:sldId id="282" r:id="rId28"/>
+    <p:sldId id="282" r:id="rId26"/>
+    <p:sldId id="283" r:id="rId27"/>
+    <p:sldId id="280" r:id="rId28"/>
+    <p:sldId id="281" r:id="rId29"/>
   </p:sldIdLst>
   <p:sldSz cx="9144000" cy="6858000" type="screen4x3"/>
   <p:notesSz cx="6858000" cy="9144000"/>
@@ -3870,7 +3871,7 @@
       </p:sp>
       <p:pic>
         <p:nvPicPr>
-          <p:cNvPr id="4" name="Picture 3"/>
+          <p:cNvPr id="3" name="Picture 2"/>
           <p:cNvPicPr>
             <a:picLocks noChangeAspect="1"/>
           </p:cNvPicPr>
@@ -3890,7 +3891,7 @@
         </p:blipFill>
         <p:spPr>
           <a:xfrm>
-            <a:off x="0" y="1219200"/>
+            <a:off x="0" y="1116169"/>
             <a:ext cx="9144000" cy="5468293"/>
           </a:xfrm>
           <a:prstGeom prst="rect">
@@ -7818,6 +7819,344 @@
         <p:spPr>
           <a:xfrm>
             <a:off x="457200" y="274638"/>
+            <a:ext cx="8001000" cy="1143000"/>
+          </a:xfrm>
+        </p:spPr>
+        <p:txBody>
+          <a:bodyPr>
+            <a:normAutofit fontScale="90000"/>
+          </a:bodyPr>
+          <a:lstStyle/>
+          <a:p>
+            <a:pPr algn="l"/>
+            <a:r>
+              <a:rPr lang="en-US" sz="6000" b="1" dirty="0" smtClean="0"/>
+              <a:t>Glossary of </a:t>
+            </a:r>
+            <a:r>
+              <a:rPr lang="en-US" sz="6000" b="1" dirty="0" smtClean="0"/>
+              <a:t>Terms (Entities)</a:t>
+            </a:r>
+            <a:endParaRPr lang="en-US" sz="6000" b="1" dirty="0"/>
+          </a:p>
+        </p:txBody>
+      </p:sp>
+      <p:sp>
+        <p:nvSpPr>
+          <p:cNvPr id="3" name="Content Placeholder 2"/>
+          <p:cNvSpPr>
+            <a:spLocks noGrp="1"/>
+          </p:cNvSpPr>
+          <p:nvPr>
+            <p:ph idx="1"/>
+          </p:nvPr>
+        </p:nvSpPr>
+        <p:spPr>
+          <a:xfrm>
+            <a:off x="457200" y="1600200"/>
+            <a:ext cx="8229600" cy="4953000"/>
+          </a:xfrm>
+        </p:spPr>
+        <p:txBody>
+          <a:bodyPr>
+            <a:normAutofit/>
+          </a:bodyPr>
+          <a:lstStyle/>
+          <a:p>
+            <a:r>
+              <a:rPr lang="en-US" sz="2000" b="1" dirty="0"/>
+              <a:t>Table</a:t>
+            </a:r>
+            <a:r>
+              <a:rPr lang="en-US" sz="2000" dirty="0"/>
+              <a:t>: The physical location at which Customers sit while dining.</a:t>
+            </a:r>
+          </a:p>
+          <a:p>
+            <a:r>
+              <a:rPr lang="en-US" sz="2000" b="1" dirty="0"/>
+              <a:t>Seat</a:t>
+            </a:r>
+            <a:r>
+              <a:rPr lang="en-US" sz="2000" dirty="0"/>
+              <a:t>: A single spot at a Table, identified by number. A Customer in a Party occupies a Seat.</a:t>
+            </a:r>
+          </a:p>
+          <a:p>
+            <a:r>
+              <a:rPr lang="en-US" sz="2000" b="1" dirty="0"/>
+              <a:t>Party</a:t>
+            </a:r>
+            <a:r>
+              <a:rPr lang="en-US" sz="2000" dirty="0"/>
+              <a:t>: A set of customers sitting together and ordering for the same meal.</a:t>
+            </a:r>
+          </a:p>
+          <a:p>
+            <a:r>
+              <a:rPr lang="en-US" sz="2000" b="1" dirty="0"/>
+              <a:t>Dish</a:t>
+            </a:r>
+            <a:r>
+              <a:rPr lang="en-US" sz="2000" dirty="0"/>
+              <a:t>: A dish or drink on the menu that a customer can order.</a:t>
+            </a:r>
+          </a:p>
+          <a:p>
+            <a:r>
+              <a:rPr lang="en-US" sz="2000" b="1" dirty="0"/>
+              <a:t>Dish Type</a:t>
+            </a:r>
+            <a:r>
+              <a:rPr lang="en-US" sz="2000" dirty="0"/>
+              <a:t>: An attribute of an item. Values include, Appetizer, Main, Dessert, Drink, etc.</a:t>
+            </a:r>
+          </a:p>
+          <a:p>
+            <a:r>
+              <a:rPr lang="en-US" sz="2000" b="1" dirty="0"/>
+              <a:t>Order</a:t>
+            </a:r>
+            <a:r>
+              <a:rPr lang="en-US" sz="2000" dirty="0"/>
+              <a:t>: A set of items ordered by a customer at a seat.</a:t>
+            </a:r>
+          </a:p>
+          <a:p>
+            <a:r>
+              <a:rPr lang="en-US" sz="2000" b="1" dirty="0"/>
+              <a:t>Order Group</a:t>
+            </a:r>
+            <a:r>
+              <a:rPr lang="en-US" sz="2000" dirty="0"/>
+              <a:t>: Orders to be paid by the same payee</a:t>
+            </a:r>
+            <a:r>
+              <a:rPr lang="en-US" sz="2000" dirty="0" smtClean="0"/>
+              <a:t>.</a:t>
+            </a:r>
+          </a:p>
+          <a:p>
+            <a:r>
+              <a:rPr lang="en-US" sz="2000" b="1" dirty="0"/>
+              <a:t>Bill</a:t>
+            </a:r>
+            <a:r>
+              <a:rPr lang="en-US" sz="2000" dirty="0"/>
+              <a:t>: All Dishes belonging to an Order Group. Includes the price of each Dish and the total price.</a:t>
+            </a:r>
+          </a:p>
+          <a:p>
+            <a:endParaRPr lang="en-US" sz="2000" dirty="0"/>
+          </a:p>
+        </p:txBody>
+      </p:sp>
+    </p:spTree>
+    <p:extLst>
+      <p:ext uri="{BB962C8B-B14F-4D97-AF65-F5344CB8AC3E}">
+        <p14:creationId xmlns:p14="http://schemas.microsoft.com/office/powerpoint/2010/main" val="1700301986"/>
+      </p:ext>
+    </p:extLst>
+  </p:cSld>
+  <p:clrMapOvr>
+    <a:masterClrMapping/>
+  </p:clrMapOvr>
+  <p:timing>
+    <p:tnLst>
+      <p:par>
+        <p:cTn id="1" dur="indefinite" restart="never" nodeType="tmRoot"/>
+      </p:par>
+    </p:tnLst>
+  </p:timing>
+</p:sld>
+</file>
+
+<file path=ppt/slides/slide26.xml><?xml version="1.0" encoding="utf-8"?>
+<p:sld xmlns:a="http://schemas.openxmlformats.org/drawingml/2006/main" xmlns:r="http://schemas.openxmlformats.org/officeDocument/2006/relationships" xmlns:p="http://schemas.openxmlformats.org/presentationml/2006/main">
+  <p:cSld>
+    <p:spTree>
+      <p:nvGrpSpPr>
+        <p:cNvPr id="1" name=""/>
+        <p:cNvGrpSpPr/>
+        <p:nvPr/>
+      </p:nvGrpSpPr>
+      <p:grpSpPr>
+        <a:xfrm>
+          <a:off x="0" y="0"/>
+          <a:ext cx="0" cy="0"/>
+          <a:chOff x="0" y="0"/>
+          <a:chExt cx="0" cy="0"/>
+        </a:xfrm>
+      </p:grpSpPr>
+      <p:sp>
+        <p:nvSpPr>
+          <p:cNvPr id="2" name="Title 1"/>
+          <p:cNvSpPr>
+            <a:spLocks noGrp="1"/>
+          </p:cNvSpPr>
+          <p:nvPr>
+            <p:ph type="title"/>
+          </p:nvPr>
+        </p:nvSpPr>
+        <p:spPr>
+          <a:xfrm>
+            <a:off x="457200" y="274638"/>
+            <a:ext cx="8001000" cy="1143000"/>
+          </a:xfrm>
+        </p:spPr>
+        <p:txBody>
+          <a:bodyPr>
+            <a:normAutofit fontScale="90000"/>
+          </a:bodyPr>
+          <a:lstStyle/>
+          <a:p>
+            <a:pPr algn="l"/>
+            <a:r>
+              <a:rPr lang="en-US" sz="6000" b="1" dirty="0"/>
+              <a:t>Glossary of Terms (Entities)</a:t>
+            </a:r>
+            <a:endParaRPr lang="en-US" sz="6000" b="1" dirty="0"/>
+          </a:p>
+        </p:txBody>
+      </p:sp>
+      <p:sp>
+        <p:nvSpPr>
+          <p:cNvPr id="3" name="Content Placeholder 2"/>
+          <p:cNvSpPr>
+            <a:spLocks noGrp="1"/>
+          </p:cNvSpPr>
+          <p:nvPr>
+            <p:ph idx="1"/>
+          </p:nvPr>
+        </p:nvSpPr>
+        <p:spPr>
+          <a:xfrm>
+            <a:off x="457200" y="1600200"/>
+            <a:ext cx="8229600" cy="4953000"/>
+          </a:xfrm>
+        </p:spPr>
+        <p:txBody>
+          <a:bodyPr>
+            <a:normAutofit/>
+          </a:bodyPr>
+          <a:lstStyle/>
+          <a:p>
+            <a:r>
+              <a:rPr lang="en-US" sz="2000" b="1" dirty="0" smtClean="0"/>
+              <a:t>Order </a:t>
+            </a:r>
+            <a:r>
+              <a:rPr lang="en-US" sz="2000" b="1" dirty="0"/>
+              <a:t>Queue</a:t>
+            </a:r>
+            <a:r>
+              <a:rPr lang="en-US" sz="2000" dirty="0"/>
+              <a:t>: List of Orders, used in the kitchen to plan for orders to be prepared on a first-come first-served basis (grouped by Party and Dish Type).</a:t>
+            </a:r>
+          </a:p>
+          <a:p>
+            <a:r>
+              <a:rPr lang="en-US" sz="2000" b="1" dirty="0"/>
+              <a:t>Item Queue</a:t>
+            </a:r>
+            <a:r>
+              <a:rPr lang="en-US" sz="2000" dirty="0"/>
+              <a:t>: List of Items, used in the kitchen to plan for Items of the same Type to be ready for each seat at a table at the same time.</a:t>
+            </a:r>
+          </a:p>
+          <a:p>
+            <a:r>
+              <a:rPr lang="en-US" sz="2000" b="1" dirty="0"/>
+              <a:t>Service Queue</a:t>
+            </a:r>
+            <a:r>
+              <a:rPr lang="en-US" sz="2000" dirty="0"/>
+              <a:t>: Collection of Items of the same type ready to be delivered to a table.</a:t>
+            </a:r>
+          </a:p>
+          <a:p>
+            <a:r>
+              <a:rPr lang="en-US" sz="2000" b="1" dirty="0"/>
+              <a:t>Bus queue</a:t>
+            </a:r>
+            <a:r>
+              <a:rPr lang="en-US" sz="2000" dirty="0"/>
+              <a:t>: List of tables ready to be cleaned and prepared for new customers.</a:t>
+            </a:r>
+          </a:p>
+          <a:p>
+            <a:r>
+              <a:rPr lang="en-US" sz="2000" b="1" dirty="0"/>
+              <a:t>Table status</a:t>
+            </a:r>
+            <a:r>
+              <a:rPr lang="en-US" sz="2000" dirty="0"/>
+              <a:t>: Attribute of Tables determining next action that can be taken. Values include: occupied, bus-queue, available.</a:t>
+            </a:r>
+          </a:p>
+          <a:p>
+            <a:r>
+              <a:rPr lang="en-US" sz="2000" b="1" dirty="0"/>
+              <a:t>Discount</a:t>
+            </a:r>
+            <a:r>
+              <a:rPr lang="en-US" sz="2000" dirty="0"/>
+              <a:t>: Any action that reduces prices below those listed in the menu. Includes coupons, complimentary items, manager adjustments.</a:t>
+            </a:r>
+            <a:endParaRPr lang="en-US" sz="2000" dirty="0"/>
+          </a:p>
+        </p:txBody>
+      </p:sp>
+    </p:spTree>
+    <p:extLst>
+      <p:ext uri="{BB962C8B-B14F-4D97-AF65-F5344CB8AC3E}">
+        <p14:creationId xmlns:p14="http://schemas.microsoft.com/office/powerpoint/2010/main" val="1399126867"/>
+      </p:ext>
+    </p:extLst>
+  </p:cSld>
+  <p:clrMapOvr>
+    <a:masterClrMapping/>
+  </p:clrMapOvr>
+  <p:timing>
+    <p:tnLst>
+      <p:par>
+        <p:cTn id="1" dur="indefinite" restart="never" nodeType="tmRoot"/>
+      </p:par>
+    </p:tnLst>
+  </p:timing>
+</p:sld>
+</file>
+
+<file path=ppt/slides/slide27.xml><?xml version="1.0" encoding="utf-8"?>
+<p:sld xmlns:a="http://schemas.openxmlformats.org/drawingml/2006/main" xmlns:r="http://schemas.openxmlformats.org/officeDocument/2006/relationships" xmlns:p="http://schemas.openxmlformats.org/presentationml/2006/main">
+  <p:cSld>
+    <p:spTree>
+      <p:nvGrpSpPr>
+        <p:cNvPr id="1" name=""/>
+        <p:cNvGrpSpPr/>
+        <p:nvPr/>
+      </p:nvGrpSpPr>
+      <p:grpSpPr>
+        <a:xfrm>
+          <a:off x="0" y="0"/>
+          <a:ext cx="0" cy="0"/>
+          <a:chOff x="0" y="0"/>
+          <a:chExt cx="0" cy="0"/>
+        </a:xfrm>
+      </p:grpSpPr>
+      <p:sp>
+        <p:nvSpPr>
+          <p:cNvPr id="2" name="Title 1"/>
+          <p:cNvSpPr>
+            <a:spLocks noGrp="1"/>
+          </p:cNvSpPr>
+          <p:nvPr>
+            <p:ph type="title"/>
+          </p:nvPr>
+        </p:nvSpPr>
+        <p:spPr>
+          <a:xfrm>
+            <a:off x="457200" y="274638"/>
             <a:ext cx="5486400" cy="1143000"/>
           </a:xfrm>
         </p:spPr>
@@ -7924,7 +8263,7 @@
 </p:sld>
 </file>
 
-<file path=ppt/slides/slide26.xml><?xml version="1.0" encoding="utf-8"?>
+<file path=ppt/slides/slide28.xml><?xml version="1.0" encoding="utf-8"?>
 <p:sld xmlns:a="http://schemas.openxmlformats.org/drawingml/2006/main" xmlns:r="http://schemas.openxmlformats.org/officeDocument/2006/relationships" xmlns:p="http://schemas.openxmlformats.org/presentationml/2006/main">
   <p:cSld>
     <p:spTree>
@@ -8553,222 +8892,6 @@
 </p:sld>
 </file>
 
-<file path=ppt/slides/slide27.xml><?xml version="1.0" encoding="utf-8"?>
-<p:sld xmlns:a="http://schemas.openxmlformats.org/drawingml/2006/main" xmlns:r="http://schemas.openxmlformats.org/officeDocument/2006/relationships" xmlns:p="http://schemas.openxmlformats.org/presentationml/2006/main">
-  <p:cSld>
-    <p:spTree>
-      <p:nvGrpSpPr>
-        <p:cNvPr id="1" name=""/>
-        <p:cNvGrpSpPr/>
-        <p:nvPr/>
-      </p:nvGrpSpPr>
-      <p:grpSpPr>
-        <a:xfrm>
-          <a:off x="0" y="0"/>
-          <a:ext cx="0" cy="0"/>
-          <a:chOff x="0" y="0"/>
-          <a:chExt cx="0" cy="0"/>
-        </a:xfrm>
-      </p:grpSpPr>
-      <p:sp>
-        <p:nvSpPr>
-          <p:cNvPr id="2" name="Title 1"/>
-          <p:cNvSpPr>
-            <a:spLocks noGrp="1"/>
-          </p:cNvSpPr>
-          <p:nvPr>
-            <p:ph type="title"/>
-          </p:nvPr>
-        </p:nvSpPr>
-        <p:spPr>
-          <a:xfrm>
-            <a:off x="457200" y="274638"/>
-            <a:ext cx="5486400" cy="1143000"/>
-          </a:xfrm>
-        </p:spPr>
-        <p:txBody>
-          <a:bodyPr>
-            <a:normAutofit fontScale="90000"/>
-          </a:bodyPr>
-          <a:lstStyle/>
-          <a:p>
-            <a:pPr algn="l"/>
-            <a:r>
-              <a:rPr lang="en-US" sz="6000" b="1" dirty="0" smtClean="0"/>
-              <a:t>Glossary of Terms</a:t>
-            </a:r>
-            <a:endParaRPr lang="en-US" sz="6000" b="1" dirty="0"/>
-          </a:p>
-        </p:txBody>
-      </p:sp>
-      <p:sp>
-        <p:nvSpPr>
-          <p:cNvPr id="3" name="Content Placeholder 2"/>
-          <p:cNvSpPr>
-            <a:spLocks noGrp="1"/>
-          </p:cNvSpPr>
-          <p:nvPr>
-            <p:ph idx="1"/>
-          </p:nvPr>
-        </p:nvSpPr>
-        <p:spPr>
-          <a:xfrm>
-            <a:off x="457200" y="1600200"/>
-            <a:ext cx="8229600" cy="4953000"/>
-          </a:xfrm>
-        </p:spPr>
-        <p:txBody>
-          <a:bodyPr>
-            <a:normAutofit fontScale="47500" lnSpcReduction="20000"/>
-          </a:bodyPr>
-          <a:lstStyle/>
-          <a:p>
-            <a:r>
-              <a:rPr lang="en-US" sz="4000" b="1" dirty="0"/>
-              <a:t>Table</a:t>
-            </a:r>
-            <a:r>
-              <a:rPr lang="en-US" sz="4000" dirty="0"/>
-              <a:t>: A set of customers sitting together and ordering for the same meal.</a:t>
-            </a:r>
-          </a:p>
-          <a:p>
-            <a:r>
-              <a:rPr lang="en-US" sz="4000" b="1" dirty="0"/>
-              <a:t>Seat</a:t>
-            </a:r>
-            <a:r>
-              <a:rPr lang="en-US" sz="4000" dirty="0"/>
-              <a:t>: A single person at a table, identified by number.</a:t>
-            </a:r>
-          </a:p>
-          <a:p>
-            <a:r>
-              <a:rPr lang="en-US" sz="4000" b="1" dirty="0"/>
-              <a:t>Item</a:t>
-            </a:r>
-            <a:r>
-              <a:rPr lang="en-US" sz="4000" dirty="0"/>
-              <a:t>: A dish or drink on the menu that a customer can order.</a:t>
-            </a:r>
-          </a:p>
-          <a:p>
-            <a:r>
-              <a:rPr lang="en-US" sz="4000" b="1" dirty="0"/>
-              <a:t>Item Type</a:t>
-            </a:r>
-            <a:r>
-              <a:rPr lang="en-US" sz="4000" dirty="0"/>
-              <a:t>: An attribute of an item. Values include, Appetizer, Main, Dessert, Drink, etc.</a:t>
-            </a:r>
-          </a:p>
-          <a:p>
-            <a:r>
-              <a:rPr lang="en-US" sz="4000" b="1" dirty="0"/>
-              <a:t>Order</a:t>
-            </a:r>
-            <a:r>
-              <a:rPr lang="en-US" sz="4000" dirty="0"/>
-              <a:t>: A set of items ordered by a customer at a seat.</a:t>
-            </a:r>
-          </a:p>
-          <a:p>
-            <a:r>
-              <a:rPr lang="en-US" sz="4000" b="1" dirty="0"/>
-              <a:t>Order Group</a:t>
-            </a:r>
-            <a:r>
-              <a:rPr lang="en-US" sz="4000" dirty="0"/>
-              <a:t>: Orders to be paid by the same payee.</a:t>
-            </a:r>
-          </a:p>
-          <a:p>
-            <a:r>
-              <a:rPr lang="en-US" sz="4000" b="1" dirty="0"/>
-              <a:t>Bill</a:t>
-            </a:r>
-            <a:r>
-              <a:rPr lang="en-US" sz="4000" dirty="0"/>
-              <a:t>: All Items belonging to a table, includes the price of each Item and the total price.</a:t>
-            </a:r>
-          </a:p>
-          <a:p>
-            <a:r>
-              <a:rPr lang="en-US" sz="4000" b="1" dirty="0"/>
-              <a:t>Order Queue</a:t>
-            </a:r>
-            <a:r>
-              <a:rPr lang="en-US" sz="4000" dirty="0"/>
-              <a:t>: List of Orders, used in the kitchen to plan for orders to be prepared on a first-come first-served basis (grouped by Bill).</a:t>
-            </a:r>
-          </a:p>
-          <a:p>
-            <a:r>
-              <a:rPr lang="en-US" sz="4000" b="1" dirty="0"/>
-              <a:t>Item Queue</a:t>
-            </a:r>
-            <a:r>
-              <a:rPr lang="en-US" sz="4000" dirty="0"/>
-              <a:t>: List of Items, used in the kitchen to plan for Items of the same Type to be ready for each seat at a table at the same time.</a:t>
-            </a:r>
-          </a:p>
-          <a:p>
-            <a:r>
-              <a:rPr lang="en-US" sz="4000" b="1" dirty="0"/>
-              <a:t>Service Queue</a:t>
-            </a:r>
-            <a:r>
-              <a:rPr lang="en-US" sz="4000" dirty="0"/>
-              <a:t>: Collection of Items of the same type ready to be delivered to a table.</a:t>
-            </a:r>
-          </a:p>
-          <a:p>
-            <a:r>
-              <a:rPr lang="en-US" sz="4000" b="1" dirty="0"/>
-              <a:t>Bus queue</a:t>
-            </a:r>
-            <a:r>
-              <a:rPr lang="en-US" sz="4000" dirty="0"/>
-              <a:t>: List of tables ready to be cleaned and prepared for new customers.</a:t>
-            </a:r>
-          </a:p>
-          <a:p>
-            <a:r>
-              <a:rPr lang="en-US" sz="4000" b="1" dirty="0"/>
-              <a:t>Table status</a:t>
-            </a:r>
-            <a:r>
-              <a:rPr lang="en-US" sz="4000" dirty="0"/>
-              <a:t>: Attribute of Tables determining next action that can be taken. Values include: occupied, bus-queue, available</a:t>
-            </a:r>
-            <a:r>
-              <a:rPr lang="en-US" sz="4000" dirty="0" smtClean="0"/>
-              <a:t>.</a:t>
-            </a:r>
-            <a:endParaRPr lang="en-US" sz="4000" dirty="0"/>
-          </a:p>
-        </p:txBody>
-      </p:sp>
-    </p:spTree>
-    <p:extLst>
-      <p:ext uri="{BB962C8B-B14F-4D97-AF65-F5344CB8AC3E}">
-        <p14:creationId xmlns:p14="http://schemas.microsoft.com/office/powerpoint/2010/main" val="1700301986"/>
-      </p:ext>
-    </p:extLst>
-  </p:cSld>
-  <p:clrMapOvr>
-    <a:masterClrMapping/>
-  </p:clrMapOvr>
-  <p:timing>
-    <p:tnLst>
-      <p:par>
-        <p:cTn id="1" dur="indefinite" restart="never" nodeType="tmRoot"/>
-      </p:par>
-    </p:tnLst>
-  </p:timing>
-</p:sld>
-</file>
-
 <file path=ppt/slides/slide3.xml><?xml version="1.0" encoding="utf-8"?>
 <p:sld xmlns:a="http://schemas.openxmlformats.org/drawingml/2006/main" xmlns:r="http://schemas.openxmlformats.org/officeDocument/2006/relationships" xmlns:p="http://schemas.openxmlformats.org/presentationml/2006/main">
   <p:cSld>
@@ -8786,28 +8909,6 @@
           <a:chExt cx="0" cy="0"/>
         </a:xfrm>
       </p:grpSpPr>
-      <p:sp>
-        <p:nvSpPr>
-          <p:cNvPr id="2" name="Title 1"/>
-          <p:cNvSpPr>
-            <a:spLocks noGrp="1"/>
-          </p:cNvSpPr>
-          <p:nvPr>
-            <p:ph type="title"/>
-          </p:nvPr>
-        </p:nvSpPr>
-        <p:spPr/>
-        <p:txBody>
-          <a:bodyPr>
-            <a:normAutofit/>
-          </a:bodyPr>
-          <a:lstStyle/>
-          <a:p>
-            <a:pPr algn="l"/>
-            <a:endParaRPr lang="en-US" sz="6000" b="1" dirty="0"/>
-          </a:p>
-        </p:txBody>
-      </p:sp>
       <p:pic>
         <p:nvPicPr>
           <p:cNvPr id="4" name="Content Placeholder 3"/>
@@ -9316,9 +9417,103 @@
           </a:p>
         </p:txBody>
       </p:sp>
+      <p:sp>
+        <p:nvSpPr>
+          <p:cNvPr id="5" name="TextBox 4"/>
+          <p:cNvSpPr txBox="1"/>
+          <p:nvPr/>
+        </p:nvSpPr>
+        <p:spPr>
+          <a:xfrm>
+            <a:off x="304800" y="1371600"/>
+            <a:ext cx="2514600" cy="4524315"/>
+          </a:xfrm>
+          <a:prstGeom prst="rect">
+            <a:avLst/>
+          </a:prstGeom>
+          <a:noFill/>
+        </p:spPr>
+        <p:txBody>
+          <a:bodyPr wrap="square" rtlCol="0">
+            <a:spAutoFit/>
+          </a:bodyPr>
+          <a:lstStyle/>
+          <a:p>
+            <a:pPr marL="285750" indent="-285750">
+              <a:buFont typeface="Arial" panose="020B0604020202020204" pitchFamily="34" charset="0"/>
+              <a:buChar char="•"/>
+            </a:pPr>
+            <a:r>
+              <a:rPr lang="en-US" sz="3600" dirty="0" smtClean="0"/>
+              <a:t>Waiter</a:t>
+            </a:r>
+          </a:p>
+          <a:p>
+            <a:pPr marL="285750" indent="-285750">
+              <a:buFont typeface="Arial" panose="020B0604020202020204" pitchFamily="34" charset="0"/>
+              <a:buChar char="•"/>
+            </a:pPr>
+            <a:r>
+              <a:rPr lang="en-US" sz="3600" dirty="0" smtClean="0"/>
+              <a:t>Kitchen Staff</a:t>
+            </a:r>
+          </a:p>
+          <a:p>
+            <a:pPr marL="285750" indent="-285750">
+              <a:buFont typeface="Arial" panose="020B0604020202020204" pitchFamily="34" charset="0"/>
+              <a:buChar char="•"/>
+            </a:pPr>
+            <a:r>
+              <a:rPr lang="en-US" sz="3600" dirty="0" smtClean="0"/>
+              <a:t>Hostess</a:t>
+            </a:r>
+          </a:p>
+          <a:p>
+            <a:pPr marL="285750" indent="-285750">
+              <a:buFont typeface="Arial" panose="020B0604020202020204" pitchFamily="34" charset="0"/>
+              <a:buChar char="•"/>
+            </a:pPr>
+            <a:r>
+              <a:rPr lang="en-US" sz="3600" dirty="0" smtClean="0"/>
+              <a:t>Customer</a:t>
+            </a:r>
+          </a:p>
+          <a:p>
+            <a:pPr marL="285750" indent="-285750">
+              <a:buFont typeface="Arial" panose="020B0604020202020204" pitchFamily="34" charset="0"/>
+              <a:buChar char="•"/>
+            </a:pPr>
+            <a:r>
+              <a:rPr lang="en-US" sz="3600" dirty="0" smtClean="0"/>
+              <a:t>Busboy</a:t>
+            </a:r>
+          </a:p>
+          <a:p>
+            <a:pPr marL="285750" indent="-285750">
+              <a:buFont typeface="Arial" panose="020B0604020202020204" pitchFamily="34" charset="0"/>
+              <a:buChar char="•"/>
+            </a:pPr>
+            <a:r>
+              <a:rPr lang="en-US" sz="3600" dirty="0" smtClean="0"/>
+              <a:t>Bartender</a:t>
+            </a:r>
+          </a:p>
+          <a:p>
+            <a:pPr marL="285750" indent="-285750">
+              <a:buFont typeface="Arial" panose="020B0604020202020204" pitchFamily="34" charset="0"/>
+              <a:buChar char="•"/>
+            </a:pPr>
+            <a:r>
+              <a:rPr lang="en-US" sz="3600" dirty="0" smtClean="0"/>
+              <a:t>Manager</a:t>
+            </a:r>
+            <a:endParaRPr lang="en-US" sz="3600" dirty="0"/>
+          </a:p>
+        </p:txBody>
+      </p:sp>
       <p:pic>
         <p:nvPicPr>
-          <p:cNvPr id="3" name="Picture 2"/>
+          <p:cNvPr id="4" name="Picture 3"/>
           <p:cNvPicPr>
             <a:picLocks noChangeAspect="1"/>
           </p:cNvPicPr>
@@ -9338,108 +9533,14 @@
         </p:blipFill>
         <p:spPr>
           <a:xfrm>
-            <a:off x="3048000" y="1249362"/>
-            <a:ext cx="5809524" cy="5333333"/>
+            <a:off x="3505200" y="1249362"/>
+            <a:ext cx="5239481" cy="5048955"/>
           </a:xfrm>
           <a:prstGeom prst="rect">
             <a:avLst/>
           </a:prstGeom>
         </p:spPr>
       </p:pic>
-      <p:sp>
-        <p:nvSpPr>
-          <p:cNvPr id="5" name="TextBox 4"/>
-          <p:cNvSpPr txBox="1"/>
-          <p:nvPr/>
-        </p:nvSpPr>
-        <p:spPr>
-          <a:xfrm>
-            <a:off x="304800" y="1371600"/>
-            <a:ext cx="2514600" cy="4524315"/>
-          </a:xfrm>
-          <a:prstGeom prst="rect">
-            <a:avLst/>
-          </a:prstGeom>
-          <a:noFill/>
-        </p:spPr>
-        <p:txBody>
-          <a:bodyPr wrap="square" rtlCol="0">
-            <a:spAutoFit/>
-          </a:bodyPr>
-          <a:lstStyle/>
-          <a:p>
-            <a:pPr marL="285750" indent="-285750">
-              <a:buFont typeface="Arial" panose="020B0604020202020204" pitchFamily="34" charset="0"/>
-              <a:buChar char="•"/>
-            </a:pPr>
-            <a:r>
-              <a:rPr lang="en-US" sz="3600" dirty="0" smtClean="0"/>
-              <a:t>Waiter</a:t>
-            </a:r>
-          </a:p>
-          <a:p>
-            <a:pPr marL="285750" indent="-285750">
-              <a:buFont typeface="Arial" panose="020B0604020202020204" pitchFamily="34" charset="0"/>
-              <a:buChar char="•"/>
-            </a:pPr>
-            <a:r>
-              <a:rPr lang="en-US" sz="3600" dirty="0" smtClean="0"/>
-              <a:t>Kitchen Staff</a:t>
-            </a:r>
-          </a:p>
-          <a:p>
-            <a:pPr marL="285750" indent="-285750">
-              <a:buFont typeface="Arial" panose="020B0604020202020204" pitchFamily="34" charset="0"/>
-              <a:buChar char="•"/>
-            </a:pPr>
-            <a:r>
-              <a:rPr lang="en-US" sz="3600" dirty="0" smtClean="0"/>
-              <a:t>Hostess</a:t>
-            </a:r>
-          </a:p>
-          <a:p>
-            <a:pPr marL="285750" indent="-285750">
-              <a:buFont typeface="Arial" panose="020B0604020202020204" pitchFamily="34" charset="0"/>
-              <a:buChar char="•"/>
-            </a:pPr>
-            <a:r>
-              <a:rPr lang="en-US" sz="3600" dirty="0" smtClean="0"/>
-              <a:t>Customer</a:t>
-            </a:r>
-          </a:p>
-          <a:p>
-            <a:pPr marL="285750" indent="-285750">
-              <a:buFont typeface="Arial" panose="020B0604020202020204" pitchFamily="34" charset="0"/>
-              <a:buChar char="•"/>
-            </a:pPr>
-            <a:r>
-              <a:rPr lang="en-US" sz="3600" dirty="0" smtClean="0"/>
-              <a:t>Busboy</a:t>
-            </a:r>
-          </a:p>
-          <a:p>
-            <a:pPr marL="285750" indent="-285750">
-              <a:buFont typeface="Arial" panose="020B0604020202020204" pitchFamily="34" charset="0"/>
-              <a:buChar char="•"/>
-            </a:pPr>
-            <a:r>
-              <a:rPr lang="en-US" sz="3600" dirty="0" smtClean="0"/>
-              <a:t>Bartender</a:t>
-            </a:r>
-          </a:p>
-          <a:p>
-            <a:pPr marL="285750" indent="-285750">
-              <a:buFont typeface="Arial" panose="020B0604020202020204" pitchFamily="34" charset="0"/>
-              <a:buChar char="•"/>
-            </a:pPr>
-            <a:r>
-              <a:rPr lang="en-US" sz="3600" dirty="0" smtClean="0"/>
-              <a:t>Manager</a:t>
-            </a:r>
-            <a:endParaRPr lang="en-US" sz="3600" dirty="0"/>
-          </a:p>
-        </p:txBody>
-      </p:sp>
     </p:spTree>
     <p:extLst>
       <p:ext uri="{BB962C8B-B14F-4D97-AF65-F5344CB8AC3E}">

--- a/Project Documents/Group3_Presentation1_Capstone.pptx
+++ b/Project Documents/Group3_Presentation1_Capstone.pptx
@@ -5,34 +5,32 @@
     <p:sldMasterId id="2147483672" r:id="rId1"/>
   </p:sldMasterIdLst>
   <p:sldIdLst>
-    <p:sldId id="256" r:id="rId2"/>
-    <p:sldId id="257" r:id="rId3"/>
-    <p:sldId id="258" r:id="rId4"/>
-    <p:sldId id="259" r:id="rId5"/>
-    <p:sldId id="260" r:id="rId6"/>
-    <p:sldId id="261" r:id="rId7"/>
-    <p:sldId id="262" r:id="rId8"/>
-    <p:sldId id="263" r:id="rId9"/>
-    <p:sldId id="264" r:id="rId10"/>
-    <p:sldId id="265" r:id="rId11"/>
-    <p:sldId id="266" r:id="rId12"/>
-    <p:sldId id="267" r:id="rId13"/>
-    <p:sldId id="268" r:id="rId14"/>
-    <p:sldId id="269" r:id="rId15"/>
-    <p:sldId id="270" r:id="rId16"/>
-    <p:sldId id="271" r:id="rId17"/>
-    <p:sldId id="272" r:id="rId18"/>
-    <p:sldId id="273" r:id="rId19"/>
-    <p:sldId id="274" r:id="rId20"/>
-    <p:sldId id="275" r:id="rId21"/>
-    <p:sldId id="276" r:id="rId22"/>
-    <p:sldId id="277" r:id="rId23"/>
-    <p:sldId id="278" r:id="rId24"/>
-    <p:sldId id="279" r:id="rId25"/>
-    <p:sldId id="282" r:id="rId26"/>
-    <p:sldId id="283" r:id="rId27"/>
-    <p:sldId id="280" r:id="rId28"/>
-    <p:sldId id="281" r:id="rId29"/>
+    <p:sldId id="301" r:id="rId2"/>
+    <p:sldId id="271" r:id="rId3"/>
+    <p:sldId id="257" r:id="rId4"/>
+    <p:sldId id="302" r:id="rId5"/>
+    <p:sldId id="272" r:id="rId6"/>
+    <p:sldId id="297" r:id="rId7"/>
+    <p:sldId id="275" r:id="rId8"/>
+    <p:sldId id="280" r:id="rId9"/>
+    <p:sldId id="278" r:id="rId10"/>
+    <p:sldId id="282" r:id="rId11"/>
+    <p:sldId id="279" r:id="rId12"/>
+    <p:sldId id="281" r:id="rId13"/>
+    <p:sldId id="276" r:id="rId14"/>
+    <p:sldId id="277" r:id="rId15"/>
+    <p:sldId id="286" r:id="rId16"/>
+    <p:sldId id="287" r:id="rId17"/>
+    <p:sldId id="288" r:id="rId18"/>
+    <p:sldId id="289" r:id="rId19"/>
+    <p:sldId id="283" r:id="rId20"/>
+    <p:sldId id="284" r:id="rId21"/>
+    <p:sldId id="285" r:id="rId22"/>
+    <p:sldId id="298" r:id="rId23"/>
+    <p:sldId id="299" r:id="rId24"/>
+    <p:sldId id="295" r:id="rId25"/>
+    <p:sldId id="300" r:id="rId26"/>
+    <p:sldId id="293" r:id="rId27"/>
   </p:sldIdLst>
   <p:sldSz cx="9144000" cy="6858000" type="screen4x3"/>
   <p:notesSz cx="6858000" cy="9144000"/>
@@ -331,7 +329,7 @@
           <a:p>
             <a:fld id="{9CBAF4B6-CA8D-4A6D-9D13-D160FC327925}" type="datetimeFigureOut">
               <a:rPr lang="en-US" smtClean="0"/>
-              <a:t>5/27/2013</a:t>
+              <a:t>5/26/2013</a:t>
             </a:fld>
             <a:endParaRPr lang="en-US"/>
           </a:p>
@@ -501,7 +499,7 @@
           <a:p>
             <a:fld id="{9CBAF4B6-CA8D-4A6D-9D13-D160FC327925}" type="datetimeFigureOut">
               <a:rPr lang="en-US" smtClean="0"/>
-              <a:t>5/27/2013</a:t>
+              <a:t>5/26/2013</a:t>
             </a:fld>
             <a:endParaRPr lang="en-US"/>
           </a:p>
@@ -681,7 +679,7 @@
           <a:p>
             <a:fld id="{9CBAF4B6-CA8D-4A6D-9D13-D160FC327925}" type="datetimeFigureOut">
               <a:rPr lang="en-US" smtClean="0"/>
-              <a:t>5/27/2013</a:t>
+              <a:t>5/26/2013</a:t>
             </a:fld>
             <a:endParaRPr lang="en-US"/>
           </a:p>
@@ -851,7 +849,7 @@
           <a:p>
             <a:fld id="{9CBAF4B6-CA8D-4A6D-9D13-D160FC327925}" type="datetimeFigureOut">
               <a:rPr lang="en-US" smtClean="0"/>
-              <a:t>5/27/2013</a:t>
+              <a:t>5/26/2013</a:t>
             </a:fld>
             <a:endParaRPr lang="en-US"/>
           </a:p>
@@ -1097,7 +1095,7 @@
           <a:p>
             <a:fld id="{9CBAF4B6-CA8D-4A6D-9D13-D160FC327925}" type="datetimeFigureOut">
               <a:rPr lang="en-US" smtClean="0"/>
-              <a:t>5/27/2013</a:t>
+              <a:t>5/26/2013</a:t>
             </a:fld>
             <a:endParaRPr lang="en-US"/>
           </a:p>
@@ -1385,7 +1383,7 @@
           <a:p>
             <a:fld id="{9CBAF4B6-CA8D-4A6D-9D13-D160FC327925}" type="datetimeFigureOut">
               <a:rPr lang="en-US" smtClean="0"/>
-              <a:t>5/27/2013</a:t>
+              <a:t>5/26/2013</a:t>
             </a:fld>
             <a:endParaRPr lang="en-US"/>
           </a:p>
@@ -1807,7 +1805,7 @@
           <a:p>
             <a:fld id="{9CBAF4B6-CA8D-4A6D-9D13-D160FC327925}" type="datetimeFigureOut">
               <a:rPr lang="en-US" smtClean="0"/>
-              <a:t>5/27/2013</a:t>
+              <a:t>5/26/2013</a:t>
             </a:fld>
             <a:endParaRPr lang="en-US"/>
           </a:p>
@@ -1925,7 +1923,7 @@
           <a:p>
             <a:fld id="{9CBAF4B6-CA8D-4A6D-9D13-D160FC327925}" type="datetimeFigureOut">
               <a:rPr lang="en-US" smtClean="0"/>
-              <a:t>5/27/2013</a:t>
+              <a:t>5/26/2013</a:t>
             </a:fld>
             <a:endParaRPr lang="en-US"/>
           </a:p>
@@ -2020,7 +2018,7 @@
           <a:p>
             <a:fld id="{9CBAF4B6-CA8D-4A6D-9D13-D160FC327925}" type="datetimeFigureOut">
               <a:rPr lang="en-US" smtClean="0"/>
-              <a:t>5/27/2013</a:t>
+              <a:t>5/26/2013</a:t>
             </a:fld>
             <a:endParaRPr lang="en-US"/>
           </a:p>
@@ -2297,7 +2295,7 @@
           <a:p>
             <a:fld id="{9CBAF4B6-CA8D-4A6D-9D13-D160FC327925}" type="datetimeFigureOut">
               <a:rPr lang="en-US" smtClean="0"/>
-              <a:t>5/27/2013</a:t>
+              <a:t>5/26/2013</a:t>
             </a:fld>
             <a:endParaRPr lang="en-US"/>
           </a:p>
@@ -2550,7 +2548,7 @@
           <a:p>
             <a:fld id="{9CBAF4B6-CA8D-4A6D-9D13-D160FC327925}" type="datetimeFigureOut">
               <a:rPr lang="en-US" smtClean="0"/>
-              <a:t>5/27/2013</a:t>
+              <a:t>5/26/2013</a:t>
             </a:fld>
             <a:endParaRPr lang="en-US"/>
           </a:p>
@@ -2772,7 +2770,7 @@
           <a:p>
             <a:fld id="{9CBAF4B6-CA8D-4A6D-9D13-D160FC327925}" type="datetimeFigureOut">
               <a:rPr lang="en-US" smtClean="0"/>
-              <a:t>5/27/2013</a:t>
+              <a:t>5/26/2013</a:t>
             </a:fld>
             <a:endParaRPr lang="en-US"/>
           </a:p>
@@ -3279,7 +3277,15 @@
                   <a:srgbClr val="C00000"/>
                 </a:solidFill>
               </a:rPr>
-              <a:t>Glossary?</a:t>
+              <a:t>Glossary</a:t>
+            </a:r>
+            <a:r>
+              <a:rPr lang="en-US" sz="4000" b="1" dirty="0" smtClean="0">
+                <a:solidFill>
+                  <a:srgbClr val="C00000"/>
+                </a:solidFill>
+              </a:rPr>
+              <a:t>?</a:t>
             </a:r>
             <a:endParaRPr lang="en-US" sz="4000" b="1" dirty="0">
               <a:solidFill>
@@ -3299,7 +3305,7 @@
     </p:spTree>
     <p:extLst>
       <p:ext uri="{BB962C8B-B14F-4D97-AF65-F5344CB8AC3E}">
-        <p14:creationId xmlns:p14="http://schemas.microsoft.com/office/powerpoint/2010/main" val="2022097557"/>
+        <p14:creationId xmlns:p14="http://schemas.microsoft.com/office/powerpoint/2010/main" val="1617315837"/>
       </p:ext>
     </p:extLst>
   </p:cSld>
@@ -3346,19 +3352,23 @@
         <p:spPr>
           <a:xfrm>
             <a:off x="228600" y="0"/>
-            <a:ext cx="5943600" cy="1030014"/>
+            <a:ext cx="5562600" cy="1030014"/>
           </a:xfrm>
         </p:spPr>
         <p:txBody>
           <a:bodyPr>
-            <a:normAutofit/>
+            <a:noAutofit/>
           </a:bodyPr>
           <a:lstStyle/>
           <a:p>
             <a:pPr algn="l"/>
             <a:r>
               <a:rPr lang="en-US" sz="6000" b="1" dirty="0" smtClean="0"/>
-              <a:t>Goals:  Customer</a:t>
+              <a:t>Goals:  </a:t>
+            </a:r>
+            <a:r>
+              <a:rPr lang="en-US" sz="6000" b="1" dirty="0" smtClean="0"/>
+              <a:t>Manager</a:t>
             </a:r>
             <a:endParaRPr lang="en-US" sz="6000" b="1" dirty="0"/>
           </a:p>
@@ -3382,49 +3392,52 @@
         </p:spPr>
         <p:txBody>
           <a:bodyPr>
-            <a:normAutofit fontScale="92500" lnSpcReduction="10000"/>
+            <a:normAutofit fontScale="92500"/>
           </a:bodyPr>
           <a:lstStyle/>
           <a:p>
             <a:r>
               <a:rPr lang="en-US" sz="4000" b="1" dirty="0" smtClean="0"/>
-              <a:t>Have order recorded accurately</a:t>
-            </a:r>
-          </a:p>
-          <a:p>
+              <a:t>View </a:t>
+            </a:r>
             <a:r>
               <a:rPr lang="en-US" sz="4000" b="1" dirty="0" smtClean="0"/>
-              <a:t>Receive an accurate bill,</a:t>
+              <a:t>aggregated information about sales</a:t>
             </a:r>
           </a:p>
           <a:p>
             <a:r>
               <a:rPr lang="en-US" sz="4000" b="1" dirty="0" smtClean="0"/>
-              <a:t>including any splitting/sharing arrangements</a:t>
-            </a:r>
-          </a:p>
-          <a:p>
+              <a:t>View aggregated information about </a:t>
+            </a:r>
             <a:r>
               <a:rPr lang="en-US" sz="4000" b="1" dirty="0" smtClean="0"/>
-              <a:t>Pay with a credit card easily and securely</a:t>
-            </a:r>
+              <a:t>inventory consumption</a:t>
+            </a:r>
+            <a:endParaRPr lang="en-US" sz="4000" b="1" dirty="0" smtClean="0"/>
           </a:p>
           <a:p>
             <a:r>
               <a:rPr lang="en-US" sz="4000" b="1" dirty="0" smtClean="0"/>
-              <a:t>Use coupons / codes</a:t>
+              <a:t>View aggregated information about employee work</a:t>
             </a:r>
           </a:p>
           <a:p>
             <a:r>
               <a:rPr lang="en-US" sz="4000" b="1" dirty="0" smtClean="0"/>
-              <a:t>Make a reservation</a:t>
+              <a:t>Make adjustments to bill amounts</a:t>
             </a:r>
           </a:p>
           <a:p>
             <a:r>
               <a:rPr lang="en-US" sz="4000" b="1" dirty="0" smtClean="0"/>
-              <a:t>Lodge a complaint</a:t>
+              <a:t>View complaints</a:t>
+            </a:r>
+          </a:p>
+          <a:p>
+            <a:r>
+              <a:rPr lang="en-US" sz="4000" b="1" dirty="0" smtClean="0"/>
+              <a:t>Perform all other roles</a:t>
             </a:r>
             <a:endParaRPr lang="en-US" sz="4000" b="1" dirty="0"/>
           </a:p>
@@ -3433,7 +3446,7 @@
     </p:spTree>
     <p:extLst>
       <p:ext uri="{BB962C8B-B14F-4D97-AF65-F5344CB8AC3E}">
-        <p14:creationId xmlns:p14="http://schemas.microsoft.com/office/powerpoint/2010/main" val="2219990299"/>
+        <p14:creationId xmlns:p14="http://schemas.microsoft.com/office/powerpoint/2010/main" val="263037169"/>
       </p:ext>
     </p:extLst>
   </p:cSld>
@@ -3479,7 +3492,7 @@
         </p:nvSpPr>
         <p:spPr>
           <a:xfrm>
-            <a:off x="228600" y="0"/>
+            <a:off x="304800" y="0"/>
             <a:ext cx="5562600" cy="1030014"/>
           </a:xfrm>
         </p:spPr>
@@ -3492,7 +3505,11 @@
             <a:pPr algn="l"/>
             <a:r>
               <a:rPr lang="en-US" sz="6000" b="1" dirty="0" smtClean="0"/>
-              <a:t>Goals:  Manager</a:t>
+              <a:t>Goals: </a:t>
+            </a:r>
+            <a:r>
+              <a:rPr lang="en-US" sz="6000" b="1" dirty="0" smtClean="0"/>
+              <a:t>Hostess</a:t>
             </a:r>
             <a:endParaRPr lang="en-US" sz="6000" b="1" dirty="0"/>
           </a:p>
@@ -3510,49 +3527,59 @@
         </p:nvSpPr>
         <p:spPr>
           <a:xfrm>
-            <a:off x="152400" y="1143000"/>
+            <a:off x="304800" y="1066800"/>
             <a:ext cx="8610600" cy="5181600"/>
           </a:xfrm>
         </p:spPr>
         <p:txBody>
           <a:bodyPr>
-            <a:normAutofit fontScale="92500"/>
+            <a:normAutofit fontScale="92500" lnSpcReduction="20000"/>
           </a:bodyPr>
           <a:lstStyle/>
           <a:p>
             <a:r>
               <a:rPr lang="en-US" sz="4000" b="1" dirty="0" smtClean="0"/>
-              <a:t>View aggregated information about sales</a:t>
-            </a:r>
-          </a:p>
-          <a:p>
+              <a:t>View </a:t>
+            </a:r>
             <a:r>
               <a:rPr lang="en-US" sz="4000" b="1" dirty="0" smtClean="0"/>
-              <a:t>View aggregated information about inventory consumption</a:t>
+              <a:t>which tables are open and which are not</a:t>
             </a:r>
           </a:p>
           <a:p>
             <a:r>
               <a:rPr lang="en-US" sz="4000" b="1" dirty="0" smtClean="0"/>
-              <a:t>View aggregated information about employee work</a:t>
+              <a:t>View waiting times for tables</a:t>
             </a:r>
           </a:p>
           <a:p>
             <a:r>
               <a:rPr lang="en-US" sz="4000" b="1" dirty="0" smtClean="0"/>
-              <a:t>Make adjustments to bill amounts</a:t>
+              <a:t>via check in and check out, average duration</a:t>
             </a:r>
           </a:p>
           <a:p>
             <a:r>
               <a:rPr lang="en-US" sz="4000" b="1" dirty="0" smtClean="0"/>
-              <a:t>View complaints</a:t>
+              <a:t>View which tables may be open soon</a:t>
             </a:r>
           </a:p>
           <a:p>
             <a:r>
               <a:rPr lang="en-US" sz="4000" b="1" dirty="0" smtClean="0"/>
-              <a:t>Perform all other roles</a:t>
+              <a:t>See table capacities</a:t>
+            </a:r>
+          </a:p>
+          <a:p>
+            <a:r>
+              <a:rPr lang="en-US" sz="4000" b="1" dirty="0" smtClean="0"/>
+              <a:t>View table server assignments</a:t>
+            </a:r>
+          </a:p>
+          <a:p>
+            <a:r>
+              <a:rPr lang="en-US" sz="4000" b="1" dirty="0" smtClean="0"/>
+              <a:t>by zone</a:t>
             </a:r>
             <a:endParaRPr lang="en-US" sz="4000" b="1" dirty="0"/>
           </a:p>
@@ -3561,7 +3588,7 @@
     </p:spTree>
     <p:extLst>
       <p:ext uri="{BB962C8B-B14F-4D97-AF65-F5344CB8AC3E}">
-        <p14:creationId xmlns:p14="http://schemas.microsoft.com/office/powerpoint/2010/main" val="3143960085"/>
+        <p14:creationId xmlns:p14="http://schemas.microsoft.com/office/powerpoint/2010/main" val="2905895394"/>
       </p:ext>
     </p:extLst>
   </p:cSld>
@@ -3607,20 +3634,24 @@
         </p:nvSpPr>
         <p:spPr>
           <a:xfrm>
-            <a:off x="304800" y="0"/>
-            <a:ext cx="5562600" cy="1030014"/>
+            <a:off x="0" y="36786"/>
+            <a:ext cx="4876800" cy="1030014"/>
           </a:xfrm>
         </p:spPr>
         <p:txBody>
           <a:bodyPr>
-            <a:noAutofit/>
+            <a:normAutofit/>
           </a:bodyPr>
           <a:lstStyle/>
           <a:p>
             <a:pPr algn="l"/>
             <a:r>
               <a:rPr lang="en-US" sz="6000" b="1" dirty="0" smtClean="0"/>
-              <a:t>Goals: Hostess</a:t>
+              <a:t>Goals: </a:t>
+            </a:r>
+            <a:r>
+              <a:rPr lang="en-US" sz="6000" b="1" dirty="0" smtClean="0"/>
+              <a:t>Busboy </a:t>
             </a:r>
             <a:endParaRPr lang="en-US" sz="6000" b="1" dirty="0"/>
           </a:p>
@@ -3638,56 +3669,35 @@
         </p:nvSpPr>
         <p:spPr>
           <a:xfrm>
-            <a:off x="304800" y="1066800"/>
+            <a:off x="152400" y="1143000"/>
             <a:ext cx="8610600" cy="5181600"/>
           </a:xfrm>
         </p:spPr>
         <p:txBody>
           <a:bodyPr>
-            <a:normAutofit fontScale="92500" lnSpcReduction="20000"/>
+            <a:normAutofit/>
           </a:bodyPr>
           <a:lstStyle/>
           <a:p>
             <a:r>
               <a:rPr lang="en-US" sz="4000" b="1" dirty="0" smtClean="0"/>
-              <a:t>View which tables are open and which are not</a:t>
-            </a:r>
-          </a:p>
-          <a:p>
+              <a:t>Indicate </a:t>
+            </a:r>
             <a:r>
               <a:rPr lang="en-US" sz="4000" b="1" dirty="0" smtClean="0"/>
-              <a:t>View waiting times for tables</a:t>
+              <a:t>that tables are ready for seating, easily and without error</a:t>
             </a:r>
           </a:p>
           <a:p>
             <a:r>
               <a:rPr lang="en-US" sz="4000" b="1" dirty="0" smtClean="0"/>
-              <a:t>via check in and check out, average duration</a:t>
-            </a:r>
-          </a:p>
-          <a:p>
-            <a:r>
-              <a:rPr lang="en-US" sz="4000" b="1" dirty="0" smtClean="0"/>
-              <a:t>View which tables may be open soon</a:t>
-            </a:r>
-          </a:p>
-          <a:p>
-            <a:r>
-              <a:rPr lang="en-US" sz="4000" b="1" dirty="0" smtClean="0"/>
-              <a:t>See table capacities</a:t>
-            </a:r>
-          </a:p>
-          <a:p>
-            <a:r>
-              <a:rPr lang="en-US" sz="4000" b="1" dirty="0" smtClean="0"/>
-              <a:t>View table server assignments</a:t>
-            </a:r>
-          </a:p>
-          <a:p>
-            <a:r>
-              <a:rPr lang="en-US" sz="4000" b="1" dirty="0" smtClean="0"/>
-              <a:t>by zone</a:t>
-            </a:r>
+              <a:t>See which tables need to be cleaned (indicated by bill paid)</a:t>
+            </a:r>
+          </a:p>
+          <a:p>
+            <a:pPr marL="0" indent="0">
+              <a:buNone/>
+            </a:pPr>
             <a:endParaRPr lang="en-US" sz="4000" b="1" dirty="0"/>
           </a:p>
         </p:txBody>
@@ -3695,7 +3705,7 @@
     </p:spTree>
     <p:extLst>
       <p:ext uri="{BB962C8B-B14F-4D97-AF65-F5344CB8AC3E}">
-        <p14:creationId xmlns:p14="http://schemas.microsoft.com/office/powerpoint/2010/main" val="4270577504"/>
+        <p14:creationId xmlns:p14="http://schemas.microsoft.com/office/powerpoint/2010/main" val="263037169"/>
       </p:ext>
     </p:extLst>
   </p:cSld>
@@ -3741,8 +3751,8 @@
         </p:nvSpPr>
         <p:spPr>
           <a:xfrm>
-            <a:off x="0" y="36786"/>
-            <a:ext cx="4876800" cy="1030014"/>
+            <a:off x="34159" y="0"/>
+            <a:ext cx="5486400" cy="1143000"/>
           </a:xfrm>
         </p:spPr>
         <p:txBody>
@@ -3754,57 +3764,46 @@
             <a:pPr algn="l"/>
             <a:r>
               <a:rPr lang="en-US" sz="6000" b="1" dirty="0" smtClean="0"/>
-              <a:t>Goals: Busboy </a:t>
+              <a:t>Domain Model</a:t>
             </a:r>
             <a:endParaRPr lang="en-US" sz="6000" b="1" dirty="0"/>
           </a:p>
         </p:txBody>
       </p:sp>
-      <p:sp>
-        <p:nvSpPr>
-          <p:cNvPr id="3" name="Content Placeholder 2"/>
-          <p:cNvSpPr>
-            <a:spLocks noGrp="1"/>
-          </p:cNvSpPr>
-          <p:nvPr>
-            <p:ph idx="1"/>
-          </p:nvPr>
-        </p:nvSpPr>
+      <p:pic>
+        <p:nvPicPr>
+          <p:cNvPr id="4" name="Picture 3"/>
+          <p:cNvPicPr>
+            <a:picLocks noChangeAspect="1"/>
+          </p:cNvPicPr>
+          <p:nvPr/>
+        </p:nvPicPr>
+        <p:blipFill>
+          <a:blip r:embed="rId2">
+            <a:extLst>
+              <a:ext uri="{28A0092B-C50C-407E-A947-70E740481C1C}">
+                <a14:useLocalDpi xmlns:a14="http://schemas.microsoft.com/office/drawing/2010/main" val="0"/>
+              </a:ext>
+            </a:extLst>
+          </a:blip>
+          <a:stretch>
+            <a:fillRect/>
+          </a:stretch>
+        </p:blipFill>
         <p:spPr>
           <a:xfrm>
-            <a:off x="152400" y="1143000"/>
-            <a:ext cx="8610600" cy="5181600"/>
+            <a:off x="0" y="1219200"/>
+            <a:ext cx="9144000" cy="5468293"/>
           </a:xfrm>
+          <a:prstGeom prst="rect">
+            <a:avLst/>
+          </a:prstGeom>
         </p:spPr>
-        <p:txBody>
-          <a:bodyPr>
-            <a:normAutofit/>
-          </a:bodyPr>
-          <a:lstStyle/>
-          <a:p>
-            <a:r>
-              <a:rPr lang="en-US" sz="4000" b="1" dirty="0" smtClean="0"/>
-              <a:t>Indicate that tables are ready for seating, easily and without error</a:t>
-            </a:r>
-          </a:p>
-          <a:p>
-            <a:r>
-              <a:rPr lang="en-US" sz="4000" b="1" dirty="0" smtClean="0"/>
-              <a:t>See which tables need to be cleaned (indicated by bill paid)</a:t>
-            </a:r>
-          </a:p>
-          <a:p>
-            <a:pPr marL="0" indent="0">
-              <a:buNone/>
-            </a:pPr>
-            <a:endParaRPr lang="en-US" sz="4000" b="1" dirty="0"/>
-          </a:p>
-        </p:txBody>
-      </p:sp>
+      </p:pic>
     </p:spTree>
     <p:extLst>
       <p:ext uri="{BB962C8B-B14F-4D97-AF65-F5344CB8AC3E}">
-        <p14:creationId xmlns:p14="http://schemas.microsoft.com/office/powerpoint/2010/main" val="1451251532"/>
+        <p14:creationId xmlns:p14="http://schemas.microsoft.com/office/powerpoint/2010/main" val="3004781825"/>
       </p:ext>
     </p:extLst>
   </p:cSld>
@@ -3850,8 +3849,8 @@
         </p:nvSpPr>
         <p:spPr>
           <a:xfrm>
-            <a:off x="34159" y="0"/>
-            <a:ext cx="5486400" cy="1143000"/>
+            <a:off x="76200" y="-76200"/>
+            <a:ext cx="7924800" cy="1143000"/>
           </a:xfrm>
         </p:spPr>
         <p:txBody>
@@ -3863,46 +3862,84 @@
             <a:pPr algn="l"/>
             <a:r>
               <a:rPr lang="en-US" sz="6000" b="1" dirty="0" smtClean="0"/>
-              <a:t>Domain Model</a:t>
+              <a:t>Main Success Scenario</a:t>
             </a:r>
             <a:endParaRPr lang="en-US" sz="6000" b="1" dirty="0"/>
           </a:p>
         </p:txBody>
       </p:sp>
-      <p:pic>
-        <p:nvPicPr>
-          <p:cNvPr id="3" name="Picture 2"/>
-          <p:cNvPicPr>
-            <a:picLocks noChangeAspect="1"/>
-          </p:cNvPicPr>
-          <p:nvPr/>
-        </p:nvPicPr>
-        <p:blipFill>
-          <a:blip r:embed="rId2">
-            <a:extLst>
-              <a:ext uri="{28A0092B-C50C-407E-A947-70E740481C1C}">
-                <a14:useLocalDpi xmlns:a14="http://schemas.microsoft.com/office/drawing/2010/main" val="0"/>
-              </a:ext>
-            </a:extLst>
-          </a:blip>
-          <a:stretch>
-            <a:fillRect/>
-          </a:stretch>
-        </p:blipFill>
+      <p:sp>
+        <p:nvSpPr>
+          <p:cNvPr id="3" name="Content Placeholder 2"/>
+          <p:cNvSpPr>
+            <a:spLocks noGrp="1"/>
+          </p:cNvSpPr>
+          <p:nvPr>
+            <p:ph idx="1"/>
+          </p:nvPr>
+        </p:nvSpPr>
         <p:spPr>
           <a:xfrm>
-            <a:off x="0" y="1116169"/>
-            <a:ext cx="9144000" cy="5468293"/>
+            <a:off x="228600" y="914400"/>
+            <a:ext cx="8458200" cy="5486400"/>
           </a:xfrm>
-          <a:prstGeom prst="rect">
-            <a:avLst/>
-          </a:prstGeom>
         </p:spPr>
-      </p:pic>
+        <p:txBody>
+          <a:bodyPr>
+            <a:normAutofit/>
+          </a:bodyPr>
+          <a:lstStyle/>
+          <a:p>
+            <a:r>
+              <a:rPr lang="en-US" sz="4000" b="1" dirty="0"/>
+              <a:t>Customer enters</a:t>
+            </a:r>
+          </a:p>
+          <a:p>
+            <a:r>
+              <a:rPr lang="en-US" sz="4000" b="1" dirty="0" smtClean="0"/>
+              <a:t>Hostess </a:t>
+            </a:r>
+            <a:r>
+              <a:rPr lang="en-US" sz="4000" b="1" dirty="0"/>
+              <a:t>checks for available </a:t>
+            </a:r>
+            <a:r>
+              <a:rPr lang="en-US" sz="4000" b="1" dirty="0" smtClean="0"/>
+              <a:t>tables / estimated wait-time </a:t>
+            </a:r>
+            <a:endParaRPr lang="en-US" sz="4000" b="1" dirty="0"/>
+          </a:p>
+          <a:p>
+            <a:r>
+              <a:rPr lang="en-US" sz="4000" b="1" dirty="0"/>
+              <a:t>Customer seated by </a:t>
+            </a:r>
+            <a:r>
+              <a:rPr lang="en-US" sz="4000" b="1" dirty="0" smtClean="0"/>
+              <a:t>hostess, table marked occupied and  assigned to a waiter</a:t>
+            </a:r>
+          </a:p>
+          <a:p>
+            <a:r>
+              <a:rPr lang="en-US" sz="4000" b="1" dirty="0" smtClean="0"/>
+              <a:t>Drinks, Appetizers, meals: ordered /prepared </a:t>
+            </a:r>
+            <a:r>
+              <a:rPr lang="en-US" sz="4000" b="1" dirty="0"/>
+              <a:t>/ </a:t>
+            </a:r>
+            <a:r>
+              <a:rPr lang="en-US" sz="4000" b="1" dirty="0" smtClean="0"/>
+              <a:t>delivered</a:t>
+            </a:r>
+          </a:p>
+        </p:txBody>
+      </p:sp>
     </p:spTree>
     <p:extLst>
       <p:ext uri="{BB962C8B-B14F-4D97-AF65-F5344CB8AC3E}">
-        <p14:creationId xmlns:p14="http://schemas.microsoft.com/office/powerpoint/2010/main" val="3692276360"/>
+        <p14:creationId xmlns:p14="http://schemas.microsoft.com/office/powerpoint/2010/main" val="3004781825"/>
       </p:ext>
     </p:extLst>
   </p:cSld>
@@ -3979,96 +4016,60 @@
         </p:nvSpPr>
         <p:spPr>
           <a:xfrm>
-            <a:off x="4419600" y="914400"/>
-            <a:ext cx="4267200" cy="5486400"/>
+            <a:off x="228600" y="914400"/>
+            <a:ext cx="8458200" cy="5486400"/>
           </a:xfrm>
         </p:spPr>
         <p:txBody>
           <a:bodyPr>
-            <a:normAutofit fontScale="77500" lnSpcReduction="20000"/>
+            <a:normAutofit fontScale="92500" lnSpcReduction="20000"/>
           </a:bodyPr>
           <a:lstStyle/>
           <a:p>
             <a:r>
-              <a:rPr lang="en-US" sz="4000" b="1" dirty="0"/>
-              <a:t>Customer enters</a:t>
-            </a:r>
-          </a:p>
-          <a:p>
+              <a:rPr lang="en-US" sz="4000" b="1" u="sng" dirty="0" smtClean="0"/>
+              <a:t>Ordering</a:t>
+            </a:r>
             <a:r>
               <a:rPr lang="en-US" sz="4000" b="1" dirty="0" smtClean="0"/>
-              <a:t>Hostess </a:t>
-            </a:r>
-            <a:r>
-              <a:rPr lang="en-US" sz="4000" b="1" dirty="0"/>
-              <a:t>checks for available </a:t>
+              <a:t>: order-items (drinks and dishes) are added to order-group which is placed in an order-queue by wait-staff</a:t>
+            </a:r>
+          </a:p>
+          <a:p>
+            <a:r>
+              <a:rPr lang="en-US" sz="4000" b="1" u="sng" dirty="0" smtClean="0"/>
+              <a:t>Preparation</a:t>
             </a:r>
             <a:r>
               <a:rPr lang="en-US" sz="4000" b="1" dirty="0" smtClean="0"/>
-              <a:t>tables / estimated wait-time </a:t>
+              <a:t>: order-group is removed from the order-queue by kitchen staff, order-items are prepared (in </a:t>
+            </a:r>
+            <a:r>
+              <a:rPr lang="en-US" sz="4000" b="1" dirty="0" err="1" smtClean="0"/>
+              <a:t>LPTF</a:t>
+            </a:r>
+            <a:r>
+              <a:rPr lang="en-US" sz="4000" b="1" dirty="0" smtClean="0"/>
+              <a:t> order), and the order-group is placed in the delivery-queue.  Inventory is updated.</a:t>
+            </a:r>
+          </a:p>
+          <a:p>
+            <a:r>
+              <a:rPr lang="en-US" sz="4000" b="1" u="sng" dirty="0" smtClean="0"/>
+              <a:t>Delivery</a:t>
+            </a:r>
+            <a:r>
+              <a:rPr lang="en-US" sz="4000" b="1" dirty="0" smtClean="0"/>
+              <a:t>: item is delivered and removed from delivery-queue by wait-staff.</a:t>
             </a:r>
             <a:endParaRPr lang="en-US" sz="4000" b="1" dirty="0"/>
           </a:p>
-          <a:p>
-            <a:r>
-              <a:rPr lang="en-US" sz="4000" b="1" dirty="0"/>
-              <a:t>Customer seated by </a:t>
-            </a:r>
-            <a:r>
-              <a:rPr lang="en-US" sz="4000" b="1" dirty="0" smtClean="0"/>
-              <a:t>hostess, table marked occupied and  assigned to a waiter</a:t>
-            </a:r>
-          </a:p>
-          <a:p>
-            <a:r>
-              <a:rPr lang="en-US" sz="4000" b="1" dirty="0" smtClean="0"/>
-              <a:t>Drinks, Appetizers, meals: ordered /prepared </a:t>
-            </a:r>
-            <a:r>
-              <a:rPr lang="en-US" sz="4000" b="1" dirty="0"/>
-              <a:t>/ </a:t>
-            </a:r>
-            <a:r>
-              <a:rPr lang="en-US" sz="4000" b="1" dirty="0" smtClean="0"/>
-              <a:t>delivered</a:t>
-            </a:r>
-          </a:p>
-        </p:txBody>
-      </p:sp>
-      <p:pic>
-        <p:nvPicPr>
-          <p:cNvPr id="4" name="Picture 3"/>
-          <p:cNvPicPr>
-            <a:picLocks noChangeAspect="1"/>
-          </p:cNvPicPr>
-          <p:nvPr/>
-        </p:nvPicPr>
-        <p:blipFill>
-          <a:blip r:embed="rId2">
-            <a:extLst>
-              <a:ext uri="{28A0092B-C50C-407E-A947-70E740481C1C}">
-                <a14:useLocalDpi xmlns:a14="http://schemas.microsoft.com/office/drawing/2010/main" val="0"/>
-              </a:ext>
-            </a:extLst>
-          </a:blip>
-          <a:stretch>
-            <a:fillRect/>
-          </a:stretch>
-        </p:blipFill>
-        <p:spPr>
-          <a:xfrm>
-            <a:off x="838200" y="1162050"/>
-            <a:ext cx="3124200" cy="4783932"/>
-          </a:xfrm>
-          <a:prstGeom prst="rect">
-            <a:avLst/>
-          </a:prstGeom>
-        </p:spPr>
-      </p:pic>
+        </p:txBody>
+      </p:sp>
     </p:spTree>
     <p:extLst>
       <p:ext uri="{BB962C8B-B14F-4D97-AF65-F5344CB8AC3E}">
-        <p14:creationId xmlns:p14="http://schemas.microsoft.com/office/powerpoint/2010/main" val="1944642615"/>
+        <p14:creationId xmlns:p14="http://schemas.microsoft.com/office/powerpoint/2010/main" val="2876076367"/>
       </p:ext>
     </p:extLst>
   </p:cSld>
@@ -4151,27 +4152,55 @@
         </p:spPr>
         <p:txBody>
           <a:bodyPr>
-            <a:normAutofit fontScale="92500" lnSpcReduction="20000"/>
+            <a:normAutofit/>
           </a:bodyPr>
           <a:lstStyle/>
           <a:p>
-            <a:r>
-              <a:rPr lang="en-US" sz="4000" b="1" u="sng" dirty="0" smtClean="0"/>
-              <a:t>Ordering</a:t>
-            </a:r>
+            <a:pPr marL="0" indent="0">
+              <a:buNone/>
+            </a:pPr>
             <a:r>
               <a:rPr lang="en-US" sz="4000" b="1" dirty="0" smtClean="0"/>
-              <a:t>: order-items (drinks and dishes) are added to order-group which is placed in an order-queue by wait-staff</a:t>
-            </a:r>
-          </a:p>
-          <a:p>
-            <a:r>
-              <a:rPr lang="en-US" sz="4000" b="1" u="sng" dirty="0" smtClean="0"/>
-              <a:t>Preparation</a:t>
-            </a:r>
+              <a:t>Queue order is processed by an algorithm that:</a:t>
+            </a:r>
+          </a:p>
+          <a:p>
+            <a:pPr lvl="0"/>
             <a:r>
               <a:rPr lang="en-US" sz="4000" b="1" dirty="0" smtClean="0"/>
-              <a:t>: order-group is removed from the order-queue by kitchen staff, order-items are prepared (in </a:t>
+              <a:t>Order-groups queued in FIFO</a:t>
+            </a:r>
+            <a:endParaRPr lang="en-US" sz="4000" b="1" dirty="0"/>
+          </a:p>
+          <a:p>
+            <a:pPr lvl="0"/>
+            <a:r>
+              <a:rPr lang="en-US" sz="4000" b="1" dirty="0" smtClean="0"/>
+              <a:t>Order-items queued </a:t>
+            </a:r>
+            <a:r>
+              <a:rPr lang="en-US" sz="4000" b="1" dirty="0"/>
+              <a:t>within </a:t>
+            </a:r>
+            <a:r>
+              <a:rPr lang="en-US" sz="4000" b="1" dirty="0" smtClean="0"/>
+              <a:t>order-group </a:t>
+            </a:r>
+            <a:r>
+              <a:rPr lang="en-US" sz="4000" b="1" dirty="0"/>
+              <a:t>by l</a:t>
+            </a:r>
+            <a:r>
+              <a:rPr lang="en-US" sz="4000" b="1" dirty="0" smtClean="0"/>
+              <a:t>ongest </a:t>
+            </a:r>
+            <a:r>
+              <a:rPr lang="en-US" sz="4000" b="1" dirty="0"/>
+              <a:t>prep-time </a:t>
+            </a:r>
+            <a:r>
+              <a:rPr lang="en-US" sz="4000" b="1" dirty="0" smtClean="0"/>
+              <a:t>first (</a:t>
             </a:r>
             <a:r>
               <a:rPr lang="en-US" sz="4000" b="1" dirty="0" err="1" smtClean="0"/>
@@ -4179,18 +4208,10 @@
             </a:r>
             <a:r>
               <a:rPr lang="en-US" sz="4000" b="1" dirty="0" smtClean="0"/>
-              <a:t> order), and the order-group is placed in the delivery-queue.  Inventory is updated.</a:t>
-            </a:r>
-          </a:p>
-          <a:p>
-            <a:r>
-              <a:rPr lang="en-US" sz="4000" b="1" u="sng" dirty="0" smtClean="0"/>
-              <a:t>Delivery</a:t>
-            </a:r>
-            <a:r>
-              <a:rPr lang="en-US" sz="4000" b="1" dirty="0" smtClean="0"/>
-              <a:t>: item is delivered and removed from delivery-queue by wait-staff.</a:t>
-            </a:r>
+              <a:t>) to synchronize their completion</a:t>
+            </a:r>
+          </a:p>
+          <a:p>
             <a:endParaRPr lang="en-US" sz="4000" b="1" dirty="0"/>
           </a:p>
         </p:txBody>
@@ -4198,7 +4219,7 @@
     </p:spTree>
     <p:extLst>
       <p:ext uri="{BB962C8B-B14F-4D97-AF65-F5344CB8AC3E}">
-        <p14:creationId xmlns:p14="http://schemas.microsoft.com/office/powerpoint/2010/main" val="1877067265"/>
+        <p14:creationId xmlns:p14="http://schemas.microsoft.com/office/powerpoint/2010/main" val="2876076367"/>
       </p:ext>
     </p:extLst>
   </p:cSld>
@@ -4285,59 +4306,41 @@
           </a:bodyPr>
           <a:lstStyle/>
           <a:p>
-            <a:pPr marL="0" indent="0">
-              <a:buNone/>
-            </a:pPr>
             <a:r>
               <a:rPr lang="en-US" sz="4000" b="1" dirty="0" smtClean="0"/>
-              <a:t>Queue order is processed by an algorithm that:</a:t>
-            </a:r>
-          </a:p>
-          <a:p>
-            <a:pPr lvl="0"/>
+              <a:t>People enjoy food and drinks and  possibly order more things.</a:t>
+            </a:r>
+          </a:p>
+          <a:p>
+            <a:r>
+              <a:rPr lang="en-US" sz="4000" b="1" dirty="0"/>
+              <a:t>Meal </a:t>
+            </a:r>
             <a:r>
               <a:rPr lang="en-US" sz="4000" b="1" dirty="0" smtClean="0"/>
-              <a:t>Order-groups queued in FIFO</a:t>
-            </a:r>
-            <a:endParaRPr lang="en-US" sz="4000" b="1" dirty="0"/>
-          </a:p>
-          <a:p>
-            <a:pPr lvl="0"/>
+              <a:t>completed.</a:t>
+            </a:r>
+          </a:p>
+          <a:p>
             <a:r>
               <a:rPr lang="en-US" sz="4000" b="1" dirty="0" smtClean="0"/>
-              <a:t>Order-items queued </a:t>
+              <a:t>Bill is totaled and presented.</a:t>
+            </a:r>
+          </a:p>
+          <a:p>
+            <a:r>
+              <a:rPr lang="en-US" sz="4000" b="1" dirty="0" smtClean="0"/>
+              <a:t>Bill and tip can be paid electronically</a:t>
+            </a:r>
+          </a:p>
+          <a:p>
+            <a:r>
+              <a:rPr lang="en-US" sz="4000" b="1" dirty="0" smtClean="0"/>
+              <a:t>Bill is designated </a:t>
             </a:r>
             <a:r>
               <a:rPr lang="en-US" sz="4000" b="1" dirty="0"/>
-              <a:t>within </a:t>
-            </a:r>
-            <a:r>
-              <a:rPr lang="en-US" sz="4000" b="1" dirty="0" smtClean="0"/>
-              <a:t>order-group </a:t>
-            </a:r>
-            <a:r>
-              <a:rPr lang="en-US" sz="4000" b="1" dirty="0"/>
-              <a:t>by l</a:t>
-            </a:r>
-            <a:r>
-              <a:rPr lang="en-US" sz="4000" b="1" dirty="0" smtClean="0"/>
-              <a:t>ongest </a:t>
-            </a:r>
-            <a:r>
-              <a:rPr lang="en-US" sz="4000" b="1" dirty="0"/>
-              <a:t>prep-time </a:t>
-            </a:r>
-            <a:r>
-              <a:rPr lang="en-US" sz="4000" b="1" dirty="0" smtClean="0"/>
-              <a:t>first (</a:t>
-            </a:r>
-            <a:r>
-              <a:rPr lang="en-US" sz="4000" b="1" dirty="0" err="1" smtClean="0"/>
-              <a:t>LPTF</a:t>
-            </a:r>
-            <a:r>
-              <a:rPr lang="en-US" sz="4000" b="1" dirty="0" smtClean="0"/>
-              <a:t>) to synchronize their completion</a:t>
+              <a:t>“settled”</a:t>
             </a:r>
           </a:p>
           <a:p>
@@ -4348,7 +4351,7 @@
     </p:spTree>
     <p:extLst>
       <p:ext uri="{BB962C8B-B14F-4D97-AF65-F5344CB8AC3E}">
-        <p14:creationId xmlns:p14="http://schemas.microsoft.com/office/powerpoint/2010/main" val="3392404194"/>
+        <p14:creationId xmlns:p14="http://schemas.microsoft.com/office/powerpoint/2010/main" val="2876076367"/>
       </p:ext>
     </p:extLst>
   </p:cSld>
@@ -4437,40 +4440,26 @@
           <a:p>
             <a:r>
               <a:rPr lang="en-US" sz="4000" b="1" dirty="0" smtClean="0"/>
-              <a:t>People enjoy food and drinks and  possibly order more things.</a:t>
-            </a:r>
-          </a:p>
-          <a:p>
-            <a:r>
-              <a:rPr lang="en-US" sz="4000" b="1" dirty="0"/>
-              <a:t>Meal </a:t>
-            </a:r>
+              <a:t>People leave.</a:t>
+            </a:r>
+          </a:p>
+          <a:p>
             <a:r>
               <a:rPr lang="en-US" sz="4000" b="1" dirty="0" smtClean="0"/>
-              <a:t>completed.</a:t>
+              <a:t>Table placed in bus queue</a:t>
             </a:r>
           </a:p>
           <a:p>
             <a:r>
               <a:rPr lang="en-US" sz="4000" b="1" dirty="0" smtClean="0"/>
-              <a:t>Bill is totaled and presented.</a:t>
-            </a:r>
-          </a:p>
-          <a:p>
-            <a:r>
-              <a:rPr lang="en-US" sz="4000" b="1" dirty="0" smtClean="0"/>
-              <a:t>Bill and tip can be paid electronically</a:t>
-            </a:r>
-          </a:p>
-          <a:p>
-            <a:r>
-              <a:rPr lang="en-US" sz="4000" b="1" dirty="0" smtClean="0"/>
-              <a:t>Bill is designated </a:t>
-            </a:r>
-            <a:r>
-              <a:rPr lang="en-US" sz="4000" b="1" dirty="0"/>
-              <a:t>“settled”</a:t>
-            </a:r>
+              <a:t>Table is cleaned, removed from bus queue, and marked as available </a:t>
+            </a:r>
+          </a:p>
+          <a:p>
+            <a:pPr marL="0" indent="0">
+              <a:buNone/>
+            </a:pPr>
+            <a:endParaRPr lang="en-US" sz="4000" b="1" dirty="0" smtClean="0"/>
           </a:p>
           <a:p>
             <a:endParaRPr lang="en-US" sz="4000" b="1" dirty="0"/>
@@ -4480,7 +4469,7 @@
     </p:spTree>
     <p:extLst>
       <p:ext uri="{BB962C8B-B14F-4D97-AF65-F5344CB8AC3E}">
-        <p14:creationId xmlns:p14="http://schemas.microsoft.com/office/powerpoint/2010/main" val="2001475889"/>
+        <p14:creationId xmlns:p14="http://schemas.microsoft.com/office/powerpoint/2010/main" val="2876076367"/>
       </p:ext>
     </p:extLst>
   </p:cSld>
@@ -4514,6 +4503,2177 @@
           <a:chExt cx="0" cy="0"/>
         </a:xfrm>
       </p:grpSpPr>
+      <p:graphicFrame>
+        <p:nvGraphicFramePr>
+          <p:cNvPr id="4" name="Content Placeholder 3"/>
+          <p:cNvGraphicFramePr>
+            <a:graphicFrameLocks noGrp="1"/>
+          </p:cNvGraphicFramePr>
+          <p:nvPr>
+            <p:ph idx="1"/>
+            <p:extLst>
+              <p:ext uri="{D42A27DB-BD31-4B8C-83A1-F6EECF244321}">
+                <p14:modId xmlns:p14="http://schemas.microsoft.com/office/powerpoint/2010/main" val="3326821041"/>
+              </p:ext>
+            </p:extLst>
+          </p:nvPr>
+        </p:nvGraphicFramePr>
+        <p:xfrm>
+          <a:off x="0" y="838200"/>
+          <a:ext cx="9067800" cy="5873963"/>
+        </p:xfrm>
+        <a:graphic>
+          <a:graphicData uri="http://schemas.openxmlformats.org/drawingml/2006/table">
+            <a:tbl>
+              <a:tblPr firstRow="1" firstCol="1" bandRow="1">
+                <a:tableStyleId>{5DA37D80-6434-44D0-A028-1B22A696006F}</a:tableStyleId>
+              </a:tblPr>
+              <a:tblGrid>
+                <a:gridCol w="457200"/>
+                <a:gridCol w="2209800"/>
+                <a:gridCol w="914400"/>
+                <a:gridCol w="2590800"/>
+                <a:gridCol w="1752600"/>
+                <a:gridCol w="1143000"/>
+              </a:tblGrid>
+              <a:tr h="389363">
+                <a:tc>
+                  <a:txBody>
+                    <a:bodyPr/>
+                    <a:lstStyle/>
+                    <a:p>
+                      <a:pPr marL="0" marR="0" algn="ctr">
+                        <a:lnSpc>
+                          <a:spcPct val="115000"/>
+                        </a:lnSpc>
+                        <a:spcBef>
+                          <a:spcPts val="0"/>
+                        </a:spcBef>
+                        <a:spcAft>
+                          <a:spcPts val="0"/>
+                        </a:spcAft>
+                      </a:pPr>
+                      <a:r>
+                        <a:rPr lang="en-US" sz="2400" dirty="0">
+                          <a:effectLst/>
+                        </a:rPr>
+                        <a:t>ID</a:t>
+                      </a:r>
+                      <a:endParaRPr lang="en-US" sz="3600" dirty="0">
+                        <a:effectLst/>
+                        <a:latin typeface="Calibri"/>
+                        <a:ea typeface="Calibri"/>
+                        <a:cs typeface="Times New Roman"/>
+                      </a:endParaRPr>
+                    </a:p>
+                  </a:txBody>
+                  <a:tcPr marL="68580" marR="68580" marT="0" marB="0" anchor="b"/>
+                </a:tc>
+                <a:tc>
+                  <a:txBody>
+                    <a:bodyPr/>
+                    <a:lstStyle/>
+                    <a:p>
+                      <a:pPr marL="0" marR="0" algn="ctr">
+                        <a:lnSpc>
+                          <a:spcPct val="115000"/>
+                        </a:lnSpc>
+                        <a:spcBef>
+                          <a:spcPts val="0"/>
+                        </a:spcBef>
+                        <a:spcAft>
+                          <a:spcPts val="0"/>
+                        </a:spcAft>
+                      </a:pPr>
+                      <a:r>
+                        <a:rPr lang="en-US" sz="2400" dirty="0">
+                          <a:effectLst/>
+                        </a:rPr>
+                        <a:t>Name </a:t>
+                      </a:r>
+                      <a:endParaRPr lang="en-US" sz="3600" dirty="0">
+                        <a:effectLst/>
+                        <a:latin typeface="Calibri"/>
+                        <a:ea typeface="Calibri"/>
+                        <a:cs typeface="Times New Roman"/>
+                      </a:endParaRPr>
+                    </a:p>
+                  </a:txBody>
+                  <a:tcPr marL="68580" marR="68580" marT="0" marB="0" anchor="b"/>
+                </a:tc>
+                <a:tc>
+                  <a:txBody>
+                    <a:bodyPr/>
+                    <a:lstStyle/>
+                    <a:p>
+                      <a:pPr marL="0" marR="0" algn="ctr">
+                        <a:lnSpc>
+                          <a:spcPct val="115000"/>
+                        </a:lnSpc>
+                        <a:spcBef>
+                          <a:spcPts val="0"/>
+                        </a:spcBef>
+                        <a:spcAft>
+                          <a:spcPts val="0"/>
+                        </a:spcAft>
+                      </a:pPr>
+                      <a:r>
+                        <a:rPr lang="en-US" sz="2400">
+                          <a:effectLst/>
+                        </a:rPr>
+                        <a:t>Scope</a:t>
+                      </a:r>
+                      <a:endParaRPr lang="en-US" sz="3600">
+                        <a:effectLst/>
+                        <a:latin typeface="Calibri"/>
+                        <a:ea typeface="Calibri"/>
+                        <a:cs typeface="Times New Roman"/>
+                      </a:endParaRPr>
+                    </a:p>
+                  </a:txBody>
+                  <a:tcPr marL="68580" marR="68580" marT="0" marB="0" anchor="b"/>
+                </a:tc>
+                <a:tc>
+                  <a:txBody>
+                    <a:bodyPr/>
+                    <a:lstStyle/>
+                    <a:p>
+                      <a:pPr marL="0" marR="0" algn="ctr">
+                        <a:lnSpc>
+                          <a:spcPct val="115000"/>
+                        </a:lnSpc>
+                        <a:spcBef>
+                          <a:spcPts val="0"/>
+                        </a:spcBef>
+                        <a:spcAft>
+                          <a:spcPts val="0"/>
+                        </a:spcAft>
+                      </a:pPr>
+                      <a:r>
+                        <a:rPr lang="en-US" sz="2400" dirty="0">
+                          <a:effectLst/>
+                        </a:rPr>
+                        <a:t>Primary Actor</a:t>
+                      </a:r>
+                      <a:endParaRPr lang="en-US" sz="3600" dirty="0">
+                        <a:effectLst/>
+                        <a:latin typeface="Calibri"/>
+                        <a:ea typeface="Calibri"/>
+                        <a:cs typeface="Times New Roman"/>
+                      </a:endParaRPr>
+                    </a:p>
+                  </a:txBody>
+                  <a:tcPr marL="68580" marR="68580" marT="0" marB="0" anchor="b"/>
+                </a:tc>
+                <a:tc>
+                  <a:txBody>
+                    <a:bodyPr/>
+                    <a:lstStyle/>
+                    <a:p>
+                      <a:pPr marL="0" marR="0" algn="ctr">
+                        <a:lnSpc>
+                          <a:spcPct val="115000"/>
+                        </a:lnSpc>
+                        <a:spcBef>
+                          <a:spcPts val="0"/>
+                        </a:spcBef>
+                        <a:spcAft>
+                          <a:spcPts val="0"/>
+                        </a:spcAft>
+                      </a:pPr>
+                      <a:r>
+                        <a:rPr lang="en-US" sz="2400" dirty="0" err="1" smtClean="0">
+                          <a:effectLst/>
+                        </a:rPr>
+                        <a:t>Compelxity</a:t>
+                      </a:r>
+                      <a:endParaRPr lang="en-US" sz="3600" dirty="0">
+                        <a:effectLst/>
+                        <a:latin typeface="Calibri"/>
+                        <a:ea typeface="Calibri"/>
+                        <a:cs typeface="Times New Roman"/>
+                      </a:endParaRPr>
+                    </a:p>
+                  </a:txBody>
+                  <a:tcPr marL="68580" marR="68580" marT="0" marB="0" anchor="b"/>
+                </a:tc>
+                <a:tc>
+                  <a:txBody>
+                    <a:bodyPr/>
+                    <a:lstStyle/>
+                    <a:p>
+                      <a:pPr marL="0" marR="0" algn="ctr">
+                        <a:lnSpc>
+                          <a:spcPct val="115000"/>
+                        </a:lnSpc>
+                        <a:spcBef>
+                          <a:spcPts val="0"/>
+                        </a:spcBef>
+                        <a:spcAft>
+                          <a:spcPts val="0"/>
+                        </a:spcAft>
+                      </a:pPr>
+                      <a:r>
+                        <a:rPr lang="en-US" sz="2400" dirty="0">
+                          <a:effectLst/>
+                        </a:rPr>
+                        <a:t>Priority</a:t>
+                      </a:r>
+                      <a:endParaRPr lang="en-US" sz="3600" dirty="0">
+                        <a:effectLst/>
+                        <a:latin typeface="Calibri"/>
+                        <a:ea typeface="Calibri"/>
+                        <a:cs typeface="Times New Roman"/>
+                      </a:endParaRPr>
+                    </a:p>
+                  </a:txBody>
+                  <a:tcPr marL="68580" marR="68580" marT="0" marB="0" anchor="b"/>
+                </a:tc>
+              </a:tr>
+              <a:tr h="547804">
+                <a:tc>
+                  <a:txBody>
+                    <a:bodyPr/>
+                    <a:lstStyle/>
+                    <a:p>
+                      <a:pPr marL="0" marR="0" algn="ctr">
+                        <a:lnSpc>
+                          <a:spcPct val="115000"/>
+                        </a:lnSpc>
+                        <a:spcBef>
+                          <a:spcPts val="0"/>
+                        </a:spcBef>
+                        <a:spcAft>
+                          <a:spcPts val="0"/>
+                        </a:spcAft>
+                      </a:pPr>
+                      <a:r>
+                        <a:rPr lang="en-US" sz="2400" dirty="0">
+                          <a:effectLst/>
+                        </a:rPr>
+                        <a:t>1</a:t>
+                      </a:r>
+                      <a:endParaRPr lang="en-US" sz="3600" dirty="0">
+                        <a:effectLst/>
+                        <a:latin typeface="Calibri"/>
+                        <a:ea typeface="Calibri"/>
+                        <a:cs typeface="Times New Roman"/>
+                      </a:endParaRPr>
+                    </a:p>
+                  </a:txBody>
+                  <a:tcPr marL="68580" marR="68580" marT="0" marB="0" anchor="b"/>
+                </a:tc>
+                <a:tc>
+                  <a:txBody>
+                    <a:bodyPr/>
+                    <a:lstStyle/>
+                    <a:p>
+                      <a:pPr marL="0" marR="0" algn="ctr">
+                        <a:lnSpc>
+                          <a:spcPct val="115000"/>
+                        </a:lnSpc>
+                        <a:spcBef>
+                          <a:spcPts val="0"/>
+                        </a:spcBef>
+                        <a:spcAft>
+                          <a:spcPts val="0"/>
+                        </a:spcAft>
+                      </a:pPr>
+                      <a:r>
+                        <a:rPr lang="en-US" sz="2400" dirty="0">
+                          <a:effectLst/>
+                        </a:rPr>
+                        <a:t>Menu view</a:t>
+                      </a:r>
+                      <a:endParaRPr lang="en-US" sz="3600" dirty="0">
+                        <a:effectLst/>
+                        <a:latin typeface="Calibri"/>
+                        <a:ea typeface="Calibri"/>
+                        <a:cs typeface="Times New Roman"/>
+                      </a:endParaRPr>
+                    </a:p>
+                  </a:txBody>
+                  <a:tcPr marL="68580" marR="68580" marT="0" marB="0" anchor="b"/>
+                </a:tc>
+                <a:tc>
+                  <a:txBody>
+                    <a:bodyPr/>
+                    <a:lstStyle/>
+                    <a:p>
+                      <a:pPr marL="0" marR="0" algn="ctr">
+                        <a:lnSpc>
+                          <a:spcPct val="115000"/>
+                        </a:lnSpc>
+                        <a:spcBef>
+                          <a:spcPts val="0"/>
+                        </a:spcBef>
+                        <a:spcAft>
+                          <a:spcPts val="0"/>
+                        </a:spcAft>
+                      </a:pPr>
+                      <a:r>
+                        <a:rPr lang="en-US" sz="2400">
+                          <a:effectLst/>
+                        </a:rPr>
+                        <a:t>In</a:t>
+                      </a:r>
+                      <a:endParaRPr lang="en-US" sz="3600">
+                        <a:effectLst/>
+                        <a:latin typeface="Calibri"/>
+                        <a:ea typeface="Calibri"/>
+                        <a:cs typeface="Times New Roman"/>
+                      </a:endParaRPr>
+                    </a:p>
+                  </a:txBody>
+                  <a:tcPr marL="68580" marR="68580" marT="0" marB="0" anchor="b"/>
+                </a:tc>
+                <a:tc>
+                  <a:txBody>
+                    <a:bodyPr/>
+                    <a:lstStyle/>
+                    <a:p>
+                      <a:pPr marL="0" marR="0" algn="ctr">
+                        <a:lnSpc>
+                          <a:spcPct val="115000"/>
+                        </a:lnSpc>
+                        <a:spcBef>
+                          <a:spcPts val="0"/>
+                        </a:spcBef>
+                        <a:spcAft>
+                          <a:spcPts val="0"/>
+                        </a:spcAft>
+                      </a:pPr>
+                      <a:r>
+                        <a:rPr lang="en-US" sz="2400" dirty="0">
+                          <a:effectLst/>
+                        </a:rPr>
+                        <a:t>Anyone</a:t>
+                      </a:r>
+                      <a:endParaRPr lang="en-US" sz="3600" dirty="0">
+                        <a:effectLst/>
+                        <a:latin typeface="Calibri"/>
+                        <a:ea typeface="Calibri"/>
+                        <a:cs typeface="Times New Roman"/>
+                      </a:endParaRPr>
+                    </a:p>
+                  </a:txBody>
+                  <a:tcPr marL="68580" marR="68580" marT="0" marB="0" anchor="b"/>
+                </a:tc>
+                <a:tc>
+                  <a:txBody>
+                    <a:bodyPr/>
+                    <a:lstStyle/>
+                    <a:p>
+                      <a:pPr marL="0" marR="0" algn="ctr">
+                        <a:lnSpc>
+                          <a:spcPct val="115000"/>
+                        </a:lnSpc>
+                        <a:spcBef>
+                          <a:spcPts val="0"/>
+                        </a:spcBef>
+                        <a:spcAft>
+                          <a:spcPts val="0"/>
+                        </a:spcAft>
+                      </a:pPr>
+                      <a:r>
+                        <a:rPr lang="en-US" sz="2400">
+                          <a:effectLst/>
+                        </a:rPr>
+                        <a:t>Low</a:t>
+                      </a:r>
+                      <a:endParaRPr lang="en-US" sz="3600">
+                        <a:effectLst/>
+                        <a:latin typeface="Calibri"/>
+                        <a:ea typeface="Calibri"/>
+                        <a:cs typeface="Times New Roman"/>
+                      </a:endParaRPr>
+                    </a:p>
+                  </a:txBody>
+                  <a:tcPr marL="68580" marR="68580" marT="0" marB="0" anchor="b"/>
+                </a:tc>
+                <a:tc>
+                  <a:txBody>
+                    <a:bodyPr/>
+                    <a:lstStyle/>
+                    <a:p>
+                      <a:pPr marL="0" marR="0" algn="ctr">
+                        <a:lnSpc>
+                          <a:spcPct val="115000"/>
+                        </a:lnSpc>
+                        <a:spcBef>
+                          <a:spcPts val="0"/>
+                        </a:spcBef>
+                        <a:spcAft>
+                          <a:spcPts val="0"/>
+                        </a:spcAft>
+                      </a:pPr>
+                      <a:r>
+                        <a:rPr lang="en-US" sz="2400">
+                          <a:effectLst/>
+                        </a:rPr>
+                        <a:t>1</a:t>
+                      </a:r>
+                      <a:endParaRPr lang="en-US" sz="3600">
+                        <a:effectLst/>
+                        <a:latin typeface="Calibri"/>
+                        <a:ea typeface="Calibri"/>
+                        <a:cs typeface="Times New Roman"/>
+                      </a:endParaRPr>
+                    </a:p>
+                  </a:txBody>
+                  <a:tcPr marL="68580" marR="68580" marT="0" marB="0" anchor="b"/>
+                </a:tc>
+              </a:tr>
+              <a:tr h="547804">
+                <a:tc>
+                  <a:txBody>
+                    <a:bodyPr/>
+                    <a:lstStyle/>
+                    <a:p>
+                      <a:pPr marL="0" marR="0" algn="ctr">
+                        <a:lnSpc>
+                          <a:spcPct val="115000"/>
+                        </a:lnSpc>
+                        <a:spcBef>
+                          <a:spcPts val="0"/>
+                        </a:spcBef>
+                        <a:spcAft>
+                          <a:spcPts val="0"/>
+                        </a:spcAft>
+                      </a:pPr>
+                      <a:r>
+                        <a:rPr lang="en-US" sz="2400">
+                          <a:effectLst/>
+                        </a:rPr>
+                        <a:t>2</a:t>
+                      </a:r>
+                      <a:endParaRPr lang="en-US" sz="3600">
+                        <a:effectLst/>
+                        <a:latin typeface="Calibri"/>
+                        <a:ea typeface="Calibri"/>
+                        <a:cs typeface="Times New Roman"/>
+                      </a:endParaRPr>
+                    </a:p>
+                  </a:txBody>
+                  <a:tcPr marL="68580" marR="68580" marT="0" marB="0" anchor="b"/>
+                </a:tc>
+                <a:tc>
+                  <a:txBody>
+                    <a:bodyPr/>
+                    <a:lstStyle/>
+                    <a:p>
+                      <a:pPr marL="0" marR="0" algn="ctr">
+                        <a:lnSpc>
+                          <a:spcPct val="115000"/>
+                        </a:lnSpc>
+                        <a:spcBef>
+                          <a:spcPts val="0"/>
+                        </a:spcBef>
+                        <a:spcAft>
+                          <a:spcPts val="0"/>
+                        </a:spcAft>
+                      </a:pPr>
+                      <a:r>
+                        <a:rPr lang="en-US" sz="2400" dirty="0" smtClean="0">
+                          <a:effectLst/>
+                        </a:rPr>
+                        <a:t>Place Order</a:t>
+                      </a:r>
+                      <a:endParaRPr lang="en-US" sz="3600" dirty="0">
+                        <a:effectLst/>
+                        <a:latin typeface="Calibri"/>
+                        <a:ea typeface="Calibri"/>
+                        <a:cs typeface="Times New Roman"/>
+                      </a:endParaRPr>
+                    </a:p>
+                  </a:txBody>
+                  <a:tcPr marL="68580" marR="68580" marT="0" marB="0" anchor="b"/>
+                </a:tc>
+                <a:tc>
+                  <a:txBody>
+                    <a:bodyPr/>
+                    <a:lstStyle/>
+                    <a:p>
+                      <a:pPr marL="0" marR="0" algn="ctr">
+                        <a:lnSpc>
+                          <a:spcPct val="115000"/>
+                        </a:lnSpc>
+                        <a:spcBef>
+                          <a:spcPts val="0"/>
+                        </a:spcBef>
+                        <a:spcAft>
+                          <a:spcPts val="0"/>
+                        </a:spcAft>
+                      </a:pPr>
+                      <a:r>
+                        <a:rPr lang="en-US" sz="2400">
+                          <a:effectLst/>
+                        </a:rPr>
+                        <a:t>In</a:t>
+                      </a:r>
+                      <a:endParaRPr lang="en-US" sz="3600">
+                        <a:effectLst/>
+                        <a:latin typeface="Calibri"/>
+                        <a:ea typeface="Calibri"/>
+                        <a:cs typeface="Times New Roman"/>
+                      </a:endParaRPr>
+                    </a:p>
+                  </a:txBody>
+                  <a:tcPr marL="68580" marR="68580" marT="0" marB="0" anchor="b"/>
+                </a:tc>
+                <a:tc>
+                  <a:txBody>
+                    <a:bodyPr/>
+                    <a:lstStyle/>
+                    <a:p>
+                      <a:pPr marL="0" marR="0" algn="ctr">
+                        <a:lnSpc>
+                          <a:spcPct val="115000"/>
+                        </a:lnSpc>
+                        <a:spcBef>
+                          <a:spcPts val="0"/>
+                        </a:spcBef>
+                        <a:spcAft>
+                          <a:spcPts val="0"/>
+                        </a:spcAft>
+                      </a:pPr>
+                      <a:r>
+                        <a:rPr lang="en-US" sz="2400">
+                          <a:effectLst/>
+                        </a:rPr>
+                        <a:t>Customer</a:t>
+                      </a:r>
+                      <a:endParaRPr lang="en-US" sz="3600">
+                        <a:effectLst/>
+                        <a:latin typeface="Calibri"/>
+                        <a:ea typeface="Calibri"/>
+                        <a:cs typeface="Times New Roman"/>
+                      </a:endParaRPr>
+                    </a:p>
+                  </a:txBody>
+                  <a:tcPr marL="68580" marR="68580" marT="0" marB="0" anchor="b"/>
+                </a:tc>
+                <a:tc>
+                  <a:txBody>
+                    <a:bodyPr/>
+                    <a:lstStyle/>
+                    <a:p>
+                      <a:pPr marL="0" marR="0" algn="ctr">
+                        <a:lnSpc>
+                          <a:spcPct val="115000"/>
+                        </a:lnSpc>
+                        <a:spcBef>
+                          <a:spcPts val="0"/>
+                        </a:spcBef>
+                        <a:spcAft>
+                          <a:spcPts val="0"/>
+                        </a:spcAft>
+                      </a:pPr>
+                      <a:r>
+                        <a:rPr lang="en-US" sz="2400">
+                          <a:effectLst/>
+                        </a:rPr>
+                        <a:t>Low</a:t>
+                      </a:r>
+                      <a:endParaRPr lang="en-US" sz="3600">
+                        <a:effectLst/>
+                        <a:latin typeface="Calibri"/>
+                        <a:ea typeface="Calibri"/>
+                        <a:cs typeface="Times New Roman"/>
+                      </a:endParaRPr>
+                    </a:p>
+                  </a:txBody>
+                  <a:tcPr marL="68580" marR="68580" marT="0" marB="0" anchor="b"/>
+                </a:tc>
+                <a:tc>
+                  <a:txBody>
+                    <a:bodyPr/>
+                    <a:lstStyle/>
+                    <a:p>
+                      <a:pPr marL="0" marR="0" algn="ctr">
+                        <a:lnSpc>
+                          <a:spcPct val="115000"/>
+                        </a:lnSpc>
+                        <a:spcBef>
+                          <a:spcPts val="0"/>
+                        </a:spcBef>
+                        <a:spcAft>
+                          <a:spcPts val="0"/>
+                        </a:spcAft>
+                      </a:pPr>
+                      <a:r>
+                        <a:rPr lang="en-US" sz="2400">
+                          <a:effectLst/>
+                        </a:rPr>
+                        <a:t>1</a:t>
+                      </a:r>
+                      <a:endParaRPr lang="en-US" sz="3600">
+                        <a:effectLst/>
+                        <a:latin typeface="Calibri"/>
+                        <a:ea typeface="Calibri"/>
+                        <a:cs typeface="Times New Roman"/>
+                      </a:endParaRPr>
+                    </a:p>
+                  </a:txBody>
+                  <a:tcPr marL="68580" marR="68580" marT="0" marB="0" anchor="b"/>
+                </a:tc>
+              </a:tr>
+              <a:tr h="547804">
+                <a:tc>
+                  <a:txBody>
+                    <a:bodyPr/>
+                    <a:lstStyle/>
+                    <a:p>
+                      <a:pPr marL="0" marR="0" algn="ctr">
+                        <a:lnSpc>
+                          <a:spcPct val="115000"/>
+                        </a:lnSpc>
+                        <a:spcBef>
+                          <a:spcPts val="0"/>
+                        </a:spcBef>
+                        <a:spcAft>
+                          <a:spcPts val="0"/>
+                        </a:spcAft>
+                      </a:pPr>
+                      <a:r>
+                        <a:rPr lang="en-US" sz="2400">
+                          <a:effectLst/>
+                        </a:rPr>
+                        <a:t>3</a:t>
+                      </a:r>
+                      <a:endParaRPr lang="en-US" sz="3600">
+                        <a:effectLst/>
+                        <a:latin typeface="Calibri"/>
+                        <a:ea typeface="Calibri"/>
+                        <a:cs typeface="Times New Roman"/>
+                      </a:endParaRPr>
+                    </a:p>
+                  </a:txBody>
+                  <a:tcPr marL="68580" marR="68580" marT="0" marB="0" anchor="b"/>
+                </a:tc>
+                <a:tc>
+                  <a:txBody>
+                    <a:bodyPr/>
+                    <a:lstStyle/>
+                    <a:p>
+                      <a:pPr marL="0" marR="0" algn="ctr">
+                        <a:lnSpc>
+                          <a:spcPct val="115000"/>
+                        </a:lnSpc>
+                        <a:spcBef>
+                          <a:spcPts val="0"/>
+                        </a:spcBef>
+                        <a:spcAft>
+                          <a:spcPts val="0"/>
+                        </a:spcAft>
+                      </a:pPr>
+                      <a:r>
+                        <a:rPr lang="en-US" sz="2400" dirty="0" smtClean="0">
+                          <a:effectLst/>
+                        </a:rPr>
+                        <a:t>Deliver Order</a:t>
+                      </a:r>
+                      <a:endParaRPr lang="en-US" sz="3600" dirty="0">
+                        <a:effectLst/>
+                        <a:latin typeface="Calibri"/>
+                        <a:ea typeface="Calibri"/>
+                        <a:cs typeface="Times New Roman"/>
+                      </a:endParaRPr>
+                    </a:p>
+                  </a:txBody>
+                  <a:tcPr marL="68580" marR="68580" marT="0" marB="0" anchor="b"/>
+                </a:tc>
+                <a:tc>
+                  <a:txBody>
+                    <a:bodyPr/>
+                    <a:lstStyle/>
+                    <a:p>
+                      <a:pPr marL="0" marR="0" algn="ctr">
+                        <a:lnSpc>
+                          <a:spcPct val="115000"/>
+                        </a:lnSpc>
+                        <a:spcBef>
+                          <a:spcPts val="0"/>
+                        </a:spcBef>
+                        <a:spcAft>
+                          <a:spcPts val="0"/>
+                        </a:spcAft>
+                      </a:pPr>
+                      <a:r>
+                        <a:rPr lang="en-US" sz="2400" dirty="0">
+                          <a:effectLst/>
+                        </a:rPr>
+                        <a:t>In</a:t>
+                      </a:r>
+                      <a:endParaRPr lang="en-US" sz="3600" dirty="0">
+                        <a:effectLst/>
+                        <a:latin typeface="Calibri"/>
+                        <a:ea typeface="Calibri"/>
+                        <a:cs typeface="Times New Roman"/>
+                      </a:endParaRPr>
+                    </a:p>
+                  </a:txBody>
+                  <a:tcPr marL="68580" marR="68580" marT="0" marB="0" anchor="b"/>
+                </a:tc>
+                <a:tc>
+                  <a:txBody>
+                    <a:bodyPr/>
+                    <a:lstStyle/>
+                    <a:p>
+                      <a:pPr marL="0" marR="0" algn="ctr">
+                        <a:lnSpc>
+                          <a:spcPct val="115000"/>
+                        </a:lnSpc>
+                        <a:spcBef>
+                          <a:spcPts val="0"/>
+                        </a:spcBef>
+                        <a:spcAft>
+                          <a:spcPts val="0"/>
+                        </a:spcAft>
+                      </a:pPr>
+                      <a:r>
+                        <a:rPr lang="en-US" sz="2400">
+                          <a:effectLst/>
+                        </a:rPr>
+                        <a:t>Waiter</a:t>
+                      </a:r>
+                      <a:endParaRPr lang="en-US" sz="3600">
+                        <a:effectLst/>
+                        <a:latin typeface="Calibri"/>
+                        <a:ea typeface="Calibri"/>
+                        <a:cs typeface="Times New Roman"/>
+                      </a:endParaRPr>
+                    </a:p>
+                  </a:txBody>
+                  <a:tcPr marL="68580" marR="68580" marT="0" marB="0" anchor="b"/>
+                </a:tc>
+                <a:tc>
+                  <a:txBody>
+                    <a:bodyPr/>
+                    <a:lstStyle/>
+                    <a:p>
+                      <a:pPr marL="0" marR="0" algn="ctr">
+                        <a:lnSpc>
+                          <a:spcPct val="115000"/>
+                        </a:lnSpc>
+                        <a:spcBef>
+                          <a:spcPts val="0"/>
+                        </a:spcBef>
+                        <a:spcAft>
+                          <a:spcPts val="0"/>
+                        </a:spcAft>
+                      </a:pPr>
+                      <a:r>
+                        <a:rPr lang="en-US" sz="2400">
+                          <a:effectLst/>
+                        </a:rPr>
+                        <a:t>Low</a:t>
+                      </a:r>
+                      <a:endParaRPr lang="en-US" sz="3600">
+                        <a:effectLst/>
+                        <a:latin typeface="Calibri"/>
+                        <a:ea typeface="Calibri"/>
+                        <a:cs typeface="Times New Roman"/>
+                      </a:endParaRPr>
+                    </a:p>
+                  </a:txBody>
+                  <a:tcPr marL="68580" marR="68580" marT="0" marB="0" anchor="b"/>
+                </a:tc>
+                <a:tc>
+                  <a:txBody>
+                    <a:bodyPr/>
+                    <a:lstStyle/>
+                    <a:p>
+                      <a:pPr marL="0" marR="0" algn="ctr">
+                        <a:lnSpc>
+                          <a:spcPct val="115000"/>
+                        </a:lnSpc>
+                        <a:spcBef>
+                          <a:spcPts val="0"/>
+                        </a:spcBef>
+                        <a:spcAft>
+                          <a:spcPts val="0"/>
+                        </a:spcAft>
+                      </a:pPr>
+                      <a:r>
+                        <a:rPr lang="en-US" sz="2400">
+                          <a:effectLst/>
+                        </a:rPr>
+                        <a:t>1</a:t>
+                      </a:r>
+                      <a:endParaRPr lang="en-US" sz="3600">
+                        <a:effectLst/>
+                        <a:latin typeface="Calibri"/>
+                        <a:ea typeface="Calibri"/>
+                        <a:cs typeface="Times New Roman"/>
+                      </a:endParaRPr>
+                    </a:p>
+                  </a:txBody>
+                  <a:tcPr marL="68580" marR="68580" marT="0" marB="0" anchor="b"/>
+                </a:tc>
+              </a:tr>
+              <a:tr h="547804">
+                <a:tc>
+                  <a:txBody>
+                    <a:bodyPr/>
+                    <a:lstStyle/>
+                    <a:p>
+                      <a:pPr marL="0" marR="0" algn="ctr">
+                        <a:lnSpc>
+                          <a:spcPct val="115000"/>
+                        </a:lnSpc>
+                        <a:spcBef>
+                          <a:spcPts val="0"/>
+                        </a:spcBef>
+                        <a:spcAft>
+                          <a:spcPts val="0"/>
+                        </a:spcAft>
+                      </a:pPr>
+                      <a:r>
+                        <a:rPr lang="en-US" sz="2400">
+                          <a:effectLst/>
+                        </a:rPr>
+                        <a:t>4</a:t>
+                      </a:r>
+                      <a:endParaRPr lang="en-US" sz="3600">
+                        <a:effectLst/>
+                        <a:latin typeface="Calibri"/>
+                        <a:ea typeface="Calibri"/>
+                        <a:cs typeface="Times New Roman"/>
+                      </a:endParaRPr>
+                    </a:p>
+                  </a:txBody>
+                  <a:tcPr marL="68580" marR="68580" marT="0" marB="0" anchor="b"/>
+                </a:tc>
+                <a:tc>
+                  <a:txBody>
+                    <a:bodyPr/>
+                    <a:lstStyle/>
+                    <a:p>
+                      <a:pPr marL="0" marR="0" algn="ctr">
+                        <a:lnSpc>
+                          <a:spcPct val="115000"/>
+                        </a:lnSpc>
+                        <a:spcBef>
+                          <a:spcPts val="0"/>
+                        </a:spcBef>
+                        <a:spcAft>
+                          <a:spcPts val="0"/>
+                        </a:spcAft>
+                      </a:pPr>
+                      <a:r>
+                        <a:rPr lang="en-US" sz="2400" dirty="0">
+                          <a:effectLst/>
+                        </a:rPr>
+                        <a:t>Order review</a:t>
+                      </a:r>
+                      <a:endParaRPr lang="en-US" sz="3600" dirty="0">
+                        <a:effectLst/>
+                        <a:latin typeface="Calibri"/>
+                        <a:ea typeface="Calibri"/>
+                        <a:cs typeface="Times New Roman"/>
+                      </a:endParaRPr>
+                    </a:p>
+                  </a:txBody>
+                  <a:tcPr marL="68580" marR="68580" marT="0" marB="0" anchor="b"/>
+                </a:tc>
+                <a:tc>
+                  <a:txBody>
+                    <a:bodyPr/>
+                    <a:lstStyle/>
+                    <a:p>
+                      <a:pPr marL="0" marR="0" algn="ctr">
+                        <a:lnSpc>
+                          <a:spcPct val="115000"/>
+                        </a:lnSpc>
+                        <a:spcBef>
+                          <a:spcPts val="0"/>
+                        </a:spcBef>
+                        <a:spcAft>
+                          <a:spcPts val="0"/>
+                        </a:spcAft>
+                      </a:pPr>
+                      <a:r>
+                        <a:rPr lang="en-US" sz="2400" dirty="0">
+                          <a:effectLst/>
+                        </a:rPr>
+                        <a:t>In</a:t>
+                      </a:r>
+                      <a:endParaRPr lang="en-US" sz="3600" dirty="0">
+                        <a:effectLst/>
+                        <a:latin typeface="Calibri"/>
+                        <a:ea typeface="Calibri"/>
+                        <a:cs typeface="Times New Roman"/>
+                      </a:endParaRPr>
+                    </a:p>
+                  </a:txBody>
+                  <a:tcPr marL="68580" marR="68580" marT="0" marB="0" anchor="b"/>
+                </a:tc>
+                <a:tc>
+                  <a:txBody>
+                    <a:bodyPr/>
+                    <a:lstStyle/>
+                    <a:p>
+                      <a:pPr marL="0" marR="0" algn="ctr">
+                        <a:lnSpc>
+                          <a:spcPct val="115000"/>
+                        </a:lnSpc>
+                        <a:spcBef>
+                          <a:spcPts val="0"/>
+                        </a:spcBef>
+                        <a:spcAft>
+                          <a:spcPts val="0"/>
+                        </a:spcAft>
+                      </a:pPr>
+                      <a:r>
+                        <a:rPr lang="en-US" sz="2400" dirty="0" smtClean="0">
+                          <a:effectLst/>
+                        </a:rPr>
+                        <a:t>Waiter/customer</a:t>
+                      </a:r>
+                      <a:endParaRPr lang="en-US" sz="3600" dirty="0">
+                        <a:effectLst/>
+                        <a:latin typeface="Calibri"/>
+                        <a:ea typeface="Calibri"/>
+                        <a:cs typeface="Times New Roman"/>
+                      </a:endParaRPr>
+                    </a:p>
+                  </a:txBody>
+                  <a:tcPr marL="68580" marR="68580" marT="0" marB="0" anchor="b"/>
+                </a:tc>
+                <a:tc>
+                  <a:txBody>
+                    <a:bodyPr/>
+                    <a:lstStyle/>
+                    <a:p>
+                      <a:pPr marL="0" marR="0" algn="ctr">
+                        <a:lnSpc>
+                          <a:spcPct val="115000"/>
+                        </a:lnSpc>
+                        <a:spcBef>
+                          <a:spcPts val="0"/>
+                        </a:spcBef>
+                        <a:spcAft>
+                          <a:spcPts val="0"/>
+                        </a:spcAft>
+                      </a:pPr>
+                      <a:r>
+                        <a:rPr lang="en-US" sz="2400">
+                          <a:effectLst/>
+                        </a:rPr>
+                        <a:t>Low</a:t>
+                      </a:r>
+                      <a:endParaRPr lang="en-US" sz="3600">
+                        <a:effectLst/>
+                        <a:latin typeface="Calibri"/>
+                        <a:ea typeface="Calibri"/>
+                        <a:cs typeface="Times New Roman"/>
+                      </a:endParaRPr>
+                    </a:p>
+                  </a:txBody>
+                  <a:tcPr marL="68580" marR="68580" marT="0" marB="0" anchor="b"/>
+                </a:tc>
+                <a:tc>
+                  <a:txBody>
+                    <a:bodyPr/>
+                    <a:lstStyle/>
+                    <a:p>
+                      <a:pPr marL="0" marR="0" algn="ctr">
+                        <a:lnSpc>
+                          <a:spcPct val="115000"/>
+                        </a:lnSpc>
+                        <a:spcBef>
+                          <a:spcPts val="0"/>
+                        </a:spcBef>
+                        <a:spcAft>
+                          <a:spcPts val="0"/>
+                        </a:spcAft>
+                      </a:pPr>
+                      <a:r>
+                        <a:rPr lang="en-US" sz="2400">
+                          <a:effectLst/>
+                        </a:rPr>
+                        <a:t>1</a:t>
+                      </a:r>
+                      <a:endParaRPr lang="en-US" sz="3600">
+                        <a:effectLst/>
+                        <a:latin typeface="Calibri"/>
+                        <a:ea typeface="Calibri"/>
+                        <a:cs typeface="Times New Roman"/>
+                      </a:endParaRPr>
+                    </a:p>
+                  </a:txBody>
+                  <a:tcPr marL="68580" marR="68580" marT="0" marB="0" anchor="b"/>
+                </a:tc>
+              </a:tr>
+              <a:tr h="547804">
+                <a:tc>
+                  <a:txBody>
+                    <a:bodyPr/>
+                    <a:lstStyle/>
+                    <a:p>
+                      <a:pPr marL="0" marR="0" algn="ctr">
+                        <a:lnSpc>
+                          <a:spcPct val="115000"/>
+                        </a:lnSpc>
+                        <a:spcBef>
+                          <a:spcPts val="0"/>
+                        </a:spcBef>
+                        <a:spcAft>
+                          <a:spcPts val="0"/>
+                        </a:spcAft>
+                      </a:pPr>
+                      <a:r>
+                        <a:rPr lang="en-US" sz="2400">
+                          <a:effectLst/>
+                        </a:rPr>
+                        <a:t>5</a:t>
+                      </a:r>
+                      <a:endParaRPr lang="en-US" sz="3600">
+                        <a:effectLst/>
+                        <a:latin typeface="Calibri"/>
+                        <a:ea typeface="Calibri"/>
+                        <a:cs typeface="Times New Roman"/>
+                      </a:endParaRPr>
+                    </a:p>
+                  </a:txBody>
+                  <a:tcPr marL="68580" marR="68580" marT="0" marB="0" anchor="b"/>
+                </a:tc>
+                <a:tc>
+                  <a:txBody>
+                    <a:bodyPr/>
+                    <a:lstStyle/>
+                    <a:p>
+                      <a:pPr marL="0" marR="0" algn="ctr">
+                        <a:lnSpc>
+                          <a:spcPct val="115000"/>
+                        </a:lnSpc>
+                        <a:spcBef>
+                          <a:spcPts val="0"/>
+                        </a:spcBef>
+                        <a:spcAft>
+                          <a:spcPts val="0"/>
+                        </a:spcAft>
+                      </a:pPr>
+                      <a:r>
+                        <a:rPr lang="en-US" sz="2400" dirty="0" smtClean="0">
+                          <a:effectLst/>
+                        </a:rPr>
+                        <a:t>Manage Table</a:t>
+                      </a:r>
+                      <a:endParaRPr lang="en-US" sz="3600" dirty="0">
+                        <a:effectLst/>
+                        <a:latin typeface="Calibri"/>
+                        <a:ea typeface="Calibri"/>
+                        <a:cs typeface="Times New Roman"/>
+                      </a:endParaRPr>
+                    </a:p>
+                  </a:txBody>
+                  <a:tcPr marL="68580" marR="68580" marT="0" marB="0" anchor="b"/>
+                </a:tc>
+                <a:tc>
+                  <a:txBody>
+                    <a:bodyPr/>
+                    <a:lstStyle/>
+                    <a:p>
+                      <a:pPr marL="0" marR="0" algn="ctr">
+                        <a:lnSpc>
+                          <a:spcPct val="115000"/>
+                        </a:lnSpc>
+                        <a:spcBef>
+                          <a:spcPts val="0"/>
+                        </a:spcBef>
+                        <a:spcAft>
+                          <a:spcPts val="0"/>
+                        </a:spcAft>
+                      </a:pPr>
+                      <a:r>
+                        <a:rPr lang="en-US" sz="2400" dirty="0">
+                          <a:effectLst/>
+                        </a:rPr>
+                        <a:t>In</a:t>
+                      </a:r>
+                      <a:endParaRPr lang="en-US" sz="3600" dirty="0">
+                        <a:effectLst/>
+                        <a:latin typeface="Calibri"/>
+                        <a:ea typeface="Calibri"/>
+                        <a:cs typeface="Times New Roman"/>
+                      </a:endParaRPr>
+                    </a:p>
+                  </a:txBody>
+                  <a:tcPr marL="68580" marR="68580" marT="0" marB="0" anchor="b"/>
+                </a:tc>
+                <a:tc>
+                  <a:txBody>
+                    <a:bodyPr/>
+                    <a:lstStyle/>
+                    <a:p>
+                      <a:pPr marL="0" marR="0" algn="ctr">
+                        <a:lnSpc>
+                          <a:spcPct val="115000"/>
+                        </a:lnSpc>
+                        <a:spcBef>
+                          <a:spcPts val="0"/>
+                        </a:spcBef>
+                        <a:spcAft>
+                          <a:spcPts val="0"/>
+                        </a:spcAft>
+                      </a:pPr>
+                      <a:r>
+                        <a:rPr lang="en-US" sz="2400" dirty="0">
+                          <a:effectLst/>
+                        </a:rPr>
+                        <a:t>Waiter</a:t>
+                      </a:r>
+                      <a:endParaRPr lang="en-US" sz="3600" dirty="0">
+                        <a:effectLst/>
+                        <a:latin typeface="Calibri"/>
+                        <a:ea typeface="Calibri"/>
+                        <a:cs typeface="Times New Roman"/>
+                      </a:endParaRPr>
+                    </a:p>
+                  </a:txBody>
+                  <a:tcPr marL="68580" marR="68580" marT="0" marB="0" anchor="b"/>
+                </a:tc>
+                <a:tc>
+                  <a:txBody>
+                    <a:bodyPr/>
+                    <a:lstStyle/>
+                    <a:p>
+                      <a:pPr marL="0" marR="0" algn="ctr">
+                        <a:lnSpc>
+                          <a:spcPct val="115000"/>
+                        </a:lnSpc>
+                        <a:spcBef>
+                          <a:spcPts val="0"/>
+                        </a:spcBef>
+                        <a:spcAft>
+                          <a:spcPts val="0"/>
+                        </a:spcAft>
+                      </a:pPr>
+                      <a:r>
+                        <a:rPr lang="en-US" sz="2400">
+                          <a:effectLst/>
+                        </a:rPr>
+                        <a:t>High</a:t>
+                      </a:r>
+                      <a:endParaRPr lang="en-US" sz="3600">
+                        <a:effectLst/>
+                        <a:latin typeface="Calibri"/>
+                        <a:ea typeface="Calibri"/>
+                        <a:cs typeface="Times New Roman"/>
+                      </a:endParaRPr>
+                    </a:p>
+                  </a:txBody>
+                  <a:tcPr marL="68580" marR="68580" marT="0" marB="0" anchor="b"/>
+                </a:tc>
+                <a:tc>
+                  <a:txBody>
+                    <a:bodyPr/>
+                    <a:lstStyle/>
+                    <a:p>
+                      <a:pPr marL="0" marR="0" algn="ctr">
+                        <a:lnSpc>
+                          <a:spcPct val="115000"/>
+                        </a:lnSpc>
+                        <a:spcBef>
+                          <a:spcPts val="0"/>
+                        </a:spcBef>
+                        <a:spcAft>
+                          <a:spcPts val="0"/>
+                        </a:spcAft>
+                      </a:pPr>
+                      <a:r>
+                        <a:rPr lang="en-US" sz="2400">
+                          <a:effectLst/>
+                        </a:rPr>
+                        <a:t>2</a:t>
+                      </a:r>
+                      <a:endParaRPr lang="en-US" sz="3600">
+                        <a:effectLst/>
+                        <a:latin typeface="Calibri"/>
+                        <a:ea typeface="Calibri"/>
+                        <a:cs typeface="Times New Roman"/>
+                      </a:endParaRPr>
+                    </a:p>
+                  </a:txBody>
+                  <a:tcPr marL="68580" marR="68580" marT="0" marB="0" anchor="b"/>
+                </a:tc>
+              </a:tr>
+              <a:tr h="547804">
+                <a:tc>
+                  <a:txBody>
+                    <a:bodyPr/>
+                    <a:lstStyle/>
+                    <a:p>
+                      <a:pPr marL="0" marR="0" algn="ctr">
+                        <a:lnSpc>
+                          <a:spcPct val="115000"/>
+                        </a:lnSpc>
+                        <a:spcBef>
+                          <a:spcPts val="0"/>
+                        </a:spcBef>
+                        <a:spcAft>
+                          <a:spcPts val="0"/>
+                        </a:spcAft>
+                      </a:pPr>
+                      <a:r>
+                        <a:rPr lang="en-US" sz="2400">
+                          <a:effectLst/>
+                        </a:rPr>
+                        <a:t>6</a:t>
+                      </a:r>
+                      <a:endParaRPr lang="en-US" sz="3600">
+                        <a:effectLst/>
+                        <a:latin typeface="Calibri"/>
+                        <a:ea typeface="Calibri"/>
+                        <a:cs typeface="Times New Roman"/>
+                      </a:endParaRPr>
+                    </a:p>
+                  </a:txBody>
+                  <a:tcPr marL="68580" marR="68580" marT="0" marB="0" anchor="b"/>
+                </a:tc>
+                <a:tc>
+                  <a:txBody>
+                    <a:bodyPr/>
+                    <a:lstStyle/>
+                    <a:p>
+                      <a:pPr marL="0" marR="0" algn="ctr">
+                        <a:lnSpc>
+                          <a:spcPct val="115000"/>
+                        </a:lnSpc>
+                        <a:spcBef>
+                          <a:spcPts val="0"/>
+                        </a:spcBef>
+                        <a:spcAft>
+                          <a:spcPts val="0"/>
+                        </a:spcAft>
+                      </a:pPr>
+                      <a:r>
+                        <a:rPr lang="en-US" sz="2400">
+                          <a:effectLst/>
+                        </a:rPr>
+                        <a:t>Order check off</a:t>
+                      </a:r>
+                      <a:endParaRPr lang="en-US" sz="3600">
+                        <a:effectLst/>
+                        <a:latin typeface="Calibri"/>
+                        <a:ea typeface="Calibri"/>
+                        <a:cs typeface="Times New Roman"/>
+                      </a:endParaRPr>
+                    </a:p>
+                  </a:txBody>
+                  <a:tcPr marL="68580" marR="68580" marT="0" marB="0" anchor="b"/>
+                </a:tc>
+                <a:tc>
+                  <a:txBody>
+                    <a:bodyPr/>
+                    <a:lstStyle/>
+                    <a:p>
+                      <a:pPr marL="0" marR="0" algn="ctr">
+                        <a:lnSpc>
+                          <a:spcPct val="115000"/>
+                        </a:lnSpc>
+                        <a:spcBef>
+                          <a:spcPts val="0"/>
+                        </a:spcBef>
+                        <a:spcAft>
+                          <a:spcPts val="0"/>
+                        </a:spcAft>
+                      </a:pPr>
+                      <a:r>
+                        <a:rPr lang="en-US" sz="2400" dirty="0">
+                          <a:effectLst/>
+                        </a:rPr>
+                        <a:t>In</a:t>
+                      </a:r>
+                      <a:endParaRPr lang="en-US" sz="3600" dirty="0">
+                        <a:effectLst/>
+                        <a:latin typeface="Calibri"/>
+                        <a:ea typeface="Calibri"/>
+                        <a:cs typeface="Times New Roman"/>
+                      </a:endParaRPr>
+                    </a:p>
+                  </a:txBody>
+                  <a:tcPr marL="68580" marR="68580" marT="0" marB="0" anchor="b"/>
+                </a:tc>
+                <a:tc>
+                  <a:txBody>
+                    <a:bodyPr/>
+                    <a:lstStyle/>
+                    <a:p>
+                      <a:pPr marL="0" marR="0" algn="ctr">
+                        <a:lnSpc>
+                          <a:spcPct val="115000"/>
+                        </a:lnSpc>
+                        <a:spcBef>
+                          <a:spcPts val="0"/>
+                        </a:spcBef>
+                        <a:spcAft>
+                          <a:spcPts val="0"/>
+                        </a:spcAft>
+                      </a:pPr>
+                      <a:r>
+                        <a:rPr lang="en-US" sz="2400" dirty="0">
+                          <a:effectLst/>
+                        </a:rPr>
+                        <a:t>Kitchen staff</a:t>
+                      </a:r>
+                      <a:endParaRPr lang="en-US" sz="3600" dirty="0">
+                        <a:effectLst/>
+                        <a:latin typeface="Calibri"/>
+                        <a:ea typeface="Calibri"/>
+                        <a:cs typeface="Times New Roman"/>
+                      </a:endParaRPr>
+                    </a:p>
+                  </a:txBody>
+                  <a:tcPr marL="68580" marR="68580" marT="0" marB="0" anchor="b"/>
+                </a:tc>
+                <a:tc>
+                  <a:txBody>
+                    <a:bodyPr/>
+                    <a:lstStyle/>
+                    <a:p>
+                      <a:pPr marL="0" marR="0" algn="ctr">
+                        <a:lnSpc>
+                          <a:spcPct val="115000"/>
+                        </a:lnSpc>
+                        <a:spcBef>
+                          <a:spcPts val="0"/>
+                        </a:spcBef>
+                        <a:spcAft>
+                          <a:spcPts val="0"/>
+                        </a:spcAft>
+                      </a:pPr>
+                      <a:r>
+                        <a:rPr lang="en-US" sz="2400" dirty="0" smtClean="0">
+                          <a:effectLst/>
+                        </a:rPr>
+                        <a:t>Med</a:t>
+                      </a:r>
+                      <a:endParaRPr lang="en-US" sz="3600" dirty="0">
+                        <a:effectLst/>
+                        <a:latin typeface="Calibri"/>
+                        <a:ea typeface="Calibri"/>
+                        <a:cs typeface="Times New Roman"/>
+                      </a:endParaRPr>
+                    </a:p>
+                  </a:txBody>
+                  <a:tcPr marL="68580" marR="68580" marT="0" marB="0" anchor="b"/>
+                </a:tc>
+                <a:tc>
+                  <a:txBody>
+                    <a:bodyPr/>
+                    <a:lstStyle/>
+                    <a:p>
+                      <a:pPr marL="0" marR="0" algn="ctr">
+                        <a:lnSpc>
+                          <a:spcPct val="115000"/>
+                        </a:lnSpc>
+                        <a:spcBef>
+                          <a:spcPts val="0"/>
+                        </a:spcBef>
+                        <a:spcAft>
+                          <a:spcPts val="0"/>
+                        </a:spcAft>
+                      </a:pPr>
+                      <a:r>
+                        <a:rPr lang="en-US" sz="2400">
+                          <a:effectLst/>
+                        </a:rPr>
+                        <a:t>1</a:t>
+                      </a:r>
+                      <a:endParaRPr lang="en-US" sz="3600">
+                        <a:effectLst/>
+                        <a:latin typeface="Calibri"/>
+                        <a:ea typeface="Calibri"/>
+                        <a:cs typeface="Times New Roman"/>
+                      </a:endParaRPr>
+                    </a:p>
+                  </a:txBody>
+                  <a:tcPr marL="68580" marR="68580" marT="0" marB="0" anchor="b"/>
+                </a:tc>
+              </a:tr>
+              <a:tr h="547804">
+                <a:tc>
+                  <a:txBody>
+                    <a:bodyPr/>
+                    <a:lstStyle/>
+                    <a:p>
+                      <a:pPr marL="0" marR="0" algn="ctr">
+                        <a:lnSpc>
+                          <a:spcPct val="115000"/>
+                        </a:lnSpc>
+                        <a:spcBef>
+                          <a:spcPts val="0"/>
+                        </a:spcBef>
+                        <a:spcAft>
+                          <a:spcPts val="0"/>
+                        </a:spcAft>
+                      </a:pPr>
+                      <a:r>
+                        <a:rPr lang="en-US" sz="2400">
+                          <a:effectLst/>
+                        </a:rPr>
+                        <a:t>7</a:t>
+                      </a:r>
+                      <a:endParaRPr lang="en-US" sz="3600">
+                        <a:effectLst/>
+                        <a:latin typeface="Calibri"/>
+                        <a:ea typeface="Calibri"/>
+                        <a:cs typeface="Times New Roman"/>
+                      </a:endParaRPr>
+                    </a:p>
+                  </a:txBody>
+                  <a:tcPr marL="68580" marR="68580" marT="0" marB="0" anchor="b"/>
+                </a:tc>
+                <a:tc>
+                  <a:txBody>
+                    <a:bodyPr/>
+                    <a:lstStyle/>
+                    <a:p>
+                      <a:pPr marL="0" marR="0" algn="ctr">
+                        <a:lnSpc>
+                          <a:spcPct val="115000"/>
+                        </a:lnSpc>
+                        <a:spcBef>
+                          <a:spcPts val="0"/>
+                        </a:spcBef>
+                        <a:spcAft>
+                          <a:spcPts val="0"/>
+                        </a:spcAft>
+                      </a:pPr>
+                      <a:r>
+                        <a:rPr lang="en-US" sz="2400">
+                          <a:effectLst/>
+                        </a:rPr>
+                        <a:t>Reservation</a:t>
+                      </a:r>
+                      <a:endParaRPr lang="en-US" sz="3600">
+                        <a:effectLst/>
+                        <a:latin typeface="Calibri"/>
+                        <a:ea typeface="Calibri"/>
+                        <a:cs typeface="Times New Roman"/>
+                      </a:endParaRPr>
+                    </a:p>
+                  </a:txBody>
+                  <a:tcPr marL="68580" marR="68580" marT="0" marB="0" anchor="b"/>
+                </a:tc>
+                <a:tc>
+                  <a:txBody>
+                    <a:bodyPr/>
+                    <a:lstStyle/>
+                    <a:p>
+                      <a:pPr marL="0" marR="0" algn="ctr">
+                        <a:lnSpc>
+                          <a:spcPct val="115000"/>
+                        </a:lnSpc>
+                        <a:spcBef>
+                          <a:spcPts val="0"/>
+                        </a:spcBef>
+                        <a:spcAft>
+                          <a:spcPts val="0"/>
+                        </a:spcAft>
+                      </a:pPr>
+                      <a:r>
+                        <a:rPr lang="en-US" sz="2400">
+                          <a:effectLst/>
+                        </a:rPr>
+                        <a:t>In</a:t>
+                      </a:r>
+                      <a:endParaRPr lang="en-US" sz="3600">
+                        <a:effectLst/>
+                        <a:latin typeface="Calibri"/>
+                        <a:ea typeface="Calibri"/>
+                        <a:cs typeface="Times New Roman"/>
+                      </a:endParaRPr>
+                    </a:p>
+                  </a:txBody>
+                  <a:tcPr marL="68580" marR="68580" marT="0" marB="0" anchor="b"/>
+                </a:tc>
+                <a:tc>
+                  <a:txBody>
+                    <a:bodyPr/>
+                    <a:lstStyle/>
+                    <a:p>
+                      <a:pPr marL="0" marR="0" algn="ctr">
+                        <a:lnSpc>
+                          <a:spcPct val="115000"/>
+                        </a:lnSpc>
+                        <a:spcBef>
+                          <a:spcPts val="0"/>
+                        </a:spcBef>
+                        <a:spcAft>
+                          <a:spcPts val="0"/>
+                        </a:spcAft>
+                      </a:pPr>
+                      <a:r>
+                        <a:rPr lang="en-US" sz="2400" dirty="0">
+                          <a:effectLst/>
+                        </a:rPr>
+                        <a:t>Customer</a:t>
+                      </a:r>
+                      <a:endParaRPr lang="en-US" sz="3600" dirty="0">
+                        <a:effectLst/>
+                        <a:latin typeface="Calibri"/>
+                        <a:ea typeface="Calibri"/>
+                        <a:cs typeface="Times New Roman"/>
+                      </a:endParaRPr>
+                    </a:p>
+                  </a:txBody>
+                  <a:tcPr marL="68580" marR="68580" marT="0" marB="0" anchor="b"/>
+                </a:tc>
+                <a:tc>
+                  <a:txBody>
+                    <a:bodyPr/>
+                    <a:lstStyle/>
+                    <a:p>
+                      <a:pPr marL="0" marR="0" algn="ctr">
+                        <a:lnSpc>
+                          <a:spcPct val="115000"/>
+                        </a:lnSpc>
+                        <a:spcBef>
+                          <a:spcPts val="0"/>
+                        </a:spcBef>
+                        <a:spcAft>
+                          <a:spcPts val="0"/>
+                        </a:spcAft>
+                      </a:pPr>
+                      <a:r>
+                        <a:rPr lang="en-US" sz="2400" dirty="0" smtClean="0">
+                          <a:effectLst/>
+                        </a:rPr>
+                        <a:t>Med</a:t>
+                      </a:r>
+                      <a:endParaRPr lang="en-US" sz="3600" dirty="0">
+                        <a:effectLst/>
+                        <a:latin typeface="Calibri"/>
+                        <a:ea typeface="Calibri"/>
+                        <a:cs typeface="Times New Roman"/>
+                      </a:endParaRPr>
+                    </a:p>
+                  </a:txBody>
+                  <a:tcPr marL="68580" marR="68580" marT="0" marB="0" anchor="b"/>
+                </a:tc>
+                <a:tc>
+                  <a:txBody>
+                    <a:bodyPr/>
+                    <a:lstStyle/>
+                    <a:p>
+                      <a:pPr marL="0" marR="0" algn="ctr">
+                        <a:lnSpc>
+                          <a:spcPct val="115000"/>
+                        </a:lnSpc>
+                        <a:spcBef>
+                          <a:spcPts val="0"/>
+                        </a:spcBef>
+                        <a:spcAft>
+                          <a:spcPts val="0"/>
+                        </a:spcAft>
+                      </a:pPr>
+                      <a:r>
+                        <a:rPr lang="en-US" sz="2400">
+                          <a:effectLst/>
+                        </a:rPr>
+                        <a:t>2</a:t>
+                      </a:r>
+                      <a:endParaRPr lang="en-US" sz="3600">
+                        <a:effectLst/>
+                        <a:latin typeface="Calibri"/>
+                        <a:ea typeface="Calibri"/>
+                        <a:cs typeface="Times New Roman"/>
+                      </a:endParaRPr>
+                    </a:p>
+                  </a:txBody>
+                  <a:tcPr marL="68580" marR="68580" marT="0" marB="0" anchor="b"/>
+                </a:tc>
+              </a:tr>
+              <a:tr h="547804">
+                <a:tc>
+                  <a:txBody>
+                    <a:bodyPr/>
+                    <a:lstStyle/>
+                    <a:p>
+                      <a:pPr marL="0" marR="0" algn="ctr">
+                        <a:lnSpc>
+                          <a:spcPct val="115000"/>
+                        </a:lnSpc>
+                        <a:spcBef>
+                          <a:spcPts val="0"/>
+                        </a:spcBef>
+                        <a:spcAft>
+                          <a:spcPts val="0"/>
+                        </a:spcAft>
+                      </a:pPr>
+                      <a:r>
+                        <a:rPr lang="en-US" sz="2400">
+                          <a:effectLst/>
+                        </a:rPr>
+                        <a:t>8</a:t>
+                      </a:r>
+                      <a:endParaRPr lang="en-US" sz="3600">
+                        <a:effectLst/>
+                        <a:latin typeface="Calibri"/>
+                        <a:ea typeface="Calibri"/>
+                        <a:cs typeface="Times New Roman"/>
+                      </a:endParaRPr>
+                    </a:p>
+                  </a:txBody>
+                  <a:tcPr marL="68580" marR="68580" marT="0" marB="0" anchor="b"/>
+                </a:tc>
+                <a:tc>
+                  <a:txBody>
+                    <a:bodyPr/>
+                    <a:lstStyle/>
+                    <a:p>
+                      <a:pPr marL="0" marR="0" algn="ctr">
+                        <a:lnSpc>
+                          <a:spcPct val="115000"/>
+                        </a:lnSpc>
+                        <a:spcBef>
+                          <a:spcPts val="0"/>
+                        </a:spcBef>
+                        <a:spcAft>
+                          <a:spcPts val="0"/>
+                        </a:spcAft>
+                      </a:pPr>
+                      <a:r>
+                        <a:rPr lang="en-US" sz="2400">
+                          <a:effectLst/>
+                        </a:rPr>
+                        <a:t>Item's metadata</a:t>
+                      </a:r>
+                      <a:endParaRPr lang="en-US" sz="3600">
+                        <a:effectLst/>
+                        <a:latin typeface="Calibri"/>
+                        <a:ea typeface="Calibri"/>
+                        <a:cs typeface="Times New Roman"/>
+                      </a:endParaRPr>
+                    </a:p>
+                  </a:txBody>
+                  <a:tcPr marL="68580" marR="68580" marT="0" marB="0" anchor="b"/>
+                </a:tc>
+                <a:tc>
+                  <a:txBody>
+                    <a:bodyPr/>
+                    <a:lstStyle/>
+                    <a:p>
+                      <a:pPr marL="0" marR="0" algn="ctr">
+                        <a:lnSpc>
+                          <a:spcPct val="115000"/>
+                        </a:lnSpc>
+                        <a:spcBef>
+                          <a:spcPts val="0"/>
+                        </a:spcBef>
+                        <a:spcAft>
+                          <a:spcPts val="0"/>
+                        </a:spcAft>
+                      </a:pPr>
+                      <a:r>
+                        <a:rPr lang="en-US" sz="2400">
+                          <a:effectLst/>
+                        </a:rPr>
+                        <a:t>In</a:t>
+                      </a:r>
+                      <a:endParaRPr lang="en-US" sz="3600">
+                        <a:effectLst/>
+                        <a:latin typeface="Calibri"/>
+                        <a:ea typeface="Calibri"/>
+                        <a:cs typeface="Times New Roman"/>
+                      </a:endParaRPr>
+                    </a:p>
+                  </a:txBody>
+                  <a:tcPr marL="68580" marR="68580" marT="0" marB="0" anchor="b"/>
+                </a:tc>
+                <a:tc>
+                  <a:txBody>
+                    <a:bodyPr/>
+                    <a:lstStyle/>
+                    <a:p>
+                      <a:pPr marL="0" marR="0" algn="ctr">
+                        <a:lnSpc>
+                          <a:spcPct val="115000"/>
+                        </a:lnSpc>
+                        <a:spcBef>
+                          <a:spcPts val="0"/>
+                        </a:spcBef>
+                        <a:spcAft>
+                          <a:spcPts val="0"/>
+                        </a:spcAft>
+                      </a:pPr>
+                      <a:r>
+                        <a:rPr lang="en-US" sz="2400" dirty="0">
+                          <a:effectLst/>
+                        </a:rPr>
+                        <a:t>Anyone</a:t>
+                      </a:r>
+                      <a:endParaRPr lang="en-US" sz="3600" dirty="0">
+                        <a:effectLst/>
+                        <a:latin typeface="Calibri"/>
+                        <a:ea typeface="Calibri"/>
+                        <a:cs typeface="Times New Roman"/>
+                      </a:endParaRPr>
+                    </a:p>
+                  </a:txBody>
+                  <a:tcPr marL="68580" marR="68580" marT="0" marB="0" anchor="b"/>
+                </a:tc>
+                <a:tc>
+                  <a:txBody>
+                    <a:bodyPr/>
+                    <a:lstStyle/>
+                    <a:p>
+                      <a:pPr marL="0" marR="0" algn="ctr">
+                        <a:lnSpc>
+                          <a:spcPct val="115000"/>
+                        </a:lnSpc>
+                        <a:spcBef>
+                          <a:spcPts val="0"/>
+                        </a:spcBef>
+                        <a:spcAft>
+                          <a:spcPts val="0"/>
+                        </a:spcAft>
+                      </a:pPr>
+                      <a:r>
+                        <a:rPr lang="en-US" sz="2400" dirty="0" smtClean="0">
+                          <a:effectLst/>
+                        </a:rPr>
+                        <a:t>Med</a:t>
+                      </a:r>
+                      <a:endParaRPr lang="en-US" sz="3600" dirty="0">
+                        <a:effectLst/>
+                        <a:latin typeface="Calibri"/>
+                        <a:ea typeface="Calibri"/>
+                        <a:cs typeface="Times New Roman"/>
+                      </a:endParaRPr>
+                    </a:p>
+                  </a:txBody>
+                  <a:tcPr marL="68580" marR="68580" marT="0" marB="0" anchor="b"/>
+                </a:tc>
+                <a:tc>
+                  <a:txBody>
+                    <a:bodyPr/>
+                    <a:lstStyle/>
+                    <a:p>
+                      <a:pPr marL="0" marR="0" algn="ctr">
+                        <a:lnSpc>
+                          <a:spcPct val="115000"/>
+                        </a:lnSpc>
+                        <a:spcBef>
+                          <a:spcPts val="0"/>
+                        </a:spcBef>
+                        <a:spcAft>
+                          <a:spcPts val="0"/>
+                        </a:spcAft>
+                      </a:pPr>
+                      <a:r>
+                        <a:rPr lang="en-US" sz="2400">
+                          <a:effectLst/>
+                        </a:rPr>
+                        <a:t>2</a:t>
+                      </a:r>
+                      <a:endParaRPr lang="en-US" sz="3600">
+                        <a:effectLst/>
+                        <a:latin typeface="Calibri"/>
+                        <a:ea typeface="Calibri"/>
+                        <a:cs typeface="Times New Roman"/>
+                      </a:endParaRPr>
+                    </a:p>
+                  </a:txBody>
+                  <a:tcPr marL="68580" marR="68580" marT="0" marB="0" anchor="b"/>
+                </a:tc>
+              </a:tr>
+              <a:tr h="547804">
+                <a:tc>
+                  <a:txBody>
+                    <a:bodyPr/>
+                    <a:lstStyle/>
+                    <a:p>
+                      <a:pPr marL="0" marR="0" algn="ctr">
+                        <a:lnSpc>
+                          <a:spcPct val="115000"/>
+                        </a:lnSpc>
+                        <a:spcBef>
+                          <a:spcPts val="0"/>
+                        </a:spcBef>
+                        <a:spcAft>
+                          <a:spcPts val="0"/>
+                        </a:spcAft>
+                      </a:pPr>
+                      <a:r>
+                        <a:rPr lang="en-US" sz="2400">
+                          <a:effectLst/>
+                        </a:rPr>
+                        <a:t>9</a:t>
+                      </a:r>
+                      <a:endParaRPr lang="en-US" sz="3600">
+                        <a:effectLst/>
+                        <a:latin typeface="Calibri"/>
+                        <a:ea typeface="Calibri"/>
+                        <a:cs typeface="Times New Roman"/>
+                      </a:endParaRPr>
+                    </a:p>
+                  </a:txBody>
+                  <a:tcPr marL="68580" marR="68580" marT="0" marB="0" anchor="b"/>
+                </a:tc>
+                <a:tc>
+                  <a:txBody>
+                    <a:bodyPr/>
+                    <a:lstStyle/>
+                    <a:p>
+                      <a:pPr marL="0" marR="0" algn="ctr">
+                        <a:lnSpc>
+                          <a:spcPct val="115000"/>
+                        </a:lnSpc>
+                        <a:spcBef>
+                          <a:spcPts val="0"/>
+                        </a:spcBef>
+                        <a:spcAft>
+                          <a:spcPts val="0"/>
+                        </a:spcAft>
+                      </a:pPr>
+                      <a:r>
+                        <a:rPr lang="en-US" sz="2400">
+                          <a:effectLst/>
+                        </a:rPr>
+                        <a:t>Inventory</a:t>
+                      </a:r>
+                      <a:endParaRPr lang="en-US" sz="3600">
+                        <a:effectLst/>
+                        <a:latin typeface="Calibri"/>
+                        <a:ea typeface="Calibri"/>
+                        <a:cs typeface="Times New Roman"/>
+                      </a:endParaRPr>
+                    </a:p>
+                  </a:txBody>
+                  <a:tcPr marL="68580" marR="68580" marT="0" marB="0" anchor="b"/>
+                </a:tc>
+                <a:tc>
+                  <a:txBody>
+                    <a:bodyPr/>
+                    <a:lstStyle/>
+                    <a:p>
+                      <a:pPr marL="0" marR="0" algn="ctr">
+                        <a:lnSpc>
+                          <a:spcPct val="115000"/>
+                        </a:lnSpc>
+                        <a:spcBef>
+                          <a:spcPts val="0"/>
+                        </a:spcBef>
+                        <a:spcAft>
+                          <a:spcPts val="0"/>
+                        </a:spcAft>
+                      </a:pPr>
+                      <a:r>
+                        <a:rPr lang="en-US" sz="2400">
+                          <a:effectLst/>
+                        </a:rPr>
+                        <a:t>In</a:t>
+                      </a:r>
+                      <a:endParaRPr lang="en-US" sz="3600">
+                        <a:effectLst/>
+                        <a:latin typeface="Calibri"/>
+                        <a:ea typeface="Calibri"/>
+                        <a:cs typeface="Times New Roman"/>
+                      </a:endParaRPr>
+                    </a:p>
+                  </a:txBody>
+                  <a:tcPr marL="68580" marR="68580" marT="0" marB="0" anchor="b"/>
+                </a:tc>
+                <a:tc>
+                  <a:txBody>
+                    <a:bodyPr/>
+                    <a:lstStyle/>
+                    <a:p>
+                      <a:pPr marL="0" marR="0" algn="ctr">
+                        <a:lnSpc>
+                          <a:spcPct val="115000"/>
+                        </a:lnSpc>
+                        <a:spcBef>
+                          <a:spcPts val="0"/>
+                        </a:spcBef>
+                        <a:spcAft>
+                          <a:spcPts val="0"/>
+                        </a:spcAft>
+                      </a:pPr>
+                      <a:r>
+                        <a:rPr lang="en-US" sz="2400">
+                          <a:effectLst/>
+                        </a:rPr>
+                        <a:t>Manager</a:t>
+                      </a:r>
+                      <a:endParaRPr lang="en-US" sz="3600">
+                        <a:effectLst/>
+                        <a:latin typeface="Calibri"/>
+                        <a:ea typeface="Calibri"/>
+                        <a:cs typeface="Times New Roman"/>
+                      </a:endParaRPr>
+                    </a:p>
+                  </a:txBody>
+                  <a:tcPr marL="68580" marR="68580" marT="0" marB="0" anchor="b"/>
+                </a:tc>
+                <a:tc>
+                  <a:txBody>
+                    <a:bodyPr/>
+                    <a:lstStyle/>
+                    <a:p>
+                      <a:pPr marL="0" marR="0" algn="ctr">
+                        <a:lnSpc>
+                          <a:spcPct val="115000"/>
+                        </a:lnSpc>
+                        <a:spcBef>
+                          <a:spcPts val="0"/>
+                        </a:spcBef>
+                        <a:spcAft>
+                          <a:spcPts val="0"/>
+                        </a:spcAft>
+                      </a:pPr>
+                      <a:r>
+                        <a:rPr lang="en-US" sz="2400" dirty="0">
+                          <a:effectLst/>
+                        </a:rPr>
+                        <a:t>Low</a:t>
+                      </a:r>
+                      <a:endParaRPr lang="en-US" sz="3600" dirty="0">
+                        <a:effectLst/>
+                        <a:latin typeface="Calibri"/>
+                        <a:ea typeface="Calibri"/>
+                        <a:cs typeface="Times New Roman"/>
+                      </a:endParaRPr>
+                    </a:p>
+                  </a:txBody>
+                  <a:tcPr marL="68580" marR="68580" marT="0" marB="0" anchor="b"/>
+                </a:tc>
+                <a:tc>
+                  <a:txBody>
+                    <a:bodyPr/>
+                    <a:lstStyle/>
+                    <a:p>
+                      <a:pPr marL="0" marR="0" algn="ctr">
+                        <a:lnSpc>
+                          <a:spcPct val="115000"/>
+                        </a:lnSpc>
+                        <a:spcBef>
+                          <a:spcPts val="0"/>
+                        </a:spcBef>
+                        <a:spcAft>
+                          <a:spcPts val="0"/>
+                        </a:spcAft>
+                      </a:pPr>
+                      <a:r>
+                        <a:rPr lang="en-US" sz="2400" dirty="0">
+                          <a:effectLst/>
+                        </a:rPr>
+                        <a:t>1</a:t>
+                      </a:r>
+                      <a:endParaRPr lang="en-US" sz="3600" dirty="0">
+                        <a:effectLst/>
+                        <a:latin typeface="Calibri"/>
+                        <a:ea typeface="Calibri"/>
+                        <a:cs typeface="Times New Roman"/>
+                      </a:endParaRPr>
+                    </a:p>
+                  </a:txBody>
+                  <a:tcPr marL="68580" marR="68580" marT="0" marB="0" anchor="b"/>
+                </a:tc>
+              </a:tr>
+              <a:tr h="547804">
+                <a:tc>
+                  <a:txBody>
+                    <a:bodyPr/>
+                    <a:lstStyle/>
+                    <a:p>
+                      <a:pPr marL="0" marR="0" algn="ctr">
+                        <a:lnSpc>
+                          <a:spcPct val="115000"/>
+                        </a:lnSpc>
+                        <a:spcBef>
+                          <a:spcPts val="0"/>
+                        </a:spcBef>
+                        <a:spcAft>
+                          <a:spcPts val="0"/>
+                        </a:spcAft>
+                      </a:pPr>
+                      <a:r>
+                        <a:rPr lang="en-US" sz="2400">
+                          <a:effectLst/>
+                        </a:rPr>
+                        <a:t>10</a:t>
+                      </a:r>
+                      <a:endParaRPr lang="en-US" sz="3600">
+                        <a:effectLst/>
+                        <a:latin typeface="Calibri"/>
+                        <a:ea typeface="Calibri"/>
+                        <a:cs typeface="Times New Roman"/>
+                      </a:endParaRPr>
+                    </a:p>
+                  </a:txBody>
+                  <a:tcPr marL="68580" marR="68580" marT="0" marB="0" anchor="b"/>
+                </a:tc>
+                <a:tc>
+                  <a:txBody>
+                    <a:bodyPr/>
+                    <a:lstStyle/>
+                    <a:p>
+                      <a:pPr marL="0" marR="0" algn="ctr">
+                        <a:lnSpc>
+                          <a:spcPct val="115000"/>
+                        </a:lnSpc>
+                        <a:spcBef>
+                          <a:spcPts val="0"/>
+                        </a:spcBef>
+                        <a:spcAft>
+                          <a:spcPts val="0"/>
+                        </a:spcAft>
+                      </a:pPr>
+                      <a:r>
+                        <a:rPr lang="en-US" sz="2400" dirty="0" smtClean="0">
+                          <a:effectLst/>
+                        </a:rPr>
+                        <a:t>Complaint</a:t>
+                      </a:r>
+                      <a:endParaRPr lang="en-US" sz="3600" dirty="0">
+                        <a:effectLst/>
+                        <a:latin typeface="Calibri"/>
+                        <a:ea typeface="Calibri"/>
+                        <a:cs typeface="Times New Roman"/>
+                      </a:endParaRPr>
+                    </a:p>
+                  </a:txBody>
+                  <a:tcPr marL="68580" marR="68580" marT="0" marB="0" anchor="b"/>
+                </a:tc>
+                <a:tc>
+                  <a:txBody>
+                    <a:bodyPr/>
+                    <a:lstStyle/>
+                    <a:p>
+                      <a:pPr marL="0" marR="0" algn="ctr">
+                        <a:lnSpc>
+                          <a:spcPct val="115000"/>
+                        </a:lnSpc>
+                        <a:spcBef>
+                          <a:spcPts val="0"/>
+                        </a:spcBef>
+                        <a:spcAft>
+                          <a:spcPts val="0"/>
+                        </a:spcAft>
+                      </a:pPr>
+                      <a:r>
+                        <a:rPr lang="en-US" sz="2400">
+                          <a:effectLst/>
+                        </a:rPr>
+                        <a:t>In</a:t>
+                      </a:r>
+                      <a:endParaRPr lang="en-US" sz="3600">
+                        <a:effectLst/>
+                        <a:latin typeface="Calibri"/>
+                        <a:ea typeface="Calibri"/>
+                        <a:cs typeface="Times New Roman"/>
+                      </a:endParaRPr>
+                    </a:p>
+                  </a:txBody>
+                  <a:tcPr marL="68580" marR="68580" marT="0" marB="0" anchor="b"/>
+                </a:tc>
+                <a:tc>
+                  <a:txBody>
+                    <a:bodyPr/>
+                    <a:lstStyle/>
+                    <a:p>
+                      <a:pPr marL="0" marR="0" algn="ctr">
+                        <a:lnSpc>
+                          <a:spcPct val="115000"/>
+                        </a:lnSpc>
+                        <a:spcBef>
+                          <a:spcPts val="0"/>
+                        </a:spcBef>
+                        <a:spcAft>
+                          <a:spcPts val="0"/>
+                        </a:spcAft>
+                      </a:pPr>
+                      <a:r>
+                        <a:rPr lang="en-US" sz="2400" dirty="0" smtClean="0">
+                          <a:effectLst/>
+                        </a:rPr>
+                        <a:t>Manager/waiter</a:t>
+                      </a:r>
+                      <a:endParaRPr lang="en-US" sz="3600" dirty="0">
+                        <a:effectLst/>
+                        <a:latin typeface="Calibri"/>
+                        <a:ea typeface="Calibri"/>
+                        <a:cs typeface="Times New Roman"/>
+                      </a:endParaRPr>
+                    </a:p>
+                  </a:txBody>
+                  <a:tcPr marL="68580" marR="68580" marT="0" marB="0" anchor="b"/>
+                </a:tc>
+                <a:tc>
+                  <a:txBody>
+                    <a:bodyPr/>
+                    <a:lstStyle/>
+                    <a:p>
+                      <a:pPr marL="0" marR="0" algn="ctr">
+                        <a:lnSpc>
+                          <a:spcPct val="115000"/>
+                        </a:lnSpc>
+                        <a:spcBef>
+                          <a:spcPts val="0"/>
+                        </a:spcBef>
+                        <a:spcAft>
+                          <a:spcPts val="0"/>
+                        </a:spcAft>
+                      </a:pPr>
+                      <a:r>
+                        <a:rPr lang="en-US" sz="2400" dirty="0" smtClean="0">
+                          <a:effectLst/>
+                        </a:rPr>
+                        <a:t>Med</a:t>
+                      </a:r>
+                      <a:endParaRPr lang="en-US" sz="3600" dirty="0">
+                        <a:effectLst/>
+                        <a:latin typeface="Calibri"/>
+                        <a:ea typeface="Calibri"/>
+                        <a:cs typeface="Times New Roman"/>
+                      </a:endParaRPr>
+                    </a:p>
+                  </a:txBody>
+                  <a:tcPr marL="68580" marR="68580" marT="0" marB="0" anchor="b"/>
+                </a:tc>
+                <a:tc>
+                  <a:txBody>
+                    <a:bodyPr/>
+                    <a:lstStyle/>
+                    <a:p>
+                      <a:pPr marL="0" marR="0" algn="ctr">
+                        <a:lnSpc>
+                          <a:spcPct val="115000"/>
+                        </a:lnSpc>
+                        <a:spcBef>
+                          <a:spcPts val="0"/>
+                        </a:spcBef>
+                        <a:spcAft>
+                          <a:spcPts val="0"/>
+                        </a:spcAft>
+                      </a:pPr>
+                      <a:r>
+                        <a:rPr lang="en-US" sz="2400" dirty="0">
+                          <a:effectLst/>
+                        </a:rPr>
+                        <a:t>2</a:t>
+                      </a:r>
+                      <a:endParaRPr lang="en-US" sz="3600" dirty="0">
+                        <a:effectLst/>
+                        <a:latin typeface="Calibri"/>
+                        <a:ea typeface="Calibri"/>
+                        <a:cs typeface="Times New Roman"/>
+                      </a:endParaRPr>
+                    </a:p>
+                  </a:txBody>
+                  <a:tcPr marL="68580" marR="68580" marT="0" marB="0" anchor="b"/>
+                </a:tc>
+              </a:tr>
+            </a:tbl>
+          </a:graphicData>
+        </a:graphic>
+      </p:graphicFrame>
       <p:sp>
         <p:nvSpPr>
           <p:cNvPr id="2" name="Title 1"/>
@@ -4526,79 +6686,34 @@
         </p:nvSpPr>
         <p:spPr>
           <a:xfrm>
-            <a:off x="76200" y="-76200"/>
-            <a:ext cx="7924800" cy="1143000"/>
+            <a:off x="381000" y="0"/>
+            <a:ext cx="7010400" cy="838200"/>
           </a:xfrm>
+          <a:noFill/>
         </p:spPr>
         <p:txBody>
           <a:bodyPr>
-            <a:normAutofit/>
+            <a:normAutofit fontScale="90000"/>
           </a:bodyPr>
           <a:lstStyle/>
           <a:p>
             <a:pPr algn="l"/>
             <a:r>
               <a:rPr lang="en-US" sz="6000" b="1" dirty="0" smtClean="0"/>
-              <a:t>Main Success Scenario</a:t>
+              <a:t>Preliminary Use </a:t>
+            </a:r>
+            <a:r>
+              <a:rPr lang="en-US" sz="6000" b="1" dirty="0" smtClean="0"/>
+              <a:t>Cases</a:t>
             </a:r>
             <a:endParaRPr lang="en-US" sz="6000" b="1" dirty="0"/>
-          </a:p>
-        </p:txBody>
-      </p:sp>
-      <p:sp>
-        <p:nvSpPr>
-          <p:cNvPr id="3" name="Content Placeholder 2"/>
-          <p:cNvSpPr>
-            <a:spLocks noGrp="1"/>
-          </p:cNvSpPr>
-          <p:nvPr>
-            <p:ph idx="1"/>
-          </p:nvPr>
-        </p:nvSpPr>
-        <p:spPr>
-          <a:xfrm>
-            <a:off x="228600" y="914400"/>
-            <a:ext cx="8458200" cy="5486400"/>
-          </a:xfrm>
-        </p:spPr>
-        <p:txBody>
-          <a:bodyPr>
-            <a:normAutofit/>
-          </a:bodyPr>
-          <a:lstStyle/>
-          <a:p>
-            <a:r>
-              <a:rPr lang="en-US" sz="4000" b="1" dirty="0" smtClean="0"/>
-              <a:t>People leave.</a:t>
-            </a:r>
-          </a:p>
-          <a:p>
-            <a:r>
-              <a:rPr lang="en-US" sz="4000" b="1" dirty="0" smtClean="0"/>
-              <a:t>Table placed in bus queue</a:t>
-            </a:r>
-          </a:p>
-          <a:p>
-            <a:r>
-              <a:rPr lang="en-US" sz="4000" b="1" dirty="0" smtClean="0"/>
-              <a:t>Table is cleaned, removed from bus queue, and marked as available </a:t>
-            </a:r>
-          </a:p>
-          <a:p>
-            <a:pPr marL="0" indent="0">
-              <a:buNone/>
-            </a:pPr>
-            <a:endParaRPr lang="en-US" sz="4000" b="1" dirty="0" smtClean="0"/>
-          </a:p>
-          <a:p>
-            <a:endParaRPr lang="en-US" sz="4000" b="1" dirty="0"/>
           </a:p>
         </p:txBody>
       </p:sp>
     </p:spTree>
     <p:extLst>
       <p:ext uri="{BB962C8B-B14F-4D97-AF65-F5344CB8AC3E}">
-        <p14:creationId xmlns:p14="http://schemas.microsoft.com/office/powerpoint/2010/main" val="2977566684"/>
+        <p14:creationId xmlns:p14="http://schemas.microsoft.com/office/powerpoint/2010/main" val="1733782401"/>
       </p:ext>
     </p:extLst>
   </p:cSld>
@@ -4739,7 +6854,7 @@
     </p:spTree>
     <p:extLst>
       <p:ext uri="{BB962C8B-B14F-4D97-AF65-F5344CB8AC3E}">
-        <p14:creationId xmlns:p14="http://schemas.microsoft.com/office/powerpoint/2010/main" val="3103370237"/>
+        <p14:creationId xmlns:p14="http://schemas.microsoft.com/office/powerpoint/2010/main" val="2083519932"/>
       </p:ext>
     </p:extLst>
   </p:cSld>
@@ -4773,2177 +6888,6 @@
           <a:chExt cx="0" cy="0"/>
         </a:xfrm>
       </p:grpSpPr>
-      <p:graphicFrame>
-        <p:nvGraphicFramePr>
-          <p:cNvPr id="4" name="Content Placeholder 3"/>
-          <p:cNvGraphicFramePr>
-            <a:graphicFrameLocks noGrp="1"/>
-          </p:cNvGraphicFramePr>
-          <p:nvPr>
-            <p:ph idx="1"/>
-            <p:extLst>
-              <p:ext uri="{D42A27DB-BD31-4B8C-83A1-F6EECF244321}">
-                <p14:modId xmlns:p14="http://schemas.microsoft.com/office/powerpoint/2010/main" val="2978832265"/>
-              </p:ext>
-            </p:extLst>
-          </p:nvPr>
-        </p:nvGraphicFramePr>
-        <p:xfrm>
-          <a:off x="0" y="838200"/>
-          <a:ext cx="9067800" cy="5898664"/>
-        </p:xfrm>
-        <a:graphic>
-          <a:graphicData uri="http://schemas.openxmlformats.org/drawingml/2006/table">
-            <a:tbl>
-              <a:tblPr firstRow="1" firstCol="1" bandRow="1">
-                <a:tableStyleId>{5DA37D80-6434-44D0-A028-1B22A696006F}</a:tableStyleId>
-              </a:tblPr>
-              <a:tblGrid>
-                <a:gridCol w="457200"/>
-                <a:gridCol w="2209800"/>
-                <a:gridCol w="914400"/>
-                <a:gridCol w="2590800"/>
-                <a:gridCol w="1752600"/>
-                <a:gridCol w="1143000"/>
-              </a:tblGrid>
-              <a:tr h="389363">
-                <a:tc>
-                  <a:txBody>
-                    <a:bodyPr/>
-                    <a:lstStyle/>
-                    <a:p>
-                      <a:pPr marL="0" marR="0" algn="ctr">
-                        <a:lnSpc>
-                          <a:spcPct val="115000"/>
-                        </a:lnSpc>
-                        <a:spcBef>
-                          <a:spcPts val="0"/>
-                        </a:spcBef>
-                        <a:spcAft>
-                          <a:spcPts val="0"/>
-                        </a:spcAft>
-                      </a:pPr>
-                      <a:r>
-                        <a:rPr lang="en-US" sz="2400" dirty="0">
-                          <a:effectLst/>
-                        </a:rPr>
-                        <a:t>ID</a:t>
-                      </a:r>
-                      <a:endParaRPr lang="en-US" sz="3600" dirty="0">
-                        <a:effectLst/>
-                        <a:latin typeface="Calibri"/>
-                        <a:ea typeface="Calibri"/>
-                        <a:cs typeface="Times New Roman"/>
-                      </a:endParaRPr>
-                    </a:p>
-                  </a:txBody>
-                  <a:tcPr marL="68580" marR="68580" marT="0" marB="0" anchor="b"/>
-                </a:tc>
-                <a:tc>
-                  <a:txBody>
-                    <a:bodyPr/>
-                    <a:lstStyle/>
-                    <a:p>
-                      <a:pPr marL="0" marR="0" algn="ctr">
-                        <a:lnSpc>
-                          <a:spcPct val="115000"/>
-                        </a:lnSpc>
-                        <a:spcBef>
-                          <a:spcPts val="0"/>
-                        </a:spcBef>
-                        <a:spcAft>
-                          <a:spcPts val="0"/>
-                        </a:spcAft>
-                      </a:pPr>
-                      <a:r>
-                        <a:rPr lang="en-US" sz="2400" dirty="0">
-                          <a:effectLst/>
-                        </a:rPr>
-                        <a:t>Name </a:t>
-                      </a:r>
-                      <a:endParaRPr lang="en-US" sz="3600" dirty="0">
-                        <a:effectLst/>
-                        <a:latin typeface="Calibri"/>
-                        <a:ea typeface="Calibri"/>
-                        <a:cs typeface="Times New Roman"/>
-                      </a:endParaRPr>
-                    </a:p>
-                  </a:txBody>
-                  <a:tcPr marL="68580" marR="68580" marT="0" marB="0" anchor="b"/>
-                </a:tc>
-                <a:tc>
-                  <a:txBody>
-                    <a:bodyPr/>
-                    <a:lstStyle/>
-                    <a:p>
-                      <a:pPr marL="0" marR="0" algn="ctr">
-                        <a:lnSpc>
-                          <a:spcPct val="115000"/>
-                        </a:lnSpc>
-                        <a:spcBef>
-                          <a:spcPts val="0"/>
-                        </a:spcBef>
-                        <a:spcAft>
-                          <a:spcPts val="0"/>
-                        </a:spcAft>
-                      </a:pPr>
-                      <a:r>
-                        <a:rPr lang="en-US" sz="2400">
-                          <a:effectLst/>
-                        </a:rPr>
-                        <a:t>Scope</a:t>
-                      </a:r>
-                      <a:endParaRPr lang="en-US" sz="3600">
-                        <a:effectLst/>
-                        <a:latin typeface="Calibri"/>
-                        <a:ea typeface="Calibri"/>
-                        <a:cs typeface="Times New Roman"/>
-                      </a:endParaRPr>
-                    </a:p>
-                  </a:txBody>
-                  <a:tcPr marL="68580" marR="68580" marT="0" marB="0" anchor="b"/>
-                </a:tc>
-                <a:tc>
-                  <a:txBody>
-                    <a:bodyPr/>
-                    <a:lstStyle/>
-                    <a:p>
-                      <a:pPr marL="0" marR="0" algn="ctr">
-                        <a:lnSpc>
-                          <a:spcPct val="115000"/>
-                        </a:lnSpc>
-                        <a:spcBef>
-                          <a:spcPts val="0"/>
-                        </a:spcBef>
-                        <a:spcAft>
-                          <a:spcPts val="0"/>
-                        </a:spcAft>
-                      </a:pPr>
-                      <a:r>
-                        <a:rPr lang="en-US" sz="2400" dirty="0">
-                          <a:effectLst/>
-                        </a:rPr>
-                        <a:t>Primary Actor</a:t>
-                      </a:r>
-                      <a:endParaRPr lang="en-US" sz="3600" dirty="0">
-                        <a:effectLst/>
-                        <a:latin typeface="Calibri"/>
-                        <a:ea typeface="Calibri"/>
-                        <a:cs typeface="Times New Roman"/>
-                      </a:endParaRPr>
-                    </a:p>
-                  </a:txBody>
-                  <a:tcPr marL="68580" marR="68580" marT="0" marB="0" anchor="b"/>
-                </a:tc>
-                <a:tc>
-                  <a:txBody>
-                    <a:bodyPr/>
-                    <a:lstStyle/>
-                    <a:p>
-                      <a:pPr marL="0" marR="0" algn="ctr">
-                        <a:lnSpc>
-                          <a:spcPct val="115000"/>
-                        </a:lnSpc>
-                        <a:spcBef>
-                          <a:spcPts val="0"/>
-                        </a:spcBef>
-                        <a:spcAft>
-                          <a:spcPts val="0"/>
-                        </a:spcAft>
-                      </a:pPr>
-                      <a:r>
-                        <a:rPr lang="en-US" sz="2400" dirty="0" err="1" smtClean="0">
-                          <a:effectLst/>
-                        </a:rPr>
-                        <a:t>Compelxity</a:t>
-                      </a:r>
-                      <a:endParaRPr lang="en-US" sz="3600" dirty="0">
-                        <a:effectLst/>
-                        <a:latin typeface="Calibri"/>
-                        <a:ea typeface="Calibri"/>
-                        <a:cs typeface="Times New Roman"/>
-                      </a:endParaRPr>
-                    </a:p>
-                  </a:txBody>
-                  <a:tcPr marL="68580" marR="68580" marT="0" marB="0" anchor="b"/>
-                </a:tc>
-                <a:tc>
-                  <a:txBody>
-                    <a:bodyPr/>
-                    <a:lstStyle/>
-                    <a:p>
-                      <a:pPr marL="0" marR="0" algn="ctr">
-                        <a:lnSpc>
-                          <a:spcPct val="115000"/>
-                        </a:lnSpc>
-                        <a:spcBef>
-                          <a:spcPts val="0"/>
-                        </a:spcBef>
-                        <a:spcAft>
-                          <a:spcPts val="0"/>
-                        </a:spcAft>
-                      </a:pPr>
-                      <a:r>
-                        <a:rPr lang="en-US" sz="2400" dirty="0">
-                          <a:effectLst/>
-                        </a:rPr>
-                        <a:t>Priority</a:t>
-                      </a:r>
-                      <a:endParaRPr lang="en-US" sz="3600" dirty="0">
-                        <a:effectLst/>
-                        <a:latin typeface="Calibri"/>
-                        <a:ea typeface="Calibri"/>
-                        <a:cs typeface="Times New Roman"/>
-                      </a:endParaRPr>
-                    </a:p>
-                  </a:txBody>
-                  <a:tcPr marL="68580" marR="68580" marT="0" marB="0" anchor="b"/>
-                </a:tc>
-              </a:tr>
-              <a:tr h="547804">
-                <a:tc>
-                  <a:txBody>
-                    <a:bodyPr/>
-                    <a:lstStyle/>
-                    <a:p>
-                      <a:pPr marL="0" marR="0" algn="ctr">
-                        <a:lnSpc>
-                          <a:spcPct val="115000"/>
-                        </a:lnSpc>
-                        <a:spcBef>
-                          <a:spcPts val="0"/>
-                        </a:spcBef>
-                        <a:spcAft>
-                          <a:spcPts val="0"/>
-                        </a:spcAft>
-                      </a:pPr>
-                      <a:r>
-                        <a:rPr lang="en-US" sz="2400" dirty="0">
-                          <a:effectLst/>
-                        </a:rPr>
-                        <a:t>1</a:t>
-                      </a:r>
-                      <a:endParaRPr lang="en-US" sz="3600" dirty="0">
-                        <a:effectLst/>
-                        <a:latin typeface="Calibri"/>
-                        <a:ea typeface="Calibri"/>
-                        <a:cs typeface="Times New Roman"/>
-                      </a:endParaRPr>
-                    </a:p>
-                  </a:txBody>
-                  <a:tcPr marL="68580" marR="68580" marT="0" marB="0" anchor="b"/>
-                </a:tc>
-                <a:tc>
-                  <a:txBody>
-                    <a:bodyPr/>
-                    <a:lstStyle/>
-                    <a:p>
-                      <a:pPr marL="0" marR="0" algn="ctr">
-                        <a:lnSpc>
-                          <a:spcPct val="115000"/>
-                        </a:lnSpc>
-                        <a:spcBef>
-                          <a:spcPts val="0"/>
-                        </a:spcBef>
-                        <a:spcAft>
-                          <a:spcPts val="0"/>
-                        </a:spcAft>
-                      </a:pPr>
-                      <a:r>
-                        <a:rPr lang="en-US" sz="2400" dirty="0">
-                          <a:effectLst/>
-                        </a:rPr>
-                        <a:t>Menu view</a:t>
-                      </a:r>
-                      <a:endParaRPr lang="en-US" sz="3600" dirty="0">
-                        <a:effectLst/>
-                        <a:latin typeface="Calibri"/>
-                        <a:ea typeface="Calibri"/>
-                        <a:cs typeface="Times New Roman"/>
-                      </a:endParaRPr>
-                    </a:p>
-                  </a:txBody>
-                  <a:tcPr marL="68580" marR="68580" marT="0" marB="0" anchor="b"/>
-                </a:tc>
-                <a:tc>
-                  <a:txBody>
-                    <a:bodyPr/>
-                    <a:lstStyle/>
-                    <a:p>
-                      <a:pPr marL="0" marR="0" algn="ctr">
-                        <a:lnSpc>
-                          <a:spcPct val="115000"/>
-                        </a:lnSpc>
-                        <a:spcBef>
-                          <a:spcPts val="0"/>
-                        </a:spcBef>
-                        <a:spcAft>
-                          <a:spcPts val="0"/>
-                        </a:spcAft>
-                      </a:pPr>
-                      <a:r>
-                        <a:rPr lang="en-US" sz="2400">
-                          <a:effectLst/>
-                        </a:rPr>
-                        <a:t>In</a:t>
-                      </a:r>
-                      <a:endParaRPr lang="en-US" sz="3600">
-                        <a:effectLst/>
-                        <a:latin typeface="Calibri"/>
-                        <a:ea typeface="Calibri"/>
-                        <a:cs typeface="Times New Roman"/>
-                      </a:endParaRPr>
-                    </a:p>
-                  </a:txBody>
-                  <a:tcPr marL="68580" marR="68580" marT="0" marB="0" anchor="b"/>
-                </a:tc>
-                <a:tc>
-                  <a:txBody>
-                    <a:bodyPr/>
-                    <a:lstStyle/>
-                    <a:p>
-                      <a:pPr marL="0" marR="0" algn="ctr">
-                        <a:lnSpc>
-                          <a:spcPct val="115000"/>
-                        </a:lnSpc>
-                        <a:spcBef>
-                          <a:spcPts val="0"/>
-                        </a:spcBef>
-                        <a:spcAft>
-                          <a:spcPts val="0"/>
-                        </a:spcAft>
-                      </a:pPr>
-                      <a:r>
-                        <a:rPr lang="en-US" sz="2400" dirty="0">
-                          <a:effectLst/>
-                        </a:rPr>
-                        <a:t>Anyone</a:t>
-                      </a:r>
-                      <a:endParaRPr lang="en-US" sz="3600" dirty="0">
-                        <a:effectLst/>
-                        <a:latin typeface="Calibri"/>
-                        <a:ea typeface="Calibri"/>
-                        <a:cs typeface="Times New Roman"/>
-                      </a:endParaRPr>
-                    </a:p>
-                  </a:txBody>
-                  <a:tcPr marL="68580" marR="68580" marT="0" marB="0" anchor="b"/>
-                </a:tc>
-                <a:tc>
-                  <a:txBody>
-                    <a:bodyPr/>
-                    <a:lstStyle/>
-                    <a:p>
-                      <a:pPr marL="0" marR="0" algn="ctr">
-                        <a:lnSpc>
-                          <a:spcPct val="115000"/>
-                        </a:lnSpc>
-                        <a:spcBef>
-                          <a:spcPts val="0"/>
-                        </a:spcBef>
-                        <a:spcAft>
-                          <a:spcPts val="0"/>
-                        </a:spcAft>
-                      </a:pPr>
-                      <a:r>
-                        <a:rPr lang="en-US" sz="2400">
-                          <a:effectLst/>
-                        </a:rPr>
-                        <a:t>Low</a:t>
-                      </a:r>
-                      <a:endParaRPr lang="en-US" sz="3600">
-                        <a:effectLst/>
-                        <a:latin typeface="Calibri"/>
-                        <a:ea typeface="Calibri"/>
-                        <a:cs typeface="Times New Roman"/>
-                      </a:endParaRPr>
-                    </a:p>
-                  </a:txBody>
-                  <a:tcPr marL="68580" marR="68580" marT="0" marB="0" anchor="b"/>
-                </a:tc>
-                <a:tc>
-                  <a:txBody>
-                    <a:bodyPr/>
-                    <a:lstStyle/>
-                    <a:p>
-                      <a:pPr marL="0" marR="0" algn="ctr">
-                        <a:lnSpc>
-                          <a:spcPct val="115000"/>
-                        </a:lnSpc>
-                        <a:spcBef>
-                          <a:spcPts val="0"/>
-                        </a:spcBef>
-                        <a:spcAft>
-                          <a:spcPts val="0"/>
-                        </a:spcAft>
-                      </a:pPr>
-                      <a:r>
-                        <a:rPr lang="en-US" sz="2400">
-                          <a:effectLst/>
-                        </a:rPr>
-                        <a:t>1</a:t>
-                      </a:r>
-                      <a:endParaRPr lang="en-US" sz="3600">
-                        <a:effectLst/>
-                        <a:latin typeface="Calibri"/>
-                        <a:ea typeface="Calibri"/>
-                        <a:cs typeface="Times New Roman"/>
-                      </a:endParaRPr>
-                    </a:p>
-                  </a:txBody>
-                  <a:tcPr marL="68580" marR="68580" marT="0" marB="0" anchor="b"/>
-                </a:tc>
-              </a:tr>
-              <a:tr h="547804">
-                <a:tc>
-                  <a:txBody>
-                    <a:bodyPr/>
-                    <a:lstStyle/>
-                    <a:p>
-                      <a:pPr marL="0" marR="0" algn="ctr">
-                        <a:lnSpc>
-                          <a:spcPct val="115000"/>
-                        </a:lnSpc>
-                        <a:spcBef>
-                          <a:spcPts val="0"/>
-                        </a:spcBef>
-                        <a:spcAft>
-                          <a:spcPts val="0"/>
-                        </a:spcAft>
-                      </a:pPr>
-                      <a:r>
-                        <a:rPr lang="en-US" sz="2400">
-                          <a:effectLst/>
-                        </a:rPr>
-                        <a:t>2</a:t>
-                      </a:r>
-                      <a:endParaRPr lang="en-US" sz="3600">
-                        <a:effectLst/>
-                        <a:latin typeface="Calibri"/>
-                        <a:ea typeface="Calibri"/>
-                        <a:cs typeface="Times New Roman"/>
-                      </a:endParaRPr>
-                    </a:p>
-                  </a:txBody>
-                  <a:tcPr marL="68580" marR="68580" marT="0" marB="0" anchor="b"/>
-                </a:tc>
-                <a:tc>
-                  <a:txBody>
-                    <a:bodyPr/>
-                    <a:lstStyle/>
-                    <a:p>
-                      <a:pPr marL="0" marR="0" algn="ctr">
-                        <a:lnSpc>
-                          <a:spcPct val="115000"/>
-                        </a:lnSpc>
-                        <a:spcBef>
-                          <a:spcPts val="0"/>
-                        </a:spcBef>
-                        <a:spcAft>
-                          <a:spcPts val="0"/>
-                        </a:spcAft>
-                      </a:pPr>
-                      <a:r>
-                        <a:rPr lang="en-US" sz="2400" dirty="0" smtClean="0">
-                          <a:effectLst/>
-                        </a:rPr>
-                        <a:t>Place Order</a:t>
-                      </a:r>
-                      <a:endParaRPr lang="en-US" sz="3600" dirty="0">
-                        <a:effectLst/>
-                        <a:latin typeface="Calibri"/>
-                        <a:ea typeface="Calibri"/>
-                        <a:cs typeface="Times New Roman"/>
-                      </a:endParaRPr>
-                    </a:p>
-                  </a:txBody>
-                  <a:tcPr marL="68580" marR="68580" marT="0" marB="0" anchor="b"/>
-                </a:tc>
-                <a:tc>
-                  <a:txBody>
-                    <a:bodyPr/>
-                    <a:lstStyle/>
-                    <a:p>
-                      <a:pPr marL="0" marR="0" algn="ctr">
-                        <a:lnSpc>
-                          <a:spcPct val="115000"/>
-                        </a:lnSpc>
-                        <a:spcBef>
-                          <a:spcPts val="0"/>
-                        </a:spcBef>
-                        <a:spcAft>
-                          <a:spcPts val="0"/>
-                        </a:spcAft>
-                      </a:pPr>
-                      <a:r>
-                        <a:rPr lang="en-US" sz="2400">
-                          <a:effectLst/>
-                        </a:rPr>
-                        <a:t>In</a:t>
-                      </a:r>
-                      <a:endParaRPr lang="en-US" sz="3600">
-                        <a:effectLst/>
-                        <a:latin typeface="Calibri"/>
-                        <a:ea typeface="Calibri"/>
-                        <a:cs typeface="Times New Roman"/>
-                      </a:endParaRPr>
-                    </a:p>
-                  </a:txBody>
-                  <a:tcPr marL="68580" marR="68580" marT="0" marB="0" anchor="b"/>
-                </a:tc>
-                <a:tc>
-                  <a:txBody>
-                    <a:bodyPr/>
-                    <a:lstStyle/>
-                    <a:p>
-                      <a:pPr marL="0" marR="0" algn="ctr">
-                        <a:lnSpc>
-                          <a:spcPct val="115000"/>
-                        </a:lnSpc>
-                        <a:spcBef>
-                          <a:spcPts val="0"/>
-                        </a:spcBef>
-                        <a:spcAft>
-                          <a:spcPts val="0"/>
-                        </a:spcAft>
-                      </a:pPr>
-                      <a:r>
-                        <a:rPr lang="en-US" sz="2400">
-                          <a:effectLst/>
-                        </a:rPr>
-                        <a:t>Customer</a:t>
-                      </a:r>
-                      <a:endParaRPr lang="en-US" sz="3600">
-                        <a:effectLst/>
-                        <a:latin typeface="Calibri"/>
-                        <a:ea typeface="Calibri"/>
-                        <a:cs typeface="Times New Roman"/>
-                      </a:endParaRPr>
-                    </a:p>
-                  </a:txBody>
-                  <a:tcPr marL="68580" marR="68580" marT="0" marB="0" anchor="b"/>
-                </a:tc>
-                <a:tc>
-                  <a:txBody>
-                    <a:bodyPr/>
-                    <a:lstStyle/>
-                    <a:p>
-                      <a:pPr marL="0" marR="0" algn="ctr">
-                        <a:lnSpc>
-                          <a:spcPct val="115000"/>
-                        </a:lnSpc>
-                        <a:spcBef>
-                          <a:spcPts val="0"/>
-                        </a:spcBef>
-                        <a:spcAft>
-                          <a:spcPts val="0"/>
-                        </a:spcAft>
-                      </a:pPr>
-                      <a:r>
-                        <a:rPr lang="en-US" sz="2400">
-                          <a:effectLst/>
-                        </a:rPr>
-                        <a:t>Low</a:t>
-                      </a:r>
-                      <a:endParaRPr lang="en-US" sz="3600">
-                        <a:effectLst/>
-                        <a:latin typeface="Calibri"/>
-                        <a:ea typeface="Calibri"/>
-                        <a:cs typeface="Times New Roman"/>
-                      </a:endParaRPr>
-                    </a:p>
-                  </a:txBody>
-                  <a:tcPr marL="68580" marR="68580" marT="0" marB="0" anchor="b"/>
-                </a:tc>
-                <a:tc>
-                  <a:txBody>
-                    <a:bodyPr/>
-                    <a:lstStyle/>
-                    <a:p>
-                      <a:pPr marL="0" marR="0" algn="ctr">
-                        <a:lnSpc>
-                          <a:spcPct val="115000"/>
-                        </a:lnSpc>
-                        <a:spcBef>
-                          <a:spcPts val="0"/>
-                        </a:spcBef>
-                        <a:spcAft>
-                          <a:spcPts val="0"/>
-                        </a:spcAft>
-                      </a:pPr>
-                      <a:r>
-                        <a:rPr lang="en-US" sz="2400">
-                          <a:effectLst/>
-                        </a:rPr>
-                        <a:t>1</a:t>
-                      </a:r>
-                      <a:endParaRPr lang="en-US" sz="3600">
-                        <a:effectLst/>
-                        <a:latin typeface="Calibri"/>
-                        <a:ea typeface="Calibri"/>
-                        <a:cs typeface="Times New Roman"/>
-                      </a:endParaRPr>
-                    </a:p>
-                  </a:txBody>
-                  <a:tcPr marL="68580" marR="68580" marT="0" marB="0" anchor="b"/>
-                </a:tc>
-              </a:tr>
-              <a:tr h="547804">
-                <a:tc>
-                  <a:txBody>
-                    <a:bodyPr/>
-                    <a:lstStyle/>
-                    <a:p>
-                      <a:pPr marL="0" marR="0" algn="ctr">
-                        <a:lnSpc>
-                          <a:spcPct val="115000"/>
-                        </a:lnSpc>
-                        <a:spcBef>
-                          <a:spcPts val="0"/>
-                        </a:spcBef>
-                        <a:spcAft>
-                          <a:spcPts val="0"/>
-                        </a:spcAft>
-                      </a:pPr>
-                      <a:r>
-                        <a:rPr lang="en-US" sz="2400">
-                          <a:effectLst/>
-                        </a:rPr>
-                        <a:t>3</a:t>
-                      </a:r>
-                      <a:endParaRPr lang="en-US" sz="3600">
-                        <a:effectLst/>
-                        <a:latin typeface="Calibri"/>
-                        <a:ea typeface="Calibri"/>
-                        <a:cs typeface="Times New Roman"/>
-                      </a:endParaRPr>
-                    </a:p>
-                  </a:txBody>
-                  <a:tcPr marL="68580" marR="68580" marT="0" marB="0" anchor="b"/>
-                </a:tc>
-                <a:tc>
-                  <a:txBody>
-                    <a:bodyPr/>
-                    <a:lstStyle/>
-                    <a:p>
-                      <a:pPr marL="0" marR="0" algn="ctr">
-                        <a:lnSpc>
-                          <a:spcPct val="115000"/>
-                        </a:lnSpc>
-                        <a:spcBef>
-                          <a:spcPts val="0"/>
-                        </a:spcBef>
-                        <a:spcAft>
-                          <a:spcPts val="0"/>
-                        </a:spcAft>
-                      </a:pPr>
-                      <a:r>
-                        <a:rPr lang="en-US" sz="2400" dirty="0" smtClean="0">
-                          <a:effectLst/>
-                        </a:rPr>
-                        <a:t>Deliver Order</a:t>
-                      </a:r>
-                      <a:endParaRPr lang="en-US" sz="3600" dirty="0">
-                        <a:effectLst/>
-                        <a:latin typeface="Calibri"/>
-                        <a:ea typeface="Calibri"/>
-                        <a:cs typeface="Times New Roman"/>
-                      </a:endParaRPr>
-                    </a:p>
-                  </a:txBody>
-                  <a:tcPr marL="68580" marR="68580" marT="0" marB="0" anchor="b"/>
-                </a:tc>
-                <a:tc>
-                  <a:txBody>
-                    <a:bodyPr/>
-                    <a:lstStyle/>
-                    <a:p>
-                      <a:pPr marL="0" marR="0" algn="ctr">
-                        <a:lnSpc>
-                          <a:spcPct val="115000"/>
-                        </a:lnSpc>
-                        <a:spcBef>
-                          <a:spcPts val="0"/>
-                        </a:spcBef>
-                        <a:spcAft>
-                          <a:spcPts val="0"/>
-                        </a:spcAft>
-                      </a:pPr>
-                      <a:r>
-                        <a:rPr lang="en-US" sz="2400" dirty="0">
-                          <a:effectLst/>
-                        </a:rPr>
-                        <a:t>In</a:t>
-                      </a:r>
-                      <a:endParaRPr lang="en-US" sz="3600" dirty="0">
-                        <a:effectLst/>
-                        <a:latin typeface="Calibri"/>
-                        <a:ea typeface="Calibri"/>
-                        <a:cs typeface="Times New Roman"/>
-                      </a:endParaRPr>
-                    </a:p>
-                  </a:txBody>
-                  <a:tcPr marL="68580" marR="68580" marT="0" marB="0" anchor="b"/>
-                </a:tc>
-                <a:tc>
-                  <a:txBody>
-                    <a:bodyPr/>
-                    <a:lstStyle/>
-                    <a:p>
-                      <a:pPr marL="0" marR="0" algn="ctr">
-                        <a:lnSpc>
-                          <a:spcPct val="115000"/>
-                        </a:lnSpc>
-                        <a:spcBef>
-                          <a:spcPts val="0"/>
-                        </a:spcBef>
-                        <a:spcAft>
-                          <a:spcPts val="0"/>
-                        </a:spcAft>
-                      </a:pPr>
-                      <a:r>
-                        <a:rPr lang="en-US" sz="2400">
-                          <a:effectLst/>
-                        </a:rPr>
-                        <a:t>Waiter</a:t>
-                      </a:r>
-                      <a:endParaRPr lang="en-US" sz="3600">
-                        <a:effectLst/>
-                        <a:latin typeface="Calibri"/>
-                        <a:ea typeface="Calibri"/>
-                        <a:cs typeface="Times New Roman"/>
-                      </a:endParaRPr>
-                    </a:p>
-                  </a:txBody>
-                  <a:tcPr marL="68580" marR="68580" marT="0" marB="0" anchor="b"/>
-                </a:tc>
-                <a:tc>
-                  <a:txBody>
-                    <a:bodyPr/>
-                    <a:lstStyle/>
-                    <a:p>
-                      <a:pPr marL="0" marR="0" algn="ctr">
-                        <a:lnSpc>
-                          <a:spcPct val="115000"/>
-                        </a:lnSpc>
-                        <a:spcBef>
-                          <a:spcPts val="0"/>
-                        </a:spcBef>
-                        <a:spcAft>
-                          <a:spcPts val="0"/>
-                        </a:spcAft>
-                      </a:pPr>
-                      <a:r>
-                        <a:rPr lang="en-US" sz="2400">
-                          <a:effectLst/>
-                        </a:rPr>
-                        <a:t>Low</a:t>
-                      </a:r>
-                      <a:endParaRPr lang="en-US" sz="3600">
-                        <a:effectLst/>
-                        <a:latin typeface="Calibri"/>
-                        <a:ea typeface="Calibri"/>
-                        <a:cs typeface="Times New Roman"/>
-                      </a:endParaRPr>
-                    </a:p>
-                  </a:txBody>
-                  <a:tcPr marL="68580" marR="68580" marT="0" marB="0" anchor="b"/>
-                </a:tc>
-                <a:tc>
-                  <a:txBody>
-                    <a:bodyPr/>
-                    <a:lstStyle/>
-                    <a:p>
-                      <a:pPr marL="0" marR="0" algn="ctr">
-                        <a:lnSpc>
-                          <a:spcPct val="115000"/>
-                        </a:lnSpc>
-                        <a:spcBef>
-                          <a:spcPts val="0"/>
-                        </a:spcBef>
-                        <a:spcAft>
-                          <a:spcPts val="0"/>
-                        </a:spcAft>
-                      </a:pPr>
-                      <a:r>
-                        <a:rPr lang="en-US" sz="2400">
-                          <a:effectLst/>
-                        </a:rPr>
-                        <a:t>1</a:t>
-                      </a:r>
-                      <a:endParaRPr lang="en-US" sz="3600">
-                        <a:effectLst/>
-                        <a:latin typeface="Calibri"/>
-                        <a:ea typeface="Calibri"/>
-                        <a:cs typeface="Times New Roman"/>
-                      </a:endParaRPr>
-                    </a:p>
-                  </a:txBody>
-                  <a:tcPr marL="68580" marR="68580" marT="0" marB="0" anchor="b"/>
-                </a:tc>
-              </a:tr>
-              <a:tr h="547804">
-                <a:tc>
-                  <a:txBody>
-                    <a:bodyPr/>
-                    <a:lstStyle/>
-                    <a:p>
-                      <a:pPr marL="0" marR="0" algn="ctr">
-                        <a:lnSpc>
-                          <a:spcPct val="115000"/>
-                        </a:lnSpc>
-                        <a:spcBef>
-                          <a:spcPts val="0"/>
-                        </a:spcBef>
-                        <a:spcAft>
-                          <a:spcPts val="0"/>
-                        </a:spcAft>
-                      </a:pPr>
-                      <a:r>
-                        <a:rPr lang="en-US" sz="2400">
-                          <a:effectLst/>
-                        </a:rPr>
-                        <a:t>4</a:t>
-                      </a:r>
-                      <a:endParaRPr lang="en-US" sz="3600">
-                        <a:effectLst/>
-                        <a:latin typeface="Calibri"/>
-                        <a:ea typeface="Calibri"/>
-                        <a:cs typeface="Times New Roman"/>
-                      </a:endParaRPr>
-                    </a:p>
-                  </a:txBody>
-                  <a:tcPr marL="68580" marR="68580" marT="0" marB="0" anchor="b"/>
-                </a:tc>
-                <a:tc>
-                  <a:txBody>
-                    <a:bodyPr/>
-                    <a:lstStyle/>
-                    <a:p>
-                      <a:pPr marL="0" marR="0" algn="ctr">
-                        <a:lnSpc>
-                          <a:spcPct val="115000"/>
-                        </a:lnSpc>
-                        <a:spcBef>
-                          <a:spcPts val="0"/>
-                        </a:spcBef>
-                        <a:spcAft>
-                          <a:spcPts val="0"/>
-                        </a:spcAft>
-                      </a:pPr>
-                      <a:r>
-                        <a:rPr lang="en-US" sz="2400" dirty="0">
-                          <a:effectLst/>
-                        </a:rPr>
-                        <a:t>Order review</a:t>
-                      </a:r>
-                      <a:endParaRPr lang="en-US" sz="3600" dirty="0">
-                        <a:effectLst/>
-                        <a:latin typeface="Calibri"/>
-                        <a:ea typeface="Calibri"/>
-                        <a:cs typeface="Times New Roman"/>
-                      </a:endParaRPr>
-                    </a:p>
-                  </a:txBody>
-                  <a:tcPr marL="68580" marR="68580" marT="0" marB="0" anchor="b"/>
-                </a:tc>
-                <a:tc>
-                  <a:txBody>
-                    <a:bodyPr/>
-                    <a:lstStyle/>
-                    <a:p>
-                      <a:pPr marL="0" marR="0" algn="ctr">
-                        <a:lnSpc>
-                          <a:spcPct val="115000"/>
-                        </a:lnSpc>
-                        <a:spcBef>
-                          <a:spcPts val="0"/>
-                        </a:spcBef>
-                        <a:spcAft>
-                          <a:spcPts val="0"/>
-                        </a:spcAft>
-                      </a:pPr>
-                      <a:r>
-                        <a:rPr lang="en-US" sz="2400" dirty="0">
-                          <a:effectLst/>
-                        </a:rPr>
-                        <a:t>In</a:t>
-                      </a:r>
-                      <a:endParaRPr lang="en-US" sz="3600" dirty="0">
-                        <a:effectLst/>
-                        <a:latin typeface="Calibri"/>
-                        <a:ea typeface="Calibri"/>
-                        <a:cs typeface="Times New Roman"/>
-                      </a:endParaRPr>
-                    </a:p>
-                  </a:txBody>
-                  <a:tcPr marL="68580" marR="68580" marT="0" marB="0" anchor="b"/>
-                </a:tc>
-                <a:tc>
-                  <a:txBody>
-                    <a:bodyPr/>
-                    <a:lstStyle/>
-                    <a:p>
-                      <a:pPr marL="0" marR="0" algn="ctr">
-                        <a:lnSpc>
-                          <a:spcPct val="115000"/>
-                        </a:lnSpc>
-                        <a:spcBef>
-                          <a:spcPts val="0"/>
-                        </a:spcBef>
-                        <a:spcAft>
-                          <a:spcPts val="0"/>
-                        </a:spcAft>
-                      </a:pPr>
-                      <a:r>
-                        <a:rPr lang="en-US" sz="2400" dirty="0" smtClean="0">
-                          <a:effectLst/>
-                        </a:rPr>
-                        <a:t>Waiter/customer</a:t>
-                      </a:r>
-                      <a:endParaRPr lang="en-US" sz="3600" dirty="0">
-                        <a:effectLst/>
-                        <a:latin typeface="Calibri"/>
-                        <a:ea typeface="Calibri"/>
-                        <a:cs typeface="Times New Roman"/>
-                      </a:endParaRPr>
-                    </a:p>
-                  </a:txBody>
-                  <a:tcPr marL="68580" marR="68580" marT="0" marB="0" anchor="b"/>
-                </a:tc>
-                <a:tc>
-                  <a:txBody>
-                    <a:bodyPr/>
-                    <a:lstStyle/>
-                    <a:p>
-                      <a:pPr marL="0" marR="0" algn="ctr">
-                        <a:lnSpc>
-                          <a:spcPct val="115000"/>
-                        </a:lnSpc>
-                        <a:spcBef>
-                          <a:spcPts val="0"/>
-                        </a:spcBef>
-                        <a:spcAft>
-                          <a:spcPts val="0"/>
-                        </a:spcAft>
-                      </a:pPr>
-                      <a:r>
-                        <a:rPr lang="en-US" sz="2400">
-                          <a:effectLst/>
-                        </a:rPr>
-                        <a:t>Low</a:t>
-                      </a:r>
-                      <a:endParaRPr lang="en-US" sz="3600">
-                        <a:effectLst/>
-                        <a:latin typeface="Calibri"/>
-                        <a:ea typeface="Calibri"/>
-                        <a:cs typeface="Times New Roman"/>
-                      </a:endParaRPr>
-                    </a:p>
-                  </a:txBody>
-                  <a:tcPr marL="68580" marR="68580" marT="0" marB="0" anchor="b"/>
-                </a:tc>
-                <a:tc>
-                  <a:txBody>
-                    <a:bodyPr/>
-                    <a:lstStyle/>
-                    <a:p>
-                      <a:pPr marL="0" marR="0" algn="ctr">
-                        <a:lnSpc>
-                          <a:spcPct val="115000"/>
-                        </a:lnSpc>
-                        <a:spcBef>
-                          <a:spcPts val="0"/>
-                        </a:spcBef>
-                        <a:spcAft>
-                          <a:spcPts val="0"/>
-                        </a:spcAft>
-                      </a:pPr>
-                      <a:r>
-                        <a:rPr lang="en-US" sz="2400">
-                          <a:effectLst/>
-                        </a:rPr>
-                        <a:t>1</a:t>
-                      </a:r>
-                      <a:endParaRPr lang="en-US" sz="3600">
-                        <a:effectLst/>
-                        <a:latin typeface="Calibri"/>
-                        <a:ea typeface="Calibri"/>
-                        <a:cs typeface="Times New Roman"/>
-                      </a:endParaRPr>
-                    </a:p>
-                  </a:txBody>
-                  <a:tcPr marL="68580" marR="68580" marT="0" marB="0" anchor="b"/>
-                </a:tc>
-              </a:tr>
-              <a:tr h="547804">
-                <a:tc>
-                  <a:txBody>
-                    <a:bodyPr/>
-                    <a:lstStyle/>
-                    <a:p>
-                      <a:pPr marL="0" marR="0" algn="ctr">
-                        <a:lnSpc>
-                          <a:spcPct val="115000"/>
-                        </a:lnSpc>
-                        <a:spcBef>
-                          <a:spcPts val="0"/>
-                        </a:spcBef>
-                        <a:spcAft>
-                          <a:spcPts val="0"/>
-                        </a:spcAft>
-                      </a:pPr>
-                      <a:r>
-                        <a:rPr lang="en-US" sz="2400">
-                          <a:effectLst/>
-                        </a:rPr>
-                        <a:t>5</a:t>
-                      </a:r>
-                      <a:endParaRPr lang="en-US" sz="3600">
-                        <a:effectLst/>
-                        <a:latin typeface="Calibri"/>
-                        <a:ea typeface="Calibri"/>
-                        <a:cs typeface="Times New Roman"/>
-                      </a:endParaRPr>
-                    </a:p>
-                  </a:txBody>
-                  <a:tcPr marL="68580" marR="68580" marT="0" marB="0" anchor="b"/>
-                </a:tc>
-                <a:tc>
-                  <a:txBody>
-                    <a:bodyPr/>
-                    <a:lstStyle/>
-                    <a:p>
-                      <a:pPr marL="0" marR="0" algn="ctr">
-                        <a:lnSpc>
-                          <a:spcPct val="115000"/>
-                        </a:lnSpc>
-                        <a:spcBef>
-                          <a:spcPts val="0"/>
-                        </a:spcBef>
-                        <a:spcAft>
-                          <a:spcPts val="0"/>
-                        </a:spcAft>
-                      </a:pPr>
-                      <a:r>
-                        <a:rPr lang="en-US" sz="2400" dirty="0" smtClean="0">
-                          <a:effectLst/>
-                        </a:rPr>
-                        <a:t>Manage Table</a:t>
-                      </a:r>
-                      <a:endParaRPr lang="en-US" sz="3600" dirty="0">
-                        <a:effectLst/>
-                        <a:latin typeface="Calibri"/>
-                        <a:ea typeface="Calibri"/>
-                        <a:cs typeface="Times New Roman"/>
-                      </a:endParaRPr>
-                    </a:p>
-                  </a:txBody>
-                  <a:tcPr marL="68580" marR="68580" marT="0" marB="0" anchor="b"/>
-                </a:tc>
-                <a:tc>
-                  <a:txBody>
-                    <a:bodyPr/>
-                    <a:lstStyle/>
-                    <a:p>
-                      <a:pPr marL="0" marR="0" algn="ctr">
-                        <a:lnSpc>
-                          <a:spcPct val="115000"/>
-                        </a:lnSpc>
-                        <a:spcBef>
-                          <a:spcPts val="0"/>
-                        </a:spcBef>
-                        <a:spcAft>
-                          <a:spcPts val="0"/>
-                        </a:spcAft>
-                      </a:pPr>
-                      <a:r>
-                        <a:rPr lang="en-US" sz="2400" dirty="0">
-                          <a:effectLst/>
-                        </a:rPr>
-                        <a:t>In</a:t>
-                      </a:r>
-                      <a:endParaRPr lang="en-US" sz="3600" dirty="0">
-                        <a:effectLst/>
-                        <a:latin typeface="Calibri"/>
-                        <a:ea typeface="Calibri"/>
-                        <a:cs typeface="Times New Roman"/>
-                      </a:endParaRPr>
-                    </a:p>
-                  </a:txBody>
-                  <a:tcPr marL="68580" marR="68580" marT="0" marB="0" anchor="b"/>
-                </a:tc>
-                <a:tc>
-                  <a:txBody>
-                    <a:bodyPr/>
-                    <a:lstStyle/>
-                    <a:p>
-                      <a:pPr marL="0" marR="0" algn="ctr">
-                        <a:lnSpc>
-                          <a:spcPct val="115000"/>
-                        </a:lnSpc>
-                        <a:spcBef>
-                          <a:spcPts val="0"/>
-                        </a:spcBef>
-                        <a:spcAft>
-                          <a:spcPts val="0"/>
-                        </a:spcAft>
-                      </a:pPr>
-                      <a:r>
-                        <a:rPr lang="en-US" sz="2400" dirty="0">
-                          <a:effectLst/>
-                        </a:rPr>
-                        <a:t>Waiter</a:t>
-                      </a:r>
-                      <a:endParaRPr lang="en-US" sz="3600" dirty="0">
-                        <a:effectLst/>
-                        <a:latin typeface="Calibri"/>
-                        <a:ea typeface="Calibri"/>
-                        <a:cs typeface="Times New Roman"/>
-                      </a:endParaRPr>
-                    </a:p>
-                  </a:txBody>
-                  <a:tcPr marL="68580" marR="68580" marT="0" marB="0" anchor="b"/>
-                </a:tc>
-                <a:tc>
-                  <a:txBody>
-                    <a:bodyPr/>
-                    <a:lstStyle/>
-                    <a:p>
-                      <a:pPr marL="0" marR="0" algn="ctr">
-                        <a:lnSpc>
-                          <a:spcPct val="115000"/>
-                        </a:lnSpc>
-                        <a:spcBef>
-                          <a:spcPts val="0"/>
-                        </a:spcBef>
-                        <a:spcAft>
-                          <a:spcPts val="0"/>
-                        </a:spcAft>
-                      </a:pPr>
-                      <a:r>
-                        <a:rPr lang="en-US" sz="2400">
-                          <a:effectLst/>
-                        </a:rPr>
-                        <a:t>High</a:t>
-                      </a:r>
-                      <a:endParaRPr lang="en-US" sz="3600">
-                        <a:effectLst/>
-                        <a:latin typeface="Calibri"/>
-                        <a:ea typeface="Calibri"/>
-                        <a:cs typeface="Times New Roman"/>
-                      </a:endParaRPr>
-                    </a:p>
-                  </a:txBody>
-                  <a:tcPr marL="68580" marR="68580" marT="0" marB="0" anchor="b"/>
-                </a:tc>
-                <a:tc>
-                  <a:txBody>
-                    <a:bodyPr/>
-                    <a:lstStyle/>
-                    <a:p>
-                      <a:pPr marL="0" marR="0" algn="ctr">
-                        <a:lnSpc>
-                          <a:spcPct val="115000"/>
-                        </a:lnSpc>
-                        <a:spcBef>
-                          <a:spcPts val="0"/>
-                        </a:spcBef>
-                        <a:spcAft>
-                          <a:spcPts val="0"/>
-                        </a:spcAft>
-                      </a:pPr>
-                      <a:r>
-                        <a:rPr lang="en-US" sz="2400">
-                          <a:effectLst/>
-                        </a:rPr>
-                        <a:t>2</a:t>
-                      </a:r>
-                      <a:endParaRPr lang="en-US" sz="3600">
-                        <a:effectLst/>
-                        <a:latin typeface="Calibri"/>
-                        <a:ea typeface="Calibri"/>
-                        <a:cs typeface="Times New Roman"/>
-                      </a:endParaRPr>
-                    </a:p>
-                  </a:txBody>
-                  <a:tcPr marL="68580" marR="68580" marT="0" marB="0" anchor="b"/>
-                </a:tc>
-              </a:tr>
-              <a:tr h="547804">
-                <a:tc>
-                  <a:txBody>
-                    <a:bodyPr/>
-                    <a:lstStyle/>
-                    <a:p>
-                      <a:pPr marL="0" marR="0" algn="ctr">
-                        <a:lnSpc>
-                          <a:spcPct val="115000"/>
-                        </a:lnSpc>
-                        <a:spcBef>
-                          <a:spcPts val="0"/>
-                        </a:spcBef>
-                        <a:spcAft>
-                          <a:spcPts val="0"/>
-                        </a:spcAft>
-                      </a:pPr>
-                      <a:r>
-                        <a:rPr lang="en-US" sz="2400">
-                          <a:effectLst/>
-                        </a:rPr>
-                        <a:t>6</a:t>
-                      </a:r>
-                      <a:endParaRPr lang="en-US" sz="3600">
-                        <a:effectLst/>
-                        <a:latin typeface="Calibri"/>
-                        <a:ea typeface="Calibri"/>
-                        <a:cs typeface="Times New Roman"/>
-                      </a:endParaRPr>
-                    </a:p>
-                  </a:txBody>
-                  <a:tcPr marL="68580" marR="68580" marT="0" marB="0" anchor="b"/>
-                </a:tc>
-                <a:tc>
-                  <a:txBody>
-                    <a:bodyPr/>
-                    <a:lstStyle/>
-                    <a:p>
-                      <a:pPr marL="0" marR="0" algn="ctr">
-                        <a:lnSpc>
-                          <a:spcPct val="115000"/>
-                        </a:lnSpc>
-                        <a:spcBef>
-                          <a:spcPts val="0"/>
-                        </a:spcBef>
-                        <a:spcAft>
-                          <a:spcPts val="0"/>
-                        </a:spcAft>
-                      </a:pPr>
-                      <a:r>
-                        <a:rPr lang="en-US" sz="2400">
-                          <a:effectLst/>
-                        </a:rPr>
-                        <a:t>Order check off</a:t>
-                      </a:r>
-                      <a:endParaRPr lang="en-US" sz="3600">
-                        <a:effectLst/>
-                        <a:latin typeface="Calibri"/>
-                        <a:ea typeface="Calibri"/>
-                        <a:cs typeface="Times New Roman"/>
-                      </a:endParaRPr>
-                    </a:p>
-                  </a:txBody>
-                  <a:tcPr marL="68580" marR="68580" marT="0" marB="0" anchor="b"/>
-                </a:tc>
-                <a:tc>
-                  <a:txBody>
-                    <a:bodyPr/>
-                    <a:lstStyle/>
-                    <a:p>
-                      <a:pPr marL="0" marR="0" algn="ctr">
-                        <a:lnSpc>
-                          <a:spcPct val="115000"/>
-                        </a:lnSpc>
-                        <a:spcBef>
-                          <a:spcPts val="0"/>
-                        </a:spcBef>
-                        <a:spcAft>
-                          <a:spcPts val="0"/>
-                        </a:spcAft>
-                      </a:pPr>
-                      <a:r>
-                        <a:rPr lang="en-US" sz="2400" dirty="0">
-                          <a:effectLst/>
-                        </a:rPr>
-                        <a:t>In</a:t>
-                      </a:r>
-                      <a:endParaRPr lang="en-US" sz="3600" dirty="0">
-                        <a:effectLst/>
-                        <a:latin typeface="Calibri"/>
-                        <a:ea typeface="Calibri"/>
-                        <a:cs typeface="Times New Roman"/>
-                      </a:endParaRPr>
-                    </a:p>
-                  </a:txBody>
-                  <a:tcPr marL="68580" marR="68580" marT="0" marB="0" anchor="b"/>
-                </a:tc>
-                <a:tc>
-                  <a:txBody>
-                    <a:bodyPr/>
-                    <a:lstStyle/>
-                    <a:p>
-                      <a:pPr marL="0" marR="0" algn="ctr">
-                        <a:lnSpc>
-                          <a:spcPct val="115000"/>
-                        </a:lnSpc>
-                        <a:spcBef>
-                          <a:spcPts val="0"/>
-                        </a:spcBef>
-                        <a:spcAft>
-                          <a:spcPts val="0"/>
-                        </a:spcAft>
-                      </a:pPr>
-                      <a:r>
-                        <a:rPr lang="en-US" sz="2400" dirty="0">
-                          <a:effectLst/>
-                        </a:rPr>
-                        <a:t>Kitchen staff</a:t>
-                      </a:r>
-                      <a:endParaRPr lang="en-US" sz="3600" dirty="0">
-                        <a:effectLst/>
-                        <a:latin typeface="Calibri"/>
-                        <a:ea typeface="Calibri"/>
-                        <a:cs typeface="Times New Roman"/>
-                      </a:endParaRPr>
-                    </a:p>
-                  </a:txBody>
-                  <a:tcPr marL="68580" marR="68580" marT="0" marB="0" anchor="b"/>
-                </a:tc>
-                <a:tc>
-                  <a:txBody>
-                    <a:bodyPr/>
-                    <a:lstStyle/>
-                    <a:p>
-                      <a:pPr marL="0" marR="0" algn="ctr">
-                        <a:lnSpc>
-                          <a:spcPct val="115000"/>
-                        </a:lnSpc>
-                        <a:spcBef>
-                          <a:spcPts val="0"/>
-                        </a:spcBef>
-                        <a:spcAft>
-                          <a:spcPts val="0"/>
-                        </a:spcAft>
-                      </a:pPr>
-                      <a:r>
-                        <a:rPr lang="en-US" sz="2400" dirty="0" smtClean="0">
-                          <a:effectLst/>
-                        </a:rPr>
-                        <a:t>Med</a:t>
-                      </a:r>
-                      <a:endParaRPr lang="en-US" sz="3600" dirty="0">
-                        <a:effectLst/>
-                        <a:latin typeface="Calibri"/>
-                        <a:ea typeface="Calibri"/>
-                        <a:cs typeface="Times New Roman"/>
-                      </a:endParaRPr>
-                    </a:p>
-                  </a:txBody>
-                  <a:tcPr marL="68580" marR="68580" marT="0" marB="0" anchor="b"/>
-                </a:tc>
-                <a:tc>
-                  <a:txBody>
-                    <a:bodyPr/>
-                    <a:lstStyle/>
-                    <a:p>
-                      <a:pPr marL="0" marR="0" algn="ctr">
-                        <a:lnSpc>
-                          <a:spcPct val="115000"/>
-                        </a:lnSpc>
-                        <a:spcBef>
-                          <a:spcPts val="0"/>
-                        </a:spcBef>
-                        <a:spcAft>
-                          <a:spcPts val="0"/>
-                        </a:spcAft>
-                      </a:pPr>
-                      <a:r>
-                        <a:rPr lang="en-US" sz="2400">
-                          <a:effectLst/>
-                        </a:rPr>
-                        <a:t>1</a:t>
-                      </a:r>
-                      <a:endParaRPr lang="en-US" sz="3600">
-                        <a:effectLst/>
-                        <a:latin typeface="Calibri"/>
-                        <a:ea typeface="Calibri"/>
-                        <a:cs typeface="Times New Roman"/>
-                      </a:endParaRPr>
-                    </a:p>
-                  </a:txBody>
-                  <a:tcPr marL="68580" marR="68580" marT="0" marB="0" anchor="b"/>
-                </a:tc>
-              </a:tr>
-              <a:tr h="547804">
-                <a:tc>
-                  <a:txBody>
-                    <a:bodyPr/>
-                    <a:lstStyle/>
-                    <a:p>
-                      <a:pPr marL="0" marR="0" algn="ctr">
-                        <a:lnSpc>
-                          <a:spcPct val="115000"/>
-                        </a:lnSpc>
-                        <a:spcBef>
-                          <a:spcPts val="0"/>
-                        </a:spcBef>
-                        <a:spcAft>
-                          <a:spcPts val="0"/>
-                        </a:spcAft>
-                      </a:pPr>
-                      <a:r>
-                        <a:rPr lang="en-US" sz="2400">
-                          <a:effectLst/>
-                        </a:rPr>
-                        <a:t>7</a:t>
-                      </a:r>
-                      <a:endParaRPr lang="en-US" sz="3600">
-                        <a:effectLst/>
-                        <a:latin typeface="Calibri"/>
-                        <a:ea typeface="Calibri"/>
-                        <a:cs typeface="Times New Roman"/>
-                      </a:endParaRPr>
-                    </a:p>
-                  </a:txBody>
-                  <a:tcPr marL="68580" marR="68580" marT="0" marB="0" anchor="b"/>
-                </a:tc>
-                <a:tc>
-                  <a:txBody>
-                    <a:bodyPr/>
-                    <a:lstStyle/>
-                    <a:p>
-                      <a:pPr marL="0" marR="0" algn="ctr">
-                        <a:lnSpc>
-                          <a:spcPct val="115000"/>
-                        </a:lnSpc>
-                        <a:spcBef>
-                          <a:spcPts val="0"/>
-                        </a:spcBef>
-                        <a:spcAft>
-                          <a:spcPts val="0"/>
-                        </a:spcAft>
-                      </a:pPr>
-                      <a:r>
-                        <a:rPr lang="en-US" sz="2400">
-                          <a:effectLst/>
-                        </a:rPr>
-                        <a:t>Reservation</a:t>
-                      </a:r>
-                      <a:endParaRPr lang="en-US" sz="3600">
-                        <a:effectLst/>
-                        <a:latin typeface="Calibri"/>
-                        <a:ea typeface="Calibri"/>
-                        <a:cs typeface="Times New Roman"/>
-                      </a:endParaRPr>
-                    </a:p>
-                  </a:txBody>
-                  <a:tcPr marL="68580" marR="68580" marT="0" marB="0" anchor="b"/>
-                </a:tc>
-                <a:tc>
-                  <a:txBody>
-                    <a:bodyPr/>
-                    <a:lstStyle/>
-                    <a:p>
-                      <a:pPr marL="0" marR="0" algn="ctr">
-                        <a:lnSpc>
-                          <a:spcPct val="115000"/>
-                        </a:lnSpc>
-                        <a:spcBef>
-                          <a:spcPts val="0"/>
-                        </a:spcBef>
-                        <a:spcAft>
-                          <a:spcPts val="0"/>
-                        </a:spcAft>
-                      </a:pPr>
-                      <a:r>
-                        <a:rPr lang="en-US" sz="2400">
-                          <a:effectLst/>
-                        </a:rPr>
-                        <a:t>In</a:t>
-                      </a:r>
-                      <a:endParaRPr lang="en-US" sz="3600">
-                        <a:effectLst/>
-                        <a:latin typeface="Calibri"/>
-                        <a:ea typeface="Calibri"/>
-                        <a:cs typeface="Times New Roman"/>
-                      </a:endParaRPr>
-                    </a:p>
-                  </a:txBody>
-                  <a:tcPr marL="68580" marR="68580" marT="0" marB="0" anchor="b"/>
-                </a:tc>
-                <a:tc>
-                  <a:txBody>
-                    <a:bodyPr/>
-                    <a:lstStyle/>
-                    <a:p>
-                      <a:pPr marL="0" marR="0" algn="ctr">
-                        <a:lnSpc>
-                          <a:spcPct val="115000"/>
-                        </a:lnSpc>
-                        <a:spcBef>
-                          <a:spcPts val="0"/>
-                        </a:spcBef>
-                        <a:spcAft>
-                          <a:spcPts val="0"/>
-                        </a:spcAft>
-                      </a:pPr>
-                      <a:r>
-                        <a:rPr lang="en-US" sz="2400" dirty="0">
-                          <a:effectLst/>
-                        </a:rPr>
-                        <a:t>Customer</a:t>
-                      </a:r>
-                      <a:endParaRPr lang="en-US" sz="3600" dirty="0">
-                        <a:effectLst/>
-                        <a:latin typeface="Calibri"/>
-                        <a:ea typeface="Calibri"/>
-                        <a:cs typeface="Times New Roman"/>
-                      </a:endParaRPr>
-                    </a:p>
-                  </a:txBody>
-                  <a:tcPr marL="68580" marR="68580" marT="0" marB="0" anchor="b"/>
-                </a:tc>
-                <a:tc>
-                  <a:txBody>
-                    <a:bodyPr/>
-                    <a:lstStyle/>
-                    <a:p>
-                      <a:pPr marL="0" marR="0" algn="ctr">
-                        <a:lnSpc>
-                          <a:spcPct val="115000"/>
-                        </a:lnSpc>
-                        <a:spcBef>
-                          <a:spcPts val="0"/>
-                        </a:spcBef>
-                        <a:spcAft>
-                          <a:spcPts val="0"/>
-                        </a:spcAft>
-                      </a:pPr>
-                      <a:r>
-                        <a:rPr lang="en-US" sz="2400" dirty="0" smtClean="0">
-                          <a:effectLst/>
-                        </a:rPr>
-                        <a:t>Med</a:t>
-                      </a:r>
-                      <a:endParaRPr lang="en-US" sz="3600" dirty="0">
-                        <a:effectLst/>
-                        <a:latin typeface="Calibri"/>
-                        <a:ea typeface="Calibri"/>
-                        <a:cs typeface="Times New Roman"/>
-                      </a:endParaRPr>
-                    </a:p>
-                  </a:txBody>
-                  <a:tcPr marL="68580" marR="68580" marT="0" marB="0" anchor="b"/>
-                </a:tc>
-                <a:tc>
-                  <a:txBody>
-                    <a:bodyPr/>
-                    <a:lstStyle/>
-                    <a:p>
-                      <a:pPr marL="0" marR="0" algn="ctr">
-                        <a:lnSpc>
-                          <a:spcPct val="115000"/>
-                        </a:lnSpc>
-                        <a:spcBef>
-                          <a:spcPts val="0"/>
-                        </a:spcBef>
-                        <a:spcAft>
-                          <a:spcPts val="0"/>
-                        </a:spcAft>
-                      </a:pPr>
-                      <a:r>
-                        <a:rPr lang="en-US" sz="2400">
-                          <a:effectLst/>
-                        </a:rPr>
-                        <a:t>2</a:t>
-                      </a:r>
-                      <a:endParaRPr lang="en-US" sz="3600">
-                        <a:effectLst/>
-                        <a:latin typeface="Calibri"/>
-                        <a:ea typeface="Calibri"/>
-                        <a:cs typeface="Times New Roman"/>
-                      </a:endParaRPr>
-                    </a:p>
-                  </a:txBody>
-                  <a:tcPr marL="68580" marR="68580" marT="0" marB="0" anchor="b"/>
-                </a:tc>
-              </a:tr>
-              <a:tr h="547804">
-                <a:tc>
-                  <a:txBody>
-                    <a:bodyPr/>
-                    <a:lstStyle/>
-                    <a:p>
-                      <a:pPr marL="0" marR="0" algn="ctr">
-                        <a:lnSpc>
-                          <a:spcPct val="115000"/>
-                        </a:lnSpc>
-                        <a:spcBef>
-                          <a:spcPts val="0"/>
-                        </a:spcBef>
-                        <a:spcAft>
-                          <a:spcPts val="0"/>
-                        </a:spcAft>
-                      </a:pPr>
-                      <a:r>
-                        <a:rPr lang="en-US" sz="2400">
-                          <a:effectLst/>
-                        </a:rPr>
-                        <a:t>8</a:t>
-                      </a:r>
-                      <a:endParaRPr lang="en-US" sz="3600">
-                        <a:effectLst/>
-                        <a:latin typeface="Calibri"/>
-                        <a:ea typeface="Calibri"/>
-                        <a:cs typeface="Times New Roman"/>
-                      </a:endParaRPr>
-                    </a:p>
-                  </a:txBody>
-                  <a:tcPr marL="68580" marR="68580" marT="0" marB="0" anchor="b"/>
-                </a:tc>
-                <a:tc>
-                  <a:txBody>
-                    <a:bodyPr/>
-                    <a:lstStyle/>
-                    <a:p>
-                      <a:pPr marL="0" marR="0" algn="ctr">
-                        <a:lnSpc>
-                          <a:spcPct val="115000"/>
-                        </a:lnSpc>
-                        <a:spcBef>
-                          <a:spcPts val="0"/>
-                        </a:spcBef>
-                        <a:spcAft>
-                          <a:spcPts val="0"/>
-                        </a:spcAft>
-                      </a:pPr>
-                      <a:r>
-                        <a:rPr lang="en-US" sz="2400">
-                          <a:effectLst/>
-                        </a:rPr>
-                        <a:t>Item's metadata</a:t>
-                      </a:r>
-                      <a:endParaRPr lang="en-US" sz="3600">
-                        <a:effectLst/>
-                        <a:latin typeface="Calibri"/>
-                        <a:ea typeface="Calibri"/>
-                        <a:cs typeface="Times New Roman"/>
-                      </a:endParaRPr>
-                    </a:p>
-                  </a:txBody>
-                  <a:tcPr marL="68580" marR="68580" marT="0" marB="0" anchor="b"/>
-                </a:tc>
-                <a:tc>
-                  <a:txBody>
-                    <a:bodyPr/>
-                    <a:lstStyle/>
-                    <a:p>
-                      <a:pPr marL="0" marR="0" algn="ctr">
-                        <a:lnSpc>
-                          <a:spcPct val="115000"/>
-                        </a:lnSpc>
-                        <a:spcBef>
-                          <a:spcPts val="0"/>
-                        </a:spcBef>
-                        <a:spcAft>
-                          <a:spcPts val="0"/>
-                        </a:spcAft>
-                      </a:pPr>
-                      <a:r>
-                        <a:rPr lang="en-US" sz="2400">
-                          <a:effectLst/>
-                        </a:rPr>
-                        <a:t>In</a:t>
-                      </a:r>
-                      <a:endParaRPr lang="en-US" sz="3600">
-                        <a:effectLst/>
-                        <a:latin typeface="Calibri"/>
-                        <a:ea typeface="Calibri"/>
-                        <a:cs typeface="Times New Roman"/>
-                      </a:endParaRPr>
-                    </a:p>
-                  </a:txBody>
-                  <a:tcPr marL="68580" marR="68580" marT="0" marB="0" anchor="b"/>
-                </a:tc>
-                <a:tc>
-                  <a:txBody>
-                    <a:bodyPr/>
-                    <a:lstStyle/>
-                    <a:p>
-                      <a:pPr marL="0" marR="0" algn="ctr">
-                        <a:lnSpc>
-                          <a:spcPct val="115000"/>
-                        </a:lnSpc>
-                        <a:spcBef>
-                          <a:spcPts val="0"/>
-                        </a:spcBef>
-                        <a:spcAft>
-                          <a:spcPts val="0"/>
-                        </a:spcAft>
-                      </a:pPr>
-                      <a:r>
-                        <a:rPr lang="en-US" sz="2400" dirty="0">
-                          <a:effectLst/>
-                        </a:rPr>
-                        <a:t>Anyone</a:t>
-                      </a:r>
-                      <a:endParaRPr lang="en-US" sz="3600" dirty="0">
-                        <a:effectLst/>
-                        <a:latin typeface="Calibri"/>
-                        <a:ea typeface="Calibri"/>
-                        <a:cs typeface="Times New Roman"/>
-                      </a:endParaRPr>
-                    </a:p>
-                  </a:txBody>
-                  <a:tcPr marL="68580" marR="68580" marT="0" marB="0" anchor="b"/>
-                </a:tc>
-                <a:tc>
-                  <a:txBody>
-                    <a:bodyPr/>
-                    <a:lstStyle/>
-                    <a:p>
-                      <a:pPr marL="0" marR="0" algn="ctr">
-                        <a:lnSpc>
-                          <a:spcPct val="115000"/>
-                        </a:lnSpc>
-                        <a:spcBef>
-                          <a:spcPts val="0"/>
-                        </a:spcBef>
-                        <a:spcAft>
-                          <a:spcPts val="0"/>
-                        </a:spcAft>
-                      </a:pPr>
-                      <a:r>
-                        <a:rPr lang="en-US" sz="2400" dirty="0" smtClean="0">
-                          <a:effectLst/>
-                        </a:rPr>
-                        <a:t>Med</a:t>
-                      </a:r>
-                      <a:endParaRPr lang="en-US" sz="3600" dirty="0">
-                        <a:effectLst/>
-                        <a:latin typeface="Calibri"/>
-                        <a:ea typeface="Calibri"/>
-                        <a:cs typeface="Times New Roman"/>
-                      </a:endParaRPr>
-                    </a:p>
-                  </a:txBody>
-                  <a:tcPr marL="68580" marR="68580" marT="0" marB="0" anchor="b"/>
-                </a:tc>
-                <a:tc>
-                  <a:txBody>
-                    <a:bodyPr/>
-                    <a:lstStyle/>
-                    <a:p>
-                      <a:pPr marL="0" marR="0" algn="ctr">
-                        <a:lnSpc>
-                          <a:spcPct val="115000"/>
-                        </a:lnSpc>
-                        <a:spcBef>
-                          <a:spcPts val="0"/>
-                        </a:spcBef>
-                        <a:spcAft>
-                          <a:spcPts val="0"/>
-                        </a:spcAft>
-                      </a:pPr>
-                      <a:r>
-                        <a:rPr lang="en-US" sz="2400">
-                          <a:effectLst/>
-                        </a:rPr>
-                        <a:t>2</a:t>
-                      </a:r>
-                      <a:endParaRPr lang="en-US" sz="3600">
-                        <a:effectLst/>
-                        <a:latin typeface="Calibri"/>
-                        <a:ea typeface="Calibri"/>
-                        <a:cs typeface="Times New Roman"/>
-                      </a:endParaRPr>
-                    </a:p>
-                  </a:txBody>
-                  <a:tcPr marL="68580" marR="68580" marT="0" marB="0" anchor="b"/>
-                </a:tc>
-              </a:tr>
-              <a:tr h="547804">
-                <a:tc>
-                  <a:txBody>
-                    <a:bodyPr/>
-                    <a:lstStyle/>
-                    <a:p>
-                      <a:pPr marL="0" marR="0" algn="ctr">
-                        <a:lnSpc>
-                          <a:spcPct val="115000"/>
-                        </a:lnSpc>
-                        <a:spcBef>
-                          <a:spcPts val="0"/>
-                        </a:spcBef>
-                        <a:spcAft>
-                          <a:spcPts val="0"/>
-                        </a:spcAft>
-                      </a:pPr>
-                      <a:r>
-                        <a:rPr lang="en-US" sz="2400">
-                          <a:effectLst/>
-                        </a:rPr>
-                        <a:t>9</a:t>
-                      </a:r>
-                      <a:endParaRPr lang="en-US" sz="3600">
-                        <a:effectLst/>
-                        <a:latin typeface="Calibri"/>
-                        <a:ea typeface="Calibri"/>
-                        <a:cs typeface="Times New Roman"/>
-                      </a:endParaRPr>
-                    </a:p>
-                  </a:txBody>
-                  <a:tcPr marL="68580" marR="68580" marT="0" marB="0" anchor="b"/>
-                </a:tc>
-                <a:tc>
-                  <a:txBody>
-                    <a:bodyPr/>
-                    <a:lstStyle/>
-                    <a:p>
-                      <a:pPr marL="0" marR="0" algn="ctr">
-                        <a:lnSpc>
-                          <a:spcPct val="115000"/>
-                        </a:lnSpc>
-                        <a:spcBef>
-                          <a:spcPts val="0"/>
-                        </a:spcBef>
-                        <a:spcAft>
-                          <a:spcPts val="0"/>
-                        </a:spcAft>
-                      </a:pPr>
-                      <a:r>
-                        <a:rPr lang="en-US" sz="2400">
-                          <a:effectLst/>
-                        </a:rPr>
-                        <a:t>Inventory</a:t>
-                      </a:r>
-                      <a:endParaRPr lang="en-US" sz="3600">
-                        <a:effectLst/>
-                        <a:latin typeface="Calibri"/>
-                        <a:ea typeface="Calibri"/>
-                        <a:cs typeface="Times New Roman"/>
-                      </a:endParaRPr>
-                    </a:p>
-                  </a:txBody>
-                  <a:tcPr marL="68580" marR="68580" marT="0" marB="0" anchor="b"/>
-                </a:tc>
-                <a:tc>
-                  <a:txBody>
-                    <a:bodyPr/>
-                    <a:lstStyle/>
-                    <a:p>
-                      <a:pPr marL="0" marR="0" algn="ctr">
-                        <a:lnSpc>
-                          <a:spcPct val="115000"/>
-                        </a:lnSpc>
-                        <a:spcBef>
-                          <a:spcPts val="0"/>
-                        </a:spcBef>
-                        <a:spcAft>
-                          <a:spcPts val="0"/>
-                        </a:spcAft>
-                      </a:pPr>
-                      <a:r>
-                        <a:rPr lang="en-US" sz="2400">
-                          <a:effectLst/>
-                        </a:rPr>
-                        <a:t>In</a:t>
-                      </a:r>
-                      <a:endParaRPr lang="en-US" sz="3600">
-                        <a:effectLst/>
-                        <a:latin typeface="Calibri"/>
-                        <a:ea typeface="Calibri"/>
-                        <a:cs typeface="Times New Roman"/>
-                      </a:endParaRPr>
-                    </a:p>
-                  </a:txBody>
-                  <a:tcPr marL="68580" marR="68580" marT="0" marB="0" anchor="b"/>
-                </a:tc>
-                <a:tc>
-                  <a:txBody>
-                    <a:bodyPr/>
-                    <a:lstStyle/>
-                    <a:p>
-                      <a:pPr marL="0" marR="0" algn="ctr">
-                        <a:lnSpc>
-                          <a:spcPct val="115000"/>
-                        </a:lnSpc>
-                        <a:spcBef>
-                          <a:spcPts val="0"/>
-                        </a:spcBef>
-                        <a:spcAft>
-                          <a:spcPts val="0"/>
-                        </a:spcAft>
-                      </a:pPr>
-                      <a:r>
-                        <a:rPr lang="en-US" sz="2400">
-                          <a:effectLst/>
-                        </a:rPr>
-                        <a:t>Manager</a:t>
-                      </a:r>
-                      <a:endParaRPr lang="en-US" sz="3600">
-                        <a:effectLst/>
-                        <a:latin typeface="Calibri"/>
-                        <a:ea typeface="Calibri"/>
-                        <a:cs typeface="Times New Roman"/>
-                      </a:endParaRPr>
-                    </a:p>
-                  </a:txBody>
-                  <a:tcPr marL="68580" marR="68580" marT="0" marB="0" anchor="b"/>
-                </a:tc>
-                <a:tc>
-                  <a:txBody>
-                    <a:bodyPr/>
-                    <a:lstStyle/>
-                    <a:p>
-                      <a:pPr marL="0" marR="0" algn="ctr">
-                        <a:lnSpc>
-                          <a:spcPct val="115000"/>
-                        </a:lnSpc>
-                        <a:spcBef>
-                          <a:spcPts val="0"/>
-                        </a:spcBef>
-                        <a:spcAft>
-                          <a:spcPts val="0"/>
-                        </a:spcAft>
-                      </a:pPr>
-                      <a:r>
-                        <a:rPr lang="en-US" sz="2400" dirty="0">
-                          <a:effectLst/>
-                        </a:rPr>
-                        <a:t>Low</a:t>
-                      </a:r>
-                      <a:endParaRPr lang="en-US" sz="3600" dirty="0">
-                        <a:effectLst/>
-                        <a:latin typeface="Calibri"/>
-                        <a:ea typeface="Calibri"/>
-                        <a:cs typeface="Times New Roman"/>
-                      </a:endParaRPr>
-                    </a:p>
-                  </a:txBody>
-                  <a:tcPr marL="68580" marR="68580" marT="0" marB="0" anchor="b"/>
-                </a:tc>
-                <a:tc>
-                  <a:txBody>
-                    <a:bodyPr/>
-                    <a:lstStyle/>
-                    <a:p>
-                      <a:pPr marL="0" marR="0" algn="ctr">
-                        <a:lnSpc>
-                          <a:spcPct val="115000"/>
-                        </a:lnSpc>
-                        <a:spcBef>
-                          <a:spcPts val="0"/>
-                        </a:spcBef>
-                        <a:spcAft>
-                          <a:spcPts val="0"/>
-                        </a:spcAft>
-                      </a:pPr>
-                      <a:r>
-                        <a:rPr lang="en-US" sz="2400" dirty="0">
-                          <a:effectLst/>
-                        </a:rPr>
-                        <a:t>1</a:t>
-                      </a:r>
-                      <a:endParaRPr lang="en-US" sz="3600" dirty="0">
-                        <a:effectLst/>
-                        <a:latin typeface="Calibri"/>
-                        <a:ea typeface="Calibri"/>
-                        <a:cs typeface="Times New Roman"/>
-                      </a:endParaRPr>
-                    </a:p>
-                  </a:txBody>
-                  <a:tcPr marL="68580" marR="68580" marT="0" marB="0" anchor="b"/>
-                </a:tc>
-              </a:tr>
-              <a:tr h="547804">
-                <a:tc>
-                  <a:txBody>
-                    <a:bodyPr/>
-                    <a:lstStyle/>
-                    <a:p>
-                      <a:pPr marL="0" marR="0" algn="ctr">
-                        <a:lnSpc>
-                          <a:spcPct val="115000"/>
-                        </a:lnSpc>
-                        <a:spcBef>
-                          <a:spcPts val="0"/>
-                        </a:spcBef>
-                        <a:spcAft>
-                          <a:spcPts val="0"/>
-                        </a:spcAft>
-                      </a:pPr>
-                      <a:r>
-                        <a:rPr lang="en-US" sz="2400">
-                          <a:effectLst/>
-                        </a:rPr>
-                        <a:t>10</a:t>
-                      </a:r>
-                      <a:endParaRPr lang="en-US" sz="3600">
-                        <a:effectLst/>
-                        <a:latin typeface="Calibri"/>
-                        <a:ea typeface="Calibri"/>
-                        <a:cs typeface="Times New Roman"/>
-                      </a:endParaRPr>
-                    </a:p>
-                  </a:txBody>
-                  <a:tcPr marL="68580" marR="68580" marT="0" marB="0" anchor="b"/>
-                </a:tc>
-                <a:tc>
-                  <a:txBody>
-                    <a:bodyPr/>
-                    <a:lstStyle/>
-                    <a:p>
-                      <a:pPr marL="0" marR="0" algn="ctr">
-                        <a:lnSpc>
-                          <a:spcPct val="115000"/>
-                        </a:lnSpc>
-                        <a:spcBef>
-                          <a:spcPts val="0"/>
-                        </a:spcBef>
-                        <a:spcAft>
-                          <a:spcPts val="0"/>
-                        </a:spcAft>
-                      </a:pPr>
-                      <a:r>
-                        <a:rPr lang="en-US" sz="2400" dirty="0" smtClean="0">
-                          <a:effectLst/>
-                        </a:rPr>
-                        <a:t>Complaint</a:t>
-                      </a:r>
-                      <a:endParaRPr lang="en-US" sz="3600" dirty="0">
-                        <a:effectLst/>
-                        <a:latin typeface="Calibri"/>
-                        <a:ea typeface="Calibri"/>
-                        <a:cs typeface="Times New Roman"/>
-                      </a:endParaRPr>
-                    </a:p>
-                  </a:txBody>
-                  <a:tcPr marL="68580" marR="68580" marT="0" marB="0" anchor="b"/>
-                </a:tc>
-                <a:tc>
-                  <a:txBody>
-                    <a:bodyPr/>
-                    <a:lstStyle/>
-                    <a:p>
-                      <a:pPr marL="0" marR="0" algn="ctr">
-                        <a:lnSpc>
-                          <a:spcPct val="115000"/>
-                        </a:lnSpc>
-                        <a:spcBef>
-                          <a:spcPts val="0"/>
-                        </a:spcBef>
-                        <a:spcAft>
-                          <a:spcPts val="0"/>
-                        </a:spcAft>
-                      </a:pPr>
-                      <a:r>
-                        <a:rPr lang="en-US" sz="2400">
-                          <a:effectLst/>
-                        </a:rPr>
-                        <a:t>In</a:t>
-                      </a:r>
-                      <a:endParaRPr lang="en-US" sz="3600">
-                        <a:effectLst/>
-                        <a:latin typeface="Calibri"/>
-                        <a:ea typeface="Calibri"/>
-                        <a:cs typeface="Times New Roman"/>
-                      </a:endParaRPr>
-                    </a:p>
-                  </a:txBody>
-                  <a:tcPr marL="68580" marR="68580" marT="0" marB="0" anchor="b"/>
-                </a:tc>
-                <a:tc>
-                  <a:txBody>
-                    <a:bodyPr/>
-                    <a:lstStyle/>
-                    <a:p>
-                      <a:pPr marL="0" marR="0" algn="ctr">
-                        <a:lnSpc>
-                          <a:spcPct val="115000"/>
-                        </a:lnSpc>
-                        <a:spcBef>
-                          <a:spcPts val="0"/>
-                        </a:spcBef>
-                        <a:spcAft>
-                          <a:spcPts val="0"/>
-                        </a:spcAft>
-                      </a:pPr>
-                      <a:r>
-                        <a:rPr lang="en-US" sz="2400" dirty="0" smtClean="0">
-                          <a:effectLst/>
-                        </a:rPr>
-                        <a:t>Manager/waiter</a:t>
-                      </a:r>
-                      <a:endParaRPr lang="en-US" sz="3600" dirty="0">
-                        <a:effectLst/>
-                        <a:latin typeface="Calibri"/>
-                        <a:ea typeface="Calibri"/>
-                        <a:cs typeface="Times New Roman"/>
-                      </a:endParaRPr>
-                    </a:p>
-                  </a:txBody>
-                  <a:tcPr marL="68580" marR="68580" marT="0" marB="0" anchor="b"/>
-                </a:tc>
-                <a:tc>
-                  <a:txBody>
-                    <a:bodyPr/>
-                    <a:lstStyle/>
-                    <a:p>
-                      <a:pPr marL="0" marR="0" algn="ctr">
-                        <a:lnSpc>
-                          <a:spcPct val="115000"/>
-                        </a:lnSpc>
-                        <a:spcBef>
-                          <a:spcPts val="0"/>
-                        </a:spcBef>
-                        <a:spcAft>
-                          <a:spcPts val="0"/>
-                        </a:spcAft>
-                      </a:pPr>
-                      <a:r>
-                        <a:rPr lang="en-US" sz="2400" dirty="0" smtClean="0">
-                          <a:effectLst/>
-                        </a:rPr>
-                        <a:t>Med</a:t>
-                      </a:r>
-                      <a:endParaRPr lang="en-US" sz="3600" dirty="0">
-                        <a:effectLst/>
-                        <a:latin typeface="Calibri"/>
-                        <a:ea typeface="Calibri"/>
-                        <a:cs typeface="Times New Roman"/>
-                      </a:endParaRPr>
-                    </a:p>
-                  </a:txBody>
-                  <a:tcPr marL="68580" marR="68580" marT="0" marB="0" anchor="b"/>
-                </a:tc>
-                <a:tc>
-                  <a:txBody>
-                    <a:bodyPr/>
-                    <a:lstStyle/>
-                    <a:p>
-                      <a:pPr marL="0" marR="0" algn="ctr">
-                        <a:lnSpc>
-                          <a:spcPct val="115000"/>
-                        </a:lnSpc>
-                        <a:spcBef>
-                          <a:spcPts val="0"/>
-                        </a:spcBef>
-                        <a:spcAft>
-                          <a:spcPts val="0"/>
-                        </a:spcAft>
-                      </a:pPr>
-                      <a:r>
-                        <a:rPr lang="en-US" sz="2400" dirty="0">
-                          <a:effectLst/>
-                        </a:rPr>
-                        <a:t>2</a:t>
-                      </a:r>
-                      <a:endParaRPr lang="en-US" sz="3600" dirty="0">
-                        <a:effectLst/>
-                        <a:latin typeface="Calibri"/>
-                        <a:ea typeface="Calibri"/>
-                        <a:cs typeface="Times New Roman"/>
-                      </a:endParaRPr>
-                    </a:p>
-                  </a:txBody>
-                  <a:tcPr marL="68580" marR="68580" marT="0" marB="0" anchor="b"/>
-                </a:tc>
-              </a:tr>
-            </a:tbl>
-          </a:graphicData>
-        </a:graphic>
-      </p:graphicFrame>
       <p:sp>
         <p:nvSpPr>
           <p:cNvPr id="2" name="Title 1"/>
@@ -6956,30 +6900,100 @@
         </p:nvSpPr>
         <p:spPr>
           <a:xfrm>
-            <a:off x="381000" y="0"/>
-            <a:ext cx="7010400" cy="838200"/>
+            <a:off x="304800" y="0"/>
+            <a:ext cx="8001000" cy="1143000"/>
           </a:xfrm>
-          <a:noFill/>
         </p:spPr>
         <p:txBody>
           <a:bodyPr>
-            <a:normAutofit fontScale="90000"/>
+            <a:normAutofit/>
           </a:bodyPr>
           <a:lstStyle/>
           <a:p>
             <a:pPr algn="l"/>
             <a:r>
               <a:rPr lang="en-US" sz="6000" b="1" dirty="0" smtClean="0"/>
-              <a:t>Preliminary Use Cases</a:t>
+              <a:t>Risks</a:t>
             </a:r>
             <a:endParaRPr lang="en-US" sz="6000" b="1" dirty="0"/>
+          </a:p>
+        </p:txBody>
+      </p:sp>
+      <p:sp>
+        <p:nvSpPr>
+          <p:cNvPr id="3" name="Content Placeholder 2"/>
+          <p:cNvSpPr>
+            <a:spLocks noGrp="1"/>
+          </p:cNvSpPr>
+          <p:nvPr>
+            <p:ph idx="1"/>
+          </p:nvPr>
+        </p:nvSpPr>
+        <p:spPr>
+          <a:xfrm>
+            <a:off x="228600" y="1066800"/>
+            <a:ext cx="8229600" cy="4525963"/>
+          </a:xfrm>
+        </p:spPr>
+        <p:txBody>
+          <a:bodyPr>
+            <a:normAutofit fontScale="92500" lnSpcReduction="10000"/>
+          </a:bodyPr>
+          <a:lstStyle/>
+          <a:p>
+            <a:pPr lvl="0"/>
+            <a:r>
+              <a:rPr lang="en-US" b="1" dirty="0" smtClean="0"/>
+              <a:t>Fast application speed: Do not try customers’ patience.</a:t>
+            </a:r>
+          </a:p>
+          <a:p>
+            <a:pPr lvl="0"/>
+            <a:r>
+              <a:rPr lang="en-US" b="1" dirty="0" smtClean="0"/>
+              <a:t>High reliability: Downtime must be avoided</a:t>
+            </a:r>
+            <a:endParaRPr lang="en-US" b="1" dirty="0"/>
+          </a:p>
+          <a:p>
+            <a:pPr lvl="0"/>
+            <a:r>
+              <a:rPr lang="en-US" b="1" dirty="0" smtClean="0"/>
+              <a:t>Credit </a:t>
+            </a:r>
+            <a:r>
+              <a:rPr lang="en-US" b="1" dirty="0"/>
+              <a:t>card PCI information handling</a:t>
+            </a:r>
+          </a:p>
+          <a:p>
+            <a:pPr lvl="0"/>
+            <a:r>
+              <a:rPr lang="en-US" b="1" dirty="0" smtClean="0"/>
+              <a:t>Billing accuracy</a:t>
+            </a:r>
+          </a:p>
+          <a:p>
+            <a:pPr lvl="0"/>
+            <a:r>
+              <a:rPr lang="en-US" b="1" dirty="0" smtClean="0"/>
+              <a:t>Logins securely connect users with their correct role</a:t>
+            </a:r>
+            <a:endParaRPr lang="en-US" sz="4000" b="1" dirty="0" smtClean="0"/>
+          </a:p>
+          <a:p>
+            <a:pPr lvl="0"/>
+            <a:r>
+              <a:rPr lang="en-US" b="1" dirty="0" smtClean="0"/>
+              <a:t>Effective prioritization algorithm for orders and dishes</a:t>
+            </a:r>
           </a:p>
         </p:txBody>
       </p:sp>
     </p:spTree>
     <p:extLst>
       <p:ext uri="{BB962C8B-B14F-4D97-AF65-F5344CB8AC3E}">
-        <p14:creationId xmlns:p14="http://schemas.microsoft.com/office/powerpoint/2010/main" val="2172318574"/>
+        <p14:creationId xmlns:p14="http://schemas.microsoft.com/office/powerpoint/2010/main" val="1733782401"/>
       </p:ext>
     </p:extLst>
   </p:cSld>
@@ -6997,145 +7011,6 @@
 </file>
 
 <file path=ppt/slides/slide21.xml><?xml version="1.0" encoding="utf-8"?>
-<p:sld xmlns:a="http://schemas.openxmlformats.org/drawingml/2006/main" xmlns:r="http://schemas.openxmlformats.org/officeDocument/2006/relationships" xmlns:p="http://schemas.openxmlformats.org/presentationml/2006/main">
-  <p:cSld>
-    <p:spTree>
-      <p:nvGrpSpPr>
-        <p:cNvPr id="1" name=""/>
-        <p:cNvGrpSpPr/>
-        <p:nvPr/>
-      </p:nvGrpSpPr>
-      <p:grpSpPr>
-        <a:xfrm>
-          <a:off x="0" y="0"/>
-          <a:ext cx="0" cy="0"/>
-          <a:chOff x="0" y="0"/>
-          <a:chExt cx="0" cy="0"/>
-        </a:xfrm>
-      </p:grpSpPr>
-      <p:sp>
-        <p:nvSpPr>
-          <p:cNvPr id="2" name="Title 1"/>
-          <p:cNvSpPr>
-            <a:spLocks noGrp="1"/>
-          </p:cNvSpPr>
-          <p:nvPr>
-            <p:ph type="title"/>
-          </p:nvPr>
-        </p:nvSpPr>
-        <p:spPr>
-          <a:xfrm>
-            <a:off x="304800" y="0"/>
-            <a:ext cx="8001000" cy="1143000"/>
-          </a:xfrm>
-        </p:spPr>
-        <p:txBody>
-          <a:bodyPr>
-            <a:normAutofit/>
-          </a:bodyPr>
-          <a:lstStyle/>
-          <a:p>
-            <a:pPr algn="l"/>
-            <a:r>
-              <a:rPr lang="en-US" sz="6000" b="1" dirty="0" smtClean="0"/>
-              <a:t>Risks</a:t>
-            </a:r>
-            <a:endParaRPr lang="en-US" sz="6000" b="1" dirty="0"/>
-          </a:p>
-        </p:txBody>
-      </p:sp>
-      <p:sp>
-        <p:nvSpPr>
-          <p:cNvPr id="3" name="Content Placeholder 2"/>
-          <p:cNvSpPr>
-            <a:spLocks noGrp="1"/>
-          </p:cNvSpPr>
-          <p:nvPr>
-            <p:ph idx="1"/>
-          </p:nvPr>
-        </p:nvSpPr>
-        <p:spPr>
-          <a:xfrm>
-            <a:off x="228600" y="1066800"/>
-            <a:ext cx="8229600" cy="4525963"/>
-          </a:xfrm>
-        </p:spPr>
-        <p:txBody>
-          <a:bodyPr>
-            <a:normAutofit fontScale="92500" lnSpcReduction="10000"/>
-          </a:bodyPr>
-          <a:lstStyle/>
-          <a:p>
-            <a:pPr lvl="0"/>
-            <a:r>
-              <a:rPr lang="en-US" b="1" dirty="0" smtClean="0"/>
-              <a:t>Fast application speed: Do not try customers’ patience.</a:t>
-            </a:r>
-          </a:p>
-          <a:p>
-            <a:pPr lvl="0"/>
-            <a:r>
-              <a:rPr lang="en-US" b="1" dirty="0" smtClean="0"/>
-              <a:t>High reliability: Downtime must be avoided</a:t>
-            </a:r>
-            <a:endParaRPr lang="en-US" b="1" dirty="0"/>
-          </a:p>
-          <a:p>
-            <a:pPr lvl="0"/>
-            <a:r>
-              <a:rPr lang="en-US" b="1" dirty="0" smtClean="0"/>
-              <a:t>Credit </a:t>
-            </a:r>
-            <a:r>
-              <a:rPr lang="en-US" b="1" dirty="0"/>
-              <a:t>card PCI information handling</a:t>
-            </a:r>
-          </a:p>
-          <a:p>
-            <a:pPr lvl="0"/>
-            <a:r>
-              <a:rPr lang="en-US" b="1" dirty="0" smtClean="0"/>
-              <a:t>Billing accuracy</a:t>
-            </a:r>
-          </a:p>
-          <a:p>
-            <a:pPr lvl="0"/>
-            <a:r>
-              <a:rPr lang="en-US" b="1" dirty="0" smtClean="0"/>
-              <a:t>Logins securely connect users with their correct role</a:t>
-            </a:r>
-            <a:endParaRPr lang="en-US" sz="4000" b="1" dirty="0" smtClean="0"/>
-          </a:p>
-          <a:p>
-            <a:pPr lvl="0"/>
-            <a:r>
-              <a:rPr lang="en-US" b="1" dirty="0" smtClean="0"/>
-              <a:t>Effective prioritization algorithm for orders and dishes</a:t>
-            </a:r>
-          </a:p>
-        </p:txBody>
-      </p:sp>
-    </p:spTree>
-    <p:extLst>
-      <p:ext uri="{BB962C8B-B14F-4D97-AF65-F5344CB8AC3E}">
-        <p14:creationId xmlns:p14="http://schemas.microsoft.com/office/powerpoint/2010/main" val="1892201934"/>
-      </p:ext>
-    </p:extLst>
-  </p:cSld>
-  <p:clrMapOvr>
-    <a:masterClrMapping/>
-  </p:clrMapOvr>
-  <p:timing>
-    <p:tnLst>
-      <p:par>
-        <p:cTn id="1" dur="indefinite" restart="never" nodeType="tmRoot"/>
-      </p:par>
-    </p:tnLst>
-  </p:timing>
-</p:sld>
-</file>
-
-<file path=ppt/slides/slide22.xml><?xml version="1.0" encoding="utf-8"?>
 <p:sld xmlns:a="http://schemas.openxmlformats.org/drawingml/2006/main" xmlns:r="http://schemas.openxmlformats.org/officeDocument/2006/relationships" xmlns:p="http://schemas.openxmlformats.org/presentationml/2006/main">
   <p:cSld>
     <p:spTree>
@@ -7507,7 +7382,148 @@
     </p:spTree>
     <p:extLst>
       <p:ext uri="{BB962C8B-B14F-4D97-AF65-F5344CB8AC3E}">
-        <p14:creationId xmlns:p14="http://schemas.microsoft.com/office/powerpoint/2010/main" val="1906361113"/>
+        <p14:creationId xmlns:p14="http://schemas.microsoft.com/office/powerpoint/2010/main" val="1733782401"/>
+      </p:ext>
+    </p:extLst>
+  </p:cSld>
+  <p:clrMapOvr>
+    <a:masterClrMapping/>
+  </p:clrMapOvr>
+  <p:timing>
+    <p:tnLst>
+      <p:par>
+        <p:cTn id="1" dur="indefinite" restart="never" nodeType="tmRoot"/>
+      </p:par>
+    </p:tnLst>
+  </p:timing>
+</p:sld>
+</file>
+
+<file path=ppt/slides/slide22.xml><?xml version="1.0" encoding="utf-8"?>
+<p:sld xmlns:a="http://schemas.openxmlformats.org/drawingml/2006/main" xmlns:r="http://schemas.openxmlformats.org/officeDocument/2006/relationships" xmlns:p="http://schemas.openxmlformats.org/presentationml/2006/main">
+  <p:cSld>
+    <p:spTree>
+      <p:nvGrpSpPr>
+        <p:cNvPr id="1" name=""/>
+        <p:cNvGrpSpPr/>
+        <p:nvPr/>
+      </p:nvGrpSpPr>
+      <p:grpSpPr>
+        <a:xfrm>
+          <a:off x="0" y="0"/>
+          <a:ext cx="0" cy="0"/>
+          <a:chOff x="0" y="0"/>
+          <a:chExt cx="0" cy="0"/>
+        </a:xfrm>
+      </p:grpSpPr>
+      <p:sp>
+        <p:nvSpPr>
+          <p:cNvPr id="2" name="Title 1"/>
+          <p:cNvSpPr>
+            <a:spLocks noGrp="1"/>
+          </p:cNvSpPr>
+          <p:nvPr>
+            <p:ph type="title"/>
+          </p:nvPr>
+        </p:nvSpPr>
+        <p:spPr>
+          <a:xfrm>
+            <a:off x="457200" y="274638"/>
+            <a:ext cx="5486400" cy="1143000"/>
+          </a:xfrm>
+        </p:spPr>
+        <p:txBody>
+          <a:bodyPr>
+            <a:normAutofit/>
+          </a:bodyPr>
+          <a:lstStyle/>
+          <a:p>
+            <a:pPr algn="l"/>
+            <a:r>
+              <a:rPr lang="en-US" sz="6000" b="1" dirty="0" smtClean="0"/>
+              <a:t>Out of Scope</a:t>
+            </a:r>
+            <a:endParaRPr lang="en-US" sz="6000" b="1" dirty="0"/>
+          </a:p>
+        </p:txBody>
+      </p:sp>
+      <p:sp>
+        <p:nvSpPr>
+          <p:cNvPr id="3" name="Content Placeholder 2"/>
+          <p:cNvSpPr>
+            <a:spLocks noGrp="1"/>
+          </p:cNvSpPr>
+          <p:nvPr>
+            <p:ph idx="1"/>
+          </p:nvPr>
+        </p:nvSpPr>
+        <p:spPr/>
+        <p:txBody>
+          <a:bodyPr>
+            <a:normAutofit fontScale="77500" lnSpcReduction="20000"/>
+          </a:bodyPr>
+          <a:lstStyle/>
+          <a:p>
+            <a:r>
+              <a:rPr lang="en-US" sz="4000" dirty="0"/>
+              <a:t>Specifics of payment</a:t>
+            </a:r>
+          </a:p>
+          <a:p>
+            <a:r>
+              <a:rPr lang="en-US" sz="4000" dirty="0"/>
+              <a:t>PCI compliance</a:t>
+            </a:r>
+          </a:p>
+          <a:p>
+            <a:r>
+              <a:rPr lang="en-US" sz="4000" dirty="0"/>
+              <a:t>Payroll, time clocks</a:t>
+            </a:r>
+          </a:p>
+          <a:p>
+            <a:r>
+              <a:rPr lang="en-US" sz="4000" dirty="0"/>
+              <a:t>Inventory management</a:t>
+            </a:r>
+          </a:p>
+          <a:p>
+            <a:r>
+              <a:rPr lang="en-US" sz="4000" dirty="0"/>
+              <a:t>Complaints</a:t>
+            </a:r>
+          </a:p>
+          <a:p>
+            <a:r>
+              <a:rPr lang="en-US" sz="4000" dirty="0"/>
+              <a:t>Bar management</a:t>
+            </a:r>
+          </a:p>
+          <a:p>
+            <a:r>
+              <a:rPr lang="en-US" sz="4000" dirty="0"/>
+              <a:t>Splitting bill for a single item</a:t>
+            </a:r>
+          </a:p>
+          <a:p>
+            <a:r>
+              <a:rPr lang="en-US" sz="4000" dirty="0"/>
+              <a:t>Custom table setups</a:t>
+            </a:r>
+          </a:p>
+          <a:p>
+            <a:r>
+              <a:rPr lang="en-US" sz="4000" dirty="0" smtClean="0"/>
+              <a:t>Recipes</a:t>
+            </a:r>
+            <a:endParaRPr lang="en-US" sz="4000" dirty="0"/>
+          </a:p>
+        </p:txBody>
+      </p:sp>
+    </p:spTree>
+    <p:extLst>
+      <p:ext uri="{BB962C8B-B14F-4D97-AF65-F5344CB8AC3E}">
+        <p14:creationId xmlns:p14="http://schemas.microsoft.com/office/powerpoint/2010/main" val="2150572371"/>
       </p:ext>
     </p:extLst>
   </p:cSld>
@@ -7554,7 +7570,7 @@
         <p:spPr>
           <a:xfrm>
             <a:off x="457200" y="274638"/>
-            <a:ext cx="5486400" cy="1143000"/>
+            <a:ext cx="6172200" cy="1143000"/>
           </a:xfrm>
         </p:spPr>
         <p:txBody>
@@ -7566,7 +7582,7 @@
             <a:pPr algn="l"/>
             <a:r>
               <a:rPr lang="en-US" sz="6000" b="1" dirty="0" smtClean="0"/>
-              <a:t>Out of Scope</a:t>
+              <a:t>Scope Undecided</a:t>
             </a:r>
             <a:endParaRPr lang="en-US" sz="6000" b="1" dirty="0"/>
           </a:p>
@@ -7585,70 +7601,53 @@
         <p:spPr/>
         <p:txBody>
           <a:bodyPr>
-            <a:normAutofit fontScale="77500" lnSpcReduction="20000"/>
+            <a:normAutofit/>
           </a:bodyPr>
           <a:lstStyle/>
           <a:p>
             <a:r>
-              <a:rPr lang="en-US" sz="4000" dirty="0"/>
-              <a:t>Specifics of payment</a:t>
-            </a:r>
-          </a:p>
-          <a:p>
-            <a:r>
-              <a:rPr lang="en-US" sz="4000" dirty="0"/>
-              <a:t>PCI compliance</a:t>
-            </a:r>
-          </a:p>
-          <a:p>
-            <a:r>
-              <a:rPr lang="en-US" sz="4000" dirty="0"/>
-              <a:t>Payroll, time clocks</a:t>
-            </a:r>
-          </a:p>
-          <a:p>
-            <a:r>
-              <a:rPr lang="en-US" sz="4000" dirty="0"/>
-              <a:t>Inventory management</a:t>
-            </a:r>
-          </a:p>
-          <a:p>
-            <a:r>
-              <a:rPr lang="en-US" sz="4000" dirty="0"/>
-              <a:t>Complaints</a:t>
-            </a:r>
-          </a:p>
-          <a:p>
-            <a:r>
-              <a:rPr lang="en-US" sz="4000" dirty="0"/>
-              <a:t>Bar management</a:t>
-            </a:r>
-          </a:p>
-          <a:p>
-            <a:r>
-              <a:rPr lang="en-US" sz="4000" dirty="0"/>
-              <a:t>Splitting bill for a single item</a:t>
-            </a:r>
-          </a:p>
-          <a:p>
-            <a:r>
-              <a:rPr lang="en-US" sz="4000" dirty="0"/>
-              <a:t>Custom table setups</a:t>
-            </a:r>
-          </a:p>
-          <a:p>
-            <a:r>
-              <a:rPr lang="en-US" sz="4000" dirty="0" smtClean="0"/>
-              <a:t>Recipes</a:t>
-            </a:r>
-            <a:endParaRPr lang="en-US" sz="4000" dirty="0"/>
+              <a:rPr lang="en-US" sz="3600" dirty="0"/>
+              <a:t>Reservations</a:t>
+            </a:r>
+          </a:p>
+          <a:p>
+            <a:r>
+              <a:rPr lang="en-US" sz="3600" dirty="0"/>
+              <a:t>Basic employee stats</a:t>
+            </a:r>
+          </a:p>
+          <a:p>
+            <a:r>
+              <a:rPr lang="en-US" sz="3600" dirty="0"/>
+              <a:t>Mobile app</a:t>
+            </a:r>
+          </a:p>
+          <a:p>
+            <a:r>
+              <a:rPr lang="en-US" sz="3600" dirty="0"/>
+              <a:t>Discounts / adjustments (</a:t>
+            </a:r>
+            <a:r>
+              <a:rPr lang="en-US" sz="3600" dirty="0" err="1"/>
+              <a:t>comping</a:t>
+            </a:r>
+            <a:r>
+              <a:rPr lang="en-US" sz="3600" dirty="0"/>
+              <a:t>)</a:t>
+            </a:r>
+          </a:p>
+          <a:p>
+            <a:r>
+              <a:rPr lang="en-US" sz="3600" dirty="0"/>
+              <a:t>Parties spanning &gt; 1 table</a:t>
+            </a:r>
           </a:p>
         </p:txBody>
       </p:sp>
     </p:spTree>
     <p:extLst>
       <p:ext uri="{BB962C8B-B14F-4D97-AF65-F5344CB8AC3E}">
-        <p14:creationId xmlns:p14="http://schemas.microsoft.com/office/powerpoint/2010/main" val="4070009704"/>
+        <p14:creationId xmlns:p14="http://schemas.microsoft.com/office/powerpoint/2010/main" val="2150572371"/>
       </p:ext>
     </p:extLst>
   </p:cSld>
@@ -7695,7 +7694,7 @@
         <p:spPr>
           <a:xfrm>
             <a:off x="457200" y="274638"/>
-            <a:ext cx="6172200" cy="1143000"/>
+            <a:ext cx="5486400" cy="1143000"/>
           </a:xfrm>
         </p:spPr>
         <p:txBody>
@@ -7707,7 +7706,7 @@
             <a:pPr algn="l"/>
             <a:r>
               <a:rPr lang="en-US" sz="6000" b="1" dirty="0" smtClean="0"/>
-              <a:t>Scope Undecided</a:t>
+              <a:t>Planning: Time</a:t>
             </a:r>
             <a:endParaRPr lang="en-US" sz="6000" b="1" dirty="0"/>
           </a:p>
@@ -7731,48 +7730,60 @@
           <a:lstStyle/>
           <a:p>
             <a:r>
-              <a:rPr lang="en-US" sz="3600" dirty="0"/>
-              <a:t>Reservations</a:t>
-            </a:r>
-          </a:p>
-          <a:p>
-            <a:r>
-              <a:rPr lang="en-US" sz="3600" dirty="0"/>
-              <a:t>Basic employee stats</a:t>
-            </a:r>
-          </a:p>
-          <a:p>
-            <a:r>
-              <a:rPr lang="en-US" sz="3600" dirty="0"/>
-              <a:t>Mobile app</a:t>
-            </a:r>
-          </a:p>
-          <a:p>
-            <a:r>
-              <a:rPr lang="en-US" sz="3600" dirty="0"/>
-              <a:t>Discounts / adjustments (</a:t>
-            </a:r>
-            <a:r>
-              <a:rPr lang="en-US" sz="3600" dirty="0" err="1"/>
-              <a:t>comping</a:t>
-            </a:r>
-            <a:r>
-              <a:rPr lang="en-US" sz="3600" dirty="0"/>
-              <a:t>)</a:t>
-            </a:r>
-          </a:p>
-          <a:p>
-            <a:r>
-              <a:rPr lang="en-US" sz="3600" dirty="0"/>
-              <a:t>Parties spanning &gt; 1 table</a:t>
-            </a:r>
+              <a:rPr lang="en-US" sz="5400" b="1" dirty="0"/>
+              <a:t>12 weeks</a:t>
+            </a:r>
+          </a:p>
+          <a:p>
+            <a:r>
+              <a:rPr lang="en-US" sz="5400" b="1" dirty="0"/>
+              <a:t>5 people</a:t>
+            </a:r>
+          </a:p>
+          <a:p>
+            <a:r>
+              <a:rPr lang="en-US" sz="5400" b="1" dirty="0" smtClean="0"/>
+              <a:t>9 </a:t>
+            </a:r>
+            <a:r>
+              <a:rPr lang="en-US" sz="5400" b="1" dirty="0"/>
+              <a:t>hours / </a:t>
+            </a:r>
+            <a:r>
+              <a:rPr lang="en-US" sz="5400" b="1" dirty="0" err="1" smtClean="0"/>
+              <a:t>person</a:t>
+            </a:r>
+            <a:r>
+              <a:rPr lang="en-US" sz="5400" b="1" dirty="0" err="1" smtClean="0">
+                <a:sym typeface="Symbol"/>
+              </a:rPr>
+              <a:t></a:t>
+            </a:r>
+            <a:r>
+              <a:rPr lang="en-US" sz="5400" b="1" dirty="0" err="1" smtClean="0"/>
+              <a:t>week</a:t>
+            </a:r>
+            <a:endParaRPr lang="en-US" sz="5400" b="1" dirty="0"/>
+          </a:p>
+          <a:p>
+            <a:r>
+              <a:rPr lang="en-US" sz="5400" b="1" dirty="0" smtClean="0"/>
+              <a:t>540 </a:t>
+            </a:r>
+            <a:r>
+              <a:rPr lang="en-US" sz="5400" b="1" dirty="0"/>
+              <a:t>hours total </a:t>
+            </a:r>
+          </a:p>
+          <a:p>
+            <a:endParaRPr lang="en-US" sz="4000" b="1" dirty="0"/>
           </a:p>
         </p:txBody>
       </p:sp>
     </p:spTree>
     <p:extLst>
       <p:ext uri="{BB962C8B-B14F-4D97-AF65-F5344CB8AC3E}">
-        <p14:creationId xmlns:p14="http://schemas.microsoft.com/office/powerpoint/2010/main" val="1528390757"/>
+        <p14:creationId xmlns:p14="http://schemas.microsoft.com/office/powerpoint/2010/main" val="23986043"/>
       </p:ext>
     </p:extLst>
   </p:cSld>
@@ -7819,480 +7830,6 @@
         <p:spPr>
           <a:xfrm>
             <a:off x="457200" y="274638"/>
-            <a:ext cx="8001000" cy="1143000"/>
-          </a:xfrm>
-        </p:spPr>
-        <p:txBody>
-          <a:bodyPr>
-            <a:normAutofit fontScale="90000"/>
-          </a:bodyPr>
-          <a:lstStyle/>
-          <a:p>
-            <a:pPr algn="l"/>
-            <a:r>
-              <a:rPr lang="en-US" sz="6000" b="1" dirty="0" smtClean="0"/>
-              <a:t>Glossary of </a:t>
-            </a:r>
-            <a:r>
-              <a:rPr lang="en-US" sz="6000" b="1" dirty="0" smtClean="0"/>
-              <a:t>Terms (Entities)</a:t>
-            </a:r>
-            <a:endParaRPr lang="en-US" sz="6000" b="1" dirty="0"/>
-          </a:p>
-        </p:txBody>
-      </p:sp>
-      <p:sp>
-        <p:nvSpPr>
-          <p:cNvPr id="3" name="Content Placeholder 2"/>
-          <p:cNvSpPr>
-            <a:spLocks noGrp="1"/>
-          </p:cNvSpPr>
-          <p:nvPr>
-            <p:ph idx="1"/>
-          </p:nvPr>
-        </p:nvSpPr>
-        <p:spPr>
-          <a:xfrm>
-            <a:off x="457200" y="1600200"/>
-            <a:ext cx="8229600" cy="4953000"/>
-          </a:xfrm>
-        </p:spPr>
-        <p:txBody>
-          <a:bodyPr>
-            <a:normAutofit/>
-          </a:bodyPr>
-          <a:lstStyle/>
-          <a:p>
-            <a:r>
-              <a:rPr lang="en-US" sz="2000" b="1" dirty="0"/>
-              <a:t>Table</a:t>
-            </a:r>
-            <a:r>
-              <a:rPr lang="en-US" sz="2000" dirty="0"/>
-              <a:t>: The physical location at which Customers sit while dining.</a:t>
-            </a:r>
-          </a:p>
-          <a:p>
-            <a:r>
-              <a:rPr lang="en-US" sz="2000" b="1" dirty="0"/>
-              <a:t>Seat</a:t>
-            </a:r>
-            <a:r>
-              <a:rPr lang="en-US" sz="2000" dirty="0"/>
-              <a:t>: A single spot at a Table, identified by number. A Customer in a Party occupies a Seat.</a:t>
-            </a:r>
-          </a:p>
-          <a:p>
-            <a:r>
-              <a:rPr lang="en-US" sz="2000" b="1" dirty="0"/>
-              <a:t>Party</a:t>
-            </a:r>
-            <a:r>
-              <a:rPr lang="en-US" sz="2000" dirty="0"/>
-              <a:t>: A set of customers sitting together and ordering for the same meal.</a:t>
-            </a:r>
-          </a:p>
-          <a:p>
-            <a:r>
-              <a:rPr lang="en-US" sz="2000" b="1" dirty="0"/>
-              <a:t>Dish</a:t>
-            </a:r>
-            <a:r>
-              <a:rPr lang="en-US" sz="2000" dirty="0"/>
-              <a:t>: A dish or drink on the menu that a customer can order.</a:t>
-            </a:r>
-          </a:p>
-          <a:p>
-            <a:r>
-              <a:rPr lang="en-US" sz="2000" b="1" dirty="0"/>
-              <a:t>Dish Type</a:t>
-            </a:r>
-            <a:r>
-              <a:rPr lang="en-US" sz="2000" dirty="0"/>
-              <a:t>: An attribute of an item. Values include, Appetizer, Main, Dessert, Drink, etc.</a:t>
-            </a:r>
-          </a:p>
-          <a:p>
-            <a:r>
-              <a:rPr lang="en-US" sz="2000" b="1" dirty="0"/>
-              <a:t>Order</a:t>
-            </a:r>
-            <a:r>
-              <a:rPr lang="en-US" sz="2000" dirty="0"/>
-              <a:t>: A set of items ordered by a customer at a seat.</a:t>
-            </a:r>
-          </a:p>
-          <a:p>
-            <a:r>
-              <a:rPr lang="en-US" sz="2000" b="1" dirty="0"/>
-              <a:t>Order Group</a:t>
-            </a:r>
-            <a:r>
-              <a:rPr lang="en-US" sz="2000" dirty="0"/>
-              <a:t>: Orders to be paid by the same payee</a:t>
-            </a:r>
-            <a:r>
-              <a:rPr lang="en-US" sz="2000" dirty="0" smtClean="0"/>
-              <a:t>.</a:t>
-            </a:r>
-          </a:p>
-          <a:p>
-            <a:r>
-              <a:rPr lang="en-US" sz="2000" b="1" dirty="0"/>
-              <a:t>Bill</a:t>
-            </a:r>
-            <a:r>
-              <a:rPr lang="en-US" sz="2000" dirty="0"/>
-              <a:t>: All Dishes belonging to an Order Group. Includes the price of each Dish and the total price.</a:t>
-            </a:r>
-          </a:p>
-          <a:p>
-            <a:endParaRPr lang="en-US" sz="2000" dirty="0"/>
-          </a:p>
-        </p:txBody>
-      </p:sp>
-    </p:spTree>
-    <p:extLst>
-      <p:ext uri="{BB962C8B-B14F-4D97-AF65-F5344CB8AC3E}">
-        <p14:creationId xmlns:p14="http://schemas.microsoft.com/office/powerpoint/2010/main" val="1700301986"/>
-      </p:ext>
-    </p:extLst>
-  </p:cSld>
-  <p:clrMapOvr>
-    <a:masterClrMapping/>
-  </p:clrMapOvr>
-  <p:timing>
-    <p:tnLst>
-      <p:par>
-        <p:cTn id="1" dur="indefinite" restart="never" nodeType="tmRoot"/>
-      </p:par>
-    </p:tnLst>
-  </p:timing>
-</p:sld>
-</file>
-
-<file path=ppt/slides/slide26.xml><?xml version="1.0" encoding="utf-8"?>
-<p:sld xmlns:a="http://schemas.openxmlformats.org/drawingml/2006/main" xmlns:r="http://schemas.openxmlformats.org/officeDocument/2006/relationships" xmlns:p="http://schemas.openxmlformats.org/presentationml/2006/main">
-  <p:cSld>
-    <p:spTree>
-      <p:nvGrpSpPr>
-        <p:cNvPr id="1" name=""/>
-        <p:cNvGrpSpPr/>
-        <p:nvPr/>
-      </p:nvGrpSpPr>
-      <p:grpSpPr>
-        <a:xfrm>
-          <a:off x="0" y="0"/>
-          <a:ext cx="0" cy="0"/>
-          <a:chOff x="0" y="0"/>
-          <a:chExt cx="0" cy="0"/>
-        </a:xfrm>
-      </p:grpSpPr>
-      <p:sp>
-        <p:nvSpPr>
-          <p:cNvPr id="2" name="Title 1"/>
-          <p:cNvSpPr>
-            <a:spLocks noGrp="1"/>
-          </p:cNvSpPr>
-          <p:nvPr>
-            <p:ph type="title"/>
-          </p:nvPr>
-        </p:nvSpPr>
-        <p:spPr>
-          <a:xfrm>
-            <a:off x="457200" y="274638"/>
-            <a:ext cx="8001000" cy="1143000"/>
-          </a:xfrm>
-        </p:spPr>
-        <p:txBody>
-          <a:bodyPr>
-            <a:normAutofit fontScale="90000"/>
-          </a:bodyPr>
-          <a:lstStyle/>
-          <a:p>
-            <a:pPr algn="l"/>
-            <a:r>
-              <a:rPr lang="en-US" sz="6000" b="1" dirty="0"/>
-              <a:t>Glossary of Terms (Entities)</a:t>
-            </a:r>
-            <a:endParaRPr lang="en-US" sz="6000" b="1" dirty="0"/>
-          </a:p>
-        </p:txBody>
-      </p:sp>
-      <p:sp>
-        <p:nvSpPr>
-          <p:cNvPr id="3" name="Content Placeholder 2"/>
-          <p:cNvSpPr>
-            <a:spLocks noGrp="1"/>
-          </p:cNvSpPr>
-          <p:nvPr>
-            <p:ph idx="1"/>
-          </p:nvPr>
-        </p:nvSpPr>
-        <p:spPr>
-          <a:xfrm>
-            <a:off x="457200" y="1600200"/>
-            <a:ext cx="8229600" cy="4953000"/>
-          </a:xfrm>
-        </p:spPr>
-        <p:txBody>
-          <a:bodyPr>
-            <a:normAutofit/>
-          </a:bodyPr>
-          <a:lstStyle/>
-          <a:p>
-            <a:r>
-              <a:rPr lang="en-US" sz="2000" b="1" dirty="0" smtClean="0"/>
-              <a:t>Order </a:t>
-            </a:r>
-            <a:r>
-              <a:rPr lang="en-US" sz="2000" b="1" dirty="0"/>
-              <a:t>Queue</a:t>
-            </a:r>
-            <a:r>
-              <a:rPr lang="en-US" sz="2000" dirty="0"/>
-              <a:t>: List of Orders, used in the kitchen to plan for orders to be prepared on a first-come first-served basis (grouped by Party and Dish Type).</a:t>
-            </a:r>
-          </a:p>
-          <a:p>
-            <a:r>
-              <a:rPr lang="en-US" sz="2000" b="1" dirty="0"/>
-              <a:t>Item Queue</a:t>
-            </a:r>
-            <a:r>
-              <a:rPr lang="en-US" sz="2000" dirty="0"/>
-              <a:t>: List of Items, used in the kitchen to plan for Items of the same Type to be ready for each seat at a table at the same time.</a:t>
-            </a:r>
-          </a:p>
-          <a:p>
-            <a:r>
-              <a:rPr lang="en-US" sz="2000" b="1" dirty="0"/>
-              <a:t>Service Queue</a:t>
-            </a:r>
-            <a:r>
-              <a:rPr lang="en-US" sz="2000" dirty="0"/>
-              <a:t>: Collection of Items of the same type ready to be delivered to a table.</a:t>
-            </a:r>
-          </a:p>
-          <a:p>
-            <a:r>
-              <a:rPr lang="en-US" sz="2000" b="1" dirty="0"/>
-              <a:t>Bus queue</a:t>
-            </a:r>
-            <a:r>
-              <a:rPr lang="en-US" sz="2000" dirty="0"/>
-              <a:t>: List of tables ready to be cleaned and prepared for new customers.</a:t>
-            </a:r>
-          </a:p>
-          <a:p>
-            <a:r>
-              <a:rPr lang="en-US" sz="2000" b="1" dirty="0"/>
-              <a:t>Table status</a:t>
-            </a:r>
-            <a:r>
-              <a:rPr lang="en-US" sz="2000" dirty="0"/>
-              <a:t>: Attribute of Tables determining next action that can be taken. Values include: occupied, bus-queue, available.</a:t>
-            </a:r>
-          </a:p>
-          <a:p>
-            <a:r>
-              <a:rPr lang="en-US" sz="2000" b="1" dirty="0"/>
-              <a:t>Discount</a:t>
-            </a:r>
-            <a:r>
-              <a:rPr lang="en-US" sz="2000" dirty="0"/>
-              <a:t>: Any action that reduces prices below those listed in the menu. Includes coupons, complimentary items, manager adjustments.</a:t>
-            </a:r>
-            <a:endParaRPr lang="en-US" sz="2000" dirty="0"/>
-          </a:p>
-        </p:txBody>
-      </p:sp>
-    </p:spTree>
-    <p:extLst>
-      <p:ext uri="{BB962C8B-B14F-4D97-AF65-F5344CB8AC3E}">
-        <p14:creationId xmlns:p14="http://schemas.microsoft.com/office/powerpoint/2010/main" val="1399126867"/>
-      </p:ext>
-    </p:extLst>
-  </p:cSld>
-  <p:clrMapOvr>
-    <a:masterClrMapping/>
-  </p:clrMapOvr>
-  <p:timing>
-    <p:tnLst>
-      <p:par>
-        <p:cTn id="1" dur="indefinite" restart="never" nodeType="tmRoot"/>
-      </p:par>
-    </p:tnLst>
-  </p:timing>
-</p:sld>
-</file>
-
-<file path=ppt/slides/slide27.xml><?xml version="1.0" encoding="utf-8"?>
-<p:sld xmlns:a="http://schemas.openxmlformats.org/drawingml/2006/main" xmlns:r="http://schemas.openxmlformats.org/officeDocument/2006/relationships" xmlns:p="http://schemas.openxmlformats.org/presentationml/2006/main">
-  <p:cSld>
-    <p:spTree>
-      <p:nvGrpSpPr>
-        <p:cNvPr id="1" name=""/>
-        <p:cNvGrpSpPr/>
-        <p:nvPr/>
-      </p:nvGrpSpPr>
-      <p:grpSpPr>
-        <a:xfrm>
-          <a:off x="0" y="0"/>
-          <a:ext cx="0" cy="0"/>
-          <a:chOff x="0" y="0"/>
-          <a:chExt cx="0" cy="0"/>
-        </a:xfrm>
-      </p:grpSpPr>
-      <p:sp>
-        <p:nvSpPr>
-          <p:cNvPr id="2" name="Title 1"/>
-          <p:cNvSpPr>
-            <a:spLocks noGrp="1"/>
-          </p:cNvSpPr>
-          <p:nvPr>
-            <p:ph type="title"/>
-          </p:nvPr>
-        </p:nvSpPr>
-        <p:spPr>
-          <a:xfrm>
-            <a:off x="457200" y="274638"/>
-            <a:ext cx="5486400" cy="1143000"/>
-          </a:xfrm>
-        </p:spPr>
-        <p:txBody>
-          <a:bodyPr>
-            <a:normAutofit/>
-          </a:bodyPr>
-          <a:lstStyle/>
-          <a:p>
-            <a:pPr algn="l"/>
-            <a:r>
-              <a:rPr lang="en-US" sz="6000" b="1" dirty="0" smtClean="0"/>
-              <a:t>Planning: Time</a:t>
-            </a:r>
-            <a:endParaRPr lang="en-US" sz="6000" b="1" dirty="0"/>
-          </a:p>
-        </p:txBody>
-      </p:sp>
-      <p:sp>
-        <p:nvSpPr>
-          <p:cNvPr id="3" name="Content Placeholder 2"/>
-          <p:cNvSpPr>
-            <a:spLocks noGrp="1"/>
-          </p:cNvSpPr>
-          <p:nvPr>
-            <p:ph idx="1"/>
-          </p:nvPr>
-        </p:nvSpPr>
-        <p:spPr/>
-        <p:txBody>
-          <a:bodyPr>
-            <a:normAutofit/>
-          </a:bodyPr>
-          <a:lstStyle/>
-          <a:p>
-            <a:r>
-              <a:rPr lang="en-US" sz="5400" b="1" dirty="0"/>
-              <a:t>12 weeks</a:t>
-            </a:r>
-          </a:p>
-          <a:p>
-            <a:r>
-              <a:rPr lang="en-US" sz="5400" b="1" dirty="0"/>
-              <a:t>5 people</a:t>
-            </a:r>
-          </a:p>
-          <a:p>
-            <a:r>
-              <a:rPr lang="en-US" sz="5400" b="1" dirty="0" smtClean="0"/>
-              <a:t>9 </a:t>
-            </a:r>
-            <a:r>
-              <a:rPr lang="en-US" sz="5400" b="1" dirty="0"/>
-              <a:t>hours / </a:t>
-            </a:r>
-            <a:r>
-              <a:rPr lang="en-US" sz="5400" b="1" dirty="0" err="1" smtClean="0"/>
-              <a:t>person</a:t>
-            </a:r>
-            <a:r>
-              <a:rPr lang="en-US" sz="5400" b="1" dirty="0" err="1" smtClean="0">
-                <a:sym typeface="Symbol"/>
-              </a:rPr>
-              <a:t></a:t>
-            </a:r>
-            <a:r>
-              <a:rPr lang="en-US" sz="5400" b="1" dirty="0" err="1" smtClean="0"/>
-              <a:t>week</a:t>
-            </a:r>
-            <a:endParaRPr lang="en-US" sz="5400" b="1" dirty="0"/>
-          </a:p>
-          <a:p>
-            <a:r>
-              <a:rPr lang="en-US" sz="5400" b="1" dirty="0" smtClean="0"/>
-              <a:t>540 </a:t>
-            </a:r>
-            <a:r>
-              <a:rPr lang="en-US" sz="5400" b="1" dirty="0"/>
-              <a:t>hours total </a:t>
-            </a:r>
-          </a:p>
-          <a:p>
-            <a:endParaRPr lang="en-US" sz="4000" b="1" dirty="0"/>
-          </a:p>
-        </p:txBody>
-      </p:sp>
-    </p:spTree>
-    <p:extLst>
-      <p:ext uri="{BB962C8B-B14F-4D97-AF65-F5344CB8AC3E}">
-        <p14:creationId xmlns:p14="http://schemas.microsoft.com/office/powerpoint/2010/main" val="774952319"/>
-      </p:ext>
-    </p:extLst>
-  </p:cSld>
-  <p:clrMapOvr>
-    <a:masterClrMapping/>
-  </p:clrMapOvr>
-  <p:timing>
-    <p:tnLst>
-      <p:par>
-        <p:cTn id="1" dur="indefinite" restart="never" nodeType="tmRoot"/>
-      </p:par>
-    </p:tnLst>
-  </p:timing>
-</p:sld>
-</file>
-
-<file path=ppt/slides/slide28.xml><?xml version="1.0" encoding="utf-8"?>
-<p:sld xmlns:a="http://schemas.openxmlformats.org/drawingml/2006/main" xmlns:r="http://schemas.openxmlformats.org/officeDocument/2006/relationships" xmlns:p="http://schemas.openxmlformats.org/presentationml/2006/main">
-  <p:cSld>
-    <p:spTree>
-      <p:nvGrpSpPr>
-        <p:cNvPr id="1" name=""/>
-        <p:cNvGrpSpPr/>
-        <p:nvPr/>
-      </p:nvGrpSpPr>
-      <p:grpSpPr>
-        <a:xfrm>
-          <a:off x="0" y="0"/>
-          <a:ext cx="0" cy="0"/>
-          <a:chOff x="0" y="0"/>
-          <a:chExt cx="0" cy="0"/>
-        </a:xfrm>
-      </p:grpSpPr>
-      <p:sp>
-        <p:nvSpPr>
-          <p:cNvPr id="2" name="Title 1"/>
-          <p:cNvSpPr>
-            <a:spLocks noGrp="1"/>
-          </p:cNvSpPr>
-          <p:nvPr>
-            <p:ph type="title"/>
-          </p:nvPr>
-        </p:nvSpPr>
-        <p:spPr>
-          <a:xfrm>
-            <a:off x="457200" y="274638"/>
             <a:ext cx="7467600" cy="1143000"/>
           </a:xfrm>
         </p:spPr>
@@ -8345,7 +7882,7 @@
           <p:nvPr>
             <p:extLst>
               <p:ext uri="{D42A27DB-BD31-4B8C-83A1-F6EECF244321}">
-                <p14:modId xmlns:p14="http://schemas.microsoft.com/office/powerpoint/2010/main" val="4020710955"/>
+                <p14:modId xmlns:p14="http://schemas.microsoft.com/office/powerpoint/2010/main" val="2306586810"/>
               </p:ext>
             </p:extLst>
           </p:nvPr>
@@ -8875,7 +8412,223 @@
     </p:spTree>
     <p:extLst>
       <p:ext uri="{BB962C8B-B14F-4D97-AF65-F5344CB8AC3E}">
-        <p14:creationId xmlns:p14="http://schemas.microsoft.com/office/powerpoint/2010/main" val="1591656869"/>
+        <p14:creationId xmlns:p14="http://schemas.microsoft.com/office/powerpoint/2010/main" val="158169468"/>
+      </p:ext>
+    </p:extLst>
+  </p:cSld>
+  <p:clrMapOvr>
+    <a:masterClrMapping/>
+  </p:clrMapOvr>
+  <p:timing>
+    <p:tnLst>
+      <p:par>
+        <p:cTn id="1" dur="indefinite" restart="never" nodeType="tmRoot"/>
+      </p:par>
+    </p:tnLst>
+  </p:timing>
+</p:sld>
+</file>
+
+<file path=ppt/slides/slide26.xml><?xml version="1.0" encoding="utf-8"?>
+<p:sld xmlns:a="http://schemas.openxmlformats.org/drawingml/2006/main" xmlns:r="http://schemas.openxmlformats.org/officeDocument/2006/relationships" xmlns:p="http://schemas.openxmlformats.org/presentationml/2006/main">
+  <p:cSld>
+    <p:spTree>
+      <p:nvGrpSpPr>
+        <p:cNvPr id="1" name=""/>
+        <p:cNvGrpSpPr/>
+        <p:nvPr/>
+      </p:nvGrpSpPr>
+      <p:grpSpPr>
+        <a:xfrm>
+          <a:off x="0" y="0"/>
+          <a:ext cx="0" cy="0"/>
+          <a:chOff x="0" y="0"/>
+          <a:chExt cx="0" cy="0"/>
+        </a:xfrm>
+      </p:grpSpPr>
+      <p:sp>
+        <p:nvSpPr>
+          <p:cNvPr id="2" name="Title 1"/>
+          <p:cNvSpPr>
+            <a:spLocks noGrp="1"/>
+          </p:cNvSpPr>
+          <p:nvPr>
+            <p:ph type="title"/>
+          </p:nvPr>
+        </p:nvSpPr>
+        <p:spPr>
+          <a:xfrm>
+            <a:off x="457200" y="274638"/>
+            <a:ext cx="5486400" cy="1143000"/>
+          </a:xfrm>
+        </p:spPr>
+        <p:txBody>
+          <a:bodyPr>
+            <a:normAutofit fontScale="90000"/>
+          </a:bodyPr>
+          <a:lstStyle/>
+          <a:p>
+            <a:pPr algn="l"/>
+            <a:r>
+              <a:rPr lang="en-US" sz="6000" b="1" dirty="0" smtClean="0"/>
+              <a:t>Glossary of Terms</a:t>
+            </a:r>
+            <a:endParaRPr lang="en-US" sz="6000" b="1" dirty="0"/>
+          </a:p>
+        </p:txBody>
+      </p:sp>
+      <p:sp>
+        <p:nvSpPr>
+          <p:cNvPr id="3" name="Content Placeholder 2"/>
+          <p:cNvSpPr>
+            <a:spLocks noGrp="1"/>
+          </p:cNvSpPr>
+          <p:nvPr>
+            <p:ph idx="1"/>
+          </p:nvPr>
+        </p:nvSpPr>
+        <p:spPr>
+          <a:xfrm>
+            <a:off x="457200" y="1600200"/>
+            <a:ext cx="8229600" cy="4953000"/>
+          </a:xfrm>
+        </p:spPr>
+        <p:txBody>
+          <a:bodyPr>
+            <a:normAutofit fontScale="47500" lnSpcReduction="20000"/>
+          </a:bodyPr>
+          <a:lstStyle/>
+          <a:p>
+            <a:r>
+              <a:rPr lang="en-US" sz="4000" b="1" dirty="0"/>
+              <a:t>Table</a:t>
+            </a:r>
+            <a:r>
+              <a:rPr lang="en-US" sz="4000" dirty="0"/>
+              <a:t>: A set of customers sitting together and ordering for the same meal.</a:t>
+            </a:r>
+          </a:p>
+          <a:p>
+            <a:r>
+              <a:rPr lang="en-US" sz="4000" b="1" dirty="0"/>
+              <a:t>Seat</a:t>
+            </a:r>
+            <a:r>
+              <a:rPr lang="en-US" sz="4000" dirty="0"/>
+              <a:t>: A single person at a table, identified by number.</a:t>
+            </a:r>
+          </a:p>
+          <a:p>
+            <a:r>
+              <a:rPr lang="en-US" sz="4000" b="1" dirty="0"/>
+              <a:t>Item</a:t>
+            </a:r>
+            <a:r>
+              <a:rPr lang="en-US" sz="4000" dirty="0"/>
+              <a:t>: A dish or drink on the menu that a customer can order.</a:t>
+            </a:r>
+          </a:p>
+          <a:p>
+            <a:r>
+              <a:rPr lang="en-US" sz="4000" b="1" dirty="0"/>
+              <a:t>Item Type</a:t>
+            </a:r>
+            <a:r>
+              <a:rPr lang="en-US" sz="4000" dirty="0"/>
+              <a:t>: An attribute of an item. Values include, Appetizer, Main, Dessert, Drink, etc.</a:t>
+            </a:r>
+          </a:p>
+          <a:p>
+            <a:r>
+              <a:rPr lang="en-US" sz="4000" b="1" dirty="0"/>
+              <a:t>Order</a:t>
+            </a:r>
+            <a:r>
+              <a:rPr lang="en-US" sz="4000" dirty="0"/>
+              <a:t>: A set of items ordered by a customer at a seat.</a:t>
+            </a:r>
+          </a:p>
+          <a:p>
+            <a:r>
+              <a:rPr lang="en-US" sz="4000" b="1" dirty="0"/>
+              <a:t>Order Group</a:t>
+            </a:r>
+            <a:r>
+              <a:rPr lang="en-US" sz="4000" dirty="0"/>
+              <a:t>: Orders to be paid by the same payee.</a:t>
+            </a:r>
+          </a:p>
+          <a:p>
+            <a:r>
+              <a:rPr lang="en-US" sz="4000" b="1" dirty="0"/>
+              <a:t>Bill</a:t>
+            </a:r>
+            <a:r>
+              <a:rPr lang="en-US" sz="4000" dirty="0"/>
+              <a:t>: All Items belonging to a table, includes the price of each Item and the total price.</a:t>
+            </a:r>
+          </a:p>
+          <a:p>
+            <a:r>
+              <a:rPr lang="en-US" sz="4000" b="1" dirty="0"/>
+              <a:t>Order Queue</a:t>
+            </a:r>
+            <a:r>
+              <a:rPr lang="en-US" sz="4000" dirty="0"/>
+              <a:t>: List of Orders, used in the kitchen to plan for orders to be prepared on a first-come first-served basis (grouped by Bill).</a:t>
+            </a:r>
+          </a:p>
+          <a:p>
+            <a:r>
+              <a:rPr lang="en-US" sz="4000" b="1" dirty="0"/>
+              <a:t>Item Queue</a:t>
+            </a:r>
+            <a:r>
+              <a:rPr lang="en-US" sz="4000" dirty="0"/>
+              <a:t>: List of Items, used in the kitchen to plan for Items of the same Type to be ready for each seat at a table at the same time.</a:t>
+            </a:r>
+          </a:p>
+          <a:p>
+            <a:r>
+              <a:rPr lang="en-US" sz="4000" b="1" dirty="0"/>
+              <a:t>Service Queue</a:t>
+            </a:r>
+            <a:r>
+              <a:rPr lang="en-US" sz="4000" dirty="0"/>
+              <a:t>: Collection of Items of the same type ready to be delivered to a table.</a:t>
+            </a:r>
+          </a:p>
+          <a:p>
+            <a:r>
+              <a:rPr lang="en-US" sz="4000" b="1" dirty="0"/>
+              <a:t>Bus queue</a:t>
+            </a:r>
+            <a:r>
+              <a:rPr lang="en-US" sz="4000" dirty="0"/>
+              <a:t>: List of tables ready to be cleaned and prepared for new customers.</a:t>
+            </a:r>
+          </a:p>
+          <a:p>
+            <a:r>
+              <a:rPr lang="en-US" sz="4000" b="1" dirty="0"/>
+              <a:t>Table status</a:t>
+            </a:r>
+            <a:r>
+              <a:rPr lang="en-US" sz="4000" dirty="0"/>
+              <a:t>: Attribute of Tables determining next action that can be taken. Values include: occupied, bus-queue, available</a:t>
+            </a:r>
+            <a:r>
+              <a:rPr lang="en-US" sz="4000" dirty="0" smtClean="0"/>
+              <a:t>.</a:t>
+            </a:r>
+            <a:endParaRPr lang="en-US" sz="4000" dirty="0"/>
+          </a:p>
+        </p:txBody>
+      </p:sp>
+    </p:spTree>
+    <p:extLst>
+      <p:ext uri="{BB962C8B-B14F-4D97-AF65-F5344CB8AC3E}">
+        <p14:creationId xmlns:p14="http://schemas.microsoft.com/office/powerpoint/2010/main" val="822662854"/>
       </p:ext>
     </p:extLst>
   </p:cSld>
@@ -8909,45 +8662,150 @@
           <a:chExt cx="0" cy="0"/>
         </a:xfrm>
       </p:grpSpPr>
-      <p:pic>
-        <p:nvPicPr>
-          <p:cNvPr id="4" name="Content Placeholder 3"/>
-          <p:cNvPicPr>
-            <a:picLocks noGrp="1" noChangeAspect="1"/>
-          </p:cNvPicPr>
-          <p:nvPr>
-            <p:ph idx="1"/>
-          </p:nvPr>
-        </p:nvPicPr>
-        <p:blipFill>
-          <a:blip r:embed="rId2">
-            <a:extLst>
-              <a:ext uri="{28A0092B-C50C-407E-A947-70E740481C1C}">
-                <a14:useLocalDpi xmlns:a14="http://schemas.microsoft.com/office/drawing/2010/main" val="0"/>
-              </a:ext>
-            </a:extLst>
-          </a:blip>
-          <a:stretch>
-            <a:fillRect/>
-          </a:stretch>
-        </p:blipFill>
+      <p:sp>
+        <p:nvSpPr>
+          <p:cNvPr id="2" name="Title 1"/>
+          <p:cNvSpPr>
+            <a:spLocks noGrp="1"/>
+          </p:cNvSpPr>
+          <p:nvPr>
+            <p:ph type="title"/>
+          </p:nvPr>
+        </p:nvSpPr>
         <p:spPr>
           <a:xfrm>
-            <a:off x="1066800" y="1185389"/>
-            <a:ext cx="6776933" cy="4453411"/>
+            <a:off x="685800" y="304800"/>
+            <a:ext cx="3886200" cy="725214"/>
           </a:xfrm>
         </p:spPr>
-      </p:pic>
+        <p:txBody>
+          <a:bodyPr>
+            <a:noAutofit/>
+          </a:bodyPr>
+          <a:lstStyle/>
+          <a:p>
+            <a:pPr algn="l"/>
+            <a:r>
+              <a:rPr lang="en-US" sz="6000" b="1" dirty="0" smtClean="0"/>
+              <a:t>Vision</a:t>
+            </a:r>
+            <a:endParaRPr lang="en-US" sz="6000" b="1" dirty="0"/>
+          </a:p>
+        </p:txBody>
+      </p:sp>
+      <p:sp>
+        <p:nvSpPr>
+          <p:cNvPr id="3" name="Content Placeholder 2"/>
+          <p:cNvSpPr>
+            <a:spLocks noGrp="1"/>
+          </p:cNvSpPr>
+          <p:nvPr>
+            <p:ph idx="1"/>
+          </p:nvPr>
+        </p:nvSpPr>
+        <p:spPr>
+          <a:xfrm>
+            <a:off x="23648" y="1295400"/>
+            <a:ext cx="8763000" cy="5257800"/>
+          </a:xfrm>
+        </p:spPr>
+        <p:txBody>
+          <a:bodyPr>
+            <a:noAutofit/>
+          </a:bodyPr>
+          <a:lstStyle/>
+          <a:p>
+            <a:pPr marL="0" indent="0">
+              <a:buNone/>
+            </a:pPr>
+            <a:r>
+              <a:rPr lang="en-US" dirty="0" smtClean="0"/>
+              <a:t>A </a:t>
+            </a:r>
+            <a:r>
+              <a:rPr lang="en-US" b="1" dirty="0"/>
+              <a:t>restaurant management application </a:t>
+            </a:r>
+            <a:r>
+              <a:rPr lang="en-US" dirty="0"/>
+              <a:t>used </a:t>
+            </a:r>
+            <a:r>
+              <a:rPr lang="en-US" dirty="0" smtClean="0"/>
+              <a:t>to:</a:t>
+            </a:r>
+            <a:endParaRPr lang="en-US" dirty="0"/>
+          </a:p>
+          <a:p>
+            <a:r>
+              <a:rPr lang="en-US" dirty="0"/>
+              <a:t>Enter, track, and delegate food and drink orders</a:t>
+            </a:r>
+          </a:p>
+          <a:p>
+            <a:r>
+              <a:rPr lang="en-US" dirty="0"/>
+              <a:t>Enter and track table statuses and reservations</a:t>
+            </a:r>
+          </a:p>
+          <a:p>
+            <a:r>
+              <a:rPr lang="en-US" dirty="0"/>
+              <a:t>Prioritize orders in the kitchen according to arrival of orders and required prep times</a:t>
+            </a:r>
+          </a:p>
+          <a:p>
+            <a:r>
+              <a:rPr lang="en-US" dirty="0"/>
+              <a:t>Handle billing</a:t>
+            </a:r>
+          </a:p>
+          <a:p>
+            <a:r>
+              <a:rPr lang="en-US" dirty="0" smtClean="0"/>
+              <a:t>We </a:t>
+            </a:r>
+            <a:r>
+              <a:rPr lang="en-US" dirty="0"/>
+              <a:t>envision this as a </a:t>
+            </a:r>
+            <a:r>
+              <a:rPr lang="en-US" dirty="0" smtClean="0"/>
+              <a:t>web </a:t>
+            </a:r>
+            <a:r>
+              <a:rPr lang="en-US" dirty="0"/>
+              <a:t>application which may be adapted to Android if time allows.</a:t>
+            </a:r>
+          </a:p>
+          <a:p>
+            <a:pPr marL="0" indent="0">
+              <a:spcBef>
+                <a:spcPts val="0"/>
+              </a:spcBef>
+              <a:buNone/>
+            </a:pPr>
+            <a:endParaRPr lang="en-GB" sz="3600" b="1" dirty="0" smtClean="0"/>
+          </a:p>
+        </p:txBody>
+      </p:sp>
     </p:spTree>
     <p:extLst>
       <p:ext uri="{BB962C8B-B14F-4D97-AF65-F5344CB8AC3E}">
-        <p14:creationId xmlns:p14="http://schemas.microsoft.com/office/powerpoint/2010/main" val="965326574"/>
+        <p14:creationId xmlns:p14="http://schemas.microsoft.com/office/powerpoint/2010/main" val="4103635040"/>
       </p:ext>
     </p:extLst>
   </p:cSld>
   <p:clrMapOvr>
     <a:masterClrMapping/>
   </p:clrMapOvr>
+  <p:timing>
+    <p:tnLst>
+      <p:par>
+        <p:cTn id="1" dur="indefinite" restart="never" nodeType="tmRoot"/>
+      </p:par>
+    </p:tnLst>
+  </p:timing>
 </p:sld>
 </file>
 
@@ -8981,7 +8839,7 @@
         <p:spPr>
           <a:xfrm>
             <a:off x="685800" y="304800"/>
-            <a:ext cx="3886200" cy="725214"/>
+            <a:ext cx="5562600" cy="725214"/>
           </a:xfrm>
         </p:spPr>
         <p:txBody>
@@ -8993,7 +8851,7 @@
             <a:pPr algn="l"/>
             <a:r>
               <a:rPr lang="en-US" sz="6000" b="1" dirty="0" smtClean="0"/>
-              <a:t>Vision</a:t>
+              <a:t>Business Case</a:t>
             </a:r>
             <a:endParaRPr lang="en-US" sz="6000" b="1" dirty="0"/>
           </a:p>
@@ -9012,7 +8870,7 @@
         <p:spPr>
           <a:xfrm>
             <a:off x="23648" y="1295400"/>
-            <a:ext cx="8763000" cy="5257800"/>
+            <a:ext cx="8763000" cy="3352800"/>
           </a:xfrm>
         </p:spPr>
         <p:txBody>
@@ -9021,67 +8879,26 @@
           </a:bodyPr>
           <a:lstStyle/>
           <a:p>
-            <a:pPr marL="0" indent="0">
-              <a:buNone/>
+            <a:pPr>
+              <a:spcBef>
+                <a:spcPts val="0"/>
+              </a:spcBef>
             </a:pPr>
             <a:r>
-              <a:rPr lang="en-US" dirty="0" smtClean="0"/>
-              <a:t>A </a:t>
-            </a:r>
-            <a:r>
-              <a:rPr lang="en-US" b="1" dirty="0"/>
-              <a:t>restaurant management application </a:t>
-            </a:r>
-            <a:r>
-              <a:rPr lang="en-US" dirty="0"/>
-              <a:t>used </a:t>
-            </a:r>
-            <a:r>
-              <a:rPr lang="en-US" dirty="0" smtClean="0"/>
-              <a:t>to:</a:t>
-            </a:r>
-            <a:endParaRPr lang="en-US" dirty="0"/>
-          </a:p>
-          <a:p>
-            <a:r>
-              <a:rPr lang="en-US" dirty="0"/>
-              <a:t>Enter, track, and delegate food and drink orders</a:t>
-            </a:r>
-          </a:p>
-          <a:p>
-            <a:r>
-              <a:rPr lang="en-US" dirty="0"/>
-              <a:t>Enter and track table statuses and reservations</a:t>
-            </a:r>
-          </a:p>
-          <a:p>
-            <a:r>
-              <a:rPr lang="en-US" dirty="0"/>
-              <a:t>Prioritize orders in the kitchen according to arrival of orders and required prep times</a:t>
-            </a:r>
-          </a:p>
-          <a:p>
-            <a:r>
-              <a:rPr lang="en-US" dirty="0"/>
-              <a:t>Handle billing</a:t>
-            </a:r>
-          </a:p>
-          <a:p>
-            <a:r>
-              <a:rPr lang="en-US" dirty="0" smtClean="0"/>
-              <a:t>We </a:t>
-            </a:r>
-            <a:r>
-              <a:rPr lang="en-US" dirty="0"/>
-              <a:t>envision this as a </a:t>
-            </a:r>
-            <a:r>
-              <a:rPr lang="en-US" dirty="0" smtClean="0"/>
-              <a:t>web </a:t>
-            </a:r>
-            <a:r>
-              <a:rPr lang="en-US" dirty="0"/>
-              <a:t>application which may be adapted to Android if time allows.</a:t>
+              <a:rPr lang="en-GB" sz="3600" b="1" dirty="0"/>
+              <a:t>Restaurants are </a:t>
+            </a:r>
+            <a:r>
+              <a:rPr lang="en-GB" sz="3600" b="1" dirty="0" smtClean="0"/>
+              <a:t>busy environments and inefficiencies can result in business failure </a:t>
+            </a:r>
+            <a:r>
+              <a:rPr lang="en-GB" sz="3600" b="1" dirty="0"/>
+              <a:t>even </a:t>
+            </a:r>
+            <a:r>
+              <a:rPr lang="en-GB" sz="3600" b="1" dirty="0" smtClean="0"/>
+              <a:t>if the food is great. </a:t>
             </a:r>
           </a:p>
           <a:p>
@@ -9093,12 +8910,23 @@
             </a:pPr>
             <a:endParaRPr lang="en-GB" sz="3600" b="1" dirty="0" smtClean="0"/>
           </a:p>
+          <a:p>
+            <a:pPr>
+              <a:spcBef>
+                <a:spcPts val="0"/>
+              </a:spcBef>
+            </a:pPr>
+            <a:r>
+              <a:rPr lang="en-GB" sz="3600" b="1" dirty="0" smtClean="0"/>
+              <a:t>Effective coordination of personnel and resources is key to timely service and customer satisfaction.</a:t>
+            </a:r>
+          </a:p>
         </p:txBody>
       </p:sp>
     </p:spTree>
     <p:extLst>
       <p:ext uri="{BB962C8B-B14F-4D97-AF65-F5344CB8AC3E}">
-        <p14:creationId xmlns:p14="http://schemas.microsoft.com/office/powerpoint/2010/main" val="1782274068"/>
+        <p14:creationId xmlns:p14="http://schemas.microsoft.com/office/powerpoint/2010/main" val="3324145256"/>
       </p:ext>
     </p:extLst>
   </p:cSld>
@@ -9144,13 +8972,13 @@
         </p:nvSpPr>
         <p:spPr>
           <a:xfrm>
-            <a:off x="685800" y="304800"/>
-            <a:ext cx="5562600" cy="725214"/>
+            <a:off x="457200" y="274638"/>
+            <a:ext cx="5486400" cy="1143000"/>
           </a:xfrm>
         </p:spPr>
         <p:txBody>
           <a:bodyPr>
-            <a:noAutofit/>
+            <a:normAutofit/>
           </a:bodyPr>
           <a:lstStyle/>
           <a:p>
@@ -9173,58 +9001,44 @@
             <p:ph idx="1"/>
           </p:nvPr>
         </p:nvSpPr>
-        <p:spPr>
-          <a:xfrm>
-            <a:off x="23648" y="1295400"/>
-            <a:ext cx="8763000" cy="3352800"/>
-          </a:xfrm>
-        </p:spPr>
+        <p:spPr/>
         <p:txBody>
           <a:bodyPr>
-            <a:noAutofit/>
+            <a:normAutofit/>
           </a:bodyPr>
           <a:lstStyle/>
           <a:p>
-            <a:pPr>
-              <a:spcBef>
-                <a:spcPts val="0"/>
-              </a:spcBef>
-            </a:pPr>
-            <a:r>
-              <a:rPr lang="en-GB" sz="3600" b="1" dirty="0"/>
-              <a:t>Restaurants are </a:t>
-            </a:r>
-            <a:r>
-              <a:rPr lang="en-GB" sz="3600" b="1" dirty="0" smtClean="0"/>
-              <a:t>busy environments and inefficiencies can result in business failure </a:t>
-            </a:r>
-            <a:r>
-              <a:rPr lang="en-GB" sz="3600" b="1" dirty="0"/>
-              <a:t>even </a:t>
-            </a:r>
-            <a:r>
-              <a:rPr lang="en-GB" sz="3600" b="1" dirty="0" smtClean="0"/>
-              <a:t>if the food is great. </a:t>
-            </a:r>
-          </a:p>
-          <a:p>
             <a:pPr marL="0" indent="0">
-              <a:spcBef>
-                <a:spcPts val="0"/>
-              </a:spcBef>
               <a:buNone/>
             </a:pPr>
-            <a:endParaRPr lang="en-GB" sz="3600" b="1" dirty="0" smtClean="0"/>
-          </a:p>
-          <a:p>
-            <a:pPr>
-              <a:spcBef>
-                <a:spcPts val="0"/>
-              </a:spcBef>
-            </a:pPr>
-            <a:r>
-              <a:rPr lang="en-GB" sz="3600" b="1" dirty="0" smtClean="0"/>
-              <a:t>Effective coordination of personnel and resources is key to timely service and customer satisfaction.</a:t>
+            <a:r>
+              <a:rPr lang="en-GB" sz="4000" b="1" dirty="0" smtClean="0"/>
+              <a:t>Boost business by </a:t>
+            </a:r>
+          </a:p>
+          <a:p>
+            <a:r>
+              <a:rPr lang="en-GB" sz="4000" b="1" dirty="0" smtClean="0"/>
+              <a:t>Making waiting times smaller and more predictable</a:t>
+            </a:r>
+          </a:p>
+          <a:p>
+            <a:r>
+              <a:rPr lang="en-GB" sz="4000" b="1" dirty="0" smtClean="0"/>
+              <a:t>Maximizing customer throughput</a:t>
+            </a:r>
+            <a:endParaRPr lang="en-GB" sz="4000" b="1" dirty="0"/>
+          </a:p>
+          <a:p>
+            <a:r>
+              <a:rPr lang="en-GB" sz="4000" b="1" dirty="0" smtClean="0"/>
+              <a:t>Maximizing employee efficiency</a:t>
+            </a:r>
+          </a:p>
+          <a:p>
+            <a:r>
+              <a:rPr lang="en-GB" sz="4000" b="1" dirty="0" smtClean="0"/>
+              <a:t>Increasing customer satisfaction</a:t>
             </a:r>
           </a:p>
         </p:txBody>
@@ -9232,7 +9046,7 @@
     </p:spTree>
     <p:extLst>
       <p:ext uri="{BB962C8B-B14F-4D97-AF65-F5344CB8AC3E}">
-        <p14:creationId xmlns:p14="http://schemas.microsoft.com/office/powerpoint/2010/main" val="547735297"/>
+        <p14:creationId xmlns:p14="http://schemas.microsoft.com/office/powerpoint/2010/main" val="3169704658"/>
       </p:ext>
     </p:extLst>
   </p:cSld>
@@ -9278,8 +9092,8 @@
         </p:nvSpPr>
         <p:spPr>
           <a:xfrm>
-            <a:off x="457200" y="274638"/>
-            <a:ext cx="5486400" cy="1143000"/>
+            <a:off x="762000" y="152400"/>
+            <a:ext cx="4572000" cy="1096962"/>
           </a:xfrm>
         </p:spPr>
         <p:txBody>
@@ -9291,68 +9105,140 @@
             <a:pPr algn="l"/>
             <a:r>
               <a:rPr lang="en-US" sz="6000" b="1" dirty="0" smtClean="0"/>
-              <a:t>Business Case</a:t>
+              <a:t>Actors</a:t>
             </a:r>
             <a:endParaRPr lang="en-US" sz="6000" b="1" dirty="0"/>
           </a:p>
         </p:txBody>
       </p:sp>
-      <p:sp>
-        <p:nvSpPr>
-          <p:cNvPr id="3" name="Content Placeholder 2"/>
-          <p:cNvSpPr>
-            <a:spLocks noGrp="1"/>
-          </p:cNvSpPr>
-          <p:nvPr>
-            <p:ph idx="1"/>
-          </p:nvPr>
-        </p:nvSpPr>
-        <p:spPr/>
-        <p:txBody>
-          <a:bodyPr>
-            <a:normAutofit/>
+      <p:pic>
+        <p:nvPicPr>
+          <p:cNvPr id="3" name="Picture 2"/>
+          <p:cNvPicPr>
+            <a:picLocks noChangeAspect="1"/>
+          </p:cNvPicPr>
+          <p:nvPr/>
+        </p:nvPicPr>
+        <p:blipFill>
+          <a:blip r:embed="rId2">
+            <a:extLst>
+              <a:ext uri="{28A0092B-C50C-407E-A947-70E740481C1C}">
+                <a14:useLocalDpi xmlns:a14="http://schemas.microsoft.com/office/drawing/2010/main" val="0"/>
+              </a:ext>
+            </a:extLst>
+          </a:blip>
+          <a:stretch>
+            <a:fillRect/>
+          </a:stretch>
+        </p:blipFill>
+        <p:spPr>
+          <a:xfrm>
+            <a:off x="3048000" y="1249362"/>
+            <a:ext cx="5809524" cy="5333333"/>
+          </a:xfrm>
+          <a:prstGeom prst="rect">
+            <a:avLst/>
+          </a:prstGeom>
+        </p:spPr>
+      </p:pic>
+      <p:sp>
+        <p:nvSpPr>
+          <p:cNvPr id="5" name="TextBox 4"/>
+          <p:cNvSpPr txBox="1"/>
+          <p:nvPr/>
+        </p:nvSpPr>
+        <p:spPr>
+          <a:xfrm>
+            <a:off x="304800" y="1371600"/>
+            <a:ext cx="2514600" cy="4524315"/>
+          </a:xfrm>
+          <a:prstGeom prst="rect">
+            <a:avLst/>
+          </a:prstGeom>
+          <a:noFill/>
+        </p:spPr>
+        <p:txBody>
+          <a:bodyPr wrap="square" rtlCol="0">
+            <a:spAutoFit/>
           </a:bodyPr>
           <a:lstStyle/>
           <a:p>
-            <a:pPr marL="0" indent="0">
-              <a:buNone/>
+            <a:pPr marL="285750" indent="-285750">
+              <a:buFont typeface="Arial" panose="020B0604020202020204" pitchFamily="34" charset="0"/>
+              <a:buChar char="•"/>
             </a:pPr>
             <a:r>
-              <a:rPr lang="en-GB" sz="4000" b="1" dirty="0" smtClean="0"/>
-              <a:t>Boost business by </a:t>
-            </a:r>
-          </a:p>
-          <a:p>
-            <a:r>
-              <a:rPr lang="en-GB" sz="4000" b="1" dirty="0" smtClean="0"/>
-              <a:t>Making waiting times smaller and more predictable</a:t>
-            </a:r>
-          </a:p>
-          <a:p>
-            <a:r>
-              <a:rPr lang="en-GB" sz="4000" b="1" dirty="0" smtClean="0"/>
-              <a:t>Maximizing customer throughput</a:t>
-            </a:r>
-            <a:endParaRPr lang="en-GB" sz="4000" b="1" dirty="0"/>
-          </a:p>
-          <a:p>
-            <a:r>
-              <a:rPr lang="en-GB" sz="4000" b="1" dirty="0" smtClean="0"/>
-              <a:t>Maximizing employee efficiency</a:t>
-            </a:r>
-          </a:p>
-          <a:p>
-            <a:r>
-              <a:rPr lang="en-GB" sz="4000" b="1" dirty="0" smtClean="0"/>
-              <a:t>Increasing customer satisfaction</a:t>
-            </a:r>
+              <a:rPr lang="en-US" sz="3600" dirty="0" smtClean="0"/>
+              <a:t>Waiter</a:t>
+            </a:r>
+          </a:p>
+          <a:p>
+            <a:pPr marL="285750" indent="-285750">
+              <a:buFont typeface="Arial" panose="020B0604020202020204" pitchFamily="34" charset="0"/>
+              <a:buChar char="•"/>
+            </a:pPr>
+            <a:r>
+              <a:rPr lang="en-US" sz="3600" dirty="0" smtClean="0"/>
+              <a:t>Kitchen Staff</a:t>
+            </a:r>
+          </a:p>
+          <a:p>
+            <a:pPr marL="285750" indent="-285750">
+              <a:buFont typeface="Arial" panose="020B0604020202020204" pitchFamily="34" charset="0"/>
+              <a:buChar char="•"/>
+            </a:pPr>
+            <a:r>
+              <a:rPr lang="en-US" sz="3600" dirty="0" smtClean="0"/>
+              <a:t>Hostess</a:t>
+            </a:r>
+          </a:p>
+          <a:p>
+            <a:pPr marL="285750" indent="-285750">
+              <a:buFont typeface="Arial" panose="020B0604020202020204" pitchFamily="34" charset="0"/>
+              <a:buChar char="•"/>
+            </a:pPr>
+            <a:r>
+              <a:rPr lang="en-US" sz="3600" dirty="0" smtClean="0"/>
+              <a:t>Customer</a:t>
+            </a:r>
+          </a:p>
+          <a:p>
+            <a:pPr marL="285750" indent="-285750">
+              <a:buFont typeface="Arial" panose="020B0604020202020204" pitchFamily="34" charset="0"/>
+              <a:buChar char="•"/>
+            </a:pPr>
+            <a:r>
+              <a:rPr lang="en-US" sz="3600" dirty="0" smtClean="0"/>
+              <a:t>Busboy</a:t>
+            </a:r>
+          </a:p>
+          <a:p>
+            <a:pPr marL="285750" indent="-285750">
+              <a:buFont typeface="Arial" panose="020B0604020202020204" pitchFamily="34" charset="0"/>
+              <a:buChar char="•"/>
+            </a:pPr>
+            <a:r>
+              <a:rPr lang="en-US" sz="3600" dirty="0" smtClean="0"/>
+              <a:t>Bartender</a:t>
+            </a:r>
+          </a:p>
+          <a:p>
+            <a:pPr marL="285750" indent="-285750">
+              <a:buFont typeface="Arial" panose="020B0604020202020204" pitchFamily="34" charset="0"/>
+              <a:buChar char="•"/>
+            </a:pPr>
+            <a:r>
+              <a:rPr lang="en-US" sz="3600" dirty="0" smtClean="0"/>
+              <a:t>Manager</a:t>
+            </a:r>
+            <a:endParaRPr lang="en-US" sz="3600" dirty="0"/>
           </a:p>
         </p:txBody>
       </p:sp>
     </p:spTree>
     <p:extLst>
       <p:ext uri="{BB962C8B-B14F-4D97-AF65-F5344CB8AC3E}">
-        <p14:creationId xmlns:p14="http://schemas.microsoft.com/office/powerpoint/2010/main" val="2617764532"/>
+        <p14:creationId xmlns:p14="http://schemas.microsoft.com/office/powerpoint/2010/main" val="3137227738"/>
       </p:ext>
     </p:extLst>
   </p:cSld>
@@ -9398,8 +9284,8 @@
         </p:nvSpPr>
         <p:spPr>
           <a:xfrm>
-            <a:off x="762000" y="152400"/>
-            <a:ext cx="4572000" cy="1096962"/>
+            <a:off x="381000" y="-36786"/>
+            <a:ext cx="4876800" cy="1030014"/>
           </a:xfrm>
         </p:spPr>
         <p:txBody>
@@ -9411,7 +9297,11 @@
             <a:pPr algn="l"/>
             <a:r>
               <a:rPr lang="en-US" sz="6000" b="1" dirty="0" smtClean="0"/>
-              <a:t>Actors</a:t>
+              <a:t>Goals:  </a:t>
+            </a:r>
+            <a:r>
+              <a:rPr lang="en-US" sz="6000" b="1" dirty="0" smtClean="0"/>
+              <a:t>Waiter</a:t>
             </a:r>
             <a:endParaRPr lang="en-US" sz="6000" b="1" dirty="0"/>
           </a:p>
@@ -9419,132 +9309,101 @@
       </p:sp>
       <p:sp>
         <p:nvSpPr>
-          <p:cNvPr id="5" name="TextBox 4"/>
-          <p:cNvSpPr txBox="1"/>
-          <p:nvPr/>
+          <p:cNvPr id="3" name="Content Placeholder 2"/>
+          <p:cNvSpPr>
+            <a:spLocks noGrp="1"/>
+          </p:cNvSpPr>
+          <p:nvPr>
+            <p:ph idx="1"/>
+          </p:nvPr>
         </p:nvSpPr>
         <p:spPr>
           <a:xfrm>
-            <a:off x="304800" y="1371600"/>
-            <a:ext cx="2514600" cy="4524315"/>
+            <a:off x="496614" y="1143000"/>
+            <a:ext cx="8610600" cy="5181600"/>
           </a:xfrm>
-          <a:prstGeom prst="rect">
-            <a:avLst/>
-          </a:prstGeom>
-          <a:noFill/>
         </p:spPr>
         <p:txBody>
-          <a:bodyPr wrap="square" rtlCol="0">
-            <a:spAutoFit/>
+          <a:bodyPr>
+            <a:normAutofit fontScale="70000" lnSpcReduction="20000"/>
           </a:bodyPr>
           <a:lstStyle/>
           <a:p>
-            <a:pPr marL="285750" indent="-285750">
-              <a:buFont typeface="Arial" panose="020B0604020202020204" pitchFamily="34" charset="0"/>
-              <a:buChar char="•"/>
-            </a:pPr>
-            <a:r>
-              <a:rPr lang="en-US" sz="3600" dirty="0" smtClean="0"/>
-              <a:t>Waiter</a:t>
-            </a:r>
-          </a:p>
-          <a:p>
-            <a:pPr marL="285750" indent="-285750">
-              <a:buFont typeface="Arial" panose="020B0604020202020204" pitchFamily="34" charset="0"/>
-              <a:buChar char="•"/>
-            </a:pPr>
-            <a:r>
-              <a:rPr lang="en-US" sz="3600" dirty="0" smtClean="0"/>
-              <a:t>Kitchen Staff</a:t>
-            </a:r>
-          </a:p>
-          <a:p>
-            <a:pPr marL="285750" indent="-285750">
-              <a:buFont typeface="Arial" panose="020B0604020202020204" pitchFamily="34" charset="0"/>
-              <a:buChar char="•"/>
-            </a:pPr>
-            <a:r>
-              <a:rPr lang="en-US" sz="3600" dirty="0" smtClean="0"/>
-              <a:t>Hostess</a:t>
-            </a:r>
-          </a:p>
-          <a:p>
-            <a:pPr marL="285750" indent="-285750">
-              <a:buFont typeface="Arial" panose="020B0604020202020204" pitchFamily="34" charset="0"/>
-              <a:buChar char="•"/>
-            </a:pPr>
-            <a:r>
-              <a:rPr lang="en-US" sz="3600" dirty="0" smtClean="0"/>
-              <a:t>Customer</a:t>
-            </a:r>
-          </a:p>
-          <a:p>
-            <a:pPr marL="285750" indent="-285750">
-              <a:buFont typeface="Arial" panose="020B0604020202020204" pitchFamily="34" charset="0"/>
-              <a:buChar char="•"/>
-            </a:pPr>
-            <a:r>
-              <a:rPr lang="en-US" sz="3600" dirty="0" smtClean="0"/>
-              <a:t>Busboy</a:t>
-            </a:r>
-          </a:p>
-          <a:p>
-            <a:pPr marL="285750" indent="-285750">
-              <a:buFont typeface="Arial" panose="020B0604020202020204" pitchFamily="34" charset="0"/>
-              <a:buChar char="•"/>
-            </a:pPr>
-            <a:r>
-              <a:rPr lang="en-US" sz="3600" dirty="0" smtClean="0"/>
-              <a:t>Bartender</a:t>
-            </a:r>
-          </a:p>
-          <a:p>
-            <a:pPr marL="285750" indent="-285750">
-              <a:buFont typeface="Arial" panose="020B0604020202020204" pitchFamily="34" charset="0"/>
-              <a:buChar char="•"/>
-            </a:pPr>
-            <a:r>
-              <a:rPr lang="en-US" sz="3600" dirty="0" smtClean="0"/>
-              <a:t>Manager</a:t>
-            </a:r>
-            <a:endParaRPr lang="en-US" sz="3600" dirty="0"/>
-          </a:p>
-        </p:txBody>
-      </p:sp>
-      <p:pic>
-        <p:nvPicPr>
-          <p:cNvPr id="4" name="Picture 3"/>
-          <p:cNvPicPr>
-            <a:picLocks noChangeAspect="1"/>
-          </p:cNvPicPr>
-          <p:nvPr/>
-        </p:nvPicPr>
-        <p:blipFill>
-          <a:blip r:embed="rId2">
-            <a:extLst>
-              <a:ext uri="{28A0092B-C50C-407E-A947-70E740481C1C}">
-                <a14:useLocalDpi xmlns:a14="http://schemas.microsoft.com/office/drawing/2010/main" val="0"/>
-              </a:ext>
-            </a:extLst>
-          </a:blip>
-          <a:stretch>
-            <a:fillRect/>
-          </a:stretch>
-        </p:blipFill>
-        <p:spPr>
-          <a:xfrm>
-            <a:off x="3505200" y="1249362"/>
-            <a:ext cx="5239481" cy="5048955"/>
-          </a:xfrm>
-          <a:prstGeom prst="rect">
-            <a:avLst/>
-          </a:prstGeom>
-        </p:spPr>
-      </p:pic>
+            <a:r>
+              <a:rPr lang="en-US" sz="4000" b="1" dirty="0" smtClean="0"/>
+              <a:t>Enter </a:t>
+            </a:r>
+            <a:r>
+              <a:rPr lang="en-US" sz="4000" b="1" dirty="0" smtClean="0"/>
+              <a:t>customers' orders quickly and easily</a:t>
+            </a:r>
+          </a:p>
+          <a:p>
+            <a:r>
+              <a:rPr lang="en-US" sz="4000" b="1" dirty="0" smtClean="0"/>
+              <a:t>Enter customers' orders without errors</a:t>
+            </a:r>
+          </a:p>
+          <a:p>
+            <a:r>
+              <a:rPr lang="en-US" sz="4000" b="1" dirty="0" smtClean="0"/>
+              <a:t>Communicate customer orders to the kitchen</a:t>
+            </a:r>
+          </a:p>
+          <a:p>
+            <a:r>
+              <a:rPr lang="en-US" sz="4000" b="1" dirty="0" smtClean="0"/>
+              <a:t>Access menu information on demand, as needed</a:t>
+            </a:r>
+          </a:p>
+          <a:p>
+            <a:r>
+              <a:rPr lang="en-US" sz="4000" b="1" dirty="0" smtClean="0"/>
+              <a:t>Adjust bill splitting/sharing as needed</a:t>
+            </a:r>
+          </a:p>
+          <a:p>
+            <a:r>
+              <a:rPr lang="en-US" sz="4000" b="1" dirty="0" smtClean="0"/>
+              <a:t>Mark what is from each person (seat number)</a:t>
+            </a:r>
+          </a:p>
+          <a:p>
+            <a:r>
+              <a:rPr lang="en-US" sz="4000" b="1" dirty="0" smtClean="0"/>
+              <a:t>Take customer payment quickly and easily</a:t>
+            </a:r>
+          </a:p>
+          <a:p>
+            <a:r>
+              <a:rPr lang="en-US" sz="4000" b="1" dirty="0" smtClean="0"/>
+              <a:t>See specials</a:t>
+            </a:r>
+          </a:p>
+          <a:p>
+            <a:r>
+              <a:rPr lang="en-US" sz="4000" b="1" dirty="0" smtClean="0"/>
+              <a:t>Use coupons / codes</a:t>
+            </a:r>
+          </a:p>
+          <a:p>
+            <a:r>
+              <a:rPr lang="en-US" sz="4000" b="1" dirty="0" smtClean="0"/>
+              <a:t>Receive tips</a:t>
+            </a:r>
+          </a:p>
+          <a:p>
+            <a:r>
+              <a:rPr lang="en-US" sz="4000" b="1" dirty="0" smtClean="0"/>
+              <a:t>Take complaints</a:t>
+            </a:r>
+          </a:p>
+        </p:txBody>
+      </p:sp>
     </p:spTree>
     <p:extLst>
       <p:ext uri="{BB962C8B-B14F-4D97-AF65-F5344CB8AC3E}">
-        <p14:creationId xmlns:p14="http://schemas.microsoft.com/office/powerpoint/2010/main" val="3238072072"/>
+        <p14:creationId xmlns:p14="http://schemas.microsoft.com/office/powerpoint/2010/main" val="3004781825"/>
       </p:ext>
     </p:extLst>
   </p:cSld>
@@ -9590,8 +9449,43 @@
         </p:nvSpPr>
         <p:spPr>
           <a:xfrm>
-            <a:off x="381000" y="-36786"/>
-            <a:ext cx="4876800" cy="1030014"/>
+            <a:off x="304800" y="18393"/>
+            <a:ext cx="6858000" cy="1030014"/>
+          </a:xfrm>
+        </p:spPr>
+        <p:txBody>
+          <a:bodyPr>
+            <a:noAutofit/>
+          </a:bodyPr>
+          <a:lstStyle/>
+          <a:p>
+            <a:pPr algn="l"/>
+            <a:r>
+              <a:rPr lang="en-US" sz="6000" b="1" dirty="0" smtClean="0"/>
+              <a:t>Goals: </a:t>
+            </a:r>
+            <a:r>
+              <a:rPr lang="en-US" sz="6000" b="1" dirty="0" smtClean="0"/>
+              <a:t>Kitchen Staff  </a:t>
+            </a:r>
+            <a:endParaRPr lang="en-US" sz="6000" b="1" dirty="0"/>
+          </a:p>
+        </p:txBody>
+      </p:sp>
+      <p:sp>
+        <p:nvSpPr>
+          <p:cNvPr id="3" name="Content Placeholder 2"/>
+          <p:cNvSpPr>
+            <a:spLocks noGrp="1"/>
+          </p:cNvSpPr>
+          <p:nvPr>
+            <p:ph idx="1"/>
+          </p:nvPr>
+        </p:nvSpPr>
+        <p:spPr>
+          <a:xfrm>
+            <a:off x="304800" y="1066800"/>
+            <a:ext cx="8610600" cy="5181600"/>
           </a:xfrm>
         </p:spPr>
         <p:txBody>
@@ -9600,108 +9494,40 @@
           </a:bodyPr>
           <a:lstStyle/>
           <a:p>
-            <a:pPr algn="l"/>
-            <a:r>
-              <a:rPr lang="en-US" sz="6000" b="1" dirty="0" smtClean="0"/>
-              <a:t>Goals:  Waiter</a:t>
-            </a:r>
-            <a:endParaRPr lang="en-US" sz="6000" b="1" dirty="0"/>
-          </a:p>
-        </p:txBody>
-      </p:sp>
-      <p:sp>
-        <p:nvSpPr>
-          <p:cNvPr id="3" name="Content Placeholder 2"/>
-          <p:cNvSpPr>
-            <a:spLocks noGrp="1"/>
-          </p:cNvSpPr>
-          <p:nvPr>
-            <p:ph idx="1"/>
-          </p:nvPr>
-        </p:nvSpPr>
-        <p:spPr>
-          <a:xfrm>
-            <a:off x="496614" y="1143000"/>
-            <a:ext cx="8610600" cy="5181600"/>
-          </a:xfrm>
-        </p:spPr>
-        <p:txBody>
-          <a:bodyPr>
-            <a:normAutofit fontScale="70000" lnSpcReduction="20000"/>
-          </a:bodyPr>
-          <a:lstStyle/>
-          <a:p>
             <a:r>
               <a:rPr lang="en-US" sz="4000" b="1" dirty="0" smtClean="0"/>
-              <a:t>Enter customers' orders quickly and easily</a:t>
-            </a:r>
-          </a:p>
-          <a:p>
+              <a:t>View </a:t>
+            </a:r>
             <a:r>
               <a:rPr lang="en-US" sz="4000" b="1" dirty="0" smtClean="0"/>
-              <a:t>Enter customers' orders without errors</a:t>
+              <a:t>clear and accurate report of queued orders</a:t>
             </a:r>
           </a:p>
           <a:p>
             <a:r>
               <a:rPr lang="en-US" sz="4000" b="1" dirty="0" smtClean="0"/>
-              <a:t>Communicate customer orders to the kitchen</a:t>
+              <a:t>View upcoming orders in terms of priority</a:t>
             </a:r>
           </a:p>
           <a:p>
             <a:r>
               <a:rPr lang="en-US" sz="4000" b="1" dirty="0" smtClean="0"/>
-              <a:t>Access menu information on demand, as needed</a:t>
+              <a:t>Take ownership of orders</a:t>
             </a:r>
           </a:p>
           <a:p>
             <a:r>
               <a:rPr lang="en-US" sz="4000" b="1" dirty="0" smtClean="0"/>
-              <a:t>Adjust bill splitting/sharing as needed</a:t>
-            </a:r>
-          </a:p>
-          <a:p>
-            <a:r>
-              <a:rPr lang="en-US" sz="4000" b="1" dirty="0" smtClean="0"/>
-              <a:t>Mark what is from each person (seat number)</a:t>
-            </a:r>
-          </a:p>
-          <a:p>
-            <a:r>
-              <a:rPr lang="en-US" sz="4000" b="1" dirty="0" smtClean="0"/>
-              <a:t>Take customer payment quickly and easily</a:t>
-            </a:r>
-          </a:p>
-          <a:p>
-            <a:r>
-              <a:rPr lang="en-US" sz="4000" b="1" dirty="0" smtClean="0"/>
-              <a:t>See specials</a:t>
-            </a:r>
-          </a:p>
-          <a:p>
-            <a:r>
-              <a:rPr lang="en-US" sz="4000" b="1" dirty="0" smtClean="0"/>
-              <a:t>Use coupons / codes</a:t>
-            </a:r>
-          </a:p>
-          <a:p>
-            <a:r>
-              <a:rPr lang="en-US" sz="4000" b="1" dirty="0" smtClean="0"/>
-              <a:t>Receive tips</a:t>
-            </a:r>
-          </a:p>
-          <a:p>
-            <a:r>
-              <a:rPr lang="en-US" sz="4000" b="1" dirty="0" smtClean="0"/>
-              <a:t>Take complaints</a:t>
-            </a:r>
+              <a:t>Mark items as completed</a:t>
+            </a:r>
+            <a:endParaRPr lang="en-US" sz="4000" b="1" dirty="0"/>
           </a:p>
         </p:txBody>
       </p:sp>
     </p:spTree>
     <p:extLst>
       <p:ext uri="{BB962C8B-B14F-4D97-AF65-F5344CB8AC3E}">
-        <p14:creationId xmlns:p14="http://schemas.microsoft.com/office/powerpoint/2010/main" val="3983197363"/>
+        <p14:creationId xmlns:p14="http://schemas.microsoft.com/office/powerpoint/2010/main" val="2905895394"/>
       </p:ext>
     </p:extLst>
   </p:cSld>
@@ -9747,39 +9573,8 @@
         </p:nvSpPr>
         <p:spPr>
           <a:xfrm>
-            <a:off x="304800" y="18393"/>
-            <a:ext cx="6858000" cy="1030014"/>
-          </a:xfrm>
-        </p:spPr>
-        <p:txBody>
-          <a:bodyPr>
-            <a:noAutofit/>
-          </a:bodyPr>
-          <a:lstStyle/>
-          <a:p>
-            <a:pPr algn="l"/>
-            <a:r>
-              <a:rPr lang="en-US" sz="6000" b="1" dirty="0" smtClean="0"/>
-              <a:t>Goals: Kitchen Staff  </a:t>
-            </a:r>
-            <a:endParaRPr lang="en-US" sz="6000" b="1" dirty="0"/>
-          </a:p>
-        </p:txBody>
-      </p:sp>
-      <p:sp>
-        <p:nvSpPr>
-          <p:cNvPr id="3" name="Content Placeholder 2"/>
-          <p:cNvSpPr>
-            <a:spLocks noGrp="1"/>
-          </p:cNvSpPr>
-          <p:nvPr>
-            <p:ph idx="1"/>
-          </p:nvPr>
-        </p:nvSpPr>
-        <p:spPr>
-          <a:xfrm>
-            <a:off x="304800" y="1066800"/>
-            <a:ext cx="8610600" cy="5181600"/>
+            <a:off x="228600" y="0"/>
+            <a:ext cx="5943600" cy="1030014"/>
           </a:xfrm>
         </p:spPr>
         <p:txBody>
@@ -9788,27 +9583,84 @@
           </a:bodyPr>
           <a:lstStyle/>
           <a:p>
+            <a:pPr algn="l"/>
+            <a:r>
+              <a:rPr lang="en-US" sz="6000" b="1" dirty="0" smtClean="0"/>
+              <a:t>Goals:  </a:t>
+            </a:r>
+            <a:r>
+              <a:rPr lang="en-US" sz="6000" b="1" dirty="0" smtClean="0"/>
+              <a:t>Customer</a:t>
+            </a:r>
+            <a:endParaRPr lang="en-US" sz="6000" b="1" dirty="0"/>
+          </a:p>
+        </p:txBody>
+      </p:sp>
+      <p:sp>
+        <p:nvSpPr>
+          <p:cNvPr id="3" name="Content Placeholder 2"/>
+          <p:cNvSpPr>
+            <a:spLocks noGrp="1"/>
+          </p:cNvSpPr>
+          <p:nvPr>
+            <p:ph idx="1"/>
+          </p:nvPr>
+        </p:nvSpPr>
+        <p:spPr>
+          <a:xfrm>
+            <a:off x="152400" y="1143000"/>
+            <a:ext cx="8610600" cy="5181600"/>
+          </a:xfrm>
+        </p:spPr>
+        <p:txBody>
+          <a:bodyPr>
+            <a:normAutofit fontScale="92500" lnSpcReduction="10000"/>
+          </a:bodyPr>
+          <a:lstStyle/>
+          <a:p>
             <a:r>
               <a:rPr lang="en-US" sz="4000" b="1" dirty="0" smtClean="0"/>
-              <a:t>View clear and accurate report of queued orders</a:t>
-            </a:r>
-          </a:p>
-          <a:p>
+              <a:t>Have </a:t>
+            </a:r>
             <a:r>
               <a:rPr lang="en-US" sz="4000" b="1" dirty="0" smtClean="0"/>
-              <a:t>View upcoming orders in terms of priority</a:t>
+              <a:t>order recorded accurately</a:t>
             </a:r>
           </a:p>
           <a:p>
             <a:r>
               <a:rPr lang="en-US" sz="4000" b="1" dirty="0" smtClean="0"/>
-              <a:t>Take ownership of orders</a:t>
+              <a:t>Receive an accurate bill,</a:t>
             </a:r>
           </a:p>
           <a:p>
             <a:r>
               <a:rPr lang="en-US" sz="4000" b="1" dirty="0" smtClean="0"/>
-              <a:t>Mark items as completed</a:t>
+              <a:t>including any splitting/sharing arrangements</a:t>
+            </a:r>
+          </a:p>
+          <a:p>
+            <a:r>
+              <a:rPr lang="en-US" sz="4000" b="1" dirty="0" smtClean="0"/>
+              <a:t>Pay with a credit card easily and securely</a:t>
+            </a:r>
+          </a:p>
+          <a:p>
+            <a:r>
+              <a:rPr lang="en-US" sz="4000" b="1" dirty="0" smtClean="0"/>
+              <a:t>Use coupons / codes</a:t>
+            </a:r>
+          </a:p>
+          <a:p>
+            <a:r>
+              <a:rPr lang="en-US" sz="4000" b="1" dirty="0" smtClean="0"/>
+              <a:t>Make a reservation</a:t>
+            </a:r>
+          </a:p>
+          <a:p>
+            <a:r>
+              <a:rPr lang="en-US" sz="4000" b="1" dirty="0" smtClean="0"/>
+              <a:t>Lodge a complaint</a:t>
             </a:r>
             <a:endParaRPr lang="en-US" sz="4000" b="1" dirty="0"/>
           </a:p>
@@ -9817,7 +9669,7 @@
     </p:spTree>
     <p:extLst>
       <p:ext uri="{BB962C8B-B14F-4D97-AF65-F5344CB8AC3E}">
-        <p14:creationId xmlns:p14="http://schemas.microsoft.com/office/powerpoint/2010/main" val="896281299"/>
+        <p14:creationId xmlns:p14="http://schemas.microsoft.com/office/powerpoint/2010/main" val="1036359662"/>
       </p:ext>
     </p:extLst>
   </p:cSld>

--- a/Project Documents/Group3_Presentation1_Capstone.pptx
+++ b/Project Documents/Group3_Presentation1_Capstone.pptx
@@ -5,32 +5,37 @@
     <p:sldMasterId id="2147483672" r:id="rId1"/>
   </p:sldMasterIdLst>
   <p:sldIdLst>
-    <p:sldId id="301" r:id="rId2"/>
-    <p:sldId id="271" r:id="rId3"/>
-    <p:sldId id="257" r:id="rId4"/>
-    <p:sldId id="302" r:id="rId5"/>
-    <p:sldId id="272" r:id="rId6"/>
-    <p:sldId id="297" r:id="rId7"/>
-    <p:sldId id="275" r:id="rId8"/>
-    <p:sldId id="280" r:id="rId9"/>
-    <p:sldId id="278" r:id="rId10"/>
-    <p:sldId id="282" r:id="rId11"/>
-    <p:sldId id="279" r:id="rId12"/>
-    <p:sldId id="281" r:id="rId13"/>
-    <p:sldId id="276" r:id="rId14"/>
-    <p:sldId id="277" r:id="rId15"/>
-    <p:sldId id="286" r:id="rId16"/>
-    <p:sldId id="287" r:id="rId17"/>
-    <p:sldId id="288" r:id="rId18"/>
-    <p:sldId id="289" r:id="rId19"/>
+    <p:sldId id="256" r:id="rId2"/>
+    <p:sldId id="257" r:id="rId3"/>
+    <p:sldId id="258" r:id="rId4"/>
+    <p:sldId id="259" r:id="rId5"/>
+    <p:sldId id="260" r:id="rId6"/>
+    <p:sldId id="261" r:id="rId7"/>
+    <p:sldId id="262" r:id="rId8"/>
+    <p:sldId id="263" r:id="rId9"/>
+    <p:sldId id="264" r:id="rId10"/>
+    <p:sldId id="265" r:id="rId11"/>
+    <p:sldId id="266" r:id="rId12"/>
+    <p:sldId id="267" r:id="rId13"/>
+    <p:sldId id="268" r:id="rId14"/>
+    <p:sldId id="269" r:id="rId15"/>
+    <p:sldId id="270" r:id="rId16"/>
+    <p:sldId id="285" r:id="rId17"/>
+    <p:sldId id="284" r:id="rId18"/>
+    <p:sldId id="286" r:id="rId19"/>
     <p:sldId id="283" r:id="rId20"/>
-    <p:sldId id="284" r:id="rId21"/>
-    <p:sldId id="285" r:id="rId22"/>
-    <p:sldId id="298" r:id="rId23"/>
-    <p:sldId id="299" r:id="rId24"/>
-    <p:sldId id="295" r:id="rId25"/>
-    <p:sldId id="300" r:id="rId26"/>
-    <p:sldId id="293" r:id="rId27"/>
+    <p:sldId id="271" r:id="rId21"/>
+    <p:sldId id="272" r:id="rId22"/>
+    <p:sldId id="273" r:id="rId23"/>
+    <p:sldId id="274" r:id="rId24"/>
+    <p:sldId id="275" r:id="rId25"/>
+    <p:sldId id="276" r:id="rId26"/>
+    <p:sldId id="277" r:id="rId27"/>
+    <p:sldId id="278" r:id="rId28"/>
+    <p:sldId id="279" r:id="rId29"/>
+    <p:sldId id="280" r:id="rId30"/>
+    <p:sldId id="281" r:id="rId31"/>
+    <p:sldId id="282" r:id="rId32"/>
   </p:sldIdLst>
   <p:sldSz cx="9144000" cy="6858000" type="screen4x3"/>
   <p:notesSz cx="6858000" cy="9144000"/>
@@ -129,22 +134,6 @@
       </a:defRPr>
     </a:lvl9pPr>
   </p:defaultTextStyle>
-  <p:extLst>
-    <p:ext uri="{EFAFB233-063F-42B5-8137-9DF3F51BA10A}">
-      <p15:sldGuideLst xmlns:p15="http://schemas.microsoft.com/office/powerpoint/2012/main">
-        <p15:guide id="1" orient="horz" pos="2160">
-          <p15:clr>
-            <a:srgbClr val="A4A3A4"/>
-          </p15:clr>
-        </p15:guide>
-        <p15:guide id="2" pos="2880">
-          <p15:clr>
-            <a:srgbClr val="A4A3A4"/>
-          </p15:clr>
-        </p15:guide>
-      </p15:sldGuideLst>
-    </p:ext>
-  </p:extLst>
 </p:presentation>
 </file>
 
@@ -329,7 +318,7 @@
           <a:p>
             <a:fld id="{9CBAF4B6-CA8D-4A6D-9D13-D160FC327925}" type="datetimeFigureOut">
               <a:rPr lang="en-US" smtClean="0"/>
-              <a:t>5/26/2013</a:t>
+              <a:t>5/28/2013</a:t>
             </a:fld>
             <a:endParaRPr lang="en-US"/>
           </a:p>
@@ -499,7 +488,7 @@
           <a:p>
             <a:fld id="{9CBAF4B6-CA8D-4A6D-9D13-D160FC327925}" type="datetimeFigureOut">
               <a:rPr lang="en-US" smtClean="0"/>
-              <a:t>5/26/2013</a:t>
+              <a:t>5/28/2013</a:t>
             </a:fld>
             <a:endParaRPr lang="en-US"/>
           </a:p>
@@ -679,7 +668,7 @@
           <a:p>
             <a:fld id="{9CBAF4B6-CA8D-4A6D-9D13-D160FC327925}" type="datetimeFigureOut">
               <a:rPr lang="en-US" smtClean="0"/>
-              <a:t>5/26/2013</a:t>
+              <a:t>5/28/2013</a:t>
             </a:fld>
             <a:endParaRPr lang="en-US"/>
           </a:p>
@@ -849,7 +838,7 @@
           <a:p>
             <a:fld id="{9CBAF4B6-CA8D-4A6D-9D13-D160FC327925}" type="datetimeFigureOut">
               <a:rPr lang="en-US" smtClean="0"/>
-              <a:t>5/26/2013</a:t>
+              <a:t>5/28/2013</a:t>
             </a:fld>
             <a:endParaRPr lang="en-US"/>
           </a:p>
@@ -1095,7 +1084,7 @@
           <a:p>
             <a:fld id="{9CBAF4B6-CA8D-4A6D-9D13-D160FC327925}" type="datetimeFigureOut">
               <a:rPr lang="en-US" smtClean="0"/>
-              <a:t>5/26/2013</a:t>
+              <a:t>5/28/2013</a:t>
             </a:fld>
             <a:endParaRPr lang="en-US"/>
           </a:p>
@@ -1383,7 +1372,7 @@
           <a:p>
             <a:fld id="{9CBAF4B6-CA8D-4A6D-9D13-D160FC327925}" type="datetimeFigureOut">
               <a:rPr lang="en-US" smtClean="0"/>
-              <a:t>5/26/2013</a:t>
+              <a:t>5/28/2013</a:t>
             </a:fld>
             <a:endParaRPr lang="en-US"/>
           </a:p>
@@ -1805,7 +1794,7 @@
           <a:p>
             <a:fld id="{9CBAF4B6-CA8D-4A6D-9D13-D160FC327925}" type="datetimeFigureOut">
               <a:rPr lang="en-US" smtClean="0"/>
-              <a:t>5/26/2013</a:t>
+              <a:t>5/28/2013</a:t>
             </a:fld>
             <a:endParaRPr lang="en-US"/>
           </a:p>
@@ -1923,7 +1912,7 @@
           <a:p>
             <a:fld id="{9CBAF4B6-CA8D-4A6D-9D13-D160FC327925}" type="datetimeFigureOut">
               <a:rPr lang="en-US" smtClean="0"/>
-              <a:t>5/26/2013</a:t>
+              <a:t>5/28/2013</a:t>
             </a:fld>
             <a:endParaRPr lang="en-US"/>
           </a:p>
@@ -2018,7 +2007,7 @@
           <a:p>
             <a:fld id="{9CBAF4B6-CA8D-4A6D-9D13-D160FC327925}" type="datetimeFigureOut">
               <a:rPr lang="en-US" smtClean="0"/>
-              <a:t>5/26/2013</a:t>
+              <a:t>5/28/2013</a:t>
             </a:fld>
             <a:endParaRPr lang="en-US"/>
           </a:p>
@@ -2295,7 +2284,7 @@
           <a:p>
             <a:fld id="{9CBAF4B6-CA8D-4A6D-9D13-D160FC327925}" type="datetimeFigureOut">
               <a:rPr lang="en-US" smtClean="0"/>
-              <a:t>5/26/2013</a:t>
+              <a:t>5/28/2013</a:t>
             </a:fld>
             <a:endParaRPr lang="en-US"/>
           </a:p>
@@ -2548,7 +2537,7 @@
           <a:p>
             <a:fld id="{9CBAF4B6-CA8D-4A6D-9D13-D160FC327925}" type="datetimeFigureOut">
               <a:rPr lang="en-US" smtClean="0"/>
-              <a:t>5/26/2013</a:t>
+              <a:t>5/28/2013</a:t>
             </a:fld>
             <a:endParaRPr lang="en-US"/>
           </a:p>
@@ -2770,7 +2759,7 @@
           <a:p>
             <a:fld id="{9CBAF4B6-CA8D-4A6D-9D13-D160FC327925}" type="datetimeFigureOut">
               <a:rPr lang="en-US" smtClean="0"/>
-              <a:t>5/26/2013</a:t>
+              <a:t>5/28/2013</a:t>
             </a:fld>
             <a:endParaRPr lang="en-US"/>
           </a:p>
@@ -3197,19 +3186,9 @@
         <p:spPr/>
         <p:txBody>
           <a:bodyPr>
-            <a:normAutofit fontScale="92500" lnSpcReduction="10000"/>
+            <a:normAutofit fontScale="92500"/>
           </a:bodyPr>
           <a:lstStyle/>
-          <a:p>
-            <a:r>
-              <a:rPr lang="en-US" sz="4000" b="1" dirty="0">
-                <a:solidFill>
-                  <a:srgbClr val="C00000"/>
-                </a:solidFill>
-              </a:rPr>
-              <a:t>Finished Domain models</a:t>
-            </a:r>
-          </a:p>
           <a:p>
             <a:r>
               <a:rPr lang="en-US" sz="4000" b="1" dirty="0" smtClean="0">
@@ -3267,8 +3246,29 @@
                   <a:srgbClr val="C00000"/>
                 </a:solidFill>
               </a:rPr>
-              <a:t>Full use cases in addition to use case table?</a:t>
-            </a:r>
+              <a:t>Full use cases in addition to use case </a:t>
+            </a:r>
+            <a:r>
+              <a:rPr lang="en-US" sz="4000" b="1">
+                <a:solidFill>
+                  <a:srgbClr val="C00000"/>
+                </a:solidFill>
+              </a:rPr>
+              <a:t>table</a:t>
+            </a:r>
+            <a:r>
+              <a:rPr lang="en-US" sz="4000" b="1" smtClean="0">
+                <a:solidFill>
+                  <a:srgbClr val="C00000"/>
+                </a:solidFill>
+              </a:rPr>
+              <a:t>?</a:t>
+            </a:r>
+            <a:endParaRPr lang="en-US" sz="4000" b="1" dirty="0">
+              <a:solidFill>
+                <a:srgbClr val="C00000"/>
+              </a:solidFill>
+            </a:endParaRPr>
           </a:p>
           <a:p>
             <a:r>
@@ -3277,15 +3277,7 @@
                   <a:srgbClr val="C00000"/>
                 </a:solidFill>
               </a:rPr>
-              <a:t>Glossary</a:t>
-            </a:r>
-            <a:r>
-              <a:rPr lang="en-US" sz="4000" b="1" dirty="0" smtClean="0">
-                <a:solidFill>
-                  <a:srgbClr val="C00000"/>
-                </a:solidFill>
-              </a:rPr>
-              <a:t>?</a:t>
+              <a:t>Glossary?</a:t>
             </a:r>
             <a:endParaRPr lang="en-US" sz="4000" b="1" dirty="0">
               <a:solidFill>
@@ -3305,7 +3297,7 @@
     </p:spTree>
     <p:extLst>
       <p:ext uri="{BB962C8B-B14F-4D97-AF65-F5344CB8AC3E}">
-        <p14:creationId xmlns:p14="http://schemas.microsoft.com/office/powerpoint/2010/main" val="1617315837"/>
+        <p14:creationId xmlns:p14="http://schemas.microsoft.com/office/powerpoint/2010/main" val="2022097557"/>
       </p:ext>
     </p:extLst>
   </p:cSld>
@@ -3352,23 +3344,19 @@
         <p:spPr>
           <a:xfrm>
             <a:off x="228600" y="0"/>
-            <a:ext cx="5562600" cy="1030014"/>
+            <a:ext cx="5943600" cy="1030014"/>
           </a:xfrm>
         </p:spPr>
         <p:txBody>
           <a:bodyPr>
-            <a:noAutofit/>
+            <a:normAutofit/>
           </a:bodyPr>
           <a:lstStyle/>
           <a:p>
             <a:pPr algn="l"/>
             <a:r>
               <a:rPr lang="en-US" sz="6000" b="1" dirty="0" smtClean="0"/>
-              <a:t>Goals:  </a:t>
-            </a:r>
-            <a:r>
-              <a:rPr lang="en-US" sz="6000" b="1" dirty="0" smtClean="0"/>
-              <a:t>Manager</a:t>
+              <a:t>Goals:  Customer</a:t>
             </a:r>
             <a:endParaRPr lang="en-US" sz="6000" b="1" dirty="0"/>
           </a:p>
@@ -3392,52 +3380,49 @@
         </p:spPr>
         <p:txBody>
           <a:bodyPr>
-            <a:normAutofit fontScale="92500"/>
+            <a:normAutofit fontScale="92500" lnSpcReduction="10000"/>
           </a:bodyPr>
           <a:lstStyle/>
           <a:p>
             <a:r>
               <a:rPr lang="en-US" sz="4000" b="1" dirty="0" smtClean="0"/>
-              <a:t>View </a:t>
-            </a:r>
+              <a:t>Have order recorded accurately</a:t>
+            </a:r>
+          </a:p>
+          <a:p>
             <a:r>
               <a:rPr lang="en-US" sz="4000" b="1" dirty="0" smtClean="0"/>
-              <a:t>aggregated information about sales</a:t>
+              <a:t>Receive an accurate bill,</a:t>
             </a:r>
           </a:p>
           <a:p>
             <a:r>
               <a:rPr lang="en-US" sz="4000" b="1" dirty="0" smtClean="0"/>
-              <a:t>View aggregated information about </a:t>
-            </a:r>
+              <a:t>including any splitting/sharing arrangements</a:t>
+            </a:r>
+          </a:p>
+          <a:p>
             <a:r>
               <a:rPr lang="en-US" sz="4000" b="1" dirty="0" smtClean="0"/>
-              <a:t>inventory consumption</a:t>
-            </a:r>
-            <a:endParaRPr lang="en-US" sz="4000" b="1" dirty="0" smtClean="0"/>
+              <a:t>Pay with a credit card easily and securely</a:t>
+            </a:r>
           </a:p>
           <a:p>
             <a:r>
               <a:rPr lang="en-US" sz="4000" b="1" dirty="0" smtClean="0"/>
-              <a:t>View aggregated information about employee work</a:t>
+              <a:t>Use coupons / codes</a:t>
             </a:r>
           </a:p>
           <a:p>
             <a:r>
               <a:rPr lang="en-US" sz="4000" b="1" dirty="0" smtClean="0"/>
-              <a:t>Make adjustments to bill amounts</a:t>
+              <a:t>Make a reservation</a:t>
             </a:r>
           </a:p>
           <a:p>
             <a:r>
               <a:rPr lang="en-US" sz="4000" b="1" dirty="0" smtClean="0"/>
-              <a:t>View complaints</a:t>
-            </a:r>
-          </a:p>
-          <a:p>
-            <a:r>
-              <a:rPr lang="en-US" sz="4000" b="1" dirty="0" smtClean="0"/>
-              <a:t>Perform all other roles</a:t>
+              <a:t>Lodge a complaint</a:t>
             </a:r>
             <a:endParaRPr lang="en-US" sz="4000" b="1" dirty="0"/>
           </a:p>
@@ -3446,7 +3431,7 @@
     </p:spTree>
     <p:extLst>
       <p:ext uri="{BB962C8B-B14F-4D97-AF65-F5344CB8AC3E}">
-        <p14:creationId xmlns:p14="http://schemas.microsoft.com/office/powerpoint/2010/main" val="263037169"/>
+        <p14:creationId xmlns:p14="http://schemas.microsoft.com/office/powerpoint/2010/main" val="2219990299"/>
       </p:ext>
     </p:extLst>
   </p:cSld>
@@ -3492,7 +3477,7 @@
         </p:nvSpPr>
         <p:spPr>
           <a:xfrm>
-            <a:off x="304800" y="0"/>
+            <a:off x="228600" y="0"/>
             <a:ext cx="5562600" cy="1030014"/>
           </a:xfrm>
         </p:spPr>
@@ -3505,11 +3490,7 @@
             <a:pPr algn="l"/>
             <a:r>
               <a:rPr lang="en-US" sz="6000" b="1" dirty="0" smtClean="0"/>
-              <a:t>Goals: </a:t>
-            </a:r>
-            <a:r>
-              <a:rPr lang="en-US" sz="6000" b="1" dirty="0" smtClean="0"/>
-              <a:t>Hostess</a:t>
+              <a:t>Goals:  Manager</a:t>
             </a:r>
             <a:endParaRPr lang="en-US" sz="6000" b="1" dirty="0"/>
           </a:p>
@@ -3527,59 +3508,49 @@
         </p:nvSpPr>
         <p:spPr>
           <a:xfrm>
-            <a:off x="304800" y="1066800"/>
+            <a:off x="152400" y="1143000"/>
             <a:ext cx="8610600" cy="5181600"/>
           </a:xfrm>
         </p:spPr>
         <p:txBody>
           <a:bodyPr>
-            <a:normAutofit fontScale="92500" lnSpcReduction="20000"/>
+            <a:normAutofit fontScale="92500"/>
           </a:bodyPr>
           <a:lstStyle/>
           <a:p>
             <a:r>
               <a:rPr lang="en-US" sz="4000" b="1" dirty="0" smtClean="0"/>
-              <a:t>View </a:t>
-            </a:r>
+              <a:t>View aggregated information about sales</a:t>
+            </a:r>
+          </a:p>
+          <a:p>
             <a:r>
               <a:rPr lang="en-US" sz="4000" b="1" dirty="0" smtClean="0"/>
-              <a:t>which tables are open and which are not</a:t>
+              <a:t>View aggregated information about inventory consumption</a:t>
             </a:r>
           </a:p>
           <a:p>
             <a:r>
               <a:rPr lang="en-US" sz="4000" b="1" dirty="0" smtClean="0"/>
-              <a:t>View waiting times for tables</a:t>
+              <a:t>View aggregated information about employee work</a:t>
             </a:r>
           </a:p>
           <a:p>
             <a:r>
               <a:rPr lang="en-US" sz="4000" b="1" dirty="0" smtClean="0"/>
-              <a:t>via check in and check out, average duration</a:t>
+              <a:t>Make adjustments to bill amounts</a:t>
             </a:r>
           </a:p>
           <a:p>
             <a:r>
               <a:rPr lang="en-US" sz="4000" b="1" dirty="0" smtClean="0"/>
-              <a:t>View which tables may be open soon</a:t>
+              <a:t>View complaints</a:t>
             </a:r>
           </a:p>
           <a:p>
             <a:r>
               <a:rPr lang="en-US" sz="4000" b="1" dirty="0" smtClean="0"/>
-              <a:t>See table capacities</a:t>
-            </a:r>
-          </a:p>
-          <a:p>
-            <a:r>
-              <a:rPr lang="en-US" sz="4000" b="1" dirty="0" smtClean="0"/>
-              <a:t>View table server assignments</a:t>
-            </a:r>
-          </a:p>
-          <a:p>
-            <a:r>
-              <a:rPr lang="en-US" sz="4000" b="1" dirty="0" smtClean="0"/>
-              <a:t>by zone</a:t>
+              <a:t>Perform all other roles</a:t>
             </a:r>
             <a:endParaRPr lang="en-US" sz="4000" b="1" dirty="0"/>
           </a:p>
@@ -3588,7 +3559,7 @@
     </p:spTree>
     <p:extLst>
       <p:ext uri="{BB962C8B-B14F-4D97-AF65-F5344CB8AC3E}">
-        <p14:creationId xmlns:p14="http://schemas.microsoft.com/office/powerpoint/2010/main" val="2905895394"/>
+        <p14:creationId xmlns:p14="http://schemas.microsoft.com/office/powerpoint/2010/main" val="3143960085"/>
       </p:ext>
     </p:extLst>
   </p:cSld>
@@ -3634,24 +3605,20 @@
         </p:nvSpPr>
         <p:spPr>
           <a:xfrm>
-            <a:off x="0" y="36786"/>
-            <a:ext cx="4876800" cy="1030014"/>
+            <a:off x="304800" y="0"/>
+            <a:ext cx="5562600" cy="1030014"/>
           </a:xfrm>
         </p:spPr>
         <p:txBody>
           <a:bodyPr>
-            <a:normAutofit/>
+            <a:noAutofit/>
           </a:bodyPr>
           <a:lstStyle/>
           <a:p>
             <a:pPr algn="l"/>
             <a:r>
               <a:rPr lang="en-US" sz="6000" b="1" dirty="0" smtClean="0"/>
-              <a:t>Goals: </a:t>
-            </a:r>
-            <a:r>
-              <a:rPr lang="en-US" sz="6000" b="1" dirty="0" smtClean="0"/>
-              <a:t>Busboy </a:t>
+              <a:t>Goals: Hostess</a:t>
             </a:r>
             <a:endParaRPr lang="en-US" sz="6000" b="1" dirty="0"/>
           </a:p>
@@ -3669,35 +3636,56 @@
         </p:nvSpPr>
         <p:spPr>
           <a:xfrm>
-            <a:off x="152400" y="1143000"/>
+            <a:off x="304800" y="1066800"/>
             <a:ext cx="8610600" cy="5181600"/>
           </a:xfrm>
         </p:spPr>
         <p:txBody>
           <a:bodyPr>
-            <a:normAutofit/>
+            <a:normAutofit fontScale="92500" lnSpcReduction="20000"/>
           </a:bodyPr>
           <a:lstStyle/>
           <a:p>
             <a:r>
               <a:rPr lang="en-US" sz="4000" b="1" dirty="0" smtClean="0"/>
-              <a:t>Indicate </a:t>
-            </a:r>
+              <a:t>View which tables are open and which are not</a:t>
+            </a:r>
+          </a:p>
+          <a:p>
             <a:r>
               <a:rPr lang="en-US" sz="4000" b="1" dirty="0" smtClean="0"/>
-              <a:t>that tables are ready for seating, easily and without error</a:t>
+              <a:t>View waiting times for tables</a:t>
             </a:r>
           </a:p>
           <a:p>
             <a:r>
               <a:rPr lang="en-US" sz="4000" b="1" dirty="0" smtClean="0"/>
-              <a:t>See which tables need to be cleaned (indicated by bill paid)</a:t>
-            </a:r>
-          </a:p>
-          <a:p>
-            <a:pPr marL="0" indent="0">
-              <a:buNone/>
-            </a:pPr>
+              <a:t>via check in and check out, average duration</a:t>
+            </a:r>
+          </a:p>
+          <a:p>
+            <a:r>
+              <a:rPr lang="en-US" sz="4000" b="1" dirty="0" smtClean="0"/>
+              <a:t>View which tables may be open soon</a:t>
+            </a:r>
+          </a:p>
+          <a:p>
+            <a:r>
+              <a:rPr lang="en-US" sz="4000" b="1" dirty="0" smtClean="0"/>
+              <a:t>See table capacities</a:t>
+            </a:r>
+          </a:p>
+          <a:p>
+            <a:r>
+              <a:rPr lang="en-US" sz="4000" b="1" dirty="0" smtClean="0"/>
+              <a:t>View table server assignments</a:t>
+            </a:r>
+          </a:p>
+          <a:p>
+            <a:r>
+              <a:rPr lang="en-US" sz="4000" b="1" dirty="0" smtClean="0"/>
+              <a:t>by zone</a:t>
+            </a:r>
             <a:endParaRPr lang="en-US" sz="4000" b="1" dirty="0"/>
           </a:p>
         </p:txBody>
@@ -3705,7 +3693,7 @@
     </p:spTree>
     <p:extLst>
       <p:ext uri="{BB962C8B-B14F-4D97-AF65-F5344CB8AC3E}">
-        <p14:creationId xmlns:p14="http://schemas.microsoft.com/office/powerpoint/2010/main" val="263037169"/>
+        <p14:creationId xmlns:p14="http://schemas.microsoft.com/office/powerpoint/2010/main" val="4270577504"/>
       </p:ext>
     </p:extLst>
   </p:cSld>
@@ -3751,8 +3739,8 @@
         </p:nvSpPr>
         <p:spPr>
           <a:xfrm>
-            <a:off x="34159" y="0"/>
-            <a:ext cx="5486400" cy="1143000"/>
+            <a:off x="0" y="36786"/>
+            <a:ext cx="4876800" cy="1030014"/>
           </a:xfrm>
         </p:spPr>
         <p:txBody>
@@ -3764,46 +3752,57 @@
             <a:pPr algn="l"/>
             <a:r>
               <a:rPr lang="en-US" sz="6000" b="1" dirty="0" smtClean="0"/>
-              <a:t>Domain Model</a:t>
+              <a:t>Goals: Busboy </a:t>
             </a:r>
             <a:endParaRPr lang="en-US" sz="6000" b="1" dirty="0"/>
           </a:p>
         </p:txBody>
       </p:sp>
-      <p:pic>
-        <p:nvPicPr>
-          <p:cNvPr id="4" name="Picture 3"/>
-          <p:cNvPicPr>
-            <a:picLocks noChangeAspect="1"/>
-          </p:cNvPicPr>
-          <p:nvPr/>
-        </p:nvPicPr>
-        <p:blipFill>
-          <a:blip r:embed="rId2">
-            <a:extLst>
-              <a:ext uri="{28A0092B-C50C-407E-A947-70E740481C1C}">
-                <a14:useLocalDpi xmlns:a14="http://schemas.microsoft.com/office/drawing/2010/main" val="0"/>
-              </a:ext>
-            </a:extLst>
-          </a:blip>
-          <a:stretch>
-            <a:fillRect/>
-          </a:stretch>
-        </p:blipFill>
+      <p:sp>
+        <p:nvSpPr>
+          <p:cNvPr id="3" name="Content Placeholder 2"/>
+          <p:cNvSpPr>
+            <a:spLocks noGrp="1"/>
+          </p:cNvSpPr>
+          <p:nvPr>
+            <p:ph idx="1"/>
+          </p:nvPr>
+        </p:nvSpPr>
         <p:spPr>
           <a:xfrm>
-            <a:off x="0" y="1219200"/>
-            <a:ext cx="9144000" cy="5468293"/>
+            <a:off x="152400" y="1143000"/>
+            <a:ext cx="8610600" cy="5181600"/>
           </a:xfrm>
-          <a:prstGeom prst="rect">
-            <a:avLst/>
-          </a:prstGeom>
         </p:spPr>
-      </p:pic>
+        <p:txBody>
+          <a:bodyPr>
+            <a:normAutofit/>
+          </a:bodyPr>
+          <a:lstStyle/>
+          <a:p>
+            <a:r>
+              <a:rPr lang="en-US" sz="4000" b="1" dirty="0" smtClean="0"/>
+              <a:t>Indicate that tables are ready for seating, easily and without error</a:t>
+            </a:r>
+          </a:p>
+          <a:p>
+            <a:r>
+              <a:rPr lang="en-US" sz="4000" b="1" dirty="0" smtClean="0"/>
+              <a:t>See which tables need to be cleaned (indicated by bill paid)</a:t>
+            </a:r>
+          </a:p>
+          <a:p>
+            <a:pPr marL="0" indent="0">
+              <a:buNone/>
+            </a:pPr>
+            <a:endParaRPr lang="en-US" sz="4000" b="1" dirty="0"/>
+          </a:p>
+        </p:txBody>
+      </p:sp>
     </p:spTree>
     <p:extLst>
       <p:ext uri="{BB962C8B-B14F-4D97-AF65-F5344CB8AC3E}">
-        <p14:creationId xmlns:p14="http://schemas.microsoft.com/office/powerpoint/2010/main" val="3004781825"/>
+        <p14:creationId xmlns:p14="http://schemas.microsoft.com/office/powerpoint/2010/main" val="1451251532"/>
       </p:ext>
     </p:extLst>
   </p:cSld>
@@ -3849,8 +3848,8 @@
         </p:nvSpPr>
         <p:spPr>
           <a:xfrm>
-            <a:off x="76200" y="-76200"/>
-            <a:ext cx="7924800" cy="1143000"/>
+            <a:off x="34159" y="0"/>
+            <a:ext cx="5486400" cy="1143000"/>
           </a:xfrm>
         </p:spPr>
         <p:txBody>
@@ -3862,84 +3861,46 @@
             <a:pPr algn="l"/>
             <a:r>
               <a:rPr lang="en-US" sz="6000" b="1" dirty="0" smtClean="0"/>
-              <a:t>Main Success Scenario</a:t>
+              <a:t>Domain Model</a:t>
             </a:r>
             <a:endParaRPr lang="en-US" sz="6000" b="1" dirty="0"/>
           </a:p>
         </p:txBody>
       </p:sp>
-      <p:sp>
-        <p:nvSpPr>
-          <p:cNvPr id="3" name="Content Placeholder 2"/>
-          <p:cNvSpPr>
-            <a:spLocks noGrp="1"/>
-          </p:cNvSpPr>
-          <p:nvPr>
-            <p:ph idx="1"/>
-          </p:nvPr>
-        </p:nvSpPr>
+      <p:pic>
+        <p:nvPicPr>
+          <p:cNvPr id="4" name="Picture 3"/>
+          <p:cNvPicPr>
+            <a:picLocks noChangeAspect="1"/>
+          </p:cNvPicPr>
+          <p:nvPr/>
+        </p:nvPicPr>
+        <p:blipFill>
+          <a:blip r:embed="rId2">
+            <a:extLst>
+              <a:ext uri="{28A0092B-C50C-407E-A947-70E740481C1C}">
+                <a14:useLocalDpi xmlns:a14="http://schemas.microsoft.com/office/drawing/2010/main" val="0"/>
+              </a:ext>
+            </a:extLst>
+          </a:blip>
+          <a:stretch>
+            <a:fillRect/>
+          </a:stretch>
+        </p:blipFill>
         <p:spPr>
           <a:xfrm>
-            <a:off x="228600" y="914400"/>
-            <a:ext cx="8458200" cy="5486400"/>
+            <a:off x="0" y="1219200"/>
+            <a:ext cx="9144000" cy="5468292"/>
           </a:xfrm>
+          <a:prstGeom prst="rect">
+            <a:avLst/>
+          </a:prstGeom>
         </p:spPr>
-        <p:txBody>
-          <a:bodyPr>
-            <a:normAutofit/>
-          </a:bodyPr>
-          <a:lstStyle/>
-          <a:p>
-            <a:r>
-              <a:rPr lang="en-US" sz="4000" b="1" dirty="0"/>
-              <a:t>Customer enters</a:t>
-            </a:r>
-          </a:p>
-          <a:p>
-            <a:r>
-              <a:rPr lang="en-US" sz="4000" b="1" dirty="0" smtClean="0"/>
-              <a:t>Hostess </a:t>
-            </a:r>
-            <a:r>
-              <a:rPr lang="en-US" sz="4000" b="1" dirty="0"/>
-              <a:t>checks for available </a:t>
-            </a:r>
-            <a:r>
-              <a:rPr lang="en-US" sz="4000" b="1" dirty="0" smtClean="0"/>
-              <a:t>tables / estimated wait-time </a:t>
-            </a:r>
-            <a:endParaRPr lang="en-US" sz="4000" b="1" dirty="0"/>
-          </a:p>
-          <a:p>
-            <a:r>
-              <a:rPr lang="en-US" sz="4000" b="1" dirty="0"/>
-              <a:t>Customer seated by </a:t>
-            </a:r>
-            <a:r>
-              <a:rPr lang="en-US" sz="4000" b="1" dirty="0" smtClean="0"/>
-              <a:t>hostess, table marked occupied and  assigned to a waiter</a:t>
-            </a:r>
-          </a:p>
-          <a:p>
-            <a:r>
-              <a:rPr lang="en-US" sz="4000" b="1" dirty="0" smtClean="0"/>
-              <a:t>Drinks, Appetizers, meals: ordered /prepared </a:t>
-            </a:r>
-            <a:r>
-              <a:rPr lang="en-US" sz="4000" b="1" dirty="0"/>
-              <a:t>/ </a:t>
-            </a:r>
-            <a:r>
-              <a:rPr lang="en-US" sz="4000" b="1" dirty="0" smtClean="0"/>
-              <a:t>delivered</a:t>
-            </a:r>
-          </a:p>
-        </p:txBody>
-      </p:sp>
+      </p:pic>
     </p:spTree>
     <p:extLst>
       <p:ext uri="{BB962C8B-B14F-4D97-AF65-F5344CB8AC3E}">
-        <p14:creationId xmlns:p14="http://schemas.microsoft.com/office/powerpoint/2010/main" val="3004781825"/>
+        <p14:creationId xmlns:p14="http://schemas.microsoft.com/office/powerpoint/2010/main" val="3692276360"/>
       </p:ext>
     </p:extLst>
   </p:cSld>
@@ -3986,7 +3947,42 @@
         <p:spPr>
           <a:xfrm>
             <a:off x="76200" y="-76200"/>
-            <a:ext cx="7924800" cy="1143000"/>
+            <a:ext cx="9067800" cy="1143000"/>
+          </a:xfrm>
+        </p:spPr>
+        <p:txBody>
+          <a:bodyPr>
+            <a:noAutofit/>
+          </a:bodyPr>
+          <a:lstStyle/>
+          <a:p>
+            <a:pPr algn="l"/>
+            <a:r>
+              <a:rPr lang="en-US" sz="6000" b="1" dirty="0" smtClean="0"/>
+              <a:t>Basic Idea- Table </a:t>
+            </a:r>
+            <a:r>
+              <a:rPr lang="en-US" sz="6000" b="1" dirty="0" err="1" smtClean="0"/>
+              <a:t>Mgmt</a:t>
+            </a:r>
+            <a:endParaRPr lang="en-US" sz="6000" b="1" dirty="0"/>
+          </a:p>
+        </p:txBody>
+      </p:sp>
+      <p:sp>
+        <p:nvSpPr>
+          <p:cNvPr id="3" name="Content Placeholder 2"/>
+          <p:cNvSpPr>
+            <a:spLocks noGrp="1"/>
+          </p:cNvSpPr>
+          <p:nvPr>
+            <p:ph idx="1"/>
+          </p:nvPr>
+        </p:nvSpPr>
+        <p:spPr>
+          <a:xfrm>
+            <a:off x="4419600" y="914400"/>
+            <a:ext cx="4267200" cy="5486400"/>
           </a:xfrm>
         </p:spPr>
         <p:txBody>
@@ -3995,81 +3991,54 @@
           </a:bodyPr>
           <a:lstStyle/>
           <a:p>
-            <a:pPr algn="l"/>
-            <a:r>
-              <a:rPr lang="en-US" sz="6000" b="1" dirty="0" smtClean="0"/>
-              <a:t>Main Success Scenario</a:t>
-            </a:r>
-            <a:endParaRPr lang="en-US" sz="6000" b="1" dirty="0"/>
-          </a:p>
-        </p:txBody>
-      </p:sp>
-      <p:sp>
-        <p:nvSpPr>
-          <p:cNvPr id="3" name="Content Placeholder 2"/>
-          <p:cNvSpPr>
-            <a:spLocks noGrp="1"/>
-          </p:cNvSpPr>
-          <p:nvPr>
-            <p:ph idx="1"/>
-          </p:nvPr>
-        </p:nvSpPr>
+            <a:r>
+              <a:rPr lang="en-US" sz="4000" b="1" dirty="0" smtClean="0"/>
+              <a:t>Hostess, Waiters, and Bus Boys interact with a listing of tables.</a:t>
+            </a:r>
+          </a:p>
+          <a:p>
+            <a:r>
+              <a:rPr lang="en-US" sz="4000" b="1" dirty="0" smtClean="0"/>
+              <a:t>Each role interacts with tables differently.</a:t>
+            </a:r>
+            <a:endParaRPr lang="en-US" sz="4000" b="1" dirty="0" smtClean="0"/>
+          </a:p>
+        </p:txBody>
+      </p:sp>
+      <p:pic>
+        <p:nvPicPr>
+          <p:cNvPr id="4" name="Picture 3"/>
+          <p:cNvPicPr>
+            <a:picLocks noChangeAspect="1"/>
+          </p:cNvPicPr>
+          <p:nvPr/>
+        </p:nvPicPr>
+        <p:blipFill>
+          <a:blip r:embed="rId2">
+            <a:extLst>
+              <a:ext uri="{28A0092B-C50C-407E-A947-70E740481C1C}">
+                <a14:useLocalDpi xmlns:a14="http://schemas.microsoft.com/office/drawing/2010/main" val="0"/>
+              </a:ext>
+            </a:extLst>
+          </a:blip>
+          <a:stretch>
+            <a:fillRect/>
+          </a:stretch>
+        </p:blipFill>
         <p:spPr>
           <a:xfrm>
-            <a:off x="228600" y="914400"/>
-            <a:ext cx="8458200" cy="5486400"/>
+            <a:off x="838200" y="1162050"/>
+            <a:ext cx="3124200" cy="4783932"/>
           </a:xfrm>
+          <a:prstGeom prst="rect">
+            <a:avLst/>
+          </a:prstGeom>
         </p:spPr>
-        <p:txBody>
-          <a:bodyPr>
-            <a:normAutofit fontScale="92500" lnSpcReduction="20000"/>
-          </a:bodyPr>
-          <a:lstStyle/>
-          <a:p>
-            <a:r>
-              <a:rPr lang="en-US" sz="4000" b="1" u="sng" dirty="0" smtClean="0"/>
-              <a:t>Ordering</a:t>
-            </a:r>
-            <a:r>
-              <a:rPr lang="en-US" sz="4000" b="1" dirty="0" smtClean="0"/>
-              <a:t>: order-items (drinks and dishes) are added to order-group which is placed in an order-queue by wait-staff</a:t>
-            </a:r>
-          </a:p>
-          <a:p>
-            <a:r>
-              <a:rPr lang="en-US" sz="4000" b="1" u="sng" dirty="0" smtClean="0"/>
-              <a:t>Preparation</a:t>
-            </a:r>
-            <a:r>
-              <a:rPr lang="en-US" sz="4000" b="1" dirty="0" smtClean="0"/>
-              <a:t>: order-group is removed from the order-queue by kitchen staff, order-items are prepared (in </a:t>
-            </a:r>
-            <a:r>
-              <a:rPr lang="en-US" sz="4000" b="1" dirty="0" err="1" smtClean="0"/>
-              <a:t>LPTF</a:t>
-            </a:r>
-            <a:r>
-              <a:rPr lang="en-US" sz="4000" b="1" dirty="0" smtClean="0"/>
-              <a:t> order), and the order-group is placed in the delivery-queue.  Inventory is updated.</a:t>
-            </a:r>
-          </a:p>
-          <a:p>
-            <a:r>
-              <a:rPr lang="en-US" sz="4000" b="1" u="sng" dirty="0" smtClean="0"/>
-              <a:t>Delivery</a:t>
-            </a:r>
-            <a:r>
-              <a:rPr lang="en-US" sz="4000" b="1" dirty="0" smtClean="0"/>
-              <a:t>: item is delivered and removed from delivery-queue by wait-staff.</a:t>
-            </a:r>
-            <a:endParaRPr lang="en-US" sz="4000" b="1" dirty="0"/>
-          </a:p>
-        </p:txBody>
-      </p:sp>
+      </p:pic>
     </p:spTree>
     <p:extLst>
       <p:ext uri="{BB962C8B-B14F-4D97-AF65-F5344CB8AC3E}">
-        <p14:creationId xmlns:p14="http://schemas.microsoft.com/office/powerpoint/2010/main" val="2876076367"/>
+        <p14:creationId xmlns:p14="http://schemas.microsoft.com/office/powerpoint/2010/main" val="1944642615"/>
       </p:ext>
     </p:extLst>
   </p:cSld>
@@ -4115,8 +4084,8 @@
         </p:nvSpPr>
         <p:spPr>
           <a:xfrm>
-            <a:off x="76200" y="-76200"/>
-            <a:ext cx="7924800" cy="1143000"/>
+            <a:off x="0" y="0"/>
+            <a:ext cx="8915400" cy="1447800"/>
           </a:xfrm>
         </p:spPr>
         <p:txBody>
@@ -4128,7 +4097,7 @@
             <a:pPr algn="l"/>
             <a:r>
               <a:rPr lang="en-US" sz="6000" b="1" dirty="0" smtClean="0"/>
-              <a:t>Main Success Scenario</a:t>
+              <a:t>Basic Idea – Taking Orders</a:t>
             </a:r>
             <a:endParaRPr lang="en-US" sz="6000" b="1" dirty="0"/>
           </a:p>
@@ -4144,95 +4113,202 @@
             <p:ph idx="1"/>
           </p:nvPr>
         </p:nvSpPr>
-        <p:spPr>
-          <a:xfrm>
-            <a:off x="228600" y="914400"/>
-            <a:ext cx="8458200" cy="5486400"/>
-          </a:xfrm>
-        </p:spPr>
-        <p:txBody>
-          <a:bodyPr>
-            <a:normAutofit/>
-          </a:bodyPr>
+        <p:spPr/>
+        <p:txBody>
+          <a:bodyPr/>
           <a:lstStyle/>
           <a:p>
             <a:pPr marL="0" indent="0">
               <a:buNone/>
             </a:pPr>
             <a:r>
-              <a:rPr lang="en-US" sz="4000" b="1" dirty="0" smtClean="0"/>
-              <a:t>Queue order is processed by an algorithm that:</a:t>
-            </a:r>
-          </a:p>
-          <a:p>
-            <a:pPr lvl="0"/>
-            <a:r>
-              <a:rPr lang="en-US" sz="4000" b="1" dirty="0" smtClean="0"/>
-              <a:t>Order-groups queued in FIFO</a:t>
-            </a:r>
-            <a:endParaRPr lang="en-US" sz="4000" b="1" dirty="0"/>
-          </a:p>
-          <a:p>
-            <a:pPr lvl="0"/>
-            <a:r>
-              <a:rPr lang="en-US" sz="4000" b="1" dirty="0" smtClean="0"/>
-              <a:t>Order-items queued </a:t>
-            </a:r>
-            <a:r>
-              <a:rPr lang="en-US" sz="4000" b="1" dirty="0"/>
-              <a:t>within </a:t>
-            </a:r>
-            <a:r>
-              <a:rPr lang="en-US" sz="4000" b="1" dirty="0" smtClean="0"/>
-              <a:t>order-group </a:t>
-            </a:r>
-            <a:r>
-              <a:rPr lang="en-US" sz="4000" b="1" dirty="0"/>
-              <a:t>by l</a:t>
-            </a:r>
-            <a:r>
-              <a:rPr lang="en-US" sz="4000" b="1" dirty="0" smtClean="0"/>
-              <a:t>ongest </a:t>
-            </a:r>
-            <a:r>
-              <a:rPr lang="en-US" sz="4000" b="1" dirty="0"/>
-              <a:t>prep-time </a:t>
-            </a:r>
-            <a:r>
-              <a:rPr lang="en-US" sz="4000" b="1" dirty="0" smtClean="0"/>
-              <a:t>first (</a:t>
-            </a:r>
-            <a:r>
-              <a:rPr lang="en-US" sz="4000" b="1" dirty="0" err="1" smtClean="0"/>
-              <a:t>LPTF</a:t>
-            </a:r>
-            <a:r>
-              <a:rPr lang="en-US" sz="4000" b="1" dirty="0" smtClean="0"/>
-              <a:t>) to synchronize their completion</a:t>
-            </a:r>
-          </a:p>
-          <a:p>
-            <a:endParaRPr lang="en-US" sz="4000" b="1" dirty="0"/>
+              <a:rPr lang="en-US" dirty="0" smtClean="0"/>
+              <a:t>Waiters will be able to quickly add an order to a table using a categorized menu system.</a:t>
+            </a:r>
+            <a:endParaRPr lang="en-US" dirty="0"/>
+          </a:p>
+        </p:txBody>
+      </p:sp>
+      <p:pic>
+        <p:nvPicPr>
+          <p:cNvPr id="4" name="Picture 3"/>
+          <p:cNvPicPr>
+            <a:picLocks noChangeAspect="1"/>
+          </p:cNvPicPr>
+          <p:nvPr/>
+        </p:nvPicPr>
+        <p:blipFill>
+          <a:blip r:embed="rId2">
+            <a:extLst>
+              <a:ext uri="{28A0092B-C50C-407E-A947-70E740481C1C}">
+                <a14:useLocalDpi xmlns:a14="http://schemas.microsoft.com/office/drawing/2010/main" val="0"/>
+              </a:ext>
+            </a:extLst>
+          </a:blip>
+          <a:stretch>
+            <a:fillRect/>
+          </a:stretch>
+        </p:blipFill>
+        <p:spPr>
+          <a:xfrm>
+            <a:off x="381000" y="2667000"/>
+            <a:ext cx="2133333" cy="3266667"/>
+          </a:xfrm>
+          <a:prstGeom prst="rect">
+            <a:avLst/>
+          </a:prstGeom>
+        </p:spPr>
+      </p:pic>
+      <p:pic>
+        <p:nvPicPr>
+          <p:cNvPr id="5" name="Picture 4"/>
+          <p:cNvPicPr>
+            <a:picLocks noChangeAspect="1"/>
+          </p:cNvPicPr>
+          <p:nvPr/>
+        </p:nvPicPr>
+        <p:blipFill>
+          <a:blip r:embed="rId3">
+            <a:extLst>
+              <a:ext uri="{28A0092B-C50C-407E-A947-70E740481C1C}">
+                <a14:useLocalDpi xmlns:a14="http://schemas.microsoft.com/office/drawing/2010/main" val="0"/>
+              </a:ext>
+            </a:extLst>
+          </a:blip>
+          <a:stretch>
+            <a:fillRect/>
+          </a:stretch>
+        </p:blipFill>
+        <p:spPr>
+          <a:xfrm>
+            <a:off x="3352800" y="2667000"/>
+            <a:ext cx="2133333" cy="3266667"/>
+          </a:xfrm>
+          <a:prstGeom prst="rect">
+            <a:avLst/>
+          </a:prstGeom>
+        </p:spPr>
+      </p:pic>
+      <p:pic>
+        <p:nvPicPr>
+          <p:cNvPr id="6" name="Picture 5"/>
+          <p:cNvPicPr>
+            <a:picLocks noChangeAspect="1"/>
+          </p:cNvPicPr>
+          <p:nvPr/>
+        </p:nvPicPr>
+        <p:blipFill>
+          <a:blip r:embed="rId4">
+            <a:extLst>
+              <a:ext uri="{28A0092B-C50C-407E-A947-70E740481C1C}">
+                <a14:useLocalDpi xmlns:a14="http://schemas.microsoft.com/office/drawing/2010/main" val="0"/>
+              </a:ext>
+            </a:extLst>
+          </a:blip>
+          <a:stretch>
+            <a:fillRect/>
+          </a:stretch>
+        </p:blipFill>
+        <p:spPr>
+          <a:xfrm>
+            <a:off x="6324600" y="2667000"/>
+            <a:ext cx="2133333" cy="3266667"/>
+          </a:xfrm>
+          <a:prstGeom prst="rect">
+            <a:avLst/>
+          </a:prstGeom>
+        </p:spPr>
+      </p:pic>
+      <p:sp>
+        <p:nvSpPr>
+          <p:cNvPr id="7" name="Right Arrow 6"/>
+          <p:cNvSpPr/>
+          <p:nvPr/>
+        </p:nvSpPr>
+        <p:spPr>
+          <a:xfrm>
+            <a:off x="2667000" y="3805033"/>
+            <a:ext cx="533400" cy="990600"/>
+          </a:xfrm>
+          <a:prstGeom prst="rightArrow">
+            <a:avLst/>
+          </a:prstGeom>
+        </p:spPr>
+        <p:style>
+          <a:lnRef idx="2">
+            <a:schemeClr val="accent1">
+              <a:shade val="50000"/>
+            </a:schemeClr>
+          </a:lnRef>
+          <a:fillRef idx="1">
+            <a:schemeClr val="accent1"/>
+          </a:fillRef>
+          <a:effectRef idx="0">
+            <a:schemeClr val="accent1"/>
+          </a:effectRef>
+          <a:fontRef idx="minor">
+            <a:schemeClr val="lt1"/>
+          </a:fontRef>
+        </p:style>
+        <p:txBody>
+          <a:bodyPr rtlCol="0" anchor="ctr"/>
+          <a:lstStyle/>
+          <a:p>
+            <a:pPr algn="ctr"/>
+            <a:endParaRPr lang="en-US"/>
+          </a:p>
+        </p:txBody>
+      </p:sp>
+      <p:sp>
+        <p:nvSpPr>
+          <p:cNvPr id="8" name="Right Arrow 7"/>
+          <p:cNvSpPr/>
+          <p:nvPr/>
+        </p:nvSpPr>
+        <p:spPr>
+          <a:xfrm>
+            <a:off x="5638800" y="3805033"/>
+            <a:ext cx="533400" cy="990600"/>
+          </a:xfrm>
+          <a:prstGeom prst="rightArrow">
+            <a:avLst/>
+          </a:prstGeom>
+        </p:spPr>
+        <p:style>
+          <a:lnRef idx="2">
+            <a:schemeClr val="accent1">
+              <a:shade val="50000"/>
+            </a:schemeClr>
+          </a:lnRef>
+          <a:fillRef idx="1">
+            <a:schemeClr val="accent1"/>
+          </a:fillRef>
+          <a:effectRef idx="0">
+            <a:schemeClr val="accent1"/>
+          </a:effectRef>
+          <a:fontRef idx="minor">
+            <a:schemeClr val="lt1"/>
+          </a:fontRef>
+        </p:style>
+        <p:txBody>
+          <a:bodyPr rtlCol="0" anchor="ctr"/>
+          <a:lstStyle/>
+          <a:p>
+            <a:pPr algn="ctr"/>
+            <a:endParaRPr lang="en-US"/>
           </a:p>
         </p:txBody>
       </p:sp>
     </p:spTree>
     <p:extLst>
       <p:ext uri="{BB962C8B-B14F-4D97-AF65-F5344CB8AC3E}">
-        <p14:creationId xmlns:p14="http://schemas.microsoft.com/office/powerpoint/2010/main" val="2876076367"/>
+        <p14:creationId xmlns:p14="http://schemas.microsoft.com/office/powerpoint/2010/main" val="90201503"/>
       </p:ext>
     </p:extLst>
   </p:cSld>
   <p:clrMapOvr>
     <a:masterClrMapping/>
   </p:clrMapOvr>
-  <p:timing>
-    <p:tnLst>
-      <p:par>
-        <p:cTn id="1" dur="indefinite" restart="never" nodeType="tmRoot"/>
-      </p:par>
-    </p:tnLst>
-  </p:timing>
 </p:sld>
 </file>
 
@@ -4266,7 +4342,7 @@
         <p:spPr>
           <a:xfrm>
             <a:off x="76200" y="-76200"/>
-            <a:ext cx="7924800" cy="1143000"/>
+            <a:ext cx="8991600" cy="1143000"/>
           </a:xfrm>
         </p:spPr>
         <p:txBody>
@@ -4278,7 +4354,7 @@
             <a:pPr algn="l"/>
             <a:r>
               <a:rPr lang="en-US" sz="6000" b="1" dirty="0" smtClean="0"/>
-              <a:t>Main Success Scenario</a:t>
+              <a:t>Basic Idea – Kitchen Staff</a:t>
             </a:r>
             <a:endParaRPr lang="en-US" sz="6000" b="1" dirty="0"/>
           </a:p>
@@ -4297,50 +4373,69 @@
         <p:spPr>
           <a:xfrm>
             <a:off x="228600" y="914400"/>
-            <a:ext cx="8458200" cy="5486400"/>
+            <a:ext cx="8458200" cy="3581400"/>
           </a:xfrm>
         </p:spPr>
         <p:txBody>
           <a:bodyPr>
-            <a:normAutofit/>
+            <a:normAutofit fontScale="92500" lnSpcReduction="10000"/>
           </a:bodyPr>
           <a:lstStyle/>
           <a:p>
+            <a:pPr marL="0" indent="0">
+              <a:buNone/>
+            </a:pPr>
             <a:r>
               <a:rPr lang="en-US" sz="4000" b="1" dirty="0" smtClean="0"/>
-              <a:t>People enjoy food and drinks and  possibly order more things.</a:t>
-            </a:r>
-          </a:p>
-          <a:p>
+              <a:t>Kitchen Staff use a touch display that sorts order items in the following manner:</a:t>
+            </a:r>
+            <a:endParaRPr lang="en-US" sz="4000" b="1" dirty="0" smtClean="0"/>
+          </a:p>
+          <a:p>
+            <a:pPr lvl="0"/>
+            <a:r>
+              <a:rPr lang="en-US" sz="4000" b="1" dirty="0" smtClean="0"/>
+              <a:t>Table Orders </a:t>
+            </a:r>
+            <a:r>
+              <a:rPr lang="en-US" sz="4000" b="1" dirty="0" smtClean="0"/>
+              <a:t>queued in FIFO</a:t>
+            </a:r>
+            <a:endParaRPr lang="en-US" sz="4000" b="1" dirty="0"/>
+          </a:p>
+          <a:p>
+            <a:pPr lvl="0"/>
+            <a:r>
+              <a:rPr lang="en-US" sz="4000" b="1" dirty="0" smtClean="0"/>
+              <a:t>Order Items </a:t>
+            </a:r>
+            <a:r>
+              <a:rPr lang="en-US" sz="4000" b="1" dirty="0" smtClean="0"/>
+              <a:t>queued </a:t>
+            </a:r>
             <a:r>
               <a:rPr lang="en-US" sz="4000" b="1" dirty="0"/>
-              <a:t>Meal </a:t>
+              <a:t>within </a:t>
             </a:r>
             <a:r>
               <a:rPr lang="en-US" sz="4000" b="1" dirty="0" smtClean="0"/>
-              <a:t>completed.</a:t>
-            </a:r>
-          </a:p>
-          <a:p>
+              <a:t>Table Group </a:t>
+            </a:r>
+            <a:r>
+              <a:rPr lang="en-US" sz="4000" b="1" dirty="0"/>
+              <a:t>by l</a:t>
+            </a:r>
             <a:r>
               <a:rPr lang="en-US" sz="4000" b="1" dirty="0" smtClean="0"/>
-              <a:t>Bill is totaled and presented.</a:t>
-            </a:r>
-          </a:p>
-          <a:p>
+              <a:t>ongest </a:t>
+            </a:r>
+            <a:r>
+              <a:rPr lang="en-US" sz="4000" b="1" dirty="0"/>
+              <a:t>prep-time </a:t>
+            </a:r>
             <a:r>
               <a:rPr lang="en-US" sz="4000" b="1" dirty="0" smtClean="0"/>
-              <a:t>Bill and tip can be paid electronically</a:t>
-            </a:r>
-          </a:p>
-          <a:p>
-            <a:r>
-              <a:rPr lang="en-US" sz="4000" b="1" dirty="0" smtClean="0"/>
-              <a:t>Bill is designated </a:t>
-            </a:r>
-            <a:r>
-              <a:rPr lang="en-US" sz="4000" b="1" dirty="0"/>
-              <a:t>“settled”</a:t>
+              <a:t>first (LPTF) to synchronize their completion</a:t>
             </a:r>
           </a:p>
           <a:p>
@@ -4348,10 +4443,48 @@
           </a:p>
         </p:txBody>
       </p:sp>
+      <p:pic>
+        <p:nvPicPr>
+          <p:cNvPr id="4" name="Content Placeholder 3"/>
+          <p:cNvPicPr>
+            <a:picLocks noChangeAspect="1"/>
+          </p:cNvPicPr>
+          <p:nvPr/>
+        </p:nvPicPr>
+        <p:blipFill>
+          <a:blip r:embed="rId2">
+            <a:extLst>
+              <a:ext uri="{28A0092B-C50C-407E-A947-70E740481C1C}">
+                <a14:useLocalDpi xmlns:a14="http://schemas.microsoft.com/office/drawing/2010/main" val="0"/>
+              </a:ext>
+            </a:extLst>
+          </a:blip>
+          <a:stretch>
+            <a:fillRect/>
+          </a:stretch>
+        </p:blipFill>
+        <p:spPr>
+          <a:xfrm>
+            <a:off x="31922" y="4572000"/>
+            <a:ext cx="9035878" cy="1371600"/>
+          </a:xfrm>
+          <a:prstGeom prst="rect">
+            <a:avLst/>
+          </a:prstGeom>
+          <a:ln w="15875">
+            <a:solidFill>
+              <a:schemeClr val="accent2">
+                <a:lumMod val="60000"/>
+                <a:lumOff val="40000"/>
+              </a:schemeClr>
+            </a:solidFill>
+          </a:ln>
+        </p:spPr>
+      </p:pic>
     </p:spTree>
     <p:extLst>
       <p:ext uri="{BB962C8B-B14F-4D97-AF65-F5344CB8AC3E}">
-        <p14:creationId xmlns:p14="http://schemas.microsoft.com/office/powerpoint/2010/main" val="2876076367"/>
+        <p14:creationId xmlns:p14="http://schemas.microsoft.com/office/powerpoint/2010/main" val="3975989844"/>
       </p:ext>
     </p:extLst>
   </p:cSld>
@@ -4397,8 +4530,8 @@
         </p:nvSpPr>
         <p:spPr>
           <a:xfrm>
-            <a:off x="76200" y="-76200"/>
-            <a:ext cx="7924800" cy="1143000"/>
+            <a:off x="0" y="0"/>
+            <a:ext cx="8915400" cy="1447800"/>
           </a:xfrm>
         </p:spPr>
         <p:txBody>
@@ -4410,7 +4543,7 @@
             <a:pPr algn="l"/>
             <a:r>
               <a:rPr lang="en-US" sz="6000" b="1" dirty="0" smtClean="0"/>
-              <a:t>Main Success Scenario</a:t>
+              <a:t>Basic Idea – Billing</a:t>
             </a:r>
             <a:endParaRPr lang="en-US" sz="6000" b="1" dirty="0"/>
           </a:p>
@@ -4426,63 +4559,202 @@
             <p:ph idx="1"/>
           </p:nvPr>
         </p:nvSpPr>
-        <p:spPr>
-          <a:xfrm>
-            <a:off x="228600" y="914400"/>
-            <a:ext cx="8458200" cy="5486400"/>
-          </a:xfrm>
-        </p:spPr>
-        <p:txBody>
-          <a:bodyPr>
-            <a:normAutofit/>
-          </a:bodyPr>
+        <p:spPr/>
+        <p:txBody>
+          <a:bodyPr/>
           <a:lstStyle/>
-          <a:p>
-            <a:r>
-              <a:rPr lang="en-US" sz="4000" b="1" dirty="0" smtClean="0"/>
-              <a:t>People leave.</a:t>
-            </a:r>
-          </a:p>
-          <a:p>
-            <a:r>
-              <a:rPr lang="en-US" sz="4000" b="1" dirty="0" smtClean="0"/>
-              <a:t>Table placed in bus queue</a:t>
-            </a:r>
-          </a:p>
-          <a:p>
-            <a:r>
-              <a:rPr lang="en-US" sz="4000" b="1" dirty="0" smtClean="0"/>
-              <a:t>Table is cleaned, removed from bus queue, and marked as available </a:t>
-            </a:r>
-          </a:p>
           <a:p>
             <a:pPr marL="0" indent="0">
               <a:buNone/>
             </a:pPr>
-            <a:endParaRPr lang="en-US" sz="4000" b="1" dirty="0" smtClean="0"/>
-          </a:p>
-          <a:p>
-            <a:endParaRPr lang="en-US" sz="4000" b="1" dirty="0"/>
+            <a:r>
+              <a:rPr lang="en-US" dirty="0" smtClean="0"/>
+              <a:t>Waiters will be able to quickly group orders into Order Groups for split billing.</a:t>
+            </a:r>
+            <a:endParaRPr lang="en-US" dirty="0"/>
+          </a:p>
+        </p:txBody>
+      </p:sp>
+      <p:pic>
+        <p:nvPicPr>
+          <p:cNvPr id="4" name="Picture 3"/>
+          <p:cNvPicPr>
+            <a:picLocks noChangeAspect="1"/>
+          </p:cNvPicPr>
+          <p:nvPr/>
+        </p:nvPicPr>
+        <p:blipFill>
+          <a:blip r:embed="rId2">
+            <a:extLst>
+              <a:ext uri="{28A0092B-C50C-407E-A947-70E740481C1C}">
+                <a14:useLocalDpi xmlns:a14="http://schemas.microsoft.com/office/drawing/2010/main" val="0"/>
+              </a:ext>
+            </a:extLst>
+          </a:blip>
+          <a:stretch>
+            <a:fillRect/>
+          </a:stretch>
+        </p:blipFill>
+        <p:spPr>
+          <a:xfrm>
+            <a:off x="381000" y="2667000"/>
+            <a:ext cx="2133333" cy="3266667"/>
+          </a:xfrm>
+          <a:prstGeom prst="rect">
+            <a:avLst/>
+          </a:prstGeom>
+        </p:spPr>
+      </p:pic>
+      <p:pic>
+        <p:nvPicPr>
+          <p:cNvPr id="5" name="Picture 4"/>
+          <p:cNvPicPr>
+            <a:picLocks noChangeAspect="1"/>
+          </p:cNvPicPr>
+          <p:nvPr/>
+        </p:nvPicPr>
+        <p:blipFill>
+          <a:blip r:embed="rId3">
+            <a:extLst>
+              <a:ext uri="{28A0092B-C50C-407E-A947-70E740481C1C}">
+                <a14:useLocalDpi xmlns:a14="http://schemas.microsoft.com/office/drawing/2010/main" val="0"/>
+              </a:ext>
+            </a:extLst>
+          </a:blip>
+          <a:stretch>
+            <a:fillRect/>
+          </a:stretch>
+        </p:blipFill>
+        <p:spPr>
+          <a:xfrm>
+            <a:off x="3352800" y="2667000"/>
+            <a:ext cx="2133333" cy="3266667"/>
+          </a:xfrm>
+          <a:prstGeom prst="rect">
+            <a:avLst/>
+          </a:prstGeom>
+        </p:spPr>
+      </p:pic>
+      <p:pic>
+        <p:nvPicPr>
+          <p:cNvPr id="6" name="Picture 5"/>
+          <p:cNvPicPr>
+            <a:picLocks noChangeAspect="1"/>
+          </p:cNvPicPr>
+          <p:nvPr/>
+        </p:nvPicPr>
+        <p:blipFill>
+          <a:blip r:embed="rId4">
+            <a:extLst>
+              <a:ext uri="{28A0092B-C50C-407E-A947-70E740481C1C}">
+                <a14:useLocalDpi xmlns:a14="http://schemas.microsoft.com/office/drawing/2010/main" val="0"/>
+              </a:ext>
+            </a:extLst>
+          </a:blip>
+          <a:stretch>
+            <a:fillRect/>
+          </a:stretch>
+        </p:blipFill>
+        <p:spPr>
+          <a:xfrm>
+            <a:off x="6324600" y="2667000"/>
+            <a:ext cx="2133333" cy="3266667"/>
+          </a:xfrm>
+          <a:prstGeom prst="rect">
+            <a:avLst/>
+          </a:prstGeom>
+        </p:spPr>
+      </p:pic>
+      <p:sp>
+        <p:nvSpPr>
+          <p:cNvPr id="7" name="Right Arrow 6"/>
+          <p:cNvSpPr/>
+          <p:nvPr/>
+        </p:nvSpPr>
+        <p:spPr>
+          <a:xfrm>
+            <a:off x="2667000" y="3805033"/>
+            <a:ext cx="533400" cy="990600"/>
+          </a:xfrm>
+          <a:prstGeom prst="rightArrow">
+            <a:avLst/>
+          </a:prstGeom>
+        </p:spPr>
+        <p:style>
+          <a:lnRef idx="2">
+            <a:schemeClr val="accent1">
+              <a:shade val="50000"/>
+            </a:schemeClr>
+          </a:lnRef>
+          <a:fillRef idx="1">
+            <a:schemeClr val="accent1"/>
+          </a:fillRef>
+          <a:effectRef idx="0">
+            <a:schemeClr val="accent1"/>
+          </a:effectRef>
+          <a:fontRef idx="minor">
+            <a:schemeClr val="lt1"/>
+          </a:fontRef>
+        </p:style>
+        <p:txBody>
+          <a:bodyPr rtlCol="0" anchor="ctr"/>
+          <a:lstStyle/>
+          <a:p>
+            <a:pPr algn="ctr"/>
+            <a:endParaRPr lang="en-US"/>
+          </a:p>
+        </p:txBody>
+      </p:sp>
+      <p:sp>
+        <p:nvSpPr>
+          <p:cNvPr id="8" name="Right Arrow 7"/>
+          <p:cNvSpPr/>
+          <p:nvPr/>
+        </p:nvSpPr>
+        <p:spPr>
+          <a:xfrm>
+            <a:off x="5638800" y="3805033"/>
+            <a:ext cx="533400" cy="990600"/>
+          </a:xfrm>
+          <a:prstGeom prst="rightArrow">
+            <a:avLst/>
+          </a:prstGeom>
+        </p:spPr>
+        <p:style>
+          <a:lnRef idx="2">
+            <a:schemeClr val="accent1">
+              <a:shade val="50000"/>
+            </a:schemeClr>
+          </a:lnRef>
+          <a:fillRef idx="1">
+            <a:schemeClr val="accent1"/>
+          </a:fillRef>
+          <a:effectRef idx="0">
+            <a:schemeClr val="accent1"/>
+          </a:effectRef>
+          <a:fontRef idx="minor">
+            <a:schemeClr val="lt1"/>
+          </a:fontRef>
+        </p:style>
+        <p:txBody>
+          <a:bodyPr rtlCol="0" anchor="ctr"/>
+          <a:lstStyle/>
+          <a:p>
+            <a:pPr algn="ctr"/>
+            <a:endParaRPr lang="en-US"/>
           </a:p>
         </p:txBody>
       </p:sp>
     </p:spTree>
     <p:extLst>
       <p:ext uri="{BB962C8B-B14F-4D97-AF65-F5344CB8AC3E}">
-        <p14:creationId xmlns:p14="http://schemas.microsoft.com/office/powerpoint/2010/main" val="2876076367"/>
+        <p14:creationId xmlns:p14="http://schemas.microsoft.com/office/powerpoint/2010/main" val="1627308335"/>
       </p:ext>
     </p:extLst>
   </p:cSld>
   <p:clrMapOvr>
     <a:masterClrMapping/>
   </p:clrMapOvr>
-  <p:timing>
-    <p:tnLst>
-      <p:par>
-        <p:cTn id="1" dur="indefinite" restart="never" nodeType="tmRoot"/>
-      </p:par>
-    </p:tnLst>
-  </p:timing>
 </p:sld>
 </file>
 
@@ -4503,2177 +4775,6 @@
           <a:chExt cx="0" cy="0"/>
         </a:xfrm>
       </p:grpSpPr>
-      <p:graphicFrame>
-        <p:nvGraphicFramePr>
-          <p:cNvPr id="4" name="Content Placeholder 3"/>
-          <p:cNvGraphicFramePr>
-            <a:graphicFrameLocks noGrp="1"/>
-          </p:cNvGraphicFramePr>
-          <p:nvPr>
-            <p:ph idx="1"/>
-            <p:extLst>
-              <p:ext uri="{D42A27DB-BD31-4B8C-83A1-F6EECF244321}">
-                <p14:modId xmlns:p14="http://schemas.microsoft.com/office/powerpoint/2010/main" val="3326821041"/>
-              </p:ext>
-            </p:extLst>
-          </p:nvPr>
-        </p:nvGraphicFramePr>
-        <p:xfrm>
-          <a:off x="0" y="838200"/>
-          <a:ext cx="9067800" cy="5873963"/>
-        </p:xfrm>
-        <a:graphic>
-          <a:graphicData uri="http://schemas.openxmlformats.org/drawingml/2006/table">
-            <a:tbl>
-              <a:tblPr firstRow="1" firstCol="1" bandRow="1">
-                <a:tableStyleId>{5DA37D80-6434-44D0-A028-1B22A696006F}</a:tableStyleId>
-              </a:tblPr>
-              <a:tblGrid>
-                <a:gridCol w="457200"/>
-                <a:gridCol w="2209800"/>
-                <a:gridCol w="914400"/>
-                <a:gridCol w="2590800"/>
-                <a:gridCol w="1752600"/>
-                <a:gridCol w="1143000"/>
-              </a:tblGrid>
-              <a:tr h="389363">
-                <a:tc>
-                  <a:txBody>
-                    <a:bodyPr/>
-                    <a:lstStyle/>
-                    <a:p>
-                      <a:pPr marL="0" marR="0" algn="ctr">
-                        <a:lnSpc>
-                          <a:spcPct val="115000"/>
-                        </a:lnSpc>
-                        <a:spcBef>
-                          <a:spcPts val="0"/>
-                        </a:spcBef>
-                        <a:spcAft>
-                          <a:spcPts val="0"/>
-                        </a:spcAft>
-                      </a:pPr>
-                      <a:r>
-                        <a:rPr lang="en-US" sz="2400" dirty="0">
-                          <a:effectLst/>
-                        </a:rPr>
-                        <a:t>ID</a:t>
-                      </a:r>
-                      <a:endParaRPr lang="en-US" sz="3600" dirty="0">
-                        <a:effectLst/>
-                        <a:latin typeface="Calibri"/>
-                        <a:ea typeface="Calibri"/>
-                        <a:cs typeface="Times New Roman"/>
-                      </a:endParaRPr>
-                    </a:p>
-                  </a:txBody>
-                  <a:tcPr marL="68580" marR="68580" marT="0" marB="0" anchor="b"/>
-                </a:tc>
-                <a:tc>
-                  <a:txBody>
-                    <a:bodyPr/>
-                    <a:lstStyle/>
-                    <a:p>
-                      <a:pPr marL="0" marR="0" algn="ctr">
-                        <a:lnSpc>
-                          <a:spcPct val="115000"/>
-                        </a:lnSpc>
-                        <a:spcBef>
-                          <a:spcPts val="0"/>
-                        </a:spcBef>
-                        <a:spcAft>
-                          <a:spcPts val="0"/>
-                        </a:spcAft>
-                      </a:pPr>
-                      <a:r>
-                        <a:rPr lang="en-US" sz="2400" dirty="0">
-                          <a:effectLst/>
-                        </a:rPr>
-                        <a:t>Name </a:t>
-                      </a:r>
-                      <a:endParaRPr lang="en-US" sz="3600" dirty="0">
-                        <a:effectLst/>
-                        <a:latin typeface="Calibri"/>
-                        <a:ea typeface="Calibri"/>
-                        <a:cs typeface="Times New Roman"/>
-                      </a:endParaRPr>
-                    </a:p>
-                  </a:txBody>
-                  <a:tcPr marL="68580" marR="68580" marT="0" marB="0" anchor="b"/>
-                </a:tc>
-                <a:tc>
-                  <a:txBody>
-                    <a:bodyPr/>
-                    <a:lstStyle/>
-                    <a:p>
-                      <a:pPr marL="0" marR="0" algn="ctr">
-                        <a:lnSpc>
-                          <a:spcPct val="115000"/>
-                        </a:lnSpc>
-                        <a:spcBef>
-                          <a:spcPts val="0"/>
-                        </a:spcBef>
-                        <a:spcAft>
-                          <a:spcPts val="0"/>
-                        </a:spcAft>
-                      </a:pPr>
-                      <a:r>
-                        <a:rPr lang="en-US" sz="2400">
-                          <a:effectLst/>
-                        </a:rPr>
-                        <a:t>Scope</a:t>
-                      </a:r>
-                      <a:endParaRPr lang="en-US" sz="3600">
-                        <a:effectLst/>
-                        <a:latin typeface="Calibri"/>
-                        <a:ea typeface="Calibri"/>
-                        <a:cs typeface="Times New Roman"/>
-                      </a:endParaRPr>
-                    </a:p>
-                  </a:txBody>
-                  <a:tcPr marL="68580" marR="68580" marT="0" marB="0" anchor="b"/>
-                </a:tc>
-                <a:tc>
-                  <a:txBody>
-                    <a:bodyPr/>
-                    <a:lstStyle/>
-                    <a:p>
-                      <a:pPr marL="0" marR="0" algn="ctr">
-                        <a:lnSpc>
-                          <a:spcPct val="115000"/>
-                        </a:lnSpc>
-                        <a:spcBef>
-                          <a:spcPts val="0"/>
-                        </a:spcBef>
-                        <a:spcAft>
-                          <a:spcPts val="0"/>
-                        </a:spcAft>
-                      </a:pPr>
-                      <a:r>
-                        <a:rPr lang="en-US" sz="2400" dirty="0">
-                          <a:effectLst/>
-                        </a:rPr>
-                        <a:t>Primary Actor</a:t>
-                      </a:r>
-                      <a:endParaRPr lang="en-US" sz="3600" dirty="0">
-                        <a:effectLst/>
-                        <a:latin typeface="Calibri"/>
-                        <a:ea typeface="Calibri"/>
-                        <a:cs typeface="Times New Roman"/>
-                      </a:endParaRPr>
-                    </a:p>
-                  </a:txBody>
-                  <a:tcPr marL="68580" marR="68580" marT="0" marB="0" anchor="b"/>
-                </a:tc>
-                <a:tc>
-                  <a:txBody>
-                    <a:bodyPr/>
-                    <a:lstStyle/>
-                    <a:p>
-                      <a:pPr marL="0" marR="0" algn="ctr">
-                        <a:lnSpc>
-                          <a:spcPct val="115000"/>
-                        </a:lnSpc>
-                        <a:spcBef>
-                          <a:spcPts val="0"/>
-                        </a:spcBef>
-                        <a:spcAft>
-                          <a:spcPts val="0"/>
-                        </a:spcAft>
-                      </a:pPr>
-                      <a:r>
-                        <a:rPr lang="en-US" sz="2400" dirty="0" err="1" smtClean="0">
-                          <a:effectLst/>
-                        </a:rPr>
-                        <a:t>Compelxity</a:t>
-                      </a:r>
-                      <a:endParaRPr lang="en-US" sz="3600" dirty="0">
-                        <a:effectLst/>
-                        <a:latin typeface="Calibri"/>
-                        <a:ea typeface="Calibri"/>
-                        <a:cs typeface="Times New Roman"/>
-                      </a:endParaRPr>
-                    </a:p>
-                  </a:txBody>
-                  <a:tcPr marL="68580" marR="68580" marT="0" marB="0" anchor="b"/>
-                </a:tc>
-                <a:tc>
-                  <a:txBody>
-                    <a:bodyPr/>
-                    <a:lstStyle/>
-                    <a:p>
-                      <a:pPr marL="0" marR="0" algn="ctr">
-                        <a:lnSpc>
-                          <a:spcPct val="115000"/>
-                        </a:lnSpc>
-                        <a:spcBef>
-                          <a:spcPts val="0"/>
-                        </a:spcBef>
-                        <a:spcAft>
-                          <a:spcPts val="0"/>
-                        </a:spcAft>
-                      </a:pPr>
-                      <a:r>
-                        <a:rPr lang="en-US" sz="2400" dirty="0">
-                          <a:effectLst/>
-                        </a:rPr>
-                        <a:t>Priority</a:t>
-                      </a:r>
-                      <a:endParaRPr lang="en-US" sz="3600" dirty="0">
-                        <a:effectLst/>
-                        <a:latin typeface="Calibri"/>
-                        <a:ea typeface="Calibri"/>
-                        <a:cs typeface="Times New Roman"/>
-                      </a:endParaRPr>
-                    </a:p>
-                  </a:txBody>
-                  <a:tcPr marL="68580" marR="68580" marT="0" marB="0" anchor="b"/>
-                </a:tc>
-              </a:tr>
-              <a:tr h="547804">
-                <a:tc>
-                  <a:txBody>
-                    <a:bodyPr/>
-                    <a:lstStyle/>
-                    <a:p>
-                      <a:pPr marL="0" marR="0" algn="ctr">
-                        <a:lnSpc>
-                          <a:spcPct val="115000"/>
-                        </a:lnSpc>
-                        <a:spcBef>
-                          <a:spcPts val="0"/>
-                        </a:spcBef>
-                        <a:spcAft>
-                          <a:spcPts val="0"/>
-                        </a:spcAft>
-                      </a:pPr>
-                      <a:r>
-                        <a:rPr lang="en-US" sz="2400" dirty="0">
-                          <a:effectLst/>
-                        </a:rPr>
-                        <a:t>1</a:t>
-                      </a:r>
-                      <a:endParaRPr lang="en-US" sz="3600" dirty="0">
-                        <a:effectLst/>
-                        <a:latin typeface="Calibri"/>
-                        <a:ea typeface="Calibri"/>
-                        <a:cs typeface="Times New Roman"/>
-                      </a:endParaRPr>
-                    </a:p>
-                  </a:txBody>
-                  <a:tcPr marL="68580" marR="68580" marT="0" marB="0" anchor="b"/>
-                </a:tc>
-                <a:tc>
-                  <a:txBody>
-                    <a:bodyPr/>
-                    <a:lstStyle/>
-                    <a:p>
-                      <a:pPr marL="0" marR="0" algn="ctr">
-                        <a:lnSpc>
-                          <a:spcPct val="115000"/>
-                        </a:lnSpc>
-                        <a:spcBef>
-                          <a:spcPts val="0"/>
-                        </a:spcBef>
-                        <a:spcAft>
-                          <a:spcPts val="0"/>
-                        </a:spcAft>
-                      </a:pPr>
-                      <a:r>
-                        <a:rPr lang="en-US" sz="2400" dirty="0">
-                          <a:effectLst/>
-                        </a:rPr>
-                        <a:t>Menu view</a:t>
-                      </a:r>
-                      <a:endParaRPr lang="en-US" sz="3600" dirty="0">
-                        <a:effectLst/>
-                        <a:latin typeface="Calibri"/>
-                        <a:ea typeface="Calibri"/>
-                        <a:cs typeface="Times New Roman"/>
-                      </a:endParaRPr>
-                    </a:p>
-                  </a:txBody>
-                  <a:tcPr marL="68580" marR="68580" marT="0" marB="0" anchor="b"/>
-                </a:tc>
-                <a:tc>
-                  <a:txBody>
-                    <a:bodyPr/>
-                    <a:lstStyle/>
-                    <a:p>
-                      <a:pPr marL="0" marR="0" algn="ctr">
-                        <a:lnSpc>
-                          <a:spcPct val="115000"/>
-                        </a:lnSpc>
-                        <a:spcBef>
-                          <a:spcPts val="0"/>
-                        </a:spcBef>
-                        <a:spcAft>
-                          <a:spcPts val="0"/>
-                        </a:spcAft>
-                      </a:pPr>
-                      <a:r>
-                        <a:rPr lang="en-US" sz="2400">
-                          <a:effectLst/>
-                        </a:rPr>
-                        <a:t>In</a:t>
-                      </a:r>
-                      <a:endParaRPr lang="en-US" sz="3600">
-                        <a:effectLst/>
-                        <a:latin typeface="Calibri"/>
-                        <a:ea typeface="Calibri"/>
-                        <a:cs typeface="Times New Roman"/>
-                      </a:endParaRPr>
-                    </a:p>
-                  </a:txBody>
-                  <a:tcPr marL="68580" marR="68580" marT="0" marB="0" anchor="b"/>
-                </a:tc>
-                <a:tc>
-                  <a:txBody>
-                    <a:bodyPr/>
-                    <a:lstStyle/>
-                    <a:p>
-                      <a:pPr marL="0" marR="0" algn="ctr">
-                        <a:lnSpc>
-                          <a:spcPct val="115000"/>
-                        </a:lnSpc>
-                        <a:spcBef>
-                          <a:spcPts val="0"/>
-                        </a:spcBef>
-                        <a:spcAft>
-                          <a:spcPts val="0"/>
-                        </a:spcAft>
-                      </a:pPr>
-                      <a:r>
-                        <a:rPr lang="en-US" sz="2400" dirty="0">
-                          <a:effectLst/>
-                        </a:rPr>
-                        <a:t>Anyone</a:t>
-                      </a:r>
-                      <a:endParaRPr lang="en-US" sz="3600" dirty="0">
-                        <a:effectLst/>
-                        <a:latin typeface="Calibri"/>
-                        <a:ea typeface="Calibri"/>
-                        <a:cs typeface="Times New Roman"/>
-                      </a:endParaRPr>
-                    </a:p>
-                  </a:txBody>
-                  <a:tcPr marL="68580" marR="68580" marT="0" marB="0" anchor="b"/>
-                </a:tc>
-                <a:tc>
-                  <a:txBody>
-                    <a:bodyPr/>
-                    <a:lstStyle/>
-                    <a:p>
-                      <a:pPr marL="0" marR="0" algn="ctr">
-                        <a:lnSpc>
-                          <a:spcPct val="115000"/>
-                        </a:lnSpc>
-                        <a:spcBef>
-                          <a:spcPts val="0"/>
-                        </a:spcBef>
-                        <a:spcAft>
-                          <a:spcPts val="0"/>
-                        </a:spcAft>
-                      </a:pPr>
-                      <a:r>
-                        <a:rPr lang="en-US" sz="2400">
-                          <a:effectLst/>
-                        </a:rPr>
-                        <a:t>Low</a:t>
-                      </a:r>
-                      <a:endParaRPr lang="en-US" sz="3600">
-                        <a:effectLst/>
-                        <a:latin typeface="Calibri"/>
-                        <a:ea typeface="Calibri"/>
-                        <a:cs typeface="Times New Roman"/>
-                      </a:endParaRPr>
-                    </a:p>
-                  </a:txBody>
-                  <a:tcPr marL="68580" marR="68580" marT="0" marB="0" anchor="b"/>
-                </a:tc>
-                <a:tc>
-                  <a:txBody>
-                    <a:bodyPr/>
-                    <a:lstStyle/>
-                    <a:p>
-                      <a:pPr marL="0" marR="0" algn="ctr">
-                        <a:lnSpc>
-                          <a:spcPct val="115000"/>
-                        </a:lnSpc>
-                        <a:spcBef>
-                          <a:spcPts val="0"/>
-                        </a:spcBef>
-                        <a:spcAft>
-                          <a:spcPts val="0"/>
-                        </a:spcAft>
-                      </a:pPr>
-                      <a:r>
-                        <a:rPr lang="en-US" sz="2400">
-                          <a:effectLst/>
-                        </a:rPr>
-                        <a:t>1</a:t>
-                      </a:r>
-                      <a:endParaRPr lang="en-US" sz="3600">
-                        <a:effectLst/>
-                        <a:latin typeface="Calibri"/>
-                        <a:ea typeface="Calibri"/>
-                        <a:cs typeface="Times New Roman"/>
-                      </a:endParaRPr>
-                    </a:p>
-                  </a:txBody>
-                  <a:tcPr marL="68580" marR="68580" marT="0" marB="0" anchor="b"/>
-                </a:tc>
-              </a:tr>
-              <a:tr h="547804">
-                <a:tc>
-                  <a:txBody>
-                    <a:bodyPr/>
-                    <a:lstStyle/>
-                    <a:p>
-                      <a:pPr marL="0" marR="0" algn="ctr">
-                        <a:lnSpc>
-                          <a:spcPct val="115000"/>
-                        </a:lnSpc>
-                        <a:spcBef>
-                          <a:spcPts val="0"/>
-                        </a:spcBef>
-                        <a:spcAft>
-                          <a:spcPts val="0"/>
-                        </a:spcAft>
-                      </a:pPr>
-                      <a:r>
-                        <a:rPr lang="en-US" sz="2400">
-                          <a:effectLst/>
-                        </a:rPr>
-                        <a:t>2</a:t>
-                      </a:r>
-                      <a:endParaRPr lang="en-US" sz="3600">
-                        <a:effectLst/>
-                        <a:latin typeface="Calibri"/>
-                        <a:ea typeface="Calibri"/>
-                        <a:cs typeface="Times New Roman"/>
-                      </a:endParaRPr>
-                    </a:p>
-                  </a:txBody>
-                  <a:tcPr marL="68580" marR="68580" marT="0" marB="0" anchor="b"/>
-                </a:tc>
-                <a:tc>
-                  <a:txBody>
-                    <a:bodyPr/>
-                    <a:lstStyle/>
-                    <a:p>
-                      <a:pPr marL="0" marR="0" algn="ctr">
-                        <a:lnSpc>
-                          <a:spcPct val="115000"/>
-                        </a:lnSpc>
-                        <a:spcBef>
-                          <a:spcPts val="0"/>
-                        </a:spcBef>
-                        <a:spcAft>
-                          <a:spcPts val="0"/>
-                        </a:spcAft>
-                      </a:pPr>
-                      <a:r>
-                        <a:rPr lang="en-US" sz="2400" dirty="0" smtClean="0">
-                          <a:effectLst/>
-                        </a:rPr>
-                        <a:t>Place Order</a:t>
-                      </a:r>
-                      <a:endParaRPr lang="en-US" sz="3600" dirty="0">
-                        <a:effectLst/>
-                        <a:latin typeface="Calibri"/>
-                        <a:ea typeface="Calibri"/>
-                        <a:cs typeface="Times New Roman"/>
-                      </a:endParaRPr>
-                    </a:p>
-                  </a:txBody>
-                  <a:tcPr marL="68580" marR="68580" marT="0" marB="0" anchor="b"/>
-                </a:tc>
-                <a:tc>
-                  <a:txBody>
-                    <a:bodyPr/>
-                    <a:lstStyle/>
-                    <a:p>
-                      <a:pPr marL="0" marR="0" algn="ctr">
-                        <a:lnSpc>
-                          <a:spcPct val="115000"/>
-                        </a:lnSpc>
-                        <a:spcBef>
-                          <a:spcPts val="0"/>
-                        </a:spcBef>
-                        <a:spcAft>
-                          <a:spcPts val="0"/>
-                        </a:spcAft>
-                      </a:pPr>
-                      <a:r>
-                        <a:rPr lang="en-US" sz="2400">
-                          <a:effectLst/>
-                        </a:rPr>
-                        <a:t>In</a:t>
-                      </a:r>
-                      <a:endParaRPr lang="en-US" sz="3600">
-                        <a:effectLst/>
-                        <a:latin typeface="Calibri"/>
-                        <a:ea typeface="Calibri"/>
-                        <a:cs typeface="Times New Roman"/>
-                      </a:endParaRPr>
-                    </a:p>
-                  </a:txBody>
-                  <a:tcPr marL="68580" marR="68580" marT="0" marB="0" anchor="b"/>
-                </a:tc>
-                <a:tc>
-                  <a:txBody>
-                    <a:bodyPr/>
-                    <a:lstStyle/>
-                    <a:p>
-                      <a:pPr marL="0" marR="0" algn="ctr">
-                        <a:lnSpc>
-                          <a:spcPct val="115000"/>
-                        </a:lnSpc>
-                        <a:spcBef>
-                          <a:spcPts val="0"/>
-                        </a:spcBef>
-                        <a:spcAft>
-                          <a:spcPts val="0"/>
-                        </a:spcAft>
-                      </a:pPr>
-                      <a:r>
-                        <a:rPr lang="en-US" sz="2400">
-                          <a:effectLst/>
-                        </a:rPr>
-                        <a:t>Customer</a:t>
-                      </a:r>
-                      <a:endParaRPr lang="en-US" sz="3600">
-                        <a:effectLst/>
-                        <a:latin typeface="Calibri"/>
-                        <a:ea typeface="Calibri"/>
-                        <a:cs typeface="Times New Roman"/>
-                      </a:endParaRPr>
-                    </a:p>
-                  </a:txBody>
-                  <a:tcPr marL="68580" marR="68580" marT="0" marB="0" anchor="b"/>
-                </a:tc>
-                <a:tc>
-                  <a:txBody>
-                    <a:bodyPr/>
-                    <a:lstStyle/>
-                    <a:p>
-                      <a:pPr marL="0" marR="0" algn="ctr">
-                        <a:lnSpc>
-                          <a:spcPct val="115000"/>
-                        </a:lnSpc>
-                        <a:spcBef>
-                          <a:spcPts val="0"/>
-                        </a:spcBef>
-                        <a:spcAft>
-                          <a:spcPts val="0"/>
-                        </a:spcAft>
-                      </a:pPr>
-                      <a:r>
-                        <a:rPr lang="en-US" sz="2400">
-                          <a:effectLst/>
-                        </a:rPr>
-                        <a:t>Low</a:t>
-                      </a:r>
-                      <a:endParaRPr lang="en-US" sz="3600">
-                        <a:effectLst/>
-                        <a:latin typeface="Calibri"/>
-                        <a:ea typeface="Calibri"/>
-                        <a:cs typeface="Times New Roman"/>
-                      </a:endParaRPr>
-                    </a:p>
-                  </a:txBody>
-                  <a:tcPr marL="68580" marR="68580" marT="0" marB="0" anchor="b"/>
-                </a:tc>
-                <a:tc>
-                  <a:txBody>
-                    <a:bodyPr/>
-                    <a:lstStyle/>
-                    <a:p>
-                      <a:pPr marL="0" marR="0" algn="ctr">
-                        <a:lnSpc>
-                          <a:spcPct val="115000"/>
-                        </a:lnSpc>
-                        <a:spcBef>
-                          <a:spcPts val="0"/>
-                        </a:spcBef>
-                        <a:spcAft>
-                          <a:spcPts val="0"/>
-                        </a:spcAft>
-                      </a:pPr>
-                      <a:r>
-                        <a:rPr lang="en-US" sz="2400">
-                          <a:effectLst/>
-                        </a:rPr>
-                        <a:t>1</a:t>
-                      </a:r>
-                      <a:endParaRPr lang="en-US" sz="3600">
-                        <a:effectLst/>
-                        <a:latin typeface="Calibri"/>
-                        <a:ea typeface="Calibri"/>
-                        <a:cs typeface="Times New Roman"/>
-                      </a:endParaRPr>
-                    </a:p>
-                  </a:txBody>
-                  <a:tcPr marL="68580" marR="68580" marT="0" marB="0" anchor="b"/>
-                </a:tc>
-              </a:tr>
-              <a:tr h="547804">
-                <a:tc>
-                  <a:txBody>
-                    <a:bodyPr/>
-                    <a:lstStyle/>
-                    <a:p>
-                      <a:pPr marL="0" marR="0" algn="ctr">
-                        <a:lnSpc>
-                          <a:spcPct val="115000"/>
-                        </a:lnSpc>
-                        <a:spcBef>
-                          <a:spcPts val="0"/>
-                        </a:spcBef>
-                        <a:spcAft>
-                          <a:spcPts val="0"/>
-                        </a:spcAft>
-                      </a:pPr>
-                      <a:r>
-                        <a:rPr lang="en-US" sz="2400">
-                          <a:effectLst/>
-                        </a:rPr>
-                        <a:t>3</a:t>
-                      </a:r>
-                      <a:endParaRPr lang="en-US" sz="3600">
-                        <a:effectLst/>
-                        <a:latin typeface="Calibri"/>
-                        <a:ea typeface="Calibri"/>
-                        <a:cs typeface="Times New Roman"/>
-                      </a:endParaRPr>
-                    </a:p>
-                  </a:txBody>
-                  <a:tcPr marL="68580" marR="68580" marT="0" marB="0" anchor="b"/>
-                </a:tc>
-                <a:tc>
-                  <a:txBody>
-                    <a:bodyPr/>
-                    <a:lstStyle/>
-                    <a:p>
-                      <a:pPr marL="0" marR="0" algn="ctr">
-                        <a:lnSpc>
-                          <a:spcPct val="115000"/>
-                        </a:lnSpc>
-                        <a:spcBef>
-                          <a:spcPts val="0"/>
-                        </a:spcBef>
-                        <a:spcAft>
-                          <a:spcPts val="0"/>
-                        </a:spcAft>
-                      </a:pPr>
-                      <a:r>
-                        <a:rPr lang="en-US" sz="2400" dirty="0" smtClean="0">
-                          <a:effectLst/>
-                        </a:rPr>
-                        <a:t>Deliver Order</a:t>
-                      </a:r>
-                      <a:endParaRPr lang="en-US" sz="3600" dirty="0">
-                        <a:effectLst/>
-                        <a:latin typeface="Calibri"/>
-                        <a:ea typeface="Calibri"/>
-                        <a:cs typeface="Times New Roman"/>
-                      </a:endParaRPr>
-                    </a:p>
-                  </a:txBody>
-                  <a:tcPr marL="68580" marR="68580" marT="0" marB="0" anchor="b"/>
-                </a:tc>
-                <a:tc>
-                  <a:txBody>
-                    <a:bodyPr/>
-                    <a:lstStyle/>
-                    <a:p>
-                      <a:pPr marL="0" marR="0" algn="ctr">
-                        <a:lnSpc>
-                          <a:spcPct val="115000"/>
-                        </a:lnSpc>
-                        <a:spcBef>
-                          <a:spcPts val="0"/>
-                        </a:spcBef>
-                        <a:spcAft>
-                          <a:spcPts val="0"/>
-                        </a:spcAft>
-                      </a:pPr>
-                      <a:r>
-                        <a:rPr lang="en-US" sz="2400" dirty="0">
-                          <a:effectLst/>
-                        </a:rPr>
-                        <a:t>In</a:t>
-                      </a:r>
-                      <a:endParaRPr lang="en-US" sz="3600" dirty="0">
-                        <a:effectLst/>
-                        <a:latin typeface="Calibri"/>
-                        <a:ea typeface="Calibri"/>
-                        <a:cs typeface="Times New Roman"/>
-                      </a:endParaRPr>
-                    </a:p>
-                  </a:txBody>
-                  <a:tcPr marL="68580" marR="68580" marT="0" marB="0" anchor="b"/>
-                </a:tc>
-                <a:tc>
-                  <a:txBody>
-                    <a:bodyPr/>
-                    <a:lstStyle/>
-                    <a:p>
-                      <a:pPr marL="0" marR="0" algn="ctr">
-                        <a:lnSpc>
-                          <a:spcPct val="115000"/>
-                        </a:lnSpc>
-                        <a:spcBef>
-                          <a:spcPts val="0"/>
-                        </a:spcBef>
-                        <a:spcAft>
-                          <a:spcPts val="0"/>
-                        </a:spcAft>
-                      </a:pPr>
-                      <a:r>
-                        <a:rPr lang="en-US" sz="2400">
-                          <a:effectLst/>
-                        </a:rPr>
-                        <a:t>Waiter</a:t>
-                      </a:r>
-                      <a:endParaRPr lang="en-US" sz="3600">
-                        <a:effectLst/>
-                        <a:latin typeface="Calibri"/>
-                        <a:ea typeface="Calibri"/>
-                        <a:cs typeface="Times New Roman"/>
-                      </a:endParaRPr>
-                    </a:p>
-                  </a:txBody>
-                  <a:tcPr marL="68580" marR="68580" marT="0" marB="0" anchor="b"/>
-                </a:tc>
-                <a:tc>
-                  <a:txBody>
-                    <a:bodyPr/>
-                    <a:lstStyle/>
-                    <a:p>
-                      <a:pPr marL="0" marR="0" algn="ctr">
-                        <a:lnSpc>
-                          <a:spcPct val="115000"/>
-                        </a:lnSpc>
-                        <a:spcBef>
-                          <a:spcPts val="0"/>
-                        </a:spcBef>
-                        <a:spcAft>
-                          <a:spcPts val="0"/>
-                        </a:spcAft>
-                      </a:pPr>
-                      <a:r>
-                        <a:rPr lang="en-US" sz="2400">
-                          <a:effectLst/>
-                        </a:rPr>
-                        <a:t>Low</a:t>
-                      </a:r>
-                      <a:endParaRPr lang="en-US" sz="3600">
-                        <a:effectLst/>
-                        <a:latin typeface="Calibri"/>
-                        <a:ea typeface="Calibri"/>
-                        <a:cs typeface="Times New Roman"/>
-                      </a:endParaRPr>
-                    </a:p>
-                  </a:txBody>
-                  <a:tcPr marL="68580" marR="68580" marT="0" marB="0" anchor="b"/>
-                </a:tc>
-                <a:tc>
-                  <a:txBody>
-                    <a:bodyPr/>
-                    <a:lstStyle/>
-                    <a:p>
-                      <a:pPr marL="0" marR="0" algn="ctr">
-                        <a:lnSpc>
-                          <a:spcPct val="115000"/>
-                        </a:lnSpc>
-                        <a:spcBef>
-                          <a:spcPts val="0"/>
-                        </a:spcBef>
-                        <a:spcAft>
-                          <a:spcPts val="0"/>
-                        </a:spcAft>
-                      </a:pPr>
-                      <a:r>
-                        <a:rPr lang="en-US" sz="2400">
-                          <a:effectLst/>
-                        </a:rPr>
-                        <a:t>1</a:t>
-                      </a:r>
-                      <a:endParaRPr lang="en-US" sz="3600">
-                        <a:effectLst/>
-                        <a:latin typeface="Calibri"/>
-                        <a:ea typeface="Calibri"/>
-                        <a:cs typeface="Times New Roman"/>
-                      </a:endParaRPr>
-                    </a:p>
-                  </a:txBody>
-                  <a:tcPr marL="68580" marR="68580" marT="0" marB="0" anchor="b"/>
-                </a:tc>
-              </a:tr>
-              <a:tr h="547804">
-                <a:tc>
-                  <a:txBody>
-                    <a:bodyPr/>
-                    <a:lstStyle/>
-                    <a:p>
-                      <a:pPr marL="0" marR="0" algn="ctr">
-                        <a:lnSpc>
-                          <a:spcPct val="115000"/>
-                        </a:lnSpc>
-                        <a:spcBef>
-                          <a:spcPts val="0"/>
-                        </a:spcBef>
-                        <a:spcAft>
-                          <a:spcPts val="0"/>
-                        </a:spcAft>
-                      </a:pPr>
-                      <a:r>
-                        <a:rPr lang="en-US" sz="2400">
-                          <a:effectLst/>
-                        </a:rPr>
-                        <a:t>4</a:t>
-                      </a:r>
-                      <a:endParaRPr lang="en-US" sz="3600">
-                        <a:effectLst/>
-                        <a:latin typeface="Calibri"/>
-                        <a:ea typeface="Calibri"/>
-                        <a:cs typeface="Times New Roman"/>
-                      </a:endParaRPr>
-                    </a:p>
-                  </a:txBody>
-                  <a:tcPr marL="68580" marR="68580" marT="0" marB="0" anchor="b"/>
-                </a:tc>
-                <a:tc>
-                  <a:txBody>
-                    <a:bodyPr/>
-                    <a:lstStyle/>
-                    <a:p>
-                      <a:pPr marL="0" marR="0" algn="ctr">
-                        <a:lnSpc>
-                          <a:spcPct val="115000"/>
-                        </a:lnSpc>
-                        <a:spcBef>
-                          <a:spcPts val="0"/>
-                        </a:spcBef>
-                        <a:spcAft>
-                          <a:spcPts val="0"/>
-                        </a:spcAft>
-                      </a:pPr>
-                      <a:r>
-                        <a:rPr lang="en-US" sz="2400" dirty="0">
-                          <a:effectLst/>
-                        </a:rPr>
-                        <a:t>Order review</a:t>
-                      </a:r>
-                      <a:endParaRPr lang="en-US" sz="3600" dirty="0">
-                        <a:effectLst/>
-                        <a:latin typeface="Calibri"/>
-                        <a:ea typeface="Calibri"/>
-                        <a:cs typeface="Times New Roman"/>
-                      </a:endParaRPr>
-                    </a:p>
-                  </a:txBody>
-                  <a:tcPr marL="68580" marR="68580" marT="0" marB="0" anchor="b"/>
-                </a:tc>
-                <a:tc>
-                  <a:txBody>
-                    <a:bodyPr/>
-                    <a:lstStyle/>
-                    <a:p>
-                      <a:pPr marL="0" marR="0" algn="ctr">
-                        <a:lnSpc>
-                          <a:spcPct val="115000"/>
-                        </a:lnSpc>
-                        <a:spcBef>
-                          <a:spcPts val="0"/>
-                        </a:spcBef>
-                        <a:spcAft>
-                          <a:spcPts val="0"/>
-                        </a:spcAft>
-                      </a:pPr>
-                      <a:r>
-                        <a:rPr lang="en-US" sz="2400" dirty="0">
-                          <a:effectLst/>
-                        </a:rPr>
-                        <a:t>In</a:t>
-                      </a:r>
-                      <a:endParaRPr lang="en-US" sz="3600" dirty="0">
-                        <a:effectLst/>
-                        <a:latin typeface="Calibri"/>
-                        <a:ea typeface="Calibri"/>
-                        <a:cs typeface="Times New Roman"/>
-                      </a:endParaRPr>
-                    </a:p>
-                  </a:txBody>
-                  <a:tcPr marL="68580" marR="68580" marT="0" marB="0" anchor="b"/>
-                </a:tc>
-                <a:tc>
-                  <a:txBody>
-                    <a:bodyPr/>
-                    <a:lstStyle/>
-                    <a:p>
-                      <a:pPr marL="0" marR="0" algn="ctr">
-                        <a:lnSpc>
-                          <a:spcPct val="115000"/>
-                        </a:lnSpc>
-                        <a:spcBef>
-                          <a:spcPts val="0"/>
-                        </a:spcBef>
-                        <a:spcAft>
-                          <a:spcPts val="0"/>
-                        </a:spcAft>
-                      </a:pPr>
-                      <a:r>
-                        <a:rPr lang="en-US" sz="2400" dirty="0" smtClean="0">
-                          <a:effectLst/>
-                        </a:rPr>
-                        <a:t>Waiter/customer</a:t>
-                      </a:r>
-                      <a:endParaRPr lang="en-US" sz="3600" dirty="0">
-                        <a:effectLst/>
-                        <a:latin typeface="Calibri"/>
-                        <a:ea typeface="Calibri"/>
-                        <a:cs typeface="Times New Roman"/>
-                      </a:endParaRPr>
-                    </a:p>
-                  </a:txBody>
-                  <a:tcPr marL="68580" marR="68580" marT="0" marB="0" anchor="b"/>
-                </a:tc>
-                <a:tc>
-                  <a:txBody>
-                    <a:bodyPr/>
-                    <a:lstStyle/>
-                    <a:p>
-                      <a:pPr marL="0" marR="0" algn="ctr">
-                        <a:lnSpc>
-                          <a:spcPct val="115000"/>
-                        </a:lnSpc>
-                        <a:spcBef>
-                          <a:spcPts val="0"/>
-                        </a:spcBef>
-                        <a:spcAft>
-                          <a:spcPts val="0"/>
-                        </a:spcAft>
-                      </a:pPr>
-                      <a:r>
-                        <a:rPr lang="en-US" sz="2400">
-                          <a:effectLst/>
-                        </a:rPr>
-                        <a:t>Low</a:t>
-                      </a:r>
-                      <a:endParaRPr lang="en-US" sz="3600">
-                        <a:effectLst/>
-                        <a:latin typeface="Calibri"/>
-                        <a:ea typeface="Calibri"/>
-                        <a:cs typeface="Times New Roman"/>
-                      </a:endParaRPr>
-                    </a:p>
-                  </a:txBody>
-                  <a:tcPr marL="68580" marR="68580" marT="0" marB="0" anchor="b"/>
-                </a:tc>
-                <a:tc>
-                  <a:txBody>
-                    <a:bodyPr/>
-                    <a:lstStyle/>
-                    <a:p>
-                      <a:pPr marL="0" marR="0" algn="ctr">
-                        <a:lnSpc>
-                          <a:spcPct val="115000"/>
-                        </a:lnSpc>
-                        <a:spcBef>
-                          <a:spcPts val="0"/>
-                        </a:spcBef>
-                        <a:spcAft>
-                          <a:spcPts val="0"/>
-                        </a:spcAft>
-                      </a:pPr>
-                      <a:r>
-                        <a:rPr lang="en-US" sz="2400">
-                          <a:effectLst/>
-                        </a:rPr>
-                        <a:t>1</a:t>
-                      </a:r>
-                      <a:endParaRPr lang="en-US" sz="3600">
-                        <a:effectLst/>
-                        <a:latin typeface="Calibri"/>
-                        <a:ea typeface="Calibri"/>
-                        <a:cs typeface="Times New Roman"/>
-                      </a:endParaRPr>
-                    </a:p>
-                  </a:txBody>
-                  <a:tcPr marL="68580" marR="68580" marT="0" marB="0" anchor="b"/>
-                </a:tc>
-              </a:tr>
-              <a:tr h="547804">
-                <a:tc>
-                  <a:txBody>
-                    <a:bodyPr/>
-                    <a:lstStyle/>
-                    <a:p>
-                      <a:pPr marL="0" marR="0" algn="ctr">
-                        <a:lnSpc>
-                          <a:spcPct val="115000"/>
-                        </a:lnSpc>
-                        <a:spcBef>
-                          <a:spcPts val="0"/>
-                        </a:spcBef>
-                        <a:spcAft>
-                          <a:spcPts val="0"/>
-                        </a:spcAft>
-                      </a:pPr>
-                      <a:r>
-                        <a:rPr lang="en-US" sz="2400">
-                          <a:effectLst/>
-                        </a:rPr>
-                        <a:t>5</a:t>
-                      </a:r>
-                      <a:endParaRPr lang="en-US" sz="3600">
-                        <a:effectLst/>
-                        <a:latin typeface="Calibri"/>
-                        <a:ea typeface="Calibri"/>
-                        <a:cs typeface="Times New Roman"/>
-                      </a:endParaRPr>
-                    </a:p>
-                  </a:txBody>
-                  <a:tcPr marL="68580" marR="68580" marT="0" marB="0" anchor="b"/>
-                </a:tc>
-                <a:tc>
-                  <a:txBody>
-                    <a:bodyPr/>
-                    <a:lstStyle/>
-                    <a:p>
-                      <a:pPr marL="0" marR="0" algn="ctr">
-                        <a:lnSpc>
-                          <a:spcPct val="115000"/>
-                        </a:lnSpc>
-                        <a:spcBef>
-                          <a:spcPts val="0"/>
-                        </a:spcBef>
-                        <a:spcAft>
-                          <a:spcPts val="0"/>
-                        </a:spcAft>
-                      </a:pPr>
-                      <a:r>
-                        <a:rPr lang="en-US" sz="2400" dirty="0" smtClean="0">
-                          <a:effectLst/>
-                        </a:rPr>
-                        <a:t>Manage Table</a:t>
-                      </a:r>
-                      <a:endParaRPr lang="en-US" sz="3600" dirty="0">
-                        <a:effectLst/>
-                        <a:latin typeface="Calibri"/>
-                        <a:ea typeface="Calibri"/>
-                        <a:cs typeface="Times New Roman"/>
-                      </a:endParaRPr>
-                    </a:p>
-                  </a:txBody>
-                  <a:tcPr marL="68580" marR="68580" marT="0" marB="0" anchor="b"/>
-                </a:tc>
-                <a:tc>
-                  <a:txBody>
-                    <a:bodyPr/>
-                    <a:lstStyle/>
-                    <a:p>
-                      <a:pPr marL="0" marR="0" algn="ctr">
-                        <a:lnSpc>
-                          <a:spcPct val="115000"/>
-                        </a:lnSpc>
-                        <a:spcBef>
-                          <a:spcPts val="0"/>
-                        </a:spcBef>
-                        <a:spcAft>
-                          <a:spcPts val="0"/>
-                        </a:spcAft>
-                      </a:pPr>
-                      <a:r>
-                        <a:rPr lang="en-US" sz="2400" dirty="0">
-                          <a:effectLst/>
-                        </a:rPr>
-                        <a:t>In</a:t>
-                      </a:r>
-                      <a:endParaRPr lang="en-US" sz="3600" dirty="0">
-                        <a:effectLst/>
-                        <a:latin typeface="Calibri"/>
-                        <a:ea typeface="Calibri"/>
-                        <a:cs typeface="Times New Roman"/>
-                      </a:endParaRPr>
-                    </a:p>
-                  </a:txBody>
-                  <a:tcPr marL="68580" marR="68580" marT="0" marB="0" anchor="b"/>
-                </a:tc>
-                <a:tc>
-                  <a:txBody>
-                    <a:bodyPr/>
-                    <a:lstStyle/>
-                    <a:p>
-                      <a:pPr marL="0" marR="0" algn="ctr">
-                        <a:lnSpc>
-                          <a:spcPct val="115000"/>
-                        </a:lnSpc>
-                        <a:spcBef>
-                          <a:spcPts val="0"/>
-                        </a:spcBef>
-                        <a:spcAft>
-                          <a:spcPts val="0"/>
-                        </a:spcAft>
-                      </a:pPr>
-                      <a:r>
-                        <a:rPr lang="en-US" sz="2400" dirty="0">
-                          <a:effectLst/>
-                        </a:rPr>
-                        <a:t>Waiter</a:t>
-                      </a:r>
-                      <a:endParaRPr lang="en-US" sz="3600" dirty="0">
-                        <a:effectLst/>
-                        <a:latin typeface="Calibri"/>
-                        <a:ea typeface="Calibri"/>
-                        <a:cs typeface="Times New Roman"/>
-                      </a:endParaRPr>
-                    </a:p>
-                  </a:txBody>
-                  <a:tcPr marL="68580" marR="68580" marT="0" marB="0" anchor="b"/>
-                </a:tc>
-                <a:tc>
-                  <a:txBody>
-                    <a:bodyPr/>
-                    <a:lstStyle/>
-                    <a:p>
-                      <a:pPr marL="0" marR="0" algn="ctr">
-                        <a:lnSpc>
-                          <a:spcPct val="115000"/>
-                        </a:lnSpc>
-                        <a:spcBef>
-                          <a:spcPts val="0"/>
-                        </a:spcBef>
-                        <a:spcAft>
-                          <a:spcPts val="0"/>
-                        </a:spcAft>
-                      </a:pPr>
-                      <a:r>
-                        <a:rPr lang="en-US" sz="2400">
-                          <a:effectLst/>
-                        </a:rPr>
-                        <a:t>High</a:t>
-                      </a:r>
-                      <a:endParaRPr lang="en-US" sz="3600">
-                        <a:effectLst/>
-                        <a:latin typeface="Calibri"/>
-                        <a:ea typeface="Calibri"/>
-                        <a:cs typeface="Times New Roman"/>
-                      </a:endParaRPr>
-                    </a:p>
-                  </a:txBody>
-                  <a:tcPr marL="68580" marR="68580" marT="0" marB="0" anchor="b"/>
-                </a:tc>
-                <a:tc>
-                  <a:txBody>
-                    <a:bodyPr/>
-                    <a:lstStyle/>
-                    <a:p>
-                      <a:pPr marL="0" marR="0" algn="ctr">
-                        <a:lnSpc>
-                          <a:spcPct val="115000"/>
-                        </a:lnSpc>
-                        <a:spcBef>
-                          <a:spcPts val="0"/>
-                        </a:spcBef>
-                        <a:spcAft>
-                          <a:spcPts val="0"/>
-                        </a:spcAft>
-                      </a:pPr>
-                      <a:r>
-                        <a:rPr lang="en-US" sz="2400">
-                          <a:effectLst/>
-                        </a:rPr>
-                        <a:t>2</a:t>
-                      </a:r>
-                      <a:endParaRPr lang="en-US" sz="3600">
-                        <a:effectLst/>
-                        <a:latin typeface="Calibri"/>
-                        <a:ea typeface="Calibri"/>
-                        <a:cs typeface="Times New Roman"/>
-                      </a:endParaRPr>
-                    </a:p>
-                  </a:txBody>
-                  <a:tcPr marL="68580" marR="68580" marT="0" marB="0" anchor="b"/>
-                </a:tc>
-              </a:tr>
-              <a:tr h="547804">
-                <a:tc>
-                  <a:txBody>
-                    <a:bodyPr/>
-                    <a:lstStyle/>
-                    <a:p>
-                      <a:pPr marL="0" marR="0" algn="ctr">
-                        <a:lnSpc>
-                          <a:spcPct val="115000"/>
-                        </a:lnSpc>
-                        <a:spcBef>
-                          <a:spcPts val="0"/>
-                        </a:spcBef>
-                        <a:spcAft>
-                          <a:spcPts val="0"/>
-                        </a:spcAft>
-                      </a:pPr>
-                      <a:r>
-                        <a:rPr lang="en-US" sz="2400">
-                          <a:effectLst/>
-                        </a:rPr>
-                        <a:t>6</a:t>
-                      </a:r>
-                      <a:endParaRPr lang="en-US" sz="3600">
-                        <a:effectLst/>
-                        <a:latin typeface="Calibri"/>
-                        <a:ea typeface="Calibri"/>
-                        <a:cs typeface="Times New Roman"/>
-                      </a:endParaRPr>
-                    </a:p>
-                  </a:txBody>
-                  <a:tcPr marL="68580" marR="68580" marT="0" marB="0" anchor="b"/>
-                </a:tc>
-                <a:tc>
-                  <a:txBody>
-                    <a:bodyPr/>
-                    <a:lstStyle/>
-                    <a:p>
-                      <a:pPr marL="0" marR="0" algn="ctr">
-                        <a:lnSpc>
-                          <a:spcPct val="115000"/>
-                        </a:lnSpc>
-                        <a:spcBef>
-                          <a:spcPts val="0"/>
-                        </a:spcBef>
-                        <a:spcAft>
-                          <a:spcPts val="0"/>
-                        </a:spcAft>
-                      </a:pPr>
-                      <a:r>
-                        <a:rPr lang="en-US" sz="2400">
-                          <a:effectLst/>
-                        </a:rPr>
-                        <a:t>Order check off</a:t>
-                      </a:r>
-                      <a:endParaRPr lang="en-US" sz="3600">
-                        <a:effectLst/>
-                        <a:latin typeface="Calibri"/>
-                        <a:ea typeface="Calibri"/>
-                        <a:cs typeface="Times New Roman"/>
-                      </a:endParaRPr>
-                    </a:p>
-                  </a:txBody>
-                  <a:tcPr marL="68580" marR="68580" marT="0" marB="0" anchor="b"/>
-                </a:tc>
-                <a:tc>
-                  <a:txBody>
-                    <a:bodyPr/>
-                    <a:lstStyle/>
-                    <a:p>
-                      <a:pPr marL="0" marR="0" algn="ctr">
-                        <a:lnSpc>
-                          <a:spcPct val="115000"/>
-                        </a:lnSpc>
-                        <a:spcBef>
-                          <a:spcPts val="0"/>
-                        </a:spcBef>
-                        <a:spcAft>
-                          <a:spcPts val="0"/>
-                        </a:spcAft>
-                      </a:pPr>
-                      <a:r>
-                        <a:rPr lang="en-US" sz="2400" dirty="0">
-                          <a:effectLst/>
-                        </a:rPr>
-                        <a:t>In</a:t>
-                      </a:r>
-                      <a:endParaRPr lang="en-US" sz="3600" dirty="0">
-                        <a:effectLst/>
-                        <a:latin typeface="Calibri"/>
-                        <a:ea typeface="Calibri"/>
-                        <a:cs typeface="Times New Roman"/>
-                      </a:endParaRPr>
-                    </a:p>
-                  </a:txBody>
-                  <a:tcPr marL="68580" marR="68580" marT="0" marB="0" anchor="b"/>
-                </a:tc>
-                <a:tc>
-                  <a:txBody>
-                    <a:bodyPr/>
-                    <a:lstStyle/>
-                    <a:p>
-                      <a:pPr marL="0" marR="0" algn="ctr">
-                        <a:lnSpc>
-                          <a:spcPct val="115000"/>
-                        </a:lnSpc>
-                        <a:spcBef>
-                          <a:spcPts val="0"/>
-                        </a:spcBef>
-                        <a:spcAft>
-                          <a:spcPts val="0"/>
-                        </a:spcAft>
-                      </a:pPr>
-                      <a:r>
-                        <a:rPr lang="en-US" sz="2400" dirty="0">
-                          <a:effectLst/>
-                        </a:rPr>
-                        <a:t>Kitchen staff</a:t>
-                      </a:r>
-                      <a:endParaRPr lang="en-US" sz="3600" dirty="0">
-                        <a:effectLst/>
-                        <a:latin typeface="Calibri"/>
-                        <a:ea typeface="Calibri"/>
-                        <a:cs typeface="Times New Roman"/>
-                      </a:endParaRPr>
-                    </a:p>
-                  </a:txBody>
-                  <a:tcPr marL="68580" marR="68580" marT="0" marB="0" anchor="b"/>
-                </a:tc>
-                <a:tc>
-                  <a:txBody>
-                    <a:bodyPr/>
-                    <a:lstStyle/>
-                    <a:p>
-                      <a:pPr marL="0" marR="0" algn="ctr">
-                        <a:lnSpc>
-                          <a:spcPct val="115000"/>
-                        </a:lnSpc>
-                        <a:spcBef>
-                          <a:spcPts val="0"/>
-                        </a:spcBef>
-                        <a:spcAft>
-                          <a:spcPts val="0"/>
-                        </a:spcAft>
-                      </a:pPr>
-                      <a:r>
-                        <a:rPr lang="en-US" sz="2400" dirty="0" smtClean="0">
-                          <a:effectLst/>
-                        </a:rPr>
-                        <a:t>Med</a:t>
-                      </a:r>
-                      <a:endParaRPr lang="en-US" sz="3600" dirty="0">
-                        <a:effectLst/>
-                        <a:latin typeface="Calibri"/>
-                        <a:ea typeface="Calibri"/>
-                        <a:cs typeface="Times New Roman"/>
-                      </a:endParaRPr>
-                    </a:p>
-                  </a:txBody>
-                  <a:tcPr marL="68580" marR="68580" marT="0" marB="0" anchor="b"/>
-                </a:tc>
-                <a:tc>
-                  <a:txBody>
-                    <a:bodyPr/>
-                    <a:lstStyle/>
-                    <a:p>
-                      <a:pPr marL="0" marR="0" algn="ctr">
-                        <a:lnSpc>
-                          <a:spcPct val="115000"/>
-                        </a:lnSpc>
-                        <a:spcBef>
-                          <a:spcPts val="0"/>
-                        </a:spcBef>
-                        <a:spcAft>
-                          <a:spcPts val="0"/>
-                        </a:spcAft>
-                      </a:pPr>
-                      <a:r>
-                        <a:rPr lang="en-US" sz="2400">
-                          <a:effectLst/>
-                        </a:rPr>
-                        <a:t>1</a:t>
-                      </a:r>
-                      <a:endParaRPr lang="en-US" sz="3600">
-                        <a:effectLst/>
-                        <a:latin typeface="Calibri"/>
-                        <a:ea typeface="Calibri"/>
-                        <a:cs typeface="Times New Roman"/>
-                      </a:endParaRPr>
-                    </a:p>
-                  </a:txBody>
-                  <a:tcPr marL="68580" marR="68580" marT="0" marB="0" anchor="b"/>
-                </a:tc>
-              </a:tr>
-              <a:tr h="547804">
-                <a:tc>
-                  <a:txBody>
-                    <a:bodyPr/>
-                    <a:lstStyle/>
-                    <a:p>
-                      <a:pPr marL="0" marR="0" algn="ctr">
-                        <a:lnSpc>
-                          <a:spcPct val="115000"/>
-                        </a:lnSpc>
-                        <a:spcBef>
-                          <a:spcPts val="0"/>
-                        </a:spcBef>
-                        <a:spcAft>
-                          <a:spcPts val="0"/>
-                        </a:spcAft>
-                      </a:pPr>
-                      <a:r>
-                        <a:rPr lang="en-US" sz="2400">
-                          <a:effectLst/>
-                        </a:rPr>
-                        <a:t>7</a:t>
-                      </a:r>
-                      <a:endParaRPr lang="en-US" sz="3600">
-                        <a:effectLst/>
-                        <a:latin typeface="Calibri"/>
-                        <a:ea typeface="Calibri"/>
-                        <a:cs typeface="Times New Roman"/>
-                      </a:endParaRPr>
-                    </a:p>
-                  </a:txBody>
-                  <a:tcPr marL="68580" marR="68580" marT="0" marB="0" anchor="b"/>
-                </a:tc>
-                <a:tc>
-                  <a:txBody>
-                    <a:bodyPr/>
-                    <a:lstStyle/>
-                    <a:p>
-                      <a:pPr marL="0" marR="0" algn="ctr">
-                        <a:lnSpc>
-                          <a:spcPct val="115000"/>
-                        </a:lnSpc>
-                        <a:spcBef>
-                          <a:spcPts val="0"/>
-                        </a:spcBef>
-                        <a:spcAft>
-                          <a:spcPts val="0"/>
-                        </a:spcAft>
-                      </a:pPr>
-                      <a:r>
-                        <a:rPr lang="en-US" sz="2400">
-                          <a:effectLst/>
-                        </a:rPr>
-                        <a:t>Reservation</a:t>
-                      </a:r>
-                      <a:endParaRPr lang="en-US" sz="3600">
-                        <a:effectLst/>
-                        <a:latin typeface="Calibri"/>
-                        <a:ea typeface="Calibri"/>
-                        <a:cs typeface="Times New Roman"/>
-                      </a:endParaRPr>
-                    </a:p>
-                  </a:txBody>
-                  <a:tcPr marL="68580" marR="68580" marT="0" marB="0" anchor="b"/>
-                </a:tc>
-                <a:tc>
-                  <a:txBody>
-                    <a:bodyPr/>
-                    <a:lstStyle/>
-                    <a:p>
-                      <a:pPr marL="0" marR="0" algn="ctr">
-                        <a:lnSpc>
-                          <a:spcPct val="115000"/>
-                        </a:lnSpc>
-                        <a:spcBef>
-                          <a:spcPts val="0"/>
-                        </a:spcBef>
-                        <a:spcAft>
-                          <a:spcPts val="0"/>
-                        </a:spcAft>
-                      </a:pPr>
-                      <a:r>
-                        <a:rPr lang="en-US" sz="2400">
-                          <a:effectLst/>
-                        </a:rPr>
-                        <a:t>In</a:t>
-                      </a:r>
-                      <a:endParaRPr lang="en-US" sz="3600">
-                        <a:effectLst/>
-                        <a:latin typeface="Calibri"/>
-                        <a:ea typeface="Calibri"/>
-                        <a:cs typeface="Times New Roman"/>
-                      </a:endParaRPr>
-                    </a:p>
-                  </a:txBody>
-                  <a:tcPr marL="68580" marR="68580" marT="0" marB="0" anchor="b"/>
-                </a:tc>
-                <a:tc>
-                  <a:txBody>
-                    <a:bodyPr/>
-                    <a:lstStyle/>
-                    <a:p>
-                      <a:pPr marL="0" marR="0" algn="ctr">
-                        <a:lnSpc>
-                          <a:spcPct val="115000"/>
-                        </a:lnSpc>
-                        <a:spcBef>
-                          <a:spcPts val="0"/>
-                        </a:spcBef>
-                        <a:spcAft>
-                          <a:spcPts val="0"/>
-                        </a:spcAft>
-                      </a:pPr>
-                      <a:r>
-                        <a:rPr lang="en-US" sz="2400" dirty="0">
-                          <a:effectLst/>
-                        </a:rPr>
-                        <a:t>Customer</a:t>
-                      </a:r>
-                      <a:endParaRPr lang="en-US" sz="3600" dirty="0">
-                        <a:effectLst/>
-                        <a:latin typeface="Calibri"/>
-                        <a:ea typeface="Calibri"/>
-                        <a:cs typeface="Times New Roman"/>
-                      </a:endParaRPr>
-                    </a:p>
-                  </a:txBody>
-                  <a:tcPr marL="68580" marR="68580" marT="0" marB="0" anchor="b"/>
-                </a:tc>
-                <a:tc>
-                  <a:txBody>
-                    <a:bodyPr/>
-                    <a:lstStyle/>
-                    <a:p>
-                      <a:pPr marL="0" marR="0" algn="ctr">
-                        <a:lnSpc>
-                          <a:spcPct val="115000"/>
-                        </a:lnSpc>
-                        <a:spcBef>
-                          <a:spcPts val="0"/>
-                        </a:spcBef>
-                        <a:spcAft>
-                          <a:spcPts val="0"/>
-                        </a:spcAft>
-                      </a:pPr>
-                      <a:r>
-                        <a:rPr lang="en-US" sz="2400" dirty="0" smtClean="0">
-                          <a:effectLst/>
-                        </a:rPr>
-                        <a:t>Med</a:t>
-                      </a:r>
-                      <a:endParaRPr lang="en-US" sz="3600" dirty="0">
-                        <a:effectLst/>
-                        <a:latin typeface="Calibri"/>
-                        <a:ea typeface="Calibri"/>
-                        <a:cs typeface="Times New Roman"/>
-                      </a:endParaRPr>
-                    </a:p>
-                  </a:txBody>
-                  <a:tcPr marL="68580" marR="68580" marT="0" marB="0" anchor="b"/>
-                </a:tc>
-                <a:tc>
-                  <a:txBody>
-                    <a:bodyPr/>
-                    <a:lstStyle/>
-                    <a:p>
-                      <a:pPr marL="0" marR="0" algn="ctr">
-                        <a:lnSpc>
-                          <a:spcPct val="115000"/>
-                        </a:lnSpc>
-                        <a:spcBef>
-                          <a:spcPts val="0"/>
-                        </a:spcBef>
-                        <a:spcAft>
-                          <a:spcPts val="0"/>
-                        </a:spcAft>
-                      </a:pPr>
-                      <a:r>
-                        <a:rPr lang="en-US" sz="2400">
-                          <a:effectLst/>
-                        </a:rPr>
-                        <a:t>2</a:t>
-                      </a:r>
-                      <a:endParaRPr lang="en-US" sz="3600">
-                        <a:effectLst/>
-                        <a:latin typeface="Calibri"/>
-                        <a:ea typeface="Calibri"/>
-                        <a:cs typeface="Times New Roman"/>
-                      </a:endParaRPr>
-                    </a:p>
-                  </a:txBody>
-                  <a:tcPr marL="68580" marR="68580" marT="0" marB="0" anchor="b"/>
-                </a:tc>
-              </a:tr>
-              <a:tr h="547804">
-                <a:tc>
-                  <a:txBody>
-                    <a:bodyPr/>
-                    <a:lstStyle/>
-                    <a:p>
-                      <a:pPr marL="0" marR="0" algn="ctr">
-                        <a:lnSpc>
-                          <a:spcPct val="115000"/>
-                        </a:lnSpc>
-                        <a:spcBef>
-                          <a:spcPts val="0"/>
-                        </a:spcBef>
-                        <a:spcAft>
-                          <a:spcPts val="0"/>
-                        </a:spcAft>
-                      </a:pPr>
-                      <a:r>
-                        <a:rPr lang="en-US" sz="2400">
-                          <a:effectLst/>
-                        </a:rPr>
-                        <a:t>8</a:t>
-                      </a:r>
-                      <a:endParaRPr lang="en-US" sz="3600">
-                        <a:effectLst/>
-                        <a:latin typeface="Calibri"/>
-                        <a:ea typeface="Calibri"/>
-                        <a:cs typeface="Times New Roman"/>
-                      </a:endParaRPr>
-                    </a:p>
-                  </a:txBody>
-                  <a:tcPr marL="68580" marR="68580" marT="0" marB="0" anchor="b"/>
-                </a:tc>
-                <a:tc>
-                  <a:txBody>
-                    <a:bodyPr/>
-                    <a:lstStyle/>
-                    <a:p>
-                      <a:pPr marL="0" marR="0" algn="ctr">
-                        <a:lnSpc>
-                          <a:spcPct val="115000"/>
-                        </a:lnSpc>
-                        <a:spcBef>
-                          <a:spcPts val="0"/>
-                        </a:spcBef>
-                        <a:spcAft>
-                          <a:spcPts val="0"/>
-                        </a:spcAft>
-                      </a:pPr>
-                      <a:r>
-                        <a:rPr lang="en-US" sz="2400">
-                          <a:effectLst/>
-                        </a:rPr>
-                        <a:t>Item's metadata</a:t>
-                      </a:r>
-                      <a:endParaRPr lang="en-US" sz="3600">
-                        <a:effectLst/>
-                        <a:latin typeface="Calibri"/>
-                        <a:ea typeface="Calibri"/>
-                        <a:cs typeface="Times New Roman"/>
-                      </a:endParaRPr>
-                    </a:p>
-                  </a:txBody>
-                  <a:tcPr marL="68580" marR="68580" marT="0" marB="0" anchor="b"/>
-                </a:tc>
-                <a:tc>
-                  <a:txBody>
-                    <a:bodyPr/>
-                    <a:lstStyle/>
-                    <a:p>
-                      <a:pPr marL="0" marR="0" algn="ctr">
-                        <a:lnSpc>
-                          <a:spcPct val="115000"/>
-                        </a:lnSpc>
-                        <a:spcBef>
-                          <a:spcPts val="0"/>
-                        </a:spcBef>
-                        <a:spcAft>
-                          <a:spcPts val="0"/>
-                        </a:spcAft>
-                      </a:pPr>
-                      <a:r>
-                        <a:rPr lang="en-US" sz="2400">
-                          <a:effectLst/>
-                        </a:rPr>
-                        <a:t>In</a:t>
-                      </a:r>
-                      <a:endParaRPr lang="en-US" sz="3600">
-                        <a:effectLst/>
-                        <a:latin typeface="Calibri"/>
-                        <a:ea typeface="Calibri"/>
-                        <a:cs typeface="Times New Roman"/>
-                      </a:endParaRPr>
-                    </a:p>
-                  </a:txBody>
-                  <a:tcPr marL="68580" marR="68580" marT="0" marB="0" anchor="b"/>
-                </a:tc>
-                <a:tc>
-                  <a:txBody>
-                    <a:bodyPr/>
-                    <a:lstStyle/>
-                    <a:p>
-                      <a:pPr marL="0" marR="0" algn="ctr">
-                        <a:lnSpc>
-                          <a:spcPct val="115000"/>
-                        </a:lnSpc>
-                        <a:spcBef>
-                          <a:spcPts val="0"/>
-                        </a:spcBef>
-                        <a:spcAft>
-                          <a:spcPts val="0"/>
-                        </a:spcAft>
-                      </a:pPr>
-                      <a:r>
-                        <a:rPr lang="en-US" sz="2400" dirty="0">
-                          <a:effectLst/>
-                        </a:rPr>
-                        <a:t>Anyone</a:t>
-                      </a:r>
-                      <a:endParaRPr lang="en-US" sz="3600" dirty="0">
-                        <a:effectLst/>
-                        <a:latin typeface="Calibri"/>
-                        <a:ea typeface="Calibri"/>
-                        <a:cs typeface="Times New Roman"/>
-                      </a:endParaRPr>
-                    </a:p>
-                  </a:txBody>
-                  <a:tcPr marL="68580" marR="68580" marT="0" marB="0" anchor="b"/>
-                </a:tc>
-                <a:tc>
-                  <a:txBody>
-                    <a:bodyPr/>
-                    <a:lstStyle/>
-                    <a:p>
-                      <a:pPr marL="0" marR="0" algn="ctr">
-                        <a:lnSpc>
-                          <a:spcPct val="115000"/>
-                        </a:lnSpc>
-                        <a:spcBef>
-                          <a:spcPts val="0"/>
-                        </a:spcBef>
-                        <a:spcAft>
-                          <a:spcPts val="0"/>
-                        </a:spcAft>
-                      </a:pPr>
-                      <a:r>
-                        <a:rPr lang="en-US" sz="2400" dirty="0" smtClean="0">
-                          <a:effectLst/>
-                        </a:rPr>
-                        <a:t>Med</a:t>
-                      </a:r>
-                      <a:endParaRPr lang="en-US" sz="3600" dirty="0">
-                        <a:effectLst/>
-                        <a:latin typeface="Calibri"/>
-                        <a:ea typeface="Calibri"/>
-                        <a:cs typeface="Times New Roman"/>
-                      </a:endParaRPr>
-                    </a:p>
-                  </a:txBody>
-                  <a:tcPr marL="68580" marR="68580" marT="0" marB="0" anchor="b"/>
-                </a:tc>
-                <a:tc>
-                  <a:txBody>
-                    <a:bodyPr/>
-                    <a:lstStyle/>
-                    <a:p>
-                      <a:pPr marL="0" marR="0" algn="ctr">
-                        <a:lnSpc>
-                          <a:spcPct val="115000"/>
-                        </a:lnSpc>
-                        <a:spcBef>
-                          <a:spcPts val="0"/>
-                        </a:spcBef>
-                        <a:spcAft>
-                          <a:spcPts val="0"/>
-                        </a:spcAft>
-                      </a:pPr>
-                      <a:r>
-                        <a:rPr lang="en-US" sz="2400">
-                          <a:effectLst/>
-                        </a:rPr>
-                        <a:t>2</a:t>
-                      </a:r>
-                      <a:endParaRPr lang="en-US" sz="3600">
-                        <a:effectLst/>
-                        <a:latin typeface="Calibri"/>
-                        <a:ea typeface="Calibri"/>
-                        <a:cs typeface="Times New Roman"/>
-                      </a:endParaRPr>
-                    </a:p>
-                  </a:txBody>
-                  <a:tcPr marL="68580" marR="68580" marT="0" marB="0" anchor="b"/>
-                </a:tc>
-              </a:tr>
-              <a:tr h="547804">
-                <a:tc>
-                  <a:txBody>
-                    <a:bodyPr/>
-                    <a:lstStyle/>
-                    <a:p>
-                      <a:pPr marL="0" marR="0" algn="ctr">
-                        <a:lnSpc>
-                          <a:spcPct val="115000"/>
-                        </a:lnSpc>
-                        <a:spcBef>
-                          <a:spcPts val="0"/>
-                        </a:spcBef>
-                        <a:spcAft>
-                          <a:spcPts val="0"/>
-                        </a:spcAft>
-                      </a:pPr>
-                      <a:r>
-                        <a:rPr lang="en-US" sz="2400">
-                          <a:effectLst/>
-                        </a:rPr>
-                        <a:t>9</a:t>
-                      </a:r>
-                      <a:endParaRPr lang="en-US" sz="3600">
-                        <a:effectLst/>
-                        <a:latin typeface="Calibri"/>
-                        <a:ea typeface="Calibri"/>
-                        <a:cs typeface="Times New Roman"/>
-                      </a:endParaRPr>
-                    </a:p>
-                  </a:txBody>
-                  <a:tcPr marL="68580" marR="68580" marT="0" marB="0" anchor="b"/>
-                </a:tc>
-                <a:tc>
-                  <a:txBody>
-                    <a:bodyPr/>
-                    <a:lstStyle/>
-                    <a:p>
-                      <a:pPr marL="0" marR="0" algn="ctr">
-                        <a:lnSpc>
-                          <a:spcPct val="115000"/>
-                        </a:lnSpc>
-                        <a:spcBef>
-                          <a:spcPts val="0"/>
-                        </a:spcBef>
-                        <a:spcAft>
-                          <a:spcPts val="0"/>
-                        </a:spcAft>
-                      </a:pPr>
-                      <a:r>
-                        <a:rPr lang="en-US" sz="2400">
-                          <a:effectLst/>
-                        </a:rPr>
-                        <a:t>Inventory</a:t>
-                      </a:r>
-                      <a:endParaRPr lang="en-US" sz="3600">
-                        <a:effectLst/>
-                        <a:latin typeface="Calibri"/>
-                        <a:ea typeface="Calibri"/>
-                        <a:cs typeface="Times New Roman"/>
-                      </a:endParaRPr>
-                    </a:p>
-                  </a:txBody>
-                  <a:tcPr marL="68580" marR="68580" marT="0" marB="0" anchor="b"/>
-                </a:tc>
-                <a:tc>
-                  <a:txBody>
-                    <a:bodyPr/>
-                    <a:lstStyle/>
-                    <a:p>
-                      <a:pPr marL="0" marR="0" algn="ctr">
-                        <a:lnSpc>
-                          <a:spcPct val="115000"/>
-                        </a:lnSpc>
-                        <a:spcBef>
-                          <a:spcPts val="0"/>
-                        </a:spcBef>
-                        <a:spcAft>
-                          <a:spcPts val="0"/>
-                        </a:spcAft>
-                      </a:pPr>
-                      <a:r>
-                        <a:rPr lang="en-US" sz="2400">
-                          <a:effectLst/>
-                        </a:rPr>
-                        <a:t>In</a:t>
-                      </a:r>
-                      <a:endParaRPr lang="en-US" sz="3600">
-                        <a:effectLst/>
-                        <a:latin typeface="Calibri"/>
-                        <a:ea typeface="Calibri"/>
-                        <a:cs typeface="Times New Roman"/>
-                      </a:endParaRPr>
-                    </a:p>
-                  </a:txBody>
-                  <a:tcPr marL="68580" marR="68580" marT="0" marB="0" anchor="b"/>
-                </a:tc>
-                <a:tc>
-                  <a:txBody>
-                    <a:bodyPr/>
-                    <a:lstStyle/>
-                    <a:p>
-                      <a:pPr marL="0" marR="0" algn="ctr">
-                        <a:lnSpc>
-                          <a:spcPct val="115000"/>
-                        </a:lnSpc>
-                        <a:spcBef>
-                          <a:spcPts val="0"/>
-                        </a:spcBef>
-                        <a:spcAft>
-                          <a:spcPts val="0"/>
-                        </a:spcAft>
-                      </a:pPr>
-                      <a:r>
-                        <a:rPr lang="en-US" sz="2400">
-                          <a:effectLst/>
-                        </a:rPr>
-                        <a:t>Manager</a:t>
-                      </a:r>
-                      <a:endParaRPr lang="en-US" sz="3600">
-                        <a:effectLst/>
-                        <a:latin typeface="Calibri"/>
-                        <a:ea typeface="Calibri"/>
-                        <a:cs typeface="Times New Roman"/>
-                      </a:endParaRPr>
-                    </a:p>
-                  </a:txBody>
-                  <a:tcPr marL="68580" marR="68580" marT="0" marB="0" anchor="b"/>
-                </a:tc>
-                <a:tc>
-                  <a:txBody>
-                    <a:bodyPr/>
-                    <a:lstStyle/>
-                    <a:p>
-                      <a:pPr marL="0" marR="0" algn="ctr">
-                        <a:lnSpc>
-                          <a:spcPct val="115000"/>
-                        </a:lnSpc>
-                        <a:spcBef>
-                          <a:spcPts val="0"/>
-                        </a:spcBef>
-                        <a:spcAft>
-                          <a:spcPts val="0"/>
-                        </a:spcAft>
-                      </a:pPr>
-                      <a:r>
-                        <a:rPr lang="en-US" sz="2400" dirty="0">
-                          <a:effectLst/>
-                        </a:rPr>
-                        <a:t>Low</a:t>
-                      </a:r>
-                      <a:endParaRPr lang="en-US" sz="3600" dirty="0">
-                        <a:effectLst/>
-                        <a:latin typeface="Calibri"/>
-                        <a:ea typeface="Calibri"/>
-                        <a:cs typeface="Times New Roman"/>
-                      </a:endParaRPr>
-                    </a:p>
-                  </a:txBody>
-                  <a:tcPr marL="68580" marR="68580" marT="0" marB="0" anchor="b"/>
-                </a:tc>
-                <a:tc>
-                  <a:txBody>
-                    <a:bodyPr/>
-                    <a:lstStyle/>
-                    <a:p>
-                      <a:pPr marL="0" marR="0" algn="ctr">
-                        <a:lnSpc>
-                          <a:spcPct val="115000"/>
-                        </a:lnSpc>
-                        <a:spcBef>
-                          <a:spcPts val="0"/>
-                        </a:spcBef>
-                        <a:spcAft>
-                          <a:spcPts val="0"/>
-                        </a:spcAft>
-                      </a:pPr>
-                      <a:r>
-                        <a:rPr lang="en-US" sz="2400" dirty="0">
-                          <a:effectLst/>
-                        </a:rPr>
-                        <a:t>1</a:t>
-                      </a:r>
-                      <a:endParaRPr lang="en-US" sz="3600" dirty="0">
-                        <a:effectLst/>
-                        <a:latin typeface="Calibri"/>
-                        <a:ea typeface="Calibri"/>
-                        <a:cs typeface="Times New Roman"/>
-                      </a:endParaRPr>
-                    </a:p>
-                  </a:txBody>
-                  <a:tcPr marL="68580" marR="68580" marT="0" marB="0" anchor="b"/>
-                </a:tc>
-              </a:tr>
-              <a:tr h="547804">
-                <a:tc>
-                  <a:txBody>
-                    <a:bodyPr/>
-                    <a:lstStyle/>
-                    <a:p>
-                      <a:pPr marL="0" marR="0" algn="ctr">
-                        <a:lnSpc>
-                          <a:spcPct val="115000"/>
-                        </a:lnSpc>
-                        <a:spcBef>
-                          <a:spcPts val="0"/>
-                        </a:spcBef>
-                        <a:spcAft>
-                          <a:spcPts val="0"/>
-                        </a:spcAft>
-                      </a:pPr>
-                      <a:r>
-                        <a:rPr lang="en-US" sz="2400">
-                          <a:effectLst/>
-                        </a:rPr>
-                        <a:t>10</a:t>
-                      </a:r>
-                      <a:endParaRPr lang="en-US" sz="3600">
-                        <a:effectLst/>
-                        <a:latin typeface="Calibri"/>
-                        <a:ea typeface="Calibri"/>
-                        <a:cs typeface="Times New Roman"/>
-                      </a:endParaRPr>
-                    </a:p>
-                  </a:txBody>
-                  <a:tcPr marL="68580" marR="68580" marT="0" marB="0" anchor="b"/>
-                </a:tc>
-                <a:tc>
-                  <a:txBody>
-                    <a:bodyPr/>
-                    <a:lstStyle/>
-                    <a:p>
-                      <a:pPr marL="0" marR="0" algn="ctr">
-                        <a:lnSpc>
-                          <a:spcPct val="115000"/>
-                        </a:lnSpc>
-                        <a:spcBef>
-                          <a:spcPts val="0"/>
-                        </a:spcBef>
-                        <a:spcAft>
-                          <a:spcPts val="0"/>
-                        </a:spcAft>
-                      </a:pPr>
-                      <a:r>
-                        <a:rPr lang="en-US" sz="2400" dirty="0" smtClean="0">
-                          <a:effectLst/>
-                        </a:rPr>
-                        <a:t>Complaint</a:t>
-                      </a:r>
-                      <a:endParaRPr lang="en-US" sz="3600" dirty="0">
-                        <a:effectLst/>
-                        <a:latin typeface="Calibri"/>
-                        <a:ea typeface="Calibri"/>
-                        <a:cs typeface="Times New Roman"/>
-                      </a:endParaRPr>
-                    </a:p>
-                  </a:txBody>
-                  <a:tcPr marL="68580" marR="68580" marT="0" marB="0" anchor="b"/>
-                </a:tc>
-                <a:tc>
-                  <a:txBody>
-                    <a:bodyPr/>
-                    <a:lstStyle/>
-                    <a:p>
-                      <a:pPr marL="0" marR="0" algn="ctr">
-                        <a:lnSpc>
-                          <a:spcPct val="115000"/>
-                        </a:lnSpc>
-                        <a:spcBef>
-                          <a:spcPts val="0"/>
-                        </a:spcBef>
-                        <a:spcAft>
-                          <a:spcPts val="0"/>
-                        </a:spcAft>
-                      </a:pPr>
-                      <a:r>
-                        <a:rPr lang="en-US" sz="2400">
-                          <a:effectLst/>
-                        </a:rPr>
-                        <a:t>In</a:t>
-                      </a:r>
-                      <a:endParaRPr lang="en-US" sz="3600">
-                        <a:effectLst/>
-                        <a:latin typeface="Calibri"/>
-                        <a:ea typeface="Calibri"/>
-                        <a:cs typeface="Times New Roman"/>
-                      </a:endParaRPr>
-                    </a:p>
-                  </a:txBody>
-                  <a:tcPr marL="68580" marR="68580" marT="0" marB="0" anchor="b"/>
-                </a:tc>
-                <a:tc>
-                  <a:txBody>
-                    <a:bodyPr/>
-                    <a:lstStyle/>
-                    <a:p>
-                      <a:pPr marL="0" marR="0" algn="ctr">
-                        <a:lnSpc>
-                          <a:spcPct val="115000"/>
-                        </a:lnSpc>
-                        <a:spcBef>
-                          <a:spcPts val="0"/>
-                        </a:spcBef>
-                        <a:spcAft>
-                          <a:spcPts val="0"/>
-                        </a:spcAft>
-                      </a:pPr>
-                      <a:r>
-                        <a:rPr lang="en-US" sz="2400" dirty="0" smtClean="0">
-                          <a:effectLst/>
-                        </a:rPr>
-                        <a:t>Manager/waiter</a:t>
-                      </a:r>
-                      <a:endParaRPr lang="en-US" sz="3600" dirty="0">
-                        <a:effectLst/>
-                        <a:latin typeface="Calibri"/>
-                        <a:ea typeface="Calibri"/>
-                        <a:cs typeface="Times New Roman"/>
-                      </a:endParaRPr>
-                    </a:p>
-                  </a:txBody>
-                  <a:tcPr marL="68580" marR="68580" marT="0" marB="0" anchor="b"/>
-                </a:tc>
-                <a:tc>
-                  <a:txBody>
-                    <a:bodyPr/>
-                    <a:lstStyle/>
-                    <a:p>
-                      <a:pPr marL="0" marR="0" algn="ctr">
-                        <a:lnSpc>
-                          <a:spcPct val="115000"/>
-                        </a:lnSpc>
-                        <a:spcBef>
-                          <a:spcPts val="0"/>
-                        </a:spcBef>
-                        <a:spcAft>
-                          <a:spcPts val="0"/>
-                        </a:spcAft>
-                      </a:pPr>
-                      <a:r>
-                        <a:rPr lang="en-US" sz="2400" dirty="0" smtClean="0">
-                          <a:effectLst/>
-                        </a:rPr>
-                        <a:t>Med</a:t>
-                      </a:r>
-                      <a:endParaRPr lang="en-US" sz="3600" dirty="0">
-                        <a:effectLst/>
-                        <a:latin typeface="Calibri"/>
-                        <a:ea typeface="Calibri"/>
-                        <a:cs typeface="Times New Roman"/>
-                      </a:endParaRPr>
-                    </a:p>
-                  </a:txBody>
-                  <a:tcPr marL="68580" marR="68580" marT="0" marB="0" anchor="b"/>
-                </a:tc>
-                <a:tc>
-                  <a:txBody>
-                    <a:bodyPr/>
-                    <a:lstStyle/>
-                    <a:p>
-                      <a:pPr marL="0" marR="0" algn="ctr">
-                        <a:lnSpc>
-                          <a:spcPct val="115000"/>
-                        </a:lnSpc>
-                        <a:spcBef>
-                          <a:spcPts val="0"/>
-                        </a:spcBef>
-                        <a:spcAft>
-                          <a:spcPts val="0"/>
-                        </a:spcAft>
-                      </a:pPr>
-                      <a:r>
-                        <a:rPr lang="en-US" sz="2400" dirty="0">
-                          <a:effectLst/>
-                        </a:rPr>
-                        <a:t>2</a:t>
-                      </a:r>
-                      <a:endParaRPr lang="en-US" sz="3600" dirty="0">
-                        <a:effectLst/>
-                        <a:latin typeface="Calibri"/>
-                        <a:ea typeface="Calibri"/>
-                        <a:cs typeface="Times New Roman"/>
-                      </a:endParaRPr>
-                    </a:p>
-                  </a:txBody>
-                  <a:tcPr marL="68580" marR="68580" marT="0" marB="0" anchor="b"/>
-                </a:tc>
-              </a:tr>
-            </a:tbl>
-          </a:graphicData>
-        </a:graphic>
-      </p:graphicFrame>
       <p:sp>
         <p:nvSpPr>
           <p:cNvPr id="2" name="Title 1"/>
@@ -6686,34 +4787,175 @@
         </p:nvSpPr>
         <p:spPr>
           <a:xfrm>
-            <a:off x="381000" y="0"/>
-            <a:ext cx="7010400" cy="838200"/>
+            <a:off x="76200" y="-76200"/>
+            <a:ext cx="7924800" cy="1143000"/>
           </a:xfrm>
-          <a:noFill/>
         </p:spPr>
         <p:txBody>
           <a:bodyPr>
-            <a:normAutofit fontScale="90000"/>
+            <a:normAutofit/>
           </a:bodyPr>
           <a:lstStyle/>
           <a:p>
             <a:pPr algn="l"/>
             <a:r>
-              <a:rPr lang="en-US" sz="6000" b="1" dirty="0" smtClean="0"/>
-              <a:t>Preliminary Use </a:t>
-            </a:r>
-            <a:r>
-              <a:rPr lang="en-US" sz="6000" b="1" dirty="0" smtClean="0"/>
-              <a:t>Cases</a:t>
-            </a:r>
-            <a:endParaRPr lang="en-US" sz="6000" b="1" dirty="0"/>
-          </a:p>
-        </p:txBody>
-      </p:sp>
+              <a:rPr lang="en-US" sz="6000" b="1" dirty="0" smtClean="0">
+                <a:solidFill>
+                  <a:srgbClr val="FF0000"/>
+                </a:solidFill>
+              </a:rPr>
+              <a:t>Main Success Scenario</a:t>
+            </a:r>
+            <a:endParaRPr lang="en-US" sz="6000" b="1" dirty="0">
+              <a:solidFill>
+                <a:srgbClr val="FF0000"/>
+              </a:solidFill>
+            </a:endParaRPr>
+          </a:p>
+        </p:txBody>
+      </p:sp>
+      <p:sp>
+        <p:nvSpPr>
+          <p:cNvPr id="3" name="Content Placeholder 2"/>
+          <p:cNvSpPr>
+            <a:spLocks noGrp="1"/>
+          </p:cNvSpPr>
+          <p:nvPr>
+            <p:ph idx="1"/>
+          </p:nvPr>
+        </p:nvSpPr>
+        <p:spPr>
+          <a:xfrm>
+            <a:off x="4419600" y="914400"/>
+            <a:ext cx="4267200" cy="5486400"/>
+          </a:xfrm>
+        </p:spPr>
+        <p:txBody>
+          <a:bodyPr>
+            <a:normAutofit fontScale="77500" lnSpcReduction="20000"/>
+          </a:bodyPr>
+          <a:lstStyle/>
+          <a:p>
+            <a:r>
+              <a:rPr lang="en-US" sz="4000" b="1" dirty="0">
+                <a:solidFill>
+                  <a:srgbClr val="FF0000"/>
+                </a:solidFill>
+              </a:rPr>
+              <a:t>Customer enters</a:t>
+            </a:r>
+          </a:p>
+          <a:p>
+            <a:r>
+              <a:rPr lang="en-US" sz="4000" b="1" dirty="0" smtClean="0">
+                <a:solidFill>
+                  <a:srgbClr val="FF0000"/>
+                </a:solidFill>
+              </a:rPr>
+              <a:t>Hostess </a:t>
+            </a:r>
+            <a:r>
+              <a:rPr lang="en-US" sz="4000" b="1" dirty="0">
+                <a:solidFill>
+                  <a:srgbClr val="FF0000"/>
+                </a:solidFill>
+              </a:rPr>
+              <a:t>checks for available </a:t>
+            </a:r>
+            <a:r>
+              <a:rPr lang="en-US" sz="4000" b="1" dirty="0" smtClean="0">
+                <a:solidFill>
+                  <a:srgbClr val="FF0000"/>
+                </a:solidFill>
+              </a:rPr>
+              <a:t>tables / estimated wait-time </a:t>
+            </a:r>
+            <a:endParaRPr lang="en-US" sz="4000" b="1" dirty="0">
+              <a:solidFill>
+                <a:srgbClr val="FF0000"/>
+              </a:solidFill>
+            </a:endParaRPr>
+          </a:p>
+          <a:p>
+            <a:r>
+              <a:rPr lang="en-US" sz="4000" b="1" dirty="0">
+                <a:solidFill>
+                  <a:srgbClr val="FF0000"/>
+                </a:solidFill>
+              </a:rPr>
+              <a:t>Customer seated by </a:t>
+            </a:r>
+            <a:r>
+              <a:rPr lang="en-US" sz="4000" b="1" dirty="0" smtClean="0">
+                <a:solidFill>
+                  <a:srgbClr val="FF0000"/>
+                </a:solidFill>
+              </a:rPr>
+              <a:t>hostess, table marked occupied and  assigned to a waiter</a:t>
+            </a:r>
+          </a:p>
+          <a:p>
+            <a:r>
+              <a:rPr lang="en-US" sz="4000" b="1" dirty="0" smtClean="0">
+                <a:solidFill>
+                  <a:srgbClr val="FF0000"/>
+                </a:solidFill>
+              </a:rPr>
+              <a:t>Drinks, Appetizers, meals: ordered /prepared </a:t>
+            </a:r>
+            <a:r>
+              <a:rPr lang="en-US" sz="4000" b="1" dirty="0">
+                <a:solidFill>
+                  <a:srgbClr val="FF0000"/>
+                </a:solidFill>
+              </a:rPr>
+              <a:t>/ </a:t>
+            </a:r>
+            <a:r>
+              <a:rPr lang="en-US" sz="4000" b="1" dirty="0" smtClean="0">
+                <a:solidFill>
+                  <a:srgbClr val="FF0000"/>
+                </a:solidFill>
+              </a:rPr>
+              <a:t>delivered</a:t>
+            </a:r>
+          </a:p>
+        </p:txBody>
+      </p:sp>
+      <p:pic>
+        <p:nvPicPr>
+          <p:cNvPr id="4" name="Picture 3"/>
+          <p:cNvPicPr>
+            <a:picLocks noChangeAspect="1"/>
+          </p:cNvPicPr>
+          <p:nvPr/>
+        </p:nvPicPr>
+        <p:blipFill>
+          <a:blip r:embed="rId2">
+            <a:extLst>
+              <a:ext uri="{28A0092B-C50C-407E-A947-70E740481C1C}">
+                <a14:useLocalDpi xmlns:a14="http://schemas.microsoft.com/office/drawing/2010/main" val="0"/>
+              </a:ext>
+            </a:extLst>
+          </a:blip>
+          <a:stretch>
+            <a:fillRect/>
+          </a:stretch>
+        </p:blipFill>
+        <p:spPr>
+          <a:xfrm>
+            <a:off x="838200" y="1162050"/>
+            <a:ext cx="3124200" cy="4783932"/>
+          </a:xfrm>
+          <a:prstGeom prst="rect">
+            <a:avLst/>
+          </a:prstGeom>
+        </p:spPr>
+      </p:pic>
     </p:spTree>
     <p:extLst>
       <p:ext uri="{BB962C8B-B14F-4D97-AF65-F5344CB8AC3E}">
-        <p14:creationId xmlns:p14="http://schemas.microsoft.com/office/powerpoint/2010/main" val="1733782401"/>
+        <p14:creationId xmlns:p14="http://schemas.microsoft.com/office/powerpoint/2010/main" val="426276659"/>
       </p:ext>
     </p:extLst>
   </p:cSld>
@@ -6854,7 +5096,7 @@
     </p:spTree>
     <p:extLst>
       <p:ext uri="{BB962C8B-B14F-4D97-AF65-F5344CB8AC3E}">
-        <p14:creationId xmlns:p14="http://schemas.microsoft.com/office/powerpoint/2010/main" val="2083519932"/>
+        <p14:creationId xmlns:p14="http://schemas.microsoft.com/office/powerpoint/2010/main" val="3103370237"/>
       </p:ext>
     </p:extLst>
   </p:cSld>
@@ -6900,8 +5142,8 @@
         </p:nvSpPr>
         <p:spPr>
           <a:xfrm>
-            <a:off x="304800" y="0"/>
-            <a:ext cx="8001000" cy="1143000"/>
+            <a:off x="76200" y="-76200"/>
+            <a:ext cx="7924800" cy="1143000"/>
           </a:xfrm>
         </p:spPr>
         <p:txBody>
@@ -6912,10 +5154,18 @@
           <a:p>
             <a:pPr algn="l"/>
             <a:r>
-              <a:rPr lang="en-US" sz="6000" b="1" dirty="0" smtClean="0"/>
-              <a:t>Risks</a:t>
-            </a:r>
-            <a:endParaRPr lang="en-US" sz="6000" b="1" dirty="0"/>
+              <a:rPr lang="en-US" sz="6000" b="1" dirty="0" smtClean="0">
+                <a:solidFill>
+                  <a:srgbClr val="FF0000"/>
+                </a:solidFill>
+              </a:rPr>
+              <a:t>Main Success Scenario</a:t>
+            </a:r>
+            <a:endParaRPr lang="en-US" sz="6000" b="1" dirty="0">
+              <a:solidFill>
+                <a:srgbClr val="FF0000"/>
+              </a:solidFill>
+            </a:endParaRPr>
           </a:p>
         </p:txBody>
       </p:sp>
@@ -6931,69 +5181,96 @@
         </p:nvSpPr>
         <p:spPr>
           <a:xfrm>
-            <a:off x="228600" y="1066800"/>
-            <a:ext cx="8229600" cy="4525963"/>
+            <a:off x="228600" y="914400"/>
+            <a:ext cx="8458200" cy="5486400"/>
           </a:xfrm>
         </p:spPr>
         <p:txBody>
           <a:bodyPr>
-            <a:normAutofit fontScale="92500" lnSpcReduction="10000"/>
+            <a:normAutofit fontScale="92500" lnSpcReduction="20000"/>
           </a:bodyPr>
           <a:lstStyle/>
           <a:p>
-            <a:pPr lvl="0"/>
-            <a:r>
-              <a:rPr lang="en-US" b="1" dirty="0" smtClean="0"/>
-              <a:t>Fast application speed: Do not try customers’ patience.</a:t>
-            </a:r>
-          </a:p>
-          <a:p>
-            <a:pPr lvl="0"/>
-            <a:r>
-              <a:rPr lang="en-US" b="1" dirty="0" smtClean="0"/>
-              <a:t>High reliability: Downtime must be avoided</a:t>
-            </a:r>
-            <a:endParaRPr lang="en-US" b="1" dirty="0"/>
-          </a:p>
-          <a:p>
-            <a:pPr lvl="0"/>
-            <a:r>
-              <a:rPr lang="en-US" b="1" dirty="0" smtClean="0"/>
-              <a:t>Credit </a:t>
-            </a:r>
-            <a:r>
-              <a:rPr lang="en-US" b="1" dirty="0"/>
-              <a:t>card PCI information handling</a:t>
-            </a:r>
-          </a:p>
-          <a:p>
-            <a:pPr lvl="0"/>
-            <a:r>
-              <a:rPr lang="en-US" b="1" dirty="0" smtClean="0"/>
-              <a:t>Billing accuracy</a:t>
-            </a:r>
-          </a:p>
-          <a:p>
-            <a:pPr lvl="0"/>
-            <a:r>
-              <a:rPr lang="en-US" b="1" dirty="0" smtClean="0"/>
-              <a:t>Logins securely connect users with their correct role</a:t>
-            </a:r>
-            <a:endParaRPr lang="en-US" sz="4000" b="1" dirty="0" smtClean="0"/>
-          </a:p>
-          <a:p>
-            <a:pPr lvl="0"/>
-            <a:r>
-              <a:rPr lang="en-US" b="1" dirty="0" smtClean="0"/>
-              <a:t>Effective prioritization algorithm for orders and dishes</a:t>
-            </a:r>
+            <a:r>
+              <a:rPr lang="en-US" sz="4000" b="1" u="sng" dirty="0" smtClean="0">
+                <a:solidFill>
+                  <a:srgbClr val="FF0000"/>
+                </a:solidFill>
+              </a:rPr>
+              <a:t>Ordering</a:t>
+            </a:r>
+            <a:r>
+              <a:rPr lang="en-US" sz="4000" b="1" dirty="0" smtClean="0">
+                <a:solidFill>
+                  <a:srgbClr val="FF0000"/>
+                </a:solidFill>
+              </a:rPr>
+              <a:t>: order-items (drinks and dishes) are added to order-group which is placed in an order-queue by wait-staff</a:t>
+            </a:r>
+          </a:p>
+          <a:p>
+            <a:r>
+              <a:rPr lang="en-US" sz="4000" b="1" u="sng" dirty="0" smtClean="0">
+                <a:solidFill>
+                  <a:srgbClr val="FF0000"/>
+                </a:solidFill>
+              </a:rPr>
+              <a:t>Preparation</a:t>
+            </a:r>
+            <a:r>
+              <a:rPr lang="en-US" sz="4000" b="1" dirty="0" smtClean="0">
+                <a:solidFill>
+                  <a:srgbClr val="FF0000"/>
+                </a:solidFill>
+              </a:rPr>
+              <a:t>: order-group is removed from the order-queue by kitchen staff, order-items are prepared (in </a:t>
+            </a:r>
+            <a:r>
+              <a:rPr lang="en-US" sz="4000" b="1" dirty="0" err="1" smtClean="0">
+                <a:solidFill>
+                  <a:srgbClr val="FF0000"/>
+                </a:solidFill>
+              </a:rPr>
+              <a:t>LPTF</a:t>
+            </a:r>
+            <a:r>
+              <a:rPr lang="en-US" sz="4000" b="1" dirty="0" smtClean="0">
+                <a:solidFill>
+                  <a:srgbClr val="FF0000"/>
+                </a:solidFill>
+              </a:rPr>
+              <a:t> order), and the order-group is placed in the delivery-queue.  Inventory is updated.</a:t>
+            </a:r>
+          </a:p>
+          <a:p>
+            <a:r>
+              <a:rPr lang="en-US" sz="4000" b="1" u="sng" dirty="0" smtClean="0">
+                <a:solidFill>
+                  <a:srgbClr val="FF0000"/>
+                </a:solidFill>
+              </a:rPr>
+              <a:t>Delivery</a:t>
+            </a:r>
+            <a:r>
+              <a:rPr lang="en-US" sz="4000" b="1" dirty="0" smtClean="0">
+                <a:solidFill>
+                  <a:srgbClr val="FF0000"/>
+                </a:solidFill>
+              </a:rPr>
+              <a:t>: item is delivered and removed from delivery-queue by wait-staff.</a:t>
+            </a:r>
+            <a:endParaRPr lang="en-US" sz="4000" b="1" dirty="0">
+              <a:solidFill>
+                <a:srgbClr val="FF0000"/>
+              </a:solidFill>
+            </a:endParaRPr>
           </a:p>
         </p:txBody>
       </p:sp>
     </p:spTree>
     <p:extLst>
       <p:ext uri="{BB962C8B-B14F-4D97-AF65-F5344CB8AC3E}">
-        <p14:creationId xmlns:p14="http://schemas.microsoft.com/office/powerpoint/2010/main" val="1733782401"/>
+        <p14:creationId xmlns:p14="http://schemas.microsoft.com/office/powerpoint/2010/main" val="1877067265"/>
       </p:ext>
     </p:extLst>
   </p:cSld>
@@ -7011,6 +5288,2935 @@
 </file>
 
 <file path=ppt/slides/slide21.xml><?xml version="1.0" encoding="utf-8"?>
+<p:sld xmlns:a="http://schemas.openxmlformats.org/drawingml/2006/main" xmlns:r="http://schemas.openxmlformats.org/officeDocument/2006/relationships" xmlns:p="http://schemas.openxmlformats.org/presentationml/2006/main">
+  <p:cSld>
+    <p:spTree>
+      <p:nvGrpSpPr>
+        <p:cNvPr id="1" name=""/>
+        <p:cNvGrpSpPr/>
+        <p:nvPr/>
+      </p:nvGrpSpPr>
+      <p:grpSpPr>
+        <a:xfrm>
+          <a:off x="0" y="0"/>
+          <a:ext cx="0" cy="0"/>
+          <a:chOff x="0" y="0"/>
+          <a:chExt cx="0" cy="0"/>
+        </a:xfrm>
+      </p:grpSpPr>
+      <p:sp>
+        <p:nvSpPr>
+          <p:cNvPr id="2" name="Title 1"/>
+          <p:cNvSpPr>
+            <a:spLocks noGrp="1"/>
+          </p:cNvSpPr>
+          <p:nvPr>
+            <p:ph type="title"/>
+          </p:nvPr>
+        </p:nvSpPr>
+        <p:spPr>
+          <a:xfrm>
+            <a:off x="76200" y="-76200"/>
+            <a:ext cx="7924800" cy="1143000"/>
+          </a:xfrm>
+        </p:spPr>
+        <p:txBody>
+          <a:bodyPr>
+            <a:normAutofit/>
+          </a:bodyPr>
+          <a:lstStyle/>
+          <a:p>
+            <a:pPr algn="l"/>
+            <a:r>
+              <a:rPr lang="en-US" sz="6000" b="1" dirty="0" smtClean="0">
+                <a:solidFill>
+                  <a:srgbClr val="FF0000"/>
+                </a:solidFill>
+              </a:rPr>
+              <a:t>Main Success Scenario</a:t>
+            </a:r>
+            <a:endParaRPr lang="en-US" sz="6000" b="1" dirty="0">
+              <a:solidFill>
+                <a:srgbClr val="FF0000"/>
+              </a:solidFill>
+            </a:endParaRPr>
+          </a:p>
+        </p:txBody>
+      </p:sp>
+      <p:sp>
+        <p:nvSpPr>
+          <p:cNvPr id="3" name="Content Placeholder 2"/>
+          <p:cNvSpPr>
+            <a:spLocks noGrp="1"/>
+          </p:cNvSpPr>
+          <p:nvPr>
+            <p:ph idx="1"/>
+          </p:nvPr>
+        </p:nvSpPr>
+        <p:spPr>
+          <a:xfrm>
+            <a:off x="228600" y="914400"/>
+            <a:ext cx="8458200" cy="3581400"/>
+          </a:xfrm>
+        </p:spPr>
+        <p:txBody>
+          <a:bodyPr>
+            <a:normAutofit fontScale="92500" lnSpcReduction="10000"/>
+          </a:bodyPr>
+          <a:lstStyle/>
+          <a:p>
+            <a:pPr marL="0" indent="0">
+              <a:buNone/>
+            </a:pPr>
+            <a:r>
+              <a:rPr lang="en-US" sz="4000" b="1" dirty="0" smtClean="0">
+                <a:solidFill>
+                  <a:srgbClr val="FF0000"/>
+                </a:solidFill>
+              </a:rPr>
+              <a:t>Queue order is processed by an algorithm that:</a:t>
+            </a:r>
+          </a:p>
+          <a:p>
+            <a:pPr lvl="0"/>
+            <a:r>
+              <a:rPr lang="en-US" sz="4000" b="1" dirty="0" smtClean="0">
+                <a:solidFill>
+                  <a:srgbClr val="FF0000"/>
+                </a:solidFill>
+              </a:rPr>
+              <a:t>Order-groups queued in FIFO</a:t>
+            </a:r>
+            <a:endParaRPr lang="en-US" sz="4000" b="1" dirty="0">
+              <a:solidFill>
+                <a:srgbClr val="FF0000"/>
+              </a:solidFill>
+            </a:endParaRPr>
+          </a:p>
+          <a:p>
+            <a:pPr lvl="0"/>
+            <a:r>
+              <a:rPr lang="en-US" sz="4000" b="1" dirty="0" smtClean="0">
+                <a:solidFill>
+                  <a:srgbClr val="FF0000"/>
+                </a:solidFill>
+              </a:rPr>
+              <a:t>Order-items queued </a:t>
+            </a:r>
+            <a:r>
+              <a:rPr lang="en-US" sz="4000" b="1" dirty="0">
+                <a:solidFill>
+                  <a:srgbClr val="FF0000"/>
+                </a:solidFill>
+              </a:rPr>
+              <a:t>within </a:t>
+            </a:r>
+            <a:r>
+              <a:rPr lang="en-US" sz="4000" b="1" dirty="0" smtClean="0">
+                <a:solidFill>
+                  <a:srgbClr val="FF0000"/>
+                </a:solidFill>
+              </a:rPr>
+              <a:t>order-group </a:t>
+            </a:r>
+            <a:r>
+              <a:rPr lang="en-US" sz="4000" b="1" dirty="0">
+                <a:solidFill>
+                  <a:srgbClr val="FF0000"/>
+                </a:solidFill>
+              </a:rPr>
+              <a:t>by l</a:t>
+            </a:r>
+            <a:r>
+              <a:rPr lang="en-US" sz="4000" b="1" dirty="0" smtClean="0">
+                <a:solidFill>
+                  <a:srgbClr val="FF0000"/>
+                </a:solidFill>
+              </a:rPr>
+              <a:t>ongest </a:t>
+            </a:r>
+            <a:r>
+              <a:rPr lang="en-US" sz="4000" b="1" dirty="0">
+                <a:solidFill>
+                  <a:srgbClr val="FF0000"/>
+                </a:solidFill>
+              </a:rPr>
+              <a:t>prep-time </a:t>
+            </a:r>
+            <a:r>
+              <a:rPr lang="en-US" sz="4000" b="1" dirty="0" smtClean="0">
+                <a:solidFill>
+                  <a:srgbClr val="FF0000"/>
+                </a:solidFill>
+              </a:rPr>
+              <a:t>first (</a:t>
+            </a:r>
+            <a:r>
+              <a:rPr lang="en-US" sz="4000" b="1" dirty="0" err="1" smtClean="0">
+                <a:solidFill>
+                  <a:srgbClr val="FF0000"/>
+                </a:solidFill>
+              </a:rPr>
+              <a:t>LPTF</a:t>
+            </a:r>
+            <a:r>
+              <a:rPr lang="en-US" sz="4000" b="1" dirty="0" smtClean="0">
+                <a:solidFill>
+                  <a:srgbClr val="FF0000"/>
+                </a:solidFill>
+              </a:rPr>
+              <a:t>) to synchronize their completion</a:t>
+            </a:r>
+          </a:p>
+          <a:p>
+            <a:endParaRPr lang="en-US" sz="4000" b="1" dirty="0"/>
+          </a:p>
+        </p:txBody>
+      </p:sp>
+      <p:pic>
+        <p:nvPicPr>
+          <p:cNvPr id="4" name="Content Placeholder 3"/>
+          <p:cNvPicPr>
+            <a:picLocks noChangeAspect="1"/>
+          </p:cNvPicPr>
+          <p:nvPr/>
+        </p:nvPicPr>
+        <p:blipFill>
+          <a:blip r:embed="rId2">
+            <a:extLst>
+              <a:ext uri="{28A0092B-C50C-407E-A947-70E740481C1C}">
+                <a14:useLocalDpi xmlns:a14="http://schemas.microsoft.com/office/drawing/2010/main" val="0"/>
+              </a:ext>
+            </a:extLst>
+          </a:blip>
+          <a:stretch>
+            <a:fillRect/>
+          </a:stretch>
+        </p:blipFill>
+        <p:spPr>
+          <a:xfrm>
+            <a:off x="457200" y="4800600"/>
+            <a:ext cx="8229599" cy="1249211"/>
+          </a:xfrm>
+          <a:prstGeom prst="rect">
+            <a:avLst/>
+          </a:prstGeom>
+          <a:ln w="15875">
+            <a:solidFill>
+              <a:schemeClr val="accent2">
+                <a:lumMod val="60000"/>
+                <a:lumOff val="40000"/>
+              </a:schemeClr>
+            </a:solidFill>
+          </a:ln>
+        </p:spPr>
+      </p:pic>
+    </p:spTree>
+    <p:extLst>
+      <p:ext uri="{BB962C8B-B14F-4D97-AF65-F5344CB8AC3E}">
+        <p14:creationId xmlns:p14="http://schemas.microsoft.com/office/powerpoint/2010/main" val="3392404194"/>
+      </p:ext>
+    </p:extLst>
+  </p:cSld>
+  <p:clrMapOvr>
+    <a:masterClrMapping/>
+  </p:clrMapOvr>
+  <p:timing>
+    <p:tnLst>
+      <p:par>
+        <p:cTn id="1" dur="indefinite" restart="never" nodeType="tmRoot"/>
+      </p:par>
+    </p:tnLst>
+  </p:timing>
+</p:sld>
+</file>
+
+<file path=ppt/slides/slide22.xml><?xml version="1.0" encoding="utf-8"?>
+<p:sld xmlns:a="http://schemas.openxmlformats.org/drawingml/2006/main" xmlns:r="http://schemas.openxmlformats.org/officeDocument/2006/relationships" xmlns:p="http://schemas.openxmlformats.org/presentationml/2006/main">
+  <p:cSld>
+    <p:spTree>
+      <p:nvGrpSpPr>
+        <p:cNvPr id="1" name=""/>
+        <p:cNvGrpSpPr/>
+        <p:nvPr/>
+      </p:nvGrpSpPr>
+      <p:grpSpPr>
+        <a:xfrm>
+          <a:off x="0" y="0"/>
+          <a:ext cx="0" cy="0"/>
+          <a:chOff x="0" y="0"/>
+          <a:chExt cx="0" cy="0"/>
+        </a:xfrm>
+      </p:grpSpPr>
+      <p:sp>
+        <p:nvSpPr>
+          <p:cNvPr id="2" name="Title 1"/>
+          <p:cNvSpPr>
+            <a:spLocks noGrp="1"/>
+          </p:cNvSpPr>
+          <p:nvPr>
+            <p:ph type="title"/>
+          </p:nvPr>
+        </p:nvSpPr>
+        <p:spPr>
+          <a:xfrm>
+            <a:off x="76200" y="-76200"/>
+            <a:ext cx="7924800" cy="1143000"/>
+          </a:xfrm>
+        </p:spPr>
+        <p:txBody>
+          <a:bodyPr>
+            <a:normAutofit/>
+          </a:bodyPr>
+          <a:lstStyle/>
+          <a:p>
+            <a:pPr algn="l"/>
+            <a:r>
+              <a:rPr lang="en-US" sz="6000" b="1" dirty="0" smtClean="0">
+                <a:solidFill>
+                  <a:srgbClr val="FF0000"/>
+                </a:solidFill>
+              </a:rPr>
+              <a:t>Main Success Scenario</a:t>
+            </a:r>
+            <a:endParaRPr lang="en-US" sz="6000" b="1" dirty="0">
+              <a:solidFill>
+                <a:srgbClr val="FF0000"/>
+              </a:solidFill>
+            </a:endParaRPr>
+          </a:p>
+        </p:txBody>
+      </p:sp>
+      <p:sp>
+        <p:nvSpPr>
+          <p:cNvPr id="3" name="Content Placeholder 2"/>
+          <p:cNvSpPr>
+            <a:spLocks noGrp="1"/>
+          </p:cNvSpPr>
+          <p:nvPr>
+            <p:ph idx="1"/>
+          </p:nvPr>
+        </p:nvSpPr>
+        <p:spPr>
+          <a:xfrm>
+            <a:off x="228600" y="914400"/>
+            <a:ext cx="8458200" cy="5486400"/>
+          </a:xfrm>
+        </p:spPr>
+        <p:txBody>
+          <a:bodyPr>
+            <a:normAutofit/>
+          </a:bodyPr>
+          <a:lstStyle/>
+          <a:p>
+            <a:r>
+              <a:rPr lang="en-US" sz="4000" b="1" dirty="0" smtClean="0">
+                <a:solidFill>
+                  <a:srgbClr val="FF0000"/>
+                </a:solidFill>
+              </a:rPr>
+              <a:t>People enjoy food and drinks and  possibly order more things.</a:t>
+            </a:r>
+          </a:p>
+          <a:p>
+            <a:r>
+              <a:rPr lang="en-US" sz="4000" b="1" dirty="0">
+                <a:solidFill>
+                  <a:srgbClr val="FF0000"/>
+                </a:solidFill>
+              </a:rPr>
+              <a:t>Meal </a:t>
+            </a:r>
+            <a:r>
+              <a:rPr lang="en-US" sz="4000" b="1" dirty="0" smtClean="0">
+                <a:solidFill>
+                  <a:srgbClr val="FF0000"/>
+                </a:solidFill>
+              </a:rPr>
+              <a:t>completed.</a:t>
+            </a:r>
+          </a:p>
+          <a:p>
+            <a:r>
+              <a:rPr lang="en-US" sz="4000" b="1" dirty="0" smtClean="0">
+                <a:solidFill>
+                  <a:srgbClr val="FF0000"/>
+                </a:solidFill>
+              </a:rPr>
+              <a:t>Bill is totaled and presented.</a:t>
+            </a:r>
+          </a:p>
+          <a:p>
+            <a:r>
+              <a:rPr lang="en-US" sz="4000" b="1" dirty="0" smtClean="0">
+                <a:solidFill>
+                  <a:srgbClr val="FF0000"/>
+                </a:solidFill>
+              </a:rPr>
+              <a:t>Bill and tip can be paid electronically</a:t>
+            </a:r>
+          </a:p>
+          <a:p>
+            <a:r>
+              <a:rPr lang="en-US" sz="4000" b="1" dirty="0" smtClean="0">
+                <a:solidFill>
+                  <a:srgbClr val="FF0000"/>
+                </a:solidFill>
+              </a:rPr>
+              <a:t>Bill is designated </a:t>
+            </a:r>
+            <a:r>
+              <a:rPr lang="en-US" sz="4000" b="1" dirty="0">
+                <a:solidFill>
+                  <a:srgbClr val="FF0000"/>
+                </a:solidFill>
+              </a:rPr>
+              <a:t>“settled”</a:t>
+            </a:r>
+          </a:p>
+          <a:p>
+            <a:endParaRPr lang="en-US" sz="4000" b="1" dirty="0"/>
+          </a:p>
+        </p:txBody>
+      </p:sp>
+    </p:spTree>
+    <p:extLst>
+      <p:ext uri="{BB962C8B-B14F-4D97-AF65-F5344CB8AC3E}">
+        <p14:creationId xmlns:p14="http://schemas.microsoft.com/office/powerpoint/2010/main" val="2001475889"/>
+      </p:ext>
+    </p:extLst>
+  </p:cSld>
+  <p:clrMapOvr>
+    <a:masterClrMapping/>
+  </p:clrMapOvr>
+  <p:timing>
+    <p:tnLst>
+      <p:par>
+        <p:cTn id="1" dur="indefinite" restart="never" nodeType="tmRoot"/>
+      </p:par>
+    </p:tnLst>
+  </p:timing>
+</p:sld>
+</file>
+
+<file path=ppt/slides/slide23.xml><?xml version="1.0" encoding="utf-8"?>
+<p:sld xmlns:a="http://schemas.openxmlformats.org/drawingml/2006/main" xmlns:r="http://schemas.openxmlformats.org/officeDocument/2006/relationships" xmlns:p="http://schemas.openxmlformats.org/presentationml/2006/main">
+  <p:cSld>
+    <p:spTree>
+      <p:nvGrpSpPr>
+        <p:cNvPr id="1" name=""/>
+        <p:cNvGrpSpPr/>
+        <p:nvPr/>
+      </p:nvGrpSpPr>
+      <p:grpSpPr>
+        <a:xfrm>
+          <a:off x="0" y="0"/>
+          <a:ext cx="0" cy="0"/>
+          <a:chOff x="0" y="0"/>
+          <a:chExt cx="0" cy="0"/>
+        </a:xfrm>
+      </p:grpSpPr>
+      <p:sp>
+        <p:nvSpPr>
+          <p:cNvPr id="2" name="Title 1"/>
+          <p:cNvSpPr>
+            <a:spLocks noGrp="1"/>
+          </p:cNvSpPr>
+          <p:nvPr>
+            <p:ph type="title"/>
+          </p:nvPr>
+        </p:nvSpPr>
+        <p:spPr>
+          <a:xfrm>
+            <a:off x="76200" y="-76200"/>
+            <a:ext cx="7924800" cy="1143000"/>
+          </a:xfrm>
+        </p:spPr>
+        <p:txBody>
+          <a:bodyPr>
+            <a:normAutofit/>
+          </a:bodyPr>
+          <a:lstStyle/>
+          <a:p>
+            <a:pPr algn="l"/>
+            <a:r>
+              <a:rPr lang="en-US" sz="6000" b="1" dirty="0" smtClean="0">
+                <a:solidFill>
+                  <a:srgbClr val="FF0000"/>
+                </a:solidFill>
+              </a:rPr>
+              <a:t>Main Success Scenario</a:t>
+            </a:r>
+            <a:endParaRPr lang="en-US" sz="6000" b="1" dirty="0">
+              <a:solidFill>
+                <a:srgbClr val="FF0000"/>
+              </a:solidFill>
+            </a:endParaRPr>
+          </a:p>
+        </p:txBody>
+      </p:sp>
+      <p:sp>
+        <p:nvSpPr>
+          <p:cNvPr id="3" name="Content Placeholder 2"/>
+          <p:cNvSpPr>
+            <a:spLocks noGrp="1"/>
+          </p:cNvSpPr>
+          <p:nvPr>
+            <p:ph idx="1"/>
+          </p:nvPr>
+        </p:nvSpPr>
+        <p:spPr>
+          <a:xfrm>
+            <a:off x="228600" y="914400"/>
+            <a:ext cx="8458200" cy="5486400"/>
+          </a:xfrm>
+        </p:spPr>
+        <p:txBody>
+          <a:bodyPr>
+            <a:normAutofit/>
+          </a:bodyPr>
+          <a:lstStyle/>
+          <a:p>
+            <a:r>
+              <a:rPr lang="en-US" sz="4000" b="1" dirty="0" smtClean="0">
+                <a:solidFill>
+                  <a:srgbClr val="FF0000"/>
+                </a:solidFill>
+              </a:rPr>
+              <a:t>People leave.</a:t>
+            </a:r>
+          </a:p>
+          <a:p>
+            <a:r>
+              <a:rPr lang="en-US" sz="4000" b="1" dirty="0" smtClean="0">
+                <a:solidFill>
+                  <a:srgbClr val="FF0000"/>
+                </a:solidFill>
+              </a:rPr>
+              <a:t>Table placed in bus queue</a:t>
+            </a:r>
+          </a:p>
+          <a:p>
+            <a:r>
+              <a:rPr lang="en-US" sz="4000" b="1" dirty="0" smtClean="0">
+                <a:solidFill>
+                  <a:srgbClr val="FF0000"/>
+                </a:solidFill>
+              </a:rPr>
+              <a:t>Table is cleaned, removed from bus queue, and marked as available </a:t>
+            </a:r>
+          </a:p>
+          <a:p>
+            <a:pPr marL="0" indent="0">
+              <a:buNone/>
+            </a:pPr>
+            <a:endParaRPr lang="en-US" sz="4000" b="1" dirty="0" smtClean="0"/>
+          </a:p>
+          <a:p>
+            <a:endParaRPr lang="en-US" sz="4000" b="1" dirty="0"/>
+          </a:p>
+        </p:txBody>
+      </p:sp>
+    </p:spTree>
+    <p:extLst>
+      <p:ext uri="{BB962C8B-B14F-4D97-AF65-F5344CB8AC3E}">
+        <p14:creationId xmlns:p14="http://schemas.microsoft.com/office/powerpoint/2010/main" val="2977566684"/>
+      </p:ext>
+    </p:extLst>
+  </p:cSld>
+  <p:clrMapOvr>
+    <a:masterClrMapping/>
+  </p:clrMapOvr>
+  <p:timing>
+    <p:tnLst>
+      <p:par>
+        <p:cTn id="1" dur="indefinite" restart="never" nodeType="tmRoot"/>
+      </p:par>
+    </p:tnLst>
+  </p:timing>
+</p:sld>
+</file>
+
+<file path=ppt/slides/slide24.xml><?xml version="1.0" encoding="utf-8"?>
+<p:sld xmlns:a="http://schemas.openxmlformats.org/drawingml/2006/main" xmlns:r="http://schemas.openxmlformats.org/officeDocument/2006/relationships" xmlns:p="http://schemas.openxmlformats.org/presentationml/2006/main">
+  <p:cSld>
+    <p:spTree>
+      <p:nvGrpSpPr>
+        <p:cNvPr id="1" name=""/>
+        <p:cNvGrpSpPr/>
+        <p:nvPr/>
+      </p:nvGrpSpPr>
+      <p:grpSpPr>
+        <a:xfrm>
+          <a:off x="0" y="0"/>
+          <a:ext cx="0" cy="0"/>
+          <a:chOff x="0" y="0"/>
+          <a:chExt cx="0" cy="0"/>
+        </a:xfrm>
+      </p:grpSpPr>
+      <p:graphicFrame>
+        <p:nvGraphicFramePr>
+          <p:cNvPr id="4" name="Content Placeholder 3"/>
+          <p:cNvGraphicFramePr>
+            <a:graphicFrameLocks noGrp="1"/>
+          </p:cNvGraphicFramePr>
+          <p:nvPr>
+            <p:ph idx="1"/>
+            <p:extLst>
+              <p:ext uri="{D42A27DB-BD31-4B8C-83A1-F6EECF244321}">
+                <p14:modId xmlns:p14="http://schemas.microsoft.com/office/powerpoint/2010/main" val="2978832265"/>
+              </p:ext>
+            </p:extLst>
+          </p:nvPr>
+        </p:nvGraphicFramePr>
+        <p:xfrm>
+          <a:off x="0" y="838200"/>
+          <a:ext cx="9067800" cy="5898664"/>
+        </p:xfrm>
+        <a:graphic>
+          <a:graphicData uri="http://schemas.openxmlformats.org/drawingml/2006/table">
+            <a:tbl>
+              <a:tblPr firstRow="1" firstCol="1" bandRow="1">
+                <a:tableStyleId>{5DA37D80-6434-44D0-A028-1B22A696006F}</a:tableStyleId>
+              </a:tblPr>
+              <a:tblGrid>
+                <a:gridCol w="457200"/>
+                <a:gridCol w="2209800"/>
+                <a:gridCol w="914400"/>
+                <a:gridCol w="2590800"/>
+                <a:gridCol w="1752600"/>
+                <a:gridCol w="1143000"/>
+              </a:tblGrid>
+              <a:tr h="389363">
+                <a:tc>
+                  <a:txBody>
+                    <a:bodyPr/>
+                    <a:lstStyle/>
+                    <a:p>
+                      <a:pPr marL="0" marR="0" algn="ctr">
+                        <a:lnSpc>
+                          <a:spcPct val="115000"/>
+                        </a:lnSpc>
+                        <a:spcBef>
+                          <a:spcPts val="0"/>
+                        </a:spcBef>
+                        <a:spcAft>
+                          <a:spcPts val="0"/>
+                        </a:spcAft>
+                      </a:pPr>
+                      <a:r>
+                        <a:rPr lang="en-US" sz="2400" dirty="0">
+                          <a:effectLst/>
+                        </a:rPr>
+                        <a:t>ID</a:t>
+                      </a:r>
+                      <a:endParaRPr lang="en-US" sz="3600" dirty="0">
+                        <a:effectLst/>
+                        <a:latin typeface="Calibri"/>
+                        <a:ea typeface="Calibri"/>
+                        <a:cs typeface="Times New Roman"/>
+                      </a:endParaRPr>
+                    </a:p>
+                  </a:txBody>
+                  <a:tcPr marL="68580" marR="68580" marT="0" marB="0" anchor="b"/>
+                </a:tc>
+                <a:tc>
+                  <a:txBody>
+                    <a:bodyPr/>
+                    <a:lstStyle/>
+                    <a:p>
+                      <a:pPr marL="0" marR="0" algn="ctr">
+                        <a:lnSpc>
+                          <a:spcPct val="115000"/>
+                        </a:lnSpc>
+                        <a:spcBef>
+                          <a:spcPts val="0"/>
+                        </a:spcBef>
+                        <a:spcAft>
+                          <a:spcPts val="0"/>
+                        </a:spcAft>
+                      </a:pPr>
+                      <a:r>
+                        <a:rPr lang="en-US" sz="2400" dirty="0">
+                          <a:effectLst/>
+                        </a:rPr>
+                        <a:t>Name </a:t>
+                      </a:r>
+                      <a:endParaRPr lang="en-US" sz="3600" dirty="0">
+                        <a:effectLst/>
+                        <a:latin typeface="Calibri"/>
+                        <a:ea typeface="Calibri"/>
+                        <a:cs typeface="Times New Roman"/>
+                      </a:endParaRPr>
+                    </a:p>
+                  </a:txBody>
+                  <a:tcPr marL="68580" marR="68580" marT="0" marB="0" anchor="b"/>
+                </a:tc>
+                <a:tc>
+                  <a:txBody>
+                    <a:bodyPr/>
+                    <a:lstStyle/>
+                    <a:p>
+                      <a:pPr marL="0" marR="0" algn="ctr">
+                        <a:lnSpc>
+                          <a:spcPct val="115000"/>
+                        </a:lnSpc>
+                        <a:spcBef>
+                          <a:spcPts val="0"/>
+                        </a:spcBef>
+                        <a:spcAft>
+                          <a:spcPts val="0"/>
+                        </a:spcAft>
+                      </a:pPr>
+                      <a:r>
+                        <a:rPr lang="en-US" sz="2400">
+                          <a:effectLst/>
+                        </a:rPr>
+                        <a:t>Scope</a:t>
+                      </a:r>
+                      <a:endParaRPr lang="en-US" sz="3600">
+                        <a:effectLst/>
+                        <a:latin typeface="Calibri"/>
+                        <a:ea typeface="Calibri"/>
+                        <a:cs typeface="Times New Roman"/>
+                      </a:endParaRPr>
+                    </a:p>
+                  </a:txBody>
+                  <a:tcPr marL="68580" marR="68580" marT="0" marB="0" anchor="b"/>
+                </a:tc>
+                <a:tc>
+                  <a:txBody>
+                    <a:bodyPr/>
+                    <a:lstStyle/>
+                    <a:p>
+                      <a:pPr marL="0" marR="0" algn="ctr">
+                        <a:lnSpc>
+                          <a:spcPct val="115000"/>
+                        </a:lnSpc>
+                        <a:spcBef>
+                          <a:spcPts val="0"/>
+                        </a:spcBef>
+                        <a:spcAft>
+                          <a:spcPts val="0"/>
+                        </a:spcAft>
+                      </a:pPr>
+                      <a:r>
+                        <a:rPr lang="en-US" sz="2400" dirty="0">
+                          <a:effectLst/>
+                        </a:rPr>
+                        <a:t>Primary Actor</a:t>
+                      </a:r>
+                      <a:endParaRPr lang="en-US" sz="3600" dirty="0">
+                        <a:effectLst/>
+                        <a:latin typeface="Calibri"/>
+                        <a:ea typeface="Calibri"/>
+                        <a:cs typeface="Times New Roman"/>
+                      </a:endParaRPr>
+                    </a:p>
+                  </a:txBody>
+                  <a:tcPr marL="68580" marR="68580" marT="0" marB="0" anchor="b"/>
+                </a:tc>
+                <a:tc>
+                  <a:txBody>
+                    <a:bodyPr/>
+                    <a:lstStyle/>
+                    <a:p>
+                      <a:pPr marL="0" marR="0" algn="ctr">
+                        <a:lnSpc>
+                          <a:spcPct val="115000"/>
+                        </a:lnSpc>
+                        <a:spcBef>
+                          <a:spcPts val="0"/>
+                        </a:spcBef>
+                        <a:spcAft>
+                          <a:spcPts val="0"/>
+                        </a:spcAft>
+                      </a:pPr>
+                      <a:r>
+                        <a:rPr lang="en-US" sz="2400" dirty="0" err="1" smtClean="0">
+                          <a:effectLst/>
+                        </a:rPr>
+                        <a:t>Compelxity</a:t>
+                      </a:r>
+                      <a:endParaRPr lang="en-US" sz="3600" dirty="0">
+                        <a:effectLst/>
+                        <a:latin typeface="Calibri"/>
+                        <a:ea typeface="Calibri"/>
+                        <a:cs typeface="Times New Roman"/>
+                      </a:endParaRPr>
+                    </a:p>
+                  </a:txBody>
+                  <a:tcPr marL="68580" marR="68580" marT="0" marB="0" anchor="b"/>
+                </a:tc>
+                <a:tc>
+                  <a:txBody>
+                    <a:bodyPr/>
+                    <a:lstStyle/>
+                    <a:p>
+                      <a:pPr marL="0" marR="0" algn="ctr">
+                        <a:lnSpc>
+                          <a:spcPct val="115000"/>
+                        </a:lnSpc>
+                        <a:spcBef>
+                          <a:spcPts val="0"/>
+                        </a:spcBef>
+                        <a:spcAft>
+                          <a:spcPts val="0"/>
+                        </a:spcAft>
+                      </a:pPr>
+                      <a:r>
+                        <a:rPr lang="en-US" sz="2400" dirty="0">
+                          <a:effectLst/>
+                        </a:rPr>
+                        <a:t>Priority</a:t>
+                      </a:r>
+                      <a:endParaRPr lang="en-US" sz="3600" dirty="0">
+                        <a:effectLst/>
+                        <a:latin typeface="Calibri"/>
+                        <a:ea typeface="Calibri"/>
+                        <a:cs typeface="Times New Roman"/>
+                      </a:endParaRPr>
+                    </a:p>
+                  </a:txBody>
+                  <a:tcPr marL="68580" marR="68580" marT="0" marB="0" anchor="b"/>
+                </a:tc>
+              </a:tr>
+              <a:tr h="547804">
+                <a:tc>
+                  <a:txBody>
+                    <a:bodyPr/>
+                    <a:lstStyle/>
+                    <a:p>
+                      <a:pPr marL="0" marR="0" algn="ctr">
+                        <a:lnSpc>
+                          <a:spcPct val="115000"/>
+                        </a:lnSpc>
+                        <a:spcBef>
+                          <a:spcPts val="0"/>
+                        </a:spcBef>
+                        <a:spcAft>
+                          <a:spcPts val="0"/>
+                        </a:spcAft>
+                      </a:pPr>
+                      <a:r>
+                        <a:rPr lang="en-US" sz="2400" dirty="0">
+                          <a:effectLst/>
+                        </a:rPr>
+                        <a:t>1</a:t>
+                      </a:r>
+                      <a:endParaRPr lang="en-US" sz="3600" dirty="0">
+                        <a:effectLst/>
+                        <a:latin typeface="Calibri"/>
+                        <a:ea typeface="Calibri"/>
+                        <a:cs typeface="Times New Roman"/>
+                      </a:endParaRPr>
+                    </a:p>
+                  </a:txBody>
+                  <a:tcPr marL="68580" marR="68580" marT="0" marB="0" anchor="b"/>
+                </a:tc>
+                <a:tc>
+                  <a:txBody>
+                    <a:bodyPr/>
+                    <a:lstStyle/>
+                    <a:p>
+                      <a:pPr marL="0" marR="0" algn="ctr">
+                        <a:lnSpc>
+                          <a:spcPct val="115000"/>
+                        </a:lnSpc>
+                        <a:spcBef>
+                          <a:spcPts val="0"/>
+                        </a:spcBef>
+                        <a:spcAft>
+                          <a:spcPts val="0"/>
+                        </a:spcAft>
+                      </a:pPr>
+                      <a:r>
+                        <a:rPr lang="en-US" sz="2400" dirty="0">
+                          <a:effectLst/>
+                        </a:rPr>
+                        <a:t>Menu view</a:t>
+                      </a:r>
+                      <a:endParaRPr lang="en-US" sz="3600" dirty="0">
+                        <a:effectLst/>
+                        <a:latin typeface="Calibri"/>
+                        <a:ea typeface="Calibri"/>
+                        <a:cs typeface="Times New Roman"/>
+                      </a:endParaRPr>
+                    </a:p>
+                  </a:txBody>
+                  <a:tcPr marL="68580" marR="68580" marT="0" marB="0" anchor="b"/>
+                </a:tc>
+                <a:tc>
+                  <a:txBody>
+                    <a:bodyPr/>
+                    <a:lstStyle/>
+                    <a:p>
+                      <a:pPr marL="0" marR="0" algn="ctr">
+                        <a:lnSpc>
+                          <a:spcPct val="115000"/>
+                        </a:lnSpc>
+                        <a:spcBef>
+                          <a:spcPts val="0"/>
+                        </a:spcBef>
+                        <a:spcAft>
+                          <a:spcPts val="0"/>
+                        </a:spcAft>
+                      </a:pPr>
+                      <a:r>
+                        <a:rPr lang="en-US" sz="2400">
+                          <a:effectLst/>
+                        </a:rPr>
+                        <a:t>In</a:t>
+                      </a:r>
+                      <a:endParaRPr lang="en-US" sz="3600">
+                        <a:effectLst/>
+                        <a:latin typeface="Calibri"/>
+                        <a:ea typeface="Calibri"/>
+                        <a:cs typeface="Times New Roman"/>
+                      </a:endParaRPr>
+                    </a:p>
+                  </a:txBody>
+                  <a:tcPr marL="68580" marR="68580" marT="0" marB="0" anchor="b"/>
+                </a:tc>
+                <a:tc>
+                  <a:txBody>
+                    <a:bodyPr/>
+                    <a:lstStyle/>
+                    <a:p>
+                      <a:pPr marL="0" marR="0" algn="ctr">
+                        <a:lnSpc>
+                          <a:spcPct val="115000"/>
+                        </a:lnSpc>
+                        <a:spcBef>
+                          <a:spcPts val="0"/>
+                        </a:spcBef>
+                        <a:spcAft>
+                          <a:spcPts val="0"/>
+                        </a:spcAft>
+                      </a:pPr>
+                      <a:r>
+                        <a:rPr lang="en-US" sz="2400" dirty="0">
+                          <a:effectLst/>
+                        </a:rPr>
+                        <a:t>Anyone</a:t>
+                      </a:r>
+                      <a:endParaRPr lang="en-US" sz="3600" dirty="0">
+                        <a:effectLst/>
+                        <a:latin typeface="Calibri"/>
+                        <a:ea typeface="Calibri"/>
+                        <a:cs typeface="Times New Roman"/>
+                      </a:endParaRPr>
+                    </a:p>
+                  </a:txBody>
+                  <a:tcPr marL="68580" marR="68580" marT="0" marB="0" anchor="b"/>
+                </a:tc>
+                <a:tc>
+                  <a:txBody>
+                    <a:bodyPr/>
+                    <a:lstStyle/>
+                    <a:p>
+                      <a:pPr marL="0" marR="0" algn="ctr">
+                        <a:lnSpc>
+                          <a:spcPct val="115000"/>
+                        </a:lnSpc>
+                        <a:spcBef>
+                          <a:spcPts val="0"/>
+                        </a:spcBef>
+                        <a:spcAft>
+                          <a:spcPts val="0"/>
+                        </a:spcAft>
+                      </a:pPr>
+                      <a:r>
+                        <a:rPr lang="en-US" sz="2400">
+                          <a:effectLst/>
+                        </a:rPr>
+                        <a:t>Low</a:t>
+                      </a:r>
+                      <a:endParaRPr lang="en-US" sz="3600">
+                        <a:effectLst/>
+                        <a:latin typeface="Calibri"/>
+                        <a:ea typeface="Calibri"/>
+                        <a:cs typeface="Times New Roman"/>
+                      </a:endParaRPr>
+                    </a:p>
+                  </a:txBody>
+                  <a:tcPr marL="68580" marR="68580" marT="0" marB="0" anchor="b"/>
+                </a:tc>
+                <a:tc>
+                  <a:txBody>
+                    <a:bodyPr/>
+                    <a:lstStyle/>
+                    <a:p>
+                      <a:pPr marL="0" marR="0" algn="ctr">
+                        <a:lnSpc>
+                          <a:spcPct val="115000"/>
+                        </a:lnSpc>
+                        <a:spcBef>
+                          <a:spcPts val="0"/>
+                        </a:spcBef>
+                        <a:spcAft>
+                          <a:spcPts val="0"/>
+                        </a:spcAft>
+                      </a:pPr>
+                      <a:r>
+                        <a:rPr lang="en-US" sz="2400">
+                          <a:effectLst/>
+                        </a:rPr>
+                        <a:t>1</a:t>
+                      </a:r>
+                      <a:endParaRPr lang="en-US" sz="3600">
+                        <a:effectLst/>
+                        <a:latin typeface="Calibri"/>
+                        <a:ea typeface="Calibri"/>
+                        <a:cs typeface="Times New Roman"/>
+                      </a:endParaRPr>
+                    </a:p>
+                  </a:txBody>
+                  <a:tcPr marL="68580" marR="68580" marT="0" marB="0" anchor="b"/>
+                </a:tc>
+              </a:tr>
+              <a:tr h="547804">
+                <a:tc>
+                  <a:txBody>
+                    <a:bodyPr/>
+                    <a:lstStyle/>
+                    <a:p>
+                      <a:pPr marL="0" marR="0" algn="ctr">
+                        <a:lnSpc>
+                          <a:spcPct val="115000"/>
+                        </a:lnSpc>
+                        <a:spcBef>
+                          <a:spcPts val="0"/>
+                        </a:spcBef>
+                        <a:spcAft>
+                          <a:spcPts val="0"/>
+                        </a:spcAft>
+                      </a:pPr>
+                      <a:r>
+                        <a:rPr lang="en-US" sz="2400">
+                          <a:effectLst/>
+                        </a:rPr>
+                        <a:t>2</a:t>
+                      </a:r>
+                      <a:endParaRPr lang="en-US" sz="3600">
+                        <a:effectLst/>
+                        <a:latin typeface="Calibri"/>
+                        <a:ea typeface="Calibri"/>
+                        <a:cs typeface="Times New Roman"/>
+                      </a:endParaRPr>
+                    </a:p>
+                  </a:txBody>
+                  <a:tcPr marL="68580" marR="68580" marT="0" marB="0" anchor="b"/>
+                </a:tc>
+                <a:tc>
+                  <a:txBody>
+                    <a:bodyPr/>
+                    <a:lstStyle/>
+                    <a:p>
+                      <a:pPr marL="0" marR="0" algn="ctr">
+                        <a:lnSpc>
+                          <a:spcPct val="115000"/>
+                        </a:lnSpc>
+                        <a:spcBef>
+                          <a:spcPts val="0"/>
+                        </a:spcBef>
+                        <a:spcAft>
+                          <a:spcPts val="0"/>
+                        </a:spcAft>
+                      </a:pPr>
+                      <a:r>
+                        <a:rPr lang="en-US" sz="2400" dirty="0" smtClean="0">
+                          <a:effectLst/>
+                        </a:rPr>
+                        <a:t>Place Order</a:t>
+                      </a:r>
+                      <a:endParaRPr lang="en-US" sz="3600" dirty="0">
+                        <a:effectLst/>
+                        <a:latin typeface="Calibri"/>
+                        <a:ea typeface="Calibri"/>
+                        <a:cs typeface="Times New Roman"/>
+                      </a:endParaRPr>
+                    </a:p>
+                  </a:txBody>
+                  <a:tcPr marL="68580" marR="68580" marT="0" marB="0" anchor="b"/>
+                </a:tc>
+                <a:tc>
+                  <a:txBody>
+                    <a:bodyPr/>
+                    <a:lstStyle/>
+                    <a:p>
+                      <a:pPr marL="0" marR="0" algn="ctr">
+                        <a:lnSpc>
+                          <a:spcPct val="115000"/>
+                        </a:lnSpc>
+                        <a:spcBef>
+                          <a:spcPts val="0"/>
+                        </a:spcBef>
+                        <a:spcAft>
+                          <a:spcPts val="0"/>
+                        </a:spcAft>
+                      </a:pPr>
+                      <a:r>
+                        <a:rPr lang="en-US" sz="2400">
+                          <a:effectLst/>
+                        </a:rPr>
+                        <a:t>In</a:t>
+                      </a:r>
+                      <a:endParaRPr lang="en-US" sz="3600">
+                        <a:effectLst/>
+                        <a:latin typeface="Calibri"/>
+                        <a:ea typeface="Calibri"/>
+                        <a:cs typeface="Times New Roman"/>
+                      </a:endParaRPr>
+                    </a:p>
+                  </a:txBody>
+                  <a:tcPr marL="68580" marR="68580" marT="0" marB="0" anchor="b"/>
+                </a:tc>
+                <a:tc>
+                  <a:txBody>
+                    <a:bodyPr/>
+                    <a:lstStyle/>
+                    <a:p>
+                      <a:pPr marL="0" marR="0" algn="ctr">
+                        <a:lnSpc>
+                          <a:spcPct val="115000"/>
+                        </a:lnSpc>
+                        <a:spcBef>
+                          <a:spcPts val="0"/>
+                        </a:spcBef>
+                        <a:spcAft>
+                          <a:spcPts val="0"/>
+                        </a:spcAft>
+                      </a:pPr>
+                      <a:r>
+                        <a:rPr lang="en-US" sz="2400">
+                          <a:effectLst/>
+                        </a:rPr>
+                        <a:t>Customer</a:t>
+                      </a:r>
+                      <a:endParaRPr lang="en-US" sz="3600">
+                        <a:effectLst/>
+                        <a:latin typeface="Calibri"/>
+                        <a:ea typeface="Calibri"/>
+                        <a:cs typeface="Times New Roman"/>
+                      </a:endParaRPr>
+                    </a:p>
+                  </a:txBody>
+                  <a:tcPr marL="68580" marR="68580" marT="0" marB="0" anchor="b"/>
+                </a:tc>
+                <a:tc>
+                  <a:txBody>
+                    <a:bodyPr/>
+                    <a:lstStyle/>
+                    <a:p>
+                      <a:pPr marL="0" marR="0" algn="ctr">
+                        <a:lnSpc>
+                          <a:spcPct val="115000"/>
+                        </a:lnSpc>
+                        <a:spcBef>
+                          <a:spcPts val="0"/>
+                        </a:spcBef>
+                        <a:spcAft>
+                          <a:spcPts val="0"/>
+                        </a:spcAft>
+                      </a:pPr>
+                      <a:r>
+                        <a:rPr lang="en-US" sz="2400">
+                          <a:effectLst/>
+                        </a:rPr>
+                        <a:t>Low</a:t>
+                      </a:r>
+                      <a:endParaRPr lang="en-US" sz="3600">
+                        <a:effectLst/>
+                        <a:latin typeface="Calibri"/>
+                        <a:ea typeface="Calibri"/>
+                        <a:cs typeface="Times New Roman"/>
+                      </a:endParaRPr>
+                    </a:p>
+                  </a:txBody>
+                  <a:tcPr marL="68580" marR="68580" marT="0" marB="0" anchor="b"/>
+                </a:tc>
+                <a:tc>
+                  <a:txBody>
+                    <a:bodyPr/>
+                    <a:lstStyle/>
+                    <a:p>
+                      <a:pPr marL="0" marR="0" algn="ctr">
+                        <a:lnSpc>
+                          <a:spcPct val="115000"/>
+                        </a:lnSpc>
+                        <a:spcBef>
+                          <a:spcPts val="0"/>
+                        </a:spcBef>
+                        <a:spcAft>
+                          <a:spcPts val="0"/>
+                        </a:spcAft>
+                      </a:pPr>
+                      <a:r>
+                        <a:rPr lang="en-US" sz="2400">
+                          <a:effectLst/>
+                        </a:rPr>
+                        <a:t>1</a:t>
+                      </a:r>
+                      <a:endParaRPr lang="en-US" sz="3600">
+                        <a:effectLst/>
+                        <a:latin typeface="Calibri"/>
+                        <a:ea typeface="Calibri"/>
+                        <a:cs typeface="Times New Roman"/>
+                      </a:endParaRPr>
+                    </a:p>
+                  </a:txBody>
+                  <a:tcPr marL="68580" marR="68580" marT="0" marB="0" anchor="b"/>
+                </a:tc>
+              </a:tr>
+              <a:tr h="547804">
+                <a:tc>
+                  <a:txBody>
+                    <a:bodyPr/>
+                    <a:lstStyle/>
+                    <a:p>
+                      <a:pPr marL="0" marR="0" algn="ctr">
+                        <a:lnSpc>
+                          <a:spcPct val="115000"/>
+                        </a:lnSpc>
+                        <a:spcBef>
+                          <a:spcPts val="0"/>
+                        </a:spcBef>
+                        <a:spcAft>
+                          <a:spcPts val="0"/>
+                        </a:spcAft>
+                      </a:pPr>
+                      <a:r>
+                        <a:rPr lang="en-US" sz="2400">
+                          <a:effectLst/>
+                        </a:rPr>
+                        <a:t>3</a:t>
+                      </a:r>
+                      <a:endParaRPr lang="en-US" sz="3600">
+                        <a:effectLst/>
+                        <a:latin typeface="Calibri"/>
+                        <a:ea typeface="Calibri"/>
+                        <a:cs typeface="Times New Roman"/>
+                      </a:endParaRPr>
+                    </a:p>
+                  </a:txBody>
+                  <a:tcPr marL="68580" marR="68580" marT="0" marB="0" anchor="b"/>
+                </a:tc>
+                <a:tc>
+                  <a:txBody>
+                    <a:bodyPr/>
+                    <a:lstStyle/>
+                    <a:p>
+                      <a:pPr marL="0" marR="0" algn="ctr">
+                        <a:lnSpc>
+                          <a:spcPct val="115000"/>
+                        </a:lnSpc>
+                        <a:spcBef>
+                          <a:spcPts val="0"/>
+                        </a:spcBef>
+                        <a:spcAft>
+                          <a:spcPts val="0"/>
+                        </a:spcAft>
+                      </a:pPr>
+                      <a:r>
+                        <a:rPr lang="en-US" sz="2400" dirty="0" smtClean="0">
+                          <a:effectLst/>
+                        </a:rPr>
+                        <a:t>Deliver Order</a:t>
+                      </a:r>
+                      <a:endParaRPr lang="en-US" sz="3600" dirty="0">
+                        <a:effectLst/>
+                        <a:latin typeface="Calibri"/>
+                        <a:ea typeface="Calibri"/>
+                        <a:cs typeface="Times New Roman"/>
+                      </a:endParaRPr>
+                    </a:p>
+                  </a:txBody>
+                  <a:tcPr marL="68580" marR="68580" marT="0" marB="0" anchor="b"/>
+                </a:tc>
+                <a:tc>
+                  <a:txBody>
+                    <a:bodyPr/>
+                    <a:lstStyle/>
+                    <a:p>
+                      <a:pPr marL="0" marR="0" algn="ctr">
+                        <a:lnSpc>
+                          <a:spcPct val="115000"/>
+                        </a:lnSpc>
+                        <a:spcBef>
+                          <a:spcPts val="0"/>
+                        </a:spcBef>
+                        <a:spcAft>
+                          <a:spcPts val="0"/>
+                        </a:spcAft>
+                      </a:pPr>
+                      <a:r>
+                        <a:rPr lang="en-US" sz="2400" dirty="0">
+                          <a:effectLst/>
+                        </a:rPr>
+                        <a:t>In</a:t>
+                      </a:r>
+                      <a:endParaRPr lang="en-US" sz="3600" dirty="0">
+                        <a:effectLst/>
+                        <a:latin typeface="Calibri"/>
+                        <a:ea typeface="Calibri"/>
+                        <a:cs typeface="Times New Roman"/>
+                      </a:endParaRPr>
+                    </a:p>
+                  </a:txBody>
+                  <a:tcPr marL="68580" marR="68580" marT="0" marB="0" anchor="b"/>
+                </a:tc>
+                <a:tc>
+                  <a:txBody>
+                    <a:bodyPr/>
+                    <a:lstStyle/>
+                    <a:p>
+                      <a:pPr marL="0" marR="0" algn="ctr">
+                        <a:lnSpc>
+                          <a:spcPct val="115000"/>
+                        </a:lnSpc>
+                        <a:spcBef>
+                          <a:spcPts val="0"/>
+                        </a:spcBef>
+                        <a:spcAft>
+                          <a:spcPts val="0"/>
+                        </a:spcAft>
+                      </a:pPr>
+                      <a:r>
+                        <a:rPr lang="en-US" sz="2400">
+                          <a:effectLst/>
+                        </a:rPr>
+                        <a:t>Waiter</a:t>
+                      </a:r>
+                      <a:endParaRPr lang="en-US" sz="3600">
+                        <a:effectLst/>
+                        <a:latin typeface="Calibri"/>
+                        <a:ea typeface="Calibri"/>
+                        <a:cs typeface="Times New Roman"/>
+                      </a:endParaRPr>
+                    </a:p>
+                  </a:txBody>
+                  <a:tcPr marL="68580" marR="68580" marT="0" marB="0" anchor="b"/>
+                </a:tc>
+                <a:tc>
+                  <a:txBody>
+                    <a:bodyPr/>
+                    <a:lstStyle/>
+                    <a:p>
+                      <a:pPr marL="0" marR="0" algn="ctr">
+                        <a:lnSpc>
+                          <a:spcPct val="115000"/>
+                        </a:lnSpc>
+                        <a:spcBef>
+                          <a:spcPts val="0"/>
+                        </a:spcBef>
+                        <a:spcAft>
+                          <a:spcPts val="0"/>
+                        </a:spcAft>
+                      </a:pPr>
+                      <a:r>
+                        <a:rPr lang="en-US" sz="2400">
+                          <a:effectLst/>
+                        </a:rPr>
+                        <a:t>Low</a:t>
+                      </a:r>
+                      <a:endParaRPr lang="en-US" sz="3600">
+                        <a:effectLst/>
+                        <a:latin typeface="Calibri"/>
+                        <a:ea typeface="Calibri"/>
+                        <a:cs typeface="Times New Roman"/>
+                      </a:endParaRPr>
+                    </a:p>
+                  </a:txBody>
+                  <a:tcPr marL="68580" marR="68580" marT="0" marB="0" anchor="b"/>
+                </a:tc>
+                <a:tc>
+                  <a:txBody>
+                    <a:bodyPr/>
+                    <a:lstStyle/>
+                    <a:p>
+                      <a:pPr marL="0" marR="0" algn="ctr">
+                        <a:lnSpc>
+                          <a:spcPct val="115000"/>
+                        </a:lnSpc>
+                        <a:spcBef>
+                          <a:spcPts val="0"/>
+                        </a:spcBef>
+                        <a:spcAft>
+                          <a:spcPts val="0"/>
+                        </a:spcAft>
+                      </a:pPr>
+                      <a:r>
+                        <a:rPr lang="en-US" sz="2400">
+                          <a:effectLst/>
+                        </a:rPr>
+                        <a:t>1</a:t>
+                      </a:r>
+                      <a:endParaRPr lang="en-US" sz="3600">
+                        <a:effectLst/>
+                        <a:latin typeface="Calibri"/>
+                        <a:ea typeface="Calibri"/>
+                        <a:cs typeface="Times New Roman"/>
+                      </a:endParaRPr>
+                    </a:p>
+                  </a:txBody>
+                  <a:tcPr marL="68580" marR="68580" marT="0" marB="0" anchor="b"/>
+                </a:tc>
+              </a:tr>
+              <a:tr h="547804">
+                <a:tc>
+                  <a:txBody>
+                    <a:bodyPr/>
+                    <a:lstStyle/>
+                    <a:p>
+                      <a:pPr marL="0" marR="0" algn="ctr">
+                        <a:lnSpc>
+                          <a:spcPct val="115000"/>
+                        </a:lnSpc>
+                        <a:spcBef>
+                          <a:spcPts val="0"/>
+                        </a:spcBef>
+                        <a:spcAft>
+                          <a:spcPts val="0"/>
+                        </a:spcAft>
+                      </a:pPr>
+                      <a:r>
+                        <a:rPr lang="en-US" sz="2400">
+                          <a:effectLst/>
+                        </a:rPr>
+                        <a:t>4</a:t>
+                      </a:r>
+                      <a:endParaRPr lang="en-US" sz="3600">
+                        <a:effectLst/>
+                        <a:latin typeface="Calibri"/>
+                        <a:ea typeface="Calibri"/>
+                        <a:cs typeface="Times New Roman"/>
+                      </a:endParaRPr>
+                    </a:p>
+                  </a:txBody>
+                  <a:tcPr marL="68580" marR="68580" marT="0" marB="0" anchor="b"/>
+                </a:tc>
+                <a:tc>
+                  <a:txBody>
+                    <a:bodyPr/>
+                    <a:lstStyle/>
+                    <a:p>
+                      <a:pPr marL="0" marR="0" algn="ctr">
+                        <a:lnSpc>
+                          <a:spcPct val="115000"/>
+                        </a:lnSpc>
+                        <a:spcBef>
+                          <a:spcPts val="0"/>
+                        </a:spcBef>
+                        <a:spcAft>
+                          <a:spcPts val="0"/>
+                        </a:spcAft>
+                      </a:pPr>
+                      <a:r>
+                        <a:rPr lang="en-US" sz="2400" dirty="0">
+                          <a:effectLst/>
+                        </a:rPr>
+                        <a:t>Order review</a:t>
+                      </a:r>
+                      <a:endParaRPr lang="en-US" sz="3600" dirty="0">
+                        <a:effectLst/>
+                        <a:latin typeface="Calibri"/>
+                        <a:ea typeface="Calibri"/>
+                        <a:cs typeface="Times New Roman"/>
+                      </a:endParaRPr>
+                    </a:p>
+                  </a:txBody>
+                  <a:tcPr marL="68580" marR="68580" marT="0" marB="0" anchor="b"/>
+                </a:tc>
+                <a:tc>
+                  <a:txBody>
+                    <a:bodyPr/>
+                    <a:lstStyle/>
+                    <a:p>
+                      <a:pPr marL="0" marR="0" algn="ctr">
+                        <a:lnSpc>
+                          <a:spcPct val="115000"/>
+                        </a:lnSpc>
+                        <a:spcBef>
+                          <a:spcPts val="0"/>
+                        </a:spcBef>
+                        <a:spcAft>
+                          <a:spcPts val="0"/>
+                        </a:spcAft>
+                      </a:pPr>
+                      <a:r>
+                        <a:rPr lang="en-US" sz="2400" dirty="0">
+                          <a:effectLst/>
+                        </a:rPr>
+                        <a:t>In</a:t>
+                      </a:r>
+                      <a:endParaRPr lang="en-US" sz="3600" dirty="0">
+                        <a:effectLst/>
+                        <a:latin typeface="Calibri"/>
+                        <a:ea typeface="Calibri"/>
+                        <a:cs typeface="Times New Roman"/>
+                      </a:endParaRPr>
+                    </a:p>
+                  </a:txBody>
+                  <a:tcPr marL="68580" marR="68580" marT="0" marB="0" anchor="b"/>
+                </a:tc>
+                <a:tc>
+                  <a:txBody>
+                    <a:bodyPr/>
+                    <a:lstStyle/>
+                    <a:p>
+                      <a:pPr marL="0" marR="0" algn="ctr">
+                        <a:lnSpc>
+                          <a:spcPct val="115000"/>
+                        </a:lnSpc>
+                        <a:spcBef>
+                          <a:spcPts val="0"/>
+                        </a:spcBef>
+                        <a:spcAft>
+                          <a:spcPts val="0"/>
+                        </a:spcAft>
+                      </a:pPr>
+                      <a:r>
+                        <a:rPr lang="en-US" sz="2400" dirty="0" smtClean="0">
+                          <a:effectLst/>
+                        </a:rPr>
+                        <a:t>Waiter/customer</a:t>
+                      </a:r>
+                      <a:endParaRPr lang="en-US" sz="3600" dirty="0">
+                        <a:effectLst/>
+                        <a:latin typeface="Calibri"/>
+                        <a:ea typeface="Calibri"/>
+                        <a:cs typeface="Times New Roman"/>
+                      </a:endParaRPr>
+                    </a:p>
+                  </a:txBody>
+                  <a:tcPr marL="68580" marR="68580" marT="0" marB="0" anchor="b"/>
+                </a:tc>
+                <a:tc>
+                  <a:txBody>
+                    <a:bodyPr/>
+                    <a:lstStyle/>
+                    <a:p>
+                      <a:pPr marL="0" marR="0" algn="ctr">
+                        <a:lnSpc>
+                          <a:spcPct val="115000"/>
+                        </a:lnSpc>
+                        <a:spcBef>
+                          <a:spcPts val="0"/>
+                        </a:spcBef>
+                        <a:spcAft>
+                          <a:spcPts val="0"/>
+                        </a:spcAft>
+                      </a:pPr>
+                      <a:r>
+                        <a:rPr lang="en-US" sz="2400">
+                          <a:effectLst/>
+                        </a:rPr>
+                        <a:t>Low</a:t>
+                      </a:r>
+                      <a:endParaRPr lang="en-US" sz="3600">
+                        <a:effectLst/>
+                        <a:latin typeface="Calibri"/>
+                        <a:ea typeface="Calibri"/>
+                        <a:cs typeface="Times New Roman"/>
+                      </a:endParaRPr>
+                    </a:p>
+                  </a:txBody>
+                  <a:tcPr marL="68580" marR="68580" marT="0" marB="0" anchor="b"/>
+                </a:tc>
+                <a:tc>
+                  <a:txBody>
+                    <a:bodyPr/>
+                    <a:lstStyle/>
+                    <a:p>
+                      <a:pPr marL="0" marR="0" algn="ctr">
+                        <a:lnSpc>
+                          <a:spcPct val="115000"/>
+                        </a:lnSpc>
+                        <a:spcBef>
+                          <a:spcPts val="0"/>
+                        </a:spcBef>
+                        <a:spcAft>
+                          <a:spcPts val="0"/>
+                        </a:spcAft>
+                      </a:pPr>
+                      <a:r>
+                        <a:rPr lang="en-US" sz="2400">
+                          <a:effectLst/>
+                        </a:rPr>
+                        <a:t>1</a:t>
+                      </a:r>
+                      <a:endParaRPr lang="en-US" sz="3600">
+                        <a:effectLst/>
+                        <a:latin typeface="Calibri"/>
+                        <a:ea typeface="Calibri"/>
+                        <a:cs typeface="Times New Roman"/>
+                      </a:endParaRPr>
+                    </a:p>
+                  </a:txBody>
+                  <a:tcPr marL="68580" marR="68580" marT="0" marB="0" anchor="b"/>
+                </a:tc>
+              </a:tr>
+              <a:tr h="547804">
+                <a:tc>
+                  <a:txBody>
+                    <a:bodyPr/>
+                    <a:lstStyle/>
+                    <a:p>
+                      <a:pPr marL="0" marR="0" algn="ctr">
+                        <a:lnSpc>
+                          <a:spcPct val="115000"/>
+                        </a:lnSpc>
+                        <a:spcBef>
+                          <a:spcPts val="0"/>
+                        </a:spcBef>
+                        <a:spcAft>
+                          <a:spcPts val="0"/>
+                        </a:spcAft>
+                      </a:pPr>
+                      <a:r>
+                        <a:rPr lang="en-US" sz="2400">
+                          <a:effectLst/>
+                        </a:rPr>
+                        <a:t>5</a:t>
+                      </a:r>
+                      <a:endParaRPr lang="en-US" sz="3600">
+                        <a:effectLst/>
+                        <a:latin typeface="Calibri"/>
+                        <a:ea typeface="Calibri"/>
+                        <a:cs typeface="Times New Roman"/>
+                      </a:endParaRPr>
+                    </a:p>
+                  </a:txBody>
+                  <a:tcPr marL="68580" marR="68580" marT="0" marB="0" anchor="b"/>
+                </a:tc>
+                <a:tc>
+                  <a:txBody>
+                    <a:bodyPr/>
+                    <a:lstStyle/>
+                    <a:p>
+                      <a:pPr marL="0" marR="0" algn="ctr">
+                        <a:lnSpc>
+                          <a:spcPct val="115000"/>
+                        </a:lnSpc>
+                        <a:spcBef>
+                          <a:spcPts val="0"/>
+                        </a:spcBef>
+                        <a:spcAft>
+                          <a:spcPts val="0"/>
+                        </a:spcAft>
+                      </a:pPr>
+                      <a:r>
+                        <a:rPr lang="en-US" sz="2400" dirty="0" smtClean="0">
+                          <a:effectLst/>
+                        </a:rPr>
+                        <a:t>Manage Table</a:t>
+                      </a:r>
+                      <a:endParaRPr lang="en-US" sz="3600" dirty="0">
+                        <a:effectLst/>
+                        <a:latin typeface="Calibri"/>
+                        <a:ea typeface="Calibri"/>
+                        <a:cs typeface="Times New Roman"/>
+                      </a:endParaRPr>
+                    </a:p>
+                  </a:txBody>
+                  <a:tcPr marL="68580" marR="68580" marT="0" marB="0" anchor="b"/>
+                </a:tc>
+                <a:tc>
+                  <a:txBody>
+                    <a:bodyPr/>
+                    <a:lstStyle/>
+                    <a:p>
+                      <a:pPr marL="0" marR="0" algn="ctr">
+                        <a:lnSpc>
+                          <a:spcPct val="115000"/>
+                        </a:lnSpc>
+                        <a:spcBef>
+                          <a:spcPts val="0"/>
+                        </a:spcBef>
+                        <a:spcAft>
+                          <a:spcPts val="0"/>
+                        </a:spcAft>
+                      </a:pPr>
+                      <a:r>
+                        <a:rPr lang="en-US" sz="2400" dirty="0">
+                          <a:effectLst/>
+                        </a:rPr>
+                        <a:t>In</a:t>
+                      </a:r>
+                      <a:endParaRPr lang="en-US" sz="3600" dirty="0">
+                        <a:effectLst/>
+                        <a:latin typeface="Calibri"/>
+                        <a:ea typeface="Calibri"/>
+                        <a:cs typeface="Times New Roman"/>
+                      </a:endParaRPr>
+                    </a:p>
+                  </a:txBody>
+                  <a:tcPr marL="68580" marR="68580" marT="0" marB="0" anchor="b"/>
+                </a:tc>
+                <a:tc>
+                  <a:txBody>
+                    <a:bodyPr/>
+                    <a:lstStyle/>
+                    <a:p>
+                      <a:pPr marL="0" marR="0" algn="ctr">
+                        <a:lnSpc>
+                          <a:spcPct val="115000"/>
+                        </a:lnSpc>
+                        <a:spcBef>
+                          <a:spcPts val="0"/>
+                        </a:spcBef>
+                        <a:spcAft>
+                          <a:spcPts val="0"/>
+                        </a:spcAft>
+                      </a:pPr>
+                      <a:r>
+                        <a:rPr lang="en-US" sz="2400" dirty="0">
+                          <a:effectLst/>
+                        </a:rPr>
+                        <a:t>Waiter</a:t>
+                      </a:r>
+                      <a:endParaRPr lang="en-US" sz="3600" dirty="0">
+                        <a:effectLst/>
+                        <a:latin typeface="Calibri"/>
+                        <a:ea typeface="Calibri"/>
+                        <a:cs typeface="Times New Roman"/>
+                      </a:endParaRPr>
+                    </a:p>
+                  </a:txBody>
+                  <a:tcPr marL="68580" marR="68580" marT="0" marB="0" anchor="b"/>
+                </a:tc>
+                <a:tc>
+                  <a:txBody>
+                    <a:bodyPr/>
+                    <a:lstStyle/>
+                    <a:p>
+                      <a:pPr marL="0" marR="0" algn="ctr">
+                        <a:lnSpc>
+                          <a:spcPct val="115000"/>
+                        </a:lnSpc>
+                        <a:spcBef>
+                          <a:spcPts val="0"/>
+                        </a:spcBef>
+                        <a:spcAft>
+                          <a:spcPts val="0"/>
+                        </a:spcAft>
+                      </a:pPr>
+                      <a:r>
+                        <a:rPr lang="en-US" sz="2400">
+                          <a:effectLst/>
+                        </a:rPr>
+                        <a:t>High</a:t>
+                      </a:r>
+                      <a:endParaRPr lang="en-US" sz="3600">
+                        <a:effectLst/>
+                        <a:latin typeface="Calibri"/>
+                        <a:ea typeface="Calibri"/>
+                        <a:cs typeface="Times New Roman"/>
+                      </a:endParaRPr>
+                    </a:p>
+                  </a:txBody>
+                  <a:tcPr marL="68580" marR="68580" marT="0" marB="0" anchor="b"/>
+                </a:tc>
+                <a:tc>
+                  <a:txBody>
+                    <a:bodyPr/>
+                    <a:lstStyle/>
+                    <a:p>
+                      <a:pPr marL="0" marR="0" algn="ctr">
+                        <a:lnSpc>
+                          <a:spcPct val="115000"/>
+                        </a:lnSpc>
+                        <a:spcBef>
+                          <a:spcPts val="0"/>
+                        </a:spcBef>
+                        <a:spcAft>
+                          <a:spcPts val="0"/>
+                        </a:spcAft>
+                      </a:pPr>
+                      <a:r>
+                        <a:rPr lang="en-US" sz="2400">
+                          <a:effectLst/>
+                        </a:rPr>
+                        <a:t>2</a:t>
+                      </a:r>
+                      <a:endParaRPr lang="en-US" sz="3600">
+                        <a:effectLst/>
+                        <a:latin typeface="Calibri"/>
+                        <a:ea typeface="Calibri"/>
+                        <a:cs typeface="Times New Roman"/>
+                      </a:endParaRPr>
+                    </a:p>
+                  </a:txBody>
+                  <a:tcPr marL="68580" marR="68580" marT="0" marB="0" anchor="b"/>
+                </a:tc>
+              </a:tr>
+              <a:tr h="547804">
+                <a:tc>
+                  <a:txBody>
+                    <a:bodyPr/>
+                    <a:lstStyle/>
+                    <a:p>
+                      <a:pPr marL="0" marR="0" algn="ctr">
+                        <a:lnSpc>
+                          <a:spcPct val="115000"/>
+                        </a:lnSpc>
+                        <a:spcBef>
+                          <a:spcPts val="0"/>
+                        </a:spcBef>
+                        <a:spcAft>
+                          <a:spcPts val="0"/>
+                        </a:spcAft>
+                      </a:pPr>
+                      <a:r>
+                        <a:rPr lang="en-US" sz="2400">
+                          <a:effectLst/>
+                        </a:rPr>
+                        <a:t>6</a:t>
+                      </a:r>
+                      <a:endParaRPr lang="en-US" sz="3600">
+                        <a:effectLst/>
+                        <a:latin typeface="Calibri"/>
+                        <a:ea typeface="Calibri"/>
+                        <a:cs typeface="Times New Roman"/>
+                      </a:endParaRPr>
+                    </a:p>
+                  </a:txBody>
+                  <a:tcPr marL="68580" marR="68580" marT="0" marB="0" anchor="b"/>
+                </a:tc>
+                <a:tc>
+                  <a:txBody>
+                    <a:bodyPr/>
+                    <a:lstStyle/>
+                    <a:p>
+                      <a:pPr marL="0" marR="0" algn="ctr">
+                        <a:lnSpc>
+                          <a:spcPct val="115000"/>
+                        </a:lnSpc>
+                        <a:spcBef>
+                          <a:spcPts val="0"/>
+                        </a:spcBef>
+                        <a:spcAft>
+                          <a:spcPts val="0"/>
+                        </a:spcAft>
+                      </a:pPr>
+                      <a:r>
+                        <a:rPr lang="en-US" sz="2400">
+                          <a:effectLst/>
+                        </a:rPr>
+                        <a:t>Order check off</a:t>
+                      </a:r>
+                      <a:endParaRPr lang="en-US" sz="3600">
+                        <a:effectLst/>
+                        <a:latin typeface="Calibri"/>
+                        <a:ea typeface="Calibri"/>
+                        <a:cs typeface="Times New Roman"/>
+                      </a:endParaRPr>
+                    </a:p>
+                  </a:txBody>
+                  <a:tcPr marL="68580" marR="68580" marT="0" marB="0" anchor="b"/>
+                </a:tc>
+                <a:tc>
+                  <a:txBody>
+                    <a:bodyPr/>
+                    <a:lstStyle/>
+                    <a:p>
+                      <a:pPr marL="0" marR="0" algn="ctr">
+                        <a:lnSpc>
+                          <a:spcPct val="115000"/>
+                        </a:lnSpc>
+                        <a:spcBef>
+                          <a:spcPts val="0"/>
+                        </a:spcBef>
+                        <a:spcAft>
+                          <a:spcPts val="0"/>
+                        </a:spcAft>
+                      </a:pPr>
+                      <a:r>
+                        <a:rPr lang="en-US" sz="2400" dirty="0">
+                          <a:effectLst/>
+                        </a:rPr>
+                        <a:t>In</a:t>
+                      </a:r>
+                      <a:endParaRPr lang="en-US" sz="3600" dirty="0">
+                        <a:effectLst/>
+                        <a:latin typeface="Calibri"/>
+                        <a:ea typeface="Calibri"/>
+                        <a:cs typeface="Times New Roman"/>
+                      </a:endParaRPr>
+                    </a:p>
+                  </a:txBody>
+                  <a:tcPr marL="68580" marR="68580" marT="0" marB="0" anchor="b"/>
+                </a:tc>
+                <a:tc>
+                  <a:txBody>
+                    <a:bodyPr/>
+                    <a:lstStyle/>
+                    <a:p>
+                      <a:pPr marL="0" marR="0" algn="ctr">
+                        <a:lnSpc>
+                          <a:spcPct val="115000"/>
+                        </a:lnSpc>
+                        <a:spcBef>
+                          <a:spcPts val="0"/>
+                        </a:spcBef>
+                        <a:spcAft>
+                          <a:spcPts val="0"/>
+                        </a:spcAft>
+                      </a:pPr>
+                      <a:r>
+                        <a:rPr lang="en-US" sz="2400" dirty="0">
+                          <a:effectLst/>
+                        </a:rPr>
+                        <a:t>Kitchen staff</a:t>
+                      </a:r>
+                      <a:endParaRPr lang="en-US" sz="3600" dirty="0">
+                        <a:effectLst/>
+                        <a:latin typeface="Calibri"/>
+                        <a:ea typeface="Calibri"/>
+                        <a:cs typeface="Times New Roman"/>
+                      </a:endParaRPr>
+                    </a:p>
+                  </a:txBody>
+                  <a:tcPr marL="68580" marR="68580" marT="0" marB="0" anchor="b"/>
+                </a:tc>
+                <a:tc>
+                  <a:txBody>
+                    <a:bodyPr/>
+                    <a:lstStyle/>
+                    <a:p>
+                      <a:pPr marL="0" marR="0" algn="ctr">
+                        <a:lnSpc>
+                          <a:spcPct val="115000"/>
+                        </a:lnSpc>
+                        <a:spcBef>
+                          <a:spcPts val="0"/>
+                        </a:spcBef>
+                        <a:spcAft>
+                          <a:spcPts val="0"/>
+                        </a:spcAft>
+                      </a:pPr>
+                      <a:r>
+                        <a:rPr lang="en-US" sz="2400" dirty="0" smtClean="0">
+                          <a:effectLst/>
+                        </a:rPr>
+                        <a:t>Med</a:t>
+                      </a:r>
+                      <a:endParaRPr lang="en-US" sz="3600" dirty="0">
+                        <a:effectLst/>
+                        <a:latin typeface="Calibri"/>
+                        <a:ea typeface="Calibri"/>
+                        <a:cs typeface="Times New Roman"/>
+                      </a:endParaRPr>
+                    </a:p>
+                  </a:txBody>
+                  <a:tcPr marL="68580" marR="68580" marT="0" marB="0" anchor="b"/>
+                </a:tc>
+                <a:tc>
+                  <a:txBody>
+                    <a:bodyPr/>
+                    <a:lstStyle/>
+                    <a:p>
+                      <a:pPr marL="0" marR="0" algn="ctr">
+                        <a:lnSpc>
+                          <a:spcPct val="115000"/>
+                        </a:lnSpc>
+                        <a:spcBef>
+                          <a:spcPts val="0"/>
+                        </a:spcBef>
+                        <a:spcAft>
+                          <a:spcPts val="0"/>
+                        </a:spcAft>
+                      </a:pPr>
+                      <a:r>
+                        <a:rPr lang="en-US" sz="2400">
+                          <a:effectLst/>
+                        </a:rPr>
+                        <a:t>1</a:t>
+                      </a:r>
+                      <a:endParaRPr lang="en-US" sz="3600">
+                        <a:effectLst/>
+                        <a:latin typeface="Calibri"/>
+                        <a:ea typeface="Calibri"/>
+                        <a:cs typeface="Times New Roman"/>
+                      </a:endParaRPr>
+                    </a:p>
+                  </a:txBody>
+                  <a:tcPr marL="68580" marR="68580" marT="0" marB="0" anchor="b"/>
+                </a:tc>
+              </a:tr>
+              <a:tr h="547804">
+                <a:tc>
+                  <a:txBody>
+                    <a:bodyPr/>
+                    <a:lstStyle/>
+                    <a:p>
+                      <a:pPr marL="0" marR="0" algn="ctr">
+                        <a:lnSpc>
+                          <a:spcPct val="115000"/>
+                        </a:lnSpc>
+                        <a:spcBef>
+                          <a:spcPts val="0"/>
+                        </a:spcBef>
+                        <a:spcAft>
+                          <a:spcPts val="0"/>
+                        </a:spcAft>
+                      </a:pPr>
+                      <a:r>
+                        <a:rPr lang="en-US" sz="2400">
+                          <a:effectLst/>
+                        </a:rPr>
+                        <a:t>7</a:t>
+                      </a:r>
+                      <a:endParaRPr lang="en-US" sz="3600">
+                        <a:effectLst/>
+                        <a:latin typeface="Calibri"/>
+                        <a:ea typeface="Calibri"/>
+                        <a:cs typeface="Times New Roman"/>
+                      </a:endParaRPr>
+                    </a:p>
+                  </a:txBody>
+                  <a:tcPr marL="68580" marR="68580" marT="0" marB="0" anchor="b"/>
+                </a:tc>
+                <a:tc>
+                  <a:txBody>
+                    <a:bodyPr/>
+                    <a:lstStyle/>
+                    <a:p>
+                      <a:pPr marL="0" marR="0" algn="ctr">
+                        <a:lnSpc>
+                          <a:spcPct val="115000"/>
+                        </a:lnSpc>
+                        <a:spcBef>
+                          <a:spcPts val="0"/>
+                        </a:spcBef>
+                        <a:spcAft>
+                          <a:spcPts val="0"/>
+                        </a:spcAft>
+                      </a:pPr>
+                      <a:r>
+                        <a:rPr lang="en-US" sz="2400">
+                          <a:effectLst/>
+                        </a:rPr>
+                        <a:t>Reservation</a:t>
+                      </a:r>
+                      <a:endParaRPr lang="en-US" sz="3600">
+                        <a:effectLst/>
+                        <a:latin typeface="Calibri"/>
+                        <a:ea typeface="Calibri"/>
+                        <a:cs typeface="Times New Roman"/>
+                      </a:endParaRPr>
+                    </a:p>
+                  </a:txBody>
+                  <a:tcPr marL="68580" marR="68580" marT="0" marB="0" anchor="b"/>
+                </a:tc>
+                <a:tc>
+                  <a:txBody>
+                    <a:bodyPr/>
+                    <a:lstStyle/>
+                    <a:p>
+                      <a:pPr marL="0" marR="0" algn="ctr">
+                        <a:lnSpc>
+                          <a:spcPct val="115000"/>
+                        </a:lnSpc>
+                        <a:spcBef>
+                          <a:spcPts val="0"/>
+                        </a:spcBef>
+                        <a:spcAft>
+                          <a:spcPts val="0"/>
+                        </a:spcAft>
+                      </a:pPr>
+                      <a:r>
+                        <a:rPr lang="en-US" sz="2400">
+                          <a:effectLst/>
+                        </a:rPr>
+                        <a:t>In</a:t>
+                      </a:r>
+                      <a:endParaRPr lang="en-US" sz="3600">
+                        <a:effectLst/>
+                        <a:latin typeface="Calibri"/>
+                        <a:ea typeface="Calibri"/>
+                        <a:cs typeface="Times New Roman"/>
+                      </a:endParaRPr>
+                    </a:p>
+                  </a:txBody>
+                  <a:tcPr marL="68580" marR="68580" marT="0" marB="0" anchor="b"/>
+                </a:tc>
+                <a:tc>
+                  <a:txBody>
+                    <a:bodyPr/>
+                    <a:lstStyle/>
+                    <a:p>
+                      <a:pPr marL="0" marR="0" algn="ctr">
+                        <a:lnSpc>
+                          <a:spcPct val="115000"/>
+                        </a:lnSpc>
+                        <a:spcBef>
+                          <a:spcPts val="0"/>
+                        </a:spcBef>
+                        <a:spcAft>
+                          <a:spcPts val="0"/>
+                        </a:spcAft>
+                      </a:pPr>
+                      <a:r>
+                        <a:rPr lang="en-US" sz="2400" dirty="0">
+                          <a:effectLst/>
+                        </a:rPr>
+                        <a:t>Customer</a:t>
+                      </a:r>
+                      <a:endParaRPr lang="en-US" sz="3600" dirty="0">
+                        <a:effectLst/>
+                        <a:latin typeface="Calibri"/>
+                        <a:ea typeface="Calibri"/>
+                        <a:cs typeface="Times New Roman"/>
+                      </a:endParaRPr>
+                    </a:p>
+                  </a:txBody>
+                  <a:tcPr marL="68580" marR="68580" marT="0" marB="0" anchor="b"/>
+                </a:tc>
+                <a:tc>
+                  <a:txBody>
+                    <a:bodyPr/>
+                    <a:lstStyle/>
+                    <a:p>
+                      <a:pPr marL="0" marR="0" algn="ctr">
+                        <a:lnSpc>
+                          <a:spcPct val="115000"/>
+                        </a:lnSpc>
+                        <a:spcBef>
+                          <a:spcPts val="0"/>
+                        </a:spcBef>
+                        <a:spcAft>
+                          <a:spcPts val="0"/>
+                        </a:spcAft>
+                      </a:pPr>
+                      <a:r>
+                        <a:rPr lang="en-US" sz="2400" dirty="0" smtClean="0">
+                          <a:effectLst/>
+                        </a:rPr>
+                        <a:t>Med</a:t>
+                      </a:r>
+                      <a:endParaRPr lang="en-US" sz="3600" dirty="0">
+                        <a:effectLst/>
+                        <a:latin typeface="Calibri"/>
+                        <a:ea typeface="Calibri"/>
+                        <a:cs typeface="Times New Roman"/>
+                      </a:endParaRPr>
+                    </a:p>
+                  </a:txBody>
+                  <a:tcPr marL="68580" marR="68580" marT="0" marB="0" anchor="b"/>
+                </a:tc>
+                <a:tc>
+                  <a:txBody>
+                    <a:bodyPr/>
+                    <a:lstStyle/>
+                    <a:p>
+                      <a:pPr marL="0" marR="0" algn="ctr">
+                        <a:lnSpc>
+                          <a:spcPct val="115000"/>
+                        </a:lnSpc>
+                        <a:spcBef>
+                          <a:spcPts val="0"/>
+                        </a:spcBef>
+                        <a:spcAft>
+                          <a:spcPts val="0"/>
+                        </a:spcAft>
+                      </a:pPr>
+                      <a:r>
+                        <a:rPr lang="en-US" sz="2400">
+                          <a:effectLst/>
+                        </a:rPr>
+                        <a:t>2</a:t>
+                      </a:r>
+                      <a:endParaRPr lang="en-US" sz="3600">
+                        <a:effectLst/>
+                        <a:latin typeface="Calibri"/>
+                        <a:ea typeface="Calibri"/>
+                        <a:cs typeface="Times New Roman"/>
+                      </a:endParaRPr>
+                    </a:p>
+                  </a:txBody>
+                  <a:tcPr marL="68580" marR="68580" marT="0" marB="0" anchor="b"/>
+                </a:tc>
+              </a:tr>
+              <a:tr h="547804">
+                <a:tc>
+                  <a:txBody>
+                    <a:bodyPr/>
+                    <a:lstStyle/>
+                    <a:p>
+                      <a:pPr marL="0" marR="0" algn="ctr">
+                        <a:lnSpc>
+                          <a:spcPct val="115000"/>
+                        </a:lnSpc>
+                        <a:spcBef>
+                          <a:spcPts val="0"/>
+                        </a:spcBef>
+                        <a:spcAft>
+                          <a:spcPts val="0"/>
+                        </a:spcAft>
+                      </a:pPr>
+                      <a:r>
+                        <a:rPr lang="en-US" sz="2400">
+                          <a:effectLst/>
+                        </a:rPr>
+                        <a:t>8</a:t>
+                      </a:r>
+                      <a:endParaRPr lang="en-US" sz="3600">
+                        <a:effectLst/>
+                        <a:latin typeface="Calibri"/>
+                        <a:ea typeface="Calibri"/>
+                        <a:cs typeface="Times New Roman"/>
+                      </a:endParaRPr>
+                    </a:p>
+                  </a:txBody>
+                  <a:tcPr marL="68580" marR="68580" marT="0" marB="0" anchor="b"/>
+                </a:tc>
+                <a:tc>
+                  <a:txBody>
+                    <a:bodyPr/>
+                    <a:lstStyle/>
+                    <a:p>
+                      <a:pPr marL="0" marR="0" algn="ctr">
+                        <a:lnSpc>
+                          <a:spcPct val="115000"/>
+                        </a:lnSpc>
+                        <a:spcBef>
+                          <a:spcPts val="0"/>
+                        </a:spcBef>
+                        <a:spcAft>
+                          <a:spcPts val="0"/>
+                        </a:spcAft>
+                      </a:pPr>
+                      <a:r>
+                        <a:rPr lang="en-US" sz="2400">
+                          <a:effectLst/>
+                        </a:rPr>
+                        <a:t>Item's metadata</a:t>
+                      </a:r>
+                      <a:endParaRPr lang="en-US" sz="3600">
+                        <a:effectLst/>
+                        <a:latin typeface="Calibri"/>
+                        <a:ea typeface="Calibri"/>
+                        <a:cs typeface="Times New Roman"/>
+                      </a:endParaRPr>
+                    </a:p>
+                  </a:txBody>
+                  <a:tcPr marL="68580" marR="68580" marT="0" marB="0" anchor="b"/>
+                </a:tc>
+                <a:tc>
+                  <a:txBody>
+                    <a:bodyPr/>
+                    <a:lstStyle/>
+                    <a:p>
+                      <a:pPr marL="0" marR="0" algn="ctr">
+                        <a:lnSpc>
+                          <a:spcPct val="115000"/>
+                        </a:lnSpc>
+                        <a:spcBef>
+                          <a:spcPts val="0"/>
+                        </a:spcBef>
+                        <a:spcAft>
+                          <a:spcPts val="0"/>
+                        </a:spcAft>
+                      </a:pPr>
+                      <a:r>
+                        <a:rPr lang="en-US" sz="2400">
+                          <a:effectLst/>
+                        </a:rPr>
+                        <a:t>In</a:t>
+                      </a:r>
+                      <a:endParaRPr lang="en-US" sz="3600">
+                        <a:effectLst/>
+                        <a:latin typeface="Calibri"/>
+                        <a:ea typeface="Calibri"/>
+                        <a:cs typeface="Times New Roman"/>
+                      </a:endParaRPr>
+                    </a:p>
+                  </a:txBody>
+                  <a:tcPr marL="68580" marR="68580" marT="0" marB="0" anchor="b"/>
+                </a:tc>
+                <a:tc>
+                  <a:txBody>
+                    <a:bodyPr/>
+                    <a:lstStyle/>
+                    <a:p>
+                      <a:pPr marL="0" marR="0" algn="ctr">
+                        <a:lnSpc>
+                          <a:spcPct val="115000"/>
+                        </a:lnSpc>
+                        <a:spcBef>
+                          <a:spcPts val="0"/>
+                        </a:spcBef>
+                        <a:spcAft>
+                          <a:spcPts val="0"/>
+                        </a:spcAft>
+                      </a:pPr>
+                      <a:r>
+                        <a:rPr lang="en-US" sz="2400" dirty="0">
+                          <a:effectLst/>
+                        </a:rPr>
+                        <a:t>Anyone</a:t>
+                      </a:r>
+                      <a:endParaRPr lang="en-US" sz="3600" dirty="0">
+                        <a:effectLst/>
+                        <a:latin typeface="Calibri"/>
+                        <a:ea typeface="Calibri"/>
+                        <a:cs typeface="Times New Roman"/>
+                      </a:endParaRPr>
+                    </a:p>
+                  </a:txBody>
+                  <a:tcPr marL="68580" marR="68580" marT="0" marB="0" anchor="b"/>
+                </a:tc>
+                <a:tc>
+                  <a:txBody>
+                    <a:bodyPr/>
+                    <a:lstStyle/>
+                    <a:p>
+                      <a:pPr marL="0" marR="0" algn="ctr">
+                        <a:lnSpc>
+                          <a:spcPct val="115000"/>
+                        </a:lnSpc>
+                        <a:spcBef>
+                          <a:spcPts val="0"/>
+                        </a:spcBef>
+                        <a:spcAft>
+                          <a:spcPts val="0"/>
+                        </a:spcAft>
+                      </a:pPr>
+                      <a:r>
+                        <a:rPr lang="en-US" sz="2400" dirty="0" smtClean="0">
+                          <a:effectLst/>
+                        </a:rPr>
+                        <a:t>Med</a:t>
+                      </a:r>
+                      <a:endParaRPr lang="en-US" sz="3600" dirty="0">
+                        <a:effectLst/>
+                        <a:latin typeface="Calibri"/>
+                        <a:ea typeface="Calibri"/>
+                        <a:cs typeface="Times New Roman"/>
+                      </a:endParaRPr>
+                    </a:p>
+                  </a:txBody>
+                  <a:tcPr marL="68580" marR="68580" marT="0" marB="0" anchor="b"/>
+                </a:tc>
+                <a:tc>
+                  <a:txBody>
+                    <a:bodyPr/>
+                    <a:lstStyle/>
+                    <a:p>
+                      <a:pPr marL="0" marR="0" algn="ctr">
+                        <a:lnSpc>
+                          <a:spcPct val="115000"/>
+                        </a:lnSpc>
+                        <a:spcBef>
+                          <a:spcPts val="0"/>
+                        </a:spcBef>
+                        <a:spcAft>
+                          <a:spcPts val="0"/>
+                        </a:spcAft>
+                      </a:pPr>
+                      <a:r>
+                        <a:rPr lang="en-US" sz="2400">
+                          <a:effectLst/>
+                        </a:rPr>
+                        <a:t>2</a:t>
+                      </a:r>
+                      <a:endParaRPr lang="en-US" sz="3600">
+                        <a:effectLst/>
+                        <a:latin typeface="Calibri"/>
+                        <a:ea typeface="Calibri"/>
+                        <a:cs typeface="Times New Roman"/>
+                      </a:endParaRPr>
+                    </a:p>
+                  </a:txBody>
+                  <a:tcPr marL="68580" marR="68580" marT="0" marB="0" anchor="b"/>
+                </a:tc>
+              </a:tr>
+              <a:tr h="547804">
+                <a:tc>
+                  <a:txBody>
+                    <a:bodyPr/>
+                    <a:lstStyle/>
+                    <a:p>
+                      <a:pPr marL="0" marR="0" algn="ctr">
+                        <a:lnSpc>
+                          <a:spcPct val="115000"/>
+                        </a:lnSpc>
+                        <a:spcBef>
+                          <a:spcPts val="0"/>
+                        </a:spcBef>
+                        <a:spcAft>
+                          <a:spcPts val="0"/>
+                        </a:spcAft>
+                      </a:pPr>
+                      <a:r>
+                        <a:rPr lang="en-US" sz="2400">
+                          <a:effectLst/>
+                        </a:rPr>
+                        <a:t>9</a:t>
+                      </a:r>
+                      <a:endParaRPr lang="en-US" sz="3600">
+                        <a:effectLst/>
+                        <a:latin typeface="Calibri"/>
+                        <a:ea typeface="Calibri"/>
+                        <a:cs typeface="Times New Roman"/>
+                      </a:endParaRPr>
+                    </a:p>
+                  </a:txBody>
+                  <a:tcPr marL="68580" marR="68580" marT="0" marB="0" anchor="b"/>
+                </a:tc>
+                <a:tc>
+                  <a:txBody>
+                    <a:bodyPr/>
+                    <a:lstStyle/>
+                    <a:p>
+                      <a:pPr marL="0" marR="0" algn="ctr">
+                        <a:lnSpc>
+                          <a:spcPct val="115000"/>
+                        </a:lnSpc>
+                        <a:spcBef>
+                          <a:spcPts val="0"/>
+                        </a:spcBef>
+                        <a:spcAft>
+                          <a:spcPts val="0"/>
+                        </a:spcAft>
+                      </a:pPr>
+                      <a:r>
+                        <a:rPr lang="en-US" sz="2400">
+                          <a:effectLst/>
+                        </a:rPr>
+                        <a:t>Inventory</a:t>
+                      </a:r>
+                      <a:endParaRPr lang="en-US" sz="3600">
+                        <a:effectLst/>
+                        <a:latin typeface="Calibri"/>
+                        <a:ea typeface="Calibri"/>
+                        <a:cs typeface="Times New Roman"/>
+                      </a:endParaRPr>
+                    </a:p>
+                  </a:txBody>
+                  <a:tcPr marL="68580" marR="68580" marT="0" marB="0" anchor="b"/>
+                </a:tc>
+                <a:tc>
+                  <a:txBody>
+                    <a:bodyPr/>
+                    <a:lstStyle/>
+                    <a:p>
+                      <a:pPr marL="0" marR="0" algn="ctr">
+                        <a:lnSpc>
+                          <a:spcPct val="115000"/>
+                        </a:lnSpc>
+                        <a:spcBef>
+                          <a:spcPts val="0"/>
+                        </a:spcBef>
+                        <a:spcAft>
+                          <a:spcPts val="0"/>
+                        </a:spcAft>
+                      </a:pPr>
+                      <a:r>
+                        <a:rPr lang="en-US" sz="2400">
+                          <a:effectLst/>
+                        </a:rPr>
+                        <a:t>In</a:t>
+                      </a:r>
+                      <a:endParaRPr lang="en-US" sz="3600">
+                        <a:effectLst/>
+                        <a:latin typeface="Calibri"/>
+                        <a:ea typeface="Calibri"/>
+                        <a:cs typeface="Times New Roman"/>
+                      </a:endParaRPr>
+                    </a:p>
+                  </a:txBody>
+                  <a:tcPr marL="68580" marR="68580" marT="0" marB="0" anchor="b"/>
+                </a:tc>
+                <a:tc>
+                  <a:txBody>
+                    <a:bodyPr/>
+                    <a:lstStyle/>
+                    <a:p>
+                      <a:pPr marL="0" marR="0" algn="ctr">
+                        <a:lnSpc>
+                          <a:spcPct val="115000"/>
+                        </a:lnSpc>
+                        <a:spcBef>
+                          <a:spcPts val="0"/>
+                        </a:spcBef>
+                        <a:spcAft>
+                          <a:spcPts val="0"/>
+                        </a:spcAft>
+                      </a:pPr>
+                      <a:r>
+                        <a:rPr lang="en-US" sz="2400">
+                          <a:effectLst/>
+                        </a:rPr>
+                        <a:t>Manager</a:t>
+                      </a:r>
+                      <a:endParaRPr lang="en-US" sz="3600">
+                        <a:effectLst/>
+                        <a:latin typeface="Calibri"/>
+                        <a:ea typeface="Calibri"/>
+                        <a:cs typeface="Times New Roman"/>
+                      </a:endParaRPr>
+                    </a:p>
+                  </a:txBody>
+                  <a:tcPr marL="68580" marR="68580" marT="0" marB="0" anchor="b"/>
+                </a:tc>
+                <a:tc>
+                  <a:txBody>
+                    <a:bodyPr/>
+                    <a:lstStyle/>
+                    <a:p>
+                      <a:pPr marL="0" marR="0" algn="ctr">
+                        <a:lnSpc>
+                          <a:spcPct val="115000"/>
+                        </a:lnSpc>
+                        <a:spcBef>
+                          <a:spcPts val="0"/>
+                        </a:spcBef>
+                        <a:spcAft>
+                          <a:spcPts val="0"/>
+                        </a:spcAft>
+                      </a:pPr>
+                      <a:r>
+                        <a:rPr lang="en-US" sz="2400" dirty="0">
+                          <a:effectLst/>
+                        </a:rPr>
+                        <a:t>Low</a:t>
+                      </a:r>
+                      <a:endParaRPr lang="en-US" sz="3600" dirty="0">
+                        <a:effectLst/>
+                        <a:latin typeface="Calibri"/>
+                        <a:ea typeface="Calibri"/>
+                        <a:cs typeface="Times New Roman"/>
+                      </a:endParaRPr>
+                    </a:p>
+                  </a:txBody>
+                  <a:tcPr marL="68580" marR="68580" marT="0" marB="0" anchor="b"/>
+                </a:tc>
+                <a:tc>
+                  <a:txBody>
+                    <a:bodyPr/>
+                    <a:lstStyle/>
+                    <a:p>
+                      <a:pPr marL="0" marR="0" algn="ctr">
+                        <a:lnSpc>
+                          <a:spcPct val="115000"/>
+                        </a:lnSpc>
+                        <a:spcBef>
+                          <a:spcPts val="0"/>
+                        </a:spcBef>
+                        <a:spcAft>
+                          <a:spcPts val="0"/>
+                        </a:spcAft>
+                      </a:pPr>
+                      <a:r>
+                        <a:rPr lang="en-US" sz="2400" dirty="0">
+                          <a:effectLst/>
+                        </a:rPr>
+                        <a:t>1</a:t>
+                      </a:r>
+                      <a:endParaRPr lang="en-US" sz="3600" dirty="0">
+                        <a:effectLst/>
+                        <a:latin typeface="Calibri"/>
+                        <a:ea typeface="Calibri"/>
+                        <a:cs typeface="Times New Roman"/>
+                      </a:endParaRPr>
+                    </a:p>
+                  </a:txBody>
+                  <a:tcPr marL="68580" marR="68580" marT="0" marB="0" anchor="b"/>
+                </a:tc>
+              </a:tr>
+              <a:tr h="547804">
+                <a:tc>
+                  <a:txBody>
+                    <a:bodyPr/>
+                    <a:lstStyle/>
+                    <a:p>
+                      <a:pPr marL="0" marR="0" algn="ctr">
+                        <a:lnSpc>
+                          <a:spcPct val="115000"/>
+                        </a:lnSpc>
+                        <a:spcBef>
+                          <a:spcPts val="0"/>
+                        </a:spcBef>
+                        <a:spcAft>
+                          <a:spcPts val="0"/>
+                        </a:spcAft>
+                      </a:pPr>
+                      <a:r>
+                        <a:rPr lang="en-US" sz="2400">
+                          <a:effectLst/>
+                        </a:rPr>
+                        <a:t>10</a:t>
+                      </a:r>
+                      <a:endParaRPr lang="en-US" sz="3600">
+                        <a:effectLst/>
+                        <a:latin typeface="Calibri"/>
+                        <a:ea typeface="Calibri"/>
+                        <a:cs typeface="Times New Roman"/>
+                      </a:endParaRPr>
+                    </a:p>
+                  </a:txBody>
+                  <a:tcPr marL="68580" marR="68580" marT="0" marB="0" anchor="b"/>
+                </a:tc>
+                <a:tc>
+                  <a:txBody>
+                    <a:bodyPr/>
+                    <a:lstStyle/>
+                    <a:p>
+                      <a:pPr marL="0" marR="0" algn="ctr">
+                        <a:lnSpc>
+                          <a:spcPct val="115000"/>
+                        </a:lnSpc>
+                        <a:spcBef>
+                          <a:spcPts val="0"/>
+                        </a:spcBef>
+                        <a:spcAft>
+                          <a:spcPts val="0"/>
+                        </a:spcAft>
+                      </a:pPr>
+                      <a:r>
+                        <a:rPr lang="en-US" sz="2400" dirty="0" smtClean="0">
+                          <a:effectLst/>
+                        </a:rPr>
+                        <a:t>Complaint</a:t>
+                      </a:r>
+                      <a:endParaRPr lang="en-US" sz="3600" dirty="0">
+                        <a:effectLst/>
+                        <a:latin typeface="Calibri"/>
+                        <a:ea typeface="Calibri"/>
+                        <a:cs typeface="Times New Roman"/>
+                      </a:endParaRPr>
+                    </a:p>
+                  </a:txBody>
+                  <a:tcPr marL="68580" marR="68580" marT="0" marB="0" anchor="b"/>
+                </a:tc>
+                <a:tc>
+                  <a:txBody>
+                    <a:bodyPr/>
+                    <a:lstStyle/>
+                    <a:p>
+                      <a:pPr marL="0" marR="0" algn="ctr">
+                        <a:lnSpc>
+                          <a:spcPct val="115000"/>
+                        </a:lnSpc>
+                        <a:spcBef>
+                          <a:spcPts val="0"/>
+                        </a:spcBef>
+                        <a:spcAft>
+                          <a:spcPts val="0"/>
+                        </a:spcAft>
+                      </a:pPr>
+                      <a:r>
+                        <a:rPr lang="en-US" sz="2400">
+                          <a:effectLst/>
+                        </a:rPr>
+                        <a:t>In</a:t>
+                      </a:r>
+                      <a:endParaRPr lang="en-US" sz="3600">
+                        <a:effectLst/>
+                        <a:latin typeface="Calibri"/>
+                        <a:ea typeface="Calibri"/>
+                        <a:cs typeface="Times New Roman"/>
+                      </a:endParaRPr>
+                    </a:p>
+                  </a:txBody>
+                  <a:tcPr marL="68580" marR="68580" marT="0" marB="0" anchor="b"/>
+                </a:tc>
+                <a:tc>
+                  <a:txBody>
+                    <a:bodyPr/>
+                    <a:lstStyle/>
+                    <a:p>
+                      <a:pPr marL="0" marR="0" algn="ctr">
+                        <a:lnSpc>
+                          <a:spcPct val="115000"/>
+                        </a:lnSpc>
+                        <a:spcBef>
+                          <a:spcPts val="0"/>
+                        </a:spcBef>
+                        <a:spcAft>
+                          <a:spcPts val="0"/>
+                        </a:spcAft>
+                      </a:pPr>
+                      <a:r>
+                        <a:rPr lang="en-US" sz="2400" dirty="0" smtClean="0">
+                          <a:effectLst/>
+                        </a:rPr>
+                        <a:t>Manager/waiter</a:t>
+                      </a:r>
+                      <a:endParaRPr lang="en-US" sz="3600" dirty="0">
+                        <a:effectLst/>
+                        <a:latin typeface="Calibri"/>
+                        <a:ea typeface="Calibri"/>
+                        <a:cs typeface="Times New Roman"/>
+                      </a:endParaRPr>
+                    </a:p>
+                  </a:txBody>
+                  <a:tcPr marL="68580" marR="68580" marT="0" marB="0" anchor="b"/>
+                </a:tc>
+                <a:tc>
+                  <a:txBody>
+                    <a:bodyPr/>
+                    <a:lstStyle/>
+                    <a:p>
+                      <a:pPr marL="0" marR="0" algn="ctr">
+                        <a:lnSpc>
+                          <a:spcPct val="115000"/>
+                        </a:lnSpc>
+                        <a:spcBef>
+                          <a:spcPts val="0"/>
+                        </a:spcBef>
+                        <a:spcAft>
+                          <a:spcPts val="0"/>
+                        </a:spcAft>
+                      </a:pPr>
+                      <a:r>
+                        <a:rPr lang="en-US" sz="2400" dirty="0" smtClean="0">
+                          <a:effectLst/>
+                        </a:rPr>
+                        <a:t>Med</a:t>
+                      </a:r>
+                      <a:endParaRPr lang="en-US" sz="3600" dirty="0">
+                        <a:effectLst/>
+                        <a:latin typeface="Calibri"/>
+                        <a:ea typeface="Calibri"/>
+                        <a:cs typeface="Times New Roman"/>
+                      </a:endParaRPr>
+                    </a:p>
+                  </a:txBody>
+                  <a:tcPr marL="68580" marR="68580" marT="0" marB="0" anchor="b"/>
+                </a:tc>
+                <a:tc>
+                  <a:txBody>
+                    <a:bodyPr/>
+                    <a:lstStyle/>
+                    <a:p>
+                      <a:pPr marL="0" marR="0" algn="ctr">
+                        <a:lnSpc>
+                          <a:spcPct val="115000"/>
+                        </a:lnSpc>
+                        <a:spcBef>
+                          <a:spcPts val="0"/>
+                        </a:spcBef>
+                        <a:spcAft>
+                          <a:spcPts val="0"/>
+                        </a:spcAft>
+                      </a:pPr>
+                      <a:r>
+                        <a:rPr lang="en-US" sz="2400" dirty="0">
+                          <a:effectLst/>
+                        </a:rPr>
+                        <a:t>2</a:t>
+                      </a:r>
+                      <a:endParaRPr lang="en-US" sz="3600" dirty="0">
+                        <a:effectLst/>
+                        <a:latin typeface="Calibri"/>
+                        <a:ea typeface="Calibri"/>
+                        <a:cs typeface="Times New Roman"/>
+                      </a:endParaRPr>
+                    </a:p>
+                  </a:txBody>
+                  <a:tcPr marL="68580" marR="68580" marT="0" marB="0" anchor="b"/>
+                </a:tc>
+              </a:tr>
+            </a:tbl>
+          </a:graphicData>
+        </a:graphic>
+      </p:graphicFrame>
+      <p:sp>
+        <p:nvSpPr>
+          <p:cNvPr id="2" name="Title 1"/>
+          <p:cNvSpPr>
+            <a:spLocks noGrp="1"/>
+          </p:cNvSpPr>
+          <p:nvPr>
+            <p:ph type="title"/>
+          </p:nvPr>
+        </p:nvSpPr>
+        <p:spPr>
+          <a:xfrm>
+            <a:off x="381000" y="0"/>
+            <a:ext cx="7010400" cy="838200"/>
+          </a:xfrm>
+          <a:noFill/>
+        </p:spPr>
+        <p:txBody>
+          <a:bodyPr>
+            <a:normAutofit fontScale="90000"/>
+          </a:bodyPr>
+          <a:lstStyle/>
+          <a:p>
+            <a:pPr algn="l"/>
+            <a:r>
+              <a:rPr lang="en-US" sz="6000" b="1" dirty="0" smtClean="0"/>
+              <a:t>Preliminary Use Cases</a:t>
+            </a:r>
+            <a:endParaRPr lang="en-US" sz="6000" b="1" dirty="0"/>
+          </a:p>
+        </p:txBody>
+      </p:sp>
+    </p:spTree>
+    <p:extLst>
+      <p:ext uri="{BB962C8B-B14F-4D97-AF65-F5344CB8AC3E}">
+        <p14:creationId xmlns:p14="http://schemas.microsoft.com/office/powerpoint/2010/main" val="2172318574"/>
+      </p:ext>
+    </p:extLst>
+  </p:cSld>
+  <p:clrMapOvr>
+    <a:masterClrMapping/>
+  </p:clrMapOvr>
+  <p:timing>
+    <p:tnLst>
+      <p:par>
+        <p:cTn id="1" dur="indefinite" restart="never" nodeType="tmRoot"/>
+      </p:par>
+    </p:tnLst>
+  </p:timing>
+</p:sld>
+</file>
+
+<file path=ppt/slides/slide25.xml><?xml version="1.0" encoding="utf-8"?>
+<p:sld xmlns:a="http://schemas.openxmlformats.org/drawingml/2006/main" xmlns:r="http://schemas.openxmlformats.org/officeDocument/2006/relationships" xmlns:p="http://schemas.openxmlformats.org/presentationml/2006/main">
+  <p:cSld>
+    <p:spTree>
+      <p:nvGrpSpPr>
+        <p:cNvPr id="1" name=""/>
+        <p:cNvGrpSpPr/>
+        <p:nvPr/>
+      </p:nvGrpSpPr>
+      <p:grpSpPr>
+        <a:xfrm>
+          <a:off x="0" y="0"/>
+          <a:ext cx="0" cy="0"/>
+          <a:chOff x="0" y="0"/>
+          <a:chExt cx="0" cy="0"/>
+        </a:xfrm>
+      </p:grpSpPr>
+      <p:sp>
+        <p:nvSpPr>
+          <p:cNvPr id="2" name="Title 1"/>
+          <p:cNvSpPr>
+            <a:spLocks noGrp="1"/>
+          </p:cNvSpPr>
+          <p:nvPr>
+            <p:ph type="title"/>
+          </p:nvPr>
+        </p:nvSpPr>
+        <p:spPr>
+          <a:xfrm>
+            <a:off x="304800" y="0"/>
+            <a:ext cx="8001000" cy="1143000"/>
+          </a:xfrm>
+        </p:spPr>
+        <p:txBody>
+          <a:bodyPr>
+            <a:normAutofit/>
+          </a:bodyPr>
+          <a:lstStyle/>
+          <a:p>
+            <a:pPr algn="l"/>
+            <a:r>
+              <a:rPr lang="en-US" sz="6000" b="1" dirty="0" smtClean="0"/>
+              <a:t>Risks</a:t>
+            </a:r>
+            <a:endParaRPr lang="en-US" sz="6000" b="1" dirty="0"/>
+          </a:p>
+        </p:txBody>
+      </p:sp>
+      <p:sp>
+        <p:nvSpPr>
+          <p:cNvPr id="3" name="Content Placeholder 2"/>
+          <p:cNvSpPr>
+            <a:spLocks noGrp="1"/>
+          </p:cNvSpPr>
+          <p:nvPr>
+            <p:ph idx="1"/>
+          </p:nvPr>
+        </p:nvSpPr>
+        <p:spPr>
+          <a:xfrm>
+            <a:off x="228600" y="1066800"/>
+            <a:ext cx="8229600" cy="4525963"/>
+          </a:xfrm>
+        </p:spPr>
+        <p:txBody>
+          <a:bodyPr>
+            <a:normAutofit fontScale="92500" lnSpcReduction="10000"/>
+          </a:bodyPr>
+          <a:lstStyle/>
+          <a:p>
+            <a:pPr lvl="0"/>
+            <a:r>
+              <a:rPr lang="en-US" b="1" dirty="0" smtClean="0"/>
+              <a:t>Fast application speed: Do not try customers’ patience.</a:t>
+            </a:r>
+          </a:p>
+          <a:p>
+            <a:pPr lvl="0"/>
+            <a:r>
+              <a:rPr lang="en-US" b="1" dirty="0" smtClean="0"/>
+              <a:t>High reliability: Downtime must be avoided</a:t>
+            </a:r>
+            <a:endParaRPr lang="en-US" b="1" dirty="0"/>
+          </a:p>
+          <a:p>
+            <a:pPr lvl="0"/>
+            <a:r>
+              <a:rPr lang="en-US" b="1" dirty="0" smtClean="0"/>
+              <a:t>Credit </a:t>
+            </a:r>
+            <a:r>
+              <a:rPr lang="en-US" b="1" dirty="0"/>
+              <a:t>card PCI information handling</a:t>
+            </a:r>
+          </a:p>
+          <a:p>
+            <a:pPr lvl="0"/>
+            <a:r>
+              <a:rPr lang="en-US" b="1" dirty="0" smtClean="0"/>
+              <a:t>Billing accuracy</a:t>
+            </a:r>
+          </a:p>
+          <a:p>
+            <a:pPr lvl="0"/>
+            <a:r>
+              <a:rPr lang="en-US" b="1" dirty="0" smtClean="0"/>
+              <a:t>Logins securely connect users with their correct role</a:t>
+            </a:r>
+            <a:endParaRPr lang="en-US" sz="4000" b="1" dirty="0" smtClean="0"/>
+          </a:p>
+          <a:p>
+            <a:pPr lvl="0"/>
+            <a:r>
+              <a:rPr lang="en-US" b="1" dirty="0" smtClean="0"/>
+              <a:t>Effective prioritization algorithm for orders and dishes</a:t>
+            </a:r>
+          </a:p>
+        </p:txBody>
+      </p:sp>
+    </p:spTree>
+    <p:extLst>
+      <p:ext uri="{BB962C8B-B14F-4D97-AF65-F5344CB8AC3E}">
+        <p14:creationId xmlns:p14="http://schemas.microsoft.com/office/powerpoint/2010/main" val="1892201934"/>
+      </p:ext>
+    </p:extLst>
+  </p:cSld>
+  <p:clrMapOvr>
+    <a:masterClrMapping/>
+  </p:clrMapOvr>
+  <p:timing>
+    <p:tnLst>
+      <p:par>
+        <p:cTn id="1" dur="indefinite" restart="never" nodeType="tmRoot"/>
+      </p:par>
+    </p:tnLst>
+  </p:timing>
+</p:sld>
+</file>
+
+<file path=ppt/slides/slide26.xml><?xml version="1.0" encoding="utf-8"?>
 <p:sld xmlns:a="http://schemas.openxmlformats.org/drawingml/2006/main" xmlns:r="http://schemas.openxmlformats.org/officeDocument/2006/relationships" xmlns:p="http://schemas.openxmlformats.org/presentationml/2006/main">
   <p:cSld>
     <p:spTree>
@@ -7382,7 +8588,7 @@
     </p:spTree>
     <p:extLst>
       <p:ext uri="{BB962C8B-B14F-4D97-AF65-F5344CB8AC3E}">
-        <p14:creationId xmlns:p14="http://schemas.microsoft.com/office/powerpoint/2010/main" val="1733782401"/>
+        <p14:creationId xmlns:p14="http://schemas.microsoft.com/office/powerpoint/2010/main" val="1906361113"/>
       </p:ext>
     </p:extLst>
   </p:cSld>
@@ -7399,7 +8605,7 @@
 </p:sld>
 </file>
 
-<file path=ppt/slides/slide22.xml><?xml version="1.0" encoding="utf-8"?>
+<file path=ppt/slides/slide27.xml><?xml version="1.0" encoding="utf-8"?>
 <p:sld xmlns:a="http://schemas.openxmlformats.org/drawingml/2006/main" xmlns:r="http://schemas.openxmlformats.org/officeDocument/2006/relationships" xmlns:p="http://schemas.openxmlformats.org/presentationml/2006/main">
   <p:cSld>
     <p:spTree>
@@ -7460,7 +8666,7 @@
         <p:spPr/>
         <p:txBody>
           <a:bodyPr>
-            <a:normAutofit fontScale="77500" lnSpcReduction="20000"/>
+            <a:normAutofit fontScale="70000" lnSpcReduction="20000"/>
           </a:bodyPr>
           <a:lstStyle/>
           <a:p>
@@ -7515,6 +8721,12 @@
             <a:r>
               <a:rPr lang="en-US" sz="4000" dirty="0" smtClean="0"/>
               <a:t>Recipes</a:t>
+            </a:r>
+          </a:p>
+          <a:p>
+            <a:r>
+              <a:rPr lang="en-US" sz="4000" dirty="0" smtClean="0"/>
+              <a:t>Customer directly using the application</a:t>
             </a:r>
             <a:endParaRPr lang="en-US" sz="4000" dirty="0"/>
           </a:p>
@@ -7523,7 +8735,7 @@
     </p:spTree>
     <p:extLst>
       <p:ext uri="{BB962C8B-B14F-4D97-AF65-F5344CB8AC3E}">
-        <p14:creationId xmlns:p14="http://schemas.microsoft.com/office/powerpoint/2010/main" val="2150572371"/>
+        <p14:creationId xmlns:p14="http://schemas.microsoft.com/office/powerpoint/2010/main" val="4070009704"/>
       </p:ext>
     </p:extLst>
   </p:cSld>
@@ -7540,7 +8752,7 @@
 </p:sld>
 </file>
 
-<file path=ppt/slides/slide23.xml><?xml version="1.0" encoding="utf-8"?>
+<file path=ppt/slides/slide28.xml><?xml version="1.0" encoding="utf-8"?>
 <p:sld xmlns:a="http://schemas.openxmlformats.org/drawingml/2006/main" xmlns:r="http://schemas.openxmlformats.org/officeDocument/2006/relationships" xmlns:p="http://schemas.openxmlformats.org/presentationml/2006/main">
   <p:cSld>
     <p:spTree>
@@ -7647,7 +8859,7 @@
     </p:spTree>
     <p:extLst>
       <p:ext uri="{BB962C8B-B14F-4D97-AF65-F5344CB8AC3E}">
-        <p14:creationId xmlns:p14="http://schemas.microsoft.com/office/powerpoint/2010/main" val="2150572371"/>
+        <p14:creationId xmlns:p14="http://schemas.microsoft.com/office/powerpoint/2010/main" val="1528390757"/>
       </p:ext>
     </p:extLst>
   </p:cSld>
@@ -7664,7 +8876,7 @@
 </p:sld>
 </file>
 
-<file path=ppt/slides/slide24.xml><?xml version="1.0" encoding="utf-8"?>
+<file path=ppt/slides/slide29.xml><?xml version="1.0" encoding="utf-8"?>
 <p:sld xmlns:a="http://schemas.openxmlformats.org/drawingml/2006/main" xmlns:r="http://schemas.openxmlformats.org/officeDocument/2006/relationships" xmlns:p="http://schemas.openxmlformats.org/presentationml/2006/main">
   <p:cSld>
     <p:spTree>
@@ -7783,7 +8995,7 @@
     </p:spTree>
     <p:extLst>
       <p:ext uri="{BB962C8B-B14F-4D97-AF65-F5344CB8AC3E}">
-        <p14:creationId xmlns:p14="http://schemas.microsoft.com/office/powerpoint/2010/main" val="23986043"/>
+        <p14:creationId xmlns:p14="http://schemas.microsoft.com/office/powerpoint/2010/main" val="774952319"/>
       </p:ext>
     </p:extLst>
   </p:cSld>
@@ -7800,7 +9012,7 @@
 </p:sld>
 </file>
 
-<file path=ppt/slides/slide25.xml><?xml version="1.0" encoding="utf-8"?>
+<file path=ppt/slides/slide3.xml><?xml version="1.0" encoding="utf-8"?>
 <p:sld xmlns:a="http://schemas.openxmlformats.org/drawingml/2006/main" xmlns:r="http://schemas.openxmlformats.org/officeDocument/2006/relationships" xmlns:p="http://schemas.openxmlformats.org/presentationml/2006/main">
   <p:cSld>
     <p:spTree>
@@ -7827,6 +9039,94 @@
             <p:ph type="title"/>
           </p:nvPr>
         </p:nvSpPr>
+        <p:spPr/>
+        <p:txBody>
+          <a:bodyPr>
+            <a:normAutofit/>
+          </a:bodyPr>
+          <a:lstStyle/>
+          <a:p>
+            <a:pPr algn="l"/>
+            <a:endParaRPr lang="en-US" sz="6000" b="1" dirty="0"/>
+          </a:p>
+        </p:txBody>
+      </p:sp>
+      <p:pic>
+        <p:nvPicPr>
+          <p:cNvPr id="4" name="Content Placeholder 3"/>
+          <p:cNvPicPr>
+            <a:picLocks noGrp="1" noChangeAspect="1"/>
+          </p:cNvPicPr>
+          <p:nvPr>
+            <p:ph idx="1"/>
+          </p:nvPr>
+        </p:nvPicPr>
+        <p:blipFill>
+          <a:blip r:embed="rId2">
+            <a:extLst>
+              <a:ext uri="{28A0092B-C50C-407E-A947-70E740481C1C}">
+                <a14:useLocalDpi xmlns:a14="http://schemas.microsoft.com/office/drawing/2010/main" val="0"/>
+              </a:ext>
+            </a:extLst>
+          </a:blip>
+          <a:stretch>
+            <a:fillRect/>
+          </a:stretch>
+        </p:blipFill>
+        <p:spPr>
+          <a:xfrm>
+            <a:off x="1066800" y="1185389"/>
+            <a:ext cx="6776933" cy="4453411"/>
+          </a:xfrm>
+        </p:spPr>
+      </p:pic>
+    </p:spTree>
+    <p:extLst>
+      <p:ext uri="{BB962C8B-B14F-4D97-AF65-F5344CB8AC3E}">
+        <p14:creationId xmlns:p14="http://schemas.microsoft.com/office/powerpoint/2010/main" val="965326574"/>
+      </p:ext>
+    </p:extLst>
+  </p:cSld>
+  <p:clrMapOvr>
+    <a:masterClrMapping/>
+  </p:clrMapOvr>
+  <p:timing>
+    <p:tnLst>
+      <p:par>
+        <p:cTn id="1" dur="indefinite" restart="never" nodeType="tmRoot"/>
+      </p:par>
+    </p:tnLst>
+  </p:timing>
+</p:sld>
+</file>
+
+<file path=ppt/slides/slide30.xml><?xml version="1.0" encoding="utf-8"?>
+<p:sld xmlns:a="http://schemas.openxmlformats.org/drawingml/2006/main" xmlns:r="http://schemas.openxmlformats.org/officeDocument/2006/relationships" xmlns:p="http://schemas.openxmlformats.org/presentationml/2006/main">
+  <p:cSld>
+    <p:spTree>
+      <p:nvGrpSpPr>
+        <p:cNvPr id="1" name=""/>
+        <p:cNvGrpSpPr/>
+        <p:nvPr/>
+      </p:nvGrpSpPr>
+      <p:grpSpPr>
+        <a:xfrm>
+          <a:off x="0" y="0"/>
+          <a:ext cx="0" cy="0"/>
+          <a:chOff x="0" y="0"/>
+          <a:chExt cx="0" cy="0"/>
+        </a:xfrm>
+      </p:grpSpPr>
+      <p:sp>
+        <p:nvSpPr>
+          <p:cNvPr id="2" name="Title 1"/>
+          <p:cNvSpPr>
+            <a:spLocks noGrp="1"/>
+          </p:cNvSpPr>
+          <p:nvPr>
+            <p:ph type="title"/>
+          </p:nvPr>
+        </p:nvSpPr>
         <p:spPr>
           <a:xfrm>
             <a:off x="457200" y="274638"/>
@@ -7882,7 +9182,7 @@
           <p:nvPr>
             <p:extLst>
               <p:ext uri="{D42A27DB-BD31-4B8C-83A1-F6EECF244321}">
-                <p14:modId xmlns:p14="http://schemas.microsoft.com/office/powerpoint/2010/main" val="2306586810"/>
+                <p14:modId xmlns:p14="http://schemas.microsoft.com/office/powerpoint/2010/main" val="4020710955"/>
               </p:ext>
             </p:extLst>
           </p:nvPr>
@@ -8412,7 +9712,7 @@
     </p:spTree>
     <p:extLst>
       <p:ext uri="{BB962C8B-B14F-4D97-AF65-F5344CB8AC3E}">
-        <p14:creationId xmlns:p14="http://schemas.microsoft.com/office/powerpoint/2010/main" val="158169468"/>
+        <p14:creationId xmlns:p14="http://schemas.microsoft.com/office/powerpoint/2010/main" val="1591656869"/>
       </p:ext>
     </p:extLst>
   </p:cSld>
@@ -8429,7 +9729,7 @@
 </p:sld>
 </file>
 
-<file path=ppt/slides/slide26.xml><?xml version="1.0" encoding="utf-8"?>
+<file path=ppt/slides/slide31.xml><?xml version="1.0" encoding="utf-8"?>
 <p:sld xmlns:a="http://schemas.openxmlformats.org/drawingml/2006/main" xmlns:r="http://schemas.openxmlformats.org/officeDocument/2006/relationships" xmlns:p="http://schemas.openxmlformats.org/presentationml/2006/main">
   <p:cSld>
     <p:spTree>
@@ -8571,12 +9871,21 @@
           <a:p>
             <a:r>
               <a:rPr lang="en-US" sz="4000" b="1" dirty="0"/>
-              <a:t>Order Queue</a:t>
+              <a:t>Order </a:t>
+            </a:r>
+            <a:r>
+              <a:rPr lang="en-US" sz="4000" b="1" dirty="0" smtClean="0"/>
+              <a:t>Item Queue</a:t>
             </a:r>
             <a:r>
               <a:rPr lang="en-US" sz="4000" dirty="0"/>
-              <a:t>: List of Orders, used in the kitchen to plan for orders to be prepared on a first-come first-served basis (grouped by Bill).</a:t>
-            </a:r>
+              <a:t>: List of Orders, used in the kitchen to plan for orders to be prepared on a first-come first-served basis (grouped by </a:t>
+            </a:r>
+            <a:r>
+              <a:rPr lang="en-US" sz="4000" dirty="0" smtClean="0"/>
+              <a:t>Table).</a:t>
+            </a:r>
+            <a:endParaRPr lang="en-US" sz="4000" dirty="0"/>
           </a:p>
           <a:p>
             <a:r>
@@ -8628,171 +9937,7 @@
     </p:spTree>
     <p:extLst>
       <p:ext uri="{BB962C8B-B14F-4D97-AF65-F5344CB8AC3E}">
-        <p14:creationId xmlns:p14="http://schemas.microsoft.com/office/powerpoint/2010/main" val="822662854"/>
-      </p:ext>
-    </p:extLst>
-  </p:cSld>
-  <p:clrMapOvr>
-    <a:masterClrMapping/>
-  </p:clrMapOvr>
-  <p:timing>
-    <p:tnLst>
-      <p:par>
-        <p:cTn id="1" dur="indefinite" restart="never" nodeType="tmRoot"/>
-      </p:par>
-    </p:tnLst>
-  </p:timing>
-</p:sld>
-</file>
-
-<file path=ppt/slides/slide3.xml><?xml version="1.0" encoding="utf-8"?>
-<p:sld xmlns:a="http://schemas.openxmlformats.org/drawingml/2006/main" xmlns:r="http://schemas.openxmlformats.org/officeDocument/2006/relationships" xmlns:p="http://schemas.openxmlformats.org/presentationml/2006/main">
-  <p:cSld>
-    <p:spTree>
-      <p:nvGrpSpPr>
-        <p:cNvPr id="1" name=""/>
-        <p:cNvGrpSpPr/>
-        <p:nvPr/>
-      </p:nvGrpSpPr>
-      <p:grpSpPr>
-        <a:xfrm>
-          <a:off x="0" y="0"/>
-          <a:ext cx="0" cy="0"/>
-          <a:chOff x="0" y="0"/>
-          <a:chExt cx="0" cy="0"/>
-        </a:xfrm>
-      </p:grpSpPr>
-      <p:sp>
-        <p:nvSpPr>
-          <p:cNvPr id="2" name="Title 1"/>
-          <p:cNvSpPr>
-            <a:spLocks noGrp="1"/>
-          </p:cNvSpPr>
-          <p:nvPr>
-            <p:ph type="title"/>
-          </p:nvPr>
-        </p:nvSpPr>
-        <p:spPr>
-          <a:xfrm>
-            <a:off x="685800" y="304800"/>
-            <a:ext cx="3886200" cy="725214"/>
-          </a:xfrm>
-        </p:spPr>
-        <p:txBody>
-          <a:bodyPr>
-            <a:noAutofit/>
-          </a:bodyPr>
-          <a:lstStyle/>
-          <a:p>
-            <a:pPr algn="l"/>
-            <a:r>
-              <a:rPr lang="en-US" sz="6000" b="1" dirty="0" smtClean="0"/>
-              <a:t>Vision</a:t>
-            </a:r>
-            <a:endParaRPr lang="en-US" sz="6000" b="1" dirty="0"/>
-          </a:p>
-        </p:txBody>
-      </p:sp>
-      <p:sp>
-        <p:nvSpPr>
-          <p:cNvPr id="3" name="Content Placeholder 2"/>
-          <p:cNvSpPr>
-            <a:spLocks noGrp="1"/>
-          </p:cNvSpPr>
-          <p:nvPr>
-            <p:ph idx="1"/>
-          </p:nvPr>
-        </p:nvSpPr>
-        <p:spPr>
-          <a:xfrm>
-            <a:off x="23648" y="1295400"/>
-            <a:ext cx="8763000" cy="5257800"/>
-          </a:xfrm>
-        </p:spPr>
-        <p:txBody>
-          <a:bodyPr>
-            <a:noAutofit/>
-          </a:bodyPr>
-          <a:lstStyle/>
-          <a:p>
-            <a:pPr marL="0" indent="0">
-              <a:buNone/>
-            </a:pPr>
-            <a:r>
-              <a:rPr lang="en-US" dirty="0" smtClean="0"/>
-              <a:t>A </a:t>
-            </a:r>
-            <a:r>
-              <a:rPr lang="en-US" b="1" dirty="0"/>
-              <a:t>restaurant management application </a:t>
-            </a:r>
-            <a:r>
-              <a:rPr lang="en-US" dirty="0"/>
-              <a:t>used </a:t>
-            </a:r>
-            <a:r>
-              <a:rPr lang="en-US" dirty="0" smtClean="0"/>
-              <a:t>to:</a:t>
-            </a:r>
-            <a:endParaRPr lang="en-US" dirty="0"/>
-          </a:p>
-          <a:p>
-            <a:r>
-              <a:rPr lang="en-US" dirty="0"/>
-              <a:t>Enter, track, and delegate food and drink orders</a:t>
-            </a:r>
-          </a:p>
-          <a:p>
-            <a:r>
-              <a:rPr lang="en-US" dirty="0"/>
-              <a:t>Enter and track table statuses and reservations</a:t>
-            </a:r>
-          </a:p>
-          <a:p>
-            <a:r>
-              <a:rPr lang="en-US" dirty="0"/>
-              <a:t>Prioritize orders in the kitchen according to arrival of orders and required prep times</a:t>
-            </a:r>
-          </a:p>
-          <a:p>
-            <a:r>
-              <a:rPr lang="en-US" dirty="0"/>
-              <a:t>Handle billing</a:t>
-            </a:r>
-          </a:p>
-          <a:p>
-            <a:r>
-              <a:rPr lang="en-US" dirty="0" smtClean="0"/>
-              <a:t>We </a:t>
-            </a:r>
-            <a:r>
-              <a:rPr lang="en-US" dirty="0"/>
-              <a:t>envision this as a </a:t>
-            </a:r>
-            <a:r>
-              <a:rPr lang="en-US" dirty="0" smtClean="0"/>
-              <a:t>web </a:t>
-            </a:r>
-            <a:r>
-              <a:rPr lang="en-US" dirty="0"/>
-              <a:t>application which may be adapted to Android if time allows.</a:t>
-            </a:r>
-          </a:p>
-          <a:p>
-            <a:pPr marL="0" indent="0">
-              <a:spcBef>
-                <a:spcPts val="0"/>
-              </a:spcBef>
-              <a:buNone/>
-            </a:pPr>
-            <a:endParaRPr lang="en-GB" sz="3600" b="1" dirty="0" smtClean="0"/>
-          </a:p>
-        </p:txBody>
-      </p:sp>
-    </p:spTree>
-    <p:extLst>
-      <p:ext uri="{BB962C8B-B14F-4D97-AF65-F5344CB8AC3E}">
-        <p14:creationId xmlns:p14="http://schemas.microsoft.com/office/powerpoint/2010/main" val="4103635040"/>
+        <p14:creationId xmlns:p14="http://schemas.microsoft.com/office/powerpoint/2010/main" val="1700301986"/>
       </p:ext>
     </p:extLst>
   </p:cSld>
@@ -8839,7 +9984,7 @@
         <p:spPr>
           <a:xfrm>
             <a:off x="685800" y="304800"/>
-            <a:ext cx="5562600" cy="725214"/>
+            <a:ext cx="3886200" cy="725214"/>
           </a:xfrm>
         </p:spPr>
         <p:txBody>
@@ -8851,7 +9996,7 @@
             <a:pPr algn="l"/>
             <a:r>
               <a:rPr lang="en-US" sz="6000" b="1" dirty="0" smtClean="0"/>
-              <a:t>Business Case</a:t>
+              <a:t>Vision</a:t>
             </a:r>
             <a:endParaRPr lang="en-US" sz="6000" b="1" dirty="0"/>
           </a:p>
@@ -8870,7 +10015,7 @@
         <p:spPr>
           <a:xfrm>
             <a:off x="23648" y="1295400"/>
-            <a:ext cx="8763000" cy="3352800"/>
+            <a:ext cx="8763000" cy="5257800"/>
           </a:xfrm>
         </p:spPr>
         <p:txBody>
@@ -8879,26 +10024,67 @@
           </a:bodyPr>
           <a:lstStyle/>
           <a:p>
-            <a:pPr>
-              <a:spcBef>
-                <a:spcPts val="0"/>
-              </a:spcBef>
+            <a:pPr marL="0" indent="0">
+              <a:buNone/>
             </a:pPr>
             <a:r>
-              <a:rPr lang="en-GB" sz="3600" b="1" dirty="0"/>
-              <a:t>Restaurants are </a:t>
-            </a:r>
-            <a:r>
-              <a:rPr lang="en-GB" sz="3600" b="1" dirty="0" smtClean="0"/>
-              <a:t>busy environments and inefficiencies can result in business failure </a:t>
-            </a:r>
-            <a:r>
-              <a:rPr lang="en-GB" sz="3600" b="1" dirty="0"/>
-              <a:t>even </a:t>
-            </a:r>
-            <a:r>
-              <a:rPr lang="en-GB" sz="3600" b="1" dirty="0" smtClean="0"/>
-              <a:t>if the food is great. </a:t>
+              <a:rPr lang="en-US" dirty="0" smtClean="0"/>
+              <a:t>A </a:t>
+            </a:r>
+            <a:r>
+              <a:rPr lang="en-US" b="1" dirty="0"/>
+              <a:t>restaurant management application </a:t>
+            </a:r>
+            <a:r>
+              <a:rPr lang="en-US" dirty="0"/>
+              <a:t>used </a:t>
+            </a:r>
+            <a:r>
+              <a:rPr lang="en-US" dirty="0" smtClean="0"/>
+              <a:t>to:</a:t>
+            </a:r>
+            <a:endParaRPr lang="en-US" dirty="0"/>
+          </a:p>
+          <a:p>
+            <a:r>
+              <a:rPr lang="en-US" dirty="0"/>
+              <a:t>Enter, track, and delegate food and drink orders</a:t>
+            </a:r>
+          </a:p>
+          <a:p>
+            <a:r>
+              <a:rPr lang="en-US" dirty="0"/>
+              <a:t>Enter and track table statuses and reservations</a:t>
+            </a:r>
+          </a:p>
+          <a:p>
+            <a:r>
+              <a:rPr lang="en-US" dirty="0"/>
+              <a:t>Prioritize orders in the kitchen according to arrival of orders and required prep times</a:t>
+            </a:r>
+          </a:p>
+          <a:p>
+            <a:r>
+              <a:rPr lang="en-US" dirty="0"/>
+              <a:t>Handle billing</a:t>
+            </a:r>
+          </a:p>
+          <a:p>
+            <a:r>
+              <a:rPr lang="en-US" dirty="0" smtClean="0"/>
+              <a:t>We </a:t>
+            </a:r>
+            <a:r>
+              <a:rPr lang="en-US" dirty="0"/>
+              <a:t>envision this as a </a:t>
+            </a:r>
+            <a:r>
+              <a:rPr lang="en-US" dirty="0" smtClean="0"/>
+              <a:t>web </a:t>
+            </a:r>
+            <a:r>
+              <a:rPr lang="en-US" dirty="0"/>
+              <a:t>application which may be adapted to Android if time allows.</a:t>
             </a:r>
           </a:p>
           <a:p>
@@ -8910,23 +10096,12 @@
             </a:pPr>
             <a:endParaRPr lang="en-GB" sz="3600" b="1" dirty="0" smtClean="0"/>
           </a:p>
-          <a:p>
-            <a:pPr>
-              <a:spcBef>
-                <a:spcPts val="0"/>
-              </a:spcBef>
-            </a:pPr>
-            <a:r>
-              <a:rPr lang="en-GB" sz="3600" b="1" dirty="0" smtClean="0"/>
-              <a:t>Effective coordination of personnel and resources is key to timely service and customer satisfaction.</a:t>
-            </a:r>
-          </a:p>
         </p:txBody>
       </p:sp>
     </p:spTree>
     <p:extLst>
       <p:ext uri="{BB962C8B-B14F-4D97-AF65-F5344CB8AC3E}">
-        <p14:creationId xmlns:p14="http://schemas.microsoft.com/office/powerpoint/2010/main" val="3324145256"/>
+        <p14:creationId xmlns:p14="http://schemas.microsoft.com/office/powerpoint/2010/main" val="1782274068"/>
       </p:ext>
     </p:extLst>
   </p:cSld>
@@ -8972,13 +10147,13 @@
         </p:nvSpPr>
         <p:spPr>
           <a:xfrm>
-            <a:off x="457200" y="274638"/>
-            <a:ext cx="5486400" cy="1143000"/>
+            <a:off x="685800" y="304800"/>
+            <a:ext cx="5562600" cy="725214"/>
           </a:xfrm>
         </p:spPr>
         <p:txBody>
           <a:bodyPr>
-            <a:normAutofit/>
+            <a:noAutofit/>
           </a:bodyPr>
           <a:lstStyle/>
           <a:p>
@@ -9001,44 +10176,58 @@
             <p:ph idx="1"/>
           </p:nvPr>
         </p:nvSpPr>
-        <p:spPr/>
+        <p:spPr>
+          <a:xfrm>
+            <a:off x="23648" y="1295400"/>
+            <a:ext cx="8763000" cy="3352800"/>
+          </a:xfrm>
+        </p:spPr>
         <p:txBody>
           <a:bodyPr>
-            <a:normAutofit/>
+            <a:noAutofit/>
           </a:bodyPr>
           <a:lstStyle/>
           <a:p>
+            <a:pPr>
+              <a:spcBef>
+                <a:spcPts val="0"/>
+              </a:spcBef>
+            </a:pPr>
+            <a:r>
+              <a:rPr lang="en-GB" sz="3600" b="1" dirty="0"/>
+              <a:t>Restaurants are </a:t>
+            </a:r>
+            <a:r>
+              <a:rPr lang="en-GB" sz="3600" b="1" dirty="0" smtClean="0"/>
+              <a:t>busy environments and inefficiencies can result in business failure </a:t>
+            </a:r>
+            <a:r>
+              <a:rPr lang="en-GB" sz="3600" b="1" dirty="0"/>
+              <a:t>even </a:t>
+            </a:r>
+            <a:r>
+              <a:rPr lang="en-GB" sz="3600" b="1" dirty="0" smtClean="0"/>
+              <a:t>if the food is great. </a:t>
+            </a:r>
+          </a:p>
+          <a:p>
             <a:pPr marL="0" indent="0">
+              <a:spcBef>
+                <a:spcPts val="0"/>
+              </a:spcBef>
               <a:buNone/>
             </a:pPr>
-            <a:r>
-              <a:rPr lang="en-GB" sz="4000" b="1" dirty="0" smtClean="0"/>
-              <a:t>Boost business by </a:t>
-            </a:r>
-          </a:p>
-          <a:p>
-            <a:r>
-              <a:rPr lang="en-GB" sz="4000" b="1" dirty="0" smtClean="0"/>
-              <a:t>Making waiting times smaller and more predictable</a:t>
-            </a:r>
-          </a:p>
-          <a:p>
-            <a:r>
-              <a:rPr lang="en-GB" sz="4000" b="1" dirty="0" smtClean="0"/>
-              <a:t>Maximizing customer throughput</a:t>
-            </a:r>
-            <a:endParaRPr lang="en-GB" sz="4000" b="1" dirty="0"/>
-          </a:p>
-          <a:p>
-            <a:r>
-              <a:rPr lang="en-GB" sz="4000" b="1" dirty="0" smtClean="0"/>
-              <a:t>Maximizing employee efficiency</a:t>
-            </a:r>
-          </a:p>
-          <a:p>
-            <a:r>
-              <a:rPr lang="en-GB" sz="4000" b="1" dirty="0" smtClean="0"/>
-              <a:t>Increasing customer satisfaction</a:t>
+            <a:endParaRPr lang="en-GB" sz="3600" b="1" dirty="0" smtClean="0"/>
+          </a:p>
+          <a:p>
+            <a:pPr>
+              <a:spcBef>
+                <a:spcPts val="0"/>
+              </a:spcBef>
+            </a:pPr>
+            <a:r>
+              <a:rPr lang="en-GB" sz="3600" b="1" dirty="0" smtClean="0"/>
+              <a:t>Effective coordination of personnel and resources is key to timely service and customer satisfaction.</a:t>
             </a:r>
           </a:p>
         </p:txBody>
@@ -9046,7 +10235,7 @@
     </p:spTree>
     <p:extLst>
       <p:ext uri="{BB962C8B-B14F-4D97-AF65-F5344CB8AC3E}">
-        <p14:creationId xmlns:p14="http://schemas.microsoft.com/office/powerpoint/2010/main" val="3169704658"/>
+        <p14:creationId xmlns:p14="http://schemas.microsoft.com/office/powerpoint/2010/main" val="547735297"/>
       </p:ext>
     </p:extLst>
   </p:cSld>
@@ -9092,8 +10281,8 @@
         </p:nvSpPr>
         <p:spPr>
           <a:xfrm>
-            <a:off x="762000" y="152400"/>
-            <a:ext cx="4572000" cy="1096962"/>
+            <a:off x="457200" y="274638"/>
+            <a:ext cx="5486400" cy="1143000"/>
           </a:xfrm>
         </p:spPr>
         <p:txBody>
@@ -9105,140 +10294,68 @@
             <a:pPr algn="l"/>
             <a:r>
               <a:rPr lang="en-US" sz="6000" b="1" dirty="0" smtClean="0"/>
-              <a:t>Actors</a:t>
+              <a:t>Business Case</a:t>
             </a:r>
             <a:endParaRPr lang="en-US" sz="6000" b="1" dirty="0"/>
           </a:p>
         </p:txBody>
       </p:sp>
-      <p:pic>
-        <p:nvPicPr>
-          <p:cNvPr id="3" name="Picture 2"/>
-          <p:cNvPicPr>
-            <a:picLocks noChangeAspect="1"/>
-          </p:cNvPicPr>
-          <p:nvPr/>
-        </p:nvPicPr>
-        <p:blipFill>
-          <a:blip r:embed="rId2">
-            <a:extLst>
-              <a:ext uri="{28A0092B-C50C-407E-A947-70E740481C1C}">
-                <a14:useLocalDpi xmlns:a14="http://schemas.microsoft.com/office/drawing/2010/main" val="0"/>
-              </a:ext>
-            </a:extLst>
-          </a:blip>
-          <a:stretch>
-            <a:fillRect/>
-          </a:stretch>
-        </p:blipFill>
-        <p:spPr>
-          <a:xfrm>
-            <a:off x="3048000" y="1249362"/>
-            <a:ext cx="5809524" cy="5333333"/>
-          </a:xfrm>
-          <a:prstGeom prst="rect">
-            <a:avLst/>
-          </a:prstGeom>
-        </p:spPr>
-      </p:pic>
-      <p:sp>
-        <p:nvSpPr>
-          <p:cNvPr id="5" name="TextBox 4"/>
-          <p:cNvSpPr txBox="1"/>
-          <p:nvPr/>
-        </p:nvSpPr>
-        <p:spPr>
-          <a:xfrm>
-            <a:off x="304800" y="1371600"/>
-            <a:ext cx="2514600" cy="4524315"/>
-          </a:xfrm>
-          <a:prstGeom prst="rect">
-            <a:avLst/>
-          </a:prstGeom>
-          <a:noFill/>
-        </p:spPr>
-        <p:txBody>
-          <a:bodyPr wrap="square" rtlCol="0">
-            <a:spAutoFit/>
+      <p:sp>
+        <p:nvSpPr>
+          <p:cNvPr id="3" name="Content Placeholder 2"/>
+          <p:cNvSpPr>
+            <a:spLocks noGrp="1"/>
+          </p:cNvSpPr>
+          <p:nvPr>
+            <p:ph idx="1"/>
+          </p:nvPr>
+        </p:nvSpPr>
+        <p:spPr/>
+        <p:txBody>
+          <a:bodyPr>
+            <a:normAutofit/>
           </a:bodyPr>
           <a:lstStyle/>
           <a:p>
-            <a:pPr marL="285750" indent="-285750">
-              <a:buFont typeface="Arial" panose="020B0604020202020204" pitchFamily="34" charset="0"/>
-              <a:buChar char="•"/>
+            <a:pPr marL="0" indent="0">
+              <a:buNone/>
             </a:pPr>
             <a:r>
-              <a:rPr lang="en-US" sz="3600" dirty="0" smtClean="0"/>
-              <a:t>Waiter</a:t>
-            </a:r>
-          </a:p>
-          <a:p>
-            <a:pPr marL="285750" indent="-285750">
-              <a:buFont typeface="Arial" panose="020B0604020202020204" pitchFamily="34" charset="0"/>
-              <a:buChar char="•"/>
-            </a:pPr>
-            <a:r>
-              <a:rPr lang="en-US" sz="3600" dirty="0" smtClean="0"/>
-              <a:t>Kitchen Staff</a:t>
-            </a:r>
-          </a:p>
-          <a:p>
-            <a:pPr marL="285750" indent="-285750">
-              <a:buFont typeface="Arial" panose="020B0604020202020204" pitchFamily="34" charset="0"/>
-              <a:buChar char="•"/>
-            </a:pPr>
-            <a:r>
-              <a:rPr lang="en-US" sz="3600" dirty="0" smtClean="0"/>
-              <a:t>Hostess</a:t>
-            </a:r>
-          </a:p>
-          <a:p>
-            <a:pPr marL="285750" indent="-285750">
-              <a:buFont typeface="Arial" panose="020B0604020202020204" pitchFamily="34" charset="0"/>
-              <a:buChar char="•"/>
-            </a:pPr>
-            <a:r>
-              <a:rPr lang="en-US" sz="3600" dirty="0" smtClean="0"/>
-              <a:t>Customer</a:t>
-            </a:r>
-          </a:p>
-          <a:p>
-            <a:pPr marL="285750" indent="-285750">
-              <a:buFont typeface="Arial" panose="020B0604020202020204" pitchFamily="34" charset="0"/>
-              <a:buChar char="•"/>
-            </a:pPr>
-            <a:r>
-              <a:rPr lang="en-US" sz="3600" dirty="0" smtClean="0"/>
-              <a:t>Busboy</a:t>
-            </a:r>
-          </a:p>
-          <a:p>
-            <a:pPr marL="285750" indent="-285750">
-              <a:buFont typeface="Arial" panose="020B0604020202020204" pitchFamily="34" charset="0"/>
-              <a:buChar char="•"/>
-            </a:pPr>
-            <a:r>
-              <a:rPr lang="en-US" sz="3600" dirty="0" smtClean="0"/>
-              <a:t>Bartender</a:t>
-            </a:r>
-          </a:p>
-          <a:p>
-            <a:pPr marL="285750" indent="-285750">
-              <a:buFont typeface="Arial" panose="020B0604020202020204" pitchFamily="34" charset="0"/>
-              <a:buChar char="•"/>
-            </a:pPr>
-            <a:r>
-              <a:rPr lang="en-US" sz="3600" dirty="0" smtClean="0"/>
-              <a:t>Manager</a:t>
-            </a:r>
-            <a:endParaRPr lang="en-US" sz="3600" dirty="0"/>
+              <a:rPr lang="en-GB" sz="4000" b="1" dirty="0" smtClean="0"/>
+              <a:t>Boost business by </a:t>
+            </a:r>
+          </a:p>
+          <a:p>
+            <a:r>
+              <a:rPr lang="en-GB" sz="4000" b="1" dirty="0" smtClean="0"/>
+              <a:t>Making waiting times smaller and more predictable</a:t>
+            </a:r>
+          </a:p>
+          <a:p>
+            <a:r>
+              <a:rPr lang="en-GB" sz="4000" b="1" dirty="0" smtClean="0"/>
+              <a:t>Maximizing customer throughput</a:t>
+            </a:r>
+            <a:endParaRPr lang="en-GB" sz="4000" b="1" dirty="0"/>
+          </a:p>
+          <a:p>
+            <a:r>
+              <a:rPr lang="en-GB" sz="4000" b="1" dirty="0" smtClean="0"/>
+              <a:t>Maximizing employee efficiency</a:t>
+            </a:r>
+          </a:p>
+          <a:p>
+            <a:r>
+              <a:rPr lang="en-GB" sz="4000" b="1" dirty="0" smtClean="0"/>
+              <a:t>Increasing customer satisfaction</a:t>
+            </a:r>
           </a:p>
         </p:txBody>
       </p:sp>
     </p:spTree>
     <p:extLst>
       <p:ext uri="{BB962C8B-B14F-4D97-AF65-F5344CB8AC3E}">
-        <p14:creationId xmlns:p14="http://schemas.microsoft.com/office/powerpoint/2010/main" val="3137227738"/>
+        <p14:creationId xmlns:p14="http://schemas.microsoft.com/office/powerpoint/2010/main" val="2617764532"/>
       </p:ext>
     </p:extLst>
   </p:cSld>
@@ -9284,8 +10401,8 @@
         </p:nvSpPr>
         <p:spPr>
           <a:xfrm>
-            <a:off x="381000" y="-36786"/>
-            <a:ext cx="4876800" cy="1030014"/>
+            <a:off x="762000" y="152400"/>
+            <a:ext cx="4572000" cy="1096962"/>
           </a:xfrm>
         </p:spPr>
         <p:txBody>
@@ -9297,113 +10414,140 @@
             <a:pPr algn="l"/>
             <a:r>
               <a:rPr lang="en-US" sz="6000" b="1" dirty="0" smtClean="0"/>
-              <a:t>Goals:  </a:t>
-            </a:r>
-            <a:r>
-              <a:rPr lang="en-US" sz="6000" b="1" dirty="0" smtClean="0"/>
-              <a:t>Waiter</a:t>
+              <a:t>Actors</a:t>
             </a:r>
             <a:endParaRPr lang="en-US" sz="6000" b="1" dirty="0"/>
           </a:p>
         </p:txBody>
       </p:sp>
-      <p:sp>
-        <p:nvSpPr>
-          <p:cNvPr id="3" name="Content Placeholder 2"/>
-          <p:cNvSpPr>
-            <a:spLocks noGrp="1"/>
-          </p:cNvSpPr>
-          <p:nvPr>
-            <p:ph idx="1"/>
-          </p:nvPr>
-        </p:nvSpPr>
+      <p:pic>
+        <p:nvPicPr>
+          <p:cNvPr id="3" name="Picture 2"/>
+          <p:cNvPicPr>
+            <a:picLocks noChangeAspect="1"/>
+          </p:cNvPicPr>
+          <p:nvPr/>
+        </p:nvPicPr>
+        <p:blipFill>
+          <a:blip r:embed="rId2">
+            <a:extLst>
+              <a:ext uri="{28A0092B-C50C-407E-A947-70E740481C1C}">
+                <a14:useLocalDpi xmlns:a14="http://schemas.microsoft.com/office/drawing/2010/main" val="0"/>
+              </a:ext>
+            </a:extLst>
+          </a:blip>
+          <a:stretch>
+            <a:fillRect/>
+          </a:stretch>
+        </p:blipFill>
         <p:spPr>
           <a:xfrm>
-            <a:off x="496614" y="1143000"/>
-            <a:ext cx="8610600" cy="5181600"/>
+            <a:off x="3048000" y="1249362"/>
+            <a:ext cx="5809524" cy="5333333"/>
           </a:xfrm>
+          <a:prstGeom prst="rect">
+            <a:avLst/>
+          </a:prstGeom>
         </p:spPr>
-        <p:txBody>
-          <a:bodyPr>
-            <a:normAutofit fontScale="70000" lnSpcReduction="20000"/>
+      </p:pic>
+      <p:sp>
+        <p:nvSpPr>
+          <p:cNvPr id="5" name="TextBox 4"/>
+          <p:cNvSpPr txBox="1"/>
+          <p:nvPr/>
+        </p:nvSpPr>
+        <p:spPr>
+          <a:xfrm>
+            <a:off x="304800" y="1371600"/>
+            <a:ext cx="2514600" cy="4524315"/>
+          </a:xfrm>
+          <a:prstGeom prst="rect">
+            <a:avLst/>
+          </a:prstGeom>
+          <a:noFill/>
+        </p:spPr>
+        <p:txBody>
+          <a:bodyPr wrap="square" rtlCol="0">
+            <a:spAutoFit/>
           </a:bodyPr>
           <a:lstStyle/>
           <a:p>
-            <a:r>
-              <a:rPr lang="en-US" sz="4000" b="1" dirty="0" smtClean="0"/>
-              <a:t>Enter </a:t>
-            </a:r>
-            <a:r>
-              <a:rPr lang="en-US" sz="4000" b="1" dirty="0" smtClean="0"/>
-              <a:t>customers' orders quickly and easily</a:t>
-            </a:r>
-          </a:p>
-          <a:p>
-            <a:r>
-              <a:rPr lang="en-US" sz="4000" b="1" dirty="0" smtClean="0"/>
-              <a:t>Enter customers' orders without errors</a:t>
-            </a:r>
-          </a:p>
-          <a:p>
-            <a:r>
-              <a:rPr lang="en-US" sz="4000" b="1" dirty="0" smtClean="0"/>
-              <a:t>Communicate customer orders to the kitchen</a:t>
-            </a:r>
-          </a:p>
-          <a:p>
-            <a:r>
-              <a:rPr lang="en-US" sz="4000" b="1" dirty="0" smtClean="0"/>
-              <a:t>Access menu information on demand, as needed</a:t>
-            </a:r>
-          </a:p>
-          <a:p>
-            <a:r>
-              <a:rPr lang="en-US" sz="4000" b="1" dirty="0" smtClean="0"/>
-              <a:t>Adjust bill splitting/sharing as needed</a:t>
-            </a:r>
-          </a:p>
-          <a:p>
-            <a:r>
-              <a:rPr lang="en-US" sz="4000" b="1" dirty="0" smtClean="0"/>
-              <a:t>Mark what is from each person (seat number)</a:t>
-            </a:r>
-          </a:p>
-          <a:p>
-            <a:r>
-              <a:rPr lang="en-US" sz="4000" b="1" dirty="0" smtClean="0"/>
-              <a:t>Take customer payment quickly and easily</a:t>
-            </a:r>
-          </a:p>
-          <a:p>
-            <a:r>
-              <a:rPr lang="en-US" sz="4000" b="1" dirty="0" smtClean="0"/>
-              <a:t>See specials</a:t>
-            </a:r>
-          </a:p>
-          <a:p>
-            <a:r>
-              <a:rPr lang="en-US" sz="4000" b="1" dirty="0" smtClean="0"/>
-              <a:t>Use coupons / codes</a:t>
-            </a:r>
-          </a:p>
-          <a:p>
-            <a:r>
-              <a:rPr lang="en-US" sz="4000" b="1" dirty="0" smtClean="0"/>
-              <a:t>Receive tips</a:t>
-            </a:r>
-          </a:p>
-          <a:p>
-            <a:r>
-              <a:rPr lang="en-US" sz="4000" b="1" dirty="0" smtClean="0"/>
-              <a:t>Take complaints</a:t>
-            </a:r>
+            <a:pPr marL="285750" indent="-285750">
+              <a:buFont typeface="Arial" panose="020B0604020202020204" pitchFamily="34" charset="0"/>
+              <a:buChar char="•"/>
+            </a:pPr>
+            <a:r>
+              <a:rPr lang="en-US" sz="3600" dirty="0" smtClean="0"/>
+              <a:t>Waiter</a:t>
+            </a:r>
+          </a:p>
+          <a:p>
+            <a:pPr marL="285750" indent="-285750">
+              <a:buFont typeface="Arial" panose="020B0604020202020204" pitchFamily="34" charset="0"/>
+              <a:buChar char="•"/>
+            </a:pPr>
+            <a:r>
+              <a:rPr lang="en-US" sz="3600" dirty="0" smtClean="0"/>
+              <a:t>Kitchen Staff</a:t>
+            </a:r>
+          </a:p>
+          <a:p>
+            <a:pPr marL="285750" indent="-285750">
+              <a:buFont typeface="Arial" panose="020B0604020202020204" pitchFamily="34" charset="0"/>
+              <a:buChar char="•"/>
+            </a:pPr>
+            <a:r>
+              <a:rPr lang="en-US" sz="3600" dirty="0" smtClean="0"/>
+              <a:t>Hostess</a:t>
+            </a:r>
+          </a:p>
+          <a:p>
+            <a:pPr marL="285750" indent="-285750">
+              <a:buFont typeface="Arial" panose="020B0604020202020204" pitchFamily="34" charset="0"/>
+              <a:buChar char="•"/>
+            </a:pPr>
+            <a:r>
+              <a:rPr lang="en-US" sz="3600" dirty="0" smtClean="0"/>
+              <a:t>Customer</a:t>
+            </a:r>
+          </a:p>
+          <a:p>
+            <a:pPr marL="285750" indent="-285750">
+              <a:buFont typeface="Arial" panose="020B0604020202020204" pitchFamily="34" charset="0"/>
+              <a:buChar char="•"/>
+            </a:pPr>
+            <a:r>
+              <a:rPr lang="en-US" sz="3600" dirty="0" smtClean="0"/>
+              <a:t>Busboy</a:t>
+            </a:r>
+          </a:p>
+          <a:p>
+            <a:pPr marL="285750" indent="-285750">
+              <a:buFont typeface="Arial" panose="020B0604020202020204" pitchFamily="34" charset="0"/>
+              <a:buChar char="•"/>
+            </a:pPr>
+            <a:r>
+              <a:rPr lang="en-US" sz="3600" dirty="0" smtClean="0"/>
+              <a:t>Bartender</a:t>
+            </a:r>
+          </a:p>
+          <a:p>
+            <a:pPr marL="285750" indent="-285750">
+              <a:buFont typeface="Arial" panose="020B0604020202020204" pitchFamily="34" charset="0"/>
+              <a:buChar char="•"/>
+            </a:pPr>
+            <a:r>
+              <a:rPr lang="en-US" sz="3600" dirty="0" smtClean="0"/>
+              <a:t>Manager</a:t>
+            </a:r>
+            <a:endParaRPr lang="en-US" sz="3600" dirty="0"/>
           </a:p>
         </p:txBody>
       </p:sp>
     </p:spTree>
     <p:extLst>
       <p:ext uri="{BB962C8B-B14F-4D97-AF65-F5344CB8AC3E}">
-        <p14:creationId xmlns:p14="http://schemas.microsoft.com/office/powerpoint/2010/main" val="3004781825"/>
+        <p14:creationId xmlns:p14="http://schemas.microsoft.com/office/powerpoint/2010/main" val="3238072072"/>
       </p:ext>
     </p:extLst>
   </p:cSld>
@@ -9449,43 +10593,8 @@
         </p:nvSpPr>
         <p:spPr>
           <a:xfrm>
-            <a:off x="304800" y="18393"/>
-            <a:ext cx="6858000" cy="1030014"/>
-          </a:xfrm>
-        </p:spPr>
-        <p:txBody>
-          <a:bodyPr>
-            <a:noAutofit/>
-          </a:bodyPr>
-          <a:lstStyle/>
-          <a:p>
-            <a:pPr algn="l"/>
-            <a:r>
-              <a:rPr lang="en-US" sz="6000" b="1" dirty="0" smtClean="0"/>
-              <a:t>Goals: </a:t>
-            </a:r>
-            <a:r>
-              <a:rPr lang="en-US" sz="6000" b="1" dirty="0" smtClean="0"/>
-              <a:t>Kitchen Staff  </a:t>
-            </a:r>
-            <a:endParaRPr lang="en-US" sz="6000" b="1" dirty="0"/>
-          </a:p>
-        </p:txBody>
-      </p:sp>
-      <p:sp>
-        <p:nvSpPr>
-          <p:cNvPr id="3" name="Content Placeholder 2"/>
-          <p:cNvSpPr>
-            <a:spLocks noGrp="1"/>
-          </p:cNvSpPr>
-          <p:nvPr>
-            <p:ph idx="1"/>
-          </p:nvPr>
-        </p:nvSpPr>
-        <p:spPr>
-          <a:xfrm>
-            <a:off x="304800" y="1066800"/>
-            <a:ext cx="8610600" cy="5181600"/>
+            <a:off x="381000" y="-36786"/>
+            <a:ext cx="4876800" cy="1030014"/>
           </a:xfrm>
         </p:spPr>
         <p:txBody>
@@ -9494,40 +10603,108 @@
           </a:bodyPr>
           <a:lstStyle/>
           <a:p>
+            <a:pPr algn="l"/>
+            <a:r>
+              <a:rPr lang="en-US" sz="6000" b="1" dirty="0" smtClean="0"/>
+              <a:t>Goals:  Waiter</a:t>
+            </a:r>
+            <a:endParaRPr lang="en-US" sz="6000" b="1" dirty="0"/>
+          </a:p>
+        </p:txBody>
+      </p:sp>
+      <p:sp>
+        <p:nvSpPr>
+          <p:cNvPr id="3" name="Content Placeholder 2"/>
+          <p:cNvSpPr>
+            <a:spLocks noGrp="1"/>
+          </p:cNvSpPr>
+          <p:nvPr>
+            <p:ph idx="1"/>
+          </p:nvPr>
+        </p:nvSpPr>
+        <p:spPr>
+          <a:xfrm>
+            <a:off x="496614" y="1143000"/>
+            <a:ext cx="8610600" cy="5181600"/>
+          </a:xfrm>
+        </p:spPr>
+        <p:txBody>
+          <a:bodyPr>
+            <a:normAutofit fontScale="70000" lnSpcReduction="20000"/>
+          </a:bodyPr>
+          <a:lstStyle/>
+          <a:p>
             <a:r>
               <a:rPr lang="en-US" sz="4000" b="1" dirty="0" smtClean="0"/>
-              <a:t>View </a:t>
-            </a:r>
+              <a:t>Enter customers' orders quickly and easily</a:t>
+            </a:r>
+          </a:p>
+          <a:p>
             <a:r>
               <a:rPr lang="en-US" sz="4000" b="1" dirty="0" smtClean="0"/>
-              <a:t>clear and accurate report of queued orders</a:t>
+              <a:t>Enter customers' orders without errors</a:t>
             </a:r>
           </a:p>
           <a:p>
             <a:r>
               <a:rPr lang="en-US" sz="4000" b="1" dirty="0" smtClean="0"/>
-              <a:t>View upcoming orders in terms of priority</a:t>
+              <a:t>Communicate customer orders to the kitchen</a:t>
             </a:r>
           </a:p>
           <a:p>
             <a:r>
               <a:rPr lang="en-US" sz="4000" b="1" dirty="0" smtClean="0"/>
-              <a:t>Take ownership of orders</a:t>
+              <a:t>Access menu information on demand, as needed</a:t>
             </a:r>
           </a:p>
           <a:p>
             <a:r>
               <a:rPr lang="en-US" sz="4000" b="1" dirty="0" smtClean="0"/>
-              <a:t>Mark items as completed</a:t>
-            </a:r>
-            <a:endParaRPr lang="en-US" sz="4000" b="1" dirty="0"/>
+              <a:t>Adjust bill splitting/sharing as needed</a:t>
+            </a:r>
+          </a:p>
+          <a:p>
+            <a:r>
+              <a:rPr lang="en-US" sz="4000" b="1" dirty="0" smtClean="0"/>
+              <a:t>Mark what is from each person (seat number)</a:t>
+            </a:r>
+          </a:p>
+          <a:p>
+            <a:r>
+              <a:rPr lang="en-US" sz="4000" b="1" dirty="0" smtClean="0"/>
+              <a:t>Take customer payment quickly and easily</a:t>
+            </a:r>
+          </a:p>
+          <a:p>
+            <a:r>
+              <a:rPr lang="en-US" sz="4000" b="1" dirty="0" smtClean="0"/>
+              <a:t>See specials</a:t>
+            </a:r>
+          </a:p>
+          <a:p>
+            <a:r>
+              <a:rPr lang="en-US" sz="4000" b="1" dirty="0" smtClean="0"/>
+              <a:t>Use coupons / codes</a:t>
+            </a:r>
+          </a:p>
+          <a:p>
+            <a:r>
+              <a:rPr lang="en-US" sz="4000" b="1" dirty="0" smtClean="0"/>
+              <a:t>Receive tips</a:t>
+            </a:r>
+          </a:p>
+          <a:p>
+            <a:r>
+              <a:rPr lang="en-US" sz="4000" b="1" dirty="0" smtClean="0"/>
+              <a:t>Take complaints</a:t>
+            </a:r>
           </a:p>
         </p:txBody>
       </p:sp>
     </p:spTree>
     <p:extLst>
       <p:ext uri="{BB962C8B-B14F-4D97-AF65-F5344CB8AC3E}">
-        <p14:creationId xmlns:p14="http://schemas.microsoft.com/office/powerpoint/2010/main" val="2905895394"/>
+        <p14:creationId xmlns:p14="http://schemas.microsoft.com/office/powerpoint/2010/main" val="3983197363"/>
       </p:ext>
     </p:extLst>
   </p:cSld>
@@ -9573,8 +10750,39 @@
         </p:nvSpPr>
         <p:spPr>
           <a:xfrm>
-            <a:off x="228600" y="0"/>
-            <a:ext cx="5943600" cy="1030014"/>
+            <a:off x="304800" y="18393"/>
+            <a:ext cx="6858000" cy="1030014"/>
+          </a:xfrm>
+        </p:spPr>
+        <p:txBody>
+          <a:bodyPr>
+            <a:noAutofit/>
+          </a:bodyPr>
+          <a:lstStyle/>
+          <a:p>
+            <a:pPr algn="l"/>
+            <a:r>
+              <a:rPr lang="en-US" sz="6000" b="1" dirty="0" smtClean="0"/>
+              <a:t>Goals: Kitchen Staff  </a:t>
+            </a:r>
+            <a:endParaRPr lang="en-US" sz="6000" b="1" dirty="0"/>
+          </a:p>
+        </p:txBody>
+      </p:sp>
+      <p:sp>
+        <p:nvSpPr>
+          <p:cNvPr id="3" name="Content Placeholder 2"/>
+          <p:cNvSpPr>
+            <a:spLocks noGrp="1"/>
+          </p:cNvSpPr>
+          <p:nvPr>
+            <p:ph idx="1"/>
+          </p:nvPr>
+        </p:nvSpPr>
+        <p:spPr>
+          <a:xfrm>
+            <a:off x="304800" y="1066800"/>
+            <a:ext cx="8610600" cy="5181600"/>
           </a:xfrm>
         </p:spPr>
         <p:txBody>
@@ -9583,84 +10791,27 @@
           </a:bodyPr>
           <a:lstStyle/>
           <a:p>
-            <a:pPr algn="l"/>
-            <a:r>
-              <a:rPr lang="en-US" sz="6000" b="1" dirty="0" smtClean="0"/>
-              <a:t>Goals:  </a:t>
-            </a:r>
-            <a:r>
-              <a:rPr lang="en-US" sz="6000" b="1" dirty="0" smtClean="0"/>
-              <a:t>Customer</a:t>
-            </a:r>
-            <a:endParaRPr lang="en-US" sz="6000" b="1" dirty="0"/>
-          </a:p>
-        </p:txBody>
-      </p:sp>
-      <p:sp>
-        <p:nvSpPr>
-          <p:cNvPr id="3" name="Content Placeholder 2"/>
-          <p:cNvSpPr>
-            <a:spLocks noGrp="1"/>
-          </p:cNvSpPr>
-          <p:nvPr>
-            <p:ph idx="1"/>
-          </p:nvPr>
-        </p:nvSpPr>
-        <p:spPr>
-          <a:xfrm>
-            <a:off x="152400" y="1143000"/>
-            <a:ext cx="8610600" cy="5181600"/>
-          </a:xfrm>
-        </p:spPr>
-        <p:txBody>
-          <a:bodyPr>
-            <a:normAutofit fontScale="92500" lnSpcReduction="10000"/>
-          </a:bodyPr>
-          <a:lstStyle/>
-          <a:p>
             <a:r>
               <a:rPr lang="en-US" sz="4000" b="1" dirty="0" smtClean="0"/>
-              <a:t>Have </a:t>
-            </a:r>
+              <a:t>View clear and accurate report of queued orders</a:t>
+            </a:r>
+          </a:p>
+          <a:p>
             <a:r>
               <a:rPr lang="en-US" sz="4000" b="1" dirty="0" smtClean="0"/>
-              <a:t>order recorded accurately</a:t>
+              <a:t>View upcoming orders in terms of priority</a:t>
             </a:r>
           </a:p>
           <a:p>
             <a:r>
               <a:rPr lang="en-US" sz="4000" b="1" dirty="0" smtClean="0"/>
-              <a:t>Receive an accurate bill,</a:t>
+              <a:t>Take ownership of orders</a:t>
             </a:r>
           </a:p>
           <a:p>
             <a:r>
               <a:rPr lang="en-US" sz="4000" b="1" dirty="0" smtClean="0"/>
-              <a:t>including any splitting/sharing arrangements</a:t>
-            </a:r>
-          </a:p>
-          <a:p>
-            <a:r>
-              <a:rPr lang="en-US" sz="4000" b="1" dirty="0" smtClean="0"/>
-              <a:t>Pay with a credit card easily and securely</a:t>
-            </a:r>
-          </a:p>
-          <a:p>
-            <a:r>
-              <a:rPr lang="en-US" sz="4000" b="1" dirty="0" smtClean="0"/>
-              <a:t>Use coupons / codes</a:t>
-            </a:r>
-          </a:p>
-          <a:p>
-            <a:r>
-              <a:rPr lang="en-US" sz="4000" b="1" dirty="0" smtClean="0"/>
-              <a:t>Make a reservation</a:t>
-            </a:r>
-          </a:p>
-          <a:p>
-            <a:r>
-              <a:rPr lang="en-US" sz="4000" b="1" dirty="0" smtClean="0"/>
-              <a:t>Lodge a complaint</a:t>
+              <a:t>Mark items as completed</a:t>
             </a:r>
             <a:endParaRPr lang="en-US" sz="4000" b="1" dirty="0"/>
           </a:p>
@@ -9669,7 +10820,7 @@
     </p:spTree>
     <p:extLst>
       <p:ext uri="{BB962C8B-B14F-4D97-AF65-F5344CB8AC3E}">
-        <p14:creationId xmlns:p14="http://schemas.microsoft.com/office/powerpoint/2010/main" val="1036359662"/>
+        <p14:creationId xmlns:p14="http://schemas.microsoft.com/office/powerpoint/2010/main" val="896281299"/>
       </p:ext>
     </p:extLst>
   </p:cSld>

--- a/Project Documents/Group3_Presentation1_Capstone.pptx
+++ b/Project Documents/Group3_Presentation1_Capstone.pptx
@@ -5,37 +5,36 @@
     <p:sldMasterId id="2147483672" r:id="rId1"/>
   </p:sldMasterIdLst>
   <p:sldIdLst>
-    <p:sldId id="256" r:id="rId2"/>
-    <p:sldId id="257" r:id="rId3"/>
-    <p:sldId id="258" r:id="rId4"/>
-    <p:sldId id="259" r:id="rId5"/>
-    <p:sldId id="260" r:id="rId6"/>
-    <p:sldId id="261" r:id="rId7"/>
-    <p:sldId id="262" r:id="rId8"/>
-    <p:sldId id="263" r:id="rId9"/>
-    <p:sldId id="264" r:id="rId10"/>
-    <p:sldId id="265" r:id="rId11"/>
-    <p:sldId id="266" r:id="rId12"/>
-    <p:sldId id="267" r:id="rId13"/>
-    <p:sldId id="268" r:id="rId14"/>
-    <p:sldId id="269" r:id="rId15"/>
-    <p:sldId id="270" r:id="rId16"/>
-    <p:sldId id="285" r:id="rId17"/>
-    <p:sldId id="284" r:id="rId18"/>
-    <p:sldId id="286" r:id="rId19"/>
-    <p:sldId id="283" r:id="rId20"/>
-    <p:sldId id="271" r:id="rId21"/>
-    <p:sldId id="272" r:id="rId22"/>
-    <p:sldId id="273" r:id="rId23"/>
-    <p:sldId id="274" r:id="rId24"/>
-    <p:sldId id="275" r:id="rId25"/>
-    <p:sldId id="276" r:id="rId26"/>
-    <p:sldId id="277" r:id="rId27"/>
-    <p:sldId id="278" r:id="rId28"/>
-    <p:sldId id="279" r:id="rId29"/>
-    <p:sldId id="280" r:id="rId30"/>
-    <p:sldId id="281" r:id="rId31"/>
-    <p:sldId id="282" r:id="rId32"/>
+    <p:sldId id="257" r:id="rId2"/>
+    <p:sldId id="258" r:id="rId3"/>
+    <p:sldId id="259" r:id="rId4"/>
+    <p:sldId id="260" r:id="rId5"/>
+    <p:sldId id="261" r:id="rId6"/>
+    <p:sldId id="262" r:id="rId7"/>
+    <p:sldId id="263" r:id="rId8"/>
+    <p:sldId id="264" r:id="rId9"/>
+    <p:sldId id="265" r:id="rId10"/>
+    <p:sldId id="267" r:id="rId11"/>
+    <p:sldId id="268" r:id="rId12"/>
+    <p:sldId id="266" r:id="rId13"/>
+    <p:sldId id="269" r:id="rId14"/>
+    <p:sldId id="270" r:id="rId15"/>
+    <p:sldId id="285" r:id="rId16"/>
+    <p:sldId id="284" r:id="rId17"/>
+    <p:sldId id="286" r:id="rId18"/>
+    <p:sldId id="283" r:id="rId19"/>
+    <p:sldId id="271" r:id="rId20"/>
+    <p:sldId id="272" r:id="rId21"/>
+    <p:sldId id="273" r:id="rId22"/>
+    <p:sldId id="274" r:id="rId23"/>
+    <p:sldId id="275" r:id="rId24"/>
+    <p:sldId id="276" r:id="rId25"/>
+    <p:sldId id="277" r:id="rId26"/>
+    <p:sldId id="278" r:id="rId27"/>
+    <p:sldId id="279" r:id="rId28"/>
+    <p:sldId id="280" r:id="rId29"/>
+    <p:sldId id="281" r:id="rId30"/>
+    <p:sldId id="282" r:id="rId31"/>
   </p:sldIdLst>
   <p:sldSz cx="9144000" cy="6858000" type="screen4x3"/>
   <p:notesSz cx="6858000" cy="9144000"/>
@@ -134,6 +133,22 @@
       </a:defRPr>
     </a:lvl9pPr>
   </p:defaultTextStyle>
+  <p:extLst>
+    <p:ext uri="{EFAFB233-063F-42B5-8137-9DF3F51BA10A}">
+      <p15:sldGuideLst xmlns:p15="http://schemas.microsoft.com/office/powerpoint/2012/main">
+        <p15:guide id="1" orient="horz" pos="2160">
+          <p15:clr>
+            <a:srgbClr val="A4A3A4"/>
+          </p15:clr>
+        </p15:guide>
+        <p15:guide id="2" pos="2880">
+          <p15:clr>
+            <a:srgbClr val="A4A3A4"/>
+          </p15:clr>
+        </p15:guide>
+      </p15:sldGuideLst>
+    </p:ext>
+  </p:extLst>
 </p:presentation>
 </file>
 
@@ -318,7 +333,7 @@
           <a:p>
             <a:fld id="{9CBAF4B6-CA8D-4A6D-9D13-D160FC327925}" type="datetimeFigureOut">
               <a:rPr lang="en-US" smtClean="0"/>
-              <a:t>5/28/2013</a:t>
+              <a:t>5/29/2013</a:t>
             </a:fld>
             <a:endParaRPr lang="en-US"/>
           </a:p>
@@ -488,7 +503,7 @@
           <a:p>
             <a:fld id="{9CBAF4B6-CA8D-4A6D-9D13-D160FC327925}" type="datetimeFigureOut">
               <a:rPr lang="en-US" smtClean="0"/>
-              <a:t>5/28/2013</a:t>
+              <a:t>5/29/2013</a:t>
             </a:fld>
             <a:endParaRPr lang="en-US"/>
           </a:p>
@@ -668,7 +683,7 @@
           <a:p>
             <a:fld id="{9CBAF4B6-CA8D-4A6D-9D13-D160FC327925}" type="datetimeFigureOut">
               <a:rPr lang="en-US" smtClean="0"/>
-              <a:t>5/28/2013</a:t>
+              <a:t>5/29/2013</a:t>
             </a:fld>
             <a:endParaRPr lang="en-US"/>
           </a:p>
@@ -838,7 +853,7 @@
           <a:p>
             <a:fld id="{9CBAF4B6-CA8D-4A6D-9D13-D160FC327925}" type="datetimeFigureOut">
               <a:rPr lang="en-US" smtClean="0"/>
-              <a:t>5/28/2013</a:t>
+              <a:t>5/29/2013</a:t>
             </a:fld>
             <a:endParaRPr lang="en-US"/>
           </a:p>
@@ -1084,7 +1099,7 @@
           <a:p>
             <a:fld id="{9CBAF4B6-CA8D-4A6D-9D13-D160FC327925}" type="datetimeFigureOut">
               <a:rPr lang="en-US" smtClean="0"/>
-              <a:t>5/28/2013</a:t>
+              <a:t>5/29/2013</a:t>
             </a:fld>
             <a:endParaRPr lang="en-US"/>
           </a:p>
@@ -1372,7 +1387,7 @@
           <a:p>
             <a:fld id="{9CBAF4B6-CA8D-4A6D-9D13-D160FC327925}" type="datetimeFigureOut">
               <a:rPr lang="en-US" smtClean="0"/>
-              <a:t>5/28/2013</a:t>
+              <a:t>5/29/2013</a:t>
             </a:fld>
             <a:endParaRPr lang="en-US"/>
           </a:p>
@@ -1794,7 +1809,7 @@
           <a:p>
             <a:fld id="{9CBAF4B6-CA8D-4A6D-9D13-D160FC327925}" type="datetimeFigureOut">
               <a:rPr lang="en-US" smtClean="0"/>
-              <a:t>5/28/2013</a:t>
+              <a:t>5/29/2013</a:t>
             </a:fld>
             <a:endParaRPr lang="en-US"/>
           </a:p>
@@ -1912,7 +1927,7 @@
           <a:p>
             <a:fld id="{9CBAF4B6-CA8D-4A6D-9D13-D160FC327925}" type="datetimeFigureOut">
               <a:rPr lang="en-US" smtClean="0"/>
-              <a:t>5/28/2013</a:t>
+              <a:t>5/29/2013</a:t>
             </a:fld>
             <a:endParaRPr lang="en-US"/>
           </a:p>
@@ -2007,7 +2022,7 @@
           <a:p>
             <a:fld id="{9CBAF4B6-CA8D-4A6D-9D13-D160FC327925}" type="datetimeFigureOut">
               <a:rPr lang="en-US" smtClean="0"/>
-              <a:t>5/28/2013</a:t>
+              <a:t>5/29/2013</a:t>
             </a:fld>
             <a:endParaRPr lang="en-US"/>
           </a:p>
@@ -2284,7 +2299,7 @@
           <a:p>
             <a:fld id="{9CBAF4B6-CA8D-4A6D-9D13-D160FC327925}" type="datetimeFigureOut">
               <a:rPr lang="en-US" smtClean="0"/>
-              <a:t>5/28/2013</a:t>
+              <a:t>5/29/2013</a:t>
             </a:fld>
             <a:endParaRPr lang="en-US"/>
           </a:p>
@@ -2537,7 +2552,7 @@
           <a:p>
             <a:fld id="{9CBAF4B6-CA8D-4A6D-9D13-D160FC327925}" type="datetimeFigureOut">
               <a:rPr lang="en-US" smtClean="0"/>
-              <a:t>5/28/2013</a:t>
+              <a:t>5/29/2013</a:t>
             </a:fld>
             <a:endParaRPr lang="en-US"/>
           </a:p>
@@ -2759,7 +2774,7 @@
           <a:p>
             <a:fld id="{9CBAF4B6-CA8D-4A6D-9D13-D160FC327925}" type="datetimeFigureOut">
               <a:rPr lang="en-US" smtClean="0"/>
-              <a:t>5/28/2013</a:t>
+              <a:t>5/29/2013</a:t>
             </a:fld>
             <a:endParaRPr lang="en-US"/>
           </a:p>
@@ -3144,10 +3159,46 @@
             <p:ph type="title"/>
           </p:nvPr>
         </p:nvSpPr>
+        <p:spPr/>
+        <p:txBody>
+          <a:bodyPr>
+            <a:normAutofit fontScale="90000"/>
+          </a:bodyPr>
+          <a:lstStyle/>
+          <a:p>
+            <a:r>
+              <a:rPr lang="en-US" sz="6700" b="1" dirty="0" smtClean="0"/>
+              <a:t>Group 3</a:t>
+            </a:r>
+            <a:r>
+              <a:rPr lang="en-US" b="1" dirty="0" smtClean="0"/>
+              <a:t/>
+            </a:r>
+            <a:br>
+              <a:rPr lang="en-US" b="1" dirty="0" smtClean="0"/>
+            </a:br>
+            <a:r>
+              <a:rPr lang="en-US" sz="4900" b="1" dirty="0" smtClean="0"/>
+              <a:t>Capstone Project Presentation 1</a:t>
+            </a:r>
+            <a:endParaRPr lang="en-US" b="1" dirty="0"/>
+          </a:p>
+        </p:txBody>
+      </p:sp>
+      <p:sp>
+        <p:nvSpPr>
+          <p:cNvPr id="3" name="Content Placeholder 2"/>
+          <p:cNvSpPr>
+            <a:spLocks noGrp="1"/>
+          </p:cNvSpPr>
+          <p:nvPr>
+            <p:ph idx="1"/>
+          </p:nvPr>
+        </p:nvSpPr>
         <p:spPr>
           <a:xfrm>
-            <a:off x="457200" y="274638"/>
-            <a:ext cx="5486400" cy="1143000"/>
+            <a:off x="1600200" y="1905000"/>
+            <a:ext cx="7162800" cy="4525963"/>
           </a:xfrm>
         </p:spPr>
         <p:txBody>
@@ -3156,148 +3207,56 @@
           </a:bodyPr>
           <a:lstStyle/>
           <a:p>
-            <a:pPr algn="l"/>
-            <a:r>
-              <a:rPr lang="en-US" sz="6000" b="1" dirty="0" smtClean="0">
-                <a:solidFill>
-                  <a:srgbClr val="C00000"/>
-                </a:solidFill>
-              </a:rPr>
-              <a:t>TO DO</a:t>
-            </a:r>
-            <a:endParaRPr lang="en-US" sz="6000" b="1" dirty="0">
-              <a:solidFill>
-                <a:srgbClr val="C00000"/>
-              </a:solidFill>
-            </a:endParaRPr>
-          </a:p>
-        </p:txBody>
-      </p:sp>
-      <p:sp>
-        <p:nvSpPr>
-          <p:cNvPr id="3" name="Content Placeholder 2"/>
-          <p:cNvSpPr>
-            <a:spLocks noGrp="1"/>
-          </p:cNvSpPr>
-          <p:nvPr>
-            <p:ph idx="1"/>
-          </p:nvPr>
-        </p:nvSpPr>
-        <p:spPr/>
-        <p:txBody>
-          <a:bodyPr>
-            <a:normAutofit fontScale="92500"/>
-          </a:bodyPr>
-          <a:lstStyle/>
-          <a:p>
-            <a:r>
-              <a:rPr lang="en-US" sz="4000" b="1" dirty="0" smtClean="0">
-                <a:solidFill>
-                  <a:srgbClr val="C00000"/>
-                </a:solidFill>
-              </a:rPr>
-              <a:t>Would </a:t>
-            </a:r>
-            <a:r>
-              <a:rPr lang="en-US" sz="4000" b="1" dirty="0">
-                <a:solidFill>
-                  <a:srgbClr val="C00000"/>
-                </a:solidFill>
-              </a:rPr>
-              <a:t>"Tab" or "Bill" be less confusing than "Order" since the term order can also mean the act of requesting an </a:t>
-            </a:r>
-            <a:r>
-              <a:rPr lang="en-US" sz="4000" b="1" dirty="0" smtClean="0">
-                <a:solidFill>
-                  <a:srgbClr val="C00000"/>
-                </a:solidFill>
-              </a:rPr>
-              <a:t>food-item </a:t>
-            </a:r>
-            <a:r>
-              <a:rPr lang="en-US" sz="4000" b="1" dirty="0">
-                <a:solidFill>
-                  <a:srgbClr val="C00000"/>
-                </a:solidFill>
-              </a:rPr>
-              <a:t>and the </a:t>
-            </a:r>
-            <a:r>
-              <a:rPr lang="en-US" sz="4000" b="1" dirty="0" smtClean="0">
-                <a:solidFill>
-                  <a:srgbClr val="C00000"/>
-                </a:solidFill>
-              </a:rPr>
-              <a:t>food-item </a:t>
-            </a:r>
-            <a:r>
-              <a:rPr lang="en-US" sz="4000" b="1" dirty="0">
-                <a:solidFill>
-                  <a:srgbClr val="C00000"/>
-                </a:solidFill>
-              </a:rPr>
-              <a:t>itself?</a:t>
-            </a:r>
-          </a:p>
-          <a:p>
-            <a:r>
-              <a:rPr lang="en-US" sz="4000" b="1" dirty="0">
-                <a:solidFill>
-                  <a:srgbClr val="C00000"/>
-                </a:solidFill>
-              </a:rPr>
-              <a:t>Full use cases in addition to use case </a:t>
-            </a:r>
-            <a:r>
-              <a:rPr lang="en-US" sz="4000" b="1">
-                <a:solidFill>
-                  <a:srgbClr val="C00000"/>
-                </a:solidFill>
-              </a:rPr>
-              <a:t>table</a:t>
-            </a:r>
-            <a:r>
-              <a:rPr lang="en-US" sz="4000" b="1" smtClean="0">
-                <a:solidFill>
-                  <a:srgbClr val="C00000"/>
-                </a:solidFill>
-              </a:rPr>
-              <a:t>?</a:t>
-            </a:r>
-            <a:endParaRPr lang="en-US" sz="4000" b="1" dirty="0">
-              <a:solidFill>
-                <a:srgbClr val="C00000"/>
-              </a:solidFill>
-            </a:endParaRPr>
-          </a:p>
-          <a:p>
-            <a:r>
-              <a:rPr lang="en-US" sz="4000" b="1" dirty="0" smtClean="0">
-                <a:solidFill>
-                  <a:srgbClr val="C00000"/>
-                </a:solidFill>
-              </a:rPr>
-              <a:t>Glossary?</a:t>
-            </a:r>
-            <a:endParaRPr lang="en-US" sz="4000" b="1" dirty="0">
-              <a:solidFill>
-                <a:srgbClr val="C00000"/>
-              </a:solidFill>
-            </a:endParaRPr>
-          </a:p>
-          <a:p>
-            <a:endParaRPr lang="en-US" sz="4000" b="1" dirty="0">
-              <a:solidFill>
-                <a:srgbClr val="C00000"/>
-              </a:solidFill>
-            </a:endParaRPr>
+            <a:r>
+              <a:rPr lang="en-US" sz="4000" b="1" dirty="0"/>
+              <a:t>Fred </a:t>
+            </a:r>
+            <a:r>
+              <a:rPr lang="en-US" sz="4000" b="1" dirty="0" err="1"/>
+              <a:t>Arandi</a:t>
+            </a:r>
+            <a:endParaRPr lang="en-US" sz="4000" b="1" dirty="0"/>
+          </a:p>
+          <a:p>
+            <a:r>
+              <a:rPr lang="en-US" sz="4000" b="1" dirty="0"/>
+              <a:t>Charles </a:t>
+            </a:r>
+            <a:r>
+              <a:rPr lang="en-US" sz="4000" b="1" dirty="0" err="1"/>
+              <a:t>Hafslund</a:t>
+            </a:r>
+            <a:endParaRPr lang="en-US" sz="4000" b="1" dirty="0"/>
+          </a:p>
+          <a:p>
+            <a:r>
+              <a:rPr lang="en-US" sz="4000" b="1" dirty="0"/>
+              <a:t>Terry McCarthy</a:t>
+            </a:r>
+          </a:p>
+          <a:p>
+            <a:r>
+              <a:rPr lang="en-US" sz="4000" b="1" dirty="0"/>
+              <a:t>Othman Smihi</a:t>
+            </a:r>
+          </a:p>
+          <a:p>
+            <a:r>
+              <a:rPr lang="en-US" sz="4000" b="1" dirty="0" smtClean="0"/>
+              <a:t>Mike </a:t>
+            </a:r>
+            <a:r>
+              <a:rPr lang="en-US" sz="4000" b="1" dirty="0" err="1" smtClean="0"/>
+              <a:t>Utenkov</a:t>
+            </a:r>
+            <a:endParaRPr lang="en-US" sz="4000" b="1" dirty="0" smtClean="0"/>
           </a:p>
         </p:txBody>
       </p:sp>
     </p:spTree>
     <p:extLst>
       <p:ext uri="{BB962C8B-B14F-4D97-AF65-F5344CB8AC3E}">
-        <p14:creationId xmlns:p14="http://schemas.microsoft.com/office/powerpoint/2010/main" val="2022097557"/>
+        <p14:creationId xmlns:p14="http://schemas.microsoft.com/office/powerpoint/2010/main" val="3103370237"/>
       </p:ext>
     </p:extLst>
   </p:cSld>
@@ -3343,20 +3302,20 @@
         </p:nvSpPr>
         <p:spPr>
           <a:xfrm>
-            <a:off x="228600" y="0"/>
-            <a:ext cx="5943600" cy="1030014"/>
+            <a:off x="304800" y="0"/>
+            <a:ext cx="5562600" cy="1030014"/>
           </a:xfrm>
         </p:spPr>
         <p:txBody>
           <a:bodyPr>
-            <a:normAutofit/>
+            <a:noAutofit/>
           </a:bodyPr>
           <a:lstStyle/>
           <a:p>
             <a:pPr algn="l"/>
             <a:r>
               <a:rPr lang="en-US" sz="6000" b="1" dirty="0" smtClean="0"/>
-              <a:t>Goals:  Customer</a:t>
+              <a:t>Goals: Hostess</a:t>
             </a:r>
             <a:endParaRPr lang="en-US" sz="6000" b="1" dirty="0"/>
           </a:p>
@@ -3374,55 +3333,55 @@
         </p:nvSpPr>
         <p:spPr>
           <a:xfrm>
-            <a:off x="152400" y="1143000"/>
+            <a:off x="304800" y="1066800"/>
             <a:ext cx="8610600" cy="5181600"/>
           </a:xfrm>
         </p:spPr>
         <p:txBody>
           <a:bodyPr>
-            <a:normAutofit fontScale="92500" lnSpcReduction="10000"/>
+            <a:normAutofit fontScale="92500" lnSpcReduction="20000"/>
           </a:bodyPr>
           <a:lstStyle/>
           <a:p>
             <a:r>
               <a:rPr lang="en-US" sz="4000" b="1" dirty="0" smtClean="0"/>
-              <a:t>Have order recorded accurately</a:t>
+              <a:t>View which tables are open and which are not</a:t>
             </a:r>
           </a:p>
           <a:p>
             <a:r>
               <a:rPr lang="en-US" sz="4000" b="1" dirty="0" smtClean="0"/>
-              <a:t>Receive an accurate bill,</a:t>
+              <a:t>View waiting times for tables</a:t>
             </a:r>
           </a:p>
           <a:p>
             <a:r>
               <a:rPr lang="en-US" sz="4000" b="1" dirty="0" smtClean="0"/>
-              <a:t>including any splitting/sharing arrangements</a:t>
+              <a:t>via check in and check out, average duration</a:t>
             </a:r>
           </a:p>
           <a:p>
             <a:r>
               <a:rPr lang="en-US" sz="4000" b="1" dirty="0" smtClean="0"/>
-              <a:t>Pay with a credit card easily and securely</a:t>
+              <a:t>View which tables may be open soon</a:t>
             </a:r>
           </a:p>
           <a:p>
             <a:r>
               <a:rPr lang="en-US" sz="4000" b="1" dirty="0" smtClean="0"/>
-              <a:t>Use coupons / codes</a:t>
+              <a:t>See table capacities</a:t>
             </a:r>
           </a:p>
           <a:p>
             <a:r>
               <a:rPr lang="en-US" sz="4000" b="1" dirty="0" smtClean="0"/>
-              <a:t>Make a reservation</a:t>
+              <a:t>View table server assignments</a:t>
             </a:r>
           </a:p>
           <a:p>
             <a:r>
               <a:rPr lang="en-US" sz="4000" b="1" dirty="0" smtClean="0"/>
-              <a:t>Lodge a complaint</a:t>
+              <a:t>by zone</a:t>
             </a:r>
             <a:endParaRPr lang="en-US" sz="4000" b="1" dirty="0"/>
           </a:p>
@@ -3431,7 +3390,7 @@
     </p:spTree>
     <p:extLst>
       <p:ext uri="{BB962C8B-B14F-4D97-AF65-F5344CB8AC3E}">
-        <p14:creationId xmlns:p14="http://schemas.microsoft.com/office/powerpoint/2010/main" val="2219990299"/>
+        <p14:creationId xmlns:p14="http://schemas.microsoft.com/office/powerpoint/2010/main" val="4270577504"/>
       </p:ext>
     </p:extLst>
   </p:cSld>
@@ -3477,20 +3436,20 @@
         </p:nvSpPr>
         <p:spPr>
           <a:xfrm>
-            <a:off x="228600" y="0"/>
-            <a:ext cx="5562600" cy="1030014"/>
+            <a:off x="0" y="36786"/>
+            <a:ext cx="4876800" cy="1030014"/>
           </a:xfrm>
         </p:spPr>
         <p:txBody>
           <a:bodyPr>
-            <a:noAutofit/>
+            <a:normAutofit/>
           </a:bodyPr>
           <a:lstStyle/>
           <a:p>
             <a:pPr algn="l"/>
             <a:r>
               <a:rPr lang="en-US" sz="6000" b="1" dirty="0" smtClean="0"/>
-              <a:t>Goals:  Manager</a:t>
+              <a:t>Goals: Busboy </a:t>
             </a:r>
             <a:endParaRPr lang="en-US" sz="6000" b="1" dirty="0"/>
           </a:p>
@@ -3514,44 +3473,25 @@
         </p:spPr>
         <p:txBody>
           <a:bodyPr>
-            <a:normAutofit fontScale="92500"/>
+            <a:normAutofit/>
           </a:bodyPr>
           <a:lstStyle/>
           <a:p>
             <a:r>
               <a:rPr lang="en-US" sz="4000" b="1" dirty="0" smtClean="0"/>
-              <a:t>View aggregated information about sales</a:t>
+              <a:t>Indicate that tables are ready for seating, easily and without error</a:t>
             </a:r>
           </a:p>
           <a:p>
             <a:r>
               <a:rPr lang="en-US" sz="4000" b="1" dirty="0" smtClean="0"/>
-              <a:t>View aggregated information about inventory consumption</a:t>
-            </a:r>
-          </a:p>
-          <a:p>
-            <a:r>
-              <a:rPr lang="en-US" sz="4000" b="1" dirty="0" smtClean="0"/>
-              <a:t>View aggregated information about employee work</a:t>
-            </a:r>
-          </a:p>
-          <a:p>
-            <a:r>
-              <a:rPr lang="en-US" sz="4000" b="1" dirty="0" smtClean="0"/>
-              <a:t>Make adjustments to bill amounts</a:t>
-            </a:r>
-          </a:p>
-          <a:p>
-            <a:r>
-              <a:rPr lang="en-US" sz="4000" b="1" dirty="0" smtClean="0"/>
-              <a:t>View complaints</a:t>
-            </a:r>
-          </a:p>
-          <a:p>
-            <a:r>
-              <a:rPr lang="en-US" sz="4000" b="1" dirty="0" smtClean="0"/>
-              <a:t>Perform all other roles</a:t>
-            </a:r>
+              <a:t>See which tables need to be cleaned (indicated by bill paid)</a:t>
+            </a:r>
+          </a:p>
+          <a:p>
+            <a:pPr marL="0" indent="0">
+              <a:buNone/>
+            </a:pPr>
             <a:endParaRPr lang="en-US" sz="4000" b="1" dirty="0"/>
           </a:p>
         </p:txBody>
@@ -3559,7 +3499,7 @@
     </p:spTree>
     <p:extLst>
       <p:ext uri="{BB962C8B-B14F-4D97-AF65-F5344CB8AC3E}">
-        <p14:creationId xmlns:p14="http://schemas.microsoft.com/office/powerpoint/2010/main" val="3143960085"/>
+        <p14:creationId xmlns:p14="http://schemas.microsoft.com/office/powerpoint/2010/main" val="1451251532"/>
       </p:ext>
     </p:extLst>
   </p:cSld>
@@ -3605,7 +3545,7 @@
         </p:nvSpPr>
         <p:spPr>
           <a:xfrm>
-            <a:off x="304800" y="0"/>
+            <a:off x="228600" y="0"/>
             <a:ext cx="5562600" cy="1030014"/>
           </a:xfrm>
         </p:spPr>
@@ -3618,7 +3558,7 @@
             <a:pPr algn="l"/>
             <a:r>
               <a:rPr lang="en-US" sz="6000" b="1" dirty="0" smtClean="0"/>
-              <a:t>Goals: Hostess</a:t>
+              <a:t>Goals:  Manager</a:t>
             </a:r>
             <a:endParaRPr lang="en-US" sz="6000" b="1" dirty="0"/>
           </a:p>
@@ -3636,55 +3576,49 @@
         </p:nvSpPr>
         <p:spPr>
           <a:xfrm>
-            <a:off x="304800" y="1066800"/>
+            <a:off x="152400" y="1143000"/>
             <a:ext cx="8610600" cy="5181600"/>
           </a:xfrm>
         </p:spPr>
         <p:txBody>
           <a:bodyPr>
-            <a:normAutofit fontScale="92500" lnSpcReduction="20000"/>
+            <a:normAutofit fontScale="92500"/>
           </a:bodyPr>
           <a:lstStyle/>
           <a:p>
             <a:r>
               <a:rPr lang="en-US" sz="4000" b="1" dirty="0" smtClean="0"/>
-              <a:t>View which tables are open and which are not</a:t>
+              <a:t>View aggregated information about sales</a:t>
             </a:r>
           </a:p>
           <a:p>
             <a:r>
               <a:rPr lang="en-US" sz="4000" b="1" dirty="0" smtClean="0"/>
-              <a:t>View waiting times for tables</a:t>
+              <a:t>View aggregated information about inventory consumption</a:t>
             </a:r>
           </a:p>
           <a:p>
             <a:r>
               <a:rPr lang="en-US" sz="4000" b="1" dirty="0" smtClean="0"/>
-              <a:t>via check in and check out, average duration</a:t>
+              <a:t>View aggregated information about employee work</a:t>
             </a:r>
           </a:p>
           <a:p>
             <a:r>
               <a:rPr lang="en-US" sz="4000" b="1" dirty="0" smtClean="0"/>
-              <a:t>View which tables may be open soon</a:t>
+              <a:t>Make adjustments to bill amounts</a:t>
             </a:r>
           </a:p>
           <a:p>
             <a:r>
               <a:rPr lang="en-US" sz="4000" b="1" dirty="0" smtClean="0"/>
-              <a:t>See table capacities</a:t>
+              <a:t>View complaints</a:t>
             </a:r>
           </a:p>
           <a:p>
             <a:r>
               <a:rPr lang="en-US" sz="4000" b="1" dirty="0" smtClean="0"/>
-              <a:t>View table server assignments</a:t>
-            </a:r>
-          </a:p>
-          <a:p>
-            <a:r>
-              <a:rPr lang="en-US" sz="4000" b="1" dirty="0" smtClean="0"/>
-              <a:t>by zone</a:t>
+              <a:t>Perform all other roles</a:t>
             </a:r>
             <a:endParaRPr lang="en-US" sz="4000" b="1" dirty="0"/>
           </a:p>
@@ -3693,7 +3627,7 @@
     </p:spTree>
     <p:extLst>
       <p:ext uri="{BB962C8B-B14F-4D97-AF65-F5344CB8AC3E}">
-        <p14:creationId xmlns:p14="http://schemas.microsoft.com/office/powerpoint/2010/main" val="4270577504"/>
+        <p14:creationId xmlns:p14="http://schemas.microsoft.com/office/powerpoint/2010/main" val="3143960085"/>
       </p:ext>
     </p:extLst>
   </p:cSld>
@@ -3711,115 +3645,6 @@
 </file>
 
 <file path=ppt/slides/slide13.xml><?xml version="1.0" encoding="utf-8"?>
-<p:sld xmlns:a="http://schemas.openxmlformats.org/drawingml/2006/main" xmlns:r="http://schemas.openxmlformats.org/officeDocument/2006/relationships" xmlns:p="http://schemas.openxmlformats.org/presentationml/2006/main">
-  <p:cSld>
-    <p:spTree>
-      <p:nvGrpSpPr>
-        <p:cNvPr id="1" name=""/>
-        <p:cNvGrpSpPr/>
-        <p:nvPr/>
-      </p:nvGrpSpPr>
-      <p:grpSpPr>
-        <a:xfrm>
-          <a:off x="0" y="0"/>
-          <a:ext cx="0" cy="0"/>
-          <a:chOff x="0" y="0"/>
-          <a:chExt cx="0" cy="0"/>
-        </a:xfrm>
-      </p:grpSpPr>
-      <p:sp>
-        <p:nvSpPr>
-          <p:cNvPr id="2" name="Title 1"/>
-          <p:cNvSpPr>
-            <a:spLocks noGrp="1"/>
-          </p:cNvSpPr>
-          <p:nvPr>
-            <p:ph type="title"/>
-          </p:nvPr>
-        </p:nvSpPr>
-        <p:spPr>
-          <a:xfrm>
-            <a:off x="0" y="36786"/>
-            <a:ext cx="4876800" cy="1030014"/>
-          </a:xfrm>
-        </p:spPr>
-        <p:txBody>
-          <a:bodyPr>
-            <a:normAutofit/>
-          </a:bodyPr>
-          <a:lstStyle/>
-          <a:p>
-            <a:pPr algn="l"/>
-            <a:r>
-              <a:rPr lang="en-US" sz="6000" b="1" dirty="0" smtClean="0"/>
-              <a:t>Goals: Busboy </a:t>
-            </a:r>
-            <a:endParaRPr lang="en-US" sz="6000" b="1" dirty="0"/>
-          </a:p>
-        </p:txBody>
-      </p:sp>
-      <p:sp>
-        <p:nvSpPr>
-          <p:cNvPr id="3" name="Content Placeholder 2"/>
-          <p:cNvSpPr>
-            <a:spLocks noGrp="1"/>
-          </p:cNvSpPr>
-          <p:nvPr>
-            <p:ph idx="1"/>
-          </p:nvPr>
-        </p:nvSpPr>
-        <p:spPr>
-          <a:xfrm>
-            <a:off x="152400" y="1143000"/>
-            <a:ext cx="8610600" cy="5181600"/>
-          </a:xfrm>
-        </p:spPr>
-        <p:txBody>
-          <a:bodyPr>
-            <a:normAutofit/>
-          </a:bodyPr>
-          <a:lstStyle/>
-          <a:p>
-            <a:r>
-              <a:rPr lang="en-US" sz="4000" b="1" dirty="0" smtClean="0"/>
-              <a:t>Indicate that tables are ready for seating, easily and without error</a:t>
-            </a:r>
-          </a:p>
-          <a:p>
-            <a:r>
-              <a:rPr lang="en-US" sz="4000" b="1" dirty="0" smtClean="0"/>
-              <a:t>See which tables need to be cleaned (indicated by bill paid)</a:t>
-            </a:r>
-          </a:p>
-          <a:p>
-            <a:pPr marL="0" indent="0">
-              <a:buNone/>
-            </a:pPr>
-            <a:endParaRPr lang="en-US" sz="4000" b="1" dirty="0"/>
-          </a:p>
-        </p:txBody>
-      </p:sp>
-    </p:spTree>
-    <p:extLst>
-      <p:ext uri="{BB962C8B-B14F-4D97-AF65-F5344CB8AC3E}">
-        <p14:creationId xmlns:p14="http://schemas.microsoft.com/office/powerpoint/2010/main" val="1451251532"/>
-      </p:ext>
-    </p:extLst>
-  </p:cSld>
-  <p:clrMapOvr>
-    <a:masterClrMapping/>
-  </p:clrMapOvr>
-  <p:timing>
-    <p:tnLst>
-      <p:par>
-        <p:cTn id="1" dur="indefinite" restart="never" nodeType="tmRoot"/>
-      </p:par>
-    </p:tnLst>
-  </p:timing>
-</p:sld>
-</file>
-
-<file path=ppt/slides/slide14.xml><?xml version="1.0" encoding="utf-8"?>
 <p:sld xmlns:a="http://schemas.openxmlformats.org/drawingml/2006/main" xmlns:r="http://schemas.openxmlformats.org/officeDocument/2006/relationships" xmlns:p="http://schemas.openxmlformats.org/presentationml/2006/main">
   <p:cSld>
     <p:spTree>
@@ -3917,7 +3742,7 @@
 </p:sld>
 </file>
 
-<file path=ppt/slides/slide15.xml><?xml version="1.0" encoding="utf-8"?>
+<file path=ppt/slides/slide14.xml><?xml version="1.0" encoding="utf-8"?>
 <p:sld xmlns:a="http://schemas.openxmlformats.org/drawingml/2006/main" xmlns:r="http://schemas.openxmlformats.org/officeDocument/2006/relationships" xmlns:p="http://schemas.openxmlformats.org/presentationml/2006/main">
   <p:cSld>
     <p:spTree>
@@ -4001,7 +3826,6 @@
               <a:rPr lang="en-US" sz="4000" b="1" dirty="0" smtClean="0"/>
               <a:t>Each role interacts with tables differently.</a:t>
             </a:r>
-            <a:endParaRPr lang="en-US" sz="4000" b="1" dirty="0" smtClean="0"/>
           </a:p>
         </p:txBody>
       </p:sp>
@@ -4055,7 +3879,7 @@
 </p:sld>
 </file>
 
-<file path=ppt/slides/slide16.xml><?xml version="1.0" encoding="utf-8"?>
+<file path=ppt/slides/slide15.xml><?xml version="1.0" encoding="utf-8"?>
 <p:sld xmlns:a="http://schemas.openxmlformats.org/drawingml/2006/main" xmlns:r="http://schemas.openxmlformats.org/officeDocument/2006/relationships" xmlns:p="http://schemas.openxmlformats.org/presentationml/2006/main">
   <p:cSld>
     <p:spTree>
@@ -4312,7 +4136,7 @@
 </p:sld>
 </file>
 
-<file path=ppt/slides/slide17.xml><?xml version="1.0" encoding="utf-8"?>
+<file path=ppt/slides/slide16.xml><?xml version="1.0" encoding="utf-8"?>
 <p:sld xmlns:a="http://schemas.openxmlformats.org/drawingml/2006/main" xmlns:r="http://schemas.openxmlformats.org/officeDocument/2006/relationships" xmlns:p="http://schemas.openxmlformats.org/presentationml/2006/main">
   <p:cSld>
     <p:spTree>
@@ -4389,29 +4213,20 @@
               <a:rPr lang="en-US" sz="4000" b="1" dirty="0" smtClean="0"/>
               <a:t>Kitchen Staff use a touch display that sorts order items in the following manner:</a:t>
             </a:r>
-            <a:endParaRPr lang="en-US" sz="4000" b="1" dirty="0" smtClean="0"/>
           </a:p>
           <a:p>
             <a:pPr lvl="0"/>
             <a:r>
               <a:rPr lang="en-US" sz="4000" b="1" dirty="0" smtClean="0"/>
-              <a:t>Table Orders </a:t>
-            </a:r>
+              <a:t>Table Orders queued in FIFO</a:t>
+            </a:r>
+            <a:endParaRPr lang="en-US" sz="4000" b="1" dirty="0"/>
+          </a:p>
+          <a:p>
+            <a:pPr lvl="0"/>
             <a:r>
               <a:rPr lang="en-US" sz="4000" b="1" dirty="0" smtClean="0"/>
-              <a:t>queued in FIFO</a:t>
-            </a:r>
-            <a:endParaRPr lang="en-US" sz="4000" b="1" dirty="0"/>
-          </a:p>
-          <a:p>
-            <a:pPr lvl="0"/>
-            <a:r>
-              <a:rPr lang="en-US" sz="4000" b="1" dirty="0" smtClean="0"/>
-              <a:t>Order Items </a:t>
-            </a:r>
-            <a:r>
-              <a:rPr lang="en-US" sz="4000" b="1" dirty="0" smtClean="0"/>
-              <a:t>queued </a:t>
+              <a:t>Order Items queued </a:t>
             </a:r>
             <a:r>
               <a:rPr lang="en-US" sz="4000" b="1" dirty="0"/>
@@ -4501,7 +4316,7 @@
 </p:sld>
 </file>
 
-<file path=ppt/slides/slide18.xml><?xml version="1.0" encoding="utf-8"?>
+<file path=ppt/slides/slide17.xml><?xml version="1.0" encoding="utf-8"?>
 <p:sld xmlns:a="http://schemas.openxmlformats.org/drawingml/2006/main" xmlns:r="http://schemas.openxmlformats.org/officeDocument/2006/relationships" xmlns:p="http://schemas.openxmlformats.org/presentationml/2006/main">
   <p:cSld>
     <p:spTree>
@@ -4758,7 +4573,7 @@
 </p:sld>
 </file>
 
-<file path=ppt/slides/slide19.xml><?xml version="1.0" encoding="utf-8"?>
+<file path=ppt/slides/slide18.xml><?xml version="1.0" encoding="utf-8"?>
 <p:sld xmlns:a="http://schemas.openxmlformats.org/drawingml/2006/main" xmlns:r="http://schemas.openxmlformats.org/officeDocument/2006/relationships" xmlns:p="http://schemas.openxmlformats.org/presentationml/2006/main">
   <p:cSld>
     <p:spTree>
@@ -4972,148 +4787,7 @@
 </p:sld>
 </file>
 
-<file path=ppt/slides/slide2.xml><?xml version="1.0" encoding="utf-8"?>
-<p:sld xmlns:a="http://schemas.openxmlformats.org/drawingml/2006/main" xmlns:r="http://schemas.openxmlformats.org/officeDocument/2006/relationships" xmlns:p="http://schemas.openxmlformats.org/presentationml/2006/main">
-  <p:cSld>
-    <p:spTree>
-      <p:nvGrpSpPr>
-        <p:cNvPr id="1" name=""/>
-        <p:cNvGrpSpPr/>
-        <p:nvPr/>
-      </p:nvGrpSpPr>
-      <p:grpSpPr>
-        <a:xfrm>
-          <a:off x="0" y="0"/>
-          <a:ext cx="0" cy="0"/>
-          <a:chOff x="0" y="0"/>
-          <a:chExt cx="0" cy="0"/>
-        </a:xfrm>
-      </p:grpSpPr>
-      <p:sp>
-        <p:nvSpPr>
-          <p:cNvPr id="2" name="Title 1"/>
-          <p:cNvSpPr>
-            <a:spLocks noGrp="1"/>
-          </p:cNvSpPr>
-          <p:nvPr>
-            <p:ph type="title"/>
-          </p:nvPr>
-        </p:nvSpPr>
-        <p:spPr/>
-        <p:txBody>
-          <a:bodyPr>
-            <a:normAutofit fontScale="90000"/>
-          </a:bodyPr>
-          <a:lstStyle/>
-          <a:p>
-            <a:r>
-              <a:rPr lang="en-US" sz="6700" b="1" dirty="0" smtClean="0"/>
-              <a:t>Group 3</a:t>
-            </a:r>
-            <a:r>
-              <a:rPr lang="en-US" b="1" dirty="0" smtClean="0"/>
-              <a:t/>
-            </a:r>
-            <a:br>
-              <a:rPr lang="en-US" b="1" dirty="0" smtClean="0"/>
-            </a:br>
-            <a:r>
-              <a:rPr lang="en-US" sz="4900" b="1" dirty="0" smtClean="0"/>
-              <a:t>Capstone Project Presentation 1</a:t>
-            </a:r>
-            <a:endParaRPr lang="en-US" b="1" dirty="0"/>
-          </a:p>
-        </p:txBody>
-      </p:sp>
-      <p:sp>
-        <p:nvSpPr>
-          <p:cNvPr id="3" name="Content Placeholder 2"/>
-          <p:cNvSpPr>
-            <a:spLocks noGrp="1"/>
-          </p:cNvSpPr>
-          <p:nvPr>
-            <p:ph idx="1"/>
-          </p:nvPr>
-        </p:nvSpPr>
-        <p:spPr>
-          <a:xfrm>
-            <a:off x="1600200" y="1905000"/>
-            <a:ext cx="7162800" cy="4525963"/>
-          </a:xfrm>
-        </p:spPr>
-        <p:txBody>
-          <a:bodyPr>
-            <a:normAutofit/>
-          </a:bodyPr>
-          <a:lstStyle/>
-          <a:p>
-            <a:r>
-              <a:rPr lang="en-US" sz="4000" b="1" dirty="0"/>
-              <a:t>Fred </a:t>
-            </a:r>
-            <a:r>
-              <a:rPr lang="en-US" sz="4000" b="1" dirty="0" err="1"/>
-              <a:t>Arandi</a:t>
-            </a:r>
-            <a:endParaRPr lang="en-US" sz="4000" b="1" dirty="0"/>
-          </a:p>
-          <a:p>
-            <a:r>
-              <a:rPr lang="en-US" sz="4000" b="1" dirty="0"/>
-              <a:t>Charles </a:t>
-            </a:r>
-            <a:r>
-              <a:rPr lang="en-US" sz="4000" b="1" dirty="0" err="1"/>
-              <a:t>Hafslund</a:t>
-            </a:r>
-            <a:endParaRPr lang="en-US" sz="4000" b="1" dirty="0"/>
-          </a:p>
-          <a:p>
-            <a:r>
-              <a:rPr lang="en-US" sz="4000" b="1" dirty="0"/>
-              <a:t>Terry McCarthy</a:t>
-            </a:r>
-          </a:p>
-          <a:p>
-            <a:r>
-              <a:rPr lang="en-US" sz="4000" b="1" dirty="0"/>
-              <a:t>Othman Smihi</a:t>
-            </a:r>
-          </a:p>
-          <a:p>
-            <a:r>
-              <a:rPr lang="en-US" sz="4000" b="1" dirty="0" smtClean="0"/>
-              <a:t>Mike </a:t>
-            </a:r>
-            <a:r>
-              <a:rPr lang="en-US" sz="4000" b="1" dirty="0" err="1" smtClean="0"/>
-              <a:t>Utenkov</a:t>
-            </a:r>
-            <a:endParaRPr lang="en-US" sz="4000" b="1" dirty="0" smtClean="0"/>
-          </a:p>
-        </p:txBody>
-      </p:sp>
-    </p:spTree>
-    <p:extLst>
-      <p:ext uri="{BB962C8B-B14F-4D97-AF65-F5344CB8AC3E}">
-        <p14:creationId xmlns:p14="http://schemas.microsoft.com/office/powerpoint/2010/main" val="3103370237"/>
-      </p:ext>
-    </p:extLst>
-  </p:cSld>
-  <p:clrMapOvr>
-    <a:masterClrMapping/>
-  </p:clrMapOvr>
-  <p:timing>
-    <p:tnLst>
-      <p:par>
-        <p:cTn id="1" dur="indefinite" restart="never" nodeType="tmRoot"/>
-      </p:par>
-    </p:tnLst>
-  </p:timing>
-</p:sld>
-</file>
-
-<file path=ppt/slides/slide20.xml><?xml version="1.0" encoding="utf-8"?>
+<file path=ppt/slides/slide19.xml><?xml version="1.0" encoding="utf-8"?>
 <p:sld xmlns:a="http://schemas.openxmlformats.org/drawingml/2006/main" xmlns:r="http://schemas.openxmlformats.org/officeDocument/2006/relationships" xmlns:p="http://schemas.openxmlformats.org/presentationml/2006/main">
   <p:cSld>
     <p:spTree>
@@ -5287,7 +4961,95 @@
 </p:sld>
 </file>
 
-<file path=ppt/slides/slide21.xml><?xml version="1.0" encoding="utf-8"?>
+<file path=ppt/slides/slide2.xml><?xml version="1.0" encoding="utf-8"?>
+<p:sld xmlns:a="http://schemas.openxmlformats.org/drawingml/2006/main" xmlns:r="http://schemas.openxmlformats.org/officeDocument/2006/relationships" xmlns:p="http://schemas.openxmlformats.org/presentationml/2006/main">
+  <p:cSld>
+    <p:spTree>
+      <p:nvGrpSpPr>
+        <p:cNvPr id="1" name=""/>
+        <p:cNvGrpSpPr/>
+        <p:nvPr/>
+      </p:nvGrpSpPr>
+      <p:grpSpPr>
+        <a:xfrm>
+          <a:off x="0" y="0"/>
+          <a:ext cx="0" cy="0"/>
+          <a:chOff x="0" y="0"/>
+          <a:chExt cx="0" cy="0"/>
+        </a:xfrm>
+      </p:grpSpPr>
+      <p:sp>
+        <p:nvSpPr>
+          <p:cNvPr id="2" name="Title 1"/>
+          <p:cNvSpPr>
+            <a:spLocks noGrp="1"/>
+          </p:cNvSpPr>
+          <p:nvPr>
+            <p:ph type="title"/>
+          </p:nvPr>
+        </p:nvSpPr>
+        <p:spPr/>
+        <p:txBody>
+          <a:bodyPr>
+            <a:normAutofit/>
+          </a:bodyPr>
+          <a:lstStyle/>
+          <a:p>
+            <a:pPr algn="l"/>
+            <a:endParaRPr lang="en-US" sz="6000" b="1" dirty="0"/>
+          </a:p>
+        </p:txBody>
+      </p:sp>
+      <p:pic>
+        <p:nvPicPr>
+          <p:cNvPr id="4" name="Content Placeholder 3"/>
+          <p:cNvPicPr>
+            <a:picLocks noGrp="1" noChangeAspect="1"/>
+          </p:cNvPicPr>
+          <p:nvPr>
+            <p:ph idx="1"/>
+          </p:nvPr>
+        </p:nvPicPr>
+        <p:blipFill>
+          <a:blip r:embed="rId2">
+            <a:extLst>
+              <a:ext uri="{28A0092B-C50C-407E-A947-70E740481C1C}">
+                <a14:useLocalDpi xmlns:a14="http://schemas.microsoft.com/office/drawing/2010/main" val="0"/>
+              </a:ext>
+            </a:extLst>
+          </a:blip>
+          <a:stretch>
+            <a:fillRect/>
+          </a:stretch>
+        </p:blipFill>
+        <p:spPr>
+          <a:xfrm>
+            <a:off x="1066800" y="1185389"/>
+            <a:ext cx="6776933" cy="4453411"/>
+          </a:xfrm>
+        </p:spPr>
+      </p:pic>
+    </p:spTree>
+    <p:extLst>
+      <p:ext uri="{BB962C8B-B14F-4D97-AF65-F5344CB8AC3E}">
+        <p14:creationId xmlns:p14="http://schemas.microsoft.com/office/powerpoint/2010/main" val="965326574"/>
+      </p:ext>
+    </p:extLst>
+  </p:cSld>
+  <p:clrMapOvr>
+    <a:masterClrMapping/>
+  </p:clrMapOvr>
+  <p:timing>
+    <p:tnLst>
+      <p:par>
+        <p:cTn id="1" dur="indefinite" restart="never" nodeType="tmRoot"/>
+      </p:par>
+    </p:tnLst>
+  </p:timing>
+</p:sld>
+</file>
+
+<file path=ppt/slides/slide20.xml><?xml version="1.0" encoding="utf-8"?>
 <p:sld xmlns:a="http://schemas.openxmlformats.org/drawingml/2006/main" xmlns:r="http://schemas.openxmlformats.org/officeDocument/2006/relationships" xmlns:p="http://schemas.openxmlformats.org/presentationml/2006/main">
   <p:cSld>
     <p:spTree>
@@ -5531,6 +5293,174 @@
 </p:sld>
 </file>
 
+<file path=ppt/slides/slide21.xml><?xml version="1.0" encoding="utf-8"?>
+<p:sld xmlns:a="http://schemas.openxmlformats.org/drawingml/2006/main" xmlns:r="http://schemas.openxmlformats.org/officeDocument/2006/relationships" xmlns:p="http://schemas.openxmlformats.org/presentationml/2006/main">
+  <p:cSld>
+    <p:spTree>
+      <p:nvGrpSpPr>
+        <p:cNvPr id="1" name=""/>
+        <p:cNvGrpSpPr/>
+        <p:nvPr/>
+      </p:nvGrpSpPr>
+      <p:grpSpPr>
+        <a:xfrm>
+          <a:off x="0" y="0"/>
+          <a:ext cx="0" cy="0"/>
+          <a:chOff x="0" y="0"/>
+          <a:chExt cx="0" cy="0"/>
+        </a:xfrm>
+      </p:grpSpPr>
+      <p:sp>
+        <p:nvSpPr>
+          <p:cNvPr id="2" name="Title 1"/>
+          <p:cNvSpPr>
+            <a:spLocks noGrp="1"/>
+          </p:cNvSpPr>
+          <p:nvPr>
+            <p:ph type="title"/>
+          </p:nvPr>
+        </p:nvSpPr>
+        <p:spPr>
+          <a:xfrm>
+            <a:off x="76200" y="-76200"/>
+            <a:ext cx="7924800" cy="1143000"/>
+          </a:xfrm>
+        </p:spPr>
+        <p:txBody>
+          <a:bodyPr>
+            <a:normAutofit/>
+          </a:bodyPr>
+          <a:lstStyle/>
+          <a:p>
+            <a:pPr algn="l"/>
+            <a:r>
+              <a:rPr lang="en-US" sz="6000" b="1" dirty="0" smtClean="0">
+                <a:solidFill>
+                  <a:srgbClr val="FF0000"/>
+                </a:solidFill>
+              </a:rPr>
+              <a:t>Main Success Scenario</a:t>
+            </a:r>
+            <a:endParaRPr lang="en-US" sz="6000" b="1" dirty="0">
+              <a:solidFill>
+                <a:srgbClr val="FF0000"/>
+              </a:solidFill>
+            </a:endParaRPr>
+          </a:p>
+        </p:txBody>
+      </p:sp>
+      <p:sp>
+        <p:nvSpPr>
+          <p:cNvPr id="3" name="Content Placeholder 2"/>
+          <p:cNvSpPr>
+            <a:spLocks noGrp="1"/>
+          </p:cNvSpPr>
+          <p:nvPr>
+            <p:ph idx="1"/>
+          </p:nvPr>
+        </p:nvSpPr>
+        <p:spPr>
+          <a:xfrm>
+            <a:off x="228600" y="914400"/>
+            <a:ext cx="8458200" cy="5486400"/>
+          </a:xfrm>
+        </p:spPr>
+        <p:txBody>
+          <a:bodyPr>
+            <a:normAutofit/>
+          </a:bodyPr>
+          <a:lstStyle/>
+          <a:p>
+            <a:r>
+              <a:rPr lang="en-US" sz="4000" b="1" dirty="0" smtClean="0">
+                <a:solidFill>
+                  <a:srgbClr val="FF0000"/>
+                </a:solidFill>
+              </a:rPr>
+              <a:t>People enjoy food and drinks and  possibly order more things.</a:t>
+            </a:r>
+          </a:p>
+          <a:p>
+            <a:r>
+              <a:rPr lang="en-US" sz="4000" b="1" dirty="0">
+                <a:solidFill>
+                  <a:srgbClr val="FF0000"/>
+                </a:solidFill>
+              </a:rPr>
+              <a:t>Meal </a:t>
+            </a:r>
+            <a:r>
+              <a:rPr lang="en-US" sz="4000" b="1" dirty="0" smtClean="0">
+                <a:solidFill>
+                  <a:srgbClr val="FF0000"/>
+                </a:solidFill>
+              </a:rPr>
+              <a:t>completed.</a:t>
+            </a:r>
+          </a:p>
+          <a:p>
+            <a:r>
+              <a:rPr lang="en-US" sz="4000" b="1" dirty="0" smtClean="0">
+                <a:solidFill>
+                  <a:srgbClr val="FF0000"/>
+                </a:solidFill>
+              </a:rPr>
+              <a:t>Bill is totaled and presented.</a:t>
+            </a:r>
+          </a:p>
+          <a:p>
+            <a:r>
+              <a:rPr lang="en-US" sz="4000" b="1" dirty="0" smtClean="0">
+                <a:solidFill>
+                  <a:srgbClr val="FF0000"/>
+                </a:solidFill>
+              </a:rPr>
+              <a:t>Bill and tip can be paid electronically</a:t>
+            </a:r>
+          </a:p>
+          <a:p>
+            <a:r>
+              <a:rPr lang="en-US" sz="4000" b="1" dirty="0" smtClean="0">
+                <a:solidFill>
+                  <a:srgbClr val="FF0000"/>
+                </a:solidFill>
+              </a:rPr>
+              <a:t>Bill is designated </a:t>
+            </a:r>
+            <a:r>
+              <a:rPr lang="en-US" sz="4000" b="1" dirty="0">
+                <a:solidFill>
+                  <a:srgbClr val="FF0000"/>
+                </a:solidFill>
+              </a:rPr>
+              <a:t>“settled”</a:t>
+            </a:r>
+          </a:p>
+          <a:p>
+            <a:endParaRPr lang="en-US" sz="4000" b="1" dirty="0"/>
+          </a:p>
+        </p:txBody>
+      </p:sp>
+    </p:spTree>
+    <p:extLst>
+      <p:ext uri="{BB962C8B-B14F-4D97-AF65-F5344CB8AC3E}">
+        <p14:creationId xmlns:p14="http://schemas.microsoft.com/office/powerpoint/2010/main" val="2001475889"/>
+      </p:ext>
+    </p:extLst>
+  </p:cSld>
+  <p:clrMapOvr>
+    <a:masterClrMapping/>
+  </p:clrMapOvr>
+  <p:timing>
+    <p:tnLst>
+      <p:par>
+        <p:cTn id="1" dur="indefinite" restart="never" nodeType="tmRoot"/>
+      </p:par>
+    </p:tnLst>
+  </p:timing>
+</p:sld>
+</file>
+
 <file path=ppt/slides/slide22.xml><?xml version="1.0" encoding="utf-8"?>
 <p:sld xmlns:a="http://schemas.openxmlformats.org/drawingml/2006/main" xmlns:r="http://schemas.openxmlformats.org/officeDocument/2006/relationships" xmlns:p="http://schemas.openxmlformats.org/presentationml/2006/main">
   <p:cSld>
@@ -5615,25 +5545,17 @@
                   <a:srgbClr val="FF0000"/>
                 </a:solidFill>
               </a:rPr>
-              <a:t>People enjoy food and drinks and  possibly order more things.</a:t>
-            </a:r>
-          </a:p>
-          <a:p>
-            <a:r>
-              <a:rPr lang="en-US" sz="4000" b="1" dirty="0">
-                <a:solidFill>
-                  <a:srgbClr val="FF0000"/>
-                </a:solidFill>
-              </a:rPr>
-              <a:t>Meal </a:t>
-            </a:r>
+              <a:t>People leave.</a:t>
+            </a:r>
+          </a:p>
+          <a:p>
             <a:r>
               <a:rPr lang="en-US" sz="4000" b="1" dirty="0" smtClean="0">
                 <a:solidFill>
                   <a:srgbClr val="FF0000"/>
                 </a:solidFill>
               </a:rPr>
-              <a:t>completed.</a:t>
+              <a:t>Table placed in bus queue</a:t>
             </a:r>
           </a:p>
           <a:p>
@@ -5643,36 +5565,14 @@
                   <a:srgbClr val="FF0000"/>
                 </a:solidFill>
               </a:rPr>
-              <a:t>Bill is totaled and presented.</a:t>
-            </a:r>
-          </a:p>
-          <a:p>
-            <a:r>
-              <a:rPr lang="en-US" sz="4000" b="1" dirty="0" smtClean="0">
-                <a:solidFill>
-                  <a:srgbClr val="FF0000"/>
-                </a:solidFill>
-              </a:rPr>
-              <a:t>Bill and tip can be paid electronically</a:t>
-            </a:r>
-          </a:p>
-          <a:p>
-            <a:r>
-              <a:rPr lang="en-US" sz="4000" b="1" dirty="0" smtClean="0">
-                <a:solidFill>
-                  <a:srgbClr val="FF0000"/>
-                </a:solidFill>
-              </a:rPr>
-              <a:t>Bill is designated </a:t>
-            </a:r>
-            <a:r>
-              <a:rPr lang="en-US" sz="4000" b="1" dirty="0">
-                <a:solidFill>
-                  <a:srgbClr val="FF0000"/>
-                </a:solidFill>
-              </a:rPr>
-              <a:t>“settled”</a:t>
-            </a:r>
+              <a:t>Table is cleaned, removed from bus queue, and marked as available </a:t>
+            </a:r>
+          </a:p>
+          <a:p>
+            <a:pPr marL="0" indent="0">
+              <a:buNone/>
+            </a:pPr>
+            <a:endParaRPr lang="en-US" sz="4000" b="1" dirty="0" smtClean="0"/>
           </a:p>
           <a:p>
             <a:endParaRPr lang="en-US" sz="4000" b="1" dirty="0"/>
@@ -5682,7 +5582,7 @@
     </p:spTree>
     <p:extLst>
       <p:ext uri="{BB962C8B-B14F-4D97-AF65-F5344CB8AC3E}">
-        <p14:creationId xmlns:p14="http://schemas.microsoft.com/office/powerpoint/2010/main" val="2001475889"/>
+        <p14:creationId xmlns:p14="http://schemas.microsoft.com/office/powerpoint/2010/main" val="2977566684"/>
       </p:ext>
     </p:extLst>
   </p:cSld>
@@ -5716,6 +5616,2177 @@
           <a:chExt cx="0" cy="0"/>
         </a:xfrm>
       </p:grpSpPr>
+      <p:graphicFrame>
+        <p:nvGraphicFramePr>
+          <p:cNvPr id="4" name="Content Placeholder 3"/>
+          <p:cNvGraphicFramePr>
+            <a:graphicFrameLocks noGrp="1"/>
+          </p:cNvGraphicFramePr>
+          <p:nvPr>
+            <p:ph idx="1"/>
+            <p:extLst>
+              <p:ext uri="{D42A27DB-BD31-4B8C-83A1-F6EECF244321}">
+                <p14:modId xmlns:p14="http://schemas.microsoft.com/office/powerpoint/2010/main" val="2978832265"/>
+              </p:ext>
+            </p:extLst>
+          </p:nvPr>
+        </p:nvGraphicFramePr>
+        <p:xfrm>
+          <a:off x="0" y="838200"/>
+          <a:ext cx="9067800" cy="5898664"/>
+        </p:xfrm>
+        <a:graphic>
+          <a:graphicData uri="http://schemas.openxmlformats.org/drawingml/2006/table">
+            <a:tbl>
+              <a:tblPr firstRow="1" firstCol="1" bandRow="1">
+                <a:tableStyleId>{5DA37D80-6434-44D0-A028-1B22A696006F}</a:tableStyleId>
+              </a:tblPr>
+              <a:tblGrid>
+                <a:gridCol w="457200"/>
+                <a:gridCol w="2209800"/>
+                <a:gridCol w="914400"/>
+                <a:gridCol w="2590800"/>
+                <a:gridCol w="1752600"/>
+                <a:gridCol w="1143000"/>
+              </a:tblGrid>
+              <a:tr h="389363">
+                <a:tc>
+                  <a:txBody>
+                    <a:bodyPr/>
+                    <a:lstStyle/>
+                    <a:p>
+                      <a:pPr marL="0" marR="0" algn="ctr">
+                        <a:lnSpc>
+                          <a:spcPct val="115000"/>
+                        </a:lnSpc>
+                        <a:spcBef>
+                          <a:spcPts val="0"/>
+                        </a:spcBef>
+                        <a:spcAft>
+                          <a:spcPts val="0"/>
+                        </a:spcAft>
+                      </a:pPr>
+                      <a:r>
+                        <a:rPr lang="en-US" sz="2400" dirty="0">
+                          <a:effectLst/>
+                        </a:rPr>
+                        <a:t>ID</a:t>
+                      </a:r>
+                      <a:endParaRPr lang="en-US" sz="3600" dirty="0">
+                        <a:effectLst/>
+                        <a:latin typeface="Calibri"/>
+                        <a:ea typeface="Calibri"/>
+                        <a:cs typeface="Times New Roman"/>
+                      </a:endParaRPr>
+                    </a:p>
+                  </a:txBody>
+                  <a:tcPr marL="68580" marR="68580" marT="0" marB="0" anchor="b"/>
+                </a:tc>
+                <a:tc>
+                  <a:txBody>
+                    <a:bodyPr/>
+                    <a:lstStyle/>
+                    <a:p>
+                      <a:pPr marL="0" marR="0" algn="ctr">
+                        <a:lnSpc>
+                          <a:spcPct val="115000"/>
+                        </a:lnSpc>
+                        <a:spcBef>
+                          <a:spcPts val="0"/>
+                        </a:spcBef>
+                        <a:spcAft>
+                          <a:spcPts val="0"/>
+                        </a:spcAft>
+                      </a:pPr>
+                      <a:r>
+                        <a:rPr lang="en-US" sz="2400" dirty="0">
+                          <a:effectLst/>
+                        </a:rPr>
+                        <a:t>Name </a:t>
+                      </a:r>
+                      <a:endParaRPr lang="en-US" sz="3600" dirty="0">
+                        <a:effectLst/>
+                        <a:latin typeface="Calibri"/>
+                        <a:ea typeface="Calibri"/>
+                        <a:cs typeface="Times New Roman"/>
+                      </a:endParaRPr>
+                    </a:p>
+                  </a:txBody>
+                  <a:tcPr marL="68580" marR="68580" marT="0" marB="0" anchor="b"/>
+                </a:tc>
+                <a:tc>
+                  <a:txBody>
+                    <a:bodyPr/>
+                    <a:lstStyle/>
+                    <a:p>
+                      <a:pPr marL="0" marR="0" algn="ctr">
+                        <a:lnSpc>
+                          <a:spcPct val="115000"/>
+                        </a:lnSpc>
+                        <a:spcBef>
+                          <a:spcPts val="0"/>
+                        </a:spcBef>
+                        <a:spcAft>
+                          <a:spcPts val="0"/>
+                        </a:spcAft>
+                      </a:pPr>
+                      <a:r>
+                        <a:rPr lang="en-US" sz="2400">
+                          <a:effectLst/>
+                        </a:rPr>
+                        <a:t>Scope</a:t>
+                      </a:r>
+                      <a:endParaRPr lang="en-US" sz="3600">
+                        <a:effectLst/>
+                        <a:latin typeface="Calibri"/>
+                        <a:ea typeface="Calibri"/>
+                        <a:cs typeface="Times New Roman"/>
+                      </a:endParaRPr>
+                    </a:p>
+                  </a:txBody>
+                  <a:tcPr marL="68580" marR="68580" marT="0" marB="0" anchor="b"/>
+                </a:tc>
+                <a:tc>
+                  <a:txBody>
+                    <a:bodyPr/>
+                    <a:lstStyle/>
+                    <a:p>
+                      <a:pPr marL="0" marR="0" algn="ctr">
+                        <a:lnSpc>
+                          <a:spcPct val="115000"/>
+                        </a:lnSpc>
+                        <a:spcBef>
+                          <a:spcPts val="0"/>
+                        </a:spcBef>
+                        <a:spcAft>
+                          <a:spcPts val="0"/>
+                        </a:spcAft>
+                      </a:pPr>
+                      <a:r>
+                        <a:rPr lang="en-US" sz="2400" dirty="0">
+                          <a:effectLst/>
+                        </a:rPr>
+                        <a:t>Primary Actor</a:t>
+                      </a:r>
+                      <a:endParaRPr lang="en-US" sz="3600" dirty="0">
+                        <a:effectLst/>
+                        <a:latin typeface="Calibri"/>
+                        <a:ea typeface="Calibri"/>
+                        <a:cs typeface="Times New Roman"/>
+                      </a:endParaRPr>
+                    </a:p>
+                  </a:txBody>
+                  <a:tcPr marL="68580" marR="68580" marT="0" marB="0" anchor="b"/>
+                </a:tc>
+                <a:tc>
+                  <a:txBody>
+                    <a:bodyPr/>
+                    <a:lstStyle/>
+                    <a:p>
+                      <a:pPr marL="0" marR="0" algn="ctr">
+                        <a:lnSpc>
+                          <a:spcPct val="115000"/>
+                        </a:lnSpc>
+                        <a:spcBef>
+                          <a:spcPts val="0"/>
+                        </a:spcBef>
+                        <a:spcAft>
+                          <a:spcPts val="0"/>
+                        </a:spcAft>
+                      </a:pPr>
+                      <a:r>
+                        <a:rPr lang="en-US" sz="2400" dirty="0" err="1" smtClean="0">
+                          <a:effectLst/>
+                        </a:rPr>
+                        <a:t>Compelxity</a:t>
+                      </a:r>
+                      <a:endParaRPr lang="en-US" sz="3600" dirty="0">
+                        <a:effectLst/>
+                        <a:latin typeface="Calibri"/>
+                        <a:ea typeface="Calibri"/>
+                        <a:cs typeface="Times New Roman"/>
+                      </a:endParaRPr>
+                    </a:p>
+                  </a:txBody>
+                  <a:tcPr marL="68580" marR="68580" marT="0" marB="0" anchor="b"/>
+                </a:tc>
+                <a:tc>
+                  <a:txBody>
+                    <a:bodyPr/>
+                    <a:lstStyle/>
+                    <a:p>
+                      <a:pPr marL="0" marR="0" algn="ctr">
+                        <a:lnSpc>
+                          <a:spcPct val="115000"/>
+                        </a:lnSpc>
+                        <a:spcBef>
+                          <a:spcPts val="0"/>
+                        </a:spcBef>
+                        <a:spcAft>
+                          <a:spcPts val="0"/>
+                        </a:spcAft>
+                      </a:pPr>
+                      <a:r>
+                        <a:rPr lang="en-US" sz="2400" dirty="0">
+                          <a:effectLst/>
+                        </a:rPr>
+                        <a:t>Priority</a:t>
+                      </a:r>
+                      <a:endParaRPr lang="en-US" sz="3600" dirty="0">
+                        <a:effectLst/>
+                        <a:latin typeface="Calibri"/>
+                        <a:ea typeface="Calibri"/>
+                        <a:cs typeface="Times New Roman"/>
+                      </a:endParaRPr>
+                    </a:p>
+                  </a:txBody>
+                  <a:tcPr marL="68580" marR="68580" marT="0" marB="0" anchor="b"/>
+                </a:tc>
+              </a:tr>
+              <a:tr h="547804">
+                <a:tc>
+                  <a:txBody>
+                    <a:bodyPr/>
+                    <a:lstStyle/>
+                    <a:p>
+                      <a:pPr marL="0" marR="0" algn="ctr">
+                        <a:lnSpc>
+                          <a:spcPct val="115000"/>
+                        </a:lnSpc>
+                        <a:spcBef>
+                          <a:spcPts val="0"/>
+                        </a:spcBef>
+                        <a:spcAft>
+                          <a:spcPts val="0"/>
+                        </a:spcAft>
+                      </a:pPr>
+                      <a:r>
+                        <a:rPr lang="en-US" sz="2400" dirty="0">
+                          <a:effectLst/>
+                        </a:rPr>
+                        <a:t>1</a:t>
+                      </a:r>
+                      <a:endParaRPr lang="en-US" sz="3600" dirty="0">
+                        <a:effectLst/>
+                        <a:latin typeface="Calibri"/>
+                        <a:ea typeface="Calibri"/>
+                        <a:cs typeface="Times New Roman"/>
+                      </a:endParaRPr>
+                    </a:p>
+                  </a:txBody>
+                  <a:tcPr marL="68580" marR="68580" marT="0" marB="0" anchor="b"/>
+                </a:tc>
+                <a:tc>
+                  <a:txBody>
+                    <a:bodyPr/>
+                    <a:lstStyle/>
+                    <a:p>
+                      <a:pPr marL="0" marR="0" algn="ctr">
+                        <a:lnSpc>
+                          <a:spcPct val="115000"/>
+                        </a:lnSpc>
+                        <a:spcBef>
+                          <a:spcPts val="0"/>
+                        </a:spcBef>
+                        <a:spcAft>
+                          <a:spcPts val="0"/>
+                        </a:spcAft>
+                      </a:pPr>
+                      <a:r>
+                        <a:rPr lang="en-US" sz="2400" dirty="0">
+                          <a:effectLst/>
+                        </a:rPr>
+                        <a:t>Menu view</a:t>
+                      </a:r>
+                      <a:endParaRPr lang="en-US" sz="3600" dirty="0">
+                        <a:effectLst/>
+                        <a:latin typeface="Calibri"/>
+                        <a:ea typeface="Calibri"/>
+                        <a:cs typeface="Times New Roman"/>
+                      </a:endParaRPr>
+                    </a:p>
+                  </a:txBody>
+                  <a:tcPr marL="68580" marR="68580" marT="0" marB="0" anchor="b"/>
+                </a:tc>
+                <a:tc>
+                  <a:txBody>
+                    <a:bodyPr/>
+                    <a:lstStyle/>
+                    <a:p>
+                      <a:pPr marL="0" marR="0" algn="ctr">
+                        <a:lnSpc>
+                          <a:spcPct val="115000"/>
+                        </a:lnSpc>
+                        <a:spcBef>
+                          <a:spcPts val="0"/>
+                        </a:spcBef>
+                        <a:spcAft>
+                          <a:spcPts val="0"/>
+                        </a:spcAft>
+                      </a:pPr>
+                      <a:r>
+                        <a:rPr lang="en-US" sz="2400">
+                          <a:effectLst/>
+                        </a:rPr>
+                        <a:t>In</a:t>
+                      </a:r>
+                      <a:endParaRPr lang="en-US" sz="3600">
+                        <a:effectLst/>
+                        <a:latin typeface="Calibri"/>
+                        <a:ea typeface="Calibri"/>
+                        <a:cs typeface="Times New Roman"/>
+                      </a:endParaRPr>
+                    </a:p>
+                  </a:txBody>
+                  <a:tcPr marL="68580" marR="68580" marT="0" marB="0" anchor="b"/>
+                </a:tc>
+                <a:tc>
+                  <a:txBody>
+                    <a:bodyPr/>
+                    <a:lstStyle/>
+                    <a:p>
+                      <a:pPr marL="0" marR="0" algn="ctr">
+                        <a:lnSpc>
+                          <a:spcPct val="115000"/>
+                        </a:lnSpc>
+                        <a:spcBef>
+                          <a:spcPts val="0"/>
+                        </a:spcBef>
+                        <a:spcAft>
+                          <a:spcPts val="0"/>
+                        </a:spcAft>
+                      </a:pPr>
+                      <a:r>
+                        <a:rPr lang="en-US" sz="2400" dirty="0">
+                          <a:effectLst/>
+                        </a:rPr>
+                        <a:t>Anyone</a:t>
+                      </a:r>
+                      <a:endParaRPr lang="en-US" sz="3600" dirty="0">
+                        <a:effectLst/>
+                        <a:latin typeface="Calibri"/>
+                        <a:ea typeface="Calibri"/>
+                        <a:cs typeface="Times New Roman"/>
+                      </a:endParaRPr>
+                    </a:p>
+                  </a:txBody>
+                  <a:tcPr marL="68580" marR="68580" marT="0" marB="0" anchor="b"/>
+                </a:tc>
+                <a:tc>
+                  <a:txBody>
+                    <a:bodyPr/>
+                    <a:lstStyle/>
+                    <a:p>
+                      <a:pPr marL="0" marR="0" algn="ctr">
+                        <a:lnSpc>
+                          <a:spcPct val="115000"/>
+                        </a:lnSpc>
+                        <a:spcBef>
+                          <a:spcPts val="0"/>
+                        </a:spcBef>
+                        <a:spcAft>
+                          <a:spcPts val="0"/>
+                        </a:spcAft>
+                      </a:pPr>
+                      <a:r>
+                        <a:rPr lang="en-US" sz="2400">
+                          <a:effectLst/>
+                        </a:rPr>
+                        <a:t>Low</a:t>
+                      </a:r>
+                      <a:endParaRPr lang="en-US" sz="3600">
+                        <a:effectLst/>
+                        <a:latin typeface="Calibri"/>
+                        <a:ea typeface="Calibri"/>
+                        <a:cs typeface="Times New Roman"/>
+                      </a:endParaRPr>
+                    </a:p>
+                  </a:txBody>
+                  <a:tcPr marL="68580" marR="68580" marT="0" marB="0" anchor="b"/>
+                </a:tc>
+                <a:tc>
+                  <a:txBody>
+                    <a:bodyPr/>
+                    <a:lstStyle/>
+                    <a:p>
+                      <a:pPr marL="0" marR="0" algn="ctr">
+                        <a:lnSpc>
+                          <a:spcPct val="115000"/>
+                        </a:lnSpc>
+                        <a:spcBef>
+                          <a:spcPts val="0"/>
+                        </a:spcBef>
+                        <a:spcAft>
+                          <a:spcPts val="0"/>
+                        </a:spcAft>
+                      </a:pPr>
+                      <a:r>
+                        <a:rPr lang="en-US" sz="2400">
+                          <a:effectLst/>
+                        </a:rPr>
+                        <a:t>1</a:t>
+                      </a:r>
+                      <a:endParaRPr lang="en-US" sz="3600">
+                        <a:effectLst/>
+                        <a:latin typeface="Calibri"/>
+                        <a:ea typeface="Calibri"/>
+                        <a:cs typeface="Times New Roman"/>
+                      </a:endParaRPr>
+                    </a:p>
+                  </a:txBody>
+                  <a:tcPr marL="68580" marR="68580" marT="0" marB="0" anchor="b"/>
+                </a:tc>
+              </a:tr>
+              <a:tr h="547804">
+                <a:tc>
+                  <a:txBody>
+                    <a:bodyPr/>
+                    <a:lstStyle/>
+                    <a:p>
+                      <a:pPr marL="0" marR="0" algn="ctr">
+                        <a:lnSpc>
+                          <a:spcPct val="115000"/>
+                        </a:lnSpc>
+                        <a:spcBef>
+                          <a:spcPts val="0"/>
+                        </a:spcBef>
+                        <a:spcAft>
+                          <a:spcPts val="0"/>
+                        </a:spcAft>
+                      </a:pPr>
+                      <a:r>
+                        <a:rPr lang="en-US" sz="2400">
+                          <a:effectLst/>
+                        </a:rPr>
+                        <a:t>2</a:t>
+                      </a:r>
+                      <a:endParaRPr lang="en-US" sz="3600">
+                        <a:effectLst/>
+                        <a:latin typeface="Calibri"/>
+                        <a:ea typeface="Calibri"/>
+                        <a:cs typeface="Times New Roman"/>
+                      </a:endParaRPr>
+                    </a:p>
+                  </a:txBody>
+                  <a:tcPr marL="68580" marR="68580" marT="0" marB="0" anchor="b"/>
+                </a:tc>
+                <a:tc>
+                  <a:txBody>
+                    <a:bodyPr/>
+                    <a:lstStyle/>
+                    <a:p>
+                      <a:pPr marL="0" marR="0" algn="ctr">
+                        <a:lnSpc>
+                          <a:spcPct val="115000"/>
+                        </a:lnSpc>
+                        <a:spcBef>
+                          <a:spcPts val="0"/>
+                        </a:spcBef>
+                        <a:spcAft>
+                          <a:spcPts val="0"/>
+                        </a:spcAft>
+                      </a:pPr>
+                      <a:r>
+                        <a:rPr lang="en-US" sz="2400" dirty="0" smtClean="0">
+                          <a:effectLst/>
+                        </a:rPr>
+                        <a:t>Place Order</a:t>
+                      </a:r>
+                      <a:endParaRPr lang="en-US" sz="3600" dirty="0">
+                        <a:effectLst/>
+                        <a:latin typeface="Calibri"/>
+                        <a:ea typeface="Calibri"/>
+                        <a:cs typeface="Times New Roman"/>
+                      </a:endParaRPr>
+                    </a:p>
+                  </a:txBody>
+                  <a:tcPr marL="68580" marR="68580" marT="0" marB="0" anchor="b"/>
+                </a:tc>
+                <a:tc>
+                  <a:txBody>
+                    <a:bodyPr/>
+                    <a:lstStyle/>
+                    <a:p>
+                      <a:pPr marL="0" marR="0" algn="ctr">
+                        <a:lnSpc>
+                          <a:spcPct val="115000"/>
+                        </a:lnSpc>
+                        <a:spcBef>
+                          <a:spcPts val="0"/>
+                        </a:spcBef>
+                        <a:spcAft>
+                          <a:spcPts val="0"/>
+                        </a:spcAft>
+                      </a:pPr>
+                      <a:r>
+                        <a:rPr lang="en-US" sz="2400">
+                          <a:effectLst/>
+                        </a:rPr>
+                        <a:t>In</a:t>
+                      </a:r>
+                      <a:endParaRPr lang="en-US" sz="3600">
+                        <a:effectLst/>
+                        <a:latin typeface="Calibri"/>
+                        <a:ea typeface="Calibri"/>
+                        <a:cs typeface="Times New Roman"/>
+                      </a:endParaRPr>
+                    </a:p>
+                  </a:txBody>
+                  <a:tcPr marL="68580" marR="68580" marT="0" marB="0" anchor="b"/>
+                </a:tc>
+                <a:tc>
+                  <a:txBody>
+                    <a:bodyPr/>
+                    <a:lstStyle/>
+                    <a:p>
+                      <a:pPr marL="0" marR="0" algn="ctr">
+                        <a:lnSpc>
+                          <a:spcPct val="115000"/>
+                        </a:lnSpc>
+                        <a:spcBef>
+                          <a:spcPts val="0"/>
+                        </a:spcBef>
+                        <a:spcAft>
+                          <a:spcPts val="0"/>
+                        </a:spcAft>
+                      </a:pPr>
+                      <a:r>
+                        <a:rPr lang="en-US" sz="2400">
+                          <a:effectLst/>
+                        </a:rPr>
+                        <a:t>Customer</a:t>
+                      </a:r>
+                      <a:endParaRPr lang="en-US" sz="3600">
+                        <a:effectLst/>
+                        <a:latin typeface="Calibri"/>
+                        <a:ea typeface="Calibri"/>
+                        <a:cs typeface="Times New Roman"/>
+                      </a:endParaRPr>
+                    </a:p>
+                  </a:txBody>
+                  <a:tcPr marL="68580" marR="68580" marT="0" marB="0" anchor="b"/>
+                </a:tc>
+                <a:tc>
+                  <a:txBody>
+                    <a:bodyPr/>
+                    <a:lstStyle/>
+                    <a:p>
+                      <a:pPr marL="0" marR="0" algn="ctr">
+                        <a:lnSpc>
+                          <a:spcPct val="115000"/>
+                        </a:lnSpc>
+                        <a:spcBef>
+                          <a:spcPts val="0"/>
+                        </a:spcBef>
+                        <a:spcAft>
+                          <a:spcPts val="0"/>
+                        </a:spcAft>
+                      </a:pPr>
+                      <a:r>
+                        <a:rPr lang="en-US" sz="2400">
+                          <a:effectLst/>
+                        </a:rPr>
+                        <a:t>Low</a:t>
+                      </a:r>
+                      <a:endParaRPr lang="en-US" sz="3600">
+                        <a:effectLst/>
+                        <a:latin typeface="Calibri"/>
+                        <a:ea typeface="Calibri"/>
+                        <a:cs typeface="Times New Roman"/>
+                      </a:endParaRPr>
+                    </a:p>
+                  </a:txBody>
+                  <a:tcPr marL="68580" marR="68580" marT="0" marB="0" anchor="b"/>
+                </a:tc>
+                <a:tc>
+                  <a:txBody>
+                    <a:bodyPr/>
+                    <a:lstStyle/>
+                    <a:p>
+                      <a:pPr marL="0" marR="0" algn="ctr">
+                        <a:lnSpc>
+                          <a:spcPct val="115000"/>
+                        </a:lnSpc>
+                        <a:spcBef>
+                          <a:spcPts val="0"/>
+                        </a:spcBef>
+                        <a:spcAft>
+                          <a:spcPts val="0"/>
+                        </a:spcAft>
+                      </a:pPr>
+                      <a:r>
+                        <a:rPr lang="en-US" sz="2400">
+                          <a:effectLst/>
+                        </a:rPr>
+                        <a:t>1</a:t>
+                      </a:r>
+                      <a:endParaRPr lang="en-US" sz="3600">
+                        <a:effectLst/>
+                        <a:latin typeface="Calibri"/>
+                        <a:ea typeface="Calibri"/>
+                        <a:cs typeface="Times New Roman"/>
+                      </a:endParaRPr>
+                    </a:p>
+                  </a:txBody>
+                  <a:tcPr marL="68580" marR="68580" marT="0" marB="0" anchor="b"/>
+                </a:tc>
+              </a:tr>
+              <a:tr h="547804">
+                <a:tc>
+                  <a:txBody>
+                    <a:bodyPr/>
+                    <a:lstStyle/>
+                    <a:p>
+                      <a:pPr marL="0" marR="0" algn="ctr">
+                        <a:lnSpc>
+                          <a:spcPct val="115000"/>
+                        </a:lnSpc>
+                        <a:spcBef>
+                          <a:spcPts val="0"/>
+                        </a:spcBef>
+                        <a:spcAft>
+                          <a:spcPts val="0"/>
+                        </a:spcAft>
+                      </a:pPr>
+                      <a:r>
+                        <a:rPr lang="en-US" sz="2400">
+                          <a:effectLst/>
+                        </a:rPr>
+                        <a:t>3</a:t>
+                      </a:r>
+                      <a:endParaRPr lang="en-US" sz="3600">
+                        <a:effectLst/>
+                        <a:latin typeface="Calibri"/>
+                        <a:ea typeface="Calibri"/>
+                        <a:cs typeface="Times New Roman"/>
+                      </a:endParaRPr>
+                    </a:p>
+                  </a:txBody>
+                  <a:tcPr marL="68580" marR="68580" marT="0" marB="0" anchor="b"/>
+                </a:tc>
+                <a:tc>
+                  <a:txBody>
+                    <a:bodyPr/>
+                    <a:lstStyle/>
+                    <a:p>
+                      <a:pPr marL="0" marR="0" algn="ctr">
+                        <a:lnSpc>
+                          <a:spcPct val="115000"/>
+                        </a:lnSpc>
+                        <a:spcBef>
+                          <a:spcPts val="0"/>
+                        </a:spcBef>
+                        <a:spcAft>
+                          <a:spcPts val="0"/>
+                        </a:spcAft>
+                      </a:pPr>
+                      <a:r>
+                        <a:rPr lang="en-US" sz="2400" dirty="0" smtClean="0">
+                          <a:effectLst/>
+                        </a:rPr>
+                        <a:t>Deliver Order</a:t>
+                      </a:r>
+                      <a:endParaRPr lang="en-US" sz="3600" dirty="0">
+                        <a:effectLst/>
+                        <a:latin typeface="Calibri"/>
+                        <a:ea typeface="Calibri"/>
+                        <a:cs typeface="Times New Roman"/>
+                      </a:endParaRPr>
+                    </a:p>
+                  </a:txBody>
+                  <a:tcPr marL="68580" marR="68580" marT="0" marB="0" anchor="b"/>
+                </a:tc>
+                <a:tc>
+                  <a:txBody>
+                    <a:bodyPr/>
+                    <a:lstStyle/>
+                    <a:p>
+                      <a:pPr marL="0" marR="0" algn="ctr">
+                        <a:lnSpc>
+                          <a:spcPct val="115000"/>
+                        </a:lnSpc>
+                        <a:spcBef>
+                          <a:spcPts val="0"/>
+                        </a:spcBef>
+                        <a:spcAft>
+                          <a:spcPts val="0"/>
+                        </a:spcAft>
+                      </a:pPr>
+                      <a:r>
+                        <a:rPr lang="en-US" sz="2400" dirty="0">
+                          <a:effectLst/>
+                        </a:rPr>
+                        <a:t>In</a:t>
+                      </a:r>
+                      <a:endParaRPr lang="en-US" sz="3600" dirty="0">
+                        <a:effectLst/>
+                        <a:latin typeface="Calibri"/>
+                        <a:ea typeface="Calibri"/>
+                        <a:cs typeface="Times New Roman"/>
+                      </a:endParaRPr>
+                    </a:p>
+                  </a:txBody>
+                  <a:tcPr marL="68580" marR="68580" marT="0" marB="0" anchor="b"/>
+                </a:tc>
+                <a:tc>
+                  <a:txBody>
+                    <a:bodyPr/>
+                    <a:lstStyle/>
+                    <a:p>
+                      <a:pPr marL="0" marR="0" algn="ctr">
+                        <a:lnSpc>
+                          <a:spcPct val="115000"/>
+                        </a:lnSpc>
+                        <a:spcBef>
+                          <a:spcPts val="0"/>
+                        </a:spcBef>
+                        <a:spcAft>
+                          <a:spcPts val="0"/>
+                        </a:spcAft>
+                      </a:pPr>
+                      <a:r>
+                        <a:rPr lang="en-US" sz="2400">
+                          <a:effectLst/>
+                        </a:rPr>
+                        <a:t>Waiter</a:t>
+                      </a:r>
+                      <a:endParaRPr lang="en-US" sz="3600">
+                        <a:effectLst/>
+                        <a:latin typeface="Calibri"/>
+                        <a:ea typeface="Calibri"/>
+                        <a:cs typeface="Times New Roman"/>
+                      </a:endParaRPr>
+                    </a:p>
+                  </a:txBody>
+                  <a:tcPr marL="68580" marR="68580" marT="0" marB="0" anchor="b"/>
+                </a:tc>
+                <a:tc>
+                  <a:txBody>
+                    <a:bodyPr/>
+                    <a:lstStyle/>
+                    <a:p>
+                      <a:pPr marL="0" marR="0" algn="ctr">
+                        <a:lnSpc>
+                          <a:spcPct val="115000"/>
+                        </a:lnSpc>
+                        <a:spcBef>
+                          <a:spcPts val="0"/>
+                        </a:spcBef>
+                        <a:spcAft>
+                          <a:spcPts val="0"/>
+                        </a:spcAft>
+                      </a:pPr>
+                      <a:r>
+                        <a:rPr lang="en-US" sz="2400">
+                          <a:effectLst/>
+                        </a:rPr>
+                        <a:t>Low</a:t>
+                      </a:r>
+                      <a:endParaRPr lang="en-US" sz="3600">
+                        <a:effectLst/>
+                        <a:latin typeface="Calibri"/>
+                        <a:ea typeface="Calibri"/>
+                        <a:cs typeface="Times New Roman"/>
+                      </a:endParaRPr>
+                    </a:p>
+                  </a:txBody>
+                  <a:tcPr marL="68580" marR="68580" marT="0" marB="0" anchor="b"/>
+                </a:tc>
+                <a:tc>
+                  <a:txBody>
+                    <a:bodyPr/>
+                    <a:lstStyle/>
+                    <a:p>
+                      <a:pPr marL="0" marR="0" algn="ctr">
+                        <a:lnSpc>
+                          <a:spcPct val="115000"/>
+                        </a:lnSpc>
+                        <a:spcBef>
+                          <a:spcPts val="0"/>
+                        </a:spcBef>
+                        <a:spcAft>
+                          <a:spcPts val="0"/>
+                        </a:spcAft>
+                      </a:pPr>
+                      <a:r>
+                        <a:rPr lang="en-US" sz="2400">
+                          <a:effectLst/>
+                        </a:rPr>
+                        <a:t>1</a:t>
+                      </a:r>
+                      <a:endParaRPr lang="en-US" sz="3600">
+                        <a:effectLst/>
+                        <a:latin typeface="Calibri"/>
+                        <a:ea typeface="Calibri"/>
+                        <a:cs typeface="Times New Roman"/>
+                      </a:endParaRPr>
+                    </a:p>
+                  </a:txBody>
+                  <a:tcPr marL="68580" marR="68580" marT="0" marB="0" anchor="b"/>
+                </a:tc>
+              </a:tr>
+              <a:tr h="547804">
+                <a:tc>
+                  <a:txBody>
+                    <a:bodyPr/>
+                    <a:lstStyle/>
+                    <a:p>
+                      <a:pPr marL="0" marR="0" algn="ctr">
+                        <a:lnSpc>
+                          <a:spcPct val="115000"/>
+                        </a:lnSpc>
+                        <a:spcBef>
+                          <a:spcPts val="0"/>
+                        </a:spcBef>
+                        <a:spcAft>
+                          <a:spcPts val="0"/>
+                        </a:spcAft>
+                      </a:pPr>
+                      <a:r>
+                        <a:rPr lang="en-US" sz="2400">
+                          <a:effectLst/>
+                        </a:rPr>
+                        <a:t>4</a:t>
+                      </a:r>
+                      <a:endParaRPr lang="en-US" sz="3600">
+                        <a:effectLst/>
+                        <a:latin typeface="Calibri"/>
+                        <a:ea typeface="Calibri"/>
+                        <a:cs typeface="Times New Roman"/>
+                      </a:endParaRPr>
+                    </a:p>
+                  </a:txBody>
+                  <a:tcPr marL="68580" marR="68580" marT="0" marB="0" anchor="b"/>
+                </a:tc>
+                <a:tc>
+                  <a:txBody>
+                    <a:bodyPr/>
+                    <a:lstStyle/>
+                    <a:p>
+                      <a:pPr marL="0" marR="0" algn="ctr">
+                        <a:lnSpc>
+                          <a:spcPct val="115000"/>
+                        </a:lnSpc>
+                        <a:spcBef>
+                          <a:spcPts val="0"/>
+                        </a:spcBef>
+                        <a:spcAft>
+                          <a:spcPts val="0"/>
+                        </a:spcAft>
+                      </a:pPr>
+                      <a:r>
+                        <a:rPr lang="en-US" sz="2400" dirty="0">
+                          <a:effectLst/>
+                        </a:rPr>
+                        <a:t>Order review</a:t>
+                      </a:r>
+                      <a:endParaRPr lang="en-US" sz="3600" dirty="0">
+                        <a:effectLst/>
+                        <a:latin typeface="Calibri"/>
+                        <a:ea typeface="Calibri"/>
+                        <a:cs typeface="Times New Roman"/>
+                      </a:endParaRPr>
+                    </a:p>
+                  </a:txBody>
+                  <a:tcPr marL="68580" marR="68580" marT="0" marB="0" anchor="b"/>
+                </a:tc>
+                <a:tc>
+                  <a:txBody>
+                    <a:bodyPr/>
+                    <a:lstStyle/>
+                    <a:p>
+                      <a:pPr marL="0" marR="0" algn="ctr">
+                        <a:lnSpc>
+                          <a:spcPct val="115000"/>
+                        </a:lnSpc>
+                        <a:spcBef>
+                          <a:spcPts val="0"/>
+                        </a:spcBef>
+                        <a:spcAft>
+                          <a:spcPts val="0"/>
+                        </a:spcAft>
+                      </a:pPr>
+                      <a:r>
+                        <a:rPr lang="en-US" sz="2400" dirty="0">
+                          <a:effectLst/>
+                        </a:rPr>
+                        <a:t>In</a:t>
+                      </a:r>
+                      <a:endParaRPr lang="en-US" sz="3600" dirty="0">
+                        <a:effectLst/>
+                        <a:latin typeface="Calibri"/>
+                        <a:ea typeface="Calibri"/>
+                        <a:cs typeface="Times New Roman"/>
+                      </a:endParaRPr>
+                    </a:p>
+                  </a:txBody>
+                  <a:tcPr marL="68580" marR="68580" marT="0" marB="0" anchor="b"/>
+                </a:tc>
+                <a:tc>
+                  <a:txBody>
+                    <a:bodyPr/>
+                    <a:lstStyle/>
+                    <a:p>
+                      <a:pPr marL="0" marR="0" algn="ctr">
+                        <a:lnSpc>
+                          <a:spcPct val="115000"/>
+                        </a:lnSpc>
+                        <a:spcBef>
+                          <a:spcPts val="0"/>
+                        </a:spcBef>
+                        <a:spcAft>
+                          <a:spcPts val="0"/>
+                        </a:spcAft>
+                      </a:pPr>
+                      <a:r>
+                        <a:rPr lang="en-US" sz="2400" dirty="0" smtClean="0">
+                          <a:effectLst/>
+                        </a:rPr>
+                        <a:t>Waiter/customer</a:t>
+                      </a:r>
+                      <a:endParaRPr lang="en-US" sz="3600" dirty="0">
+                        <a:effectLst/>
+                        <a:latin typeface="Calibri"/>
+                        <a:ea typeface="Calibri"/>
+                        <a:cs typeface="Times New Roman"/>
+                      </a:endParaRPr>
+                    </a:p>
+                  </a:txBody>
+                  <a:tcPr marL="68580" marR="68580" marT="0" marB="0" anchor="b"/>
+                </a:tc>
+                <a:tc>
+                  <a:txBody>
+                    <a:bodyPr/>
+                    <a:lstStyle/>
+                    <a:p>
+                      <a:pPr marL="0" marR="0" algn="ctr">
+                        <a:lnSpc>
+                          <a:spcPct val="115000"/>
+                        </a:lnSpc>
+                        <a:spcBef>
+                          <a:spcPts val="0"/>
+                        </a:spcBef>
+                        <a:spcAft>
+                          <a:spcPts val="0"/>
+                        </a:spcAft>
+                      </a:pPr>
+                      <a:r>
+                        <a:rPr lang="en-US" sz="2400">
+                          <a:effectLst/>
+                        </a:rPr>
+                        <a:t>Low</a:t>
+                      </a:r>
+                      <a:endParaRPr lang="en-US" sz="3600">
+                        <a:effectLst/>
+                        <a:latin typeface="Calibri"/>
+                        <a:ea typeface="Calibri"/>
+                        <a:cs typeface="Times New Roman"/>
+                      </a:endParaRPr>
+                    </a:p>
+                  </a:txBody>
+                  <a:tcPr marL="68580" marR="68580" marT="0" marB="0" anchor="b"/>
+                </a:tc>
+                <a:tc>
+                  <a:txBody>
+                    <a:bodyPr/>
+                    <a:lstStyle/>
+                    <a:p>
+                      <a:pPr marL="0" marR="0" algn="ctr">
+                        <a:lnSpc>
+                          <a:spcPct val="115000"/>
+                        </a:lnSpc>
+                        <a:spcBef>
+                          <a:spcPts val="0"/>
+                        </a:spcBef>
+                        <a:spcAft>
+                          <a:spcPts val="0"/>
+                        </a:spcAft>
+                      </a:pPr>
+                      <a:r>
+                        <a:rPr lang="en-US" sz="2400">
+                          <a:effectLst/>
+                        </a:rPr>
+                        <a:t>1</a:t>
+                      </a:r>
+                      <a:endParaRPr lang="en-US" sz="3600">
+                        <a:effectLst/>
+                        <a:latin typeface="Calibri"/>
+                        <a:ea typeface="Calibri"/>
+                        <a:cs typeface="Times New Roman"/>
+                      </a:endParaRPr>
+                    </a:p>
+                  </a:txBody>
+                  <a:tcPr marL="68580" marR="68580" marT="0" marB="0" anchor="b"/>
+                </a:tc>
+              </a:tr>
+              <a:tr h="547804">
+                <a:tc>
+                  <a:txBody>
+                    <a:bodyPr/>
+                    <a:lstStyle/>
+                    <a:p>
+                      <a:pPr marL="0" marR="0" algn="ctr">
+                        <a:lnSpc>
+                          <a:spcPct val="115000"/>
+                        </a:lnSpc>
+                        <a:spcBef>
+                          <a:spcPts val="0"/>
+                        </a:spcBef>
+                        <a:spcAft>
+                          <a:spcPts val="0"/>
+                        </a:spcAft>
+                      </a:pPr>
+                      <a:r>
+                        <a:rPr lang="en-US" sz="2400">
+                          <a:effectLst/>
+                        </a:rPr>
+                        <a:t>5</a:t>
+                      </a:r>
+                      <a:endParaRPr lang="en-US" sz="3600">
+                        <a:effectLst/>
+                        <a:latin typeface="Calibri"/>
+                        <a:ea typeface="Calibri"/>
+                        <a:cs typeface="Times New Roman"/>
+                      </a:endParaRPr>
+                    </a:p>
+                  </a:txBody>
+                  <a:tcPr marL="68580" marR="68580" marT="0" marB="0" anchor="b"/>
+                </a:tc>
+                <a:tc>
+                  <a:txBody>
+                    <a:bodyPr/>
+                    <a:lstStyle/>
+                    <a:p>
+                      <a:pPr marL="0" marR="0" algn="ctr">
+                        <a:lnSpc>
+                          <a:spcPct val="115000"/>
+                        </a:lnSpc>
+                        <a:spcBef>
+                          <a:spcPts val="0"/>
+                        </a:spcBef>
+                        <a:spcAft>
+                          <a:spcPts val="0"/>
+                        </a:spcAft>
+                      </a:pPr>
+                      <a:r>
+                        <a:rPr lang="en-US" sz="2400" dirty="0" smtClean="0">
+                          <a:effectLst/>
+                        </a:rPr>
+                        <a:t>Manage Table</a:t>
+                      </a:r>
+                      <a:endParaRPr lang="en-US" sz="3600" dirty="0">
+                        <a:effectLst/>
+                        <a:latin typeface="Calibri"/>
+                        <a:ea typeface="Calibri"/>
+                        <a:cs typeface="Times New Roman"/>
+                      </a:endParaRPr>
+                    </a:p>
+                  </a:txBody>
+                  <a:tcPr marL="68580" marR="68580" marT="0" marB="0" anchor="b"/>
+                </a:tc>
+                <a:tc>
+                  <a:txBody>
+                    <a:bodyPr/>
+                    <a:lstStyle/>
+                    <a:p>
+                      <a:pPr marL="0" marR="0" algn="ctr">
+                        <a:lnSpc>
+                          <a:spcPct val="115000"/>
+                        </a:lnSpc>
+                        <a:spcBef>
+                          <a:spcPts val="0"/>
+                        </a:spcBef>
+                        <a:spcAft>
+                          <a:spcPts val="0"/>
+                        </a:spcAft>
+                      </a:pPr>
+                      <a:r>
+                        <a:rPr lang="en-US" sz="2400" dirty="0">
+                          <a:effectLst/>
+                        </a:rPr>
+                        <a:t>In</a:t>
+                      </a:r>
+                      <a:endParaRPr lang="en-US" sz="3600" dirty="0">
+                        <a:effectLst/>
+                        <a:latin typeface="Calibri"/>
+                        <a:ea typeface="Calibri"/>
+                        <a:cs typeface="Times New Roman"/>
+                      </a:endParaRPr>
+                    </a:p>
+                  </a:txBody>
+                  <a:tcPr marL="68580" marR="68580" marT="0" marB="0" anchor="b"/>
+                </a:tc>
+                <a:tc>
+                  <a:txBody>
+                    <a:bodyPr/>
+                    <a:lstStyle/>
+                    <a:p>
+                      <a:pPr marL="0" marR="0" algn="ctr">
+                        <a:lnSpc>
+                          <a:spcPct val="115000"/>
+                        </a:lnSpc>
+                        <a:spcBef>
+                          <a:spcPts val="0"/>
+                        </a:spcBef>
+                        <a:spcAft>
+                          <a:spcPts val="0"/>
+                        </a:spcAft>
+                      </a:pPr>
+                      <a:r>
+                        <a:rPr lang="en-US" sz="2400" dirty="0">
+                          <a:effectLst/>
+                        </a:rPr>
+                        <a:t>Waiter</a:t>
+                      </a:r>
+                      <a:endParaRPr lang="en-US" sz="3600" dirty="0">
+                        <a:effectLst/>
+                        <a:latin typeface="Calibri"/>
+                        <a:ea typeface="Calibri"/>
+                        <a:cs typeface="Times New Roman"/>
+                      </a:endParaRPr>
+                    </a:p>
+                  </a:txBody>
+                  <a:tcPr marL="68580" marR="68580" marT="0" marB="0" anchor="b"/>
+                </a:tc>
+                <a:tc>
+                  <a:txBody>
+                    <a:bodyPr/>
+                    <a:lstStyle/>
+                    <a:p>
+                      <a:pPr marL="0" marR="0" algn="ctr">
+                        <a:lnSpc>
+                          <a:spcPct val="115000"/>
+                        </a:lnSpc>
+                        <a:spcBef>
+                          <a:spcPts val="0"/>
+                        </a:spcBef>
+                        <a:spcAft>
+                          <a:spcPts val="0"/>
+                        </a:spcAft>
+                      </a:pPr>
+                      <a:r>
+                        <a:rPr lang="en-US" sz="2400">
+                          <a:effectLst/>
+                        </a:rPr>
+                        <a:t>High</a:t>
+                      </a:r>
+                      <a:endParaRPr lang="en-US" sz="3600">
+                        <a:effectLst/>
+                        <a:latin typeface="Calibri"/>
+                        <a:ea typeface="Calibri"/>
+                        <a:cs typeface="Times New Roman"/>
+                      </a:endParaRPr>
+                    </a:p>
+                  </a:txBody>
+                  <a:tcPr marL="68580" marR="68580" marT="0" marB="0" anchor="b"/>
+                </a:tc>
+                <a:tc>
+                  <a:txBody>
+                    <a:bodyPr/>
+                    <a:lstStyle/>
+                    <a:p>
+                      <a:pPr marL="0" marR="0" algn="ctr">
+                        <a:lnSpc>
+                          <a:spcPct val="115000"/>
+                        </a:lnSpc>
+                        <a:spcBef>
+                          <a:spcPts val="0"/>
+                        </a:spcBef>
+                        <a:spcAft>
+                          <a:spcPts val="0"/>
+                        </a:spcAft>
+                      </a:pPr>
+                      <a:r>
+                        <a:rPr lang="en-US" sz="2400">
+                          <a:effectLst/>
+                        </a:rPr>
+                        <a:t>2</a:t>
+                      </a:r>
+                      <a:endParaRPr lang="en-US" sz="3600">
+                        <a:effectLst/>
+                        <a:latin typeface="Calibri"/>
+                        <a:ea typeface="Calibri"/>
+                        <a:cs typeface="Times New Roman"/>
+                      </a:endParaRPr>
+                    </a:p>
+                  </a:txBody>
+                  <a:tcPr marL="68580" marR="68580" marT="0" marB="0" anchor="b"/>
+                </a:tc>
+              </a:tr>
+              <a:tr h="547804">
+                <a:tc>
+                  <a:txBody>
+                    <a:bodyPr/>
+                    <a:lstStyle/>
+                    <a:p>
+                      <a:pPr marL="0" marR="0" algn="ctr">
+                        <a:lnSpc>
+                          <a:spcPct val="115000"/>
+                        </a:lnSpc>
+                        <a:spcBef>
+                          <a:spcPts val="0"/>
+                        </a:spcBef>
+                        <a:spcAft>
+                          <a:spcPts val="0"/>
+                        </a:spcAft>
+                      </a:pPr>
+                      <a:r>
+                        <a:rPr lang="en-US" sz="2400">
+                          <a:effectLst/>
+                        </a:rPr>
+                        <a:t>6</a:t>
+                      </a:r>
+                      <a:endParaRPr lang="en-US" sz="3600">
+                        <a:effectLst/>
+                        <a:latin typeface="Calibri"/>
+                        <a:ea typeface="Calibri"/>
+                        <a:cs typeface="Times New Roman"/>
+                      </a:endParaRPr>
+                    </a:p>
+                  </a:txBody>
+                  <a:tcPr marL="68580" marR="68580" marT="0" marB="0" anchor="b"/>
+                </a:tc>
+                <a:tc>
+                  <a:txBody>
+                    <a:bodyPr/>
+                    <a:lstStyle/>
+                    <a:p>
+                      <a:pPr marL="0" marR="0" algn="ctr">
+                        <a:lnSpc>
+                          <a:spcPct val="115000"/>
+                        </a:lnSpc>
+                        <a:spcBef>
+                          <a:spcPts val="0"/>
+                        </a:spcBef>
+                        <a:spcAft>
+                          <a:spcPts val="0"/>
+                        </a:spcAft>
+                      </a:pPr>
+                      <a:r>
+                        <a:rPr lang="en-US" sz="2400">
+                          <a:effectLst/>
+                        </a:rPr>
+                        <a:t>Order check off</a:t>
+                      </a:r>
+                      <a:endParaRPr lang="en-US" sz="3600">
+                        <a:effectLst/>
+                        <a:latin typeface="Calibri"/>
+                        <a:ea typeface="Calibri"/>
+                        <a:cs typeface="Times New Roman"/>
+                      </a:endParaRPr>
+                    </a:p>
+                  </a:txBody>
+                  <a:tcPr marL="68580" marR="68580" marT="0" marB="0" anchor="b"/>
+                </a:tc>
+                <a:tc>
+                  <a:txBody>
+                    <a:bodyPr/>
+                    <a:lstStyle/>
+                    <a:p>
+                      <a:pPr marL="0" marR="0" algn="ctr">
+                        <a:lnSpc>
+                          <a:spcPct val="115000"/>
+                        </a:lnSpc>
+                        <a:spcBef>
+                          <a:spcPts val="0"/>
+                        </a:spcBef>
+                        <a:spcAft>
+                          <a:spcPts val="0"/>
+                        </a:spcAft>
+                      </a:pPr>
+                      <a:r>
+                        <a:rPr lang="en-US" sz="2400" dirty="0">
+                          <a:effectLst/>
+                        </a:rPr>
+                        <a:t>In</a:t>
+                      </a:r>
+                      <a:endParaRPr lang="en-US" sz="3600" dirty="0">
+                        <a:effectLst/>
+                        <a:latin typeface="Calibri"/>
+                        <a:ea typeface="Calibri"/>
+                        <a:cs typeface="Times New Roman"/>
+                      </a:endParaRPr>
+                    </a:p>
+                  </a:txBody>
+                  <a:tcPr marL="68580" marR="68580" marT="0" marB="0" anchor="b"/>
+                </a:tc>
+                <a:tc>
+                  <a:txBody>
+                    <a:bodyPr/>
+                    <a:lstStyle/>
+                    <a:p>
+                      <a:pPr marL="0" marR="0" algn="ctr">
+                        <a:lnSpc>
+                          <a:spcPct val="115000"/>
+                        </a:lnSpc>
+                        <a:spcBef>
+                          <a:spcPts val="0"/>
+                        </a:spcBef>
+                        <a:spcAft>
+                          <a:spcPts val="0"/>
+                        </a:spcAft>
+                      </a:pPr>
+                      <a:r>
+                        <a:rPr lang="en-US" sz="2400" dirty="0">
+                          <a:effectLst/>
+                        </a:rPr>
+                        <a:t>Kitchen staff</a:t>
+                      </a:r>
+                      <a:endParaRPr lang="en-US" sz="3600" dirty="0">
+                        <a:effectLst/>
+                        <a:latin typeface="Calibri"/>
+                        <a:ea typeface="Calibri"/>
+                        <a:cs typeface="Times New Roman"/>
+                      </a:endParaRPr>
+                    </a:p>
+                  </a:txBody>
+                  <a:tcPr marL="68580" marR="68580" marT="0" marB="0" anchor="b"/>
+                </a:tc>
+                <a:tc>
+                  <a:txBody>
+                    <a:bodyPr/>
+                    <a:lstStyle/>
+                    <a:p>
+                      <a:pPr marL="0" marR="0" algn="ctr">
+                        <a:lnSpc>
+                          <a:spcPct val="115000"/>
+                        </a:lnSpc>
+                        <a:spcBef>
+                          <a:spcPts val="0"/>
+                        </a:spcBef>
+                        <a:spcAft>
+                          <a:spcPts val="0"/>
+                        </a:spcAft>
+                      </a:pPr>
+                      <a:r>
+                        <a:rPr lang="en-US" sz="2400" dirty="0" smtClean="0">
+                          <a:effectLst/>
+                        </a:rPr>
+                        <a:t>Med</a:t>
+                      </a:r>
+                      <a:endParaRPr lang="en-US" sz="3600" dirty="0">
+                        <a:effectLst/>
+                        <a:latin typeface="Calibri"/>
+                        <a:ea typeface="Calibri"/>
+                        <a:cs typeface="Times New Roman"/>
+                      </a:endParaRPr>
+                    </a:p>
+                  </a:txBody>
+                  <a:tcPr marL="68580" marR="68580" marT="0" marB="0" anchor="b"/>
+                </a:tc>
+                <a:tc>
+                  <a:txBody>
+                    <a:bodyPr/>
+                    <a:lstStyle/>
+                    <a:p>
+                      <a:pPr marL="0" marR="0" algn="ctr">
+                        <a:lnSpc>
+                          <a:spcPct val="115000"/>
+                        </a:lnSpc>
+                        <a:spcBef>
+                          <a:spcPts val="0"/>
+                        </a:spcBef>
+                        <a:spcAft>
+                          <a:spcPts val="0"/>
+                        </a:spcAft>
+                      </a:pPr>
+                      <a:r>
+                        <a:rPr lang="en-US" sz="2400">
+                          <a:effectLst/>
+                        </a:rPr>
+                        <a:t>1</a:t>
+                      </a:r>
+                      <a:endParaRPr lang="en-US" sz="3600">
+                        <a:effectLst/>
+                        <a:latin typeface="Calibri"/>
+                        <a:ea typeface="Calibri"/>
+                        <a:cs typeface="Times New Roman"/>
+                      </a:endParaRPr>
+                    </a:p>
+                  </a:txBody>
+                  <a:tcPr marL="68580" marR="68580" marT="0" marB="0" anchor="b"/>
+                </a:tc>
+              </a:tr>
+              <a:tr h="547804">
+                <a:tc>
+                  <a:txBody>
+                    <a:bodyPr/>
+                    <a:lstStyle/>
+                    <a:p>
+                      <a:pPr marL="0" marR="0" algn="ctr">
+                        <a:lnSpc>
+                          <a:spcPct val="115000"/>
+                        </a:lnSpc>
+                        <a:spcBef>
+                          <a:spcPts val="0"/>
+                        </a:spcBef>
+                        <a:spcAft>
+                          <a:spcPts val="0"/>
+                        </a:spcAft>
+                      </a:pPr>
+                      <a:r>
+                        <a:rPr lang="en-US" sz="2400">
+                          <a:effectLst/>
+                        </a:rPr>
+                        <a:t>7</a:t>
+                      </a:r>
+                      <a:endParaRPr lang="en-US" sz="3600">
+                        <a:effectLst/>
+                        <a:latin typeface="Calibri"/>
+                        <a:ea typeface="Calibri"/>
+                        <a:cs typeface="Times New Roman"/>
+                      </a:endParaRPr>
+                    </a:p>
+                  </a:txBody>
+                  <a:tcPr marL="68580" marR="68580" marT="0" marB="0" anchor="b"/>
+                </a:tc>
+                <a:tc>
+                  <a:txBody>
+                    <a:bodyPr/>
+                    <a:lstStyle/>
+                    <a:p>
+                      <a:pPr marL="0" marR="0" algn="ctr">
+                        <a:lnSpc>
+                          <a:spcPct val="115000"/>
+                        </a:lnSpc>
+                        <a:spcBef>
+                          <a:spcPts val="0"/>
+                        </a:spcBef>
+                        <a:spcAft>
+                          <a:spcPts val="0"/>
+                        </a:spcAft>
+                      </a:pPr>
+                      <a:r>
+                        <a:rPr lang="en-US" sz="2400">
+                          <a:effectLst/>
+                        </a:rPr>
+                        <a:t>Reservation</a:t>
+                      </a:r>
+                      <a:endParaRPr lang="en-US" sz="3600">
+                        <a:effectLst/>
+                        <a:latin typeface="Calibri"/>
+                        <a:ea typeface="Calibri"/>
+                        <a:cs typeface="Times New Roman"/>
+                      </a:endParaRPr>
+                    </a:p>
+                  </a:txBody>
+                  <a:tcPr marL="68580" marR="68580" marT="0" marB="0" anchor="b"/>
+                </a:tc>
+                <a:tc>
+                  <a:txBody>
+                    <a:bodyPr/>
+                    <a:lstStyle/>
+                    <a:p>
+                      <a:pPr marL="0" marR="0" algn="ctr">
+                        <a:lnSpc>
+                          <a:spcPct val="115000"/>
+                        </a:lnSpc>
+                        <a:spcBef>
+                          <a:spcPts val="0"/>
+                        </a:spcBef>
+                        <a:spcAft>
+                          <a:spcPts val="0"/>
+                        </a:spcAft>
+                      </a:pPr>
+                      <a:r>
+                        <a:rPr lang="en-US" sz="2400">
+                          <a:effectLst/>
+                        </a:rPr>
+                        <a:t>In</a:t>
+                      </a:r>
+                      <a:endParaRPr lang="en-US" sz="3600">
+                        <a:effectLst/>
+                        <a:latin typeface="Calibri"/>
+                        <a:ea typeface="Calibri"/>
+                        <a:cs typeface="Times New Roman"/>
+                      </a:endParaRPr>
+                    </a:p>
+                  </a:txBody>
+                  <a:tcPr marL="68580" marR="68580" marT="0" marB="0" anchor="b"/>
+                </a:tc>
+                <a:tc>
+                  <a:txBody>
+                    <a:bodyPr/>
+                    <a:lstStyle/>
+                    <a:p>
+                      <a:pPr marL="0" marR="0" algn="ctr">
+                        <a:lnSpc>
+                          <a:spcPct val="115000"/>
+                        </a:lnSpc>
+                        <a:spcBef>
+                          <a:spcPts val="0"/>
+                        </a:spcBef>
+                        <a:spcAft>
+                          <a:spcPts val="0"/>
+                        </a:spcAft>
+                      </a:pPr>
+                      <a:r>
+                        <a:rPr lang="en-US" sz="2400" dirty="0">
+                          <a:effectLst/>
+                        </a:rPr>
+                        <a:t>Customer</a:t>
+                      </a:r>
+                      <a:endParaRPr lang="en-US" sz="3600" dirty="0">
+                        <a:effectLst/>
+                        <a:latin typeface="Calibri"/>
+                        <a:ea typeface="Calibri"/>
+                        <a:cs typeface="Times New Roman"/>
+                      </a:endParaRPr>
+                    </a:p>
+                  </a:txBody>
+                  <a:tcPr marL="68580" marR="68580" marT="0" marB="0" anchor="b"/>
+                </a:tc>
+                <a:tc>
+                  <a:txBody>
+                    <a:bodyPr/>
+                    <a:lstStyle/>
+                    <a:p>
+                      <a:pPr marL="0" marR="0" algn="ctr">
+                        <a:lnSpc>
+                          <a:spcPct val="115000"/>
+                        </a:lnSpc>
+                        <a:spcBef>
+                          <a:spcPts val="0"/>
+                        </a:spcBef>
+                        <a:spcAft>
+                          <a:spcPts val="0"/>
+                        </a:spcAft>
+                      </a:pPr>
+                      <a:r>
+                        <a:rPr lang="en-US" sz="2400" dirty="0" smtClean="0">
+                          <a:effectLst/>
+                        </a:rPr>
+                        <a:t>Med</a:t>
+                      </a:r>
+                      <a:endParaRPr lang="en-US" sz="3600" dirty="0">
+                        <a:effectLst/>
+                        <a:latin typeface="Calibri"/>
+                        <a:ea typeface="Calibri"/>
+                        <a:cs typeface="Times New Roman"/>
+                      </a:endParaRPr>
+                    </a:p>
+                  </a:txBody>
+                  <a:tcPr marL="68580" marR="68580" marT="0" marB="0" anchor="b"/>
+                </a:tc>
+                <a:tc>
+                  <a:txBody>
+                    <a:bodyPr/>
+                    <a:lstStyle/>
+                    <a:p>
+                      <a:pPr marL="0" marR="0" algn="ctr">
+                        <a:lnSpc>
+                          <a:spcPct val="115000"/>
+                        </a:lnSpc>
+                        <a:spcBef>
+                          <a:spcPts val="0"/>
+                        </a:spcBef>
+                        <a:spcAft>
+                          <a:spcPts val="0"/>
+                        </a:spcAft>
+                      </a:pPr>
+                      <a:r>
+                        <a:rPr lang="en-US" sz="2400">
+                          <a:effectLst/>
+                        </a:rPr>
+                        <a:t>2</a:t>
+                      </a:r>
+                      <a:endParaRPr lang="en-US" sz="3600">
+                        <a:effectLst/>
+                        <a:latin typeface="Calibri"/>
+                        <a:ea typeface="Calibri"/>
+                        <a:cs typeface="Times New Roman"/>
+                      </a:endParaRPr>
+                    </a:p>
+                  </a:txBody>
+                  <a:tcPr marL="68580" marR="68580" marT="0" marB="0" anchor="b"/>
+                </a:tc>
+              </a:tr>
+              <a:tr h="547804">
+                <a:tc>
+                  <a:txBody>
+                    <a:bodyPr/>
+                    <a:lstStyle/>
+                    <a:p>
+                      <a:pPr marL="0" marR="0" algn="ctr">
+                        <a:lnSpc>
+                          <a:spcPct val="115000"/>
+                        </a:lnSpc>
+                        <a:spcBef>
+                          <a:spcPts val="0"/>
+                        </a:spcBef>
+                        <a:spcAft>
+                          <a:spcPts val="0"/>
+                        </a:spcAft>
+                      </a:pPr>
+                      <a:r>
+                        <a:rPr lang="en-US" sz="2400">
+                          <a:effectLst/>
+                        </a:rPr>
+                        <a:t>8</a:t>
+                      </a:r>
+                      <a:endParaRPr lang="en-US" sz="3600">
+                        <a:effectLst/>
+                        <a:latin typeface="Calibri"/>
+                        <a:ea typeface="Calibri"/>
+                        <a:cs typeface="Times New Roman"/>
+                      </a:endParaRPr>
+                    </a:p>
+                  </a:txBody>
+                  <a:tcPr marL="68580" marR="68580" marT="0" marB="0" anchor="b"/>
+                </a:tc>
+                <a:tc>
+                  <a:txBody>
+                    <a:bodyPr/>
+                    <a:lstStyle/>
+                    <a:p>
+                      <a:pPr marL="0" marR="0" algn="ctr">
+                        <a:lnSpc>
+                          <a:spcPct val="115000"/>
+                        </a:lnSpc>
+                        <a:spcBef>
+                          <a:spcPts val="0"/>
+                        </a:spcBef>
+                        <a:spcAft>
+                          <a:spcPts val="0"/>
+                        </a:spcAft>
+                      </a:pPr>
+                      <a:r>
+                        <a:rPr lang="en-US" sz="2400">
+                          <a:effectLst/>
+                        </a:rPr>
+                        <a:t>Item's metadata</a:t>
+                      </a:r>
+                      <a:endParaRPr lang="en-US" sz="3600">
+                        <a:effectLst/>
+                        <a:latin typeface="Calibri"/>
+                        <a:ea typeface="Calibri"/>
+                        <a:cs typeface="Times New Roman"/>
+                      </a:endParaRPr>
+                    </a:p>
+                  </a:txBody>
+                  <a:tcPr marL="68580" marR="68580" marT="0" marB="0" anchor="b"/>
+                </a:tc>
+                <a:tc>
+                  <a:txBody>
+                    <a:bodyPr/>
+                    <a:lstStyle/>
+                    <a:p>
+                      <a:pPr marL="0" marR="0" algn="ctr">
+                        <a:lnSpc>
+                          <a:spcPct val="115000"/>
+                        </a:lnSpc>
+                        <a:spcBef>
+                          <a:spcPts val="0"/>
+                        </a:spcBef>
+                        <a:spcAft>
+                          <a:spcPts val="0"/>
+                        </a:spcAft>
+                      </a:pPr>
+                      <a:r>
+                        <a:rPr lang="en-US" sz="2400">
+                          <a:effectLst/>
+                        </a:rPr>
+                        <a:t>In</a:t>
+                      </a:r>
+                      <a:endParaRPr lang="en-US" sz="3600">
+                        <a:effectLst/>
+                        <a:latin typeface="Calibri"/>
+                        <a:ea typeface="Calibri"/>
+                        <a:cs typeface="Times New Roman"/>
+                      </a:endParaRPr>
+                    </a:p>
+                  </a:txBody>
+                  <a:tcPr marL="68580" marR="68580" marT="0" marB="0" anchor="b"/>
+                </a:tc>
+                <a:tc>
+                  <a:txBody>
+                    <a:bodyPr/>
+                    <a:lstStyle/>
+                    <a:p>
+                      <a:pPr marL="0" marR="0" algn="ctr">
+                        <a:lnSpc>
+                          <a:spcPct val="115000"/>
+                        </a:lnSpc>
+                        <a:spcBef>
+                          <a:spcPts val="0"/>
+                        </a:spcBef>
+                        <a:spcAft>
+                          <a:spcPts val="0"/>
+                        </a:spcAft>
+                      </a:pPr>
+                      <a:r>
+                        <a:rPr lang="en-US" sz="2400" dirty="0">
+                          <a:effectLst/>
+                        </a:rPr>
+                        <a:t>Anyone</a:t>
+                      </a:r>
+                      <a:endParaRPr lang="en-US" sz="3600" dirty="0">
+                        <a:effectLst/>
+                        <a:latin typeface="Calibri"/>
+                        <a:ea typeface="Calibri"/>
+                        <a:cs typeface="Times New Roman"/>
+                      </a:endParaRPr>
+                    </a:p>
+                  </a:txBody>
+                  <a:tcPr marL="68580" marR="68580" marT="0" marB="0" anchor="b"/>
+                </a:tc>
+                <a:tc>
+                  <a:txBody>
+                    <a:bodyPr/>
+                    <a:lstStyle/>
+                    <a:p>
+                      <a:pPr marL="0" marR="0" algn="ctr">
+                        <a:lnSpc>
+                          <a:spcPct val="115000"/>
+                        </a:lnSpc>
+                        <a:spcBef>
+                          <a:spcPts val="0"/>
+                        </a:spcBef>
+                        <a:spcAft>
+                          <a:spcPts val="0"/>
+                        </a:spcAft>
+                      </a:pPr>
+                      <a:r>
+                        <a:rPr lang="en-US" sz="2400" dirty="0" smtClean="0">
+                          <a:effectLst/>
+                        </a:rPr>
+                        <a:t>Med</a:t>
+                      </a:r>
+                      <a:endParaRPr lang="en-US" sz="3600" dirty="0">
+                        <a:effectLst/>
+                        <a:latin typeface="Calibri"/>
+                        <a:ea typeface="Calibri"/>
+                        <a:cs typeface="Times New Roman"/>
+                      </a:endParaRPr>
+                    </a:p>
+                  </a:txBody>
+                  <a:tcPr marL="68580" marR="68580" marT="0" marB="0" anchor="b"/>
+                </a:tc>
+                <a:tc>
+                  <a:txBody>
+                    <a:bodyPr/>
+                    <a:lstStyle/>
+                    <a:p>
+                      <a:pPr marL="0" marR="0" algn="ctr">
+                        <a:lnSpc>
+                          <a:spcPct val="115000"/>
+                        </a:lnSpc>
+                        <a:spcBef>
+                          <a:spcPts val="0"/>
+                        </a:spcBef>
+                        <a:spcAft>
+                          <a:spcPts val="0"/>
+                        </a:spcAft>
+                      </a:pPr>
+                      <a:r>
+                        <a:rPr lang="en-US" sz="2400">
+                          <a:effectLst/>
+                        </a:rPr>
+                        <a:t>2</a:t>
+                      </a:r>
+                      <a:endParaRPr lang="en-US" sz="3600">
+                        <a:effectLst/>
+                        <a:latin typeface="Calibri"/>
+                        <a:ea typeface="Calibri"/>
+                        <a:cs typeface="Times New Roman"/>
+                      </a:endParaRPr>
+                    </a:p>
+                  </a:txBody>
+                  <a:tcPr marL="68580" marR="68580" marT="0" marB="0" anchor="b"/>
+                </a:tc>
+              </a:tr>
+              <a:tr h="547804">
+                <a:tc>
+                  <a:txBody>
+                    <a:bodyPr/>
+                    <a:lstStyle/>
+                    <a:p>
+                      <a:pPr marL="0" marR="0" algn="ctr">
+                        <a:lnSpc>
+                          <a:spcPct val="115000"/>
+                        </a:lnSpc>
+                        <a:spcBef>
+                          <a:spcPts val="0"/>
+                        </a:spcBef>
+                        <a:spcAft>
+                          <a:spcPts val="0"/>
+                        </a:spcAft>
+                      </a:pPr>
+                      <a:r>
+                        <a:rPr lang="en-US" sz="2400">
+                          <a:effectLst/>
+                        </a:rPr>
+                        <a:t>9</a:t>
+                      </a:r>
+                      <a:endParaRPr lang="en-US" sz="3600">
+                        <a:effectLst/>
+                        <a:latin typeface="Calibri"/>
+                        <a:ea typeface="Calibri"/>
+                        <a:cs typeface="Times New Roman"/>
+                      </a:endParaRPr>
+                    </a:p>
+                  </a:txBody>
+                  <a:tcPr marL="68580" marR="68580" marT="0" marB="0" anchor="b"/>
+                </a:tc>
+                <a:tc>
+                  <a:txBody>
+                    <a:bodyPr/>
+                    <a:lstStyle/>
+                    <a:p>
+                      <a:pPr marL="0" marR="0" algn="ctr">
+                        <a:lnSpc>
+                          <a:spcPct val="115000"/>
+                        </a:lnSpc>
+                        <a:spcBef>
+                          <a:spcPts val="0"/>
+                        </a:spcBef>
+                        <a:spcAft>
+                          <a:spcPts val="0"/>
+                        </a:spcAft>
+                      </a:pPr>
+                      <a:r>
+                        <a:rPr lang="en-US" sz="2400">
+                          <a:effectLst/>
+                        </a:rPr>
+                        <a:t>Inventory</a:t>
+                      </a:r>
+                      <a:endParaRPr lang="en-US" sz="3600">
+                        <a:effectLst/>
+                        <a:latin typeface="Calibri"/>
+                        <a:ea typeface="Calibri"/>
+                        <a:cs typeface="Times New Roman"/>
+                      </a:endParaRPr>
+                    </a:p>
+                  </a:txBody>
+                  <a:tcPr marL="68580" marR="68580" marT="0" marB="0" anchor="b"/>
+                </a:tc>
+                <a:tc>
+                  <a:txBody>
+                    <a:bodyPr/>
+                    <a:lstStyle/>
+                    <a:p>
+                      <a:pPr marL="0" marR="0" algn="ctr">
+                        <a:lnSpc>
+                          <a:spcPct val="115000"/>
+                        </a:lnSpc>
+                        <a:spcBef>
+                          <a:spcPts val="0"/>
+                        </a:spcBef>
+                        <a:spcAft>
+                          <a:spcPts val="0"/>
+                        </a:spcAft>
+                      </a:pPr>
+                      <a:r>
+                        <a:rPr lang="en-US" sz="2400">
+                          <a:effectLst/>
+                        </a:rPr>
+                        <a:t>In</a:t>
+                      </a:r>
+                      <a:endParaRPr lang="en-US" sz="3600">
+                        <a:effectLst/>
+                        <a:latin typeface="Calibri"/>
+                        <a:ea typeface="Calibri"/>
+                        <a:cs typeface="Times New Roman"/>
+                      </a:endParaRPr>
+                    </a:p>
+                  </a:txBody>
+                  <a:tcPr marL="68580" marR="68580" marT="0" marB="0" anchor="b"/>
+                </a:tc>
+                <a:tc>
+                  <a:txBody>
+                    <a:bodyPr/>
+                    <a:lstStyle/>
+                    <a:p>
+                      <a:pPr marL="0" marR="0" algn="ctr">
+                        <a:lnSpc>
+                          <a:spcPct val="115000"/>
+                        </a:lnSpc>
+                        <a:spcBef>
+                          <a:spcPts val="0"/>
+                        </a:spcBef>
+                        <a:spcAft>
+                          <a:spcPts val="0"/>
+                        </a:spcAft>
+                      </a:pPr>
+                      <a:r>
+                        <a:rPr lang="en-US" sz="2400">
+                          <a:effectLst/>
+                        </a:rPr>
+                        <a:t>Manager</a:t>
+                      </a:r>
+                      <a:endParaRPr lang="en-US" sz="3600">
+                        <a:effectLst/>
+                        <a:latin typeface="Calibri"/>
+                        <a:ea typeface="Calibri"/>
+                        <a:cs typeface="Times New Roman"/>
+                      </a:endParaRPr>
+                    </a:p>
+                  </a:txBody>
+                  <a:tcPr marL="68580" marR="68580" marT="0" marB="0" anchor="b"/>
+                </a:tc>
+                <a:tc>
+                  <a:txBody>
+                    <a:bodyPr/>
+                    <a:lstStyle/>
+                    <a:p>
+                      <a:pPr marL="0" marR="0" algn="ctr">
+                        <a:lnSpc>
+                          <a:spcPct val="115000"/>
+                        </a:lnSpc>
+                        <a:spcBef>
+                          <a:spcPts val="0"/>
+                        </a:spcBef>
+                        <a:spcAft>
+                          <a:spcPts val="0"/>
+                        </a:spcAft>
+                      </a:pPr>
+                      <a:r>
+                        <a:rPr lang="en-US" sz="2400" dirty="0">
+                          <a:effectLst/>
+                        </a:rPr>
+                        <a:t>Low</a:t>
+                      </a:r>
+                      <a:endParaRPr lang="en-US" sz="3600" dirty="0">
+                        <a:effectLst/>
+                        <a:latin typeface="Calibri"/>
+                        <a:ea typeface="Calibri"/>
+                        <a:cs typeface="Times New Roman"/>
+                      </a:endParaRPr>
+                    </a:p>
+                  </a:txBody>
+                  <a:tcPr marL="68580" marR="68580" marT="0" marB="0" anchor="b"/>
+                </a:tc>
+                <a:tc>
+                  <a:txBody>
+                    <a:bodyPr/>
+                    <a:lstStyle/>
+                    <a:p>
+                      <a:pPr marL="0" marR="0" algn="ctr">
+                        <a:lnSpc>
+                          <a:spcPct val="115000"/>
+                        </a:lnSpc>
+                        <a:spcBef>
+                          <a:spcPts val="0"/>
+                        </a:spcBef>
+                        <a:spcAft>
+                          <a:spcPts val="0"/>
+                        </a:spcAft>
+                      </a:pPr>
+                      <a:r>
+                        <a:rPr lang="en-US" sz="2400" dirty="0">
+                          <a:effectLst/>
+                        </a:rPr>
+                        <a:t>1</a:t>
+                      </a:r>
+                      <a:endParaRPr lang="en-US" sz="3600" dirty="0">
+                        <a:effectLst/>
+                        <a:latin typeface="Calibri"/>
+                        <a:ea typeface="Calibri"/>
+                        <a:cs typeface="Times New Roman"/>
+                      </a:endParaRPr>
+                    </a:p>
+                  </a:txBody>
+                  <a:tcPr marL="68580" marR="68580" marT="0" marB="0" anchor="b"/>
+                </a:tc>
+              </a:tr>
+              <a:tr h="547804">
+                <a:tc>
+                  <a:txBody>
+                    <a:bodyPr/>
+                    <a:lstStyle/>
+                    <a:p>
+                      <a:pPr marL="0" marR="0" algn="ctr">
+                        <a:lnSpc>
+                          <a:spcPct val="115000"/>
+                        </a:lnSpc>
+                        <a:spcBef>
+                          <a:spcPts val="0"/>
+                        </a:spcBef>
+                        <a:spcAft>
+                          <a:spcPts val="0"/>
+                        </a:spcAft>
+                      </a:pPr>
+                      <a:r>
+                        <a:rPr lang="en-US" sz="2400">
+                          <a:effectLst/>
+                        </a:rPr>
+                        <a:t>10</a:t>
+                      </a:r>
+                      <a:endParaRPr lang="en-US" sz="3600">
+                        <a:effectLst/>
+                        <a:latin typeface="Calibri"/>
+                        <a:ea typeface="Calibri"/>
+                        <a:cs typeface="Times New Roman"/>
+                      </a:endParaRPr>
+                    </a:p>
+                  </a:txBody>
+                  <a:tcPr marL="68580" marR="68580" marT="0" marB="0" anchor="b"/>
+                </a:tc>
+                <a:tc>
+                  <a:txBody>
+                    <a:bodyPr/>
+                    <a:lstStyle/>
+                    <a:p>
+                      <a:pPr marL="0" marR="0" algn="ctr">
+                        <a:lnSpc>
+                          <a:spcPct val="115000"/>
+                        </a:lnSpc>
+                        <a:spcBef>
+                          <a:spcPts val="0"/>
+                        </a:spcBef>
+                        <a:spcAft>
+                          <a:spcPts val="0"/>
+                        </a:spcAft>
+                      </a:pPr>
+                      <a:r>
+                        <a:rPr lang="en-US" sz="2400" dirty="0" smtClean="0">
+                          <a:effectLst/>
+                        </a:rPr>
+                        <a:t>Complaint</a:t>
+                      </a:r>
+                      <a:endParaRPr lang="en-US" sz="3600" dirty="0">
+                        <a:effectLst/>
+                        <a:latin typeface="Calibri"/>
+                        <a:ea typeface="Calibri"/>
+                        <a:cs typeface="Times New Roman"/>
+                      </a:endParaRPr>
+                    </a:p>
+                  </a:txBody>
+                  <a:tcPr marL="68580" marR="68580" marT="0" marB="0" anchor="b"/>
+                </a:tc>
+                <a:tc>
+                  <a:txBody>
+                    <a:bodyPr/>
+                    <a:lstStyle/>
+                    <a:p>
+                      <a:pPr marL="0" marR="0" algn="ctr">
+                        <a:lnSpc>
+                          <a:spcPct val="115000"/>
+                        </a:lnSpc>
+                        <a:spcBef>
+                          <a:spcPts val="0"/>
+                        </a:spcBef>
+                        <a:spcAft>
+                          <a:spcPts val="0"/>
+                        </a:spcAft>
+                      </a:pPr>
+                      <a:r>
+                        <a:rPr lang="en-US" sz="2400">
+                          <a:effectLst/>
+                        </a:rPr>
+                        <a:t>In</a:t>
+                      </a:r>
+                      <a:endParaRPr lang="en-US" sz="3600">
+                        <a:effectLst/>
+                        <a:latin typeface="Calibri"/>
+                        <a:ea typeface="Calibri"/>
+                        <a:cs typeface="Times New Roman"/>
+                      </a:endParaRPr>
+                    </a:p>
+                  </a:txBody>
+                  <a:tcPr marL="68580" marR="68580" marT="0" marB="0" anchor="b"/>
+                </a:tc>
+                <a:tc>
+                  <a:txBody>
+                    <a:bodyPr/>
+                    <a:lstStyle/>
+                    <a:p>
+                      <a:pPr marL="0" marR="0" algn="ctr">
+                        <a:lnSpc>
+                          <a:spcPct val="115000"/>
+                        </a:lnSpc>
+                        <a:spcBef>
+                          <a:spcPts val="0"/>
+                        </a:spcBef>
+                        <a:spcAft>
+                          <a:spcPts val="0"/>
+                        </a:spcAft>
+                      </a:pPr>
+                      <a:r>
+                        <a:rPr lang="en-US" sz="2400" dirty="0" smtClean="0">
+                          <a:effectLst/>
+                        </a:rPr>
+                        <a:t>Manager/waiter</a:t>
+                      </a:r>
+                      <a:endParaRPr lang="en-US" sz="3600" dirty="0">
+                        <a:effectLst/>
+                        <a:latin typeface="Calibri"/>
+                        <a:ea typeface="Calibri"/>
+                        <a:cs typeface="Times New Roman"/>
+                      </a:endParaRPr>
+                    </a:p>
+                  </a:txBody>
+                  <a:tcPr marL="68580" marR="68580" marT="0" marB="0" anchor="b"/>
+                </a:tc>
+                <a:tc>
+                  <a:txBody>
+                    <a:bodyPr/>
+                    <a:lstStyle/>
+                    <a:p>
+                      <a:pPr marL="0" marR="0" algn="ctr">
+                        <a:lnSpc>
+                          <a:spcPct val="115000"/>
+                        </a:lnSpc>
+                        <a:spcBef>
+                          <a:spcPts val="0"/>
+                        </a:spcBef>
+                        <a:spcAft>
+                          <a:spcPts val="0"/>
+                        </a:spcAft>
+                      </a:pPr>
+                      <a:r>
+                        <a:rPr lang="en-US" sz="2400" dirty="0" smtClean="0">
+                          <a:effectLst/>
+                        </a:rPr>
+                        <a:t>Med</a:t>
+                      </a:r>
+                      <a:endParaRPr lang="en-US" sz="3600" dirty="0">
+                        <a:effectLst/>
+                        <a:latin typeface="Calibri"/>
+                        <a:ea typeface="Calibri"/>
+                        <a:cs typeface="Times New Roman"/>
+                      </a:endParaRPr>
+                    </a:p>
+                  </a:txBody>
+                  <a:tcPr marL="68580" marR="68580" marT="0" marB="0" anchor="b"/>
+                </a:tc>
+                <a:tc>
+                  <a:txBody>
+                    <a:bodyPr/>
+                    <a:lstStyle/>
+                    <a:p>
+                      <a:pPr marL="0" marR="0" algn="ctr">
+                        <a:lnSpc>
+                          <a:spcPct val="115000"/>
+                        </a:lnSpc>
+                        <a:spcBef>
+                          <a:spcPts val="0"/>
+                        </a:spcBef>
+                        <a:spcAft>
+                          <a:spcPts val="0"/>
+                        </a:spcAft>
+                      </a:pPr>
+                      <a:r>
+                        <a:rPr lang="en-US" sz="2400" dirty="0">
+                          <a:effectLst/>
+                        </a:rPr>
+                        <a:t>2</a:t>
+                      </a:r>
+                      <a:endParaRPr lang="en-US" sz="3600" dirty="0">
+                        <a:effectLst/>
+                        <a:latin typeface="Calibri"/>
+                        <a:ea typeface="Calibri"/>
+                        <a:cs typeface="Times New Roman"/>
+                      </a:endParaRPr>
+                    </a:p>
+                  </a:txBody>
+                  <a:tcPr marL="68580" marR="68580" marT="0" marB="0" anchor="b"/>
+                </a:tc>
+              </a:tr>
+            </a:tbl>
+          </a:graphicData>
+        </a:graphic>
+      </p:graphicFrame>
       <p:sp>
         <p:nvSpPr>
           <p:cNvPr id="2" name="Title 1"/>
@@ -5728,99 +7799,30 @@
         </p:nvSpPr>
         <p:spPr>
           <a:xfrm>
-            <a:off x="76200" y="-76200"/>
-            <a:ext cx="7924800" cy="1143000"/>
+            <a:off x="381000" y="0"/>
+            <a:ext cx="7010400" cy="838200"/>
           </a:xfrm>
+          <a:noFill/>
         </p:spPr>
         <p:txBody>
           <a:bodyPr>
-            <a:normAutofit/>
+            <a:normAutofit fontScale="90000"/>
           </a:bodyPr>
           <a:lstStyle/>
           <a:p>
             <a:pPr algn="l"/>
             <a:r>
-              <a:rPr lang="en-US" sz="6000" b="1" dirty="0" smtClean="0">
-                <a:solidFill>
-                  <a:srgbClr val="FF0000"/>
-                </a:solidFill>
-              </a:rPr>
-              <a:t>Main Success Scenario</a:t>
-            </a:r>
-            <a:endParaRPr lang="en-US" sz="6000" b="1" dirty="0">
-              <a:solidFill>
-                <a:srgbClr val="FF0000"/>
-              </a:solidFill>
-            </a:endParaRPr>
-          </a:p>
-        </p:txBody>
-      </p:sp>
-      <p:sp>
-        <p:nvSpPr>
-          <p:cNvPr id="3" name="Content Placeholder 2"/>
-          <p:cNvSpPr>
-            <a:spLocks noGrp="1"/>
-          </p:cNvSpPr>
-          <p:nvPr>
-            <p:ph idx="1"/>
-          </p:nvPr>
-        </p:nvSpPr>
-        <p:spPr>
-          <a:xfrm>
-            <a:off x="228600" y="914400"/>
-            <a:ext cx="8458200" cy="5486400"/>
-          </a:xfrm>
-        </p:spPr>
-        <p:txBody>
-          <a:bodyPr>
-            <a:normAutofit/>
-          </a:bodyPr>
-          <a:lstStyle/>
-          <a:p>
-            <a:r>
-              <a:rPr lang="en-US" sz="4000" b="1" dirty="0" smtClean="0">
-                <a:solidFill>
-                  <a:srgbClr val="FF0000"/>
-                </a:solidFill>
-              </a:rPr>
-              <a:t>People leave.</a:t>
-            </a:r>
-          </a:p>
-          <a:p>
-            <a:r>
-              <a:rPr lang="en-US" sz="4000" b="1" dirty="0" smtClean="0">
-                <a:solidFill>
-                  <a:srgbClr val="FF0000"/>
-                </a:solidFill>
-              </a:rPr>
-              <a:t>Table placed in bus queue</a:t>
-            </a:r>
-          </a:p>
-          <a:p>
-            <a:r>
-              <a:rPr lang="en-US" sz="4000" b="1" dirty="0" smtClean="0">
-                <a:solidFill>
-                  <a:srgbClr val="FF0000"/>
-                </a:solidFill>
-              </a:rPr>
-              <a:t>Table is cleaned, removed from bus queue, and marked as available </a:t>
-            </a:r>
-          </a:p>
-          <a:p>
-            <a:pPr marL="0" indent="0">
-              <a:buNone/>
-            </a:pPr>
-            <a:endParaRPr lang="en-US" sz="4000" b="1" dirty="0" smtClean="0"/>
-          </a:p>
-          <a:p>
-            <a:endParaRPr lang="en-US" sz="4000" b="1" dirty="0"/>
+              <a:rPr lang="en-US" sz="6000" b="1" dirty="0" smtClean="0"/>
+              <a:t>Preliminary Use Cases</a:t>
+            </a:r>
+            <a:endParaRPr lang="en-US" sz="6000" b="1" dirty="0"/>
           </a:p>
         </p:txBody>
       </p:sp>
     </p:spTree>
     <p:extLst>
       <p:ext uri="{BB962C8B-B14F-4D97-AF65-F5344CB8AC3E}">
-        <p14:creationId xmlns:p14="http://schemas.microsoft.com/office/powerpoint/2010/main" val="2977566684"/>
+        <p14:creationId xmlns:p14="http://schemas.microsoft.com/office/powerpoint/2010/main" val="2172318574"/>
       </p:ext>
     </p:extLst>
   </p:cSld>
@@ -5854,2246 +7856,6 @@
           <a:chExt cx="0" cy="0"/>
         </a:xfrm>
       </p:grpSpPr>
-      <p:graphicFrame>
-        <p:nvGraphicFramePr>
-          <p:cNvPr id="4" name="Content Placeholder 3"/>
-          <p:cNvGraphicFramePr>
-            <a:graphicFrameLocks noGrp="1"/>
-          </p:cNvGraphicFramePr>
-          <p:nvPr>
-            <p:ph idx="1"/>
-            <p:extLst>
-              <p:ext uri="{D42A27DB-BD31-4B8C-83A1-F6EECF244321}">
-                <p14:modId xmlns:p14="http://schemas.microsoft.com/office/powerpoint/2010/main" val="2978832265"/>
-              </p:ext>
-            </p:extLst>
-          </p:nvPr>
-        </p:nvGraphicFramePr>
-        <p:xfrm>
-          <a:off x="0" y="838200"/>
-          <a:ext cx="9067800" cy="5898664"/>
-        </p:xfrm>
-        <a:graphic>
-          <a:graphicData uri="http://schemas.openxmlformats.org/drawingml/2006/table">
-            <a:tbl>
-              <a:tblPr firstRow="1" firstCol="1" bandRow="1">
-                <a:tableStyleId>{5DA37D80-6434-44D0-A028-1B22A696006F}</a:tableStyleId>
-              </a:tblPr>
-              <a:tblGrid>
-                <a:gridCol w="457200"/>
-                <a:gridCol w="2209800"/>
-                <a:gridCol w="914400"/>
-                <a:gridCol w="2590800"/>
-                <a:gridCol w="1752600"/>
-                <a:gridCol w="1143000"/>
-              </a:tblGrid>
-              <a:tr h="389363">
-                <a:tc>
-                  <a:txBody>
-                    <a:bodyPr/>
-                    <a:lstStyle/>
-                    <a:p>
-                      <a:pPr marL="0" marR="0" algn="ctr">
-                        <a:lnSpc>
-                          <a:spcPct val="115000"/>
-                        </a:lnSpc>
-                        <a:spcBef>
-                          <a:spcPts val="0"/>
-                        </a:spcBef>
-                        <a:spcAft>
-                          <a:spcPts val="0"/>
-                        </a:spcAft>
-                      </a:pPr>
-                      <a:r>
-                        <a:rPr lang="en-US" sz="2400" dirty="0">
-                          <a:effectLst/>
-                        </a:rPr>
-                        <a:t>ID</a:t>
-                      </a:r>
-                      <a:endParaRPr lang="en-US" sz="3600" dirty="0">
-                        <a:effectLst/>
-                        <a:latin typeface="Calibri"/>
-                        <a:ea typeface="Calibri"/>
-                        <a:cs typeface="Times New Roman"/>
-                      </a:endParaRPr>
-                    </a:p>
-                  </a:txBody>
-                  <a:tcPr marL="68580" marR="68580" marT="0" marB="0" anchor="b"/>
-                </a:tc>
-                <a:tc>
-                  <a:txBody>
-                    <a:bodyPr/>
-                    <a:lstStyle/>
-                    <a:p>
-                      <a:pPr marL="0" marR="0" algn="ctr">
-                        <a:lnSpc>
-                          <a:spcPct val="115000"/>
-                        </a:lnSpc>
-                        <a:spcBef>
-                          <a:spcPts val="0"/>
-                        </a:spcBef>
-                        <a:spcAft>
-                          <a:spcPts val="0"/>
-                        </a:spcAft>
-                      </a:pPr>
-                      <a:r>
-                        <a:rPr lang="en-US" sz="2400" dirty="0">
-                          <a:effectLst/>
-                        </a:rPr>
-                        <a:t>Name </a:t>
-                      </a:r>
-                      <a:endParaRPr lang="en-US" sz="3600" dirty="0">
-                        <a:effectLst/>
-                        <a:latin typeface="Calibri"/>
-                        <a:ea typeface="Calibri"/>
-                        <a:cs typeface="Times New Roman"/>
-                      </a:endParaRPr>
-                    </a:p>
-                  </a:txBody>
-                  <a:tcPr marL="68580" marR="68580" marT="0" marB="0" anchor="b"/>
-                </a:tc>
-                <a:tc>
-                  <a:txBody>
-                    <a:bodyPr/>
-                    <a:lstStyle/>
-                    <a:p>
-                      <a:pPr marL="0" marR="0" algn="ctr">
-                        <a:lnSpc>
-                          <a:spcPct val="115000"/>
-                        </a:lnSpc>
-                        <a:spcBef>
-                          <a:spcPts val="0"/>
-                        </a:spcBef>
-                        <a:spcAft>
-                          <a:spcPts val="0"/>
-                        </a:spcAft>
-                      </a:pPr>
-                      <a:r>
-                        <a:rPr lang="en-US" sz="2400">
-                          <a:effectLst/>
-                        </a:rPr>
-                        <a:t>Scope</a:t>
-                      </a:r>
-                      <a:endParaRPr lang="en-US" sz="3600">
-                        <a:effectLst/>
-                        <a:latin typeface="Calibri"/>
-                        <a:ea typeface="Calibri"/>
-                        <a:cs typeface="Times New Roman"/>
-                      </a:endParaRPr>
-                    </a:p>
-                  </a:txBody>
-                  <a:tcPr marL="68580" marR="68580" marT="0" marB="0" anchor="b"/>
-                </a:tc>
-                <a:tc>
-                  <a:txBody>
-                    <a:bodyPr/>
-                    <a:lstStyle/>
-                    <a:p>
-                      <a:pPr marL="0" marR="0" algn="ctr">
-                        <a:lnSpc>
-                          <a:spcPct val="115000"/>
-                        </a:lnSpc>
-                        <a:spcBef>
-                          <a:spcPts val="0"/>
-                        </a:spcBef>
-                        <a:spcAft>
-                          <a:spcPts val="0"/>
-                        </a:spcAft>
-                      </a:pPr>
-                      <a:r>
-                        <a:rPr lang="en-US" sz="2400" dirty="0">
-                          <a:effectLst/>
-                        </a:rPr>
-                        <a:t>Primary Actor</a:t>
-                      </a:r>
-                      <a:endParaRPr lang="en-US" sz="3600" dirty="0">
-                        <a:effectLst/>
-                        <a:latin typeface="Calibri"/>
-                        <a:ea typeface="Calibri"/>
-                        <a:cs typeface="Times New Roman"/>
-                      </a:endParaRPr>
-                    </a:p>
-                  </a:txBody>
-                  <a:tcPr marL="68580" marR="68580" marT="0" marB="0" anchor="b"/>
-                </a:tc>
-                <a:tc>
-                  <a:txBody>
-                    <a:bodyPr/>
-                    <a:lstStyle/>
-                    <a:p>
-                      <a:pPr marL="0" marR="0" algn="ctr">
-                        <a:lnSpc>
-                          <a:spcPct val="115000"/>
-                        </a:lnSpc>
-                        <a:spcBef>
-                          <a:spcPts val="0"/>
-                        </a:spcBef>
-                        <a:spcAft>
-                          <a:spcPts val="0"/>
-                        </a:spcAft>
-                      </a:pPr>
-                      <a:r>
-                        <a:rPr lang="en-US" sz="2400" dirty="0" err="1" smtClean="0">
-                          <a:effectLst/>
-                        </a:rPr>
-                        <a:t>Compelxity</a:t>
-                      </a:r>
-                      <a:endParaRPr lang="en-US" sz="3600" dirty="0">
-                        <a:effectLst/>
-                        <a:latin typeface="Calibri"/>
-                        <a:ea typeface="Calibri"/>
-                        <a:cs typeface="Times New Roman"/>
-                      </a:endParaRPr>
-                    </a:p>
-                  </a:txBody>
-                  <a:tcPr marL="68580" marR="68580" marT="0" marB="0" anchor="b"/>
-                </a:tc>
-                <a:tc>
-                  <a:txBody>
-                    <a:bodyPr/>
-                    <a:lstStyle/>
-                    <a:p>
-                      <a:pPr marL="0" marR="0" algn="ctr">
-                        <a:lnSpc>
-                          <a:spcPct val="115000"/>
-                        </a:lnSpc>
-                        <a:spcBef>
-                          <a:spcPts val="0"/>
-                        </a:spcBef>
-                        <a:spcAft>
-                          <a:spcPts val="0"/>
-                        </a:spcAft>
-                      </a:pPr>
-                      <a:r>
-                        <a:rPr lang="en-US" sz="2400" dirty="0">
-                          <a:effectLst/>
-                        </a:rPr>
-                        <a:t>Priority</a:t>
-                      </a:r>
-                      <a:endParaRPr lang="en-US" sz="3600" dirty="0">
-                        <a:effectLst/>
-                        <a:latin typeface="Calibri"/>
-                        <a:ea typeface="Calibri"/>
-                        <a:cs typeface="Times New Roman"/>
-                      </a:endParaRPr>
-                    </a:p>
-                  </a:txBody>
-                  <a:tcPr marL="68580" marR="68580" marT="0" marB="0" anchor="b"/>
-                </a:tc>
-              </a:tr>
-              <a:tr h="547804">
-                <a:tc>
-                  <a:txBody>
-                    <a:bodyPr/>
-                    <a:lstStyle/>
-                    <a:p>
-                      <a:pPr marL="0" marR="0" algn="ctr">
-                        <a:lnSpc>
-                          <a:spcPct val="115000"/>
-                        </a:lnSpc>
-                        <a:spcBef>
-                          <a:spcPts val="0"/>
-                        </a:spcBef>
-                        <a:spcAft>
-                          <a:spcPts val="0"/>
-                        </a:spcAft>
-                      </a:pPr>
-                      <a:r>
-                        <a:rPr lang="en-US" sz="2400" dirty="0">
-                          <a:effectLst/>
-                        </a:rPr>
-                        <a:t>1</a:t>
-                      </a:r>
-                      <a:endParaRPr lang="en-US" sz="3600" dirty="0">
-                        <a:effectLst/>
-                        <a:latin typeface="Calibri"/>
-                        <a:ea typeface="Calibri"/>
-                        <a:cs typeface="Times New Roman"/>
-                      </a:endParaRPr>
-                    </a:p>
-                  </a:txBody>
-                  <a:tcPr marL="68580" marR="68580" marT="0" marB="0" anchor="b"/>
-                </a:tc>
-                <a:tc>
-                  <a:txBody>
-                    <a:bodyPr/>
-                    <a:lstStyle/>
-                    <a:p>
-                      <a:pPr marL="0" marR="0" algn="ctr">
-                        <a:lnSpc>
-                          <a:spcPct val="115000"/>
-                        </a:lnSpc>
-                        <a:spcBef>
-                          <a:spcPts val="0"/>
-                        </a:spcBef>
-                        <a:spcAft>
-                          <a:spcPts val="0"/>
-                        </a:spcAft>
-                      </a:pPr>
-                      <a:r>
-                        <a:rPr lang="en-US" sz="2400" dirty="0">
-                          <a:effectLst/>
-                        </a:rPr>
-                        <a:t>Menu view</a:t>
-                      </a:r>
-                      <a:endParaRPr lang="en-US" sz="3600" dirty="0">
-                        <a:effectLst/>
-                        <a:latin typeface="Calibri"/>
-                        <a:ea typeface="Calibri"/>
-                        <a:cs typeface="Times New Roman"/>
-                      </a:endParaRPr>
-                    </a:p>
-                  </a:txBody>
-                  <a:tcPr marL="68580" marR="68580" marT="0" marB="0" anchor="b"/>
-                </a:tc>
-                <a:tc>
-                  <a:txBody>
-                    <a:bodyPr/>
-                    <a:lstStyle/>
-                    <a:p>
-                      <a:pPr marL="0" marR="0" algn="ctr">
-                        <a:lnSpc>
-                          <a:spcPct val="115000"/>
-                        </a:lnSpc>
-                        <a:spcBef>
-                          <a:spcPts val="0"/>
-                        </a:spcBef>
-                        <a:spcAft>
-                          <a:spcPts val="0"/>
-                        </a:spcAft>
-                      </a:pPr>
-                      <a:r>
-                        <a:rPr lang="en-US" sz="2400">
-                          <a:effectLst/>
-                        </a:rPr>
-                        <a:t>In</a:t>
-                      </a:r>
-                      <a:endParaRPr lang="en-US" sz="3600">
-                        <a:effectLst/>
-                        <a:latin typeface="Calibri"/>
-                        <a:ea typeface="Calibri"/>
-                        <a:cs typeface="Times New Roman"/>
-                      </a:endParaRPr>
-                    </a:p>
-                  </a:txBody>
-                  <a:tcPr marL="68580" marR="68580" marT="0" marB="0" anchor="b"/>
-                </a:tc>
-                <a:tc>
-                  <a:txBody>
-                    <a:bodyPr/>
-                    <a:lstStyle/>
-                    <a:p>
-                      <a:pPr marL="0" marR="0" algn="ctr">
-                        <a:lnSpc>
-                          <a:spcPct val="115000"/>
-                        </a:lnSpc>
-                        <a:spcBef>
-                          <a:spcPts val="0"/>
-                        </a:spcBef>
-                        <a:spcAft>
-                          <a:spcPts val="0"/>
-                        </a:spcAft>
-                      </a:pPr>
-                      <a:r>
-                        <a:rPr lang="en-US" sz="2400" dirty="0">
-                          <a:effectLst/>
-                        </a:rPr>
-                        <a:t>Anyone</a:t>
-                      </a:r>
-                      <a:endParaRPr lang="en-US" sz="3600" dirty="0">
-                        <a:effectLst/>
-                        <a:latin typeface="Calibri"/>
-                        <a:ea typeface="Calibri"/>
-                        <a:cs typeface="Times New Roman"/>
-                      </a:endParaRPr>
-                    </a:p>
-                  </a:txBody>
-                  <a:tcPr marL="68580" marR="68580" marT="0" marB="0" anchor="b"/>
-                </a:tc>
-                <a:tc>
-                  <a:txBody>
-                    <a:bodyPr/>
-                    <a:lstStyle/>
-                    <a:p>
-                      <a:pPr marL="0" marR="0" algn="ctr">
-                        <a:lnSpc>
-                          <a:spcPct val="115000"/>
-                        </a:lnSpc>
-                        <a:spcBef>
-                          <a:spcPts val="0"/>
-                        </a:spcBef>
-                        <a:spcAft>
-                          <a:spcPts val="0"/>
-                        </a:spcAft>
-                      </a:pPr>
-                      <a:r>
-                        <a:rPr lang="en-US" sz="2400">
-                          <a:effectLst/>
-                        </a:rPr>
-                        <a:t>Low</a:t>
-                      </a:r>
-                      <a:endParaRPr lang="en-US" sz="3600">
-                        <a:effectLst/>
-                        <a:latin typeface="Calibri"/>
-                        <a:ea typeface="Calibri"/>
-                        <a:cs typeface="Times New Roman"/>
-                      </a:endParaRPr>
-                    </a:p>
-                  </a:txBody>
-                  <a:tcPr marL="68580" marR="68580" marT="0" marB="0" anchor="b"/>
-                </a:tc>
-                <a:tc>
-                  <a:txBody>
-                    <a:bodyPr/>
-                    <a:lstStyle/>
-                    <a:p>
-                      <a:pPr marL="0" marR="0" algn="ctr">
-                        <a:lnSpc>
-                          <a:spcPct val="115000"/>
-                        </a:lnSpc>
-                        <a:spcBef>
-                          <a:spcPts val="0"/>
-                        </a:spcBef>
-                        <a:spcAft>
-                          <a:spcPts val="0"/>
-                        </a:spcAft>
-                      </a:pPr>
-                      <a:r>
-                        <a:rPr lang="en-US" sz="2400">
-                          <a:effectLst/>
-                        </a:rPr>
-                        <a:t>1</a:t>
-                      </a:r>
-                      <a:endParaRPr lang="en-US" sz="3600">
-                        <a:effectLst/>
-                        <a:latin typeface="Calibri"/>
-                        <a:ea typeface="Calibri"/>
-                        <a:cs typeface="Times New Roman"/>
-                      </a:endParaRPr>
-                    </a:p>
-                  </a:txBody>
-                  <a:tcPr marL="68580" marR="68580" marT="0" marB="0" anchor="b"/>
-                </a:tc>
-              </a:tr>
-              <a:tr h="547804">
-                <a:tc>
-                  <a:txBody>
-                    <a:bodyPr/>
-                    <a:lstStyle/>
-                    <a:p>
-                      <a:pPr marL="0" marR="0" algn="ctr">
-                        <a:lnSpc>
-                          <a:spcPct val="115000"/>
-                        </a:lnSpc>
-                        <a:spcBef>
-                          <a:spcPts val="0"/>
-                        </a:spcBef>
-                        <a:spcAft>
-                          <a:spcPts val="0"/>
-                        </a:spcAft>
-                      </a:pPr>
-                      <a:r>
-                        <a:rPr lang="en-US" sz="2400">
-                          <a:effectLst/>
-                        </a:rPr>
-                        <a:t>2</a:t>
-                      </a:r>
-                      <a:endParaRPr lang="en-US" sz="3600">
-                        <a:effectLst/>
-                        <a:latin typeface="Calibri"/>
-                        <a:ea typeface="Calibri"/>
-                        <a:cs typeface="Times New Roman"/>
-                      </a:endParaRPr>
-                    </a:p>
-                  </a:txBody>
-                  <a:tcPr marL="68580" marR="68580" marT="0" marB="0" anchor="b"/>
-                </a:tc>
-                <a:tc>
-                  <a:txBody>
-                    <a:bodyPr/>
-                    <a:lstStyle/>
-                    <a:p>
-                      <a:pPr marL="0" marR="0" algn="ctr">
-                        <a:lnSpc>
-                          <a:spcPct val="115000"/>
-                        </a:lnSpc>
-                        <a:spcBef>
-                          <a:spcPts val="0"/>
-                        </a:spcBef>
-                        <a:spcAft>
-                          <a:spcPts val="0"/>
-                        </a:spcAft>
-                      </a:pPr>
-                      <a:r>
-                        <a:rPr lang="en-US" sz="2400" dirty="0" smtClean="0">
-                          <a:effectLst/>
-                        </a:rPr>
-                        <a:t>Place Order</a:t>
-                      </a:r>
-                      <a:endParaRPr lang="en-US" sz="3600" dirty="0">
-                        <a:effectLst/>
-                        <a:latin typeface="Calibri"/>
-                        <a:ea typeface="Calibri"/>
-                        <a:cs typeface="Times New Roman"/>
-                      </a:endParaRPr>
-                    </a:p>
-                  </a:txBody>
-                  <a:tcPr marL="68580" marR="68580" marT="0" marB="0" anchor="b"/>
-                </a:tc>
-                <a:tc>
-                  <a:txBody>
-                    <a:bodyPr/>
-                    <a:lstStyle/>
-                    <a:p>
-                      <a:pPr marL="0" marR="0" algn="ctr">
-                        <a:lnSpc>
-                          <a:spcPct val="115000"/>
-                        </a:lnSpc>
-                        <a:spcBef>
-                          <a:spcPts val="0"/>
-                        </a:spcBef>
-                        <a:spcAft>
-                          <a:spcPts val="0"/>
-                        </a:spcAft>
-                      </a:pPr>
-                      <a:r>
-                        <a:rPr lang="en-US" sz="2400">
-                          <a:effectLst/>
-                        </a:rPr>
-                        <a:t>In</a:t>
-                      </a:r>
-                      <a:endParaRPr lang="en-US" sz="3600">
-                        <a:effectLst/>
-                        <a:latin typeface="Calibri"/>
-                        <a:ea typeface="Calibri"/>
-                        <a:cs typeface="Times New Roman"/>
-                      </a:endParaRPr>
-                    </a:p>
-                  </a:txBody>
-                  <a:tcPr marL="68580" marR="68580" marT="0" marB="0" anchor="b"/>
-                </a:tc>
-                <a:tc>
-                  <a:txBody>
-                    <a:bodyPr/>
-                    <a:lstStyle/>
-                    <a:p>
-                      <a:pPr marL="0" marR="0" algn="ctr">
-                        <a:lnSpc>
-                          <a:spcPct val="115000"/>
-                        </a:lnSpc>
-                        <a:spcBef>
-                          <a:spcPts val="0"/>
-                        </a:spcBef>
-                        <a:spcAft>
-                          <a:spcPts val="0"/>
-                        </a:spcAft>
-                      </a:pPr>
-                      <a:r>
-                        <a:rPr lang="en-US" sz="2400">
-                          <a:effectLst/>
-                        </a:rPr>
-                        <a:t>Customer</a:t>
-                      </a:r>
-                      <a:endParaRPr lang="en-US" sz="3600">
-                        <a:effectLst/>
-                        <a:latin typeface="Calibri"/>
-                        <a:ea typeface="Calibri"/>
-                        <a:cs typeface="Times New Roman"/>
-                      </a:endParaRPr>
-                    </a:p>
-                  </a:txBody>
-                  <a:tcPr marL="68580" marR="68580" marT="0" marB="0" anchor="b"/>
-                </a:tc>
-                <a:tc>
-                  <a:txBody>
-                    <a:bodyPr/>
-                    <a:lstStyle/>
-                    <a:p>
-                      <a:pPr marL="0" marR="0" algn="ctr">
-                        <a:lnSpc>
-                          <a:spcPct val="115000"/>
-                        </a:lnSpc>
-                        <a:spcBef>
-                          <a:spcPts val="0"/>
-                        </a:spcBef>
-                        <a:spcAft>
-                          <a:spcPts val="0"/>
-                        </a:spcAft>
-                      </a:pPr>
-                      <a:r>
-                        <a:rPr lang="en-US" sz="2400">
-                          <a:effectLst/>
-                        </a:rPr>
-                        <a:t>Low</a:t>
-                      </a:r>
-                      <a:endParaRPr lang="en-US" sz="3600">
-                        <a:effectLst/>
-                        <a:latin typeface="Calibri"/>
-                        <a:ea typeface="Calibri"/>
-                        <a:cs typeface="Times New Roman"/>
-                      </a:endParaRPr>
-                    </a:p>
-                  </a:txBody>
-                  <a:tcPr marL="68580" marR="68580" marT="0" marB="0" anchor="b"/>
-                </a:tc>
-                <a:tc>
-                  <a:txBody>
-                    <a:bodyPr/>
-                    <a:lstStyle/>
-                    <a:p>
-                      <a:pPr marL="0" marR="0" algn="ctr">
-                        <a:lnSpc>
-                          <a:spcPct val="115000"/>
-                        </a:lnSpc>
-                        <a:spcBef>
-                          <a:spcPts val="0"/>
-                        </a:spcBef>
-                        <a:spcAft>
-                          <a:spcPts val="0"/>
-                        </a:spcAft>
-                      </a:pPr>
-                      <a:r>
-                        <a:rPr lang="en-US" sz="2400">
-                          <a:effectLst/>
-                        </a:rPr>
-                        <a:t>1</a:t>
-                      </a:r>
-                      <a:endParaRPr lang="en-US" sz="3600">
-                        <a:effectLst/>
-                        <a:latin typeface="Calibri"/>
-                        <a:ea typeface="Calibri"/>
-                        <a:cs typeface="Times New Roman"/>
-                      </a:endParaRPr>
-                    </a:p>
-                  </a:txBody>
-                  <a:tcPr marL="68580" marR="68580" marT="0" marB="0" anchor="b"/>
-                </a:tc>
-              </a:tr>
-              <a:tr h="547804">
-                <a:tc>
-                  <a:txBody>
-                    <a:bodyPr/>
-                    <a:lstStyle/>
-                    <a:p>
-                      <a:pPr marL="0" marR="0" algn="ctr">
-                        <a:lnSpc>
-                          <a:spcPct val="115000"/>
-                        </a:lnSpc>
-                        <a:spcBef>
-                          <a:spcPts val="0"/>
-                        </a:spcBef>
-                        <a:spcAft>
-                          <a:spcPts val="0"/>
-                        </a:spcAft>
-                      </a:pPr>
-                      <a:r>
-                        <a:rPr lang="en-US" sz="2400">
-                          <a:effectLst/>
-                        </a:rPr>
-                        <a:t>3</a:t>
-                      </a:r>
-                      <a:endParaRPr lang="en-US" sz="3600">
-                        <a:effectLst/>
-                        <a:latin typeface="Calibri"/>
-                        <a:ea typeface="Calibri"/>
-                        <a:cs typeface="Times New Roman"/>
-                      </a:endParaRPr>
-                    </a:p>
-                  </a:txBody>
-                  <a:tcPr marL="68580" marR="68580" marT="0" marB="0" anchor="b"/>
-                </a:tc>
-                <a:tc>
-                  <a:txBody>
-                    <a:bodyPr/>
-                    <a:lstStyle/>
-                    <a:p>
-                      <a:pPr marL="0" marR="0" algn="ctr">
-                        <a:lnSpc>
-                          <a:spcPct val="115000"/>
-                        </a:lnSpc>
-                        <a:spcBef>
-                          <a:spcPts val="0"/>
-                        </a:spcBef>
-                        <a:spcAft>
-                          <a:spcPts val="0"/>
-                        </a:spcAft>
-                      </a:pPr>
-                      <a:r>
-                        <a:rPr lang="en-US" sz="2400" dirty="0" smtClean="0">
-                          <a:effectLst/>
-                        </a:rPr>
-                        <a:t>Deliver Order</a:t>
-                      </a:r>
-                      <a:endParaRPr lang="en-US" sz="3600" dirty="0">
-                        <a:effectLst/>
-                        <a:latin typeface="Calibri"/>
-                        <a:ea typeface="Calibri"/>
-                        <a:cs typeface="Times New Roman"/>
-                      </a:endParaRPr>
-                    </a:p>
-                  </a:txBody>
-                  <a:tcPr marL="68580" marR="68580" marT="0" marB="0" anchor="b"/>
-                </a:tc>
-                <a:tc>
-                  <a:txBody>
-                    <a:bodyPr/>
-                    <a:lstStyle/>
-                    <a:p>
-                      <a:pPr marL="0" marR="0" algn="ctr">
-                        <a:lnSpc>
-                          <a:spcPct val="115000"/>
-                        </a:lnSpc>
-                        <a:spcBef>
-                          <a:spcPts val="0"/>
-                        </a:spcBef>
-                        <a:spcAft>
-                          <a:spcPts val="0"/>
-                        </a:spcAft>
-                      </a:pPr>
-                      <a:r>
-                        <a:rPr lang="en-US" sz="2400" dirty="0">
-                          <a:effectLst/>
-                        </a:rPr>
-                        <a:t>In</a:t>
-                      </a:r>
-                      <a:endParaRPr lang="en-US" sz="3600" dirty="0">
-                        <a:effectLst/>
-                        <a:latin typeface="Calibri"/>
-                        <a:ea typeface="Calibri"/>
-                        <a:cs typeface="Times New Roman"/>
-                      </a:endParaRPr>
-                    </a:p>
-                  </a:txBody>
-                  <a:tcPr marL="68580" marR="68580" marT="0" marB="0" anchor="b"/>
-                </a:tc>
-                <a:tc>
-                  <a:txBody>
-                    <a:bodyPr/>
-                    <a:lstStyle/>
-                    <a:p>
-                      <a:pPr marL="0" marR="0" algn="ctr">
-                        <a:lnSpc>
-                          <a:spcPct val="115000"/>
-                        </a:lnSpc>
-                        <a:spcBef>
-                          <a:spcPts val="0"/>
-                        </a:spcBef>
-                        <a:spcAft>
-                          <a:spcPts val="0"/>
-                        </a:spcAft>
-                      </a:pPr>
-                      <a:r>
-                        <a:rPr lang="en-US" sz="2400">
-                          <a:effectLst/>
-                        </a:rPr>
-                        <a:t>Waiter</a:t>
-                      </a:r>
-                      <a:endParaRPr lang="en-US" sz="3600">
-                        <a:effectLst/>
-                        <a:latin typeface="Calibri"/>
-                        <a:ea typeface="Calibri"/>
-                        <a:cs typeface="Times New Roman"/>
-                      </a:endParaRPr>
-                    </a:p>
-                  </a:txBody>
-                  <a:tcPr marL="68580" marR="68580" marT="0" marB="0" anchor="b"/>
-                </a:tc>
-                <a:tc>
-                  <a:txBody>
-                    <a:bodyPr/>
-                    <a:lstStyle/>
-                    <a:p>
-                      <a:pPr marL="0" marR="0" algn="ctr">
-                        <a:lnSpc>
-                          <a:spcPct val="115000"/>
-                        </a:lnSpc>
-                        <a:spcBef>
-                          <a:spcPts val="0"/>
-                        </a:spcBef>
-                        <a:spcAft>
-                          <a:spcPts val="0"/>
-                        </a:spcAft>
-                      </a:pPr>
-                      <a:r>
-                        <a:rPr lang="en-US" sz="2400">
-                          <a:effectLst/>
-                        </a:rPr>
-                        <a:t>Low</a:t>
-                      </a:r>
-                      <a:endParaRPr lang="en-US" sz="3600">
-                        <a:effectLst/>
-                        <a:latin typeface="Calibri"/>
-                        <a:ea typeface="Calibri"/>
-                        <a:cs typeface="Times New Roman"/>
-                      </a:endParaRPr>
-                    </a:p>
-                  </a:txBody>
-                  <a:tcPr marL="68580" marR="68580" marT="0" marB="0" anchor="b"/>
-                </a:tc>
-                <a:tc>
-                  <a:txBody>
-                    <a:bodyPr/>
-                    <a:lstStyle/>
-                    <a:p>
-                      <a:pPr marL="0" marR="0" algn="ctr">
-                        <a:lnSpc>
-                          <a:spcPct val="115000"/>
-                        </a:lnSpc>
-                        <a:spcBef>
-                          <a:spcPts val="0"/>
-                        </a:spcBef>
-                        <a:spcAft>
-                          <a:spcPts val="0"/>
-                        </a:spcAft>
-                      </a:pPr>
-                      <a:r>
-                        <a:rPr lang="en-US" sz="2400">
-                          <a:effectLst/>
-                        </a:rPr>
-                        <a:t>1</a:t>
-                      </a:r>
-                      <a:endParaRPr lang="en-US" sz="3600">
-                        <a:effectLst/>
-                        <a:latin typeface="Calibri"/>
-                        <a:ea typeface="Calibri"/>
-                        <a:cs typeface="Times New Roman"/>
-                      </a:endParaRPr>
-                    </a:p>
-                  </a:txBody>
-                  <a:tcPr marL="68580" marR="68580" marT="0" marB="0" anchor="b"/>
-                </a:tc>
-              </a:tr>
-              <a:tr h="547804">
-                <a:tc>
-                  <a:txBody>
-                    <a:bodyPr/>
-                    <a:lstStyle/>
-                    <a:p>
-                      <a:pPr marL="0" marR="0" algn="ctr">
-                        <a:lnSpc>
-                          <a:spcPct val="115000"/>
-                        </a:lnSpc>
-                        <a:spcBef>
-                          <a:spcPts val="0"/>
-                        </a:spcBef>
-                        <a:spcAft>
-                          <a:spcPts val="0"/>
-                        </a:spcAft>
-                      </a:pPr>
-                      <a:r>
-                        <a:rPr lang="en-US" sz="2400">
-                          <a:effectLst/>
-                        </a:rPr>
-                        <a:t>4</a:t>
-                      </a:r>
-                      <a:endParaRPr lang="en-US" sz="3600">
-                        <a:effectLst/>
-                        <a:latin typeface="Calibri"/>
-                        <a:ea typeface="Calibri"/>
-                        <a:cs typeface="Times New Roman"/>
-                      </a:endParaRPr>
-                    </a:p>
-                  </a:txBody>
-                  <a:tcPr marL="68580" marR="68580" marT="0" marB="0" anchor="b"/>
-                </a:tc>
-                <a:tc>
-                  <a:txBody>
-                    <a:bodyPr/>
-                    <a:lstStyle/>
-                    <a:p>
-                      <a:pPr marL="0" marR="0" algn="ctr">
-                        <a:lnSpc>
-                          <a:spcPct val="115000"/>
-                        </a:lnSpc>
-                        <a:spcBef>
-                          <a:spcPts val="0"/>
-                        </a:spcBef>
-                        <a:spcAft>
-                          <a:spcPts val="0"/>
-                        </a:spcAft>
-                      </a:pPr>
-                      <a:r>
-                        <a:rPr lang="en-US" sz="2400" dirty="0">
-                          <a:effectLst/>
-                        </a:rPr>
-                        <a:t>Order review</a:t>
-                      </a:r>
-                      <a:endParaRPr lang="en-US" sz="3600" dirty="0">
-                        <a:effectLst/>
-                        <a:latin typeface="Calibri"/>
-                        <a:ea typeface="Calibri"/>
-                        <a:cs typeface="Times New Roman"/>
-                      </a:endParaRPr>
-                    </a:p>
-                  </a:txBody>
-                  <a:tcPr marL="68580" marR="68580" marT="0" marB="0" anchor="b"/>
-                </a:tc>
-                <a:tc>
-                  <a:txBody>
-                    <a:bodyPr/>
-                    <a:lstStyle/>
-                    <a:p>
-                      <a:pPr marL="0" marR="0" algn="ctr">
-                        <a:lnSpc>
-                          <a:spcPct val="115000"/>
-                        </a:lnSpc>
-                        <a:spcBef>
-                          <a:spcPts val="0"/>
-                        </a:spcBef>
-                        <a:spcAft>
-                          <a:spcPts val="0"/>
-                        </a:spcAft>
-                      </a:pPr>
-                      <a:r>
-                        <a:rPr lang="en-US" sz="2400" dirty="0">
-                          <a:effectLst/>
-                        </a:rPr>
-                        <a:t>In</a:t>
-                      </a:r>
-                      <a:endParaRPr lang="en-US" sz="3600" dirty="0">
-                        <a:effectLst/>
-                        <a:latin typeface="Calibri"/>
-                        <a:ea typeface="Calibri"/>
-                        <a:cs typeface="Times New Roman"/>
-                      </a:endParaRPr>
-                    </a:p>
-                  </a:txBody>
-                  <a:tcPr marL="68580" marR="68580" marT="0" marB="0" anchor="b"/>
-                </a:tc>
-                <a:tc>
-                  <a:txBody>
-                    <a:bodyPr/>
-                    <a:lstStyle/>
-                    <a:p>
-                      <a:pPr marL="0" marR="0" algn="ctr">
-                        <a:lnSpc>
-                          <a:spcPct val="115000"/>
-                        </a:lnSpc>
-                        <a:spcBef>
-                          <a:spcPts val="0"/>
-                        </a:spcBef>
-                        <a:spcAft>
-                          <a:spcPts val="0"/>
-                        </a:spcAft>
-                      </a:pPr>
-                      <a:r>
-                        <a:rPr lang="en-US" sz="2400" dirty="0" smtClean="0">
-                          <a:effectLst/>
-                        </a:rPr>
-                        <a:t>Waiter/customer</a:t>
-                      </a:r>
-                      <a:endParaRPr lang="en-US" sz="3600" dirty="0">
-                        <a:effectLst/>
-                        <a:latin typeface="Calibri"/>
-                        <a:ea typeface="Calibri"/>
-                        <a:cs typeface="Times New Roman"/>
-                      </a:endParaRPr>
-                    </a:p>
-                  </a:txBody>
-                  <a:tcPr marL="68580" marR="68580" marT="0" marB="0" anchor="b"/>
-                </a:tc>
-                <a:tc>
-                  <a:txBody>
-                    <a:bodyPr/>
-                    <a:lstStyle/>
-                    <a:p>
-                      <a:pPr marL="0" marR="0" algn="ctr">
-                        <a:lnSpc>
-                          <a:spcPct val="115000"/>
-                        </a:lnSpc>
-                        <a:spcBef>
-                          <a:spcPts val="0"/>
-                        </a:spcBef>
-                        <a:spcAft>
-                          <a:spcPts val="0"/>
-                        </a:spcAft>
-                      </a:pPr>
-                      <a:r>
-                        <a:rPr lang="en-US" sz="2400">
-                          <a:effectLst/>
-                        </a:rPr>
-                        <a:t>Low</a:t>
-                      </a:r>
-                      <a:endParaRPr lang="en-US" sz="3600">
-                        <a:effectLst/>
-                        <a:latin typeface="Calibri"/>
-                        <a:ea typeface="Calibri"/>
-                        <a:cs typeface="Times New Roman"/>
-                      </a:endParaRPr>
-                    </a:p>
-                  </a:txBody>
-                  <a:tcPr marL="68580" marR="68580" marT="0" marB="0" anchor="b"/>
-                </a:tc>
-                <a:tc>
-                  <a:txBody>
-                    <a:bodyPr/>
-                    <a:lstStyle/>
-                    <a:p>
-                      <a:pPr marL="0" marR="0" algn="ctr">
-                        <a:lnSpc>
-                          <a:spcPct val="115000"/>
-                        </a:lnSpc>
-                        <a:spcBef>
-                          <a:spcPts val="0"/>
-                        </a:spcBef>
-                        <a:spcAft>
-                          <a:spcPts val="0"/>
-                        </a:spcAft>
-                      </a:pPr>
-                      <a:r>
-                        <a:rPr lang="en-US" sz="2400">
-                          <a:effectLst/>
-                        </a:rPr>
-                        <a:t>1</a:t>
-                      </a:r>
-                      <a:endParaRPr lang="en-US" sz="3600">
-                        <a:effectLst/>
-                        <a:latin typeface="Calibri"/>
-                        <a:ea typeface="Calibri"/>
-                        <a:cs typeface="Times New Roman"/>
-                      </a:endParaRPr>
-                    </a:p>
-                  </a:txBody>
-                  <a:tcPr marL="68580" marR="68580" marT="0" marB="0" anchor="b"/>
-                </a:tc>
-              </a:tr>
-              <a:tr h="547804">
-                <a:tc>
-                  <a:txBody>
-                    <a:bodyPr/>
-                    <a:lstStyle/>
-                    <a:p>
-                      <a:pPr marL="0" marR="0" algn="ctr">
-                        <a:lnSpc>
-                          <a:spcPct val="115000"/>
-                        </a:lnSpc>
-                        <a:spcBef>
-                          <a:spcPts val="0"/>
-                        </a:spcBef>
-                        <a:spcAft>
-                          <a:spcPts val="0"/>
-                        </a:spcAft>
-                      </a:pPr>
-                      <a:r>
-                        <a:rPr lang="en-US" sz="2400">
-                          <a:effectLst/>
-                        </a:rPr>
-                        <a:t>5</a:t>
-                      </a:r>
-                      <a:endParaRPr lang="en-US" sz="3600">
-                        <a:effectLst/>
-                        <a:latin typeface="Calibri"/>
-                        <a:ea typeface="Calibri"/>
-                        <a:cs typeface="Times New Roman"/>
-                      </a:endParaRPr>
-                    </a:p>
-                  </a:txBody>
-                  <a:tcPr marL="68580" marR="68580" marT="0" marB="0" anchor="b"/>
-                </a:tc>
-                <a:tc>
-                  <a:txBody>
-                    <a:bodyPr/>
-                    <a:lstStyle/>
-                    <a:p>
-                      <a:pPr marL="0" marR="0" algn="ctr">
-                        <a:lnSpc>
-                          <a:spcPct val="115000"/>
-                        </a:lnSpc>
-                        <a:spcBef>
-                          <a:spcPts val="0"/>
-                        </a:spcBef>
-                        <a:spcAft>
-                          <a:spcPts val="0"/>
-                        </a:spcAft>
-                      </a:pPr>
-                      <a:r>
-                        <a:rPr lang="en-US" sz="2400" dirty="0" smtClean="0">
-                          <a:effectLst/>
-                        </a:rPr>
-                        <a:t>Manage Table</a:t>
-                      </a:r>
-                      <a:endParaRPr lang="en-US" sz="3600" dirty="0">
-                        <a:effectLst/>
-                        <a:latin typeface="Calibri"/>
-                        <a:ea typeface="Calibri"/>
-                        <a:cs typeface="Times New Roman"/>
-                      </a:endParaRPr>
-                    </a:p>
-                  </a:txBody>
-                  <a:tcPr marL="68580" marR="68580" marT="0" marB="0" anchor="b"/>
-                </a:tc>
-                <a:tc>
-                  <a:txBody>
-                    <a:bodyPr/>
-                    <a:lstStyle/>
-                    <a:p>
-                      <a:pPr marL="0" marR="0" algn="ctr">
-                        <a:lnSpc>
-                          <a:spcPct val="115000"/>
-                        </a:lnSpc>
-                        <a:spcBef>
-                          <a:spcPts val="0"/>
-                        </a:spcBef>
-                        <a:spcAft>
-                          <a:spcPts val="0"/>
-                        </a:spcAft>
-                      </a:pPr>
-                      <a:r>
-                        <a:rPr lang="en-US" sz="2400" dirty="0">
-                          <a:effectLst/>
-                        </a:rPr>
-                        <a:t>In</a:t>
-                      </a:r>
-                      <a:endParaRPr lang="en-US" sz="3600" dirty="0">
-                        <a:effectLst/>
-                        <a:latin typeface="Calibri"/>
-                        <a:ea typeface="Calibri"/>
-                        <a:cs typeface="Times New Roman"/>
-                      </a:endParaRPr>
-                    </a:p>
-                  </a:txBody>
-                  <a:tcPr marL="68580" marR="68580" marT="0" marB="0" anchor="b"/>
-                </a:tc>
-                <a:tc>
-                  <a:txBody>
-                    <a:bodyPr/>
-                    <a:lstStyle/>
-                    <a:p>
-                      <a:pPr marL="0" marR="0" algn="ctr">
-                        <a:lnSpc>
-                          <a:spcPct val="115000"/>
-                        </a:lnSpc>
-                        <a:spcBef>
-                          <a:spcPts val="0"/>
-                        </a:spcBef>
-                        <a:spcAft>
-                          <a:spcPts val="0"/>
-                        </a:spcAft>
-                      </a:pPr>
-                      <a:r>
-                        <a:rPr lang="en-US" sz="2400" dirty="0">
-                          <a:effectLst/>
-                        </a:rPr>
-                        <a:t>Waiter</a:t>
-                      </a:r>
-                      <a:endParaRPr lang="en-US" sz="3600" dirty="0">
-                        <a:effectLst/>
-                        <a:latin typeface="Calibri"/>
-                        <a:ea typeface="Calibri"/>
-                        <a:cs typeface="Times New Roman"/>
-                      </a:endParaRPr>
-                    </a:p>
-                  </a:txBody>
-                  <a:tcPr marL="68580" marR="68580" marT="0" marB="0" anchor="b"/>
-                </a:tc>
-                <a:tc>
-                  <a:txBody>
-                    <a:bodyPr/>
-                    <a:lstStyle/>
-                    <a:p>
-                      <a:pPr marL="0" marR="0" algn="ctr">
-                        <a:lnSpc>
-                          <a:spcPct val="115000"/>
-                        </a:lnSpc>
-                        <a:spcBef>
-                          <a:spcPts val="0"/>
-                        </a:spcBef>
-                        <a:spcAft>
-                          <a:spcPts val="0"/>
-                        </a:spcAft>
-                      </a:pPr>
-                      <a:r>
-                        <a:rPr lang="en-US" sz="2400">
-                          <a:effectLst/>
-                        </a:rPr>
-                        <a:t>High</a:t>
-                      </a:r>
-                      <a:endParaRPr lang="en-US" sz="3600">
-                        <a:effectLst/>
-                        <a:latin typeface="Calibri"/>
-                        <a:ea typeface="Calibri"/>
-                        <a:cs typeface="Times New Roman"/>
-                      </a:endParaRPr>
-                    </a:p>
-                  </a:txBody>
-                  <a:tcPr marL="68580" marR="68580" marT="0" marB="0" anchor="b"/>
-                </a:tc>
-                <a:tc>
-                  <a:txBody>
-                    <a:bodyPr/>
-                    <a:lstStyle/>
-                    <a:p>
-                      <a:pPr marL="0" marR="0" algn="ctr">
-                        <a:lnSpc>
-                          <a:spcPct val="115000"/>
-                        </a:lnSpc>
-                        <a:spcBef>
-                          <a:spcPts val="0"/>
-                        </a:spcBef>
-                        <a:spcAft>
-                          <a:spcPts val="0"/>
-                        </a:spcAft>
-                      </a:pPr>
-                      <a:r>
-                        <a:rPr lang="en-US" sz="2400">
-                          <a:effectLst/>
-                        </a:rPr>
-                        <a:t>2</a:t>
-                      </a:r>
-                      <a:endParaRPr lang="en-US" sz="3600">
-                        <a:effectLst/>
-                        <a:latin typeface="Calibri"/>
-                        <a:ea typeface="Calibri"/>
-                        <a:cs typeface="Times New Roman"/>
-                      </a:endParaRPr>
-                    </a:p>
-                  </a:txBody>
-                  <a:tcPr marL="68580" marR="68580" marT="0" marB="0" anchor="b"/>
-                </a:tc>
-              </a:tr>
-              <a:tr h="547804">
-                <a:tc>
-                  <a:txBody>
-                    <a:bodyPr/>
-                    <a:lstStyle/>
-                    <a:p>
-                      <a:pPr marL="0" marR="0" algn="ctr">
-                        <a:lnSpc>
-                          <a:spcPct val="115000"/>
-                        </a:lnSpc>
-                        <a:spcBef>
-                          <a:spcPts val="0"/>
-                        </a:spcBef>
-                        <a:spcAft>
-                          <a:spcPts val="0"/>
-                        </a:spcAft>
-                      </a:pPr>
-                      <a:r>
-                        <a:rPr lang="en-US" sz="2400">
-                          <a:effectLst/>
-                        </a:rPr>
-                        <a:t>6</a:t>
-                      </a:r>
-                      <a:endParaRPr lang="en-US" sz="3600">
-                        <a:effectLst/>
-                        <a:latin typeface="Calibri"/>
-                        <a:ea typeface="Calibri"/>
-                        <a:cs typeface="Times New Roman"/>
-                      </a:endParaRPr>
-                    </a:p>
-                  </a:txBody>
-                  <a:tcPr marL="68580" marR="68580" marT="0" marB="0" anchor="b"/>
-                </a:tc>
-                <a:tc>
-                  <a:txBody>
-                    <a:bodyPr/>
-                    <a:lstStyle/>
-                    <a:p>
-                      <a:pPr marL="0" marR="0" algn="ctr">
-                        <a:lnSpc>
-                          <a:spcPct val="115000"/>
-                        </a:lnSpc>
-                        <a:spcBef>
-                          <a:spcPts val="0"/>
-                        </a:spcBef>
-                        <a:spcAft>
-                          <a:spcPts val="0"/>
-                        </a:spcAft>
-                      </a:pPr>
-                      <a:r>
-                        <a:rPr lang="en-US" sz="2400">
-                          <a:effectLst/>
-                        </a:rPr>
-                        <a:t>Order check off</a:t>
-                      </a:r>
-                      <a:endParaRPr lang="en-US" sz="3600">
-                        <a:effectLst/>
-                        <a:latin typeface="Calibri"/>
-                        <a:ea typeface="Calibri"/>
-                        <a:cs typeface="Times New Roman"/>
-                      </a:endParaRPr>
-                    </a:p>
-                  </a:txBody>
-                  <a:tcPr marL="68580" marR="68580" marT="0" marB="0" anchor="b"/>
-                </a:tc>
-                <a:tc>
-                  <a:txBody>
-                    <a:bodyPr/>
-                    <a:lstStyle/>
-                    <a:p>
-                      <a:pPr marL="0" marR="0" algn="ctr">
-                        <a:lnSpc>
-                          <a:spcPct val="115000"/>
-                        </a:lnSpc>
-                        <a:spcBef>
-                          <a:spcPts val="0"/>
-                        </a:spcBef>
-                        <a:spcAft>
-                          <a:spcPts val="0"/>
-                        </a:spcAft>
-                      </a:pPr>
-                      <a:r>
-                        <a:rPr lang="en-US" sz="2400" dirty="0">
-                          <a:effectLst/>
-                        </a:rPr>
-                        <a:t>In</a:t>
-                      </a:r>
-                      <a:endParaRPr lang="en-US" sz="3600" dirty="0">
-                        <a:effectLst/>
-                        <a:latin typeface="Calibri"/>
-                        <a:ea typeface="Calibri"/>
-                        <a:cs typeface="Times New Roman"/>
-                      </a:endParaRPr>
-                    </a:p>
-                  </a:txBody>
-                  <a:tcPr marL="68580" marR="68580" marT="0" marB="0" anchor="b"/>
-                </a:tc>
-                <a:tc>
-                  <a:txBody>
-                    <a:bodyPr/>
-                    <a:lstStyle/>
-                    <a:p>
-                      <a:pPr marL="0" marR="0" algn="ctr">
-                        <a:lnSpc>
-                          <a:spcPct val="115000"/>
-                        </a:lnSpc>
-                        <a:spcBef>
-                          <a:spcPts val="0"/>
-                        </a:spcBef>
-                        <a:spcAft>
-                          <a:spcPts val="0"/>
-                        </a:spcAft>
-                      </a:pPr>
-                      <a:r>
-                        <a:rPr lang="en-US" sz="2400" dirty="0">
-                          <a:effectLst/>
-                        </a:rPr>
-                        <a:t>Kitchen staff</a:t>
-                      </a:r>
-                      <a:endParaRPr lang="en-US" sz="3600" dirty="0">
-                        <a:effectLst/>
-                        <a:latin typeface="Calibri"/>
-                        <a:ea typeface="Calibri"/>
-                        <a:cs typeface="Times New Roman"/>
-                      </a:endParaRPr>
-                    </a:p>
-                  </a:txBody>
-                  <a:tcPr marL="68580" marR="68580" marT="0" marB="0" anchor="b"/>
-                </a:tc>
-                <a:tc>
-                  <a:txBody>
-                    <a:bodyPr/>
-                    <a:lstStyle/>
-                    <a:p>
-                      <a:pPr marL="0" marR="0" algn="ctr">
-                        <a:lnSpc>
-                          <a:spcPct val="115000"/>
-                        </a:lnSpc>
-                        <a:spcBef>
-                          <a:spcPts val="0"/>
-                        </a:spcBef>
-                        <a:spcAft>
-                          <a:spcPts val="0"/>
-                        </a:spcAft>
-                      </a:pPr>
-                      <a:r>
-                        <a:rPr lang="en-US" sz="2400" dirty="0" smtClean="0">
-                          <a:effectLst/>
-                        </a:rPr>
-                        <a:t>Med</a:t>
-                      </a:r>
-                      <a:endParaRPr lang="en-US" sz="3600" dirty="0">
-                        <a:effectLst/>
-                        <a:latin typeface="Calibri"/>
-                        <a:ea typeface="Calibri"/>
-                        <a:cs typeface="Times New Roman"/>
-                      </a:endParaRPr>
-                    </a:p>
-                  </a:txBody>
-                  <a:tcPr marL="68580" marR="68580" marT="0" marB="0" anchor="b"/>
-                </a:tc>
-                <a:tc>
-                  <a:txBody>
-                    <a:bodyPr/>
-                    <a:lstStyle/>
-                    <a:p>
-                      <a:pPr marL="0" marR="0" algn="ctr">
-                        <a:lnSpc>
-                          <a:spcPct val="115000"/>
-                        </a:lnSpc>
-                        <a:spcBef>
-                          <a:spcPts val="0"/>
-                        </a:spcBef>
-                        <a:spcAft>
-                          <a:spcPts val="0"/>
-                        </a:spcAft>
-                      </a:pPr>
-                      <a:r>
-                        <a:rPr lang="en-US" sz="2400">
-                          <a:effectLst/>
-                        </a:rPr>
-                        <a:t>1</a:t>
-                      </a:r>
-                      <a:endParaRPr lang="en-US" sz="3600">
-                        <a:effectLst/>
-                        <a:latin typeface="Calibri"/>
-                        <a:ea typeface="Calibri"/>
-                        <a:cs typeface="Times New Roman"/>
-                      </a:endParaRPr>
-                    </a:p>
-                  </a:txBody>
-                  <a:tcPr marL="68580" marR="68580" marT="0" marB="0" anchor="b"/>
-                </a:tc>
-              </a:tr>
-              <a:tr h="547804">
-                <a:tc>
-                  <a:txBody>
-                    <a:bodyPr/>
-                    <a:lstStyle/>
-                    <a:p>
-                      <a:pPr marL="0" marR="0" algn="ctr">
-                        <a:lnSpc>
-                          <a:spcPct val="115000"/>
-                        </a:lnSpc>
-                        <a:spcBef>
-                          <a:spcPts val="0"/>
-                        </a:spcBef>
-                        <a:spcAft>
-                          <a:spcPts val="0"/>
-                        </a:spcAft>
-                      </a:pPr>
-                      <a:r>
-                        <a:rPr lang="en-US" sz="2400">
-                          <a:effectLst/>
-                        </a:rPr>
-                        <a:t>7</a:t>
-                      </a:r>
-                      <a:endParaRPr lang="en-US" sz="3600">
-                        <a:effectLst/>
-                        <a:latin typeface="Calibri"/>
-                        <a:ea typeface="Calibri"/>
-                        <a:cs typeface="Times New Roman"/>
-                      </a:endParaRPr>
-                    </a:p>
-                  </a:txBody>
-                  <a:tcPr marL="68580" marR="68580" marT="0" marB="0" anchor="b"/>
-                </a:tc>
-                <a:tc>
-                  <a:txBody>
-                    <a:bodyPr/>
-                    <a:lstStyle/>
-                    <a:p>
-                      <a:pPr marL="0" marR="0" algn="ctr">
-                        <a:lnSpc>
-                          <a:spcPct val="115000"/>
-                        </a:lnSpc>
-                        <a:spcBef>
-                          <a:spcPts val="0"/>
-                        </a:spcBef>
-                        <a:spcAft>
-                          <a:spcPts val="0"/>
-                        </a:spcAft>
-                      </a:pPr>
-                      <a:r>
-                        <a:rPr lang="en-US" sz="2400">
-                          <a:effectLst/>
-                        </a:rPr>
-                        <a:t>Reservation</a:t>
-                      </a:r>
-                      <a:endParaRPr lang="en-US" sz="3600">
-                        <a:effectLst/>
-                        <a:latin typeface="Calibri"/>
-                        <a:ea typeface="Calibri"/>
-                        <a:cs typeface="Times New Roman"/>
-                      </a:endParaRPr>
-                    </a:p>
-                  </a:txBody>
-                  <a:tcPr marL="68580" marR="68580" marT="0" marB="0" anchor="b"/>
-                </a:tc>
-                <a:tc>
-                  <a:txBody>
-                    <a:bodyPr/>
-                    <a:lstStyle/>
-                    <a:p>
-                      <a:pPr marL="0" marR="0" algn="ctr">
-                        <a:lnSpc>
-                          <a:spcPct val="115000"/>
-                        </a:lnSpc>
-                        <a:spcBef>
-                          <a:spcPts val="0"/>
-                        </a:spcBef>
-                        <a:spcAft>
-                          <a:spcPts val="0"/>
-                        </a:spcAft>
-                      </a:pPr>
-                      <a:r>
-                        <a:rPr lang="en-US" sz="2400">
-                          <a:effectLst/>
-                        </a:rPr>
-                        <a:t>In</a:t>
-                      </a:r>
-                      <a:endParaRPr lang="en-US" sz="3600">
-                        <a:effectLst/>
-                        <a:latin typeface="Calibri"/>
-                        <a:ea typeface="Calibri"/>
-                        <a:cs typeface="Times New Roman"/>
-                      </a:endParaRPr>
-                    </a:p>
-                  </a:txBody>
-                  <a:tcPr marL="68580" marR="68580" marT="0" marB="0" anchor="b"/>
-                </a:tc>
-                <a:tc>
-                  <a:txBody>
-                    <a:bodyPr/>
-                    <a:lstStyle/>
-                    <a:p>
-                      <a:pPr marL="0" marR="0" algn="ctr">
-                        <a:lnSpc>
-                          <a:spcPct val="115000"/>
-                        </a:lnSpc>
-                        <a:spcBef>
-                          <a:spcPts val="0"/>
-                        </a:spcBef>
-                        <a:spcAft>
-                          <a:spcPts val="0"/>
-                        </a:spcAft>
-                      </a:pPr>
-                      <a:r>
-                        <a:rPr lang="en-US" sz="2400" dirty="0">
-                          <a:effectLst/>
-                        </a:rPr>
-                        <a:t>Customer</a:t>
-                      </a:r>
-                      <a:endParaRPr lang="en-US" sz="3600" dirty="0">
-                        <a:effectLst/>
-                        <a:latin typeface="Calibri"/>
-                        <a:ea typeface="Calibri"/>
-                        <a:cs typeface="Times New Roman"/>
-                      </a:endParaRPr>
-                    </a:p>
-                  </a:txBody>
-                  <a:tcPr marL="68580" marR="68580" marT="0" marB="0" anchor="b"/>
-                </a:tc>
-                <a:tc>
-                  <a:txBody>
-                    <a:bodyPr/>
-                    <a:lstStyle/>
-                    <a:p>
-                      <a:pPr marL="0" marR="0" algn="ctr">
-                        <a:lnSpc>
-                          <a:spcPct val="115000"/>
-                        </a:lnSpc>
-                        <a:spcBef>
-                          <a:spcPts val="0"/>
-                        </a:spcBef>
-                        <a:spcAft>
-                          <a:spcPts val="0"/>
-                        </a:spcAft>
-                      </a:pPr>
-                      <a:r>
-                        <a:rPr lang="en-US" sz="2400" dirty="0" smtClean="0">
-                          <a:effectLst/>
-                        </a:rPr>
-                        <a:t>Med</a:t>
-                      </a:r>
-                      <a:endParaRPr lang="en-US" sz="3600" dirty="0">
-                        <a:effectLst/>
-                        <a:latin typeface="Calibri"/>
-                        <a:ea typeface="Calibri"/>
-                        <a:cs typeface="Times New Roman"/>
-                      </a:endParaRPr>
-                    </a:p>
-                  </a:txBody>
-                  <a:tcPr marL="68580" marR="68580" marT="0" marB="0" anchor="b"/>
-                </a:tc>
-                <a:tc>
-                  <a:txBody>
-                    <a:bodyPr/>
-                    <a:lstStyle/>
-                    <a:p>
-                      <a:pPr marL="0" marR="0" algn="ctr">
-                        <a:lnSpc>
-                          <a:spcPct val="115000"/>
-                        </a:lnSpc>
-                        <a:spcBef>
-                          <a:spcPts val="0"/>
-                        </a:spcBef>
-                        <a:spcAft>
-                          <a:spcPts val="0"/>
-                        </a:spcAft>
-                      </a:pPr>
-                      <a:r>
-                        <a:rPr lang="en-US" sz="2400">
-                          <a:effectLst/>
-                        </a:rPr>
-                        <a:t>2</a:t>
-                      </a:r>
-                      <a:endParaRPr lang="en-US" sz="3600">
-                        <a:effectLst/>
-                        <a:latin typeface="Calibri"/>
-                        <a:ea typeface="Calibri"/>
-                        <a:cs typeface="Times New Roman"/>
-                      </a:endParaRPr>
-                    </a:p>
-                  </a:txBody>
-                  <a:tcPr marL="68580" marR="68580" marT="0" marB="0" anchor="b"/>
-                </a:tc>
-              </a:tr>
-              <a:tr h="547804">
-                <a:tc>
-                  <a:txBody>
-                    <a:bodyPr/>
-                    <a:lstStyle/>
-                    <a:p>
-                      <a:pPr marL="0" marR="0" algn="ctr">
-                        <a:lnSpc>
-                          <a:spcPct val="115000"/>
-                        </a:lnSpc>
-                        <a:spcBef>
-                          <a:spcPts val="0"/>
-                        </a:spcBef>
-                        <a:spcAft>
-                          <a:spcPts val="0"/>
-                        </a:spcAft>
-                      </a:pPr>
-                      <a:r>
-                        <a:rPr lang="en-US" sz="2400">
-                          <a:effectLst/>
-                        </a:rPr>
-                        <a:t>8</a:t>
-                      </a:r>
-                      <a:endParaRPr lang="en-US" sz="3600">
-                        <a:effectLst/>
-                        <a:latin typeface="Calibri"/>
-                        <a:ea typeface="Calibri"/>
-                        <a:cs typeface="Times New Roman"/>
-                      </a:endParaRPr>
-                    </a:p>
-                  </a:txBody>
-                  <a:tcPr marL="68580" marR="68580" marT="0" marB="0" anchor="b"/>
-                </a:tc>
-                <a:tc>
-                  <a:txBody>
-                    <a:bodyPr/>
-                    <a:lstStyle/>
-                    <a:p>
-                      <a:pPr marL="0" marR="0" algn="ctr">
-                        <a:lnSpc>
-                          <a:spcPct val="115000"/>
-                        </a:lnSpc>
-                        <a:spcBef>
-                          <a:spcPts val="0"/>
-                        </a:spcBef>
-                        <a:spcAft>
-                          <a:spcPts val="0"/>
-                        </a:spcAft>
-                      </a:pPr>
-                      <a:r>
-                        <a:rPr lang="en-US" sz="2400">
-                          <a:effectLst/>
-                        </a:rPr>
-                        <a:t>Item's metadata</a:t>
-                      </a:r>
-                      <a:endParaRPr lang="en-US" sz="3600">
-                        <a:effectLst/>
-                        <a:latin typeface="Calibri"/>
-                        <a:ea typeface="Calibri"/>
-                        <a:cs typeface="Times New Roman"/>
-                      </a:endParaRPr>
-                    </a:p>
-                  </a:txBody>
-                  <a:tcPr marL="68580" marR="68580" marT="0" marB="0" anchor="b"/>
-                </a:tc>
-                <a:tc>
-                  <a:txBody>
-                    <a:bodyPr/>
-                    <a:lstStyle/>
-                    <a:p>
-                      <a:pPr marL="0" marR="0" algn="ctr">
-                        <a:lnSpc>
-                          <a:spcPct val="115000"/>
-                        </a:lnSpc>
-                        <a:spcBef>
-                          <a:spcPts val="0"/>
-                        </a:spcBef>
-                        <a:spcAft>
-                          <a:spcPts val="0"/>
-                        </a:spcAft>
-                      </a:pPr>
-                      <a:r>
-                        <a:rPr lang="en-US" sz="2400">
-                          <a:effectLst/>
-                        </a:rPr>
-                        <a:t>In</a:t>
-                      </a:r>
-                      <a:endParaRPr lang="en-US" sz="3600">
-                        <a:effectLst/>
-                        <a:latin typeface="Calibri"/>
-                        <a:ea typeface="Calibri"/>
-                        <a:cs typeface="Times New Roman"/>
-                      </a:endParaRPr>
-                    </a:p>
-                  </a:txBody>
-                  <a:tcPr marL="68580" marR="68580" marT="0" marB="0" anchor="b"/>
-                </a:tc>
-                <a:tc>
-                  <a:txBody>
-                    <a:bodyPr/>
-                    <a:lstStyle/>
-                    <a:p>
-                      <a:pPr marL="0" marR="0" algn="ctr">
-                        <a:lnSpc>
-                          <a:spcPct val="115000"/>
-                        </a:lnSpc>
-                        <a:spcBef>
-                          <a:spcPts val="0"/>
-                        </a:spcBef>
-                        <a:spcAft>
-                          <a:spcPts val="0"/>
-                        </a:spcAft>
-                      </a:pPr>
-                      <a:r>
-                        <a:rPr lang="en-US" sz="2400" dirty="0">
-                          <a:effectLst/>
-                        </a:rPr>
-                        <a:t>Anyone</a:t>
-                      </a:r>
-                      <a:endParaRPr lang="en-US" sz="3600" dirty="0">
-                        <a:effectLst/>
-                        <a:latin typeface="Calibri"/>
-                        <a:ea typeface="Calibri"/>
-                        <a:cs typeface="Times New Roman"/>
-                      </a:endParaRPr>
-                    </a:p>
-                  </a:txBody>
-                  <a:tcPr marL="68580" marR="68580" marT="0" marB="0" anchor="b"/>
-                </a:tc>
-                <a:tc>
-                  <a:txBody>
-                    <a:bodyPr/>
-                    <a:lstStyle/>
-                    <a:p>
-                      <a:pPr marL="0" marR="0" algn="ctr">
-                        <a:lnSpc>
-                          <a:spcPct val="115000"/>
-                        </a:lnSpc>
-                        <a:spcBef>
-                          <a:spcPts val="0"/>
-                        </a:spcBef>
-                        <a:spcAft>
-                          <a:spcPts val="0"/>
-                        </a:spcAft>
-                      </a:pPr>
-                      <a:r>
-                        <a:rPr lang="en-US" sz="2400" dirty="0" smtClean="0">
-                          <a:effectLst/>
-                        </a:rPr>
-                        <a:t>Med</a:t>
-                      </a:r>
-                      <a:endParaRPr lang="en-US" sz="3600" dirty="0">
-                        <a:effectLst/>
-                        <a:latin typeface="Calibri"/>
-                        <a:ea typeface="Calibri"/>
-                        <a:cs typeface="Times New Roman"/>
-                      </a:endParaRPr>
-                    </a:p>
-                  </a:txBody>
-                  <a:tcPr marL="68580" marR="68580" marT="0" marB="0" anchor="b"/>
-                </a:tc>
-                <a:tc>
-                  <a:txBody>
-                    <a:bodyPr/>
-                    <a:lstStyle/>
-                    <a:p>
-                      <a:pPr marL="0" marR="0" algn="ctr">
-                        <a:lnSpc>
-                          <a:spcPct val="115000"/>
-                        </a:lnSpc>
-                        <a:spcBef>
-                          <a:spcPts val="0"/>
-                        </a:spcBef>
-                        <a:spcAft>
-                          <a:spcPts val="0"/>
-                        </a:spcAft>
-                      </a:pPr>
-                      <a:r>
-                        <a:rPr lang="en-US" sz="2400">
-                          <a:effectLst/>
-                        </a:rPr>
-                        <a:t>2</a:t>
-                      </a:r>
-                      <a:endParaRPr lang="en-US" sz="3600">
-                        <a:effectLst/>
-                        <a:latin typeface="Calibri"/>
-                        <a:ea typeface="Calibri"/>
-                        <a:cs typeface="Times New Roman"/>
-                      </a:endParaRPr>
-                    </a:p>
-                  </a:txBody>
-                  <a:tcPr marL="68580" marR="68580" marT="0" marB="0" anchor="b"/>
-                </a:tc>
-              </a:tr>
-              <a:tr h="547804">
-                <a:tc>
-                  <a:txBody>
-                    <a:bodyPr/>
-                    <a:lstStyle/>
-                    <a:p>
-                      <a:pPr marL="0" marR="0" algn="ctr">
-                        <a:lnSpc>
-                          <a:spcPct val="115000"/>
-                        </a:lnSpc>
-                        <a:spcBef>
-                          <a:spcPts val="0"/>
-                        </a:spcBef>
-                        <a:spcAft>
-                          <a:spcPts val="0"/>
-                        </a:spcAft>
-                      </a:pPr>
-                      <a:r>
-                        <a:rPr lang="en-US" sz="2400">
-                          <a:effectLst/>
-                        </a:rPr>
-                        <a:t>9</a:t>
-                      </a:r>
-                      <a:endParaRPr lang="en-US" sz="3600">
-                        <a:effectLst/>
-                        <a:latin typeface="Calibri"/>
-                        <a:ea typeface="Calibri"/>
-                        <a:cs typeface="Times New Roman"/>
-                      </a:endParaRPr>
-                    </a:p>
-                  </a:txBody>
-                  <a:tcPr marL="68580" marR="68580" marT="0" marB="0" anchor="b"/>
-                </a:tc>
-                <a:tc>
-                  <a:txBody>
-                    <a:bodyPr/>
-                    <a:lstStyle/>
-                    <a:p>
-                      <a:pPr marL="0" marR="0" algn="ctr">
-                        <a:lnSpc>
-                          <a:spcPct val="115000"/>
-                        </a:lnSpc>
-                        <a:spcBef>
-                          <a:spcPts val="0"/>
-                        </a:spcBef>
-                        <a:spcAft>
-                          <a:spcPts val="0"/>
-                        </a:spcAft>
-                      </a:pPr>
-                      <a:r>
-                        <a:rPr lang="en-US" sz="2400">
-                          <a:effectLst/>
-                        </a:rPr>
-                        <a:t>Inventory</a:t>
-                      </a:r>
-                      <a:endParaRPr lang="en-US" sz="3600">
-                        <a:effectLst/>
-                        <a:latin typeface="Calibri"/>
-                        <a:ea typeface="Calibri"/>
-                        <a:cs typeface="Times New Roman"/>
-                      </a:endParaRPr>
-                    </a:p>
-                  </a:txBody>
-                  <a:tcPr marL="68580" marR="68580" marT="0" marB="0" anchor="b"/>
-                </a:tc>
-                <a:tc>
-                  <a:txBody>
-                    <a:bodyPr/>
-                    <a:lstStyle/>
-                    <a:p>
-                      <a:pPr marL="0" marR="0" algn="ctr">
-                        <a:lnSpc>
-                          <a:spcPct val="115000"/>
-                        </a:lnSpc>
-                        <a:spcBef>
-                          <a:spcPts val="0"/>
-                        </a:spcBef>
-                        <a:spcAft>
-                          <a:spcPts val="0"/>
-                        </a:spcAft>
-                      </a:pPr>
-                      <a:r>
-                        <a:rPr lang="en-US" sz="2400">
-                          <a:effectLst/>
-                        </a:rPr>
-                        <a:t>In</a:t>
-                      </a:r>
-                      <a:endParaRPr lang="en-US" sz="3600">
-                        <a:effectLst/>
-                        <a:latin typeface="Calibri"/>
-                        <a:ea typeface="Calibri"/>
-                        <a:cs typeface="Times New Roman"/>
-                      </a:endParaRPr>
-                    </a:p>
-                  </a:txBody>
-                  <a:tcPr marL="68580" marR="68580" marT="0" marB="0" anchor="b"/>
-                </a:tc>
-                <a:tc>
-                  <a:txBody>
-                    <a:bodyPr/>
-                    <a:lstStyle/>
-                    <a:p>
-                      <a:pPr marL="0" marR="0" algn="ctr">
-                        <a:lnSpc>
-                          <a:spcPct val="115000"/>
-                        </a:lnSpc>
-                        <a:spcBef>
-                          <a:spcPts val="0"/>
-                        </a:spcBef>
-                        <a:spcAft>
-                          <a:spcPts val="0"/>
-                        </a:spcAft>
-                      </a:pPr>
-                      <a:r>
-                        <a:rPr lang="en-US" sz="2400">
-                          <a:effectLst/>
-                        </a:rPr>
-                        <a:t>Manager</a:t>
-                      </a:r>
-                      <a:endParaRPr lang="en-US" sz="3600">
-                        <a:effectLst/>
-                        <a:latin typeface="Calibri"/>
-                        <a:ea typeface="Calibri"/>
-                        <a:cs typeface="Times New Roman"/>
-                      </a:endParaRPr>
-                    </a:p>
-                  </a:txBody>
-                  <a:tcPr marL="68580" marR="68580" marT="0" marB="0" anchor="b"/>
-                </a:tc>
-                <a:tc>
-                  <a:txBody>
-                    <a:bodyPr/>
-                    <a:lstStyle/>
-                    <a:p>
-                      <a:pPr marL="0" marR="0" algn="ctr">
-                        <a:lnSpc>
-                          <a:spcPct val="115000"/>
-                        </a:lnSpc>
-                        <a:spcBef>
-                          <a:spcPts val="0"/>
-                        </a:spcBef>
-                        <a:spcAft>
-                          <a:spcPts val="0"/>
-                        </a:spcAft>
-                      </a:pPr>
-                      <a:r>
-                        <a:rPr lang="en-US" sz="2400" dirty="0">
-                          <a:effectLst/>
-                        </a:rPr>
-                        <a:t>Low</a:t>
-                      </a:r>
-                      <a:endParaRPr lang="en-US" sz="3600" dirty="0">
-                        <a:effectLst/>
-                        <a:latin typeface="Calibri"/>
-                        <a:ea typeface="Calibri"/>
-                        <a:cs typeface="Times New Roman"/>
-                      </a:endParaRPr>
-                    </a:p>
-                  </a:txBody>
-                  <a:tcPr marL="68580" marR="68580" marT="0" marB="0" anchor="b"/>
-                </a:tc>
-                <a:tc>
-                  <a:txBody>
-                    <a:bodyPr/>
-                    <a:lstStyle/>
-                    <a:p>
-                      <a:pPr marL="0" marR="0" algn="ctr">
-                        <a:lnSpc>
-                          <a:spcPct val="115000"/>
-                        </a:lnSpc>
-                        <a:spcBef>
-                          <a:spcPts val="0"/>
-                        </a:spcBef>
-                        <a:spcAft>
-                          <a:spcPts val="0"/>
-                        </a:spcAft>
-                      </a:pPr>
-                      <a:r>
-                        <a:rPr lang="en-US" sz="2400" dirty="0">
-                          <a:effectLst/>
-                        </a:rPr>
-                        <a:t>1</a:t>
-                      </a:r>
-                      <a:endParaRPr lang="en-US" sz="3600" dirty="0">
-                        <a:effectLst/>
-                        <a:latin typeface="Calibri"/>
-                        <a:ea typeface="Calibri"/>
-                        <a:cs typeface="Times New Roman"/>
-                      </a:endParaRPr>
-                    </a:p>
-                  </a:txBody>
-                  <a:tcPr marL="68580" marR="68580" marT="0" marB="0" anchor="b"/>
-                </a:tc>
-              </a:tr>
-              <a:tr h="547804">
-                <a:tc>
-                  <a:txBody>
-                    <a:bodyPr/>
-                    <a:lstStyle/>
-                    <a:p>
-                      <a:pPr marL="0" marR="0" algn="ctr">
-                        <a:lnSpc>
-                          <a:spcPct val="115000"/>
-                        </a:lnSpc>
-                        <a:spcBef>
-                          <a:spcPts val="0"/>
-                        </a:spcBef>
-                        <a:spcAft>
-                          <a:spcPts val="0"/>
-                        </a:spcAft>
-                      </a:pPr>
-                      <a:r>
-                        <a:rPr lang="en-US" sz="2400">
-                          <a:effectLst/>
-                        </a:rPr>
-                        <a:t>10</a:t>
-                      </a:r>
-                      <a:endParaRPr lang="en-US" sz="3600">
-                        <a:effectLst/>
-                        <a:latin typeface="Calibri"/>
-                        <a:ea typeface="Calibri"/>
-                        <a:cs typeface="Times New Roman"/>
-                      </a:endParaRPr>
-                    </a:p>
-                  </a:txBody>
-                  <a:tcPr marL="68580" marR="68580" marT="0" marB="0" anchor="b"/>
-                </a:tc>
-                <a:tc>
-                  <a:txBody>
-                    <a:bodyPr/>
-                    <a:lstStyle/>
-                    <a:p>
-                      <a:pPr marL="0" marR="0" algn="ctr">
-                        <a:lnSpc>
-                          <a:spcPct val="115000"/>
-                        </a:lnSpc>
-                        <a:spcBef>
-                          <a:spcPts val="0"/>
-                        </a:spcBef>
-                        <a:spcAft>
-                          <a:spcPts val="0"/>
-                        </a:spcAft>
-                      </a:pPr>
-                      <a:r>
-                        <a:rPr lang="en-US" sz="2400" dirty="0" smtClean="0">
-                          <a:effectLst/>
-                        </a:rPr>
-                        <a:t>Complaint</a:t>
-                      </a:r>
-                      <a:endParaRPr lang="en-US" sz="3600" dirty="0">
-                        <a:effectLst/>
-                        <a:latin typeface="Calibri"/>
-                        <a:ea typeface="Calibri"/>
-                        <a:cs typeface="Times New Roman"/>
-                      </a:endParaRPr>
-                    </a:p>
-                  </a:txBody>
-                  <a:tcPr marL="68580" marR="68580" marT="0" marB="0" anchor="b"/>
-                </a:tc>
-                <a:tc>
-                  <a:txBody>
-                    <a:bodyPr/>
-                    <a:lstStyle/>
-                    <a:p>
-                      <a:pPr marL="0" marR="0" algn="ctr">
-                        <a:lnSpc>
-                          <a:spcPct val="115000"/>
-                        </a:lnSpc>
-                        <a:spcBef>
-                          <a:spcPts val="0"/>
-                        </a:spcBef>
-                        <a:spcAft>
-                          <a:spcPts val="0"/>
-                        </a:spcAft>
-                      </a:pPr>
-                      <a:r>
-                        <a:rPr lang="en-US" sz="2400">
-                          <a:effectLst/>
-                        </a:rPr>
-                        <a:t>In</a:t>
-                      </a:r>
-                      <a:endParaRPr lang="en-US" sz="3600">
-                        <a:effectLst/>
-                        <a:latin typeface="Calibri"/>
-                        <a:ea typeface="Calibri"/>
-                        <a:cs typeface="Times New Roman"/>
-                      </a:endParaRPr>
-                    </a:p>
-                  </a:txBody>
-                  <a:tcPr marL="68580" marR="68580" marT="0" marB="0" anchor="b"/>
-                </a:tc>
-                <a:tc>
-                  <a:txBody>
-                    <a:bodyPr/>
-                    <a:lstStyle/>
-                    <a:p>
-                      <a:pPr marL="0" marR="0" algn="ctr">
-                        <a:lnSpc>
-                          <a:spcPct val="115000"/>
-                        </a:lnSpc>
-                        <a:spcBef>
-                          <a:spcPts val="0"/>
-                        </a:spcBef>
-                        <a:spcAft>
-                          <a:spcPts val="0"/>
-                        </a:spcAft>
-                      </a:pPr>
-                      <a:r>
-                        <a:rPr lang="en-US" sz="2400" dirty="0" smtClean="0">
-                          <a:effectLst/>
-                        </a:rPr>
-                        <a:t>Manager/waiter</a:t>
-                      </a:r>
-                      <a:endParaRPr lang="en-US" sz="3600" dirty="0">
-                        <a:effectLst/>
-                        <a:latin typeface="Calibri"/>
-                        <a:ea typeface="Calibri"/>
-                        <a:cs typeface="Times New Roman"/>
-                      </a:endParaRPr>
-                    </a:p>
-                  </a:txBody>
-                  <a:tcPr marL="68580" marR="68580" marT="0" marB="0" anchor="b"/>
-                </a:tc>
-                <a:tc>
-                  <a:txBody>
-                    <a:bodyPr/>
-                    <a:lstStyle/>
-                    <a:p>
-                      <a:pPr marL="0" marR="0" algn="ctr">
-                        <a:lnSpc>
-                          <a:spcPct val="115000"/>
-                        </a:lnSpc>
-                        <a:spcBef>
-                          <a:spcPts val="0"/>
-                        </a:spcBef>
-                        <a:spcAft>
-                          <a:spcPts val="0"/>
-                        </a:spcAft>
-                      </a:pPr>
-                      <a:r>
-                        <a:rPr lang="en-US" sz="2400" dirty="0" smtClean="0">
-                          <a:effectLst/>
-                        </a:rPr>
-                        <a:t>Med</a:t>
-                      </a:r>
-                      <a:endParaRPr lang="en-US" sz="3600" dirty="0">
-                        <a:effectLst/>
-                        <a:latin typeface="Calibri"/>
-                        <a:ea typeface="Calibri"/>
-                        <a:cs typeface="Times New Roman"/>
-                      </a:endParaRPr>
-                    </a:p>
-                  </a:txBody>
-                  <a:tcPr marL="68580" marR="68580" marT="0" marB="0" anchor="b"/>
-                </a:tc>
-                <a:tc>
-                  <a:txBody>
-                    <a:bodyPr/>
-                    <a:lstStyle/>
-                    <a:p>
-                      <a:pPr marL="0" marR="0" algn="ctr">
-                        <a:lnSpc>
-                          <a:spcPct val="115000"/>
-                        </a:lnSpc>
-                        <a:spcBef>
-                          <a:spcPts val="0"/>
-                        </a:spcBef>
-                        <a:spcAft>
-                          <a:spcPts val="0"/>
-                        </a:spcAft>
-                      </a:pPr>
-                      <a:r>
-                        <a:rPr lang="en-US" sz="2400" dirty="0">
-                          <a:effectLst/>
-                        </a:rPr>
-                        <a:t>2</a:t>
-                      </a:r>
-                      <a:endParaRPr lang="en-US" sz="3600" dirty="0">
-                        <a:effectLst/>
-                        <a:latin typeface="Calibri"/>
-                        <a:ea typeface="Calibri"/>
-                        <a:cs typeface="Times New Roman"/>
-                      </a:endParaRPr>
-                    </a:p>
-                  </a:txBody>
-                  <a:tcPr marL="68580" marR="68580" marT="0" marB="0" anchor="b"/>
-                </a:tc>
-              </a:tr>
-            </a:tbl>
-          </a:graphicData>
-        </a:graphic>
-      </p:graphicFrame>
-      <p:sp>
-        <p:nvSpPr>
-          <p:cNvPr id="2" name="Title 1"/>
-          <p:cNvSpPr>
-            <a:spLocks noGrp="1"/>
-          </p:cNvSpPr>
-          <p:nvPr>
-            <p:ph type="title"/>
-          </p:nvPr>
-        </p:nvSpPr>
-        <p:spPr>
-          <a:xfrm>
-            <a:off x="381000" y="0"/>
-            <a:ext cx="7010400" cy="838200"/>
-          </a:xfrm>
-          <a:noFill/>
-        </p:spPr>
-        <p:txBody>
-          <a:bodyPr>
-            <a:normAutofit fontScale="90000"/>
-          </a:bodyPr>
-          <a:lstStyle/>
-          <a:p>
-            <a:pPr algn="l"/>
-            <a:r>
-              <a:rPr lang="en-US" sz="6000" b="1" dirty="0" smtClean="0"/>
-              <a:t>Preliminary Use Cases</a:t>
-            </a:r>
-            <a:endParaRPr lang="en-US" sz="6000" b="1" dirty="0"/>
-          </a:p>
-        </p:txBody>
-      </p:sp>
-    </p:spTree>
-    <p:extLst>
-      <p:ext uri="{BB962C8B-B14F-4D97-AF65-F5344CB8AC3E}">
-        <p14:creationId xmlns:p14="http://schemas.microsoft.com/office/powerpoint/2010/main" val="2172318574"/>
-      </p:ext>
-    </p:extLst>
-  </p:cSld>
-  <p:clrMapOvr>
-    <a:masterClrMapping/>
-  </p:clrMapOvr>
-  <p:timing>
-    <p:tnLst>
-      <p:par>
-        <p:cTn id="1" dur="indefinite" restart="never" nodeType="tmRoot"/>
-      </p:par>
-    </p:tnLst>
-  </p:timing>
-</p:sld>
-</file>
-
-<file path=ppt/slides/slide25.xml><?xml version="1.0" encoding="utf-8"?>
-<p:sld xmlns:a="http://schemas.openxmlformats.org/drawingml/2006/main" xmlns:r="http://schemas.openxmlformats.org/officeDocument/2006/relationships" xmlns:p="http://schemas.openxmlformats.org/presentationml/2006/main">
-  <p:cSld>
-    <p:spTree>
-      <p:nvGrpSpPr>
-        <p:cNvPr id="1" name=""/>
-        <p:cNvGrpSpPr/>
-        <p:nvPr/>
-      </p:nvGrpSpPr>
-      <p:grpSpPr>
-        <a:xfrm>
-          <a:off x="0" y="0"/>
-          <a:ext cx="0" cy="0"/>
-          <a:chOff x="0" y="0"/>
-          <a:chExt cx="0" cy="0"/>
-        </a:xfrm>
-      </p:grpSpPr>
       <p:sp>
         <p:nvSpPr>
           <p:cNvPr id="2" name="Title 1"/>
@@ -8216,7 +7978,7 @@
 </p:sld>
 </file>
 
-<file path=ppt/slides/slide26.xml><?xml version="1.0" encoding="utf-8"?>
+<file path=ppt/slides/slide25.xml><?xml version="1.0" encoding="utf-8"?>
 <p:sld xmlns:a="http://schemas.openxmlformats.org/drawingml/2006/main" xmlns:r="http://schemas.openxmlformats.org/officeDocument/2006/relationships" xmlns:p="http://schemas.openxmlformats.org/presentationml/2006/main">
   <p:cSld>
     <p:spTree>
@@ -8605,6 +8367,153 @@
 </p:sld>
 </file>
 
+<file path=ppt/slides/slide26.xml><?xml version="1.0" encoding="utf-8"?>
+<p:sld xmlns:a="http://schemas.openxmlformats.org/drawingml/2006/main" xmlns:r="http://schemas.openxmlformats.org/officeDocument/2006/relationships" xmlns:p="http://schemas.openxmlformats.org/presentationml/2006/main">
+  <p:cSld>
+    <p:spTree>
+      <p:nvGrpSpPr>
+        <p:cNvPr id="1" name=""/>
+        <p:cNvGrpSpPr/>
+        <p:nvPr/>
+      </p:nvGrpSpPr>
+      <p:grpSpPr>
+        <a:xfrm>
+          <a:off x="0" y="0"/>
+          <a:ext cx="0" cy="0"/>
+          <a:chOff x="0" y="0"/>
+          <a:chExt cx="0" cy="0"/>
+        </a:xfrm>
+      </p:grpSpPr>
+      <p:sp>
+        <p:nvSpPr>
+          <p:cNvPr id="2" name="Title 1"/>
+          <p:cNvSpPr>
+            <a:spLocks noGrp="1"/>
+          </p:cNvSpPr>
+          <p:nvPr>
+            <p:ph type="title"/>
+          </p:nvPr>
+        </p:nvSpPr>
+        <p:spPr>
+          <a:xfrm>
+            <a:off x="457200" y="274638"/>
+            <a:ext cx="5486400" cy="1143000"/>
+          </a:xfrm>
+        </p:spPr>
+        <p:txBody>
+          <a:bodyPr>
+            <a:normAutofit/>
+          </a:bodyPr>
+          <a:lstStyle/>
+          <a:p>
+            <a:pPr algn="l"/>
+            <a:r>
+              <a:rPr lang="en-US" sz="6000" b="1" dirty="0" smtClean="0"/>
+              <a:t>Out of Scope</a:t>
+            </a:r>
+            <a:endParaRPr lang="en-US" sz="6000" b="1" dirty="0"/>
+          </a:p>
+        </p:txBody>
+      </p:sp>
+      <p:sp>
+        <p:nvSpPr>
+          <p:cNvPr id="3" name="Content Placeholder 2"/>
+          <p:cNvSpPr>
+            <a:spLocks noGrp="1"/>
+          </p:cNvSpPr>
+          <p:nvPr>
+            <p:ph idx="1"/>
+          </p:nvPr>
+        </p:nvSpPr>
+        <p:spPr/>
+        <p:txBody>
+          <a:bodyPr>
+            <a:normAutofit fontScale="70000" lnSpcReduction="20000"/>
+          </a:bodyPr>
+          <a:lstStyle/>
+          <a:p>
+            <a:r>
+              <a:rPr lang="en-US" sz="4000" dirty="0"/>
+              <a:t>Specifics of payment</a:t>
+            </a:r>
+          </a:p>
+          <a:p>
+            <a:r>
+              <a:rPr lang="en-US" sz="4000" dirty="0"/>
+              <a:t>PCI compliance</a:t>
+            </a:r>
+          </a:p>
+          <a:p>
+            <a:r>
+              <a:rPr lang="en-US" sz="4000" dirty="0"/>
+              <a:t>Payroll, time clocks</a:t>
+            </a:r>
+          </a:p>
+          <a:p>
+            <a:r>
+              <a:rPr lang="en-US" sz="4000" dirty="0"/>
+              <a:t>Inventory management</a:t>
+            </a:r>
+          </a:p>
+          <a:p>
+            <a:r>
+              <a:rPr lang="en-US" sz="4000" dirty="0"/>
+              <a:t>Complaints</a:t>
+            </a:r>
+          </a:p>
+          <a:p>
+            <a:r>
+              <a:rPr lang="en-US" sz="4000" dirty="0"/>
+              <a:t>Bar management</a:t>
+            </a:r>
+          </a:p>
+          <a:p>
+            <a:r>
+              <a:rPr lang="en-US" sz="4000" dirty="0"/>
+              <a:t>Splitting bill for a single item</a:t>
+            </a:r>
+          </a:p>
+          <a:p>
+            <a:r>
+              <a:rPr lang="en-US" sz="4000" dirty="0"/>
+              <a:t>Custom table setups</a:t>
+            </a:r>
+          </a:p>
+          <a:p>
+            <a:r>
+              <a:rPr lang="en-US" sz="4000" dirty="0" smtClean="0"/>
+              <a:t>Recipes</a:t>
+            </a:r>
+          </a:p>
+          <a:p>
+            <a:r>
+              <a:rPr lang="en-US" sz="4000" dirty="0" smtClean="0"/>
+              <a:t>Customer directly using the application</a:t>
+            </a:r>
+            <a:endParaRPr lang="en-US" sz="4000" dirty="0"/>
+          </a:p>
+        </p:txBody>
+      </p:sp>
+    </p:spTree>
+    <p:extLst>
+      <p:ext uri="{BB962C8B-B14F-4D97-AF65-F5344CB8AC3E}">
+        <p14:creationId xmlns:p14="http://schemas.microsoft.com/office/powerpoint/2010/main" val="4070009704"/>
+      </p:ext>
+    </p:extLst>
+  </p:cSld>
+  <p:clrMapOvr>
+    <a:masterClrMapping/>
+  </p:clrMapOvr>
+  <p:timing>
+    <p:tnLst>
+      <p:par>
+        <p:cTn id="1" dur="indefinite" restart="never" nodeType="tmRoot"/>
+      </p:par>
+    </p:tnLst>
+  </p:timing>
+</p:sld>
+</file>
+
 <file path=ppt/slides/slide27.xml><?xml version="1.0" encoding="utf-8"?>
 <p:sld xmlns:a="http://schemas.openxmlformats.org/drawingml/2006/main" xmlns:r="http://schemas.openxmlformats.org/officeDocument/2006/relationships" xmlns:p="http://schemas.openxmlformats.org/presentationml/2006/main">
   <p:cSld>
@@ -8635,7 +8544,7 @@
         <p:spPr>
           <a:xfrm>
             <a:off x="457200" y="274638"/>
-            <a:ext cx="5486400" cy="1143000"/>
+            <a:ext cx="6172200" cy="1143000"/>
           </a:xfrm>
         </p:spPr>
         <p:txBody>
@@ -8647,7 +8556,7 @@
             <a:pPr algn="l"/>
             <a:r>
               <a:rPr lang="en-US" sz="6000" b="1" dirty="0" smtClean="0"/>
-              <a:t>Out of Scope</a:t>
+              <a:t>Scope Undecided</a:t>
             </a:r>
             <a:endParaRPr lang="en-US" sz="6000" b="1" dirty="0"/>
           </a:p>
@@ -8666,76 +8575,53 @@
         <p:spPr/>
         <p:txBody>
           <a:bodyPr>
-            <a:normAutofit fontScale="70000" lnSpcReduction="20000"/>
+            <a:normAutofit/>
           </a:bodyPr>
           <a:lstStyle/>
           <a:p>
             <a:r>
-              <a:rPr lang="en-US" sz="4000" dirty="0"/>
-              <a:t>Specifics of payment</a:t>
-            </a:r>
-          </a:p>
-          <a:p>
-            <a:r>
-              <a:rPr lang="en-US" sz="4000" dirty="0"/>
-              <a:t>PCI compliance</a:t>
-            </a:r>
-          </a:p>
-          <a:p>
-            <a:r>
-              <a:rPr lang="en-US" sz="4000" dirty="0"/>
-              <a:t>Payroll, time clocks</a:t>
-            </a:r>
-          </a:p>
-          <a:p>
-            <a:r>
-              <a:rPr lang="en-US" sz="4000" dirty="0"/>
-              <a:t>Inventory management</a:t>
-            </a:r>
-          </a:p>
-          <a:p>
-            <a:r>
-              <a:rPr lang="en-US" sz="4000" dirty="0"/>
-              <a:t>Complaints</a:t>
-            </a:r>
-          </a:p>
-          <a:p>
-            <a:r>
-              <a:rPr lang="en-US" sz="4000" dirty="0"/>
-              <a:t>Bar management</a:t>
-            </a:r>
-          </a:p>
-          <a:p>
-            <a:r>
-              <a:rPr lang="en-US" sz="4000" dirty="0"/>
-              <a:t>Splitting bill for a single item</a:t>
-            </a:r>
-          </a:p>
-          <a:p>
-            <a:r>
-              <a:rPr lang="en-US" sz="4000" dirty="0"/>
-              <a:t>Custom table setups</a:t>
-            </a:r>
-          </a:p>
-          <a:p>
-            <a:r>
-              <a:rPr lang="en-US" sz="4000" dirty="0" smtClean="0"/>
-              <a:t>Recipes</a:t>
-            </a:r>
-          </a:p>
-          <a:p>
-            <a:r>
-              <a:rPr lang="en-US" sz="4000" dirty="0" smtClean="0"/>
-              <a:t>Customer directly using the application</a:t>
-            </a:r>
-            <a:endParaRPr lang="en-US" sz="4000" dirty="0"/>
+              <a:rPr lang="en-US" sz="3600" dirty="0"/>
+              <a:t>Reservations</a:t>
+            </a:r>
+          </a:p>
+          <a:p>
+            <a:r>
+              <a:rPr lang="en-US" sz="3600" dirty="0"/>
+              <a:t>Basic employee stats</a:t>
+            </a:r>
+          </a:p>
+          <a:p>
+            <a:r>
+              <a:rPr lang="en-US" sz="3600" dirty="0"/>
+              <a:t>Mobile app</a:t>
+            </a:r>
+          </a:p>
+          <a:p>
+            <a:r>
+              <a:rPr lang="en-US" sz="3600" dirty="0"/>
+              <a:t>Discounts / adjustments (</a:t>
+            </a:r>
+            <a:r>
+              <a:rPr lang="en-US" sz="3600" dirty="0" err="1"/>
+              <a:t>comping</a:t>
+            </a:r>
+            <a:r>
+              <a:rPr lang="en-US" sz="3600" dirty="0"/>
+              <a:t>)</a:t>
+            </a:r>
+          </a:p>
+          <a:p>
+            <a:r>
+              <a:rPr lang="en-US" sz="3600" dirty="0"/>
+              <a:t>Parties spanning &gt; 1 table</a:t>
+            </a:r>
           </a:p>
         </p:txBody>
       </p:sp>
     </p:spTree>
     <p:extLst>
       <p:ext uri="{BB962C8B-B14F-4D97-AF65-F5344CB8AC3E}">
-        <p14:creationId xmlns:p14="http://schemas.microsoft.com/office/powerpoint/2010/main" val="4070009704"/>
+        <p14:creationId xmlns:p14="http://schemas.microsoft.com/office/powerpoint/2010/main" val="1528390757"/>
       </p:ext>
     </p:extLst>
   </p:cSld>
@@ -8782,130 +8668,6 @@
         <p:spPr>
           <a:xfrm>
             <a:off x="457200" y="274638"/>
-            <a:ext cx="6172200" cy="1143000"/>
-          </a:xfrm>
-        </p:spPr>
-        <p:txBody>
-          <a:bodyPr>
-            <a:normAutofit/>
-          </a:bodyPr>
-          <a:lstStyle/>
-          <a:p>
-            <a:pPr algn="l"/>
-            <a:r>
-              <a:rPr lang="en-US" sz="6000" b="1" dirty="0" smtClean="0"/>
-              <a:t>Scope Undecided</a:t>
-            </a:r>
-            <a:endParaRPr lang="en-US" sz="6000" b="1" dirty="0"/>
-          </a:p>
-        </p:txBody>
-      </p:sp>
-      <p:sp>
-        <p:nvSpPr>
-          <p:cNvPr id="3" name="Content Placeholder 2"/>
-          <p:cNvSpPr>
-            <a:spLocks noGrp="1"/>
-          </p:cNvSpPr>
-          <p:nvPr>
-            <p:ph idx="1"/>
-          </p:nvPr>
-        </p:nvSpPr>
-        <p:spPr/>
-        <p:txBody>
-          <a:bodyPr>
-            <a:normAutofit/>
-          </a:bodyPr>
-          <a:lstStyle/>
-          <a:p>
-            <a:r>
-              <a:rPr lang="en-US" sz="3600" dirty="0"/>
-              <a:t>Reservations</a:t>
-            </a:r>
-          </a:p>
-          <a:p>
-            <a:r>
-              <a:rPr lang="en-US" sz="3600" dirty="0"/>
-              <a:t>Basic employee stats</a:t>
-            </a:r>
-          </a:p>
-          <a:p>
-            <a:r>
-              <a:rPr lang="en-US" sz="3600" dirty="0"/>
-              <a:t>Mobile app</a:t>
-            </a:r>
-          </a:p>
-          <a:p>
-            <a:r>
-              <a:rPr lang="en-US" sz="3600" dirty="0"/>
-              <a:t>Discounts / adjustments (</a:t>
-            </a:r>
-            <a:r>
-              <a:rPr lang="en-US" sz="3600" dirty="0" err="1"/>
-              <a:t>comping</a:t>
-            </a:r>
-            <a:r>
-              <a:rPr lang="en-US" sz="3600" dirty="0"/>
-              <a:t>)</a:t>
-            </a:r>
-          </a:p>
-          <a:p>
-            <a:r>
-              <a:rPr lang="en-US" sz="3600" dirty="0"/>
-              <a:t>Parties spanning &gt; 1 table</a:t>
-            </a:r>
-          </a:p>
-        </p:txBody>
-      </p:sp>
-    </p:spTree>
-    <p:extLst>
-      <p:ext uri="{BB962C8B-B14F-4D97-AF65-F5344CB8AC3E}">
-        <p14:creationId xmlns:p14="http://schemas.microsoft.com/office/powerpoint/2010/main" val="1528390757"/>
-      </p:ext>
-    </p:extLst>
-  </p:cSld>
-  <p:clrMapOvr>
-    <a:masterClrMapping/>
-  </p:clrMapOvr>
-  <p:timing>
-    <p:tnLst>
-      <p:par>
-        <p:cTn id="1" dur="indefinite" restart="never" nodeType="tmRoot"/>
-      </p:par>
-    </p:tnLst>
-  </p:timing>
-</p:sld>
-</file>
-
-<file path=ppt/slides/slide29.xml><?xml version="1.0" encoding="utf-8"?>
-<p:sld xmlns:a="http://schemas.openxmlformats.org/drawingml/2006/main" xmlns:r="http://schemas.openxmlformats.org/officeDocument/2006/relationships" xmlns:p="http://schemas.openxmlformats.org/presentationml/2006/main">
-  <p:cSld>
-    <p:spTree>
-      <p:nvGrpSpPr>
-        <p:cNvPr id="1" name=""/>
-        <p:cNvGrpSpPr/>
-        <p:nvPr/>
-      </p:nvGrpSpPr>
-      <p:grpSpPr>
-        <a:xfrm>
-          <a:off x="0" y="0"/>
-          <a:ext cx="0" cy="0"/>
-          <a:chOff x="0" y="0"/>
-          <a:chExt cx="0" cy="0"/>
-        </a:xfrm>
-      </p:grpSpPr>
-      <p:sp>
-        <p:nvSpPr>
-          <p:cNvPr id="2" name="Title 1"/>
-          <p:cNvSpPr>
-            <a:spLocks noGrp="1"/>
-          </p:cNvSpPr>
-          <p:nvPr>
-            <p:ph type="title"/>
-          </p:nvPr>
-        </p:nvSpPr>
-        <p:spPr>
-          <a:xfrm>
-            <a:off x="457200" y="274638"/>
             <a:ext cx="5486400" cy="1143000"/>
           </a:xfrm>
         </p:spPr>
@@ -9012,95 +8774,7 @@
 </p:sld>
 </file>
 
-<file path=ppt/slides/slide3.xml><?xml version="1.0" encoding="utf-8"?>
-<p:sld xmlns:a="http://schemas.openxmlformats.org/drawingml/2006/main" xmlns:r="http://schemas.openxmlformats.org/officeDocument/2006/relationships" xmlns:p="http://schemas.openxmlformats.org/presentationml/2006/main">
-  <p:cSld>
-    <p:spTree>
-      <p:nvGrpSpPr>
-        <p:cNvPr id="1" name=""/>
-        <p:cNvGrpSpPr/>
-        <p:nvPr/>
-      </p:nvGrpSpPr>
-      <p:grpSpPr>
-        <a:xfrm>
-          <a:off x="0" y="0"/>
-          <a:ext cx="0" cy="0"/>
-          <a:chOff x="0" y="0"/>
-          <a:chExt cx="0" cy="0"/>
-        </a:xfrm>
-      </p:grpSpPr>
-      <p:sp>
-        <p:nvSpPr>
-          <p:cNvPr id="2" name="Title 1"/>
-          <p:cNvSpPr>
-            <a:spLocks noGrp="1"/>
-          </p:cNvSpPr>
-          <p:nvPr>
-            <p:ph type="title"/>
-          </p:nvPr>
-        </p:nvSpPr>
-        <p:spPr/>
-        <p:txBody>
-          <a:bodyPr>
-            <a:normAutofit/>
-          </a:bodyPr>
-          <a:lstStyle/>
-          <a:p>
-            <a:pPr algn="l"/>
-            <a:endParaRPr lang="en-US" sz="6000" b="1" dirty="0"/>
-          </a:p>
-        </p:txBody>
-      </p:sp>
-      <p:pic>
-        <p:nvPicPr>
-          <p:cNvPr id="4" name="Content Placeholder 3"/>
-          <p:cNvPicPr>
-            <a:picLocks noGrp="1" noChangeAspect="1"/>
-          </p:cNvPicPr>
-          <p:nvPr>
-            <p:ph idx="1"/>
-          </p:nvPr>
-        </p:nvPicPr>
-        <p:blipFill>
-          <a:blip r:embed="rId2">
-            <a:extLst>
-              <a:ext uri="{28A0092B-C50C-407E-A947-70E740481C1C}">
-                <a14:useLocalDpi xmlns:a14="http://schemas.microsoft.com/office/drawing/2010/main" val="0"/>
-              </a:ext>
-            </a:extLst>
-          </a:blip>
-          <a:stretch>
-            <a:fillRect/>
-          </a:stretch>
-        </p:blipFill>
-        <p:spPr>
-          <a:xfrm>
-            <a:off x="1066800" y="1185389"/>
-            <a:ext cx="6776933" cy="4453411"/>
-          </a:xfrm>
-        </p:spPr>
-      </p:pic>
-    </p:spTree>
-    <p:extLst>
-      <p:ext uri="{BB962C8B-B14F-4D97-AF65-F5344CB8AC3E}">
-        <p14:creationId xmlns:p14="http://schemas.microsoft.com/office/powerpoint/2010/main" val="965326574"/>
-      </p:ext>
-    </p:extLst>
-  </p:cSld>
-  <p:clrMapOvr>
-    <a:masterClrMapping/>
-  </p:clrMapOvr>
-  <p:timing>
-    <p:tnLst>
-      <p:par>
-        <p:cTn id="1" dur="indefinite" restart="never" nodeType="tmRoot"/>
-      </p:par>
-    </p:tnLst>
-  </p:timing>
-</p:sld>
-</file>
-
-<file path=ppt/slides/slide30.xml><?xml version="1.0" encoding="utf-8"?>
+<file path=ppt/slides/slide29.xml><?xml version="1.0" encoding="utf-8"?>
 <p:sld xmlns:a="http://schemas.openxmlformats.org/drawingml/2006/main" xmlns:r="http://schemas.openxmlformats.org/officeDocument/2006/relationships" xmlns:p="http://schemas.openxmlformats.org/presentationml/2006/main">
   <p:cSld>
     <p:spTree>
@@ -9729,7 +9403,171 @@
 </p:sld>
 </file>
 
-<file path=ppt/slides/slide31.xml><?xml version="1.0" encoding="utf-8"?>
+<file path=ppt/slides/slide3.xml><?xml version="1.0" encoding="utf-8"?>
+<p:sld xmlns:a="http://schemas.openxmlformats.org/drawingml/2006/main" xmlns:r="http://schemas.openxmlformats.org/officeDocument/2006/relationships" xmlns:p="http://schemas.openxmlformats.org/presentationml/2006/main">
+  <p:cSld>
+    <p:spTree>
+      <p:nvGrpSpPr>
+        <p:cNvPr id="1" name=""/>
+        <p:cNvGrpSpPr/>
+        <p:nvPr/>
+      </p:nvGrpSpPr>
+      <p:grpSpPr>
+        <a:xfrm>
+          <a:off x="0" y="0"/>
+          <a:ext cx="0" cy="0"/>
+          <a:chOff x="0" y="0"/>
+          <a:chExt cx="0" cy="0"/>
+        </a:xfrm>
+      </p:grpSpPr>
+      <p:sp>
+        <p:nvSpPr>
+          <p:cNvPr id="2" name="Title 1"/>
+          <p:cNvSpPr>
+            <a:spLocks noGrp="1"/>
+          </p:cNvSpPr>
+          <p:nvPr>
+            <p:ph type="title"/>
+          </p:nvPr>
+        </p:nvSpPr>
+        <p:spPr>
+          <a:xfrm>
+            <a:off x="685800" y="304800"/>
+            <a:ext cx="3886200" cy="725214"/>
+          </a:xfrm>
+        </p:spPr>
+        <p:txBody>
+          <a:bodyPr>
+            <a:noAutofit/>
+          </a:bodyPr>
+          <a:lstStyle/>
+          <a:p>
+            <a:pPr algn="l"/>
+            <a:r>
+              <a:rPr lang="en-US" sz="6000" b="1" dirty="0" smtClean="0"/>
+              <a:t>Vision</a:t>
+            </a:r>
+            <a:endParaRPr lang="en-US" sz="6000" b="1" dirty="0"/>
+          </a:p>
+        </p:txBody>
+      </p:sp>
+      <p:sp>
+        <p:nvSpPr>
+          <p:cNvPr id="3" name="Content Placeholder 2"/>
+          <p:cNvSpPr>
+            <a:spLocks noGrp="1"/>
+          </p:cNvSpPr>
+          <p:nvPr>
+            <p:ph idx="1"/>
+          </p:nvPr>
+        </p:nvSpPr>
+        <p:spPr>
+          <a:xfrm>
+            <a:off x="23648" y="1295400"/>
+            <a:ext cx="8763000" cy="5257800"/>
+          </a:xfrm>
+        </p:spPr>
+        <p:txBody>
+          <a:bodyPr>
+            <a:noAutofit/>
+          </a:bodyPr>
+          <a:lstStyle/>
+          <a:p>
+            <a:pPr marL="0" indent="0">
+              <a:buNone/>
+            </a:pPr>
+            <a:r>
+              <a:rPr lang="en-US" dirty="0" smtClean="0"/>
+              <a:t>A </a:t>
+            </a:r>
+            <a:r>
+              <a:rPr lang="en-US" b="1" dirty="0"/>
+              <a:t>restaurant management application </a:t>
+            </a:r>
+            <a:r>
+              <a:rPr lang="en-US" dirty="0"/>
+              <a:t>used </a:t>
+            </a:r>
+            <a:r>
+              <a:rPr lang="en-US" dirty="0" smtClean="0"/>
+              <a:t>to:</a:t>
+            </a:r>
+            <a:endParaRPr lang="en-US" dirty="0"/>
+          </a:p>
+          <a:p>
+            <a:r>
+              <a:rPr lang="en-US" dirty="0"/>
+              <a:t>Enter, track, and delegate food and drink orders</a:t>
+            </a:r>
+          </a:p>
+          <a:p>
+            <a:r>
+              <a:rPr lang="en-US" dirty="0"/>
+              <a:t>Enter and track table statuses and reservations</a:t>
+            </a:r>
+          </a:p>
+          <a:p>
+            <a:r>
+              <a:rPr lang="en-US" dirty="0"/>
+              <a:t>Prioritize orders in the kitchen according to arrival of orders and required prep times</a:t>
+            </a:r>
+          </a:p>
+          <a:p>
+            <a:r>
+              <a:rPr lang="en-US" dirty="0"/>
+              <a:t>Handle billing</a:t>
+            </a:r>
+          </a:p>
+          <a:p>
+            <a:r>
+              <a:rPr lang="en-US" dirty="0" smtClean="0"/>
+              <a:t>We </a:t>
+            </a:r>
+            <a:r>
+              <a:rPr lang="en-US" dirty="0"/>
+              <a:t>envision this as a </a:t>
+            </a:r>
+            <a:r>
+              <a:rPr lang="en-US" dirty="0" smtClean="0"/>
+              <a:t>web </a:t>
+            </a:r>
+            <a:r>
+              <a:rPr lang="en-US" dirty="0"/>
+              <a:t>application which may be adapted to Android if time allows.</a:t>
+            </a:r>
+          </a:p>
+          <a:p>
+            <a:pPr marL="0" indent="0">
+              <a:spcBef>
+                <a:spcPts val="0"/>
+              </a:spcBef>
+              <a:buNone/>
+            </a:pPr>
+            <a:endParaRPr lang="en-GB" sz="3600" b="1" dirty="0" smtClean="0"/>
+          </a:p>
+        </p:txBody>
+      </p:sp>
+    </p:spTree>
+    <p:extLst>
+      <p:ext uri="{BB962C8B-B14F-4D97-AF65-F5344CB8AC3E}">
+        <p14:creationId xmlns:p14="http://schemas.microsoft.com/office/powerpoint/2010/main" val="1782274068"/>
+      </p:ext>
+    </p:extLst>
+  </p:cSld>
+  <p:clrMapOvr>
+    <a:masterClrMapping/>
+  </p:clrMapOvr>
+  <p:timing>
+    <p:tnLst>
+      <p:par>
+        <p:cTn id="1" dur="indefinite" restart="never" nodeType="tmRoot"/>
+      </p:par>
+    </p:tnLst>
+  </p:timing>
+</p:sld>
+</file>
+
+<file path=ppt/slides/slide30.xml><?xml version="1.0" encoding="utf-8"?>
 <p:sld xmlns:a="http://schemas.openxmlformats.org/drawingml/2006/main" xmlns:r="http://schemas.openxmlformats.org/officeDocument/2006/relationships" xmlns:p="http://schemas.openxmlformats.org/presentationml/2006/main">
   <p:cSld>
     <p:spTree>
@@ -9984,7 +9822,7 @@
         <p:spPr>
           <a:xfrm>
             <a:off x="685800" y="304800"/>
-            <a:ext cx="3886200" cy="725214"/>
+            <a:ext cx="5562600" cy="725214"/>
           </a:xfrm>
         </p:spPr>
         <p:txBody>
@@ -9996,7 +9834,7 @@
             <a:pPr algn="l"/>
             <a:r>
               <a:rPr lang="en-US" sz="6000" b="1" dirty="0" smtClean="0"/>
-              <a:t>Vision</a:t>
+              <a:t>Business Case</a:t>
             </a:r>
             <a:endParaRPr lang="en-US" sz="6000" b="1" dirty="0"/>
           </a:p>
@@ -10015,7 +9853,7 @@
         <p:spPr>
           <a:xfrm>
             <a:off x="23648" y="1295400"/>
-            <a:ext cx="8763000" cy="5257800"/>
+            <a:ext cx="8763000" cy="3352800"/>
           </a:xfrm>
         </p:spPr>
         <p:txBody>
@@ -10024,67 +9862,26 @@
           </a:bodyPr>
           <a:lstStyle/>
           <a:p>
-            <a:pPr marL="0" indent="0">
-              <a:buNone/>
+            <a:pPr>
+              <a:spcBef>
+                <a:spcPts val="0"/>
+              </a:spcBef>
             </a:pPr>
             <a:r>
-              <a:rPr lang="en-US" dirty="0" smtClean="0"/>
-              <a:t>A </a:t>
-            </a:r>
-            <a:r>
-              <a:rPr lang="en-US" b="1" dirty="0"/>
-              <a:t>restaurant management application </a:t>
-            </a:r>
-            <a:r>
-              <a:rPr lang="en-US" dirty="0"/>
-              <a:t>used </a:t>
-            </a:r>
-            <a:r>
-              <a:rPr lang="en-US" dirty="0" smtClean="0"/>
-              <a:t>to:</a:t>
-            </a:r>
-            <a:endParaRPr lang="en-US" dirty="0"/>
-          </a:p>
-          <a:p>
-            <a:r>
-              <a:rPr lang="en-US" dirty="0"/>
-              <a:t>Enter, track, and delegate food and drink orders</a:t>
-            </a:r>
-          </a:p>
-          <a:p>
-            <a:r>
-              <a:rPr lang="en-US" dirty="0"/>
-              <a:t>Enter and track table statuses and reservations</a:t>
-            </a:r>
-          </a:p>
-          <a:p>
-            <a:r>
-              <a:rPr lang="en-US" dirty="0"/>
-              <a:t>Prioritize orders in the kitchen according to arrival of orders and required prep times</a:t>
-            </a:r>
-          </a:p>
-          <a:p>
-            <a:r>
-              <a:rPr lang="en-US" dirty="0"/>
-              <a:t>Handle billing</a:t>
-            </a:r>
-          </a:p>
-          <a:p>
-            <a:r>
-              <a:rPr lang="en-US" dirty="0" smtClean="0"/>
-              <a:t>We </a:t>
-            </a:r>
-            <a:r>
-              <a:rPr lang="en-US" dirty="0"/>
-              <a:t>envision this as a </a:t>
-            </a:r>
-            <a:r>
-              <a:rPr lang="en-US" dirty="0" smtClean="0"/>
-              <a:t>web </a:t>
-            </a:r>
-            <a:r>
-              <a:rPr lang="en-US" dirty="0"/>
-              <a:t>application which may be adapted to Android if time allows.</a:t>
+              <a:rPr lang="en-GB" sz="3600" b="1" dirty="0"/>
+              <a:t>Restaurants are </a:t>
+            </a:r>
+            <a:r>
+              <a:rPr lang="en-GB" sz="3600" b="1" dirty="0" smtClean="0"/>
+              <a:t>busy environments and inefficiencies can result in business failure </a:t>
+            </a:r>
+            <a:r>
+              <a:rPr lang="en-GB" sz="3600" b="1" dirty="0"/>
+              <a:t>even </a:t>
+            </a:r>
+            <a:r>
+              <a:rPr lang="en-GB" sz="3600" b="1" dirty="0" smtClean="0"/>
+              <a:t>if the food is great. </a:t>
             </a:r>
           </a:p>
           <a:p>
@@ -10096,12 +9893,23 @@
             </a:pPr>
             <a:endParaRPr lang="en-GB" sz="3600" b="1" dirty="0" smtClean="0"/>
           </a:p>
+          <a:p>
+            <a:pPr>
+              <a:spcBef>
+                <a:spcPts val="0"/>
+              </a:spcBef>
+            </a:pPr>
+            <a:r>
+              <a:rPr lang="en-GB" sz="3600" b="1" dirty="0" smtClean="0"/>
+              <a:t>Effective coordination of personnel and resources is key to timely service and customer satisfaction.</a:t>
+            </a:r>
+          </a:p>
         </p:txBody>
       </p:sp>
     </p:spTree>
     <p:extLst>
       <p:ext uri="{BB962C8B-B14F-4D97-AF65-F5344CB8AC3E}">
-        <p14:creationId xmlns:p14="http://schemas.microsoft.com/office/powerpoint/2010/main" val="1782274068"/>
+        <p14:creationId xmlns:p14="http://schemas.microsoft.com/office/powerpoint/2010/main" val="547735297"/>
       </p:ext>
     </p:extLst>
   </p:cSld>
@@ -10147,13 +9955,13 @@
         </p:nvSpPr>
         <p:spPr>
           <a:xfrm>
-            <a:off x="685800" y="304800"/>
-            <a:ext cx="5562600" cy="725214"/>
+            <a:off x="457200" y="274638"/>
+            <a:ext cx="5486400" cy="1143000"/>
           </a:xfrm>
         </p:spPr>
         <p:txBody>
           <a:bodyPr>
-            <a:noAutofit/>
+            <a:normAutofit/>
           </a:bodyPr>
           <a:lstStyle/>
           <a:p>
@@ -10176,58 +9984,44 @@
             <p:ph idx="1"/>
           </p:nvPr>
         </p:nvSpPr>
-        <p:spPr>
-          <a:xfrm>
-            <a:off x="23648" y="1295400"/>
-            <a:ext cx="8763000" cy="3352800"/>
-          </a:xfrm>
-        </p:spPr>
+        <p:spPr/>
         <p:txBody>
           <a:bodyPr>
-            <a:noAutofit/>
+            <a:normAutofit/>
           </a:bodyPr>
           <a:lstStyle/>
           <a:p>
-            <a:pPr>
-              <a:spcBef>
-                <a:spcPts val="0"/>
-              </a:spcBef>
-            </a:pPr>
-            <a:r>
-              <a:rPr lang="en-GB" sz="3600" b="1" dirty="0"/>
-              <a:t>Restaurants are </a:t>
-            </a:r>
-            <a:r>
-              <a:rPr lang="en-GB" sz="3600" b="1" dirty="0" smtClean="0"/>
-              <a:t>busy environments and inefficiencies can result in business failure </a:t>
-            </a:r>
-            <a:r>
-              <a:rPr lang="en-GB" sz="3600" b="1" dirty="0"/>
-              <a:t>even </a:t>
-            </a:r>
-            <a:r>
-              <a:rPr lang="en-GB" sz="3600" b="1" dirty="0" smtClean="0"/>
-              <a:t>if the food is great. </a:t>
-            </a:r>
-          </a:p>
-          <a:p>
             <a:pPr marL="0" indent="0">
-              <a:spcBef>
-                <a:spcPts val="0"/>
-              </a:spcBef>
               <a:buNone/>
             </a:pPr>
-            <a:endParaRPr lang="en-GB" sz="3600" b="1" dirty="0" smtClean="0"/>
-          </a:p>
-          <a:p>
-            <a:pPr>
-              <a:spcBef>
-                <a:spcPts val="0"/>
-              </a:spcBef>
-            </a:pPr>
-            <a:r>
-              <a:rPr lang="en-GB" sz="3600" b="1" dirty="0" smtClean="0"/>
-              <a:t>Effective coordination of personnel and resources is key to timely service and customer satisfaction.</a:t>
+            <a:r>
+              <a:rPr lang="en-GB" sz="4000" b="1" dirty="0" smtClean="0"/>
+              <a:t>Boost business by </a:t>
+            </a:r>
+          </a:p>
+          <a:p>
+            <a:r>
+              <a:rPr lang="en-GB" sz="4000" b="1" dirty="0" smtClean="0"/>
+              <a:t>Making waiting times smaller and more predictable</a:t>
+            </a:r>
+          </a:p>
+          <a:p>
+            <a:r>
+              <a:rPr lang="en-GB" sz="4000" b="1" dirty="0" smtClean="0"/>
+              <a:t>Maximizing customer throughput</a:t>
+            </a:r>
+            <a:endParaRPr lang="en-GB" sz="4000" b="1" dirty="0"/>
+          </a:p>
+          <a:p>
+            <a:r>
+              <a:rPr lang="en-GB" sz="4000" b="1" dirty="0" smtClean="0"/>
+              <a:t>Maximizing employee efficiency</a:t>
+            </a:r>
+          </a:p>
+          <a:p>
+            <a:r>
+              <a:rPr lang="en-GB" sz="4000" b="1" dirty="0" smtClean="0"/>
+              <a:t>Increasing customer satisfaction</a:t>
             </a:r>
           </a:p>
         </p:txBody>
@@ -10235,7 +10029,7 @@
     </p:spTree>
     <p:extLst>
       <p:ext uri="{BB962C8B-B14F-4D97-AF65-F5344CB8AC3E}">
-        <p14:creationId xmlns:p14="http://schemas.microsoft.com/office/powerpoint/2010/main" val="547735297"/>
+        <p14:creationId xmlns:p14="http://schemas.microsoft.com/office/powerpoint/2010/main" val="2617764532"/>
       </p:ext>
     </p:extLst>
   </p:cSld>
@@ -10281,8 +10075,8 @@
         </p:nvSpPr>
         <p:spPr>
           <a:xfrm>
-            <a:off x="457200" y="274638"/>
-            <a:ext cx="5486400" cy="1143000"/>
+            <a:off x="762000" y="152400"/>
+            <a:ext cx="4572000" cy="1096962"/>
           </a:xfrm>
         </p:spPr>
         <p:txBody>
@@ -10294,68 +10088,140 @@
             <a:pPr algn="l"/>
             <a:r>
               <a:rPr lang="en-US" sz="6000" b="1" dirty="0" smtClean="0"/>
-              <a:t>Business Case</a:t>
+              <a:t>Actors</a:t>
             </a:r>
             <a:endParaRPr lang="en-US" sz="6000" b="1" dirty="0"/>
           </a:p>
         </p:txBody>
       </p:sp>
-      <p:sp>
-        <p:nvSpPr>
-          <p:cNvPr id="3" name="Content Placeholder 2"/>
-          <p:cNvSpPr>
-            <a:spLocks noGrp="1"/>
-          </p:cNvSpPr>
-          <p:nvPr>
-            <p:ph idx="1"/>
-          </p:nvPr>
-        </p:nvSpPr>
-        <p:spPr/>
-        <p:txBody>
-          <a:bodyPr>
-            <a:normAutofit/>
+      <p:pic>
+        <p:nvPicPr>
+          <p:cNvPr id="3" name="Picture 2"/>
+          <p:cNvPicPr>
+            <a:picLocks noChangeAspect="1"/>
+          </p:cNvPicPr>
+          <p:nvPr/>
+        </p:nvPicPr>
+        <p:blipFill>
+          <a:blip r:embed="rId2">
+            <a:extLst>
+              <a:ext uri="{28A0092B-C50C-407E-A947-70E740481C1C}">
+                <a14:useLocalDpi xmlns:a14="http://schemas.microsoft.com/office/drawing/2010/main" val="0"/>
+              </a:ext>
+            </a:extLst>
+          </a:blip>
+          <a:stretch>
+            <a:fillRect/>
+          </a:stretch>
+        </p:blipFill>
+        <p:spPr>
+          <a:xfrm>
+            <a:off x="3048000" y="1249362"/>
+            <a:ext cx="5809524" cy="5333333"/>
+          </a:xfrm>
+          <a:prstGeom prst="rect">
+            <a:avLst/>
+          </a:prstGeom>
+        </p:spPr>
+      </p:pic>
+      <p:sp>
+        <p:nvSpPr>
+          <p:cNvPr id="5" name="TextBox 4"/>
+          <p:cNvSpPr txBox="1"/>
+          <p:nvPr/>
+        </p:nvSpPr>
+        <p:spPr>
+          <a:xfrm>
+            <a:off x="304800" y="1371600"/>
+            <a:ext cx="2514600" cy="4524315"/>
+          </a:xfrm>
+          <a:prstGeom prst="rect">
+            <a:avLst/>
+          </a:prstGeom>
+          <a:noFill/>
+        </p:spPr>
+        <p:txBody>
+          <a:bodyPr wrap="square" rtlCol="0">
+            <a:spAutoFit/>
           </a:bodyPr>
           <a:lstStyle/>
           <a:p>
-            <a:pPr marL="0" indent="0">
-              <a:buNone/>
+            <a:pPr marL="285750" indent="-285750">
+              <a:buFont typeface="Arial" panose="020B0604020202020204" pitchFamily="34" charset="0"/>
+              <a:buChar char="•"/>
             </a:pPr>
             <a:r>
-              <a:rPr lang="en-GB" sz="4000" b="1" dirty="0" smtClean="0"/>
-              <a:t>Boost business by </a:t>
-            </a:r>
-          </a:p>
-          <a:p>
-            <a:r>
-              <a:rPr lang="en-GB" sz="4000" b="1" dirty="0" smtClean="0"/>
-              <a:t>Making waiting times smaller and more predictable</a:t>
-            </a:r>
-          </a:p>
-          <a:p>
-            <a:r>
-              <a:rPr lang="en-GB" sz="4000" b="1" dirty="0" smtClean="0"/>
-              <a:t>Maximizing customer throughput</a:t>
-            </a:r>
-            <a:endParaRPr lang="en-GB" sz="4000" b="1" dirty="0"/>
-          </a:p>
-          <a:p>
-            <a:r>
-              <a:rPr lang="en-GB" sz="4000" b="1" dirty="0" smtClean="0"/>
-              <a:t>Maximizing employee efficiency</a:t>
-            </a:r>
-          </a:p>
-          <a:p>
-            <a:r>
-              <a:rPr lang="en-GB" sz="4000" b="1" dirty="0" smtClean="0"/>
-              <a:t>Increasing customer satisfaction</a:t>
-            </a:r>
+              <a:rPr lang="en-US" sz="3600" dirty="0" smtClean="0"/>
+              <a:t>Waiter</a:t>
+            </a:r>
+          </a:p>
+          <a:p>
+            <a:pPr marL="285750" indent="-285750">
+              <a:buFont typeface="Arial" panose="020B0604020202020204" pitchFamily="34" charset="0"/>
+              <a:buChar char="•"/>
+            </a:pPr>
+            <a:r>
+              <a:rPr lang="en-US" sz="3600" dirty="0" smtClean="0"/>
+              <a:t>Kitchen Staff</a:t>
+            </a:r>
+          </a:p>
+          <a:p>
+            <a:pPr marL="285750" indent="-285750">
+              <a:buFont typeface="Arial" panose="020B0604020202020204" pitchFamily="34" charset="0"/>
+              <a:buChar char="•"/>
+            </a:pPr>
+            <a:r>
+              <a:rPr lang="en-US" sz="3600" dirty="0" smtClean="0"/>
+              <a:t>Hostess</a:t>
+            </a:r>
+          </a:p>
+          <a:p>
+            <a:pPr marL="285750" indent="-285750">
+              <a:buFont typeface="Arial" panose="020B0604020202020204" pitchFamily="34" charset="0"/>
+              <a:buChar char="•"/>
+            </a:pPr>
+            <a:r>
+              <a:rPr lang="en-US" sz="3600" dirty="0" smtClean="0"/>
+              <a:t>Customer</a:t>
+            </a:r>
+          </a:p>
+          <a:p>
+            <a:pPr marL="285750" indent="-285750">
+              <a:buFont typeface="Arial" panose="020B0604020202020204" pitchFamily="34" charset="0"/>
+              <a:buChar char="•"/>
+            </a:pPr>
+            <a:r>
+              <a:rPr lang="en-US" sz="3600" dirty="0" smtClean="0"/>
+              <a:t>Busboy</a:t>
+            </a:r>
+          </a:p>
+          <a:p>
+            <a:pPr marL="285750" indent="-285750">
+              <a:buFont typeface="Arial" panose="020B0604020202020204" pitchFamily="34" charset="0"/>
+              <a:buChar char="•"/>
+            </a:pPr>
+            <a:r>
+              <a:rPr lang="en-US" sz="3600" dirty="0" smtClean="0"/>
+              <a:t>Bartender</a:t>
+            </a:r>
+          </a:p>
+          <a:p>
+            <a:pPr marL="285750" indent="-285750">
+              <a:buFont typeface="Arial" panose="020B0604020202020204" pitchFamily="34" charset="0"/>
+              <a:buChar char="•"/>
+            </a:pPr>
+            <a:r>
+              <a:rPr lang="en-US" sz="3600" dirty="0" smtClean="0"/>
+              <a:t>Manager</a:t>
+            </a:r>
+            <a:endParaRPr lang="en-US" sz="3600" dirty="0"/>
           </a:p>
         </p:txBody>
       </p:sp>
     </p:spTree>
     <p:extLst>
       <p:ext uri="{BB962C8B-B14F-4D97-AF65-F5344CB8AC3E}">
-        <p14:creationId xmlns:p14="http://schemas.microsoft.com/office/powerpoint/2010/main" val="2617764532"/>
+        <p14:creationId xmlns:p14="http://schemas.microsoft.com/office/powerpoint/2010/main" val="3238072072"/>
       </p:ext>
     </p:extLst>
   </p:cSld>
@@ -10401,8 +10267,8 @@
         </p:nvSpPr>
         <p:spPr>
           <a:xfrm>
-            <a:off x="762000" y="152400"/>
-            <a:ext cx="4572000" cy="1096962"/>
+            <a:off x="381000" y="-36786"/>
+            <a:ext cx="4876800" cy="1030014"/>
           </a:xfrm>
         </p:spPr>
         <p:txBody>
@@ -10414,140 +10280,105 @@
             <a:pPr algn="l"/>
             <a:r>
               <a:rPr lang="en-US" sz="6000" b="1" dirty="0" smtClean="0"/>
-              <a:t>Actors</a:t>
+              <a:t>Goals:  Waiter</a:t>
             </a:r>
             <a:endParaRPr lang="en-US" sz="6000" b="1" dirty="0"/>
           </a:p>
         </p:txBody>
       </p:sp>
-      <p:pic>
-        <p:nvPicPr>
-          <p:cNvPr id="3" name="Picture 2"/>
-          <p:cNvPicPr>
-            <a:picLocks noChangeAspect="1"/>
-          </p:cNvPicPr>
-          <p:nvPr/>
-        </p:nvPicPr>
-        <p:blipFill>
-          <a:blip r:embed="rId2">
-            <a:extLst>
-              <a:ext uri="{28A0092B-C50C-407E-A947-70E740481C1C}">
-                <a14:useLocalDpi xmlns:a14="http://schemas.microsoft.com/office/drawing/2010/main" val="0"/>
-              </a:ext>
-            </a:extLst>
-          </a:blip>
-          <a:stretch>
-            <a:fillRect/>
-          </a:stretch>
-        </p:blipFill>
+      <p:sp>
+        <p:nvSpPr>
+          <p:cNvPr id="3" name="Content Placeholder 2"/>
+          <p:cNvSpPr>
+            <a:spLocks noGrp="1"/>
+          </p:cNvSpPr>
+          <p:nvPr>
+            <p:ph idx="1"/>
+          </p:nvPr>
+        </p:nvSpPr>
         <p:spPr>
           <a:xfrm>
-            <a:off x="3048000" y="1249362"/>
-            <a:ext cx="5809524" cy="5333333"/>
+            <a:off x="496614" y="1143000"/>
+            <a:ext cx="8610600" cy="5181600"/>
           </a:xfrm>
-          <a:prstGeom prst="rect">
-            <a:avLst/>
-          </a:prstGeom>
         </p:spPr>
-      </p:pic>
-      <p:sp>
-        <p:nvSpPr>
-          <p:cNvPr id="5" name="TextBox 4"/>
-          <p:cNvSpPr txBox="1"/>
-          <p:nvPr/>
-        </p:nvSpPr>
-        <p:spPr>
-          <a:xfrm>
-            <a:off x="304800" y="1371600"/>
-            <a:ext cx="2514600" cy="4524315"/>
-          </a:xfrm>
-          <a:prstGeom prst="rect">
-            <a:avLst/>
-          </a:prstGeom>
-          <a:noFill/>
-        </p:spPr>
-        <p:txBody>
-          <a:bodyPr wrap="square" rtlCol="0">
-            <a:spAutoFit/>
+        <p:txBody>
+          <a:bodyPr>
+            <a:normAutofit fontScale="70000" lnSpcReduction="20000"/>
           </a:bodyPr>
           <a:lstStyle/>
           <a:p>
-            <a:pPr marL="285750" indent="-285750">
-              <a:buFont typeface="Arial" panose="020B0604020202020204" pitchFamily="34" charset="0"/>
-              <a:buChar char="•"/>
-            </a:pPr>
-            <a:r>
-              <a:rPr lang="en-US" sz="3600" dirty="0" smtClean="0"/>
-              <a:t>Waiter</a:t>
-            </a:r>
-          </a:p>
-          <a:p>
-            <a:pPr marL="285750" indent="-285750">
-              <a:buFont typeface="Arial" panose="020B0604020202020204" pitchFamily="34" charset="0"/>
-              <a:buChar char="•"/>
-            </a:pPr>
-            <a:r>
-              <a:rPr lang="en-US" sz="3600" dirty="0" smtClean="0"/>
-              <a:t>Kitchen Staff</a:t>
-            </a:r>
-          </a:p>
-          <a:p>
-            <a:pPr marL="285750" indent="-285750">
-              <a:buFont typeface="Arial" panose="020B0604020202020204" pitchFamily="34" charset="0"/>
-              <a:buChar char="•"/>
-            </a:pPr>
-            <a:r>
-              <a:rPr lang="en-US" sz="3600" dirty="0" smtClean="0"/>
-              <a:t>Hostess</a:t>
-            </a:r>
-          </a:p>
-          <a:p>
-            <a:pPr marL="285750" indent="-285750">
-              <a:buFont typeface="Arial" panose="020B0604020202020204" pitchFamily="34" charset="0"/>
-              <a:buChar char="•"/>
-            </a:pPr>
-            <a:r>
-              <a:rPr lang="en-US" sz="3600" dirty="0" smtClean="0"/>
-              <a:t>Customer</a:t>
-            </a:r>
-          </a:p>
-          <a:p>
-            <a:pPr marL="285750" indent="-285750">
-              <a:buFont typeface="Arial" panose="020B0604020202020204" pitchFamily="34" charset="0"/>
-              <a:buChar char="•"/>
-            </a:pPr>
-            <a:r>
-              <a:rPr lang="en-US" sz="3600" dirty="0" smtClean="0"/>
-              <a:t>Busboy</a:t>
-            </a:r>
-          </a:p>
-          <a:p>
-            <a:pPr marL="285750" indent="-285750">
-              <a:buFont typeface="Arial" panose="020B0604020202020204" pitchFamily="34" charset="0"/>
-              <a:buChar char="•"/>
-            </a:pPr>
-            <a:r>
-              <a:rPr lang="en-US" sz="3600" dirty="0" smtClean="0"/>
-              <a:t>Bartender</a:t>
-            </a:r>
-          </a:p>
-          <a:p>
-            <a:pPr marL="285750" indent="-285750">
-              <a:buFont typeface="Arial" panose="020B0604020202020204" pitchFamily="34" charset="0"/>
-              <a:buChar char="•"/>
-            </a:pPr>
-            <a:r>
-              <a:rPr lang="en-US" sz="3600" dirty="0" smtClean="0"/>
-              <a:t>Manager</a:t>
-            </a:r>
-            <a:endParaRPr lang="en-US" sz="3600" dirty="0"/>
+            <a:r>
+              <a:rPr lang="en-US" sz="4000" b="1" dirty="0" smtClean="0"/>
+              <a:t>Enter customers' orders quickly and easily</a:t>
+            </a:r>
+          </a:p>
+          <a:p>
+            <a:r>
+              <a:rPr lang="en-US" sz="4000" b="1" dirty="0" smtClean="0"/>
+              <a:t>Enter customers' orders without errors</a:t>
+            </a:r>
+          </a:p>
+          <a:p>
+            <a:r>
+              <a:rPr lang="en-US" sz="4000" b="1" dirty="0" smtClean="0"/>
+              <a:t>Communicate customer orders to the kitchen</a:t>
+            </a:r>
+          </a:p>
+          <a:p>
+            <a:r>
+              <a:rPr lang="en-US" sz="4000" b="1" dirty="0" smtClean="0"/>
+              <a:t>Access menu information on demand, as needed</a:t>
+            </a:r>
+          </a:p>
+          <a:p>
+            <a:r>
+              <a:rPr lang="en-US" sz="4000" b="1" dirty="0" smtClean="0"/>
+              <a:t>Adjust bill splitting/sharing as needed</a:t>
+            </a:r>
+          </a:p>
+          <a:p>
+            <a:r>
+              <a:rPr lang="en-US" sz="4000" b="1" dirty="0" smtClean="0"/>
+              <a:t>Mark what is from each person (seat number)</a:t>
+            </a:r>
+          </a:p>
+          <a:p>
+            <a:r>
+              <a:rPr lang="en-US" sz="4000" b="1" dirty="0" smtClean="0"/>
+              <a:t>Take customer payment quickly and easily</a:t>
+            </a:r>
+          </a:p>
+          <a:p>
+            <a:r>
+              <a:rPr lang="en-US" sz="4000" b="1" dirty="0" smtClean="0"/>
+              <a:t>See specials</a:t>
+            </a:r>
+          </a:p>
+          <a:p>
+            <a:r>
+              <a:rPr lang="en-US" sz="4000" b="1" dirty="0" smtClean="0"/>
+              <a:t>Use coupons / codes</a:t>
+            </a:r>
+          </a:p>
+          <a:p>
+            <a:r>
+              <a:rPr lang="en-US" sz="4000" b="1" dirty="0" smtClean="0"/>
+              <a:t>Receive tips</a:t>
+            </a:r>
+          </a:p>
+          <a:p>
+            <a:r>
+              <a:rPr lang="en-US" sz="4000" b="1" dirty="0" smtClean="0"/>
+              <a:t>Take complaints</a:t>
+            </a:r>
           </a:p>
         </p:txBody>
       </p:sp>
     </p:spTree>
     <p:extLst>
       <p:ext uri="{BB962C8B-B14F-4D97-AF65-F5344CB8AC3E}">
-        <p14:creationId xmlns:p14="http://schemas.microsoft.com/office/powerpoint/2010/main" val="3238072072"/>
+        <p14:creationId xmlns:p14="http://schemas.microsoft.com/office/powerpoint/2010/main" val="3983197363"/>
       </p:ext>
     </p:extLst>
   </p:cSld>
@@ -10593,8 +10424,39 @@
         </p:nvSpPr>
         <p:spPr>
           <a:xfrm>
-            <a:off x="381000" y="-36786"/>
-            <a:ext cx="4876800" cy="1030014"/>
+            <a:off x="304800" y="18393"/>
+            <a:ext cx="6858000" cy="1030014"/>
+          </a:xfrm>
+        </p:spPr>
+        <p:txBody>
+          <a:bodyPr>
+            <a:noAutofit/>
+          </a:bodyPr>
+          <a:lstStyle/>
+          <a:p>
+            <a:pPr algn="l"/>
+            <a:r>
+              <a:rPr lang="en-US" sz="6000" b="1" dirty="0" smtClean="0"/>
+              <a:t>Goals: Kitchen Staff  </a:t>
+            </a:r>
+            <a:endParaRPr lang="en-US" sz="6000" b="1" dirty="0"/>
+          </a:p>
+        </p:txBody>
+      </p:sp>
+      <p:sp>
+        <p:nvSpPr>
+          <p:cNvPr id="3" name="Content Placeholder 2"/>
+          <p:cNvSpPr>
+            <a:spLocks noGrp="1"/>
+          </p:cNvSpPr>
+          <p:nvPr>
+            <p:ph idx="1"/>
+          </p:nvPr>
+        </p:nvSpPr>
+        <p:spPr>
+          <a:xfrm>
+            <a:off x="304800" y="1066800"/>
+            <a:ext cx="8610600" cy="5181600"/>
           </a:xfrm>
         </p:spPr>
         <p:txBody>
@@ -10603,108 +10465,36 @@
           </a:bodyPr>
           <a:lstStyle/>
           <a:p>
-            <a:pPr algn="l"/>
-            <a:r>
-              <a:rPr lang="en-US" sz="6000" b="1" dirty="0" smtClean="0"/>
-              <a:t>Goals:  Waiter</a:t>
-            </a:r>
-            <a:endParaRPr lang="en-US" sz="6000" b="1" dirty="0"/>
-          </a:p>
-        </p:txBody>
-      </p:sp>
-      <p:sp>
-        <p:nvSpPr>
-          <p:cNvPr id="3" name="Content Placeholder 2"/>
-          <p:cNvSpPr>
-            <a:spLocks noGrp="1"/>
-          </p:cNvSpPr>
-          <p:nvPr>
-            <p:ph idx="1"/>
-          </p:nvPr>
-        </p:nvSpPr>
-        <p:spPr>
-          <a:xfrm>
-            <a:off x="496614" y="1143000"/>
-            <a:ext cx="8610600" cy="5181600"/>
-          </a:xfrm>
-        </p:spPr>
-        <p:txBody>
-          <a:bodyPr>
-            <a:normAutofit fontScale="70000" lnSpcReduction="20000"/>
-          </a:bodyPr>
-          <a:lstStyle/>
-          <a:p>
             <a:r>
               <a:rPr lang="en-US" sz="4000" b="1" dirty="0" smtClean="0"/>
-              <a:t>Enter customers' orders quickly and easily</a:t>
+              <a:t>View clear and accurate report of queued orders</a:t>
             </a:r>
           </a:p>
           <a:p>
             <a:r>
               <a:rPr lang="en-US" sz="4000" b="1" dirty="0" smtClean="0"/>
-              <a:t>Enter customers' orders without errors</a:t>
+              <a:t>View upcoming orders in terms of priority</a:t>
             </a:r>
           </a:p>
           <a:p>
             <a:r>
               <a:rPr lang="en-US" sz="4000" b="1" dirty="0" smtClean="0"/>
-              <a:t>Communicate customer orders to the kitchen</a:t>
+              <a:t>Take ownership of orders</a:t>
             </a:r>
           </a:p>
           <a:p>
             <a:r>
               <a:rPr lang="en-US" sz="4000" b="1" dirty="0" smtClean="0"/>
-              <a:t>Access menu information on demand, as needed</a:t>
-            </a:r>
-          </a:p>
-          <a:p>
-            <a:r>
-              <a:rPr lang="en-US" sz="4000" b="1" dirty="0" smtClean="0"/>
-              <a:t>Adjust bill splitting/sharing as needed</a:t>
-            </a:r>
-          </a:p>
-          <a:p>
-            <a:r>
-              <a:rPr lang="en-US" sz="4000" b="1" dirty="0" smtClean="0"/>
-              <a:t>Mark what is from each person (seat number)</a:t>
-            </a:r>
-          </a:p>
-          <a:p>
-            <a:r>
-              <a:rPr lang="en-US" sz="4000" b="1" dirty="0" smtClean="0"/>
-              <a:t>Take customer payment quickly and easily</a:t>
-            </a:r>
-          </a:p>
-          <a:p>
-            <a:r>
-              <a:rPr lang="en-US" sz="4000" b="1" dirty="0" smtClean="0"/>
-              <a:t>See specials</a:t>
-            </a:r>
-          </a:p>
-          <a:p>
-            <a:r>
-              <a:rPr lang="en-US" sz="4000" b="1" dirty="0" smtClean="0"/>
-              <a:t>Use coupons / codes</a:t>
-            </a:r>
-          </a:p>
-          <a:p>
-            <a:r>
-              <a:rPr lang="en-US" sz="4000" b="1" dirty="0" smtClean="0"/>
-              <a:t>Receive tips</a:t>
-            </a:r>
-          </a:p>
-          <a:p>
-            <a:r>
-              <a:rPr lang="en-US" sz="4000" b="1" dirty="0" smtClean="0"/>
-              <a:t>Take complaints</a:t>
-            </a:r>
+              <a:t>Mark items as completed</a:t>
+            </a:r>
+            <a:endParaRPr lang="en-US" sz="4000" b="1" dirty="0"/>
           </a:p>
         </p:txBody>
       </p:sp>
     </p:spTree>
     <p:extLst>
       <p:ext uri="{BB962C8B-B14F-4D97-AF65-F5344CB8AC3E}">
-        <p14:creationId xmlns:p14="http://schemas.microsoft.com/office/powerpoint/2010/main" val="3983197363"/>
+        <p14:creationId xmlns:p14="http://schemas.microsoft.com/office/powerpoint/2010/main" val="896281299"/>
       </p:ext>
     </p:extLst>
   </p:cSld>
@@ -10750,39 +10540,8 @@
         </p:nvSpPr>
         <p:spPr>
           <a:xfrm>
-            <a:off x="304800" y="18393"/>
-            <a:ext cx="6858000" cy="1030014"/>
-          </a:xfrm>
-        </p:spPr>
-        <p:txBody>
-          <a:bodyPr>
-            <a:noAutofit/>
-          </a:bodyPr>
-          <a:lstStyle/>
-          <a:p>
-            <a:pPr algn="l"/>
-            <a:r>
-              <a:rPr lang="en-US" sz="6000" b="1" dirty="0" smtClean="0"/>
-              <a:t>Goals: Kitchen Staff  </a:t>
-            </a:r>
-            <a:endParaRPr lang="en-US" sz="6000" b="1" dirty="0"/>
-          </a:p>
-        </p:txBody>
-      </p:sp>
-      <p:sp>
-        <p:nvSpPr>
-          <p:cNvPr id="3" name="Content Placeholder 2"/>
-          <p:cNvSpPr>
-            <a:spLocks noGrp="1"/>
-          </p:cNvSpPr>
-          <p:nvPr>
-            <p:ph idx="1"/>
-          </p:nvPr>
-        </p:nvSpPr>
-        <p:spPr>
-          <a:xfrm>
-            <a:off x="304800" y="1066800"/>
-            <a:ext cx="8610600" cy="5181600"/>
+            <a:off x="228600" y="0"/>
+            <a:ext cx="5943600" cy="1030014"/>
           </a:xfrm>
         </p:spPr>
         <p:txBody>
@@ -10791,27 +10550,76 @@
           </a:bodyPr>
           <a:lstStyle/>
           <a:p>
+            <a:pPr algn="l"/>
+            <a:r>
+              <a:rPr lang="en-US" sz="6000" b="1" dirty="0" smtClean="0"/>
+              <a:t>Goals:  Customer</a:t>
+            </a:r>
+            <a:endParaRPr lang="en-US" sz="6000" b="1" dirty="0"/>
+          </a:p>
+        </p:txBody>
+      </p:sp>
+      <p:sp>
+        <p:nvSpPr>
+          <p:cNvPr id="3" name="Content Placeholder 2"/>
+          <p:cNvSpPr>
+            <a:spLocks noGrp="1"/>
+          </p:cNvSpPr>
+          <p:nvPr>
+            <p:ph idx="1"/>
+          </p:nvPr>
+        </p:nvSpPr>
+        <p:spPr>
+          <a:xfrm>
+            <a:off x="152400" y="1143000"/>
+            <a:ext cx="8610600" cy="5181600"/>
+          </a:xfrm>
+        </p:spPr>
+        <p:txBody>
+          <a:bodyPr>
+            <a:normAutofit fontScale="92500" lnSpcReduction="10000"/>
+          </a:bodyPr>
+          <a:lstStyle/>
+          <a:p>
             <a:r>
               <a:rPr lang="en-US" sz="4000" b="1" dirty="0" smtClean="0"/>
-              <a:t>View clear and accurate report of queued orders</a:t>
+              <a:t>Have order recorded accurately</a:t>
             </a:r>
           </a:p>
           <a:p>
             <a:r>
               <a:rPr lang="en-US" sz="4000" b="1" dirty="0" smtClean="0"/>
-              <a:t>View upcoming orders in terms of priority</a:t>
+              <a:t>Receive an accurate bill,</a:t>
             </a:r>
           </a:p>
           <a:p>
             <a:r>
               <a:rPr lang="en-US" sz="4000" b="1" dirty="0" smtClean="0"/>
-              <a:t>Take ownership of orders</a:t>
+              <a:t>including any splitting/sharing arrangements</a:t>
             </a:r>
           </a:p>
           <a:p>
             <a:r>
               <a:rPr lang="en-US" sz="4000" b="1" dirty="0" smtClean="0"/>
-              <a:t>Mark items as completed</a:t>
+              <a:t>Pay with a credit card easily and securely</a:t>
+            </a:r>
+          </a:p>
+          <a:p>
+            <a:r>
+              <a:rPr lang="en-US" sz="4000" b="1" dirty="0" smtClean="0"/>
+              <a:t>Use coupons / codes</a:t>
+            </a:r>
+          </a:p>
+          <a:p>
+            <a:r>
+              <a:rPr lang="en-US" sz="4000" b="1" dirty="0" smtClean="0"/>
+              <a:t>Make a reservation</a:t>
+            </a:r>
+          </a:p>
+          <a:p>
+            <a:r>
+              <a:rPr lang="en-US" sz="4000" b="1" dirty="0" smtClean="0"/>
+              <a:t>Lodge a complaint</a:t>
             </a:r>
             <a:endParaRPr lang="en-US" sz="4000" b="1" dirty="0"/>
           </a:p>
@@ -10820,7 +10628,7 @@
     </p:spTree>
     <p:extLst>
       <p:ext uri="{BB962C8B-B14F-4D97-AF65-F5344CB8AC3E}">
-        <p14:creationId xmlns:p14="http://schemas.microsoft.com/office/powerpoint/2010/main" val="896281299"/>
+        <p14:creationId xmlns:p14="http://schemas.microsoft.com/office/powerpoint/2010/main" val="2219990299"/>
       </p:ext>
     </p:extLst>
   </p:cSld>

--- a/Project Documents/Group3_Presentation1_Capstone.pptx
+++ b/Project Documents/Group3_Presentation1_Capstone.pptx
@@ -22,19 +22,14 @@
     <p:sldId id="285" r:id="rId16"/>
     <p:sldId id="284" r:id="rId17"/>
     <p:sldId id="286" r:id="rId18"/>
-    <p:sldId id="283" r:id="rId19"/>
-    <p:sldId id="271" r:id="rId20"/>
-    <p:sldId id="272" r:id="rId21"/>
-    <p:sldId id="273" r:id="rId22"/>
-    <p:sldId id="274" r:id="rId23"/>
-    <p:sldId id="275" r:id="rId24"/>
-    <p:sldId id="276" r:id="rId25"/>
-    <p:sldId id="277" r:id="rId26"/>
-    <p:sldId id="278" r:id="rId27"/>
-    <p:sldId id="279" r:id="rId28"/>
-    <p:sldId id="280" r:id="rId29"/>
-    <p:sldId id="281" r:id="rId30"/>
-    <p:sldId id="282" r:id="rId31"/>
+    <p:sldId id="275" r:id="rId19"/>
+    <p:sldId id="276" r:id="rId20"/>
+    <p:sldId id="277" r:id="rId21"/>
+    <p:sldId id="278" r:id="rId22"/>
+    <p:sldId id="279" r:id="rId23"/>
+    <p:sldId id="280" r:id="rId24"/>
+    <p:sldId id="281" r:id="rId25"/>
+    <p:sldId id="282" r:id="rId26"/>
   </p:sldIdLst>
   <p:sldSz cx="9144000" cy="6858000" type="screen4x3"/>
   <p:notesSz cx="6858000" cy="9144000"/>
@@ -135,7 +130,7 @@
   </p:defaultTextStyle>
   <p:extLst>
     <p:ext uri="{EFAFB233-063F-42B5-8137-9DF3F51BA10A}">
-      <p15:sldGuideLst xmlns:p15="http://schemas.microsoft.com/office/powerpoint/2012/main">
+      <p15:sldGuideLst xmlns:p15="http://schemas.microsoft.com/office/powerpoint/2012/main" xmlns="">
         <p15:guide id="1" orient="horz" pos="2160">
           <p15:clr>
             <a:srgbClr val="A4A3A4"/>
@@ -4590,6 +4585,2177 @@
           <a:chExt cx="0" cy="0"/>
         </a:xfrm>
       </p:grpSpPr>
+      <p:graphicFrame>
+        <p:nvGraphicFramePr>
+          <p:cNvPr id="4" name="Content Placeholder 3"/>
+          <p:cNvGraphicFramePr>
+            <a:graphicFrameLocks noGrp="1"/>
+          </p:cNvGraphicFramePr>
+          <p:nvPr>
+            <p:ph idx="1"/>
+            <p:extLst>
+              <p:ext uri="{D42A27DB-BD31-4B8C-83A1-F6EECF244321}">
+                <p14:modId xmlns:p14="http://schemas.microsoft.com/office/powerpoint/2010/main" val="2978832265"/>
+              </p:ext>
+            </p:extLst>
+          </p:nvPr>
+        </p:nvGraphicFramePr>
+        <p:xfrm>
+          <a:off x="0" y="838200"/>
+          <a:ext cx="9067800" cy="5898664"/>
+        </p:xfrm>
+        <a:graphic>
+          <a:graphicData uri="http://schemas.openxmlformats.org/drawingml/2006/table">
+            <a:tbl>
+              <a:tblPr firstRow="1" firstCol="1" bandRow="1">
+                <a:tableStyleId>{5DA37D80-6434-44D0-A028-1B22A696006F}</a:tableStyleId>
+              </a:tblPr>
+              <a:tblGrid>
+                <a:gridCol w="457200"/>
+                <a:gridCol w="2209800"/>
+                <a:gridCol w="914400"/>
+                <a:gridCol w="2590800"/>
+                <a:gridCol w="1752600"/>
+                <a:gridCol w="1143000"/>
+              </a:tblGrid>
+              <a:tr h="389363">
+                <a:tc>
+                  <a:txBody>
+                    <a:bodyPr/>
+                    <a:lstStyle/>
+                    <a:p>
+                      <a:pPr marL="0" marR="0" algn="ctr">
+                        <a:lnSpc>
+                          <a:spcPct val="115000"/>
+                        </a:lnSpc>
+                        <a:spcBef>
+                          <a:spcPts val="0"/>
+                        </a:spcBef>
+                        <a:spcAft>
+                          <a:spcPts val="0"/>
+                        </a:spcAft>
+                      </a:pPr>
+                      <a:r>
+                        <a:rPr lang="en-US" sz="2400" dirty="0">
+                          <a:effectLst/>
+                        </a:rPr>
+                        <a:t>ID</a:t>
+                      </a:r>
+                      <a:endParaRPr lang="en-US" sz="3600" dirty="0">
+                        <a:effectLst/>
+                        <a:latin typeface="Calibri"/>
+                        <a:ea typeface="Calibri"/>
+                        <a:cs typeface="Times New Roman"/>
+                      </a:endParaRPr>
+                    </a:p>
+                  </a:txBody>
+                  <a:tcPr marL="68580" marR="68580" marT="0" marB="0" anchor="b"/>
+                </a:tc>
+                <a:tc>
+                  <a:txBody>
+                    <a:bodyPr/>
+                    <a:lstStyle/>
+                    <a:p>
+                      <a:pPr marL="0" marR="0" algn="ctr">
+                        <a:lnSpc>
+                          <a:spcPct val="115000"/>
+                        </a:lnSpc>
+                        <a:spcBef>
+                          <a:spcPts val="0"/>
+                        </a:spcBef>
+                        <a:spcAft>
+                          <a:spcPts val="0"/>
+                        </a:spcAft>
+                      </a:pPr>
+                      <a:r>
+                        <a:rPr lang="en-US" sz="2400" dirty="0">
+                          <a:effectLst/>
+                        </a:rPr>
+                        <a:t>Name </a:t>
+                      </a:r>
+                      <a:endParaRPr lang="en-US" sz="3600" dirty="0">
+                        <a:effectLst/>
+                        <a:latin typeface="Calibri"/>
+                        <a:ea typeface="Calibri"/>
+                        <a:cs typeface="Times New Roman"/>
+                      </a:endParaRPr>
+                    </a:p>
+                  </a:txBody>
+                  <a:tcPr marL="68580" marR="68580" marT="0" marB="0" anchor="b"/>
+                </a:tc>
+                <a:tc>
+                  <a:txBody>
+                    <a:bodyPr/>
+                    <a:lstStyle/>
+                    <a:p>
+                      <a:pPr marL="0" marR="0" algn="ctr">
+                        <a:lnSpc>
+                          <a:spcPct val="115000"/>
+                        </a:lnSpc>
+                        <a:spcBef>
+                          <a:spcPts val="0"/>
+                        </a:spcBef>
+                        <a:spcAft>
+                          <a:spcPts val="0"/>
+                        </a:spcAft>
+                      </a:pPr>
+                      <a:r>
+                        <a:rPr lang="en-US" sz="2400">
+                          <a:effectLst/>
+                        </a:rPr>
+                        <a:t>Scope</a:t>
+                      </a:r>
+                      <a:endParaRPr lang="en-US" sz="3600">
+                        <a:effectLst/>
+                        <a:latin typeface="Calibri"/>
+                        <a:ea typeface="Calibri"/>
+                        <a:cs typeface="Times New Roman"/>
+                      </a:endParaRPr>
+                    </a:p>
+                  </a:txBody>
+                  <a:tcPr marL="68580" marR="68580" marT="0" marB="0" anchor="b"/>
+                </a:tc>
+                <a:tc>
+                  <a:txBody>
+                    <a:bodyPr/>
+                    <a:lstStyle/>
+                    <a:p>
+                      <a:pPr marL="0" marR="0" algn="ctr">
+                        <a:lnSpc>
+                          <a:spcPct val="115000"/>
+                        </a:lnSpc>
+                        <a:spcBef>
+                          <a:spcPts val="0"/>
+                        </a:spcBef>
+                        <a:spcAft>
+                          <a:spcPts val="0"/>
+                        </a:spcAft>
+                      </a:pPr>
+                      <a:r>
+                        <a:rPr lang="en-US" sz="2400" dirty="0">
+                          <a:effectLst/>
+                        </a:rPr>
+                        <a:t>Primary Actor</a:t>
+                      </a:r>
+                      <a:endParaRPr lang="en-US" sz="3600" dirty="0">
+                        <a:effectLst/>
+                        <a:latin typeface="Calibri"/>
+                        <a:ea typeface="Calibri"/>
+                        <a:cs typeface="Times New Roman"/>
+                      </a:endParaRPr>
+                    </a:p>
+                  </a:txBody>
+                  <a:tcPr marL="68580" marR="68580" marT="0" marB="0" anchor="b"/>
+                </a:tc>
+                <a:tc>
+                  <a:txBody>
+                    <a:bodyPr/>
+                    <a:lstStyle/>
+                    <a:p>
+                      <a:pPr marL="0" marR="0" algn="ctr">
+                        <a:lnSpc>
+                          <a:spcPct val="115000"/>
+                        </a:lnSpc>
+                        <a:spcBef>
+                          <a:spcPts val="0"/>
+                        </a:spcBef>
+                        <a:spcAft>
+                          <a:spcPts val="0"/>
+                        </a:spcAft>
+                      </a:pPr>
+                      <a:r>
+                        <a:rPr lang="en-US" sz="2400" dirty="0" err="1" smtClean="0">
+                          <a:effectLst/>
+                        </a:rPr>
+                        <a:t>Compelxity</a:t>
+                      </a:r>
+                      <a:endParaRPr lang="en-US" sz="3600" dirty="0">
+                        <a:effectLst/>
+                        <a:latin typeface="Calibri"/>
+                        <a:ea typeface="Calibri"/>
+                        <a:cs typeface="Times New Roman"/>
+                      </a:endParaRPr>
+                    </a:p>
+                  </a:txBody>
+                  <a:tcPr marL="68580" marR="68580" marT="0" marB="0" anchor="b"/>
+                </a:tc>
+                <a:tc>
+                  <a:txBody>
+                    <a:bodyPr/>
+                    <a:lstStyle/>
+                    <a:p>
+                      <a:pPr marL="0" marR="0" algn="ctr">
+                        <a:lnSpc>
+                          <a:spcPct val="115000"/>
+                        </a:lnSpc>
+                        <a:spcBef>
+                          <a:spcPts val="0"/>
+                        </a:spcBef>
+                        <a:spcAft>
+                          <a:spcPts val="0"/>
+                        </a:spcAft>
+                      </a:pPr>
+                      <a:r>
+                        <a:rPr lang="en-US" sz="2400" dirty="0">
+                          <a:effectLst/>
+                        </a:rPr>
+                        <a:t>Priority</a:t>
+                      </a:r>
+                      <a:endParaRPr lang="en-US" sz="3600" dirty="0">
+                        <a:effectLst/>
+                        <a:latin typeface="Calibri"/>
+                        <a:ea typeface="Calibri"/>
+                        <a:cs typeface="Times New Roman"/>
+                      </a:endParaRPr>
+                    </a:p>
+                  </a:txBody>
+                  <a:tcPr marL="68580" marR="68580" marT="0" marB="0" anchor="b"/>
+                </a:tc>
+              </a:tr>
+              <a:tr h="547804">
+                <a:tc>
+                  <a:txBody>
+                    <a:bodyPr/>
+                    <a:lstStyle/>
+                    <a:p>
+                      <a:pPr marL="0" marR="0" algn="ctr">
+                        <a:lnSpc>
+                          <a:spcPct val="115000"/>
+                        </a:lnSpc>
+                        <a:spcBef>
+                          <a:spcPts val="0"/>
+                        </a:spcBef>
+                        <a:spcAft>
+                          <a:spcPts val="0"/>
+                        </a:spcAft>
+                      </a:pPr>
+                      <a:r>
+                        <a:rPr lang="en-US" sz="2400" dirty="0">
+                          <a:effectLst/>
+                        </a:rPr>
+                        <a:t>1</a:t>
+                      </a:r>
+                      <a:endParaRPr lang="en-US" sz="3600" dirty="0">
+                        <a:effectLst/>
+                        <a:latin typeface="Calibri"/>
+                        <a:ea typeface="Calibri"/>
+                        <a:cs typeface="Times New Roman"/>
+                      </a:endParaRPr>
+                    </a:p>
+                  </a:txBody>
+                  <a:tcPr marL="68580" marR="68580" marT="0" marB="0" anchor="b"/>
+                </a:tc>
+                <a:tc>
+                  <a:txBody>
+                    <a:bodyPr/>
+                    <a:lstStyle/>
+                    <a:p>
+                      <a:pPr marL="0" marR="0" algn="ctr">
+                        <a:lnSpc>
+                          <a:spcPct val="115000"/>
+                        </a:lnSpc>
+                        <a:spcBef>
+                          <a:spcPts val="0"/>
+                        </a:spcBef>
+                        <a:spcAft>
+                          <a:spcPts val="0"/>
+                        </a:spcAft>
+                      </a:pPr>
+                      <a:r>
+                        <a:rPr lang="en-US" sz="2400" dirty="0">
+                          <a:effectLst/>
+                        </a:rPr>
+                        <a:t>Menu view</a:t>
+                      </a:r>
+                      <a:endParaRPr lang="en-US" sz="3600" dirty="0">
+                        <a:effectLst/>
+                        <a:latin typeface="Calibri"/>
+                        <a:ea typeface="Calibri"/>
+                        <a:cs typeface="Times New Roman"/>
+                      </a:endParaRPr>
+                    </a:p>
+                  </a:txBody>
+                  <a:tcPr marL="68580" marR="68580" marT="0" marB="0" anchor="b"/>
+                </a:tc>
+                <a:tc>
+                  <a:txBody>
+                    <a:bodyPr/>
+                    <a:lstStyle/>
+                    <a:p>
+                      <a:pPr marL="0" marR="0" algn="ctr">
+                        <a:lnSpc>
+                          <a:spcPct val="115000"/>
+                        </a:lnSpc>
+                        <a:spcBef>
+                          <a:spcPts val="0"/>
+                        </a:spcBef>
+                        <a:spcAft>
+                          <a:spcPts val="0"/>
+                        </a:spcAft>
+                      </a:pPr>
+                      <a:r>
+                        <a:rPr lang="en-US" sz="2400">
+                          <a:effectLst/>
+                        </a:rPr>
+                        <a:t>In</a:t>
+                      </a:r>
+                      <a:endParaRPr lang="en-US" sz="3600">
+                        <a:effectLst/>
+                        <a:latin typeface="Calibri"/>
+                        <a:ea typeface="Calibri"/>
+                        <a:cs typeface="Times New Roman"/>
+                      </a:endParaRPr>
+                    </a:p>
+                  </a:txBody>
+                  <a:tcPr marL="68580" marR="68580" marT="0" marB="0" anchor="b"/>
+                </a:tc>
+                <a:tc>
+                  <a:txBody>
+                    <a:bodyPr/>
+                    <a:lstStyle/>
+                    <a:p>
+                      <a:pPr marL="0" marR="0" algn="ctr">
+                        <a:lnSpc>
+                          <a:spcPct val="115000"/>
+                        </a:lnSpc>
+                        <a:spcBef>
+                          <a:spcPts val="0"/>
+                        </a:spcBef>
+                        <a:spcAft>
+                          <a:spcPts val="0"/>
+                        </a:spcAft>
+                      </a:pPr>
+                      <a:r>
+                        <a:rPr lang="en-US" sz="2400" dirty="0">
+                          <a:effectLst/>
+                        </a:rPr>
+                        <a:t>Anyone</a:t>
+                      </a:r>
+                      <a:endParaRPr lang="en-US" sz="3600" dirty="0">
+                        <a:effectLst/>
+                        <a:latin typeface="Calibri"/>
+                        <a:ea typeface="Calibri"/>
+                        <a:cs typeface="Times New Roman"/>
+                      </a:endParaRPr>
+                    </a:p>
+                  </a:txBody>
+                  <a:tcPr marL="68580" marR="68580" marT="0" marB="0" anchor="b"/>
+                </a:tc>
+                <a:tc>
+                  <a:txBody>
+                    <a:bodyPr/>
+                    <a:lstStyle/>
+                    <a:p>
+                      <a:pPr marL="0" marR="0" algn="ctr">
+                        <a:lnSpc>
+                          <a:spcPct val="115000"/>
+                        </a:lnSpc>
+                        <a:spcBef>
+                          <a:spcPts val="0"/>
+                        </a:spcBef>
+                        <a:spcAft>
+                          <a:spcPts val="0"/>
+                        </a:spcAft>
+                      </a:pPr>
+                      <a:r>
+                        <a:rPr lang="en-US" sz="2400">
+                          <a:effectLst/>
+                        </a:rPr>
+                        <a:t>Low</a:t>
+                      </a:r>
+                      <a:endParaRPr lang="en-US" sz="3600">
+                        <a:effectLst/>
+                        <a:latin typeface="Calibri"/>
+                        <a:ea typeface="Calibri"/>
+                        <a:cs typeface="Times New Roman"/>
+                      </a:endParaRPr>
+                    </a:p>
+                  </a:txBody>
+                  <a:tcPr marL="68580" marR="68580" marT="0" marB="0" anchor="b"/>
+                </a:tc>
+                <a:tc>
+                  <a:txBody>
+                    <a:bodyPr/>
+                    <a:lstStyle/>
+                    <a:p>
+                      <a:pPr marL="0" marR="0" algn="ctr">
+                        <a:lnSpc>
+                          <a:spcPct val="115000"/>
+                        </a:lnSpc>
+                        <a:spcBef>
+                          <a:spcPts val="0"/>
+                        </a:spcBef>
+                        <a:spcAft>
+                          <a:spcPts val="0"/>
+                        </a:spcAft>
+                      </a:pPr>
+                      <a:r>
+                        <a:rPr lang="en-US" sz="2400">
+                          <a:effectLst/>
+                        </a:rPr>
+                        <a:t>1</a:t>
+                      </a:r>
+                      <a:endParaRPr lang="en-US" sz="3600">
+                        <a:effectLst/>
+                        <a:latin typeface="Calibri"/>
+                        <a:ea typeface="Calibri"/>
+                        <a:cs typeface="Times New Roman"/>
+                      </a:endParaRPr>
+                    </a:p>
+                  </a:txBody>
+                  <a:tcPr marL="68580" marR="68580" marT="0" marB="0" anchor="b"/>
+                </a:tc>
+              </a:tr>
+              <a:tr h="547804">
+                <a:tc>
+                  <a:txBody>
+                    <a:bodyPr/>
+                    <a:lstStyle/>
+                    <a:p>
+                      <a:pPr marL="0" marR="0" algn="ctr">
+                        <a:lnSpc>
+                          <a:spcPct val="115000"/>
+                        </a:lnSpc>
+                        <a:spcBef>
+                          <a:spcPts val="0"/>
+                        </a:spcBef>
+                        <a:spcAft>
+                          <a:spcPts val="0"/>
+                        </a:spcAft>
+                      </a:pPr>
+                      <a:r>
+                        <a:rPr lang="en-US" sz="2400">
+                          <a:effectLst/>
+                        </a:rPr>
+                        <a:t>2</a:t>
+                      </a:r>
+                      <a:endParaRPr lang="en-US" sz="3600">
+                        <a:effectLst/>
+                        <a:latin typeface="Calibri"/>
+                        <a:ea typeface="Calibri"/>
+                        <a:cs typeface="Times New Roman"/>
+                      </a:endParaRPr>
+                    </a:p>
+                  </a:txBody>
+                  <a:tcPr marL="68580" marR="68580" marT="0" marB="0" anchor="b"/>
+                </a:tc>
+                <a:tc>
+                  <a:txBody>
+                    <a:bodyPr/>
+                    <a:lstStyle/>
+                    <a:p>
+                      <a:pPr marL="0" marR="0" algn="ctr">
+                        <a:lnSpc>
+                          <a:spcPct val="115000"/>
+                        </a:lnSpc>
+                        <a:spcBef>
+                          <a:spcPts val="0"/>
+                        </a:spcBef>
+                        <a:spcAft>
+                          <a:spcPts val="0"/>
+                        </a:spcAft>
+                      </a:pPr>
+                      <a:r>
+                        <a:rPr lang="en-US" sz="2400" dirty="0" smtClean="0">
+                          <a:effectLst/>
+                        </a:rPr>
+                        <a:t>Place Order</a:t>
+                      </a:r>
+                      <a:endParaRPr lang="en-US" sz="3600" dirty="0">
+                        <a:effectLst/>
+                        <a:latin typeface="Calibri"/>
+                        <a:ea typeface="Calibri"/>
+                        <a:cs typeface="Times New Roman"/>
+                      </a:endParaRPr>
+                    </a:p>
+                  </a:txBody>
+                  <a:tcPr marL="68580" marR="68580" marT="0" marB="0" anchor="b"/>
+                </a:tc>
+                <a:tc>
+                  <a:txBody>
+                    <a:bodyPr/>
+                    <a:lstStyle/>
+                    <a:p>
+                      <a:pPr marL="0" marR="0" algn="ctr">
+                        <a:lnSpc>
+                          <a:spcPct val="115000"/>
+                        </a:lnSpc>
+                        <a:spcBef>
+                          <a:spcPts val="0"/>
+                        </a:spcBef>
+                        <a:spcAft>
+                          <a:spcPts val="0"/>
+                        </a:spcAft>
+                      </a:pPr>
+                      <a:r>
+                        <a:rPr lang="en-US" sz="2400">
+                          <a:effectLst/>
+                        </a:rPr>
+                        <a:t>In</a:t>
+                      </a:r>
+                      <a:endParaRPr lang="en-US" sz="3600">
+                        <a:effectLst/>
+                        <a:latin typeface="Calibri"/>
+                        <a:ea typeface="Calibri"/>
+                        <a:cs typeface="Times New Roman"/>
+                      </a:endParaRPr>
+                    </a:p>
+                  </a:txBody>
+                  <a:tcPr marL="68580" marR="68580" marT="0" marB="0" anchor="b"/>
+                </a:tc>
+                <a:tc>
+                  <a:txBody>
+                    <a:bodyPr/>
+                    <a:lstStyle/>
+                    <a:p>
+                      <a:pPr marL="0" marR="0" algn="ctr">
+                        <a:lnSpc>
+                          <a:spcPct val="115000"/>
+                        </a:lnSpc>
+                        <a:spcBef>
+                          <a:spcPts val="0"/>
+                        </a:spcBef>
+                        <a:spcAft>
+                          <a:spcPts val="0"/>
+                        </a:spcAft>
+                      </a:pPr>
+                      <a:r>
+                        <a:rPr lang="en-US" sz="2400">
+                          <a:effectLst/>
+                        </a:rPr>
+                        <a:t>Customer</a:t>
+                      </a:r>
+                      <a:endParaRPr lang="en-US" sz="3600">
+                        <a:effectLst/>
+                        <a:latin typeface="Calibri"/>
+                        <a:ea typeface="Calibri"/>
+                        <a:cs typeface="Times New Roman"/>
+                      </a:endParaRPr>
+                    </a:p>
+                  </a:txBody>
+                  <a:tcPr marL="68580" marR="68580" marT="0" marB="0" anchor="b"/>
+                </a:tc>
+                <a:tc>
+                  <a:txBody>
+                    <a:bodyPr/>
+                    <a:lstStyle/>
+                    <a:p>
+                      <a:pPr marL="0" marR="0" algn="ctr">
+                        <a:lnSpc>
+                          <a:spcPct val="115000"/>
+                        </a:lnSpc>
+                        <a:spcBef>
+                          <a:spcPts val="0"/>
+                        </a:spcBef>
+                        <a:spcAft>
+                          <a:spcPts val="0"/>
+                        </a:spcAft>
+                      </a:pPr>
+                      <a:r>
+                        <a:rPr lang="en-US" sz="2400">
+                          <a:effectLst/>
+                        </a:rPr>
+                        <a:t>Low</a:t>
+                      </a:r>
+                      <a:endParaRPr lang="en-US" sz="3600">
+                        <a:effectLst/>
+                        <a:latin typeface="Calibri"/>
+                        <a:ea typeface="Calibri"/>
+                        <a:cs typeface="Times New Roman"/>
+                      </a:endParaRPr>
+                    </a:p>
+                  </a:txBody>
+                  <a:tcPr marL="68580" marR="68580" marT="0" marB="0" anchor="b"/>
+                </a:tc>
+                <a:tc>
+                  <a:txBody>
+                    <a:bodyPr/>
+                    <a:lstStyle/>
+                    <a:p>
+                      <a:pPr marL="0" marR="0" algn="ctr">
+                        <a:lnSpc>
+                          <a:spcPct val="115000"/>
+                        </a:lnSpc>
+                        <a:spcBef>
+                          <a:spcPts val="0"/>
+                        </a:spcBef>
+                        <a:spcAft>
+                          <a:spcPts val="0"/>
+                        </a:spcAft>
+                      </a:pPr>
+                      <a:r>
+                        <a:rPr lang="en-US" sz="2400">
+                          <a:effectLst/>
+                        </a:rPr>
+                        <a:t>1</a:t>
+                      </a:r>
+                      <a:endParaRPr lang="en-US" sz="3600">
+                        <a:effectLst/>
+                        <a:latin typeface="Calibri"/>
+                        <a:ea typeface="Calibri"/>
+                        <a:cs typeface="Times New Roman"/>
+                      </a:endParaRPr>
+                    </a:p>
+                  </a:txBody>
+                  <a:tcPr marL="68580" marR="68580" marT="0" marB="0" anchor="b"/>
+                </a:tc>
+              </a:tr>
+              <a:tr h="547804">
+                <a:tc>
+                  <a:txBody>
+                    <a:bodyPr/>
+                    <a:lstStyle/>
+                    <a:p>
+                      <a:pPr marL="0" marR="0" algn="ctr">
+                        <a:lnSpc>
+                          <a:spcPct val="115000"/>
+                        </a:lnSpc>
+                        <a:spcBef>
+                          <a:spcPts val="0"/>
+                        </a:spcBef>
+                        <a:spcAft>
+                          <a:spcPts val="0"/>
+                        </a:spcAft>
+                      </a:pPr>
+                      <a:r>
+                        <a:rPr lang="en-US" sz="2400">
+                          <a:effectLst/>
+                        </a:rPr>
+                        <a:t>3</a:t>
+                      </a:r>
+                      <a:endParaRPr lang="en-US" sz="3600">
+                        <a:effectLst/>
+                        <a:latin typeface="Calibri"/>
+                        <a:ea typeface="Calibri"/>
+                        <a:cs typeface="Times New Roman"/>
+                      </a:endParaRPr>
+                    </a:p>
+                  </a:txBody>
+                  <a:tcPr marL="68580" marR="68580" marT="0" marB="0" anchor="b"/>
+                </a:tc>
+                <a:tc>
+                  <a:txBody>
+                    <a:bodyPr/>
+                    <a:lstStyle/>
+                    <a:p>
+                      <a:pPr marL="0" marR="0" algn="ctr">
+                        <a:lnSpc>
+                          <a:spcPct val="115000"/>
+                        </a:lnSpc>
+                        <a:spcBef>
+                          <a:spcPts val="0"/>
+                        </a:spcBef>
+                        <a:spcAft>
+                          <a:spcPts val="0"/>
+                        </a:spcAft>
+                      </a:pPr>
+                      <a:r>
+                        <a:rPr lang="en-US" sz="2400" dirty="0" smtClean="0">
+                          <a:effectLst/>
+                        </a:rPr>
+                        <a:t>Deliver Order</a:t>
+                      </a:r>
+                      <a:endParaRPr lang="en-US" sz="3600" dirty="0">
+                        <a:effectLst/>
+                        <a:latin typeface="Calibri"/>
+                        <a:ea typeface="Calibri"/>
+                        <a:cs typeface="Times New Roman"/>
+                      </a:endParaRPr>
+                    </a:p>
+                  </a:txBody>
+                  <a:tcPr marL="68580" marR="68580" marT="0" marB="0" anchor="b"/>
+                </a:tc>
+                <a:tc>
+                  <a:txBody>
+                    <a:bodyPr/>
+                    <a:lstStyle/>
+                    <a:p>
+                      <a:pPr marL="0" marR="0" algn="ctr">
+                        <a:lnSpc>
+                          <a:spcPct val="115000"/>
+                        </a:lnSpc>
+                        <a:spcBef>
+                          <a:spcPts val="0"/>
+                        </a:spcBef>
+                        <a:spcAft>
+                          <a:spcPts val="0"/>
+                        </a:spcAft>
+                      </a:pPr>
+                      <a:r>
+                        <a:rPr lang="en-US" sz="2400" dirty="0">
+                          <a:effectLst/>
+                        </a:rPr>
+                        <a:t>In</a:t>
+                      </a:r>
+                      <a:endParaRPr lang="en-US" sz="3600" dirty="0">
+                        <a:effectLst/>
+                        <a:latin typeface="Calibri"/>
+                        <a:ea typeface="Calibri"/>
+                        <a:cs typeface="Times New Roman"/>
+                      </a:endParaRPr>
+                    </a:p>
+                  </a:txBody>
+                  <a:tcPr marL="68580" marR="68580" marT="0" marB="0" anchor="b"/>
+                </a:tc>
+                <a:tc>
+                  <a:txBody>
+                    <a:bodyPr/>
+                    <a:lstStyle/>
+                    <a:p>
+                      <a:pPr marL="0" marR="0" algn="ctr">
+                        <a:lnSpc>
+                          <a:spcPct val="115000"/>
+                        </a:lnSpc>
+                        <a:spcBef>
+                          <a:spcPts val="0"/>
+                        </a:spcBef>
+                        <a:spcAft>
+                          <a:spcPts val="0"/>
+                        </a:spcAft>
+                      </a:pPr>
+                      <a:r>
+                        <a:rPr lang="en-US" sz="2400">
+                          <a:effectLst/>
+                        </a:rPr>
+                        <a:t>Waiter</a:t>
+                      </a:r>
+                      <a:endParaRPr lang="en-US" sz="3600">
+                        <a:effectLst/>
+                        <a:latin typeface="Calibri"/>
+                        <a:ea typeface="Calibri"/>
+                        <a:cs typeface="Times New Roman"/>
+                      </a:endParaRPr>
+                    </a:p>
+                  </a:txBody>
+                  <a:tcPr marL="68580" marR="68580" marT="0" marB="0" anchor="b"/>
+                </a:tc>
+                <a:tc>
+                  <a:txBody>
+                    <a:bodyPr/>
+                    <a:lstStyle/>
+                    <a:p>
+                      <a:pPr marL="0" marR="0" algn="ctr">
+                        <a:lnSpc>
+                          <a:spcPct val="115000"/>
+                        </a:lnSpc>
+                        <a:spcBef>
+                          <a:spcPts val="0"/>
+                        </a:spcBef>
+                        <a:spcAft>
+                          <a:spcPts val="0"/>
+                        </a:spcAft>
+                      </a:pPr>
+                      <a:r>
+                        <a:rPr lang="en-US" sz="2400">
+                          <a:effectLst/>
+                        </a:rPr>
+                        <a:t>Low</a:t>
+                      </a:r>
+                      <a:endParaRPr lang="en-US" sz="3600">
+                        <a:effectLst/>
+                        <a:latin typeface="Calibri"/>
+                        <a:ea typeface="Calibri"/>
+                        <a:cs typeface="Times New Roman"/>
+                      </a:endParaRPr>
+                    </a:p>
+                  </a:txBody>
+                  <a:tcPr marL="68580" marR="68580" marT="0" marB="0" anchor="b"/>
+                </a:tc>
+                <a:tc>
+                  <a:txBody>
+                    <a:bodyPr/>
+                    <a:lstStyle/>
+                    <a:p>
+                      <a:pPr marL="0" marR="0" algn="ctr">
+                        <a:lnSpc>
+                          <a:spcPct val="115000"/>
+                        </a:lnSpc>
+                        <a:spcBef>
+                          <a:spcPts val="0"/>
+                        </a:spcBef>
+                        <a:spcAft>
+                          <a:spcPts val="0"/>
+                        </a:spcAft>
+                      </a:pPr>
+                      <a:r>
+                        <a:rPr lang="en-US" sz="2400">
+                          <a:effectLst/>
+                        </a:rPr>
+                        <a:t>1</a:t>
+                      </a:r>
+                      <a:endParaRPr lang="en-US" sz="3600">
+                        <a:effectLst/>
+                        <a:latin typeface="Calibri"/>
+                        <a:ea typeface="Calibri"/>
+                        <a:cs typeface="Times New Roman"/>
+                      </a:endParaRPr>
+                    </a:p>
+                  </a:txBody>
+                  <a:tcPr marL="68580" marR="68580" marT="0" marB="0" anchor="b"/>
+                </a:tc>
+              </a:tr>
+              <a:tr h="547804">
+                <a:tc>
+                  <a:txBody>
+                    <a:bodyPr/>
+                    <a:lstStyle/>
+                    <a:p>
+                      <a:pPr marL="0" marR="0" algn="ctr">
+                        <a:lnSpc>
+                          <a:spcPct val="115000"/>
+                        </a:lnSpc>
+                        <a:spcBef>
+                          <a:spcPts val="0"/>
+                        </a:spcBef>
+                        <a:spcAft>
+                          <a:spcPts val="0"/>
+                        </a:spcAft>
+                      </a:pPr>
+                      <a:r>
+                        <a:rPr lang="en-US" sz="2400">
+                          <a:effectLst/>
+                        </a:rPr>
+                        <a:t>4</a:t>
+                      </a:r>
+                      <a:endParaRPr lang="en-US" sz="3600">
+                        <a:effectLst/>
+                        <a:latin typeface="Calibri"/>
+                        <a:ea typeface="Calibri"/>
+                        <a:cs typeface="Times New Roman"/>
+                      </a:endParaRPr>
+                    </a:p>
+                  </a:txBody>
+                  <a:tcPr marL="68580" marR="68580" marT="0" marB="0" anchor="b"/>
+                </a:tc>
+                <a:tc>
+                  <a:txBody>
+                    <a:bodyPr/>
+                    <a:lstStyle/>
+                    <a:p>
+                      <a:pPr marL="0" marR="0" algn="ctr">
+                        <a:lnSpc>
+                          <a:spcPct val="115000"/>
+                        </a:lnSpc>
+                        <a:spcBef>
+                          <a:spcPts val="0"/>
+                        </a:spcBef>
+                        <a:spcAft>
+                          <a:spcPts val="0"/>
+                        </a:spcAft>
+                      </a:pPr>
+                      <a:r>
+                        <a:rPr lang="en-US" sz="2400" dirty="0">
+                          <a:effectLst/>
+                        </a:rPr>
+                        <a:t>Order review</a:t>
+                      </a:r>
+                      <a:endParaRPr lang="en-US" sz="3600" dirty="0">
+                        <a:effectLst/>
+                        <a:latin typeface="Calibri"/>
+                        <a:ea typeface="Calibri"/>
+                        <a:cs typeface="Times New Roman"/>
+                      </a:endParaRPr>
+                    </a:p>
+                  </a:txBody>
+                  <a:tcPr marL="68580" marR="68580" marT="0" marB="0" anchor="b"/>
+                </a:tc>
+                <a:tc>
+                  <a:txBody>
+                    <a:bodyPr/>
+                    <a:lstStyle/>
+                    <a:p>
+                      <a:pPr marL="0" marR="0" algn="ctr">
+                        <a:lnSpc>
+                          <a:spcPct val="115000"/>
+                        </a:lnSpc>
+                        <a:spcBef>
+                          <a:spcPts val="0"/>
+                        </a:spcBef>
+                        <a:spcAft>
+                          <a:spcPts val="0"/>
+                        </a:spcAft>
+                      </a:pPr>
+                      <a:r>
+                        <a:rPr lang="en-US" sz="2400" dirty="0">
+                          <a:effectLst/>
+                        </a:rPr>
+                        <a:t>In</a:t>
+                      </a:r>
+                      <a:endParaRPr lang="en-US" sz="3600" dirty="0">
+                        <a:effectLst/>
+                        <a:latin typeface="Calibri"/>
+                        <a:ea typeface="Calibri"/>
+                        <a:cs typeface="Times New Roman"/>
+                      </a:endParaRPr>
+                    </a:p>
+                  </a:txBody>
+                  <a:tcPr marL="68580" marR="68580" marT="0" marB="0" anchor="b"/>
+                </a:tc>
+                <a:tc>
+                  <a:txBody>
+                    <a:bodyPr/>
+                    <a:lstStyle/>
+                    <a:p>
+                      <a:pPr marL="0" marR="0" algn="ctr">
+                        <a:lnSpc>
+                          <a:spcPct val="115000"/>
+                        </a:lnSpc>
+                        <a:spcBef>
+                          <a:spcPts val="0"/>
+                        </a:spcBef>
+                        <a:spcAft>
+                          <a:spcPts val="0"/>
+                        </a:spcAft>
+                      </a:pPr>
+                      <a:r>
+                        <a:rPr lang="en-US" sz="2400" dirty="0" smtClean="0">
+                          <a:effectLst/>
+                        </a:rPr>
+                        <a:t>Waiter/customer</a:t>
+                      </a:r>
+                      <a:endParaRPr lang="en-US" sz="3600" dirty="0">
+                        <a:effectLst/>
+                        <a:latin typeface="Calibri"/>
+                        <a:ea typeface="Calibri"/>
+                        <a:cs typeface="Times New Roman"/>
+                      </a:endParaRPr>
+                    </a:p>
+                  </a:txBody>
+                  <a:tcPr marL="68580" marR="68580" marT="0" marB="0" anchor="b"/>
+                </a:tc>
+                <a:tc>
+                  <a:txBody>
+                    <a:bodyPr/>
+                    <a:lstStyle/>
+                    <a:p>
+                      <a:pPr marL="0" marR="0" algn="ctr">
+                        <a:lnSpc>
+                          <a:spcPct val="115000"/>
+                        </a:lnSpc>
+                        <a:spcBef>
+                          <a:spcPts val="0"/>
+                        </a:spcBef>
+                        <a:spcAft>
+                          <a:spcPts val="0"/>
+                        </a:spcAft>
+                      </a:pPr>
+                      <a:r>
+                        <a:rPr lang="en-US" sz="2400">
+                          <a:effectLst/>
+                        </a:rPr>
+                        <a:t>Low</a:t>
+                      </a:r>
+                      <a:endParaRPr lang="en-US" sz="3600">
+                        <a:effectLst/>
+                        <a:latin typeface="Calibri"/>
+                        <a:ea typeface="Calibri"/>
+                        <a:cs typeface="Times New Roman"/>
+                      </a:endParaRPr>
+                    </a:p>
+                  </a:txBody>
+                  <a:tcPr marL="68580" marR="68580" marT="0" marB="0" anchor="b"/>
+                </a:tc>
+                <a:tc>
+                  <a:txBody>
+                    <a:bodyPr/>
+                    <a:lstStyle/>
+                    <a:p>
+                      <a:pPr marL="0" marR="0" algn="ctr">
+                        <a:lnSpc>
+                          <a:spcPct val="115000"/>
+                        </a:lnSpc>
+                        <a:spcBef>
+                          <a:spcPts val="0"/>
+                        </a:spcBef>
+                        <a:spcAft>
+                          <a:spcPts val="0"/>
+                        </a:spcAft>
+                      </a:pPr>
+                      <a:r>
+                        <a:rPr lang="en-US" sz="2400">
+                          <a:effectLst/>
+                        </a:rPr>
+                        <a:t>1</a:t>
+                      </a:r>
+                      <a:endParaRPr lang="en-US" sz="3600">
+                        <a:effectLst/>
+                        <a:latin typeface="Calibri"/>
+                        <a:ea typeface="Calibri"/>
+                        <a:cs typeface="Times New Roman"/>
+                      </a:endParaRPr>
+                    </a:p>
+                  </a:txBody>
+                  <a:tcPr marL="68580" marR="68580" marT="0" marB="0" anchor="b"/>
+                </a:tc>
+              </a:tr>
+              <a:tr h="547804">
+                <a:tc>
+                  <a:txBody>
+                    <a:bodyPr/>
+                    <a:lstStyle/>
+                    <a:p>
+                      <a:pPr marL="0" marR="0" algn="ctr">
+                        <a:lnSpc>
+                          <a:spcPct val="115000"/>
+                        </a:lnSpc>
+                        <a:spcBef>
+                          <a:spcPts val="0"/>
+                        </a:spcBef>
+                        <a:spcAft>
+                          <a:spcPts val="0"/>
+                        </a:spcAft>
+                      </a:pPr>
+                      <a:r>
+                        <a:rPr lang="en-US" sz="2400">
+                          <a:effectLst/>
+                        </a:rPr>
+                        <a:t>5</a:t>
+                      </a:r>
+                      <a:endParaRPr lang="en-US" sz="3600">
+                        <a:effectLst/>
+                        <a:latin typeface="Calibri"/>
+                        <a:ea typeface="Calibri"/>
+                        <a:cs typeface="Times New Roman"/>
+                      </a:endParaRPr>
+                    </a:p>
+                  </a:txBody>
+                  <a:tcPr marL="68580" marR="68580" marT="0" marB="0" anchor="b"/>
+                </a:tc>
+                <a:tc>
+                  <a:txBody>
+                    <a:bodyPr/>
+                    <a:lstStyle/>
+                    <a:p>
+                      <a:pPr marL="0" marR="0" algn="ctr">
+                        <a:lnSpc>
+                          <a:spcPct val="115000"/>
+                        </a:lnSpc>
+                        <a:spcBef>
+                          <a:spcPts val="0"/>
+                        </a:spcBef>
+                        <a:spcAft>
+                          <a:spcPts val="0"/>
+                        </a:spcAft>
+                      </a:pPr>
+                      <a:r>
+                        <a:rPr lang="en-US" sz="2400" dirty="0" smtClean="0">
+                          <a:effectLst/>
+                        </a:rPr>
+                        <a:t>Manage Table</a:t>
+                      </a:r>
+                      <a:endParaRPr lang="en-US" sz="3600" dirty="0">
+                        <a:effectLst/>
+                        <a:latin typeface="Calibri"/>
+                        <a:ea typeface="Calibri"/>
+                        <a:cs typeface="Times New Roman"/>
+                      </a:endParaRPr>
+                    </a:p>
+                  </a:txBody>
+                  <a:tcPr marL="68580" marR="68580" marT="0" marB="0" anchor="b"/>
+                </a:tc>
+                <a:tc>
+                  <a:txBody>
+                    <a:bodyPr/>
+                    <a:lstStyle/>
+                    <a:p>
+                      <a:pPr marL="0" marR="0" algn="ctr">
+                        <a:lnSpc>
+                          <a:spcPct val="115000"/>
+                        </a:lnSpc>
+                        <a:spcBef>
+                          <a:spcPts val="0"/>
+                        </a:spcBef>
+                        <a:spcAft>
+                          <a:spcPts val="0"/>
+                        </a:spcAft>
+                      </a:pPr>
+                      <a:r>
+                        <a:rPr lang="en-US" sz="2400" dirty="0">
+                          <a:effectLst/>
+                        </a:rPr>
+                        <a:t>In</a:t>
+                      </a:r>
+                      <a:endParaRPr lang="en-US" sz="3600" dirty="0">
+                        <a:effectLst/>
+                        <a:latin typeface="Calibri"/>
+                        <a:ea typeface="Calibri"/>
+                        <a:cs typeface="Times New Roman"/>
+                      </a:endParaRPr>
+                    </a:p>
+                  </a:txBody>
+                  <a:tcPr marL="68580" marR="68580" marT="0" marB="0" anchor="b"/>
+                </a:tc>
+                <a:tc>
+                  <a:txBody>
+                    <a:bodyPr/>
+                    <a:lstStyle/>
+                    <a:p>
+                      <a:pPr marL="0" marR="0" algn="ctr">
+                        <a:lnSpc>
+                          <a:spcPct val="115000"/>
+                        </a:lnSpc>
+                        <a:spcBef>
+                          <a:spcPts val="0"/>
+                        </a:spcBef>
+                        <a:spcAft>
+                          <a:spcPts val="0"/>
+                        </a:spcAft>
+                      </a:pPr>
+                      <a:r>
+                        <a:rPr lang="en-US" sz="2400" dirty="0">
+                          <a:effectLst/>
+                        </a:rPr>
+                        <a:t>Waiter</a:t>
+                      </a:r>
+                      <a:endParaRPr lang="en-US" sz="3600" dirty="0">
+                        <a:effectLst/>
+                        <a:latin typeface="Calibri"/>
+                        <a:ea typeface="Calibri"/>
+                        <a:cs typeface="Times New Roman"/>
+                      </a:endParaRPr>
+                    </a:p>
+                  </a:txBody>
+                  <a:tcPr marL="68580" marR="68580" marT="0" marB="0" anchor="b"/>
+                </a:tc>
+                <a:tc>
+                  <a:txBody>
+                    <a:bodyPr/>
+                    <a:lstStyle/>
+                    <a:p>
+                      <a:pPr marL="0" marR="0" algn="ctr">
+                        <a:lnSpc>
+                          <a:spcPct val="115000"/>
+                        </a:lnSpc>
+                        <a:spcBef>
+                          <a:spcPts val="0"/>
+                        </a:spcBef>
+                        <a:spcAft>
+                          <a:spcPts val="0"/>
+                        </a:spcAft>
+                      </a:pPr>
+                      <a:r>
+                        <a:rPr lang="en-US" sz="2400">
+                          <a:effectLst/>
+                        </a:rPr>
+                        <a:t>High</a:t>
+                      </a:r>
+                      <a:endParaRPr lang="en-US" sz="3600">
+                        <a:effectLst/>
+                        <a:latin typeface="Calibri"/>
+                        <a:ea typeface="Calibri"/>
+                        <a:cs typeface="Times New Roman"/>
+                      </a:endParaRPr>
+                    </a:p>
+                  </a:txBody>
+                  <a:tcPr marL="68580" marR="68580" marT="0" marB="0" anchor="b"/>
+                </a:tc>
+                <a:tc>
+                  <a:txBody>
+                    <a:bodyPr/>
+                    <a:lstStyle/>
+                    <a:p>
+                      <a:pPr marL="0" marR="0" algn="ctr">
+                        <a:lnSpc>
+                          <a:spcPct val="115000"/>
+                        </a:lnSpc>
+                        <a:spcBef>
+                          <a:spcPts val="0"/>
+                        </a:spcBef>
+                        <a:spcAft>
+                          <a:spcPts val="0"/>
+                        </a:spcAft>
+                      </a:pPr>
+                      <a:r>
+                        <a:rPr lang="en-US" sz="2400">
+                          <a:effectLst/>
+                        </a:rPr>
+                        <a:t>2</a:t>
+                      </a:r>
+                      <a:endParaRPr lang="en-US" sz="3600">
+                        <a:effectLst/>
+                        <a:latin typeface="Calibri"/>
+                        <a:ea typeface="Calibri"/>
+                        <a:cs typeface="Times New Roman"/>
+                      </a:endParaRPr>
+                    </a:p>
+                  </a:txBody>
+                  <a:tcPr marL="68580" marR="68580" marT="0" marB="0" anchor="b"/>
+                </a:tc>
+              </a:tr>
+              <a:tr h="547804">
+                <a:tc>
+                  <a:txBody>
+                    <a:bodyPr/>
+                    <a:lstStyle/>
+                    <a:p>
+                      <a:pPr marL="0" marR="0" algn="ctr">
+                        <a:lnSpc>
+                          <a:spcPct val="115000"/>
+                        </a:lnSpc>
+                        <a:spcBef>
+                          <a:spcPts val="0"/>
+                        </a:spcBef>
+                        <a:spcAft>
+                          <a:spcPts val="0"/>
+                        </a:spcAft>
+                      </a:pPr>
+                      <a:r>
+                        <a:rPr lang="en-US" sz="2400">
+                          <a:effectLst/>
+                        </a:rPr>
+                        <a:t>6</a:t>
+                      </a:r>
+                      <a:endParaRPr lang="en-US" sz="3600">
+                        <a:effectLst/>
+                        <a:latin typeface="Calibri"/>
+                        <a:ea typeface="Calibri"/>
+                        <a:cs typeface="Times New Roman"/>
+                      </a:endParaRPr>
+                    </a:p>
+                  </a:txBody>
+                  <a:tcPr marL="68580" marR="68580" marT="0" marB="0" anchor="b"/>
+                </a:tc>
+                <a:tc>
+                  <a:txBody>
+                    <a:bodyPr/>
+                    <a:lstStyle/>
+                    <a:p>
+                      <a:pPr marL="0" marR="0" algn="ctr">
+                        <a:lnSpc>
+                          <a:spcPct val="115000"/>
+                        </a:lnSpc>
+                        <a:spcBef>
+                          <a:spcPts val="0"/>
+                        </a:spcBef>
+                        <a:spcAft>
+                          <a:spcPts val="0"/>
+                        </a:spcAft>
+                      </a:pPr>
+                      <a:r>
+                        <a:rPr lang="en-US" sz="2400">
+                          <a:effectLst/>
+                        </a:rPr>
+                        <a:t>Order check off</a:t>
+                      </a:r>
+                      <a:endParaRPr lang="en-US" sz="3600">
+                        <a:effectLst/>
+                        <a:latin typeface="Calibri"/>
+                        <a:ea typeface="Calibri"/>
+                        <a:cs typeface="Times New Roman"/>
+                      </a:endParaRPr>
+                    </a:p>
+                  </a:txBody>
+                  <a:tcPr marL="68580" marR="68580" marT="0" marB="0" anchor="b"/>
+                </a:tc>
+                <a:tc>
+                  <a:txBody>
+                    <a:bodyPr/>
+                    <a:lstStyle/>
+                    <a:p>
+                      <a:pPr marL="0" marR="0" algn="ctr">
+                        <a:lnSpc>
+                          <a:spcPct val="115000"/>
+                        </a:lnSpc>
+                        <a:spcBef>
+                          <a:spcPts val="0"/>
+                        </a:spcBef>
+                        <a:spcAft>
+                          <a:spcPts val="0"/>
+                        </a:spcAft>
+                      </a:pPr>
+                      <a:r>
+                        <a:rPr lang="en-US" sz="2400" dirty="0">
+                          <a:effectLst/>
+                        </a:rPr>
+                        <a:t>In</a:t>
+                      </a:r>
+                      <a:endParaRPr lang="en-US" sz="3600" dirty="0">
+                        <a:effectLst/>
+                        <a:latin typeface="Calibri"/>
+                        <a:ea typeface="Calibri"/>
+                        <a:cs typeface="Times New Roman"/>
+                      </a:endParaRPr>
+                    </a:p>
+                  </a:txBody>
+                  <a:tcPr marL="68580" marR="68580" marT="0" marB="0" anchor="b"/>
+                </a:tc>
+                <a:tc>
+                  <a:txBody>
+                    <a:bodyPr/>
+                    <a:lstStyle/>
+                    <a:p>
+                      <a:pPr marL="0" marR="0" algn="ctr">
+                        <a:lnSpc>
+                          <a:spcPct val="115000"/>
+                        </a:lnSpc>
+                        <a:spcBef>
+                          <a:spcPts val="0"/>
+                        </a:spcBef>
+                        <a:spcAft>
+                          <a:spcPts val="0"/>
+                        </a:spcAft>
+                      </a:pPr>
+                      <a:r>
+                        <a:rPr lang="en-US" sz="2400" dirty="0">
+                          <a:effectLst/>
+                        </a:rPr>
+                        <a:t>Kitchen staff</a:t>
+                      </a:r>
+                      <a:endParaRPr lang="en-US" sz="3600" dirty="0">
+                        <a:effectLst/>
+                        <a:latin typeface="Calibri"/>
+                        <a:ea typeface="Calibri"/>
+                        <a:cs typeface="Times New Roman"/>
+                      </a:endParaRPr>
+                    </a:p>
+                  </a:txBody>
+                  <a:tcPr marL="68580" marR="68580" marT="0" marB="0" anchor="b"/>
+                </a:tc>
+                <a:tc>
+                  <a:txBody>
+                    <a:bodyPr/>
+                    <a:lstStyle/>
+                    <a:p>
+                      <a:pPr marL="0" marR="0" algn="ctr">
+                        <a:lnSpc>
+                          <a:spcPct val="115000"/>
+                        </a:lnSpc>
+                        <a:spcBef>
+                          <a:spcPts val="0"/>
+                        </a:spcBef>
+                        <a:spcAft>
+                          <a:spcPts val="0"/>
+                        </a:spcAft>
+                      </a:pPr>
+                      <a:r>
+                        <a:rPr lang="en-US" sz="2400" dirty="0" smtClean="0">
+                          <a:effectLst/>
+                        </a:rPr>
+                        <a:t>Med</a:t>
+                      </a:r>
+                      <a:endParaRPr lang="en-US" sz="3600" dirty="0">
+                        <a:effectLst/>
+                        <a:latin typeface="Calibri"/>
+                        <a:ea typeface="Calibri"/>
+                        <a:cs typeface="Times New Roman"/>
+                      </a:endParaRPr>
+                    </a:p>
+                  </a:txBody>
+                  <a:tcPr marL="68580" marR="68580" marT="0" marB="0" anchor="b"/>
+                </a:tc>
+                <a:tc>
+                  <a:txBody>
+                    <a:bodyPr/>
+                    <a:lstStyle/>
+                    <a:p>
+                      <a:pPr marL="0" marR="0" algn="ctr">
+                        <a:lnSpc>
+                          <a:spcPct val="115000"/>
+                        </a:lnSpc>
+                        <a:spcBef>
+                          <a:spcPts val="0"/>
+                        </a:spcBef>
+                        <a:spcAft>
+                          <a:spcPts val="0"/>
+                        </a:spcAft>
+                      </a:pPr>
+                      <a:r>
+                        <a:rPr lang="en-US" sz="2400">
+                          <a:effectLst/>
+                        </a:rPr>
+                        <a:t>1</a:t>
+                      </a:r>
+                      <a:endParaRPr lang="en-US" sz="3600">
+                        <a:effectLst/>
+                        <a:latin typeface="Calibri"/>
+                        <a:ea typeface="Calibri"/>
+                        <a:cs typeface="Times New Roman"/>
+                      </a:endParaRPr>
+                    </a:p>
+                  </a:txBody>
+                  <a:tcPr marL="68580" marR="68580" marT="0" marB="0" anchor="b"/>
+                </a:tc>
+              </a:tr>
+              <a:tr h="547804">
+                <a:tc>
+                  <a:txBody>
+                    <a:bodyPr/>
+                    <a:lstStyle/>
+                    <a:p>
+                      <a:pPr marL="0" marR="0" algn="ctr">
+                        <a:lnSpc>
+                          <a:spcPct val="115000"/>
+                        </a:lnSpc>
+                        <a:spcBef>
+                          <a:spcPts val="0"/>
+                        </a:spcBef>
+                        <a:spcAft>
+                          <a:spcPts val="0"/>
+                        </a:spcAft>
+                      </a:pPr>
+                      <a:r>
+                        <a:rPr lang="en-US" sz="2400">
+                          <a:effectLst/>
+                        </a:rPr>
+                        <a:t>7</a:t>
+                      </a:r>
+                      <a:endParaRPr lang="en-US" sz="3600">
+                        <a:effectLst/>
+                        <a:latin typeface="Calibri"/>
+                        <a:ea typeface="Calibri"/>
+                        <a:cs typeface="Times New Roman"/>
+                      </a:endParaRPr>
+                    </a:p>
+                  </a:txBody>
+                  <a:tcPr marL="68580" marR="68580" marT="0" marB="0" anchor="b"/>
+                </a:tc>
+                <a:tc>
+                  <a:txBody>
+                    <a:bodyPr/>
+                    <a:lstStyle/>
+                    <a:p>
+                      <a:pPr marL="0" marR="0" algn="ctr">
+                        <a:lnSpc>
+                          <a:spcPct val="115000"/>
+                        </a:lnSpc>
+                        <a:spcBef>
+                          <a:spcPts val="0"/>
+                        </a:spcBef>
+                        <a:spcAft>
+                          <a:spcPts val="0"/>
+                        </a:spcAft>
+                      </a:pPr>
+                      <a:r>
+                        <a:rPr lang="en-US" sz="2400">
+                          <a:effectLst/>
+                        </a:rPr>
+                        <a:t>Reservation</a:t>
+                      </a:r>
+                      <a:endParaRPr lang="en-US" sz="3600">
+                        <a:effectLst/>
+                        <a:latin typeface="Calibri"/>
+                        <a:ea typeface="Calibri"/>
+                        <a:cs typeface="Times New Roman"/>
+                      </a:endParaRPr>
+                    </a:p>
+                  </a:txBody>
+                  <a:tcPr marL="68580" marR="68580" marT="0" marB="0" anchor="b"/>
+                </a:tc>
+                <a:tc>
+                  <a:txBody>
+                    <a:bodyPr/>
+                    <a:lstStyle/>
+                    <a:p>
+                      <a:pPr marL="0" marR="0" algn="ctr">
+                        <a:lnSpc>
+                          <a:spcPct val="115000"/>
+                        </a:lnSpc>
+                        <a:spcBef>
+                          <a:spcPts val="0"/>
+                        </a:spcBef>
+                        <a:spcAft>
+                          <a:spcPts val="0"/>
+                        </a:spcAft>
+                      </a:pPr>
+                      <a:r>
+                        <a:rPr lang="en-US" sz="2400">
+                          <a:effectLst/>
+                        </a:rPr>
+                        <a:t>In</a:t>
+                      </a:r>
+                      <a:endParaRPr lang="en-US" sz="3600">
+                        <a:effectLst/>
+                        <a:latin typeface="Calibri"/>
+                        <a:ea typeface="Calibri"/>
+                        <a:cs typeface="Times New Roman"/>
+                      </a:endParaRPr>
+                    </a:p>
+                  </a:txBody>
+                  <a:tcPr marL="68580" marR="68580" marT="0" marB="0" anchor="b"/>
+                </a:tc>
+                <a:tc>
+                  <a:txBody>
+                    <a:bodyPr/>
+                    <a:lstStyle/>
+                    <a:p>
+                      <a:pPr marL="0" marR="0" algn="ctr">
+                        <a:lnSpc>
+                          <a:spcPct val="115000"/>
+                        </a:lnSpc>
+                        <a:spcBef>
+                          <a:spcPts val="0"/>
+                        </a:spcBef>
+                        <a:spcAft>
+                          <a:spcPts val="0"/>
+                        </a:spcAft>
+                      </a:pPr>
+                      <a:r>
+                        <a:rPr lang="en-US" sz="2400" dirty="0">
+                          <a:effectLst/>
+                        </a:rPr>
+                        <a:t>Customer</a:t>
+                      </a:r>
+                      <a:endParaRPr lang="en-US" sz="3600" dirty="0">
+                        <a:effectLst/>
+                        <a:latin typeface="Calibri"/>
+                        <a:ea typeface="Calibri"/>
+                        <a:cs typeface="Times New Roman"/>
+                      </a:endParaRPr>
+                    </a:p>
+                  </a:txBody>
+                  <a:tcPr marL="68580" marR="68580" marT="0" marB="0" anchor="b"/>
+                </a:tc>
+                <a:tc>
+                  <a:txBody>
+                    <a:bodyPr/>
+                    <a:lstStyle/>
+                    <a:p>
+                      <a:pPr marL="0" marR="0" algn="ctr">
+                        <a:lnSpc>
+                          <a:spcPct val="115000"/>
+                        </a:lnSpc>
+                        <a:spcBef>
+                          <a:spcPts val="0"/>
+                        </a:spcBef>
+                        <a:spcAft>
+                          <a:spcPts val="0"/>
+                        </a:spcAft>
+                      </a:pPr>
+                      <a:r>
+                        <a:rPr lang="en-US" sz="2400" dirty="0" smtClean="0">
+                          <a:effectLst/>
+                        </a:rPr>
+                        <a:t>Med</a:t>
+                      </a:r>
+                      <a:endParaRPr lang="en-US" sz="3600" dirty="0">
+                        <a:effectLst/>
+                        <a:latin typeface="Calibri"/>
+                        <a:ea typeface="Calibri"/>
+                        <a:cs typeface="Times New Roman"/>
+                      </a:endParaRPr>
+                    </a:p>
+                  </a:txBody>
+                  <a:tcPr marL="68580" marR="68580" marT="0" marB="0" anchor="b"/>
+                </a:tc>
+                <a:tc>
+                  <a:txBody>
+                    <a:bodyPr/>
+                    <a:lstStyle/>
+                    <a:p>
+                      <a:pPr marL="0" marR="0" algn="ctr">
+                        <a:lnSpc>
+                          <a:spcPct val="115000"/>
+                        </a:lnSpc>
+                        <a:spcBef>
+                          <a:spcPts val="0"/>
+                        </a:spcBef>
+                        <a:spcAft>
+                          <a:spcPts val="0"/>
+                        </a:spcAft>
+                      </a:pPr>
+                      <a:r>
+                        <a:rPr lang="en-US" sz="2400">
+                          <a:effectLst/>
+                        </a:rPr>
+                        <a:t>2</a:t>
+                      </a:r>
+                      <a:endParaRPr lang="en-US" sz="3600">
+                        <a:effectLst/>
+                        <a:latin typeface="Calibri"/>
+                        <a:ea typeface="Calibri"/>
+                        <a:cs typeface="Times New Roman"/>
+                      </a:endParaRPr>
+                    </a:p>
+                  </a:txBody>
+                  <a:tcPr marL="68580" marR="68580" marT="0" marB="0" anchor="b"/>
+                </a:tc>
+              </a:tr>
+              <a:tr h="547804">
+                <a:tc>
+                  <a:txBody>
+                    <a:bodyPr/>
+                    <a:lstStyle/>
+                    <a:p>
+                      <a:pPr marL="0" marR="0" algn="ctr">
+                        <a:lnSpc>
+                          <a:spcPct val="115000"/>
+                        </a:lnSpc>
+                        <a:spcBef>
+                          <a:spcPts val="0"/>
+                        </a:spcBef>
+                        <a:spcAft>
+                          <a:spcPts val="0"/>
+                        </a:spcAft>
+                      </a:pPr>
+                      <a:r>
+                        <a:rPr lang="en-US" sz="2400">
+                          <a:effectLst/>
+                        </a:rPr>
+                        <a:t>8</a:t>
+                      </a:r>
+                      <a:endParaRPr lang="en-US" sz="3600">
+                        <a:effectLst/>
+                        <a:latin typeface="Calibri"/>
+                        <a:ea typeface="Calibri"/>
+                        <a:cs typeface="Times New Roman"/>
+                      </a:endParaRPr>
+                    </a:p>
+                  </a:txBody>
+                  <a:tcPr marL="68580" marR="68580" marT="0" marB="0" anchor="b"/>
+                </a:tc>
+                <a:tc>
+                  <a:txBody>
+                    <a:bodyPr/>
+                    <a:lstStyle/>
+                    <a:p>
+                      <a:pPr marL="0" marR="0" algn="ctr">
+                        <a:lnSpc>
+                          <a:spcPct val="115000"/>
+                        </a:lnSpc>
+                        <a:spcBef>
+                          <a:spcPts val="0"/>
+                        </a:spcBef>
+                        <a:spcAft>
+                          <a:spcPts val="0"/>
+                        </a:spcAft>
+                      </a:pPr>
+                      <a:r>
+                        <a:rPr lang="en-US" sz="2400">
+                          <a:effectLst/>
+                        </a:rPr>
+                        <a:t>Item's metadata</a:t>
+                      </a:r>
+                      <a:endParaRPr lang="en-US" sz="3600">
+                        <a:effectLst/>
+                        <a:latin typeface="Calibri"/>
+                        <a:ea typeface="Calibri"/>
+                        <a:cs typeface="Times New Roman"/>
+                      </a:endParaRPr>
+                    </a:p>
+                  </a:txBody>
+                  <a:tcPr marL="68580" marR="68580" marT="0" marB="0" anchor="b"/>
+                </a:tc>
+                <a:tc>
+                  <a:txBody>
+                    <a:bodyPr/>
+                    <a:lstStyle/>
+                    <a:p>
+                      <a:pPr marL="0" marR="0" algn="ctr">
+                        <a:lnSpc>
+                          <a:spcPct val="115000"/>
+                        </a:lnSpc>
+                        <a:spcBef>
+                          <a:spcPts val="0"/>
+                        </a:spcBef>
+                        <a:spcAft>
+                          <a:spcPts val="0"/>
+                        </a:spcAft>
+                      </a:pPr>
+                      <a:r>
+                        <a:rPr lang="en-US" sz="2400">
+                          <a:effectLst/>
+                        </a:rPr>
+                        <a:t>In</a:t>
+                      </a:r>
+                      <a:endParaRPr lang="en-US" sz="3600">
+                        <a:effectLst/>
+                        <a:latin typeface="Calibri"/>
+                        <a:ea typeface="Calibri"/>
+                        <a:cs typeface="Times New Roman"/>
+                      </a:endParaRPr>
+                    </a:p>
+                  </a:txBody>
+                  <a:tcPr marL="68580" marR="68580" marT="0" marB="0" anchor="b"/>
+                </a:tc>
+                <a:tc>
+                  <a:txBody>
+                    <a:bodyPr/>
+                    <a:lstStyle/>
+                    <a:p>
+                      <a:pPr marL="0" marR="0" algn="ctr">
+                        <a:lnSpc>
+                          <a:spcPct val="115000"/>
+                        </a:lnSpc>
+                        <a:spcBef>
+                          <a:spcPts val="0"/>
+                        </a:spcBef>
+                        <a:spcAft>
+                          <a:spcPts val="0"/>
+                        </a:spcAft>
+                      </a:pPr>
+                      <a:r>
+                        <a:rPr lang="en-US" sz="2400" dirty="0">
+                          <a:effectLst/>
+                        </a:rPr>
+                        <a:t>Anyone</a:t>
+                      </a:r>
+                      <a:endParaRPr lang="en-US" sz="3600" dirty="0">
+                        <a:effectLst/>
+                        <a:latin typeface="Calibri"/>
+                        <a:ea typeface="Calibri"/>
+                        <a:cs typeface="Times New Roman"/>
+                      </a:endParaRPr>
+                    </a:p>
+                  </a:txBody>
+                  <a:tcPr marL="68580" marR="68580" marT="0" marB="0" anchor="b"/>
+                </a:tc>
+                <a:tc>
+                  <a:txBody>
+                    <a:bodyPr/>
+                    <a:lstStyle/>
+                    <a:p>
+                      <a:pPr marL="0" marR="0" algn="ctr">
+                        <a:lnSpc>
+                          <a:spcPct val="115000"/>
+                        </a:lnSpc>
+                        <a:spcBef>
+                          <a:spcPts val="0"/>
+                        </a:spcBef>
+                        <a:spcAft>
+                          <a:spcPts val="0"/>
+                        </a:spcAft>
+                      </a:pPr>
+                      <a:r>
+                        <a:rPr lang="en-US" sz="2400" dirty="0" smtClean="0">
+                          <a:effectLst/>
+                        </a:rPr>
+                        <a:t>Med</a:t>
+                      </a:r>
+                      <a:endParaRPr lang="en-US" sz="3600" dirty="0">
+                        <a:effectLst/>
+                        <a:latin typeface="Calibri"/>
+                        <a:ea typeface="Calibri"/>
+                        <a:cs typeface="Times New Roman"/>
+                      </a:endParaRPr>
+                    </a:p>
+                  </a:txBody>
+                  <a:tcPr marL="68580" marR="68580" marT="0" marB="0" anchor="b"/>
+                </a:tc>
+                <a:tc>
+                  <a:txBody>
+                    <a:bodyPr/>
+                    <a:lstStyle/>
+                    <a:p>
+                      <a:pPr marL="0" marR="0" algn="ctr">
+                        <a:lnSpc>
+                          <a:spcPct val="115000"/>
+                        </a:lnSpc>
+                        <a:spcBef>
+                          <a:spcPts val="0"/>
+                        </a:spcBef>
+                        <a:spcAft>
+                          <a:spcPts val="0"/>
+                        </a:spcAft>
+                      </a:pPr>
+                      <a:r>
+                        <a:rPr lang="en-US" sz="2400">
+                          <a:effectLst/>
+                        </a:rPr>
+                        <a:t>2</a:t>
+                      </a:r>
+                      <a:endParaRPr lang="en-US" sz="3600">
+                        <a:effectLst/>
+                        <a:latin typeface="Calibri"/>
+                        <a:ea typeface="Calibri"/>
+                        <a:cs typeface="Times New Roman"/>
+                      </a:endParaRPr>
+                    </a:p>
+                  </a:txBody>
+                  <a:tcPr marL="68580" marR="68580" marT="0" marB="0" anchor="b"/>
+                </a:tc>
+              </a:tr>
+              <a:tr h="547804">
+                <a:tc>
+                  <a:txBody>
+                    <a:bodyPr/>
+                    <a:lstStyle/>
+                    <a:p>
+                      <a:pPr marL="0" marR="0" algn="ctr">
+                        <a:lnSpc>
+                          <a:spcPct val="115000"/>
+                        </a:lnSpc>
+                        <a:spcBef>
+                          <a:spcPts val="0"/>
+                        </a:spcBef>
+                        <a:spcAft>
+                          <a:spcPts val="0"/>
+                        </a:spcAft>
+                      </a:pPr>
+                      <a:r>
+                        <a:rPr lang="en-US" sz="2400">
+                          <a:effectLst/>
+                        </a:rPr>
+                        <a:t>9</a:t>
+                      </a:r>
+                      <a:endParaRPr lang="en-US" sz="3600">
+                        <a:effectLst/>
+                        <a:latin typeface="Calibri"/>
+                        <a:ea typeface="Calibri"/>
+                        <a:cs typeface="Times New Roman"/>
+                      </a:endParaRPr>
+                    </a:p>
+                  </a:txBody>
+                  <a:tcPr marL="68580" marR="68580" marT="0" marB="0" anchor="b"/>
+                </a:tc>
+                <a:tc>
+                  <a:txBody>
+                    <a:bodyPr/>
+                    <a:lstStyle/>
+                    <a:p>
+                      <a:pPr marL="0" marR="0" algn="ctr">
+                        <a:lnSpc>
+                          <a:spcPct val="115000"/>
+                        </a:lnSpc>
+                        <a:spcBef>
+                          <a:spcPts val="0"/>
+                        </a:spcBef>
+                        <a:spcAft>
+                          <a:spcPts val="0"/>
+                        </a:spcAft>
+                      </a:pPr>
+                      <a:r>
+                        <a:rPr lang="en-US" sz="2400">
+                          <a:effectLst/>
+                        </a:rPr>
+                        <a:t>Inventory</a:t>
+                      </a:r>
+                      <a:endParaRPr lang="en-US" sz="3600">
+                        <a:effectLst/>
+                        <a:latin typeface="Calibri"/>
+                        <a:ea typeface="Calibri"/>
+                        <a:cs typeface="Times New Roman"/>
+                      </a:endParaRPr>
+                    </a:p>
+                  </a:txBody>
+                  <a:tcPr marL="68580" marR="68580" marT="0" marB="0" anchor="b"/>
+                </a:tc>
+                <a:tc>
+                  <a:txBody>
+                    <a:bodyPr/>
+                    <a:lstStyle/>
+                    <a:p>
+                      <a:pPr marL="0" marR="0" algn="ctr">
+                        <a:lnSpc>
+                          <a:spcPct val="115000"/>
+                        </a:lnSpc>
+                        <a:spcBef>
+                          <a:spcPts val="0"/>
+                        </a:spcBef>
+                        <a:spcAft>
+                          <a:spcPts val="0"/>
+                        </a:spcAft>
+                      </a:pPr>
+                      <a:r>
+                        <a:rPr lang="en-US" sz="2400">
+                          <a:effectLst/>
+                        </a:rPr>
+                        <a:t>In</a:t>
+                      </a:r>
+                      <a:endParaRPr lang="en-US" sz="3600">
+                        <a:effectLst/>
+                        <a:latin typeface="Calibri"/>
+                        <a:ea typeface="Calibri"/>
+                        <a:cs typeface="Times New Roman"/>
+                      </a:endParaRPr>
+                    </a:p>
+                  </a:txBody>
+                  <a:tcPr marL="68580" marR="68580" marT="0" marB="0" anchor="b"/>
+                </a:tc>
+                <a:tc>
+                  <a:txBody>
+                    <a:bodyPr/>
+                    <a:lstStyle/>
+                    <a:p>
+                      <a:pPr marL="0" marR="0" algn="ctr">
+                        <a:lnSpc>
+                          <a:spcPct val="115000"/>
+                        </a:lnSpc>
+                        <a:spcBef>
+                          <a:spcPts val="0"/>
+                        </a:spcBef>
+                        <a:spcAft>
+                          <a:spcPts val="0"/>
+                        </a:spcAft>
+                      </a:pPr>
+                      <a:r>
+                        <a:rPr lang="en-US" sz="2400">
+                          <a:effectLst/>
+                        </a:rPr>
+                        <a:t>Manager</a:t>
+                      </a:r>
+                      <a:endParaRPr lang="en-US" sz="3600">
+                        <a:effectLst/>
+                        <a:latin typeface="Calibri"/>
+                        <a:ea typeface="Calibri"/>
+                        <a:cs typeface="Times New Roman"/>
+                      </a:endParaRPr>
+                    </a:p>
+                  </a:txBody>
+                  <a:tcPr marL="68580" marR="68580" marT="0" marB="0" anchor="b"/>
+                </a:tc>
+                <a:tc>
+                  <a:txBody>
+                    <a:bodyPr/>
+                    <a:lstStyle/>
+                    <a:p>
+                      <a:pPr marL="0" marR="0" algn="ctr">
+                        <a:lnSpc>
+                          <a:spcPct val="115000"/>
+                        </a:lnSpc>
+                        <a:spcBef>
+                          <a:spcPts val="0"/>
+                        </a:spcBef>
+                        <a:spcAft>
+                          <a:spcPts val="0"/>
+                        </a:spcAft>
+                      </a:pPr>
+                      <a:r>
+                        <a:rPr lang="en-US" sz="2400" dirty="0">
+                          <a:effectLst/>
+                        </a:rPr>
+                        <a:t>Low</a:t>
+                      </a:r>
+                      <a:endParaRPr lang="en-US" sz="3600" dirty="0">
+                        <a:effectLst/>
+                        <a:latin typeface="Calibri"/>
+                        <a:ea typeface="Calibri"/>
+                        <a:cs typeface="Times New Roman"/>
+                      </a:endParaRPr>
+                    </a:p>
+                  </a:txBody>
+                  <a:tcPr marL="68580" marR="68580" marT="0" marB="0" anchor="b"/>
+                </a:tc>
+                <a:tc>
+                  <a:txBody>
+                    <a:bodyPr/>
+                    <a:lstStyle/>
+                    <a:p>
+                      <a:pPr marL="0" marR="0" algn="ctr">
+                        <a:lnSpc>
+                          <a:spcPct val="115000"/>
+                        </a:lnSpc>
+                        <a:spcBef>
+                          <a:spcPts val="0"/>
+                        </a:spcBef>
+                        <a:spcAft>
+                          <a:spcPts val="0"/>
+                        </a:spcAft>
+                      </a:pPr>
+                      <a:r>
+                        <a:rPr lang="en-US" sz="2400" dirty="0">
+                          <a:effectLst/>
+                        </a:rPr>
+                        <a:t>1</a:t>
+                      </a:r>
+                      <a:endParaRPr lang="en-US" sz="3600" dirty="0">
+                        <a:effectLst/>
+                        <a:latin typeface="Calibri"/>
+                        <a:ea typeface="Calibri"/>
+                        <a:cs typeface="Times New Roman"/>
+                      </a:endParaRPr>
+                    </a:p>
+                  </a:txBody>
+                  <a:tcPr marL="68580" marR="68580" marT="0" marB="0" anchor="b"/>
+                </a:tc>
+              </a:tr>
+              <a:tr h="547804">
+                <a:tc>
+                  <a:txBody>
+                    <a:bodyPr/>
+                    <a:lstStyle/>
+                    <a:p>
+                      <a:pPr marL="0" marR="0" algn="ctr">
+                        <a:lnSpc>
+                          <a:spcPct val="115000"/>
+                        </a:lnSpc>
+                        <a:spcBef>
+                          <a:spcPts val="0"/>
+                        </a:spcBef>
+                        <a:spcAft>
+                          <a:spcPts val="0"/>
+                        </a:spcAft>
+                      </a:pPr>
+                      <a:r>
+                        <a:rPr lang="en-US" sz="2400">
+                          <a:effectLst/>
+                        </a:rPr>
+                        <a:t>10</a:t>
+                      </a:r>
+                      <a:endParaRPr lang="en-US" sz="3600">
+                        <a:effectLst/>
+                        <a:latin typeface="Calibri"/>
+                        <a:ea typeface="Calibri"/>
+                        <a:cs typeface="Times New Roman"/>
+                      </a:endParaRPr>
+                    </a:p>
+                  </a:txBody>
+                  <a:tcPr marL="68580" marR="68580" marT="0" marB="0" anchor="b"/>
+                </a:tc>
+                <a:tc>
+                  <a:txBody>
+                    <a:bodyPr/>
+                    <a:lstStyle/>
+                    <a:p>
+                      <a:pPr marL="0" marR="0" algn="ctr">
+                        <a:lnSpc>
+                          <a:spcPct val="115000"/>
+                        </a:lnSpc>
+                        <a:spcBef>
+                          <a:spcPts val="0"/>
+                        </a:spcBef>
+                        <a:spcAft>
+                          <a:spcPts val="0"/>
+                        </a:spcAft>
+                      </a:pPr>
+                      <a:r>
+                        <a:rPr lang="en-US" sz="2400" dirty="0" smtClean="0">
+                          <a:effectLst/>
+                        </a:rPr>
+                        <a:t>Complaint</a:t>
+                      </a:r>
+                      <a:endParaRPr lang="en-US" sz="3600" dirty="0">
+                        <a:effectLst/>
+                        <a:latin typeface="Calibri"/>
+                        <a:ea typeface="Calibri"/>
+                        <a:cs typeface="Times New Roman"/>
+                      </a:endParaRPr>
+                    </a:p>
+                  </a:txBody>
+                  <a:tcPr marL="68580" marR="68580" marT="0" marB="0" anchor="b"/>
+                </a:tc>
+                <a:tc>
+                  <a:txBody>
+                    <a:bodyPr/>
+                    <a:lstStyle/>
+                    <a:p>
+                      <a:pPr marL="0" marR="0" algn="ctr">
+                        <a:lnSpc>
+                          <a:spcPct val="115000"/>
+                        </a:lnSpc>
+                        <a:spcBef>
+                          <a:spcPts val="0"/>
+                        </a:spcBef>
+                        <a:spcAft>
+                          <a:spcPts val="0"/>
+                        </a:spcAft>
+                      </a:pPr>
+                      <a:r>
+                        <a:rPr lang="en-US" sz="2400">
+                          <a:effectLst/>
+                        </a:rPr>
+                        <a:t>In</a:t>
+                      </a:r>
+                      <a:endParaRPr lang="en-US" sz="3600">
+                        <a:effectLst/>
+                        <a:latin typeface="Calibri"/>
+                        <a:ea typeface="Calibri"/>
+                        <a:cs typeface="Times New Roman"/>
+                      </a:endParaRPr>
+                    </a:p>
+                  </a:txBody>
+                  <a:tcPr marL="68580" marR="68580" marT="0" marB="0" anchor="b"/>
+                </a:tc>
+                <a:tc>
+                  <a:txBody>
+                    <a:bodyPr/>
+                    <a:lstStyle/>
+                    <a:p>
+                      <a:pPr marL="0" marR="0" algn="ctr">
+                        <a:lnSpc>
+                          <a:spcPct val="115000"/>
+                        </a:lnSpc>
+                        <a:spcBef>
+                          <a:spcPts val="0"/>
+                        </a:spcBef>
+                        <a:spcAft>
+                          <a:spcPts val="0"/>
+                        </a:spcAft>
+                      </a:pPr>
+                      <a:r>
+                        <a:rPr lang="en-US" sz="2400" dirty="0" smtClean="0">
+                          <a:effectLst/>
+                        </a:rPr>
+                        <a:t>Manager/waiter</a:t>
+                      </a:r>
+                      <a:endParaRPr lang="en-US" sz="3600" dirty="0">
+                        <a:effectLst/>
+                        <a:latin typeface="Calibri"/>
+                        <a:ea typeface="Calibri"/>
+                        <a:cs typeface="Times New Roman"/>
+                      </a:endParaRPr>
+                    </a:p>
+                  </a:txBody>
+                  <a:tcPr marL="68580" marR="68580" marT="0" marB="0" anchor="b"/>
+                </a:tc>
+                <a:tc>
+                  <a:txBody>
+                    <a:bodyPr/>
+                    <a:lstStyle/>
+                    <a:p>
+                      <a:pPr marL="0" marR="0" algn="ctr">
+                        <a:lnSpc>
+                          <a:spcPct val="115000"/>
+                        </a:lnSpc>
+                        <a:spcBef>
+                          <a:spcPts val="0"/>
+                        </a:spcBef>
+                        <a:spcAft>
+                          <a:spcPts val="0"/>
+                        </a:spcAft>
+                      </a:pPr>
+                      <a:r>
+                        <a:rPr lang="en-US" sz="2400" dirty="0" smtClean="0">
+                          <a:effectLst/>
+                        </a:rPr>
+                        <a:t>Med</a:t>
+                      </a:r>
+                      <a:endParaRPr lang="en-US" sz="3600" dirty="0">
+                        <a:effectLst/>
+                        <a:latin typeface="Calibri"/>
+                        <a:ea typeface="Calibri"/>
+                        <a:cs typeface="Times New Roman"/>
+                      </a:endParaRPr>
+                    </a:p>
+                  </a:txBody>
+                  <a:tcPr marL="68580" marR="68580" marT="0" marB="0" anchor="b"/>
+                </a:tc>
+                <a:tc>
+                  <a:txBody>
+                    <a:bodyPr/>
+                    <a:lstStyle/>
+                    <a:p>
+                      <a:pPr marL="0" marR="0" algn="ctr">
+                        <a:lnSpc>
+                          <a:spcPct val="115000"/>
+                        </a:lnSpc>
+                        <a:spcBef>
+                          <a:spcPts val="0"/>
+                        </a:spcBef>
+                        <a:spcAft>
+                          <a:spcPts val="0"/>
+                        </a:spcAft>
+                      </a:pPr>
+                      <a:r>
+                        <a:rPr lang="en-US" sz="2400" dirty="0">
+                          <a:effectLst/>
+                        </a:rPr>
+                        <a:t>2</a:t>
+                      </a:r>
+                      <a:endParaRPr lang="en-US" sz="3600" dirty="0">
+                        <a:effectLst/>
+                        <a:latin typeface="Calibri"/>
+                        <a:ea typeface="Calibri"/>
+                        <a:cs typeface="Times New Roman"/>
+                      </a:endParaRPr>
+                    </a:p>
+                  </a:txBody>
+                  <a:tcPr marL="68580" marR="68580" marT="0" marB="0" anchor="b"/>
+                </a:tc>
+              </a:tr>
+            </a:tbl>
+          </a:graphicData>
+        </a:graphic>
+      </p:graphicFrame>
       <p:sp>
         <p:nvSpPr>
           <p:cNvPr id="2" name="Title 1"/>
@@ -4602,175 +6768,30 @@
         </p:nvSpPr>
         <p:spPr>
           <a:xfrm>
-            <a:off x="76200" y="-76200"/>
-            <a:ext cx="7924800" cy="1143000"/>
+            <a:off x="381000" y="0"/>
+            <a:ext cx="7010400" cy="838200"/>
           </a:xfrm>
+          <a:noFill/>
         </p:spPr>
         <p:txBody>
           <a:bodyPr>
-            <a:normAutofit/>
+            <a:normAutofit fontScale="90000"/>
           </a:bodyPr>
           <a:lstStyle/>
           <a:p>
             <a:pPr algn="l"/>
             <a:r>
-              <a:rPr lang="en-US" sz="6000" b="1" dirty="0" smtClean="0">
-                <a:solidFill>
-                  <a:srgbClr val="FF0000"/>
-                </a:solidFill>
-              </a:rPr>
-              <a:t>Main Success Scenario</a:t>
-            </a:r>
-            <a:endParaRPr lang="en-US" sz="6000" b="1" dirty="0">
-              <a:solidFill>
-                <a:srgbClr val="FF0000"/>
-              </a:solidFill>
-            </a:endParaRPr>
-          </a:p>
-        </p:txBody>
-      </p:sp>
-      <p:sp>
-        <p:nvSpPr>
-          <p:cNvPr id="3" name="Content Placeholder 2"/>
-          <p:cNvSpPr>
-            <a:spLocks noGrp="1"/>
-          </p:cNvSpPr>
-          <p:nvPr>
-            <p:ph idx="1"/>
-          </p:nvPr>
-        </p:nvSpPr>
-        <p:spPr>
-          <a:xfrm>
-            <a:off x="4419600" y="914400"/>
-            <a:ext cx="4267200" cy="5486400"/>
-          </a:xfrm>
-        </p:spPr>
-        <p:txBody>
-          <a:bodyPr>
-            <a:normAutofit fontScale="77500" lnSpcReduction="20000"/>
-          </a:bodyPr>
-          <a:lstStyle/>
-          <a:p>
-            <a:r>
-              <a:rPr lang="en-US" sz="4000" b="1" dirty="0">
-                <a:solidFill>
-                  <a:srgbClr val="FF0000"/>
-                </a:solidFill>
-              </a:rPr>
-              <a:t>Customer enters</a:t>
-            </a:r>
-          </a:p>
-          <a:p>
-            <a:r>
-              <a:rPr lang="en-US" sz="4000" b="1" dirty="0" smtClean="0">
-                <a:solidFill>
-                  <a:srgbClr val="FF0000"/>
-                </a:solidFill>
-              </a:rPr>
-              <a:t>Hostess </a:t>
-            </a:r>
-            <a:r>
-              <a:rPr lang="en-US" sz="4000" b="1" dirty="0">
-                <a:solidFill>
-                  <a:srgbClr val="FF0000"/>
-                </a:solidFill>
-              </a:rPr>
-              <a:t>checks for available </a:t>
-            </a:r>
-            <a:r>
-              <a:rPr lang="en-US" sz="4000" b="1" dirty="0" smtClean="0">
-                <a:solidFill>
-                  <a:srgbClr val="FF0000"/>
-                </a:solidFill>
-              </a:rPr>
-              <a:t>tables / estimated wait-time </a:t>
-            </a:r>
-            <a:endParaRPr lang="en-US" sz="4000" b="1" dirty="0">
-              <a:solidFill>
-                <a:srgbClr val="FF0000"/>
-              </a:solidFill>
-            </a:endParaRPr>
-          </a:p>
-          <a:p>
-            <a:r>
-              <a:rPr lang="en-US" sz="4000" b="1" dirty="0">
-                <a:solidFill>
-                  <a:srgbClr val="FF0000"/>
-                </a:solidFill>
-              </a:rPr>
-              <a:t>Customer seated by </a:t>
-            </a:r>
-            <a:r>
-              <a:rPr lang="en-US" sz="4000" b="1" dirty="0" smtClean="0">
-                <a:solidFill>
-                  <a:srgbClr val="FF0000"/>
-                </a:solidFill>
-              </a:rPr>
-              <a:t>hostess, table marked occupied and  assigned to a waiter</a:t>
-            </a:r>
-          </a:p>
-          <a:p>
-            <a:r>
-              <a:rPr lang="en-US" sz="4000" b="1" dirty="0" smtClean="0">
-                <a:solidFill>
-                  <a:srgbClr val="FF0000"/>
-                </a:solidFill>
-              </a:rPr>
-              <a:t>Drinks, Appetizers, meals: ordered /prepared </a:t>
-            </a:r>
-            <a:r>
-              <a:rPr lang="en-US" sz="4000" b="1" dirty="0">
-                <a:solidFill>
-                  <a:srgbClr val="FF0000"/>
-                </a:solidFill>
-              </a:rPr>
-              <a:t>/ </a:t>
-            </a:r>
-            <a:r>
-              <a:rPr lang="en-US" sz="4000" b="1" dirty="0" smtClean="0">
-                <a:solidFill>
-                  <a:srgbClr val="FF0000"/>
-                </a:solidFill>
-              </a:rPr>
-              <a:t>delivered</a:t>
-            </a:r>
-          </a:p>
-        </p:txBody>
-      </p:sp>
-      <p:pic>
-        <p:nvPicPr>
-          <p:cNvPr id="4" name="Picture 3"/>
-          <p:cNvPicPr>
-            <a:picLocks noChangeAspect="1"/>
-          </p:cNvPicPr>
-          <p:nvPr/>
-        </p:nvPicPr>
-        <p:blipFill>
-          <a:blip r:embed="rId2">
-            <a:extLst>
-              <a:ext uri="{28A0092B-C50C-407E-A947-70E740481C1C}">
-                <a14:useLocalDpi xmlns:a14="http://schemas.microsoft.com/office/drawing/2010/main" val="0"/>
-              </a:ext>
-            </a:extLst>
-          </a:blip>
-          <a:stretch>
-            <a:fillRect/>
-          </a:stretch>
-        </p:blipFill>
-        <p:spPr>
-          <a:xfrm>
-            <a:off x="838200" y="1162050"/>
-            <a:ext cx="3124200" cy="4783932"/>
-          </a:xfrm>
-          <a:prstGeom prst="rect">
-            <a:avLst/>
-          </a:prstGeom>
-        </p:spPr>
-      </p:pic>
+              <a:rPr lang="en-US" sz="6000" b="1" dirty="0" smtClean="0"/>
+              <a:t>Preliminary Use Cases</a:t>
+            </a:r>
+            <a:endParaRPr lang="en-US" sz="6000" b="1" dirty="0"/>
+          </a:p>
+        </p:txBody>
+      </p:sp>
     </p:spTree>
     <p:extLst>
       <p:ext uri="{BB962C8B-B14F-4D97-AF65-F5344CB8AC3E}">
-        <p14:creationId xmlns:p14="http://schemas.microsoft.com/office/powerpoint/2010/main" val="426276659"/>
+        <p14:creationId xmlns:p14="http://schemas.microsoft.com/office/powerpoint/2010/main" val="2172318574"/>
       </p:ext>
     </p:extLst>
   </p:cSld>
@@ -4816,8 +6837,8 @@
         </p:nvSpPr>
         <p:spPr>
           <a:xfrm>
-            <a:off x="76200" y="-76200"/>
-            <a:ext cx="7924800" cy="1143000"/>
+            <a:off x="304800" y="0"/>
+            <a:ext cx="8001000" cy="1143000"/>
           </a:xfrm>
         </p:spPr>
         <p:txBody>
@@ -4828,18 +6849,10 @@
           <a:p>
             <a:pPr algn="l"/>
             <a:r>
-              <a:rPr lang="en-US" sz="6000" b="1" dirty="0" smtClean="0">
-                <a:solidFill>
-                  <a:srgbClr val="FF0000"/>
-                </a:solidFill>
-              </a:rPr>
-              <a:t>Main Success Scenario</a:t>
-            </a:r>
-            <a:endParaRPr lang="en-US" sz="6000" b="1" dirty="0">
-              <a:solidFill>
-                <a:srgbClr val="FF0000"/>
-              </a:solidFill>
-            </a:endParaRPr>
+              <a:rPr lang="en-US" sz="6000" b="1" dirty="0" smtClean="0"/>
+              <a:t>Risks</a:t>
+            </a:r>
+            <a:endParaRPr lang="en-US" sz="6000" b="1" dirty="0"/>
           </a:p>
         </p:txBody>
       </p:sp>
@@ -4855,96 +6868,69 @@
         </p:nvSpPr>
         <p:spPr>
           <a:xfrm>
-            <a:off x="228600" y="914400"/>
-            <a:ext cx="8458200" cy="5486400"/>
+            <a:off x="228600" y="1066800"/>
+            <a:ext cx="8229600" cy="4525963"/>
           </a:xfrm>
         </p:spPr>
         <p:txBody>
           <a:bodyPr>
-            <a:normAutofit fontScale="92500" lnSpcReduction="20000"/>
+            <a:normAutofit fontScale="92500" lnSpcReduction="10000"/>
           </a:bodyPr>
           <a:lstStyle/>
           <a:p>
-            <a:r>
-              <a:rPr lang="en-US" sz="4000" b="1" u="sng" dirty="0" smtClean="0">
-                <a:solidFill>
-                  <a:srgbClr val="FF0000"/>
-                </a:solidFill>
-              </a:rPr>
-              <a:t>Ordering</a:t>
-            </a:r>
-            <a:r>
-              <a:rPr lang="en-US" sz="4000" b="1" dirty="0" smtClean="0">
-                <a:solidFill>
-                  <a:srgbClr val="FF0000"/>
-                </a:solidFill>
-              </a:rPr>
-              <a:t>: order-items (drinks and dishes) are added to order-group which is placed in an order-queue by wait-staff</a:t>
-            </a:r>
-          </a:p>
-          <a:p>
-            <a:r>
-              <a:rPr lang="en-US" sz="4000" b="1" u="sng" dirty="0" smtClean="0">
-                <a:solidFill>
-                  <a:srgbClr val="FF0000"/>
-                </a:solidFill>
-              </a:rPr>
-              <a:t>Preparation</a:t>
-            </a:r>
-            <a:r>
-              <a:rPr lang="en-US" sz="4000" b="1" dirty="0" smtClean="0">
-                <a:solidFill>
-                  <a:srgbClr val="FF0000"/>
-                </a:solidFill>
-              </a:rPr>
-              <a:t>: order-group is removed from the order-queue by kitchen staff, order-items are prepared (in </a:t>
-            </a:r>
-            <a:r>
-              <a:rPr lang="en-US" sz="4000" b="1" dirty="0" err="1" smtClean="0">
-                <a:solidFill>
-                  <a:srgbClr val="FF0000"/>
-                </a:solidFill>
-              </a:rPr>
-              <a:t>LPTF</a:t>
-            </a:r>
-            <a:r>
-              <a:rPr lang="en-US" sz="4000" b="1" dirty="0" smtClean="0">
-                <a:solidFill>
-                  <a:srgbClr val="FF0000"/>
-                </a:solidFill>
-              </a:rPr>
-              <a:t> order), and the order-group is placed in the delivery-queue.  Inventory is updated.</a:t>
-            </a:r>
-          </a:p>
-          <a:p>
-            <a:r>
-              <a:rPr lang="en-US" sz="4000" b="1" u="sng" dirty="0" smtClean="0">
-                <a:solidFill>
-                  <a:srgbClr val="FF0000"/>
-                </a:solidFill>
-              </a:rPr>
-              <a:t>Delivery</a:t>
-            </a:r>
-            <a:r>
-              <a:rPr lang="en-US" sz="4000" b="1" dirty="0" smtClean="0">
-                <a:solidFill>
-                  <a:srgbClr val="FF0000"/>
-                </a:solidFill>
-              </a:rPr>
-              <a:t>: item is delivered and removed from delivery-queue by wait-staff.</a:t>
-            </a:r>
-            <a:endParaRPr lang="en-US" sz="4000" b="1" dirty="0">
-              <a:solidFill>
-                <a:srgbClr val="FF0000"/>
-              </a:solidFill>
-            </a:endParaRPr>
+            <a:pPr lvl="0"/>
+            <a:r>
+              <a:rPr lang="en-US" b="1" dirty="0" smtClean="0"/>
+              <a:t>Fast application speed: Do not try customers’ patience.</a:t>
+            </a:r>
+          </a:p>
+          <a:p>
+            <a:pPr lvl="0"/>
+            <a:r>
+              <a:rPr lang="en-US" b="1" dirty="0" smtClean="0"/>
+              <a:t>High reliability: Downtime must be avoided</a:t>
+            </a:r>
+            <a:endParaRPr lang="en-US" b="1" dirty="0"/>
+          </a:p>
+          <a:p>
+            <a:pPr lvl="0"/>
+            <a:r>
+              <a:rPr lang="en-US" b="1" dirty="0" smtClean="0"/>
+              <a:t>Credit </a:t>
+            </a:r>
+            <a:r>
+              <a:rPr lang="en-US" b="1" dirty="0"/>
+              <a:t>card PCI information handling</a:t>
+            </a:r>
+          </a:p>
+          <a:p>
+            <a:pPr lvl="0"/>
+            <a:r>
+              <a:rPr lang="en-US" b="1" dirty="0" smtClean="0"/>
+              <a:t>Billing accuracy</a:t>
+            </a:r>
+          </a:p>
+          <a:p>
+            <a:pPr lvl="0"/>
+            <a:r>
+              <a:rPr lang="en-US" b="1" dirty="0" smtClean="0"/>
+              <a:t>Logins securely connect users with their correct role</a:t>
+            </a:r>
+            <a:endParaRPr lang="en-US" sz="4000" b="1" dirty="0" smtClean="0"/>
+          </a:p>
+          <a:p>
+            <a:pPr lvl="0"/>
+            <a:r>
+              <a:rPr lang="en-US" b="1" dirty="0" smtClean="0"/>
+              <a:t>Effective prioritization algorithm for orders and dishes</a:t>
+            </a:r>
           </a:p>
         </p:txBody>
       </p:sp>
     </p:spTree>
     <p:extLst>
       <p:ext uri="{BB962C8B-B14F-4D97-AF65-F5344CB8AC3E}">
-        <p14:creationId xmlns:p14="http://schemas.microsoft.com/office/powerpoint/2010/main" val="1877067265"/>
+        <p14:creationId xmlns:p14="http://schemas.microsoft.com/office/powerpoint/2010/main" val="1892201934"/>
       </p:ext>
     </p:extLst>
   </p:cSld>
@@ -5050,2935 +7036,6 @@
 </file>
 
 <file path=ppt/slides/slide20.xml><?xml version="1.0" encoding="utf-8"?>
-<p:sld xmlns:a="http://schemas.openxmlformats.org/drawingml/2006/main" xmlns:r="http://schemas.openxmlformats.org/officeDocument/2006/relationships" xmlns:p="http://schemas.openxmlformats.org/presentationml/2006/main">
-  <p:cSld>
-    <p:spTree>
-      <p:nvGrpSpPr>
-        <p:cNvPr id="1" name=""/>
-        <p:cNvGrpSpPr/>
-        <p:nvPr/>
-      </p:nvGrpSpPr>
-      <p:grpSpPr>
-        <a:xfrm>
-          <a:off x="0" y="0"/>
-          <a:ext cx="0" cy="0"/>
-          <a:chOff x="0" y="0"/>
-          <a:chExt cx="0" cy="0"/>
-        </a:xfrm>
-      </p:grpSpPr>
-      <p:sp>
-        <p:nvSpPr>
-          <p:cNvPr id="2" name="Title 1"/>
-          <p:cNvSpPr>
-            <a:spLocks noGrp="1"/>
-          </p:cNvSpPr>
-          <p:nvPr>
-            <p:ph type="title"/>
-          </p:nvPr>
-        </p:nvSpPr>
-        <p:spPr>
-          <a:xfrm>
-            <a:off x="76200" y="-76200"/>
-            <a:ext cx="7924800" cy="1143000"/>
-          </a:xfrm>
-        </p:spPr>
-        <p:txBody>
-          <a:bodyPr>
-            <a:normAutofit/>
-          </a:bodyPr>
-          <a:lstStyle/>
-          <a:p>
-            <a:pPr algn="l"/>
-            <a:r>
-              <a:rPr lang="en-US" sz="6000" b="1" dirty="0" smtClean="0">
-                <a:solidFill>
-                  <a:srgbClr val="FF0000"/>
-                </a:solidFill>
-              </a:rPr>
-              <a:t>Main Success Scenario</a:t>
-            </a:r>
-            <a:endParaRPr lang="en-US" sz="6000" b="1" dirty="0">
-              <a:solidFill>
-                <a:srgbClr val="FF0000"/>
-              </a:solidFill>
-            </a:endParaRPr>
-          </a:p>
-        </p:txBody>
-      </p:sp>
-      <p:sp>
-        <p:nvSpPr>
-          <p:cNvPr id="3" name="Content Placeholder 2"/>
-          <p:cNvSpPr>
-            <a:spLocks noGrp="1"/>
-          </p:cNvSpPr>
-          <p:nvPr>
-            <p:ph idx="1"/>
-          </p:nvPr>
-        </p:nvSpPr>
-        <p:spPr>
-          <a:xfrm>
-            <a:off x="228600" y="914400"/>
-            <a:ext cx="8458200" cy="3581400"/>
-          </a:xfrm>
-        </p:spPr>
-        <p:txBody>
-          <a:bodyPr>
-            <a:normAutofit fontScale="92500" lnSpcReduction="10000"/>
-          </a:bodyPr>
-          <a:lstStyle/>
-          <a:p>
-            <a:pPr marL="0" indent="0">
-              <a:buNone/>
-            </a:pPr>
-            <a:r>
-              <a:rPr lang="en-US" sz="4000" b="1" dirty="0" smtClean="0">
-                <a:solidFill>
-                  <a:srgbClr val="FF0000"/>
-                </a:solidFill>
-              </a:rPr>
-              <a:t>Queue order is processed by an algorithm that:</a:t>
-            </a:r>
-          </a:p>
-          <a:p>
-            <a:pPr lvl="0"/>
-            <a:r>
-              <a:rPr lang="en-US" sz="4000" b="1" dirty="0" smtClean="0">
-                <a:solidFill>
-                  <a:srgbClr val="FF0000"/>
-                </a:solidFill>
-              </a:rPr>
-              <a:t>Order-groups queued in FIFO</a:t>
-            </a:r>
-            <a:endParaRPr lang="en-US" sz="4000" b="1" dirty="0">
-              <a:solidFill>
-                <a:srgbClr val="FF0000"/>
-              </a:solidFill>
-            </a:endParaRPr>
-          </a:p>
-          <a:p>
-            <a:pPr lvl="0"/>
-            <a:r>
-              <a:rPr lang="en-US" sz="4000" b="1" dirty="0" smtClean="0">
-                <a:solidFill>
-                  <a:srgbClr val="FF0000"/>
-                </a:solidFill>
-              </a:rPr>
-              <a:t>Order-items queued </a:t>
-            </a:r>
-            <a:r>
-              <a:rPr lang="en-US" sz="4000" b="1" dirty="0">
-                <a:solidFill>
-                  <a:srgbClr val="FF0000"/>
-                </a:solidFill>
-              </a:rPr>
-              <a:t>within </a:t>
-            </a:r>
-            <a:r>
-              <a:rPr lang="en-US" sz="4000" b="1" dirty="0" smtClean="0">
-                <a:solidFill>
-                  <a:srgbClr val="FF0000"/>
-                </a:solidFill>
-              </a:rPr>
-              <a:t>order-group </a:t>
-            </a:r>
-            <a:r>
-              <a:rPr lang="en-US" sz="4000" b="1" dirty="0">
-                <a:solidFill>
-                  <a:srgbClr val="FF0000"/>
-                </a:solidFill>
-              </a:rPr>
-              <a:t>by l</a:t>
-            </a:r>
-            <a:r>
-              <a:rPr lang="en-US" sz="4000" b="1" dirty="0" smtClean="0">
-                <a:solidFill>
-                  <a:srgbClr val="FF0000"/>
-                </a:solidFill>
-              </a:rPr>
-              <a:t>ongest </a:t>
-            </a:r>
-            <a:r>
-              <a:rPr lang="en-US" sz="4000" b="1" dirty="0">
-                <a:solidFill>
-                  <a:srgbClr val="FF0000"/>
-                </a:solidFill>
-              </a:rPr>
-              <a:t>prep-time </a:t>
-            </a:r>
-            <a:r>
-              <a:rPr lang="en-US" sz="4000" b="1" dirty="0" smtClean="0">
-                <a:solidFill>
-                  <a:srgbClr val="FF0000"/>
-                </a:solidFill>
-              </a:rPr>
-              <a:t>first (</a:t>
-            </a:r>
-            <a:r>
-              <a:rPr lang="en-US" sz="4000" b="1" dirty="0" err="1" smtClean="0">
-                <a:solidFill>
-                  <a:srgbClr val="FF0000"/>
-                </a:solidFill>
-              </a:rPr>
-              <a:t>LPTF</a:t>
-            </a:r>
-            <a:r>
-              <a:rPr lang="en-US" sz="4000" b="1" dirty="0" smtClean="0">
-                <a:solidFill>
-                  <a:srgbClr val="FF0000"/>
-                </a:solidFill>
-              </a:rPr>
-              <a:t>) to synchronize their completion</a:t>
-            </a:r>
-          </a:p>
-          <a:p>
-            <a:endParaRPr lang="en-US" sz="4000" b="1" dirty="0"/>
-          </a:p>
-        </p:txBody>
-      </p:sp>
-      <p:pic>
-        <p:nvPicPr>
-          <p:cNvPr id="4" name="Content Placeholder 3"/>
-          <p:cNvPicPr>
-            <a:picLocks noChangeAspect="1"/>
-          </p:cNvPicPr>
-          <p:nvPr/>
-        </p:nvPicPr>
-        <p:blipFill>
-          <a:blip r:embed="rId2">
-            <a:extLst>
-              <a:ext uri="{28A0092B-C50C-407E-A947-70E740481C1C}">
-                <a14:useLocalDpi xmlns:a14="http://schemas.microsoft.com/office/drawing/2010/main" val="0"/>
-              </a:ext>
-            </a:extLst>
-          </a:blip>
-          <a:stretch>
-            <a:fillRect/>
-          </a:stretch>
-        </p:blipFill>
-        <p:spPr>
-          <a:xfrm>
-            <a:off x="457200" y="4800600"/>
-            <a:ext cx="8229599" cy="1249211"/>
-          </a:xfrm>
-          <a:prstGeom prst="rect">
-            <a:avLst/>
-          </a:prstGeom>
-          <a:ln w="15875">
-            <a:solidFill>
-              <a:schemeClr val="accent2">
-                <a:lumMod val="60000"/>
-                <a:lumOff val="40000"/>
-              </a:schemeClr>
-            </a:solidFill>
-          </a:ln>
-        </p:spPr>
-      </p:pic>
-    </p:spTree>
-    <p:extLst>
-      <p:ext uri="{BB962C8B-B14F-4D97-AF65-F5344CB8AC3E}">
-        <p14:creationId xmlns:p14="http://schemas.microsoft.com/office/powerpoint/2010/main" val="3392404194"/>
-      </p:ext>
-    </p:extLst>
-  </p:cSld>
-  <p:clrMapOvr>
-    <a:masterClrMapping/>
-  </p:clrMapOvr>
-  <p:timing>
-    <p:tnLst>
-      <p:par>
-        <p:cTn id="1" dur="indefinite" restart="never" nodeType="tmRoot"/>
-      </p:par>
-    </p:tnLst>
-  </p:timing>
-</p:sld>
-</file>
-
-<file path=ppt/slides/slide21.xml><?xml version="1.0" encoding="utf-8"?>
-<p:sld xmlns:a="http://schemas.openxmlformats.org/drawingml/2006/main" xmlns:r="http://schemas.openxmlformats.org/officeDocument/2006/relationships" xmlns:p="http://schemas.openxmlformats.org/presentationml/2006/main">
-  <p:cSld>
-    <p:spTree>
-      <p:nvGrpSpPr>
-        <p:cNvPr id="1" name=""/>
-        <p:cNvGrpSpPr/>
-        <p:nvPr/>
-      </p:nvGrpSpPr>
-      <p:grpSpPr>
-        <a:xfrm>
-          <a:off x="0" y="0"/>
-          <a:ext cx="0" cy="0"/>
-          <a:chOff x="0" y="0"/>
-          <a:chExt cx="0" cy="0"/>
-        </a:xfrm>
-      </p:grpSpPr>
-      <p:sp>
-        <p:nvSpPr>
-          <p:cNvPr id="2" name="Title 1"/>
-          <p:cNvSpPr>
-            <a:spLocks noGrp="1"/>
-          </p:cNvSpPr>
-          <p:nvPr>
-            <p:ph type="title"/>
-          </p:nvPr>
-        </p:nvSpPr>
-        <p:spPr>
-          <a:xfrm>
-            <a:off x="76200" y="-76200"/>
-            <a:ext cx="7924800" cy="1143000"/>
-          </a:xfrm>
-        </p:spPr>
-        <p:txBody>
-          <a:bodyPr>
-            <a:normAutofit/>
-          </a:bodyPr>
-          <a:lstStyle/>
-          <a:p>
-            <a:pPr algn="l"/>
-            <a:r>
-              <a:rPr lang="en-US" sz="6000" b="1" dirty="0" smtClean="0">
-                <a:solidFill>
-                  <a:srgbClr val="FF0000"/>
-                </a:solidFill>
-              </a:rPr>
-              <a:t>Main Success Scenario</a:t>
-            </a:r>
-            <a:endParaRPr lang="en-US" sz="6000" b="1" dirty="0">
-              <a:solidFill>
-                <a:srgbClr val="FF0000"/>
-              </a:solidFill>
-            </a:endParaRPr>
-          </a:p>
-        </p:txBody>
-      </p:sp>
-      <p:sp>
-        <p:nvSpPr>
-          <p:cNvPr id="3" name="Content Placeholder 2"/>
-          <p:cNvSpPr>
-            <a:spLocks noGrp="1"/>
-          </p:cNvSpPr>
-          <p:nvPr>
-            <p:ph idx="1"/>
-          </p:nvPr>
-        </p:nvSpPr>
-        <p:spPr>
-          <a:xfrm>
-            <a:off x="228600" y="914400"/>
-            <a:ext cx="8458200" cy="5486400"/>
-          </a:xfrm>
-        </p:spPr>
-        <p:txBody>
-          <a:bodyPr>
-            <a:normAutofit/>
-          </a:bodyPr>
-          <a:lstStyle/>
-          <a:p>
-            <a:r>
-              <a:rPr lang="en-US" sz="4000" b="1" dirty="0" smtClean="0">
-                <a:solidFill>
-                  <a:srgbClr val="FF0000"/>
-                </a:solidFill>
-              </a:rPr>
-              <a:t>People enjoy food and drinks and  possibly order more things.</a:t>
-            </a:r>
-          </a:p>
-          <a:p>
-            <a:r>
-              <a:rPr lang="en-US" sz="4000" b="1" dirty="0">
-                <a:solidFill>
-                  <a:srgbClr val="FF0000"/>
-                </a:solidFill>
-              </a:rPr>
-              <a:t>Meal </a:t>
-            </a:r>
-            <a:r>
-              <a:rPr lang="en-US" sz="4000" b="1" dirty="0" smtClean="0">
-                <a:solidFill>
-                  <a:srgbClr val="FF0000"/>
-                </a:solidFill>
-              </a:rPr>
-              <a:t>completed.</a:t>
-            </a:r>
-          </a:p>
-          <a:p>
-            <a:r>
-              <a:rPr lang="en-US" sz="4000" b="1" dirty="0" smtClean="0">
-                <a:solidFill>
-                  <a:srgbClr val="FF0000"/>
-                </a:solidFill>
-              </a:rPr>
-              <a:t>Bill is totaled and presented.</a:t>
-            </a:r>
-          </a:p>
-          <a:p>
-            <a:r>
-              <a:rPr lang="en-US" sz="4000" b="1" dirty="0" smtClean="0">
-                <a:solidFill>
-                  <a:srgbClr val="FF0000"/>
-                </a:solidFill>
-              </a:rPr>
-              <a:t>Bill and tip can be paid electronically</a:t>
-            </a:r>
-          </a:p>
-          <a:p>
-            <a:r>
-              <a:rPr lang="en-US" sz="4000" b="1" dirty="0" smtClean="0">
-                <a:solidFill>
-                  <a:srgbClr val="FF0000"/>
-                </a:solidFill>
-              </a:rPr>
-              <a:t>Bill is designated </a:t>
-            </a:r>
-            <a:r>
-              <a:rPr lang="en-US" sz="4000" b="1" dirty="0">
-                <a:solidFill>
-                  <a:srgbClr val="FF0000"/>
-                </a:solidFill>
-              </a:rPr>
-              <a:t>“settled”</a:t>
-            </a:r>
-          </a:p>
-          <a:p>
-            <a:endParaRPr lang="en-US" sz="4000" b="1" dirty="0"/>
-          </a:p>
-        </p:txBody>
-      </p:sp>
-    </p:spTree>
-    <p:extLst>
-      <p:ext uri="{BB962C8B-B14F-4D97-AF65-F5344CB8AC3E}">
-        <p14:creationId xmlns:p14="http://schemas.microsoft.com/office/powerpoint/2010/main" val="2001475889"/>
-      </p:ext>
-    </p:extLst>
-  </p:cSld>
-  <p:clrMapOvr>
-    <a:masterClrMapping/>
-  </p:clrMapOvr>
-  <p:timing>
-    <p:tnLst>
-      <p:par>
-        <p:cTn id="1" dur="indefinite" restart="never" nodeType="tmRoot"/>
-      </p:par>
-    </p:tnLst>
-  </p:timing>
-</p:sld>
-</file>
-
-<file path=ppt/slides/slide22.xml><?xml version="1.0" encoding="utf-8"?>
-<p:sld xmlns:a="http://schemas.openxmlformats.org/drawingml/2006/main" xmlns:r="http://schemas.openxmlformats.org/officeDocument/2006/relationships" xmlns:p="http://schemas.openxmlformats.org/presentationml/2006/main">
-  <p:cSld>
-    <p:spTree>
-      <p:nvGrpSpPr>
-        <p:cNvPr id="1" name=""/>
-        <p:cNvGrpSpPr/>
-        <p:nvPr/>
-      </p:nvGrpSpPr>
-      <p:grpSpPr>
-        <a:xfrm>
-          <a:off x="0" y="0"/>
-          <a:ext cx="0" cy="0"/>
-          <a:chOff x="0" y="0"/>
-          <a:chExt cx="0" cy="0"/>
-        </a:xfrm>
-      </p:grpSpPr>
-      <p:sp>
-        <p:nvSpPr>
-          <p:cNvPr id="2" name="Title 1"/>
-          <p:cNvSpPr>
-            <a:spLocks noGrp="1"/>
-          </p:cNvSpPr>
-          <p:nvPr>
-            <p:ph type="title"/>
-          </p:nvPr>
-        </p:nvSpPr>
-        <p:spPr>
-          <a:xfrm>
-            <a:off x="76200" y="-76200"/>
-            <a:ext cx="7924800" cy="1143000"/>
-          </a:xfrm>
-        </p:spPr>
-        <p:txBody>
-          <a:bodyPr>
-            <a:normAutofit/>
-          </a:bodyPr>
-          <a:lstStyle/>
-          <a:p>
-            <a:pPr algn="l"/>
-            <a:r>
-              <a:rPr lang="en-US" sz="6000" b="1" dirty="0" smtClean="0">
-                <a:solidFill>
-                  <a:srgbClr val="FF0000"/>
-                </a:solidFill>
-              </a:rPr>
-              <a:t>Main Success Scenario</a:t>
-            </a:r>
-            <a:endParaRPr lang="en-US" sz="6000" b="1" dirty="0">
-              <a:solidFill>
-                <a:srgbClr val="FF0000"/>
-              </a:solidFill>
-            </a:endParaRPr>
-          </a:p>
-        </p:txBody>
-      </p:sp>
-      <p:sp>
-        <p:nvSpPr>
-          <p:cNvPr id="3" name="Content Placeholder 2"/>
-          <p:cNvSpPr>
-            <a:spLocks noGrp="1"/>
-          </p:cNvSpPr>
-          <p:nvPr>
-            <p:ph idx="1"/>
-          </p:nvPr>
-        </p:nvSpPr>
-        <p:spPr>
-          <a:xfrm>
-            <a:off x="228600" y="914400"/>
-            <a:ext cx="8458200" cy="5486400"/>
-          </a:xfrm>
-        </p:spPr>
-        <p:txBody>
-          <a:bodyPr>
-            <a:normAutofit/>
-          </a:bodyPr>
-          <a:lstStyle/>
-          <a:p>
-            <a:r>
-              <a:rPr lang="en-US" sz="4000" b="1" dirty="0" smtClean="0">
-                <a:solidFill>
-                  <a:srgbClr val="FF0000"/>
-                </a:solidFill>
-              </a:rPr>
-              <a:t>People leave.</a:t>
-            </a:r>
-          </a:p>
-          <a:p>
-            <a:r>
-              <a:rPr lang="en-US" sz="4000" b="1" dirty="0" smtClean="0">
-                <a:solidFill>
-                  <a:srgbClr val="FF0000"/>
-                </a:solidFill>
-              </a:rPr>
-              <a:t>Table placed in bus queue</a:t>
-            </a:r>
-          </a:p>
-          <a:p>
-            <a:r>
-              <a:rPr lang="en-US" sz="4000" b="1" dirty="0" smtClean="0">
-                <a:solidFill>
-                  <a:srgbClr val="FF0000"/>
-                </a:solidFill>
-              </a:rPr>
-              <a:t>Table is cleaned, removed from bus queue, and marked as available </a:t>
-            </a:r>
-          </a:p>
-          <a:p>
-            <a:pPr marL="0" indent="0">
-              <a:buNone/>
-            </a:pPr>
-            <a:endParaRPr lang="en-US" sz="4000" b="1" dirty="0" smtClean="0"/>
-          </a:p>
-          <a:p>
-            <a:endParaRPr lang="en-US" sz="4000" b="1" dirty="0"/>
-          </a:p>
-        </p:txBody>
-      </p:sp>
-    </p:spTree>
-    <p:extLst>
-      <p:ext uri="{BB962C8B-B14F-4D97-AF65-F5344CB8AC3E}">
-        <p14:creationId xmlns:p14="http://schemas.microsoft.com/office/powerpoint/2010/main" val="2977566684"/>
-      </p:ext>
-    </p:extLst>
-  </p:cSld>
-  <p:clrMapOvr>
-    <a:masterClrMapping/>
-  </p:clrMapOvr>
-  <p:timing>
-    <p:tnLst>
-      <p:par>
-        <p:cTn id="1" dur="indefinite" restart="never" nodeType="tmRoot"/>
-      </p:par>
-    </p:tnLst>
-  </p:timing>
-</p:sld>
-</file>
-
-<file path=ppt/slides/slide23.xml><?xml version="1.0" encoding="utf-8"?>
-<p:sld xmlns:a="http://schemas.openxmlformats.org/drawingml/2006/main" xmlns:r="http://schemas.openxmlformats.org/officeDocument/2006/relationships" xmlns:p="http://schemas.openxmlformats.org/presentationml/2006/main">
-  <p:cSld>
-    <p:spTree>
-      <p:nvGrpSpPr>
-        <p:cNvPr id="1" name=""/>
-        <p:cNvGrpSpPr/>
-        <p:nvPr/>
-      </p:nvGrpSpPr>
-      <p:grpSpPr>
-        <a:xfrm>
-          <a:off x="0" y="0"/>
-          <a:ext cx="0" cy="0"/>
-          <a:chOff x="0" y="0"/>
-          <a:chExt cx="0" cy="0"/>
-        </a:xfrm>
-      </p:grpSpPr>
-      <p:graphicFrame>
-        <p:nvGraphicFramePr>
-          <p:cNvPr id="4" name="Content Placeholder 3"/>
-          <p:cNvGraphicFramePr>
-            <a:graphicFrameLocks noGrp="1"/>
-          </p:cNvGraphicFramePr>
-          <p:nvPr>
-            <p:ph idx="1"/>
-            <p:extLst>
-              <p:ext uri="{D42A27DB-BD31-4B8C-83A1-F6EECF244321}">
-                <p14:modId xmlns:p14="http://schemas.microsoft.com/office/powerpoint/2010/main" val="2978832265"/>
-              </p:ext>
-            </p:extLst>
-          </p:nvPr>
-        </p:nvGraphicFramePr>
-        <p:xfrm>
-          <a:off x="0" y="838200"/>
-          <a:ext cx="9067800" cy="5898664"/>
-        </p:xfrm>
-        <a:graphic>
-          <a:graphicData uri="http://schemas.openxmlformats.org/drawingml/2006/table">
-            <a:tbl>
-              <a:tblPr firstRow="1" firstCol="1" bandRow="1">
-                <a:tableStyleId>{5DA37D80-6434-44D0-A028-1B22A696006F}</a:tableStyleId>
-              </a:tblPr>
-              <a:tblGrid>
-                <a:gridCol w="457200"/>
-                <a:gridCol w="2209800"/>
-                <a:gridCol w="914400"/>
-                <a:gridCol w="2590800"/>
-                <a:gridCol w="1752600"/>
-                <a:gridCol w="1143000"/>
-              </a:tblGrid>
-              <a:tr h="389363">
-                <a:tc>
-                  <a:txBody>
-                    <a:bodyPr/>
-                    <a:lstStyle/>
-                    <a:p>
-                      <a:pPr marL="0" marR="0" algn="ctr">
-                        <a:lnSpc>
-                          <a:spcPct val="115000"/>
-                        </a:lnSpc>
-                        <a:spcBef>
-                          <a:spcPts val="0"/>
-                        </a:spcBef>
-                        <a:spcAft>
-                          <a:spcPts val="0"/>
-                        </a:spcAft>
-                      </a:pPr>
-                      <a:r>
-                        <a:rPr lang="en-US" sz="2400" dirty="0">
-                          <a:effectLst/>
-                        </a:rPr>
-                        <a:t>ID</a:t>
-                      </a:r>
-                      <a:endParaRPr lang="en-US" sz="3600" dirty="0">
-                        <a:effectLst/>
-                        <a:latin typeface="Calibri"/>
-                        <a:ea typeface="Calibri"/>
-                        <a:cs typeface="Times New Roman"/>
-                      </a:endParaRPr>
-                    </a:p>
-                  </a:txBody>
-                  <a:tcPr marL="68580" marR="68580" marT="0" marB="0" anchor="b"/>
-                </a:tc>
-                <a:tc>
-                  <a:txBody>
-                    <a:bodyPr/>
-                    <a:lstStyle/>
-                    <a:p>
-                      <a:pPr marL="0" marR="0" algn="ctr">
-                        <a:lnSpc>
-                          <a:spcPct val="115000"/>
-                        </a:lnSpc>
-                        <a:spcBef>
-                          <a:spcPts val="0"/>
-                        </a:spcBef>
-                        <a:spcAft>
-                          <a:spcPts val="0"/>
-                        </a:spcAft>
-                      </a:pPr>
-                      <a:r>
-                        <a:rPr lang="en-US" sz="2400" dirty="0">
-                          <a:effectLst/>
-                        </a:rPr>
-                        <a:t>Name </a:t>
-                      </a:r>
-                      <a:endParaRPr lang="en-US" sz="3600" dirty="0">
-                        <a:effectLst/>
-                        <a:latin typeface="Calibri"/>
-                        <a:ea typeface="Calibri"/>
-                        <a:cs typeface="Times New Roman"/>
-                      </a:endParaRPr>
-                    </a:p>
-                  </a:txBody>
-                  <a:tcPr marL="68580" marR="68580" marT="0" marB="0" anchor="b"/>
-                </a:tc>
-                <a:tc>
-                  <a:txBody>
-                    <a:bodyPr/>
-                    <a:lstStyle/>
-                    <a:p>
-                      <a:pPr marL="0" marR="0" algn="ctr">
-                        <a:lnSpc>
-                          <a:spcPct val="115000"/>
-                        </a:lnSpc>
-                        <a:spcBef>
-                          <a:spcPts val="0"/>
-                        </a:spcBef>
-                        <a:spcAft>
-                          <a:spcPts val="0"/>
-                        </a:spcAft>
-                      </a:pPr>
-                      <a:r>
-                        <a:rPr lang="en-US" sz="2400">
-                          <a:effectLst/>
-                        </a:rPr>
-                        <a:t>Scope</a:t>
-                      </a:r>
-                      <a:endParaRPr lang="en-US" sz="3600">
-                        <a:effectLst/>
-                        <a:latin typeface="Calibri"/>
-                        <a:ea typeface="Calibri"/>
-                        <a:cs typeface="Times New Roman"/>
-                      </a:endParaRPr>
-                    </a:p>
-                  </a:txBody>
-                  <a:tcPr marL="68580" marR="68580" marT="0" marB="0" anchor="b"/>
-                </a:tc>
-                <a:tc>
-                  <a:txBody>
-                    <a:bodyPr/>
-                    <a:lstStyle/>
-                    <a:p>
-                      <a:pPr marL="0" marR="0" algn="ctr">
-                        <a:lnSpc>
-                          <a:spcPct val="115000"/>
-                        </a:lnSpc>
-                        <a:spcBef>
-                          <a:spcPts val="0"/>
-                        </a:spcBef>
-                        <a:spcAft>
-                          <a:spcPts val="0"/>
-                        </a:spcAft>
-                      </a:pPr>
-                      <a:r>
-                        <a:rPr lang="en-US" sz="2400" dirty="0">
-                          <a:effectLst/>
-                        </a:rPr>
-                        <a:t>Primary Actor</a:t>
-                      </a:r>
-                      <a:endParaRPr lang="en-US" sz="3600" dirty="0">
-                        <a:effectLst/>
-                        <a:latin typeface="Calibri"/>
-                        <a:ea typeface="Calibri"/>
-                        <a:cs typeface="Times New Roman"/>
-                      </a:endParaRPr>
-                    </a:p>
-                  </a:txBody>
-                  <a:tcPr marL="68580" marR="68580" marT="0" marB="0" anchor="b"/>
-                </a:tc>
-                <a:tc>
-                  <a:txBody>
-                    <a:bodyPr/>
-                    <a:lstStyle/>
-                    <a:p>
-                      <a:pPr marL="0" marR="0" algn="ctr">
-                        <a:lnSpc>
-                          <a:spcPct val="115000"/>
-                        </a:lnSpc>
-                        <a:spcBef>
-                          <a:spcPts val="0"/>
-                        </a:spcBef>
-                        <a:spcAft>
-                          <a:spcPts val="0"/>
-                        </a:spcAft>
-                      </a:pPr>
-                      <a:r>
-                        <a:rPr lang="en-US" sz="2400" dirty="0" err="1" smtClean="0">
-                          <a:effectLst/>
-                        </a:rPr>
-                        <a:t>Compelxity</a:t>
-                      </a:r>
-                      <a:endParaRPr lang="en-US" sz="3600" dirty="0">
-                        <a:effectLst/>
-                        <a:latin typeface="Calibri"/>
-                        <a:ea typeface="Calibri"/>
-                        <a:cs typeface="Times New Roman"/>
-                      </a:endParaRPr>
-                    </a:p>
-                  </a:txBody>
-                  <a:tcPr marL="68580" marR="68580" marT="0" marB="0" anchor="b"/>
-                </a:tc>
-                <a:tc>
-                  <a:txBody>
-                    <a:bodyPr/>
-                    <a:lstStyle/>
-                    <a:p>
-                      <a:pPr marL="0" marR="0" algn="ctr">
-                        <a:lnSpc>
-                          <a:spcPct val="115000"/>
-                        </a:lnSpc>
-                        <a:spcBef>
-                          <a:spcPts val="0"/>
-                        </a:spcBef>
-                        <a:spcAft>
-                          <a:spcPts val="0"/>
-                        </a:spcAft>
-                      </a:pPr>
-                      <a:r>
-                        <a:rPr lang="en-US" sz="2400" dirty="0">
-                          <a:effectLst/>
-                        </a:rPr>
-                        <a:t>Priority</a:t>
-                      </a:r>
-                      <a:endParaRPr lang="en-US" sz="3600" dirty="0">
-                        <a:effectLst/>
-                        <a:latin typeface="Calibri"/>
-                        <a:ea typeface="Calibri"/>
-                        <a:cs typeface="Times New Roman"/>
-                      </a:endParaRPr>
-                    </a:p>
-                  </a:txBody>
-                  <a:tcPr marL="68580" marR="68580" marT="0" marB="0" anchor="b"/>
-                </a:tc>
-              </a:tr>
-              <a:tr h="547804">
-                <a:tc>
-                  <a:txBody>
-                    <a:bodyPr/>
-                    <a:lstStyle/>
-                    <a:p>
-                      <a:pPr marL="0" marR="0" algn="ctr">
-                        <a:lnSpc>
-                          <a:spcPct val="115000"/>
-                        </a:lnSpc>
-                        <a:spcBef>
-                          <a:spcPts val="0"/>
-                        </a:spcBef>
-                        <a:spcAft>
-                          <a:spcPts val="0"/>
-                        </a:spcAft>
-                      </a:pPr>
-                      <a:r>
-                        <a:rPr lang="en-US" sz="2400" dirty="0">
-                          <a:effectLst/>
-                        </a:rPr>
-                        <a:t>1</a:t>
-                      </a:r>
-                      <a:endParaRPr lang="en-US" sz="3600" dirty="0">
-                        <a:effectLst/>
-                        <a:latin typeface="Calibri"/>
-                        <a:ea typeface="Calibri"/>
-                        <a:cs typeface="Times New Roman"/>
-                      </a:endParaRPr>
-                    </a:p>
-                  </a:txBody>
-                  <a:tcPr marL="68580" marR="68580" marT="0" marB="0" anchor="b"/>
-                </a:tc>
-                <a:tc>
-                  <a:txBody>
-                    <a:bodyPr/>
-                    <a:lstStyle/>
-                    <a:p>
-                      <a:pPr marL="0" marR="0" algn="ctr">
-                        <a:lnSpc>
-                          <a:spcPct val="115000"/>
-                        </a:lnSpc>
-                        <a:spcBef>
-                          <a:spcPts val="0"/>
-                        </a:spcBef>
-                        <a:spcAft>
-                          <a:spcPts val="0"/>
-                        </a:spcAft>
-                      </a:pPr>
-                      <a:r>
-                        <a:rPr lang="en-US" sz="2400" dirty="0">
-                          <a:effectLst/>
-                        </a:rPr>
-                        <a:t>Menu view</a:t>
-                      </a:r>
-                      <a:endParaRPr lang="en-US" sz="3600" dirty="0">
-                        <a:effectLst/>
-                        <a:latin typeface="Calibri"/>
-                        <a:ea typeface="Calibri"/>
-                        <a:cs typeface="Times New Roman"/>
-                      </a:endParaRPr>
-                    </a:p>
-                  </a:txBody>
-                  <a:tcPr marL="68580" marR="68580" marT="0" marB="0" anchor="b"/>
-                </a:tc>
-                <a:tc>
-                  <a:txBody>
-                    <a:bodyPr/>
-                    <a:lstStyle/>
-                    <a:p>
-                      <a:pPr marL="0" marR="0" algn="ctr">
-                        <a:lnSpc>
-                          <a:spcPct val="115000"/>
-                        </a:lnSpc>
-                        <a:spcBef>
-                          <a:spcPts val="0"/>
-                        </a:spcBef>
-                        <a:spcAft>
-                          <a:spcPts val="0"/>
-                        </a:spcAft>
-                      </a:pPr>
-                      <a:r>
-                        <a:rPr lang="en-US" sz="2400">
-                          <a:effectLst/>
-                        </a:rPr>
-                        <a:t>In</a:t>
-                      </a:r>
-                      <a:endParaRPr lang="en-US" sz="3600">
-                        <a:effectLst/>
-                        <a:latin typeface="Calibri"/>
-                        <a:ea typeface="Calibri"/>
-                        <a:cs typeface="Times New Roman"/>
-                      </a:endParaRPr>
-                    </a:p>
-                  </a:txBody>
-                  <a:tcPr marL="68580" marR="68580" marT="0" marB="0" anchor="b"/>
-                </a:tc>
-                <a:tc>
-                  <a:txBody>
-                    <a:bodyPr/>
-                    <a:lstStyle/>
-                    <a:p>
-                      <a:pPr marL="0" marR="0" algn="ctr">
-                        <a:lnSpc>
-                          <a:spcPct val="115000"/>
-                        </a:lnSpc>
-                        <a:spcBef>
-                          <a:spcPts val="0"/>
-                        </a:spcBef>
-                        <a:spcAft>
-                          <a:spcPts val="0"/>
-                        </a:spcAft>
-                      </a:pPr>
-                      <a:r>
-                        <a:rPr lang="en-US" sz="2400" dirty="0">
-                          <a:effectLst/>
-                        </a:rPr>
-                        <a:t>Anyone</a:t>
-                      </a:r>
-                      <a:endParaRPr lang="en-US" sz="3600" dirty="0">
-                        <a:effectLst/>
-                        <a:latin typeface="Calibri"/>
-                        <a:ea typeface="Calibri"/>
-                        <a:cs typeface="Times New Roman"/>
-                      </a:endParaRPr>
-                    </a:p>
-                  </a:txBody>
-                  <a:tcPr marL="68580" marR="68580" marT="0" marB="0" anchor="b"/>
-                </a:tc>
-                <a:tc>
-                  <a:txBody>
-                    <a:bodyPr/>
-                    <a:lstStyle/>
-                    <a:p>
-                      <a:pPr marL="0" marR="0" algn="ctr">
-                        <a:lnSpc>
-                          <a:spcPct val="115000"/>
-                        </a:lnSpc>
-                        <a:spcBef>
-                          <a:spcPts val="0"/>
-                        </a:spcBef>
-                        <a:spcAft>
-                          <a:spcPts val="0"/>
-                        </a:spcAft>
-                      </a:pPr>
-                      <a:r>
-                        <a:rPr lang="en-US" sz="2400">
-                          <a:effectLst/>
-                        </a:rPr>
-                        <a:t>Low</a:t>
-                      </a:r>
-                      <a:endParaRPr lang="en-US" sz="3600">
-                        <a:effectLst/>
-                        <a:latin typeface="Calibri"/>
-                        <a:ea typeface="Calibri"/>
-                        <a:cs typeface="Times New Roman"/>
-                      </a:endParaRPr>
-                    </a:p>
-                  </a:txBody>
-                  <a:tcPr marL="68580" marR="68580" marT="0" marB="0" anchor="b"/>
-                </a:tc>
-                <a:tc>
-                  <a:txBody>
-                    <a:bodyPr/>
-                    <a:lstStyle/>
-                    <a:p>
-                      <a:pPr marL="0" marR="0" algn="ctr">
-                        <a:lnSpc>
-                          <a:spcPct val="115000"/>
-                        </a:lnSpc>
-                        <a:spcBef>
-                          <a:spcPts val="0"/>
-                        </a:spcBef>
-                        <a:spcAft>
-                          <a:spcPts val="0"/>
-                        </a:spcAft>
-                      </a:pPr>
-                      <a:r>
-                        <a:rPr lang="en-US" sz="2400">
-                          <a:effectLst/>
-                        </a:rPr>
-                        <a:t>1</a:t>
-                      </a:r>
-                      <a:endParaRPr lang="en-US" sz="3600">
-                        <a:effectLst/>
-                        <a:latin typeface="Calibri"/>
-                        <a:ea typeface="Calibri"/>
-                        <a:cs typeface="Times New Roman"/>
-                      </a:endParaRPr>
-                    </a:p>
-                  </a:txBody>
-                  <a:tcPr marL="68580" marR="68580" marT="0" marB="0" anchor="b"/>
-                </a:tc>
-              </a:tr>
-              <a:tr h="547804">
-                <a:tc>
-                  <a:txBody>
-                    <a:bodyPr/>
-                    <a:lstStyle/>
-                    <a:p>
-                      <a:pPr marL="0" marR="0" algn="ctr">
-                        <a:lnSpc>
-                          <a:spcPct val="115000"/>
-                        </a:lnSpc>
-                        <a:spcBef>
-                          <a:spcPts val="0"/>
-                        </a:spcBef>
-                        <a:spcAft>
-                          <a:spcPts val="0"/>
-                        </a:spcAft>
-                      </a:pPr>
-                      <a:r>
-                        <a:rPr lang="en-US" sz="2400">
-                          <a:effectLst/>
-                        </a:rPr>
-                        <a:t>2</a:t>
-                      </a:r>
-                      <a:endParaRPr lang="en-US" sz="3600">
-                        <a:effectLst/>
-                        <a:latin typeface="Calibri"/>
-                        <a:ea typeface="Calibri"/>
-                        <a:cs typeface="Times New Roman"/>
-                      </a:endParaRPr>
-                    </a:p>
-                  </a:txBody>
-                  <a:tcPr marL="68580" marR="68580" marT="0" marB="0" anchor="b"/>
-                </a:tc>
-                <a:tc>
-                  <a:txBody>
-                    <a:bodyPr/>
-                    <a:lstStyle/>
-                    <a:p>
-                      <a:pPr marL="0" marR="0" algn="ctr">
-                        <a:lnSpc>
-                          <a:spcPct val="115000"/>
-                        </a:lnSpc>
-                        <a:spcBef>
-                          <a:spcPts val="0"/>
-                        </a:spcBef>
-                        <a:spcAft>
-                          <a:spcPts val="0"/>
-                        </a:spcAft>
-                      </a:pPr>
-                      <a:r>
-                        <a:rPr lang="en-US" sz="2400" dirty="0" smtClean="0">
-                          <a:effectLst/>
-                        </a:rPr>
-                        <a:t>Place Order</a:t>
-                      </a:r>
-                      <a:endParaRPr lang="en-US" sz="3600" dirty="0">
-                        <a:effectLst/>
-                        <a:latin typeface="Calibri"/>
-                        <a:ea typeface="Calibri"/>
-                        <a:cs typeface="Times New Roman"/>
-                      </a:endParaRPr>
-                    </a:p>
-                  </a:txBody>
-                  <a:tcPr marL="68580" marR="68580" marT="0" marB="0" anchor="b"/>
-                </a:tc>
-                <a:tc>
-                  <a:txBody>
-                    <a:bodyPr/>
-                    <a:lstStyle/>
-                    <a:p>
-                      <a:pPr marL="0" marR="0" algn="ctr">
-                        <a:lnSpc>
-                          <a:spcPct val="115000"/>
-                        </a:lnSpc>
-                        <a:spcBef>
-                          <a:spcPts val="0"/>
-                        </a:spcBef>
-                        <a:spcAft>
-                          <a:spcPts val="0"/>
-                        </a:spcAft>
-                      </a:pPr>
-                      <a:r>
-                        <a:rPr lang="en-US" sz="2400">
-                          <a:effectLst/>
-                        </a:rPr>
-                        <a:t>In</a:t>
-                      </a:r>
-                      <a:endParaRPr lang="en-US" sz="3600">
-                        <a:effectLst/>
-                        <a:latin typeface="Calibri"/>
-                        <a:ea typeface="Calibri"/>
-                        <a:cs typeface="Times New Roman"/>
-                      </a:endParaRPr>
-                    </a:p>
-                  </a:txBody>
-                  <a:tcPr marL="68580" marR="68580" marT="0" marB="0" anchor="b"/>
-                </a:tc>
-                <a:tc>
-                  <a:txBody>
-                    <a:bodyPr/>
-                    <a:lstStyle/>
-                    <a:p>
-                      <a:pPr marL="0" marR="0" algn="ctr">
-                        <a:lnSpc>
-                          <a:spcPct val="115000"/>
-                        </a:lnSpc>
-                        <a:spcBef>
-                          <a:spcPts val="0"/>
-                        </a:spcBef>
-                        <a:spcAft>
-                          <a:spcPts val="0"/>
-                        </a:spcAft>
-                      </a:pPr>
-                      <a:r>
-                        <a:rPr lang="en-US" sz="2400">
-                          <a:effectLst/>
-                        </a:rPr>
-                        <a:t>Customer</a:t>
-                      </a:r>
-                      <a:endParaRPr lang="en-US" sz="3600">
-                        <a:effectLst/>
-                        <a:latin typeface="Calibri"/>
-                        <a:ea typeface="Calibri"/>
-                        <a:cs typeface="Times New Roman"/>
-                      </a:endParaRPr>
-                    </a:p>
-                  </a:txBody>
-                  <a:tcPr marL="68580" marR="68580" marT="0" marB="0" anchor="b"/>
-                </a:tc>
-                <a:tc>
-                  <a:txBody>
-                    <a:bodyPr/>
-                    <a:lstStyle/>
-                    <a:p>
-                      <a:pPr marL="0" marR="0" algn="ctr">
-                        <a:lnSpc>
-                          <a:spcPct val="115000"/>
-                        </a:lnSpc>
-                        <a:spcBef>
-                          <a:spcPts val="0"/>
-                        </a:spcBef>
-                        <a:spcAft>
-                          <a:spcPts val="0"/>
-                        </a:spcAft>
-                      </a:pPr>
-                      <a:r>
-                        <a:rPr lang="en-US" sz="2400">
-                          <a:effectLst/>
-                        </a:rPr>
-                        <a:t>Low</a:t>
-                      </a:r>
-                      <a:endParaRPr lang="en-US" sz="3600">
-                        <a:effectLst/>
-                        <a:latin typeface="Calibri"/>
-                        <a:ea typeface="Calibri"/>
-                        <a:cs typeface="Times New Roman"/>
-                      </a:endParaRPr>
-                    </a:p>
-                  </a:txBody>
-                  <a:tcPr marL="68580" marR="68580" marT="0" marB="0" anchor="b"/>
-                </a:tc>
-                <a:tc>
-                  <a:txBody>
-                    <a:bodyPr/>
-                    <a:lstStyle/>
-                    <a:p>
-                      <a:pPr marL="0" marR="0" algn="ctr">
-                        <a:lnSpc>
-                          <a:spcPct val="115000"/>
-                        </a:lnSpc>
-                        <a:spcBef>
-                          <a:spcPts val="0"/>
-                        </a:spcBef>
-                        <a:spcAft>
-                          <a:spcPts val="0"/>
-                        </a:spcAft>
-                      </a:pPr>
-                      <a:r>
-                        <a:rPr lang="en-US" sz="2400">
-                          <a:effectLst/>
-                        </a:rPr>
-                        <a:t>1</a:t>
-                      </a:r>
-                      <a:endParaRPr lang="en-US" sz="3600">
-                        <a:effectLst/>
-                        <a:latin typeface="Calibri"/>
-                        <a:ea typeface="Calibri"/>
-                        <a:cs typeface="Times New Roman"/>
-                      </a:endParaRPr>
-                    </a:p>
-                  </a:txBody>
-                  <a:tcPr marL="68580" marR="68580" marT="0" marB="0" anchor="b"/>
-                </a:tc>
-              </a:tr>
-              <a:tr h="547804">
-                <a:tc>
-                  <a:txBody>
-                    <a:bodyPr/>
-                    <a:lstStyle/>
-                    <a:p>
-                      <a:pPr marL="0" marR="0" algn="ctr">
-                        <a:lnSpc>
-                          <a:spcPct val="115000"/>
-                        </a:lnSpc>
-                        <a:spcBef>
-                          <a:spcPts val="0"/>
-                        </a:spcBef>
-                        <a:spcAft>
-                          <a:spcPts val="0"/>
-                        </a:spcAft>
-                      </a:pPr>
-                      <a:r>
-                        <a:rPr lang="en-US" sz="2400">
-                          <a:effectLst/>
-                        </a:rPr>
-                        <a:t>3</a:t>
-                      </a:r>
-                      <a:endParaRPr lang="en-US" sz="3600">
-                        <a:effectLst/>
-                        <a:latin typeface="Calibri"/>
-                        <a:ea typeface="Calibri"/>
-                        <a:cs typeface="Times New Roman"/>
-                      </a:endParaRPr>
-                    </a:p>
-                  </a:txBody>
-                  <a:tcPr marL="68580" marR="68580" marT="0" marB="0" anchor="b"/>
-                </a:tc>
-                <a:tc>
-                  <a:txBody>
-                    <a:bodyPr/>
-                    <a:lstStyle/>
-                    <a:p>
-                      <a:pPr marL="0" marR="0" algn="ctr">
-                        <a:lnSpc>
-                          <a:spcPct val="115000"/>
-                        </a:lnSpc>
-                        <a:spcBef>
-                          <a:spcPts val="0"/>
-                        </a:spcBef>
-                        <a:spcAft>
-                          <a:spcPts val="0"/>
-                        </a:spcAft>
-                      </a:pPr>
-                      <a:r>
-                        <a:rPr lang="en-US" sz="2400" dirty="0" smtClean="0">
-                          <a:effectLst/>
-                        </a:rPr>
-                        <a:t>Deliver Order</a:t>
-                      </a:r>
-                      <a:endParaRPr lang="en-US" sz="3600" dirty="0">
-                        <a:effectLst/>
-                        <a:latin typeface="Calibri"/>
-                        <a:ea typeface="Calibri"/>
-                        <a:cs typeface="Times New Roman"/>
-                      </a:endParaRPr>
-                    </a:p>
-                  </a:txBody>
-                  <a:tcPr marL="68580" marR="68580" marT="0" marB="0" anchor="b"/>
-                </a:tc>
-                <a:tc>
-                  <a:txBody>
-                    <a:bodyPr/>
-                    <a:lstStyle/>
-                    <a:p>
-                      <a:pPr marL="0" marR="0" algn="ctr">
-                        <a:lnSpc>
-                          <a:spcPct val="115000"/>
-                        </a:lnSpc>
-                        <a:spcBef>
-                          <a:spcPts val="0"/>
-                        </a:spcBef>
-                        <a:spcAft>
-                          <a:spcPts val="0"/>
-                        </a:spcAft>
-                      </a:pPr>
-                      <a:r>
-                        <a:rPr lang="en-US" sz="2400" dirty="0">
-                          <a:effectLst/>
-                        </a:rPr>
-                        <a:t>In</a:t>
-                      </a:r>
-                      <a:endParaRPr lang="en-US" sz="3600" dirty="0">
-                        <a:effectLst/>
-                        <a:latin typeface="Calibri"/>
-                        <a:ea typeface="Calibri"/>
-                        <a:cs typeface="Times New Roman"/>
-                      </a:endParaRPr>
-                    </a:p>
-                  </a:txBody>
-                  <a:tcPr marL="68580" marR="68580" marT="0" marB="0" anchor="b"/>
-                </a:tc>
-                <a:tc>
-                  <a:txBody>
-                    <a:bodyPr/>
-                    <a:lstStyle/>
-                    <a:p>
-                      <a:pPr marL="0" marR="0" algn="ctr">
-                        <a:lnSpc>
-                          <a:spcPct val="115000"/>
-                        </a:lnSpc>
-                        <a:spcBef>
-                          <a:spcPts val="0"/>
-                        </a:spcBef>
-                        <a:spcAft>
-                          <a:spcPts val="0"/>
-                        </a:spcAft>
-                      </a:pPr>
-                      <a:r>
-                        <a:rPr lang="en-US" sz="2400">
-                          <a:effectLst/>
-                        </a:rPr>
-                        <a:t>Waiter</a:t>
-                      </a:r>
-                      <a:endParaRPr lang="en-US" sz="3600">
-                        <a:effectLst/>
-                        <a:latin typeface="Calibri"/>
-                        <a:ea typeface="Calibri"/>
-                        <a:cs typeface="Times New Roman"/>
-                      </a:endParaRPr>
-                    </a:p>
-                  </a:txBody>
-                  <a:tcPr marL="68580" marR="68580" marT="0" marB="0" anchor="b"/>
-                </a:tc>
-                <a:tc>
-                  <a:txBody>
-                    <a:bodyPr/>
-                    <a:lstStyle/>
-                    <a:p>
-                      <a:pPr marL="0" marR="0" algn="ctr">
-                        <a:lnSpc>
-                          <a:spcPct val="115000"/>
-                        </a:lnSpc>
-                        <a:spcBef>
-                          <a:spcPts val="0"/>
-                        </a:spcBef>
-                        <a:spcAft>
-                          <a:spcPts val="0"/>
-                        </a:spcAft>
-                      </a:pPr>
-                      <a:r>
-                        <a:rPr lang="en-US" sz="2400">
-                          <a:effectLst/>
-                        </a:rPr>
-                        <a:t>Low</a:t>
-                      </a:r>
-                      <a:endParaRPr lang="en-US" sz="3600">
-                        <a:effectLst/>
-                        <a:latin typeface="Calibri"/>
-                        <a:ea typeface="Calibri"/>
-                        <a:cs typeface="Times New Roman"/>
-                      </a:endParaRPr>
-                    </a:p>
-                  </a:txBody>
-                  <a:tcPr marL="68580" marR="68580" marT="0" marB="0" anchor="b"/>
-                </a:tc>
-                <a:tc>
-                  <a:txBody>
-                    <a:bodyPr/>
-                    <a:lstStyle/>
-                    <a:p>
-                      <a:pPr marL="0" marR="0" algn="ctr">
-                        <a:lnSpc>
-                          <a:spcPct val="115000"/>
-                        </a:lnSpc>
-                        <a:spcBef>
-                          <a:spcPts val="0"/>
-                        </a:spcBef>
-                        <a:spcAft>
-                          <a:spcPts val="0"/>
-                        </a:spcAft>
-                      </a:pPr>
-                      <a:r>
-                        <a:rPr lang="en-US" sz="2400">
-                          <a:effectLst/>
-                        </a:rPr>
-                        <a:t>1</a:t>
-                      </a:r>
-                      <a:endParaRPr lang="en-US" sz="3600">
-                        <a:effectLst/>
-                        <a:latin typeface="Calibri"/>
-                        <a:ea typeface="Calibri"/>
-                        <a:cs typeface="Times New Roman"/>
-                      </a:endParaRPr>
-                    </a:p>
-                  </a:txBody>
-                  <a:tcPr marL="68580" marR="68580" marT="0" marB="0" anchor="b"/>
-                </a:tc>
-              </a:tr>
-              <a:tr h="547804">
-                <a:tc>
-                  <a:txBody>
-                    <a:bodyPr/>
-                    <a:lstStyle/>
-                    <a:p>
-                      <a:pPr marL="0" marR="0" algn="ctr">
-                        <a:lnSpc>
-                          <a:spcPct val="115000"/>
-                        </a:lnSpc>
-                        <a:spcBef>
-                          <a:spcPts val="0"/>
-                        </a:spcBef>
-                        <a:spcAft>
-                          <a:spcPts val="0"/>
-                        </a:spcAft>
-                      </a:pPr>
-                      <a:r>
-                        <a:rPr lang="en-US" sz="2400">
-                          <a:effectLst/>
-                        </a:rPr>
-                        <a:t>4</a:t>
-                      </a:r>
-                      <a:endParaRPr lang="en-US" sz="3600">
-                        <a:effectLst/>
-                        <a:latin typeface="Calibri"/>
-                        <a:ea typeface="Calibri"/>
-                        <a:cs typeface="Times New Roman"/>
-                      </a:endParaRPr>
-                    </a:p>
-                  </a:txBody>
-                  <a:tcPr marL="68580" marR="68580" marT="0" marB="0" anchor="b"/>
-                </a:tc>
-                <a:tc>
-                  <a:txBody>
-                    <a:bodyPr/>
-                    <a:lstStyle/>
-                    <a:p>
-                      <a:pPr marL="0" marR="0" algn="ctr">
-                        <a:lnSpc>
-                          <a:spcPct val="115000"/>
-                        </a:lnSpc>
-                        <a:spcBef>
-                          <a:spcPts val="0"/>
-                        </a:spcBef>
-                        <a:spcAft>
-                          <a:spcPts val="0"/>
-                        </a:spcAft>
-                      </a:pPr>
-                      <a:r>
-                        <a:rPr lang="en-US" sz="2400" dirty="0">
-                          <a:effectLst/>
-                        </a:rPr>
-                        <a:t>Order review</a:t>
-                      </a:r>
-                      <a:endParaRPr lang="en-US" sz="3600" dirty="0">
-                        <a:effectLst/>
-                        <a:latin typeface="Calibri"/>
-                        <a:ea typeface="Calibri"/>
-                        <a:cs typeface="Times New Roman"/>
-                      </a:endParaRPr>
-                    </a:p>
-                  </a:txBody>
-                  <a:tcPr marL="68580" marR="68580" marT="0" marB="0" anchor="b"/>
-                </a:tc>
-                <a:tc>
-                  <a:txBody>
-                    <a:bodyPr/>
-                    <a:lstStyle/>
-                    <a:p>
-                      <a:pPr marL="0" marR="0" algn="ctr">
-                        <a:lnSpc>
-                          <a:spcPct val="115000"/>
-                        </a:lnSpc>
-                        <a:spcBef>
-                          <a:spcPts val="0"/>
-                        </a:spcBef>
-                        <a:spcAft>
-                          <a:spcPts val="0"/>
-                        </a:spcAft>
-                      </a:pPr>
-                      <a:r>
-                        <a:rPr lang="en-US" sz="2400" dirty="0">
-                          <a:effectLst/>
-                        </a:rPr>
-                        <a:t>In</a:t>
-                      </a:r>
-                      <a:endParaRPr lang="en-US" sz="3600" dirty="0">
-                        <a:effectLst/>
-                        <a:latin typeface="Calibri"/>
-                        <a:ea typeface="Calibri"/>
-                        <a:cs typeface="Times New Roman"/>
-                      </a:endParaRPr>
-                    </a:p>
-                  </a:txBody>
-                  <a:tcPr marL="68580" marR="68580" marT="0" marB="0" anchor="b"/>
-                </a:tc>
-                <a:tc>
-                  <a:txBody>
-                    <a:bodyPr/>
-                    <a:lstStyle/>
-                    <a:p>
-                      <a:pPr marL="0" marR="0" algn="ctr">
-                        <a:lnSpc>
-                          <a:spcPct val="115000"/>
-                        </a:lnSpc>
-                        <a:spcBef>
-                          <a:spcPts val="0"/>
-                        </a:spcBef>
-                        <a:spcAft>
-                          <a:spcPts val="0"/>
-                        </a:spcAft>
-                      </a:pPr>
-                      <a:r>
-                        <a:rPr lang="en-US" sz="2400" dirty="0" smtClean="0">
-                          <a:effectLst/>
-                        </a:rPr>
-                        <a:t>Waiter/customer</a:t>
-                      </a:r>
-                      <a:endParaRPr lang="en-US" sz="3600" dirty="0">
-                        <a:effectLst/>
-                        <a:latin typeface="Calibri"/>
-                        <a:ea typeface="Calibri"/>
-                        <a:cs typeface="Times New Roman"/>
-                      </a:endParaRPr>
-                    </a:p>
-                  </a:txBody>
-                  <a:tcPr marL="68580" marR="68580" marT="0" marB="0" anchor="b"/>
-                </a:tc>
-                <a:tc>
-                  <a:txBody>
-                    <a:bodyPr/>
-                    <a:lstStyle/>
-                    <a:p>
-                      <a:pPr marL="0" marR="0" algn="ctr">
-                        <a:lnSpc>
-                          <a:spcPct val="115000"/>
-                        </a:lnSpc>
-                        <a:spcBef>
-                          <a:spcPts val="0"/>
-                        </a:spcBef>
-                        <a:spcAft>
-                          <a:spcPts val="0"/>
-                        </a:spcAft>
-                      </a:pPr>
-                      <a:r>
-                        <a:rPr lang="en-US" sz="2400">
-                          <a:effectLst/>
-                        </a:rPr>
-                        <a:t>Low</a:t>
-                      </a:r>
-                      <a:endParaRPr lang="en-US" sz="3600">
-                        <a:effectLst/>
-                        <a:latin typeface="Calibri"/>
-                        <a:ea typeface="Calibri"/>
-                        <a:cs typeface="Times New Roman"/>
-                      </a:endParaRPr>
-                    </a:p>
-                  </a:txBody>
-                  <a:tcPr marL="68580" marR="68580" marT="0" marB="0" anchor="b"/>
-                </a:tc>
-                <a:tc>
-                  <a:txBody>
-                    <a:bodyPr/>
-                    <a:lstStyle/>
-                    <a:p>
-                      <a:pPr marL="0" marR="0" algn="ctr">
-                        <a:lnSpc>
-                          <a:spcPct val="115000"/>
-                        </a:lnSpc>
-                        <a:spcBef>
-                          <a:spcPts val="0"/>
-                        </a:spcBef>
-                        <a:spcAft>
-                          <a:spcPts val="0"/>
-                        </a:spcAft>
-                      </a:pPr>
-                      <a:r>
-                        <a:rPr lang="en-US" sz="2400">
-                          <a:effectLst/>
-                        </a:rPr>
-                        <a:t>1</a:t>
-                      </a:r>
-                      <a:endParaRPr lang="en-US" sz="3600">
-                        <a:effectLst/>
-                        <a:latin typeface="Calibri"/>
-                        <a:ea typeface="Calibri"/>
-                        <a:cs typeface="Times New Roman"/>
-                      </a:endParaRPr>
-                    </a:p>
-                  </a:txBody>
-                  <a:tcPr marL="68580" marR="68580" marT="0" marB="0" anchor="b"/>
-                </a:tc>
-              </a:tr>
-              <a:tr h="547804">
-                <a:tc>
-                  <a:txBody>
-                    <a:bodyPr/>
-                    <a:lstStyle/>
-                    <a:p>
-                      <a:pPr marL="0" marR="0" algn="ctr">
-                        <a:lnSpc>
-                          <a:spcPct val="115000"/>
-                        </a:lnSpc>
-                        <a:spcBef>
-                          <a:spcPts val="0"/>
-                        </a:spcBef>
-                        <a:spcAft>
-                          <a:spcPts val="0"/>
-                        </a:spcAft>
-                      </a:pPr>
-                      <a:r>
-                        <a:rPr lang="en-US" sz="2400">
-                          <a:effectLst/>
-                        </a:rPr>
-                        <a:t>5</a:t>
-                      </a:r>
-                      <a:endParaRPr lang="en-US" sz="3600">
-                        <a:effectLst/>
-                        <a:latin typeface="Calibri"/>
-                        <a:ea typeface="Calibri"/>
-                        <a:cs typeface="Times New Roman"/>
-                      </a:endParaRPr>
-                    </a:p>
-                  </a:txBody>
-                  <a:tcPr marL="68580" marR="68580" marT="0" marB="0" anchor="b"/>
-                </a:tc>
-                <a:tc>
-                  <a:txBody>
-                    <a:bodyPr/>
-                    <a:lstStyle/>
-                    <a:p>
-                      <a:pPr marL="0" marR="0" algn="ctr">
-                        <a:lnSpc>
-                          <a:spcPct val="115000"/>
-                        </a:lnSpc>
-                        <a:spcBef>
-                          <a:spcPts val="0"/>
-                        </a:spcBef>
-                        <a:spcAft>
-                          <a:spcPts val="0"/>
-                        </a:spcAft>
-                      </a:pPr>
-                      <a:r>
-                        <a:rPr lang="en-US" sz="2400" dirty="0" smtClean="0">
-                          <a:effectLst/>
-                        </a:rPr>
-                        <a:t>Manage Table</a:t>
-                      </a:r>
-                      <a:endParaRPr lang="en-US" sz="3600" dirty="0">
-                        <a:effectLst/>
-                        <a:latin typeface="Calibri"/>
-                        <a:ea typeface="Calibri"/>
-                        <a:cs typeface="Times New Roman"/>
-                      </a:endParaRPr>
-                    </a:p>
-                  </a:txBody>
-                  <a:tcPr marL="68580" marR="68580" marT="0" marB="0" anchor="b"/>
-                </a:tc>
-                <a:tc>
-                  <a:txBody>
-                    <a:bodyPr/>
-                    <a:lstStyle/>
-                    <a:p>
-                      <a:pPr marL="0" marR="0" algn="ctr">
-                        <a:lnSpc>
-                          <a:spcPct val="115000"/>
-                        </a:lnSpc>
-                        <a:spcBef>
-                          <a:spcPts val="0"/>
-                        </a:spcBef>
-                        <a:spcAft>
-                          <a:spcPts val="0"/>
-                        </a:spcAft>
-                      </a:pPr>
-                      <a:r>
-                        <a:rPr lang="en-US" sz="2400" dirty="0">
-                          <a:effectLst/>
-                        </a:rPr>
-                        <a:t>In</a:t>
-                      </a:r>
-                      <a:endParaRPr lang="en-US" sz="3600" dirty="0">
-                        <a:effectLst/>
-                        <a:latin typeface="Calibri"/>
-                        <a:ea typeface="Calibri"/>
-                        <a:cs typeface="Times New Roman"/>
-                      </a:endParaRPr>
-                    </a:p>
-                  </a:txBody>
-                  <a:tcPr marL="68580" marR="68580" marT="0" marB="0" anchor="b"/>
-                </a:tc>
-                <a:tc>
-                  <a:txBody>
-                    <a:bodyPr/>
-                    <a:lstStyle/>
-                    <a:p>
-                      <a:pPr marL="0" marR="0" algn="ctr">
-                        <a:lnSpc>
-                          <a:spcPct val="115000"/>
-                        </a:lnSpc>
-                        <a:spcBef>
-                          <a:spcPts val="0"/>
-                        </a:spcBef>
-                        <a:spcAft>
-                          <a:spcPts val="0"/>
-                        </a:spcAft>
-                      </a:pPr>
-                      <a:r>
-                        <a:rPr lang="en-US" sz="2400" dirty="0">
-                          <a:effectLst/>
-                        </a:rPr>
-                        <a:t>Waiter</a:t>
-                      </a:r>
-                      <a:endParaRPr lang="en-US" sz="3600" dirty="0">
-                        <a:effectLst/>
-                        <a:latin typeface="Calibri"/>
-                        <a:ea typeface="Calibri"/>
-                        <a:cs typeface="Times New Roman"/>
-                      </a:endParaRPr>
-                    </a:p>
-                  </a:txBody>
-                  <a:tcPr marL="68580" marR="68580" marT="0" marB="0" anchor="b"/>
-                </a:tc>
-                <a:tc>
-                  <a:txBody>
-                    <a:bodyPr/>
-                    <a:lstStyle/>
-                    <a:p>
-                      <a:pPr marL="0" marR="0" algn="ctr">
-                        <a:lnSpc>
-                          <a:spcPct val="115000"/>
-                        </a:lnSpc>
-                        <a:spcBef>
-                          <a:spcPts val="0"/>
-                        </a:spcBef>
-                        <a:spcAft>
-                          <a:spcPts val="0"/>
-                        </a:spcAft>
-                      </a:pPr>
-                      <a:r>
-                        <a:rPr lang="en-US" sz="2400">
-                          <a:effectLst/>
-                        </a:rPr>
-                        <a:t>High</a:t>
-                      </a:r>
-                      <a:endParaRPr lang="en-US" sz="3600">
-                        <a:effectLst/>
-                        <a:latin typeface="Calibri"/>
-                        <a:ea typeface="Calibri"/>
-                        <a:cs typeface="Times New Roman"/>
-                      </a:endParaRPr>
-                    </a:p>
-                  </a:txBody>
-                  <a:tcPr marL="68580" marR="68580" marT="0" marB="0" anchor="b"/>
-                </a:tc>
-                <a:tc>
-                  <a:txBody>
-                    <a:bodyPr/>
-                    <a:lstStyle/>
-                    <a:p>
-                      <a:pPr marL="0" marR="0" algn="ctr">
-                        <a:lnSpc>
-                          <a:spcPct val="115000"/>
-                        </a:lnSpc>
-                        <a:spcBef>
-                          <a:spcPts val="0"/>
-                        </a:spcBef>
-                        <a:spcAft>
-                          <a:spcPts val="0"/>
-                        </a:spcAft>
-                      </a:pPr>
-                      <a:r>
-                        <a:rPr lang="en-US" sz="2400">
-                          <a:effectLst/>
-                        </a:rPr>
-                        <a:t>2</a:t>
-                      </a:r>
-                      <a:endParaRPr lang="en-US" sz="3600">
-                        <a:effectLst/>
-                        <a:latin typeface="Calibri"/>
-                        <a:ea typeface="Calibri"/>
-                        <a:cs typeface="Times New Roman"/>
-                      </a:endParaRPr>
-                    </a:p>
-                  </a:txBody>
-                  <a:tcPr marL="68580" marR="68580" marT="0" marB="0" anchor="b"/>
-                </a:tc>
-              </a:tr>
-              <a:tr h="547804">
-                <a:tc>
-                  <a:txBody>
-                    <a:bodyPr/>
-                    <a:lstStyle/>
-                    <a:p>
-                      <a:pPr marL="0" marR="0" algn="ctr">
-                        <a:lnSpc>
-                          <a:spcPct val="115000"/>
-                        </a:lnSpc>
-                        <a:spcBef>
-                          <a:spcPts val="0"/>
-                        </a:spcBef>
-                        <a:spcAft>
-                          <a:spcPts val="0"/>
-                        </a:spcAft>
-                      </a:pPr>
-                      <a:r>
-                        <a:rPr lang="en-US" sz="2400">
-                          <a:effectLst/>
-                        </a:rPr>
-                        <a:t>6</a:t>
-                      </a:r>
-                      <a:endParaRPr lang="en-US" sz="3600">
-                        <a:effectLst/>
-                        <a:latin typeface="Calibri"/>
-                        <a:ea typeface="Calibri"/>
-                        <a:cs typeface="Times New Roman"/>
-                      </a:endParaRPr>
-                    </a:p>
-                  </a:txBody>
-                  <a:tcPr marL="68580" marR="68580" marT="0" marB="0" anchor="b"/>
-                </a:tc>
-                <a:tc>
-                  <a:txBody>
-                    <a:bodyPr/>
-                    <a:lstStyle/>
-                    <a:p>
-                      <a:pPr marL="0" marR="0" algn="ctr">
-                        <a:lnSpc>
-                          <a:spcPct val="115000"/>
-                        </a:lnSpc>
-                        <a:spcBef>
-                          <a:spcPts val="0"/>
-                        </a:spcBef>
-                        <a:spcAft>
-                          <a:spcPts val="0"/>
-                        </a:spcAft>
-                      </a:pPr>
-                      <a:r>
-                        <a:rPr lang="en-US" sz="2400">
-                          <a:effectLst/>
-                        </a:rPr>
-                        <a:t>Order check off</a:t>
-                      </a:r>
-                      <a:endParaRPr lang="en-US" sz="3600">
-                        <a:effectLst/>
-                        <a:latin typeface="Calibri"/>
-                        <a:ea typeface="Calibri"/>
-                        <a:cs typeface="Times New Roman"/>
-                      </a:endParaRPr>
-                    </a:p>
-                  </a:txBody>
-                  <a:tcPr marL="68580" marR="68580" marT="0" marB="0" anchor="b"/>
-                </a:tc>
-                <a:tc>
-                  <a:txBody>
-                    <a:bodyPr/>
-                    <a:lstStyle/>
-                    <a:p>
-                      <a:pPr marL="0" marR="0" algn="ctr">
-                        <a:lnSpc>
-                          <a:spcPct val="115000"/>
-                        </a:lnSpc>
-                        <a:spcBef>
-                          <a:spcPts val="0"/>
-                        </a:spcBef>
-                        <a:spcAft>
-                          <a:spcPts val="0"/>
-                        </a:spcAft>
-                      </a:pPr>
-                      <a:r>
-                        <a:rPr lang="en-US" sz="2400" dirty="0">
-                          <a:effectLst/>
-                        </a:rPr>
-                        <a:t>In</a:t>
-                      </a:r>
-                      <a:endParaRPr lang="en-US" sz="3600" dirty="0">
-                        <a:effectLst/>
-                        <a:latin typeface="Calibri"/>
-                        <a:ea typeface="Calibri"/>
-                        <a:cs typeface="Times New Roman"/>
-                      </a:endParaRPr>
-                    </a:p>
-                  </a:txBody>
-                  <a:tcPr marL="68580" marR="68580" marT="0" marB="0" anchor="b"/>
-                </a:tc>
-                <a:tc>
-                  <a:txBody>
-                    <a:bodyPr/>
-                    <a:lstStyle/>
-                    <a:p>
-                      <a:pPr marL="0" marR="0" algn="ctr">
-                        <a:lnSpc>
-                          <a:spcPct val="115000"/>
-                        </a:lnSpc>
-                        <a:spcBef>
-                          <a:spcPts val="0"/>
-                        </a:spcBef>
-                        <a:spcAft>
-                          <a:spcPts val="0"/>
-                        </a:spcAft>
-                      </a:pPr>
-                      <a:r>
-                        <a:rPr lang="en-US" sz="2400" dirty="0">
-                          <a:effectLst/>
-                        </a:rPr>
-                        <a:t>Kitchen staff</a:t>
-                      </a:r>
-                      <a:endParaRPr lang="en-US" sz="3600" dirty="0">
-                        <a:effectLst/>
-                        <a:latin typeface="Calibri"/>
-                        <a:ea typeface="Calibri"/>
-                        <a:cs typeface="Times New Roman"/>
-                      </a:endParaRPr>
-                    </a:p>
-                  </a:txBody>
-                  <a:tcPr marL="68580" marR="68580" marT="0" marB="0" anchor="b"/>
-                </a:tc>
-                <a:tc>
-                  <a:txBody>
-                    <a:bodyPr/>
-                    <a:lstStyle/>
-                    <a:p>
-                      <a:pPr marL="0" marR="0" algn="ctr">
-                        <a:lnSpc>
-                          <a:spcPct val="115000"/>
-                        </a:lnSpc>
-                        <a:spcBef>
-                          <a:spcPts val="0"/>
-                        </a:spcBef>
-                        <a:spcAft>
-                          <a:spcPts val="0"/>
-                        </a:spcAft>
-                      </a:pPr>
-                      <a:r>
-                        <a:rPr lang="en-US" sz="2400" dirty="0" smtClean="0">
-                          <a:effectLst/>
-                        </a:rPr>
-                        <a:t>Med</a:t>
-                      </a:r>
-                      <a:endParaRPr lang="en-US" sz="3600" dirty="0">
-                        <a:effectLst/>
-                        <a:latin typeface="Calibri"/>
-                        <a:ea typeface="Calibri"/>
-                        <a:cs typeface="Times New Roman"/>
-                      </a:endParaRPr>
-                    </a:p>
-                  </a:txBody>
-                  <a:tcPr marL="68580" marR="68580" marT="0" marB="0" anchor="b"/>
-                </a:tc>
-                <a:tc>
-                  <a:txBody>
-                    <a:bodyPr/>
-                    <a:lstStyle/>
-                    <a:p>
-                      <a:pPr marL="0" marR="0" algn="ctr">
-                        <a:lnSpc>
-                          <a:spcPct val="115000"/>
-                        </a:lnSpc>
-                        <a:spcBef>
-                          <a:spcPts val="0"/>
-                        </a:spcBef>
-                        <a:spcAft>
-                          <a:spcPts val="0"/>
-                        </a:spcAft>
-                      </a:pPr>
-                      <a:r>
-                        <a:rPr lang="en-US" sz="2400">
-                          <a:effectLst/>
-                        </a:rPr>
-                        <a:t>1</a:t>
-                      </a:r>
-                      <a:endParaRPr lang="en-US" sz="3600">
-                        <a:effectLst/>
-                        <a:latin typeface="Calibri"/>
-                        <a:ea typeface="Calibri"/>
-                        <a:cs typeface="Times New Roman"/>
-                      </a:endParaRPr>
-                    </a:p>
-                  </a:txBody>
-                  <a:tcPr marL="68580" marR="68580" marT="0" marB="0" anchor="b"/>
-                </a:tc>
-              </a:tr>
-              <a:tr h="547804">
-                <a:tc>
-                  <a:txBody>
-                    <a:bodyPr/>
-                    <a:lstStyle/>
-                    <a:p>
-                      <a:pPr marL="0" marR="0" algn="ctr">
-                        <a:lnSpc>
-                          <a:spcPct val="115000"/>
-                        </a:lnSpc>
-                        <a:spcBef>
-                          <a:spcPts val="0"/>
-                        </a:spcBef>
-                        <a:spcAft>
-                          <a:spcPts val="0"/>
-                        </a:spcAft>
-                      </a:pPr>
-                      <a:r>
-                        <a:rPr lang="en-US" sz="2400">
-                          <a:effectLst/>
-                        </a:rPr>
-                        <a:t>7</a:t>
-                      </a:r>
-                      <a:endParaRPr lang="en-US" sz="3600">
-                        <a:effectLst/>
-                        <a:latin typeface="Calibri"/>
-                        <a:ea typeface="Calibri"/>
-                        <a:cs typeface="Times New Roman"/>
-                      </a:endParaRPr>
-                    </a:p>
-                  </a:txBody>
-                  <a:tcPr marL="68580" marR="68580" marT="0" marB="0" anchor="b"/>
-                </a:tc>
-                <a:tc>
-                  <a:txBody>
-                    <a:bodyPr/>
-                    <a:lstStyle/>
-                    <a:p>
-                      <a:pPr marL="0" marR="0" algn="ctr">
-                        <a:lnSpc>
-                          <a:spcPct val="115000"/>
-                        </a:lnSpc>
-                        <a:spcBef>
-                          <a:spcPts val="0"/>
-                        </a:spcBef>
-                        <a:spcAft>
-                          <a:spcPts val="0"/>
-                        </a:spcAft>
-                      </a:pPr>
-                      <a:r>
-                        <a:rPr lang="en-US" sz="2400">
-                          <a:effectLst/>
-                        </a:rPr>
-                        <a:t>Reservation</a:t>
-                      </a:r>
-                      <a:endParaRPr lang="en-US" sz="3600">
-                        <a:effectLst/>
-                        <a:latin typeface="Calibri"/>
-                        <a:ea typeface="Calibri"/>
-                        <a:cs typeface="Times New Roman"/>
-                      </a:endParaRPr>
-                    </a:p>
-                  </a:txBody>
-                  <a:tcPr marL="68580" marR="68580" marT="0" marB="0" anchor="b"/>
-                </a:tc>
-                <a:tc>
-                  <a:txBody>
-                    <a:bodyPr/>
-                    <a:lstStyle/>
-                    <a:p>
-                      <a:pPr marL="0" marR="0" algn="ctr">
-                        <a:lnSpc>
-                          <a:spcPct val="115000"/>
-                        </a:lnSpc>
-                        <a:spcBef>
-                          <a:spcPts val="0"/>
-                        </a:spcBef>
-                        <a:spcAft>
-                          <a:spcPts val="0"/>
-                        </a:spcAft>
-                      </a:pPr>
-                      <a:r>
-                        <a:rPr lang="en-US" sz="2400">
-                          <a:effectLst/>
-                        </a:rPr>
-                        <a:t>In</a:t>
-                      </a:r>
-                      <a:endParaRPr lang="en-US" sz="3600">
-                        <a:effectLst/>
-                        <a:latin typeface="Calibri"/>
-                        <a:ea typeface="Calibri"/>
-                        <a:cs typeface="Times New Roman"/>
-                      </a:endParaRPr>
-                    </a:p>
-                  </a:txBody>
-                  <a:tcPr marL="68580" marR="68580" marT="0" marB="0" anchor="b"/>
-                </a:tc>
-                <a:tc>
-                  <a:txBody>
-                    <a:bodyPr/>
-                    <a:lstStyle/>
-                    <a:p>
-                      <a:pPr marL="0" marR="0" algn="ctr">
-                        <a:lnSpc>
-                          <a:spcPct val="115000"/>
-                        </a:lnSpc>
-                        <a:spcBef>
-                          <a:spcPts val="0"/>
-                        </a:spcBef>
-                        <a:spcAft>
-                          <a:spcPts val="0"/>
-                        </a:spcAft>
-                      </a:pPr>
-                      <a:r>
-                        <a:rPr lang="en-US" sz="2400" dirty="0">
-                          <a:effectLst/>
-                        </a:rPr>
-                        <a:t>Customer</a:t>
-                      </a:r>
-                      <a:endParaRPr lang="en-US" sz="3600" dirty="0">
-                        <a:effectLst/>
-                        <a:latin typeface="Calibri"/>
-                        <a:ea typeface="Calibri"/>
-                        <a:cs typeface="Times New Roman"/>
-                      </a:endParaRPr>
-                    </a:p>
-                  </a:txBody>
-                  <a:tcPr marL="68580" marR="68580" marT="0" marB="0" anchor="b"/>
-                </a:tc>
-                <a:tc>
-                  <a:txBody>
-                    <a:bodyPr/>
-                    <a:lstStyle/>
-                    <a:p>
-                      <a:pPr marL="0" marR="0" algn="ctr">
-                        <a:lnSpc>
-                          <a:spcPct val="115000"/>
-                        </a:lnSpc>
-                        <a:spcBef>
-                          <a:spcPts val="0"/>
-                        </a:spcBef>
-                        <a:spcAft>
-                          <a:spcPts val="0"/>
-                        </a:spcAft>
-                      </a:pPr>
-                      <a:r>
-                        <a:rPr lang="en-US" sz="2400" dirty="0" smtClean="0">
-                          <a:effectLst/>
-                        </a:rPr>
-                        <a:t>Med</a:t>
-                      </a:r>
-                      <a:endParaRPr lang="en-US" sz="3600" dirty="0">
-                        <a:effectLst/>
-                        <a:latin typeface="Calibri"/>
-                        <a:ea typeface="Calibri"/>
-                        <a:cs typeface="Times New Roman"/>
-                      </a:endParaRPr>
-                    </a:p>
-                  </a:txBody>
-                  <a:tcPr marL="68580" marR="68580" marT="0" marB="0" anchor="b"/>
-                </a:tc>
-                <a:tc>
-                  <a:txBody>
-                    <a:bodyPr/>
-                    <a:lstStyle/>
-                    <a:p>
-                      <a:pPr marL="0" marR="0" algn="ctr">
-                        <a:lnSpc>
-                          <a:spcPct val="115000"/>
-                        </a:lnSpc>
-                        <a:spcBef>
-                          <a:spcPts val="0"/>
-                        </a:spcBef>
-                        <a:spcAft>
-                          <a:spcPts val="0"/>
-                        </a:spcAft>
-                      </a:pPr>
-                      <a:r>
-                        <a:rPr lang="en-US" sz="2400">
-                          <a:effectLst/>
-                        </a:rPr>
-                        <a:t>2</a:t>
-                      </a:r>
-                      <a:endParaRPr lang="en-US" sz="3600">
-                        <a:effectLst/>
-                        <a:latin typeface="Calibri"/>
-                        <a:ea typeface="Calibri"/>
-                        <a:cs typeface="Times New Roman"/>
-                      </a:endParaRPr>
-                    </a:p>
-                  </a:txBody>
-                  <a:tcPr marL="68580" marR="68580" marT="0" marB="0" anchor="b"/>
-                </a:tc>
-              </a:tr>
-              <a:tr h="547804">
-                <a:tc>
-                  <a:txBody>
-                    <a:bodyPr/>
-                    <a:lstStyle/>
-                    <a:p>
-                      <a:pPr marL="0" marR="0" algn="ctr">
-                        <a:lnSpc>
-                          <a:spcPct val="115000"/>
-                        </a:lnSpc>
-                        <a:spcBef>
-                          <a:spcPts val="0"/>
-                        </a:spcBef>
-                        <a:spcAft>
-                          <a:spcPts val="0"/>
-                        </a:spcAft>
-                      </a:pPr>
-                      <a:r>
-                        <a:rPr lang="en-US" sz="2400">
-                          <a:effectLst/>
-                        </a:rPr>
-                        <a:t>8</a:t>
-                      </a:r>
-                      <a:endParaRPr lang="en-US" sz="3600">
-                        <a:effectLst/>
-                        <a:latin typeface="Calibri"/>
-                        <a:ea typeface="Calibri"/>
-                        <a:cs typeface="Times New Roman"/>
-                      </a:endParaRPr>
-                    </a:p>
-                  </a:txBody>
-                  <a:tcPr marL="68580" marR="68580" marT="0" marB="0" anchor="b"/>
-                </a:tc>
-                <a:tc>
-                  <a:txBody>
-                    <a:bodyPr/>
-                    <a:lstStyle/>
-                    <a:p>
-                      <a:pPr marL="0" marR="0" algn="ctr">
-                        <a:lnSpc>
-                          <a:spcPct val="115000"/>
-                        </a:lnSpc>
-                        <a:spcBef>
-                          <a:spcPts val="0"/>
-                        </a:spcBef>
-                        <a:spcAft>
-                          <a:spcPts val="0"/>
-                        </a:spcAft>
-                      </a:pPr>
-                      <a:r>
-                        <a:rPr lang="en-US" sz="2400">
-                          <a:effectLst/>
-                        </a:rPr>
-                        <a:t>Item's metadata</a:t>
-                      </a:r>
-                      <a:endParaRPr lang="en-US" sz="3600">
-                        <a:effectLst/>
-                        <a:latin typeface="Calibri"/>
-                        <a:ea typeface="Calibri"/>
-                        <a:cs typeface="Times New Roman"/>
-                      </a:endParaRPr>
-                    </a:p>
-                  </a:txBody>
-                  <a:tcPr marL="68580" marR="68580" marT="0" marB="0" anchor="b"/>
-                </a:tc>
-                <a:tc>
-                  <a:txBody>
-                    <a:bodyPr/>
-                    <a:lstStyle/>
-                    <a:p>
-                      <a:pPr marL="0" marR="0" algn="ctr">
-                        <a:lnSpc>
-                          <a:spcPct val="115000"/>
-                        </a:lnSpc>
-                        <a:spcBef>
-                          <a:spcPts val="0"/>
-                        </a:spcBef>
-                        <a:spcAft>
-                          <a:spcPts val="0"/>
-                        </a:spcAft>
-                      </a:pPr>
-                      <a:r>
-                        <a:rPr lang="en-US" sz="2400">
-                          <a:effectLst/>
-                        </a:rPr>
-                        <a:t>In</a:t>
-                      </a:r>
-                      <a:endParaRPr lang="en-US" sz="3600">
-                        <a:effectLst/>
-                        <a:latin typeface="Calibri"/>
-                        <a:ea typeface="Calibri"/>
-                        <a:cs typeface="Times New Roman"/>
-                      </a:endParaRPr>
-                    </a:p>
-                  </a:txBody>
-                  <a:tcPr marL="68580" marR="68580" marT="0" marB="0" anchor="b"/>
-                </a:tc>
-                <a:tc>
-                  <a:txBody>
-                    <a:bodyPr/>
-                    <a:lstStyle/>
-                    <a:p>
-                      <a:pPr marL="0" marR="0" algn="ctr">
-                        <a:lnSpc>
-                          <a:spcPct val="115000"/>
-                        </a:lnSpc>
-                        <a:spcBef>
-                          <a:spcPts val="0"/>
-                        </a:spcBef>
-                        <a:spcAft>
-                          <a:spcPts val="0"/>
-                        </a:spcAft>
-                      </a:pPr>
-                      <a:r>
-                        <a:rPr lang="en-US" sz="2400" dirty="0">
-                          <a:effectLst/>
-                        </a:rPr>
-                        <a:t>Anyone</a:t>
-                      </a:r>
-                      <a:endParaRPr lang="en-US" sz="3600" dirty="0">
-                        <a:effectLst/>
-                        <a:latin typeface="Calibri"/>
-                        <a:ea typeface="Calibri"/>
-                        <a:cs typeface="Times New Roman"/>
-                      </a:endParaRPr>
-                    </a:p>
-                  </a:txBody>
-                  <a:tcPr marL="68580" marR="68580" marT="0" marB="0" anchor="b"/>
-                </a:tc>
-                <a:tc>
-                  <a:txBody>
-                    <a:bodyPr/>
-                    <a:lstStyle/>
-                    <a:p>
-                      <a:pPr marL="0" marR="0" algn="ctr">
-                        <a:lnSpc>
-                          <a:spcPct val="115000"/>
-                        </a:lnSpc>
-                        <a:spcBef>
-                          <a:spcPts val="0"/>
-                        </a:spcBef>
-                        <a:spcAft>
-                          <a:spcPts val="0"/>
-                        </a:spcAft>
-                      </a:pPr>
-                      <a:r>
-                        <a:rPr lang="en-US" sz="2400" dirty="0" smtClean="0">
-                          <a:effectLst/>
-                        </a:rPr>
-                        <a:t>Med</a:t>
-                      </a:r>
-                      <a:endParaRPr lang="en-US" sz="3600" dirty="0">
-                        <a:effectLst/>
-                        <a:latin typeface="Calibri"/>
-                        <a:ea typeface="Calibri"/>
-                        <a:cs typeface="Times New Roman"/>
-                      </a:endParaRPr>
-                    </a:p>
-                  </a:txBody>
-                  <a:tcPr marL="68580" marR="68580" marT="0" marB="0" anchor="b"/>
-                </a:tc>
-                <a:tc>
-                  <a:txBody>
-                    <a:bodyPr/>
-                    <a:lstStyle/>
-                    <a:p>
-                      <a:pPr marL="0" marR="0" algn="ctr">
-                        <a:lnSpc>
-                          <a:spcPct val="115000"/>
-                        </a:lnSpc>
-                        <a:spcBef>
-                          <a:spcPts val="0"/>
-                        </a:spcBef>
-                        <a:spcAft>
-                          <a:spcPts val="0"/>
-                        </a:spcAft>
-                      </a:pPr>
-                      <a:r>
-                        <a:rPr lang="en-US" sz="2400">
-                          <a:effectLst/>
-                        </a:rPr>
-                        <a:t>2</a:t>
-                      </a:r>
-                      <a:endParaRPr lang="en-US" sz="3600">
-                        <a:effectLst/>
-                        <a:latin typeface="Calibri"/>
-                        <a:ea typeface="Calibri"/>
-                        <a:cs typeface="Times New Roman"/>
-                      </a:endParaRPr>
-                    </a:p>
-                  </a:txBody>
-                  <a:tcPr marL="68580" marR="68580" marT="0" marB="0" anchor="b"/>
-                </a:tc>
-              </a:tr>
-              <a:tr h="547804">
-                <a:tc>
-                  <a:txBody>
-                    <a:bodyPr/>
-                    <a:lstStyle/>
-                    <a:p>
-                      <a:pPr marL="0" marR="0" algn="ctr">
-                        <a:lnSpc>
-                          <a:spcPct val="115000"/>
-                        </a:lnSpc>
-                        <a:spcBef>
-                          <a:spcPts val="0"/>
-                        </a:spcBef>
-                        <a:spcAft>
-                          <a:spcPts val="0"/>
-                        </a:spcAft>
-                      </a:pPr>
-                      <a:r>
-                        <a:rPr lang="en-US" sz="2400">
-                          <a:effectLst/>
-                        </a:rPr>
-                        <a:t>9</a:t>
-                      </a:r>
-                      <a:endParaRPr lang="en-US" sz="3600">
-                        <a:effectLst/>
-                        <a:latin typeface="Calibri"/>
-                        <a:ea typeface="Calibri"/>
-                        <a:cs typeface="Times New Roman"/>
-                      </a:endParaRPr>
-                    </a:p>
-                  </a:txBody>
-                  <a:tcPr marL="68580" marR="68580" marT="0" marB="0" anchor="b"/>
-                </a:tc>
-                <a:tc>
-                  <a:txBody>
-                    <a:bodyPr/>
-                    <a:lstStyle/>
-                    <a:p>
-                      <a:pPr marL="0" marR="0" algn="ctr">
-                        <a:lnSpc>
-                          <a:spcPct val="115000"/>
-                        </a:lnSpc>
-                        <a:spcBef>
-                          <a:spcPts val="0"/>
-                        </a:spcBef>
-                        <a:spcAft>
-                          <a:spcPts val="0"/>
-                        </a:spcAft>
-                      </a:pPr>
-                      <a:r>
-                        <a:rPr lang="en-US" sz="2400">
-                          <a:effectLst/>
-                        </a:rPr>
-                        <a:t>Inventory</a:t>
-                      </a:r>
-                      <a:endParaRPr lang="en-US" sz="3600">
-                        <a:effectLst/>
-                        <a:latin typeface="Calibri"/>
-                        <a:ea typeface="Calibri"/>
-                        <a:cs typeface="Times New Roman"/>
-                      </a:endParaRPr>
-                    </a:p>
-                  </a:txBody>
-                  <a:tcPr marL="68580" marR="68580" marT="0" marB="0" anchor="b"/>
-                </a:tc>
-                <a:tc>
-                  <a:txBody>
-                    <a:bodyPr/>
-                    <a:lstStyle/>
-                    <a:p>
-                      <a:pPr marL="0" marR="0" algn="ctr">
-                        <a:lnSpc>
-                          <a:spcPct val="115000"/>
-                        </a:lnSpc>
-                        <a:spcBef>
-                          <a:spcPts val="0"/>
-                        </a:spcBef>
-                        <a:spcAft>
-                          <a:spcPts val="0"/>
-                        </a:spcAft>
-                      </a:pPr>
-                      <a:r>
-                        <a:rPr lang="en-US" sz="2400">
-                          <a:effectLst/>
-                        </a:rPr>
-                        <a:t>In</a:t>
-                      </a:r>
-                      <a:endParaRPr lang="en-US" sz="3600">
-                        <a:effectLst/>
-                        <a:latin typeface="Calibri"/>
-                        <a:ea typeface="Calibri"/>
-                        <a:cs typeface="Times New Roman"/>
-                      </a:endParaRPr>
-                    </a:p>
-                  </a:txBody>
-                  <a:tcPr marL="68580" marR="68580" marT="0" marB="0" anchor="b"/>
-                </a:tc>
-                <a:tc>
-                  <a:txBody>
-                    <a:bodyPr/>
-                    <a:lstStyle/>
-                    <a:p>
-                      <a:pPr marL="0" marR="0" algn="ctr">
-                        <a:lnSpc>
-                          <a:spcPct val="115000"/>
-                        </a:lnSpc>
-                        <a:spcBef>
-                          <a:spcPts val="0"/>
-                        </a:spcBef>
-                        <a:spcAft>
-                          <a:spcPts val="0"/>
-                        </a:spcAft>
-                      </a:pPr>
-                      <a:r>
-                        <a:rPr lang="en-US" sz="2400">
-                          <a:effectLst/>
-                        </a:rPr>
-                        <a:t>Manager</a:t>
-                      </a:r>
-                      <a:endParaRPr lang="en-US" sz="3600">
-                        <a:effectLst/>
-                        <a:latin typeface="Calibri"/>
-                        <a:ea typeface="Calibri"/>
-                        <a:cs typeface="Times New Roman"/>
-                      </a:endParaRPr>
-                    </a:p>
-                  </a:txBody>
-                  <a:tcPr marL="68580" marR="68580" marT="0" marB="0" anchor="b"/>
-                </a:tc>
-                <a:tc>
-                  <a:txBody>
-                    <a:bodyPr/>
-                    <a:lstStyle/>
-                    <a:p>
-                      <a:pPr marL="0" marR="0" algn="ctr">
-                        <a:lnSpc>
-                          <a:spcPct val="115000"/>
-                        </a:lnSpc>
-                        <a:spcBef>
-                          <a:spcPts val="0"/>
-                        </a:spcBef>
-                        <a:spcAft>
-                          <a:spcPts val="0"/>
-                        </a:spcAft>
-                      </a:pPr>
-                      <a:r>
-                        <a:rPr lang="en-US" sz="2400" dirty="0">
-                          <a:effectLst/>
-                        </a:rPr>
-                        <a:t>Low</a:t>
-                      </a:r>
-                      <a:endParaRPr lang="en-US" sz="3600" dirty="0">
-                        <a:effectLst/>
-                        <a:latin typeface="Calibri"/>
-                        <a:ea typeface="Calibri"/>
-                        <a:cs typeface="Times New Roman"/>
-                      </a:endParaRPr>
-                    </a:p>
-                  </a:txBody>
-                  <a:tcPr marL="68580" marR="68580" marT="0" marB="0" anchor="b"/>
-                </a:tc>
-                <a:tc>
-                  <a:txBody>
-                    <a:bodyPr/>
-                    <a:lstStyle/>
-                    <a:p>
-                      <a:pPr marL="0" marR="0" algn="ctr">
-                        <a:lnSpc>
-                          <a:spcPct val="115000"/>
-                        </a:lnSpc>
-                        <a:spcBef>
-                          <a:spcPts val="0"/>
-                        </a:spcBef>
-                        <a:spcAft>
-                          <a:spcPts val="0"/>
-                        </a:spcAft>
-                      </a:pPr>
-                      <a:r>
-                        <a:rPr lang="en-US" sz="2400" dirty="0">
-                          <a:effectLst/>
-                        </a:rPr>
-                        <a:t>1</a:t>
-                      </a:r>
-                      <a:endParaRPr lang="en-US" sz="3600" dirty="0">
-                        <a:effectLst/>
-                        <a:latin typeface="Calibri"/>
-                        <a:ea typeface="Calibri"/>
-                        <a:cs typeface="Times New Roman"/>
-                      </a:endParaRPr>
-                    </a:p>
-                  </a:txBody>
-                  <a:tcPr marL="68580" marR="68580" marT="0" marB="0" anchor="b"/>
-                </a:tc>
-              </a:tr>
-              <a:tr h="547804">
-                <a:tc>
-                  <a:txBody>
-                    <a:bodyPr/>
-                    <a:lstStyle/>
-                    <a:p>
-                      <a:pPr marL="0" marR="0" algn="ctr">
-                        <a:lnSpc>
-                          <a:spcPct val="115000"/>
-                        </a:lnSpc>
-                        <a:spcBef>
-                          <a:spcPts val="0"/>
-                        </a:spcBef>
-                        <a:spcAft>
-                          <a:spcPts val="0"/>
-                        </a:spcAft>
-                      </a:pPr>
-                      <a:r>
-                        <a:rPr lang="en-US" sz="2400">
-                          <a:effectLst/>
-                        </a:rPr>
-                        <a:t>10</a:t>
-                      </a:r>
-                      <a:endParaRPr lang="en-US" sz="3600">
-                        <a:effectLst/>
-                        <a:latin typeface="Calibri"/>
-                        <a:ea typeface="Calibri"/>
-                        <a:cs typeface="Times New Roman"/>
-                      </a:endParaRPr>
-                    </a:p>
-                  </a:txBody>
-                  <a:tcPr marL="68580" marR="68580" marT="0" marB="0" anchor="b"/>
-                </a:tc>
-                <a:tc>
-                  <a:txBody>
-                    <a:bodyPr/>
-                    <a:lstStyle/>
-                    <a:p>
-                      <a:pPr marL="0" marR="0" algn="ctr">
-                        <a:lnSpc>
-                          <a:spcPct val="115000"/>
-                        </a:lnSpc>
-                        <a:spcBef>
-                          <a:spcPts val="0"/>
-                        </a:spcBef>
-                        <a:spcAft>
-                          <a:spcPts val="0"/>
-                        </a:spcAft>
-                      </a:pPr>
-                      <a:r>
-                        <a:rPr lang="en-US" sz="2400" dirty="0" smtClean="0">
-                          <a:effectLst/>
-                        </a:rPr>
-                        <a:t>Complaint</a:t>
-                      </a:r>
-                      <a:endParaRPr lang="en-US" sz="3600" dirty="0">
-                        <a:effectLst/>
-                        <a:latin typeface="Calibri"/>
-                        <a:ea typeface="Calibri"/>
-                        <a:cs typeface="Times New Roman"/>
-                      </a:endParaRPr>
-                    </a:p>
-                  </a:txBody>
-                  <a:tcPr marL="68580" marR="68580" marT="0" marB="0" anchor="b"/>
-                </a:tc>
-                <a:tc>
-                  <a:txBody>
-                    <a:bodyPr/>
-                    <a:lstStyle/>
-                    <a:p>
-                      <a:pPr marL="0" marR="0" algn="ctr">
-                        <a:lnSpc>
-                          <a:spcPct val="115000"/>
-                        </a:lnSpc>
-                        <a:spcBef>
-                          <a:spcPts val="0"/>
-                        </a:spcBef>
-                        <a:spcAft>
-                          <a:spcPts val="0"/>
-                        </a:spcAft>
-                      </a:pPr>
-                      <a:r>
-                        <a:rPr lang="en-US" sz="2400">
-                          <a:effectLst/>
-                        </a:rPr>
-                        <a:t>In</a:t>
-                      </a:r>
-                      <a:endParaRPr lang="en-US" sz="3600">
-                        <a:effectLst/>
-                        <a:latin typeface="Calibri"/>
-                        <a:ea typeface="Calibri"/>
-                        <a:cs typeface="Times New Roman"/>
-                      </a:endParaRPr>
-                    </a:p>
-                  </a:txBody>
-                  <a:tcPr marL="68580" marR="68580" marT="0" marB="0" anchor="b"/>
-                </a:tc>
-                <a:tc>
-                  <a:txBody>
-                    <a:bodyPr/>
-                    <a:lstStyle/>
-                    <a:p>
-                      <a:pPr marL="0" marR="0" algn="ctr">
-                        <a:lnSpc>
-                          <a:spcPct val="115000"/>
-                        </a:lnSpc>
-                        <a:spcBef>
-                          <a:spcPts val="0"/>
-                        </a:spcBef>
-                        <a:spcAft>
-                          <a:spcPts val="0"/>
-                        </a:spcAft>
-                      </a:pPr>
-                      <a:r>
-                        <a:rPr lang="en-US" sz="2400" dirty="0" smtClean="0">
-                          <a:effectLst/>
-                        </a:rPr>
-                        <a:t>Manager/waiter</a:t>
-                      </a:r>
-                      <a:endParaRPr lang="en-US" sz="3600" dirty="0">
-                        <a:effectLst/>
-                        <a:latin typeface="Calibri"/>
-                        <a:ea typeface="Calibri"/>
-                        <a:cs typeface="Times New Roman"/>
-                      </a:endParaRPr>
-                    </a:p>
-                  </a:txBody>
-                  <a:tcPr marL="68580" marR="68580" marT="0" marB="0" anchor="b"/>
-                </a:tc>
-                <a:tc>
-                  <a:txBody>
-                    <a:bodyPr/>
-                    <a:lstStyle/>
-                    <a:p>
-                      <a:pPr marL="0" marR="0" algn="ctr">
-                        <a:lnSpc>
-                          <a:spcPct val="115000"/>
-                        </a:lnSpc>
-                        <a:spcBef>
-                          <a:spcPts val="0"/>
-                        </a:spcBef>
-                        <a:spcAft>
-                          <a:spcPts val="0"/>
-                        </a:spcAft>
-                      </a:pPr>
-                      <a:r>
-                        <a:rPr lang="en-US" sz="2400" dirty="0" smtClean="0">
-                          <a:effectLst/>
-                        </a:rPr>
-                        <a:t>Med</a:t>
-                      </a:r>
-                      <a:endParaRPr lang="en-US" sz="3600" dirty="0">
-                        <a:effectLst/>
-                        <a:latin typeface="Calibri"/>
-                        <a:ea typeface="Calibri"/>
-                        <a:cs typeface="Times New Roman"/>
-                      </a:endParaRPr>
-                    </a:p>
-                  </a:txBody>
-                  <a:tcPr marL="68580" marR="68580" marT="0" marB="0" anchor="b"/>
-                </a:tc>
-                <a:tc>
-                  <a:txBody>
-                    <a:bodyPr/>
-                    <a:lstStyle/>
-                    <a:p>
-                      <a:pPr marL="0" marR="0" algn="ctr">
-                        <a:lnSpc>
-                          <a:spcPct val="115000"/>
-                        </a:lnSpc>
-                        <a:spcBef>
-                          <a:spcPts val="0"/>
-                        </a:spcBef>
-                        <a:spcAft>
-                          <a:spcPts val="0"/>
-                        </a:spcAft>
-                      </a:pPr>
-                      <a:r>
-                        <a:rPr lang="en-US" sz="2400" dirty="0">
-                          <a:effectLst/>
-                        </a:rPr>
-                        <a:t>2</a:t>
-                      </a:r>
-                      <a:endParaRPr lang="en-US" sz="3600" dirty="0">
-                        <a:effectLst/>
-                        <a:latin typeface="Calibri"/>
-                        <a:ea typeface="Calibri"/>
-                        <a:cs typeface="Times New Roman"/>
-                      </a:endParaRPr>
-                    </a:p>
-                  </a:txBody>
-                  <a:tcPr marL="68580" marR="68580" marT="0" marB="0" anchor="b"/>
-                </a:tc>
-              </a:tr>
-            </a:tbl>
-          </a:graphicData>
-        </a:graphic>
-      </p:graphicFrame>
-      <p:sp>
-        <p:nvSpPr>
-          <p:cNvPr id="2" name="Title 1"/>
-          <p:cNvSpPr>
-            <a:spLocks noGrp="1"/>
-          </p:cNvSpPr>
-          <p:nvPr>
-            <p:ph type="title"/>
-          </p:nvPr>
-        </p:nvSpPr>
-        <p:spPr>
-          <a:xfrm>
-            <a:off x="381000" y="0"/>
-            <a:ext cx="7010400" cy="838200"/>
-          </a:xfrm>
-          <a:noFill/>
-        </p:spPr>
-        <p:txBody>
-          <a:bodyPr>
-            <a:normAutofit fontScale="90000"/>
-          </a:bodyPr>
-          <a:lstStyle/>
-          <a:p>
-            <a:pPr algn="l"/>
-            <a:r>
-              <a:rPr lang="en-US" sz="6000" b="1" dirty="0" smtClean="0"/>
-              <a:t>Preliminary Use Cases</a:t>
-            </a:r>
-            <a:endParaRPr lang="en-US" sz="6000" b="1" dirty="0"/>
-          </a:p>
-        </p:txBody>
-      </p:sp>
-    </p:spTree>
-    <p:extLst>
-      <p:ext uri="{BB962C8B-B14F-4D97-AF65-F5344CB8AC3E}">
-        <p14:creationId xmlns:p14="http://schemas.microsoft.com/office/powerpoint/2010/main" val="2172318574"/>
-      </p:ext>
-    </p:extLst>
-  </p:cSld>
-  <p:clrMapOvr>
-    <a:masterClrMapping/>
-  </p:clrMapOvr>
-  <p:timing>
-    <p:tnLst>
-      <p:par>
-        <p:cTn id="1" dur="indefinite" restart="never" nodeType="tmRoot"/>
-      </p:par>
-    </p:tnLst>
-  </p:timing>
-</p:sld>
-</file>
-
-<file path=ppt/slides/slide24.xml><?xml version="1.0" encoding="utf-8"?>
-<p:sld xmlns:a="http://schemas.openxmlformats.org/drawingml/2006/main" xmlns:r="http://schemas.openxmlformats.org/officeDocument/2006/relationships" xmlns:p="http://schemas.openxmlformats.org/presentationml/2006/main">
-  <p:cSld>
-    <p:spTree>
-      <p:nvGrpSpPr>
-        <p:cNvPr id="1" name=""/>
-        <p:cNvGrpSpPr/>
-        <p:nvPr/>
-      </p:nvGrpSpPr>
-      <p:grpSpPr>
-        <a:xfrm>
-          <a:off x="0" y="0"/>
-          <a:ext cx="0" cy="0"/>
-          <a:chOff x="0" y="0"/>
-          <a:chExt cx="0" cy="0"/>
-        </a:xfrm>
-      </p:grpSpPr>
-      <p:sp>
-        <p:nvSpPr>
-          <p:cNvPr id="2" name="Title 1"/>
-          <p:cNvSpPr>
-            <a:spLocks noGrp="1"/>
-          </p:cNvSpPr>
-          <p:nvPr>
-            <p:ph type="title"/>
-          </p:nvPr>
-        </p:nvSpPr>
-        <p:spPr>
-          <a:xfrm>
-            <a:off x="304800" y="0"/>
-            <a:ext cx="8001000" cy="1143000"/>
-          </a:xfrm>
-        </p:spPr>
-        <p:txBody>
-          <a:bodyPr>
-            <a:normAutofit/>
-          </a:bodyPr>
-          <a:lstStyle/>
-          <a:p>
-            <a:pPr algn="l"/>
-            <a:r>
-              <a:rPr lang="en-US" sz="6000" b="1" dirty="0" smtClean="0"/>
-              <a:t>Risks</a:t>
-            </a:r>
-            <a:endParaRPr lang="en-US" sz="6000" b="1" dirty="0"/>
-          </a:p>
-        </p:txBody>
-      </p:sp>
-      <p:sp>
-        <p:nvSpPr>
-          <p:cNvPr id="3" name="Content Placeholder 2"/>
-          <p:cNvSpPr>
-            <a:spLocks noGrp="1"/>
-          </p:cNvSpPr>
-          <p:nvPr>
-            <p:ph idx="1"/>
-          </p:nvPr>
-        </p:nvSpPr>
-        <p:spPr>
-          <a:xfrm>
-            <a:off x="228600" y="1066800"/>
-            <a:ext cx="8229600" cy="4525963"/>
-          </a:xfrm>
-        </p:spPr>
-        <p:txBody>
-          <a:bodyPr>
-            <a:normAutofit fontScale="92500" lnSpcReduction="10000"/>
-          </a:bodyPr>
-          <a:lstStyle/>
-          <a:p>
-            <a:pPr lvl="0"/>
-            <a:r>
-              <a:rPr lang="en-US" b="1" dirty="0" smtClean="0"/>
-              <a:t>Fast application speed: Do not try customers’ patience.</a:t>
-            </a:r>
-          </a:p>
-          <a:p>
-            <a:pPr lvl="0"/>
-            <a:r>
-              <a:rPr lang="en-US" b="1" dirty="0" smtClean="0"/>
-              <a:t>High reliability: Downtime must be avoided</a:t>
-            </a:r>
-            <a:endParaRPr lang="en-US" b="1" dirty="0"/>
-          </a:p>
-          <a:p>
-            <a:pPr lvl="0"/>
-            <a:r>
-              <a:rPr lang="en-US" b="1" dirty="0" smtClean="0"/>
-              <a:t>Credit </a:t>
-            </a:r>
-            <a:r>
-              <a:rPr lang="en-US" b="1" dirty="0"/>
-              <a:t>card PCI information handling</a:t>
-            </a:r>
-          </a:p>
-          <a:p>
-            <a:pPr lvl="0"/>
-            <a:r>
-              <a:rPr lang="en-US" b="1" dirty="0" smtClean="0"/>
-              <a:t>Billing accuracy</a:t>
-            </a:r>
-          </a:p>
-          <a:p>
-            <a:pPr lvl="0"/>
-            <a:r>
-              <a:rPr lang="en-US" b="1" dirty="0" smtClean="0"/>
-              <a:t>Logins securely connect users with their correct role</a:t>
-            </a:r>
-            <a:endParaRPr lang="en-US" sz="4000" b="1" dirty="0" smtClean="0"/>
-          </a:p>
-          <a:p>
-            <a:pPr lvl="0"/>
-            <a:r>
-              <a:rPr lang="en-US" b="1" dirty="0" smtClean="0"/>
-              <a:t>Effective prioritization algorithm for orders and dishes</a:t>
-            </a:r>
-          </a:p>
-        </p:txBody>
-      </p:sp>
-    </p:spTree>
-    <p:extLst>
-      <p:ext uri="{BB962C8B-B14F-4D97-AF65-F5344CB8AC3E}">
-        <p14:creationId xmlns:p14="http://schemas.microsoft.com/office/powerpoint/2010/main" val="1892201934"/>
-      </p:ext>
-    </p:extLst>
-  </p:cSld>
-  <p:clrMapOvr>
-    <a:masterClrMapping/>
-  </p:clrMapOvr>
-  <p:timing>
-    <p:tnLst>
-      <p:par>
-        <p:cTn id="1" dur="indefinite" restart="never" nodeType="tmRoot"/>
-      </p:par>
-    </p:tnLst>
-  </p:timing>
-</p:sld>
-</file>
-
-<file path=ppt/slides/slide25.xml><?xml version="1.0" encoding="utf-8"?>
 <p:sld xmlns:a="http://schemas.openxmlformats.org/drawingml/2006/main" xmlns:r="http://schemas.openxmlformats.org/officeDocument/2006/relationships" xmlns:p="http://schemas.openxmlformats.org/presentationml/2006/main">
   <p:cSld>
     <p:spTree>
@@ -8367,7 +7424,7 @@
 </p:sld>
 </file>
 
-<file path=ppt/slides/slide26.xml><?xml version="1.0" encoding="utf-8"?>
+<file path=ppt/slides/slide21.xml><?xml version="1.0" encoding="utf-8"?>
 <p:sld xmlns:a="http://schemas.openxmlformats.org/drawingml/2006/main" xmlns:r="http://schemas.openxmlformats.org/officeDocument/2006/relationships" xmlns:p="http://schemas.openxmlformats.org/presentationml/2006/main">
   <p:cSld>
     <p:spTree>
@@ -8514,7 +7571,7 @@
 </p:sld>
 </file>
 
-<file path=ppt/slides/slide27.xml><?xml version="1.0" encoding="utf-8"?>
+<file path=ppt/slides/slide22.xml><?xml version="1.0" encoding="utf-8"?>
 <p:sld xmlns:a="http://schemas.openxmlformats.org/drawingml/2006/main" xmlns:r="http://schemas.openxmlformats.org/officeDocument/2006/relationships" xmlns:p="http://schemas.openxmlformats.org/presentationml/2006/main">
   <p:cSld>
     <p:spTree>
@@ -8638,7 +7695,7 @@
 </p:sld>
 </file>
 
-<file path=ppt/slides/slide28.xml><?xml version="1.0" encoding="utf-8"?>
+<file path=ppt/slides/slide23.xml><?xml version="1.0" encoding="utf-8"?>
 <p:sld xmlns:a="http://schemas.openxmlformats.org/drawingml/2006/main" xmlns:r="http://schemas.openxmlformats.org/officeDocument/2006/relationships" xmlns:p="http://schemas.openxmlformats.org/presentationml/2006/main">
   <p:cSld>
     <p:spTree>
@@ -8774,7 +7831,7 @@
 </p:sld>
 </file>
 
-<file path=ppt/slides/slide29.xml><?xml version="1.0" encoding="utf-8"?>
+<file path=ppt/slides/slide24.xml><?xml version="1.0" encoding="utf-8"?>
 <p:sld xmlns:a="http://schemas.openxmlformats.org/drawingml/2006/main" xmlns:r="http://schemas.openxmlformats.org/officeDocument/2006/relationships" xmlns:p="http://schemas.openxmlformats.org/presentationml/2006/main">
   <p:cSld>
     <p:spTree>
@@ -9403,6 +8460,231 @@
 </p:sld>
 </file>
 
+<file path=ppt/slides/slide25.xml><?xml version="1.0" encoding="utf-8"?>
+<p:sld xmlns:a="http://schemas.openxmlformats.org/drawingml/2006/main" xmlns:r="http://schemas.openxmlformats.org/officeDocument/2006/relationships" xmlns:p="http://schemas.openxmlformats.org/presentationml/2006/main">
+  <p:cSld>
+    <p:spTree>
+      <p:nvGrpSpPr>
+        <p:cNvPr id="1" name=""/>
+        <p:cNvGrpSpPr/>
+        <p:nvPr/>
+      </p:nvGrpSpPr>
+      <p:grpSpPr>
+        <a:xfrm>
+          <a:off x="0" y="0"/>
+          <a:ext cx="0" cy="0"/>
+          <a:chOff x="0" y="0"/>
+          <a:chExt cx="0" cy="0"/>
+        </a:xfrm>
+      </p:grpSpPr>
+      <p:sp>
+        <p:nvSpPr>
+          <p:cNvPr id="2" name="Title 1"/>
+          <p:cNvSpPr>
+            <a:spLocks noGrp="1"/>
+          </p:cNvSpPr>
+          <p:nvPr>
+            <p:ph type="title"/>
+          </p:nvPr>
+        </p:nvSpPr>
+        <p:spPr>
+          <a:xfrm>
+            <a:off x="457200" y="274638"/>
+            <a:ext cx="5486400" cy="1143000"/>
+          </a:xfrm>
+        </p:spPr>
+        <p:txBody>
+          <a:bodyPr>
+            <a:normAutofit fontScale="90000"/>
+          </a:bodyPr>
+          <a:lstStyle/>
+          <a:p>
+            <a:pPr algn="l"/>
+            <a:r>
+              <a:rPr lang="en-US" sz="6000" b="1" dirty="0" smtClean="0"/>
+              <a:t>Glossary of Terms</a:t>
+            </a:r>
+            <a:endParaRPr lang="en-US" sz="6000" b="1" dirty="0"/>
+          </a:p>
+        </p:txBody>
+      </p:sp>
+      <p:sp>
+        <p:nvSpPr>
+          <p:cNvPr id="3" name="Content Placeholder 2"/>
+          <p:cNvSpPr>
+            <a:spLocks noGrp="1"/>
+          </p:cNvSpPr>
+          <p:nvPr>
+            <p:ph idx="1"/>
+          </p:nvPr>
+        </p:nvSpPr>
+        <p:spPr>
+          <a:xfrm>
+            <a:off x="457200" y="1600200"/>
+            <a:ext cx="8229600" cy="4953000"/>
+          </a:xfrm>
+        </p:spPr>
+        <p:txBody>
+          <a:bodyPr>
+            <a:normAutofit fontScale="47500" lnSpcReduction="20000"/>
+          </a:bodyPr>
+          <a:lstStyle/>
+          <a:p>
+            <a:r>
+              <a:rPr lang="en-US" sz="4000" b="1" dirty="0"/>
+              <a:t>Table</a:t>
+            </a:r>
+            <a:r>
+              <a:rPr lang="en-US" sz="4000" dirty="0"/>
+              <a:t>: A set of customers sitting together and ordering for the same meal.</a:t>
+            </a:r>
+          </a:p>
+          <a:p>
+            <a:r>
+              <a:rPr lang="en-US" sz="4000" b="1" dirty="0"/>
+              <a:t>Seat</a:t>
+            </a:r>
+            <a:r>
+              <a:rPr lang="en-US" sz="4000" dirty="0"/>
+              <a:t>: A single person at a table, identified by number.</a:t>
+            </a:r>
+          </a:p>
+          <a:p>
+            <a:r>
+              <a:rPr lang="en-US" sz="4000" b="1" dirty="0"/>
+              <a:t>Item</a:t>
+            </a:r>
+            <a:r>
+              <a:rPr lang="en-US" sz="4000" dirty="0"/>
+              <a:t>: A dish or drink on the menu that a customer can order.</a:t>
+            </a:r>
+          </a:p>
+          <a:p>
+            <a:r>
+              <a:rPr lang="en-US" sz="4000" b="1" dirty="0"/>
+              <a:t>Item Type</a:t>
+            </a:r>
+            <a:r>
+              <a:rPr lang="en-US" sz="4000" dirty="0"/>
+              <a:t>: An attribute of an item. Values include, Appetizer, Main, Dessert, Drink, etc.</a:t>
+            </a:r>
+          </a:p>
+          <a:p>
+            <a:r>
+              <a:rPr lang="en-US" sz="4000" b="1" dirty="0"/>
+              <a:t>Order</a:t>
+            </a:r>
+            <a:r>
+              <a:rPr lang="en-US" sz="4000" dirty="0"/>
+              <a:t>: A set of items ordered by a customer at a seat.</a:t>
+            </a:r>
+          </a:p>
+          <a:p>
+            <a:r>
+              <a:rPr lang="en-US" sz="4000" b="1" dirty="0"/>
+              <a:t>Order Group</a:t>
+            </a:r>
+            <a:r>
+              <a:rPr lang="en-US" sz="4000" dirty="0"/>
+              <a:t>: Orders to be paid by the same payee.</a:t>
+            </a:r>
+          </a:p>
+          <a:p>
+            <a:r>
+              <a:rPr lang="en-US" sz="4000" b="1" dirty="0"/>
+              <a:t>Bill</a:t>
+            </a:r>
+            <a:r>
+              <a:rPr lang="en-US" sz="4000" dirty="0"/>
+              <a:t>: All Items belonging to a table, includes the price of each Item and the total price.</a:t>
+            </a:r>
+          </a:p>
+          <a:p>
+            <a:r>
+              <a:rPr lang="en-US" sz="4000" b="1" dirty="0"/>
+              <a:t>Order </a:t>
+            </a:r>
+            <a:r>
+              <a:rPr lang="en-US" sz="4000" b="1" dirty="0" smtClean="0"/>
+              <a:t>Item Queue</a:t>
+            </a:r>
+            <a:r>
+              <a:rPr lang="en-US" sz="4000" dirty="0"/>
+              <a:t>: List of Orders, used in the kitchen to plan for orders to be prepared on a first-come first-served basis (grouped by </a:t>
+            </a:r>
+            <a:r>
+              <a:rPr lang="en-US" sz="4000" dirty="0" smtClean="0"/>
+              <a:t>Table).</a:t>
+            </a:r>
+            <a:endParaRPr lang="en-US" sz="4000" dirty="0"/>
+          </a:p>
+          <a:p>
+            <a:r>
+              <a:rPr lang="en-US" sz="4000" b="1" dirty="0"/>
+              <a:t>Item Queue</a:t>
+            </a:r>
+            <a:r>
+              <a:rPr lang="en-US" sz="4000" dirty="0"/>
+              <a:t>: List of Items, used in the kitchen to plan for Items of the same Type to be ready for each seat at a table at the same time.</a:t>
+            </a:r>
+          </a:p>
+          <a:p>
+            <a:r>
+              <a:rPr lang="en-US" sz="4000" b="1" dirty="0"/>
+              <a:t>Service Queue</a:t>
+            </a:r>
+            <a:r>
+              <a:rPr lang="en-US" sz="4000" dirty="0"/>
+              <a:t>: Collection of Items of the same type ready to be delivered to a table.</a:t>
+            </a:r>
+          </a:p>
+          <a:p>
+            <a:r>
+              <a:rPr lang="en-US" sz="4000" b="1" dirty="0"/>
+              <a:t>Bus queue</a:t>
+            </a:r>
+            <a:r>
+              <a:rPr lang="en-US" sz="4000" dirty="0"/>
+              <a:t>: List of tables ready to be cleaned and prepared for new customers.</a:t>
+            </a:r>
+          </a:p>
+          <a:p>
+            <a:r>
+              <a:rPr lang="en-US" sz="4000" b="1" dirty="0"/>
+              <a:t>Table status</a:t>
+            </a:r>
+            <a:r>
+              <a:rPr lang="en-US" sz="4000" dirty="0"/>
+              <a:t>: Attribute of Tables determining next action that can be taken. Values include: occupied, bus-queue, available</a:t>
+            </a:r>
+            <a:r>
+              <a:rPr lang="en-US" sz="4000" dirty="0" smtClean="0"/>
+              <a:t>.</a:t>
+            </a:r>
+            <a:endParaRPr lang="en-US" sz="4000" dirty="0"/>
+          </a:p>
+        </p:txBody>
+      </p:sp>
+    </p:spTree>
+    <p:extLst>
+      <p:ext uri="{BB962C8B-B14F-4D97-AF65-F5344CB8AC3E}">
+        <p14:creationId xmlns:p14="http://schemas.microsoft.com/office/powerpoint/2010/main" val="1700301986"/>
+      </p:ext>
+    </p:extLst>
+  </p:cSld>
+  <p:clrMapOvr>
+    <a:masterClrMapping/>
+  </p:clrMapOvr>
+  <p:timing>
+    <p:tnLst>
+      <p:par>
+        <p:cTn id="1" dur="indefinite" restart="never" nodeType="tmRoot"/>
+      </p:par>
+    </p:tnLst>
+  </p:timing>
+</p:sld>
+</file>
+
 <file path=ppt/slides/slide3.xml><?xml version="1.0" encoding="utf-8"?>
 <p:sld xmlns:a="http://schemas.openxmlformats.org/drawingml/2006/main" xmlns:r="http://schemas.openxmlformats.org/officeDocument/2006/relationships" xmlns:p="http://schemas.openxmlformats.org/presentationml/2006/main">
   <p:cSld>
@@ -9551,231 +8833,6 @@
     <p:extLst>
       <p:ext uri="{BB962C8B-B14F-4D97-AF65-F5344CB8AC3E}">
         <p14:creationId xmlns:p14="http://schemas.microsoft.com/office/powerpoint/2010/main" val="1782274068"/>
-      </p:ext>
-    </p:extLst>
-  </p:cSld>
-  <p:clrMapOvr>
-    <a:masterClrMapping/>
-  </p:clrMapOvr>
-  <p:timing>
-    <p:tnLst>
-      <p:par>
-        <p:cTn id="1" dur="indefinite" restart="never" nodeType="tmRoot"/>
-      </p:par>
-    </p:tnLst>
-  </p:timing>
-</p:sld>
-</file>
-
-<file path=ppt/slides/slide30.xml><?xml version="1.0" encoding="utf-8"?>
-<p:sld xmlns:a="http://schemas.openxmlformats.org/drawingml/2006/main" xmlns:r="http://schemas.openxmlformats.org/officeDocument/2006/relationships" xmlns:p="http://schemas.openxmlformats.org/presentationml/2006/main">
-  <p:cSld>
-    <p:spTree>
-      <p:nvGrpSpPr>
-        <p:cNvPr id="1" name=""/>
-        <p:cNvGrpSpPr/>
-        <p:nvPr/>
-      </p:nvGrpSpPr>
-      <p:grpSpPr>
-        <a:xfrm>
-          <a:off x="0" y="0"/>
-          <a:ext cx="0" cy="0"/>
-          <a:chOff x="0" y="0"/>
-          <a:chExt cx="0" cy="0"/>
-        </a:xfrm>
-      </p:grpSpPr>
-      <p:sp>
-        <p:nvSpPr>
-          <p:cNvPr id="2" name="Title 1"/>
-          <p:cNvSpPr>
-            <a:spLocks noGrp="1"/>
-          </p:cNvSpPr>
-          <p:nvPr>
-            <p:ph type="title"/>
-          </p:nvPr>
-        </p:nvSpPr>
-        <p:spPr>
-          <a:xfrm>
-            <a:off x="457200" y="274638"/>
-            <a:ext cx="5486400" cy="1143000"/>
-          </a:xfrm>
-        </p:spPr>
-        <p:txBody>
-          <a:bodyPr>
-            <a:normAutofit fontScale="90000"/>
-          </a:bodyPr>
-          <a:lstStyle/>
-          <a:p>
-            <a:pPr algn="l"/>
-            <a:r>
-              <a:rPr lang="en-US" sz="6000" b="1" dirty="0" smtClean="0"/>
-              <a:t>Glossary of Terms</a:t>
-            </a:r>
-            <a:endParaRPr lang="en-US" sz="6000" b="1" dirty="0"/>
-          </a:p>
-        </p:txBody>
-      </p:sp>
-      <p:sp>
-        <p:nvSpPr>
-          <p:cNvPr id="3" name="Content Placeholder 2"/>
-          <p:cNvSpPr>
-            <a:spLocks noGrp="1"/>
-          </p:cNvSpPr>
-          <p:nvPr>
-            <p:ph idx="1"/>
-          </p:nvPr>
-        </p:nvSpPr>
-        <p:spPr>
-          <a:xfrm>
-            <a:off x="457200" y="1600200"/>
-            <a:ext cx="8229600" cy="4953000"/>
-          </a:xfrm>
-        </p:spPr>
-        <p:txBody>
-          <a:bodyPr>
-            <a:normAutofit fontScale="47500" lnSpcReduction="20000"/>
-          </a:bodyPr>
-          <a:lstStyle/>
-          <a:p>
-            <a:r>
-              <a:rPr lang="en-US" sz="4000" b="1" dirty="0"/>
-              <a:t>Table</a:t>
-            </a:r>
-            <a:r>
-              <a:rPr lang="en-US" sz="4000" dirty="0"/>
-              <a:t>: A set of customers sitting together and ordering for the same meal.</a:t>
-            </a:r>
-          </a:p>
-          <a:p>
-            <a:r>
-              <a:rPr lang="en-US" sz="4000" b="1" dirty="0"/>
-              <a:t>Seat</a:t>
-            </a:r>
-            <a:r>
-              <a:rPr lang="en-US" sz="4000" dirty="0"/>
-              <a:t>: A single person at a table, identified by number.</a:t>
-            </a:r>
-          </a:p>
-          <a:p>
-            <a:r>
-              <a:rPr lang="en-US" sz="4000" b="1" dirty="0"/>
-              <a:t>Item</a:t>
-            </a:r>
-            <a:r>
-              <a:rPr lang="en-US" sz="4000" dirty="0"/>
-              <a:t>: A dish or drink on the menu that a customer can order.</a:t>
-            </a:r>
-          </a:p>
-          <a:p>
-            <a:r>
-              <a:rPr lang="en-US" sz="4000" b="1" dirty="0"/>
-              <a:t>Item Type</a:t>
-            </a:r>
-            <a:r>
-              <a:rPr lang="en-US" sz="4000" dirty="0"/>
-              <a:t>: An attribute of an item. Values include, Appetizer, Main, Dessert, Drink, etc.</a:t>
-            </a:r>
-          </a:p>
-          <a:p>
-            <a:r>
-              <a:rPr lang="en-US" sz="4000" b="1" dirty="0"/>
-              <a:t>Order</a:t>
-            </a:r>
-            <a:r>
-              <a:rPr lang="en-US" sz="4000" dirty="0"/>
-              <a:t>: A set of items ordered by a customer at a seat.</a:t>
-            </a:r>
-          </a:p>
-          <a:p>
-            <a:r>
-              <a:rPr lang="en-US" sz="4000" b="1" dirty="0"/>
-              <a:t>Order Group</a:t>
-            </a:r>
-            <a:r>
-              <a:rPr lang="en-US" sz="4000" dirty="0"/>
-              <a:t>: Orders to be paid by the same payee.</a:t>
-            </a:r>
-          </a:p>
-          <a:p>
-            <a:r>
-              <a:rPr lang="en-US" sz="4000" b="1" dirty="0"/>
-              <a:t>Bill</a:t>
-            </a:r>
-            <a:r>
-              <a:rPr lang="en-US" sz="4000" dirty="0"/>
-              <a:t>: All Items belonging to a table, includes the price of each Item and the total price.</a:t>
-            </a:r>
-          </a:p>
-          <a:p>
-            <a:r>
-              <a:rPr lang="en-US" sz="4000" b="1" dirty="0"/>
-              <a:t>Order </a:t>
-            </a:r>
-            <a:r>
-              <a:rPr lang="en-US" sz="4000" b="1" dirty="0" smtClean="0"/>
-              <a:t>Item Queue</a:t>
-            </a:r>
-            <a:r>
-              <a:rPr lang="en-US" sz="4000" dirty="0"/>
-              <a:t>: List of Orders, used in the kitchen to plan for orders to be prepared on a first-come first-served basis (grouped by </a:t>
-            </a:r>
-            <a:r>
-              <a:rPr lang="en-US" sz="4000" dirty="0" smtClean="0"/>
-              <a:t>Table).</a:t>
-            </a:r>
-            <a:endParaRPr lang="en-US" sz="4000" dirty="0"/>
-          </a:p>
-          <a:p>
-            <a:r>
-              <a:rPr lang="en-US" sz="4000" b="1" dirty="0"/>
-              <a:t>Item Queue</a:t>
-            </a:r>
-            <a:r>
-              <a:rPr lang="en-US" sz="4000" dirty="0"/>
-              <a:t>: List of Items, used in the kitchen to plan for Items of the same Type to be ready for each seat at a table at the same time.</a:t>
-            </a:r>
-          </a:p>
-          <a:p>
-            <a:r>
-              <a:rPr lang="en-US" sz="4000" b="1" dirty="0"/>
-              <a:t>Service Queue</a:t>
-            </a:r>
-            <a:r>
-              <a:rPr lang="en-US" sz="4000" dirty="0"/>
-              <a:t>: Collection of Items of the same type ready to be delivered to a table.</a:t>
-            </a:r>
-          </a:p>
-          <a:p>
-            <a:r>
-              <a:rPr lang="en-US" sz="4000" b="1" dirty="0"/>
-              <a:t>Bus queue</a:t>
-            </a:r>
-            <a:r>
-              <a:rPr lang="en-US" sz="4000" dirty="0"/>
-              <a:t>: List of tables ready to be cleaned and prepared for new customers.</a:t>
-            </a:r>
-          </a:p>
-          <a:p>
-            <a:r>
-              <a:rPr lang="en-US" sz="4000" b="1" dirty="0"/>
-              <a:t>Table status</a:t>
-            </a:r>
-            <a:r>
-              <a:rPr lang="en-US" sz="4000" dirty="0"/>
-              <a:t>: Attribute of Tables determining next action that can be taken. Values include: occupied, bus-queue, available</a:t>
-            </a:r>
-            <a:r>
-              <a:rPr lang="en-US" sz="4000" dirty="0" smtClean="0"/>
-              <a:t>.</a:t>
-            </a:r>
-            <a:endParaRPr lang="en-US" sz="4000" dirty="0"/>
-          </a:p>
-        </p:txBody>
-      </p:sp>
-    </p:spTree>
-    <p:extLst>
-      <p:ext uri="{BB962C8B-B14F-4D97-AF65-F5344CB8AC3E}">
-        <p14:creationId xmlns:p14="http://schemas.microsoft.com/office/powerpoint/2010/main" val="1700301986"/>
       </p:ext>
     </p:extLst>
   </p:cSld>

--- a/Project Documents/Group3_Presentation1_Capstone.pptx
+++ b/Project Documents/Group3_Presentation1_Capstone.pptx
@@ -130,7 +130,7 @@
   </p:defaultTextStyle>
   <p:extLst>
     <p:ext uri="{EFAFB233-063F-42B5-8137-9DF3F51BA10A}">
-      <p15:sldGuideLst xmlns:p15="http://schemas.microsoft.com/office/powerpoint/2012/main" xmlns="">
+      <p15:sldGuideLst xmlns="" xmlns:p15="http://schemas.microsoft.com/office/powerpoint/2012/main">
         <p15:guide id="1" orient="horz" pos="2160">
           <p15:clr>
             <a:srgbClr val="A4A3A4"/>
@@ -3709,8 +3709,8 @@
         </p:blipFill>
         <p:spPr>
           <a:xfrm>
-            <a:off x="0" y="1219200"/>
-            <a:ext cx="9144000" cy="5468292"/>
+            <a:off x="1" y="1219200"/>
+            <a:ext cx="9143998" cy="5468292"/>
           </a:xfrm>
           <a:prstGeom prst="rect">
             <a:avLst/>

--- a/Project Documents/Group3_Presentation1_Capstone.pptx
+++ b/Project Documents/Group3_Presentation1_Capstone.pptx
@@ -29,7 +29,8 @@
     <p:sldId id="279" r:id="rId23"/>
     <p:sldId id="280" r:id="rId24"/>
     <p:sldId id="281" r:id="rId25"/>
-    <p:sldId id="282" r:id="rId26"/>
+    <p:sldId id="287" r:id="rId26"/>
+    <p:sldId id="288" r:id="rId27"/>
   </p:sldIdLst>
   <p:sldSz cx="9144000" cy="6858000" type="screen4x3"/>
   <p:notesSz cx="6858000" cy="9144000"/>
@@ -130,7 +131,7 @@
   </p:defaultTextStyle>
   <p:extLst>
     <p:ext uri="{EFAFB233-063F-42B5-8137-9DF3F51BA10A}">
-      <p15:sldGuideLst xmlns="" xmlns:p15="http://schemas.microsoft.com/office/powerpoint/2012/main">
+      <p15:sldGuideLst xmlns:p15="http://schemas.microsoft.com/office/powerpoint/2012/main" xmlns="">
         <p15:guide id="1" orient="horz" pos="2160">
           <p15:clr>
             <a:srgbClr val="A4A3A4"/>
@@ -8489,8 +8490,8 @@
         </p:nvSpPr>
         <p:spPr>
           <a:xfrm>
-            <a:off x="457200" y="274638"/>
-            <a:ext cx="5486400" cy="1143000"/>
+            <a:off x="304800" y="0"/>
+            <a:ext cx="5486400" cy="838200"/>
           </a:xfrm>
         </p:spPr>
         <p:txBody>
@@ -8520,155 +8521,261 @@
         </p:nvSpPr>
         <p:spPr>
           <a:xfrm>
-            <a:off x="457200" y="1600200"/>
-            <a:ext cx="8229600" cy="4953000"/>
+            <a:off x="228600" y="838200"/>
+            <a:ext cx="8610600" cy="5638800"/>
           </a:xfrm>
         </p:spPr>
         <p:txBody>
           <a:bodyPr>
-            <a:normAutofit fontScale="47500" lnSpcReduction="20000"/>
+            <a:noAutofit/>
           </a:bodyPr>
           <a:lstStyle/>
           <a:p>
             <a:r>
-              <a:rPr lang="en-US" sz="4000" b="1" dirty="0"/>
-              <a:t>Table</a:t>
-            </a:r>
-            <a:r>
-              <a:rPr lang="en-US" sz="4000" dirty="0"/>
-              <a:t>: A set of customers sitting together and ordering for the same meal.</a:t>
-            </a:r>
-          </a:p>
-          <a:p>
-            <a:r>
-              <a:rPr lang="en-US" sz="4000" b="1" dirty="0"/>
-              <a:t>Seat</a:t>
-            </a:r>
-            <a:r>
-              <a:rPr lang="en-US" sz="4000" dirty="0"/>
-              <a:t>: A single person at a table, identified by number.</a:t>
-            </a:r>
-          </a:p>
-          <a:p>
-            <a:r>
-              <a:rPr lang="en-US" sz="4000" b="1" dirty="0"/>
-              <a:t>Item</a:t>
-            </a:r>
-            <a:r>
-              <a:rPr lang="en-US" sz="4000" dirty="0"/>
-              <a:t>: A dish or drink on the menu that a customer can order.</a:t>
-            </a:r>
-          </a:p>
-          <a:p>
-            <a:r>
-              <a:rPr lang="en-US" sz="4000" b="1" dirty="0"/>
+              <a:rPr lang="en-US" sz="2400" b="1" dirty="0"/>
+              <a:t>Bill</a:t>
+            </a:r>
+            <a:r>
+              <a:rPr lang="en-US" sz="2400" dirty="0"/>
+              <a:t>: All Dishes belonging to an Order Group. Includes the price of each Dish and the total price</a:t>
+            </a:r>
+          </a:p>
+          <a:p>
+            <a:r>
+              <a:rPr lang="en-US" sz="2400" b="1" dirty="0"/>
+              <a:t>Bus queue</a:t>
+            </a:r>
+            <a:r>
+              <a:rPr lang="en-US" sz="2400" dirty="0"/>
+              <a:t>: List of tables ready to be cleaned and prepared for new customers</a:t>
+            </a:r>
+          </a:p>
+          <a:p>
+            <a:r>
+              <a:rPr lang="en-US" sz="2400" b="1" dirty="0"/>
+              <a:t>Discount</a:t>
+            </a:r>
+            <a:r>
+              <a:rPr lang="en-US" sz="2400" dirty="0"/>
+              <a:t>: Any action that reduces prices below those listed in the menu. Includes coupons, complimentary items, manager adjustments</a:t>
+            </a:r>
+          </a:p>
+          <a:p>
+            <a:r>
+              <a:rPr lang="en-US" sz="2400" b="1" dirty="0"/>
               <a:t>Item Type</a:t>
             </a:r>
             <a:r>
-              <a:rPr lang="en-US" sz="4000" dirty="0"/>
-              <a:t>: An attribute of an item. Values include, Appetizer, Main, Dessert, Drink, etc.</a:t>
-            </a:r>
-          </a:p>
-          <a:p>
-            <a:r>
-              <a:rPr lang="en-US" sz="4000" b="1" dirty="0"/>
-              <a:t>Order</a:t>
-            </a:r>
-            <a:r>
-              <a:rPr lang="en-US" sz="4000" dirty="0"/>
-              <a:t>: A set of items ordered by a customer at a seat.</a:t>
-            </a:r>
-          </a:p>
-          <a:p>
-            <a:r>
-              <a:rPr lang="en-US" sz="4000" b="1" dirty="0"/>
-              <a:t>Order Group</a:t>
-            </a:r>
-            <a:r>
-              <a:rPr lang="en-US" sz="4000" dirty="0"/>
-              <a:t>: Orders to be paid by the same payee.</a:t>
-            </a:r>
-          </a:p>
-          <a:p>
-            <a:r>
-              <a:rPr lang="en-US" sz="4000" b="1" dirty="0"/>
-              <a:t>Bill</a:t>
-            </a:r>
-            <a:r>
-              <a:rPr lang="en-US" sz="4000" dirty="0"/>
-              <a:t>: All Items belonging to a table, includes the price of each Item and the total price.</a:t>
-            </a:r>
-          </a:p>
-          <a:p>
-            <a:r>
-              <a:rPr lang="en-US" sz="4000" b="1" dirty="0"/>
-              <a:t>Order </a:t>
-            </a:r>
-            <a:r>
-              <a:rPr lang="en-US" sz="4000" b="1" dirty="0" smtClean="0"/>
+              <a:rPr lang="en-US" sz="2400" dirty="0"/>
+              <a:t>:  An attribute of a menu item; values include the basic categories found within the menu: Appetizer, Main, Dessert, Drink (non-alcoholic), Drink (alcoholic), etc.</a:t>
+            </a:r>
+          </a:p>
+          <a:p>
+            <a:r>
+              <a:rPr lang="en-US" sz="2400" b="1" dirty="0"/>
+              <a:t>Menu Item</a:t>
+            </a:r>
+            <a:r>
+              <a:rPr lang="en-US" sz="2400" dirty="0"/>
+              <a:t>: A dish or drink on the menu that a customer can order</a:t>
+            </a:r>
+          </a:p>
+          <a:p>
+            <a:r>
+              <a:rPr lang="en-US" sz="2400" b="1" dirty="0"/>
               <a:t>Item Queue</a:t>
             </a:r>
             <a:r>
-              <a:rPr lang="en-US" sz="4000" dirty="0"/>
-              <a:t>: List of Orders, used in the kitchen to plan for orders to be prepared on a first-come first-served basis (grouped by </a:t>
-            </a:r>
-            <a:r>
-              <a:rPr lang="en-US" sz="4000" dirty="0" smtClean="0"/>
-              <a:t>Table).</a:t>
-            </a:r>
-            <a:endParaRPr lang="en-US" sz="4000" dirty="0"/>
-          </a:p>
-          <a:p>
-            <a:r>
-              <a:rPr lang="en-US" sz="4000" b="1" dirty="0"/>
-              <a:t>Item Queue</a:t>
-            </a:r>
-            <a:r>
-              <a:rPr lang="en-US" sz="4000" dirty="0"/>
-              <a:t>: List of Items, used in the kitchen to plan for Items of the same Type to be ready for each seat at a table at the same time.</a:t>
-            </a:r>
-          </a:p>
-          <a:p>
-            <a:r>
-              <a:rPr lang="en-US" sz="4000" b="1" dirty="0"/>
-              <a:t>Service Queue</a:t>
-            </a:r>
-            <a:r>
-              <a:rPr lang="en-US" sz="4000" dirty="0"/>
-              <a:t>: Collection of Items of the same type ready to be delivered to a table.</a:t>
-            </a:r>
-          </a:p>
-          <a:p>
-            <a:r>
-              <a:rPr lang="en-US" sz="4000" b="1" dirty="0"/>
-              <a:t>Bus queue</a:t>
-            </a:r>
-            <a:r>
-              <a:rPr lang="en-US" sz="4000" dirty="0"/>
-              <a:t>: List of tables ready to be cleaned and prepared for new customers.</a:t>
-            </a:r>
-          </a:p>
-          <a:p>
-            <a:r>
-              <a:rPr lang="en-US" sz="4000" b="1" dirty="0"/>
-              <a:t>Table status</a:t>
-            </a:r>
-            <a:r>
-              <a:rPr lang="en-US" sz="4000" dirty="0"/>
-              <a:t>: Attribute of Tables determining next action that can be taken. Values include: occupied, bus-queue, available</a:t>
-            </a:r>
-            <a:r>
-              <a:rPr lang="en-US" sz="4000" dirty="0" smtClean="0"/>
-              <a:t>.</a:t>
-            </a:r>
-            <a:endParaRPr lang="en-US" sz="4000" dirty="0"/>
+              <a:rPr lang="en-US" sz="2400" dirty="0"/>
+              <a:t>: List of Items, used in the kitchen to plan for Items of the same Type to be ready for each seat at a table at the same </a:t>
+            </a:r>
+            <a:r>
+              <a:rPr lang="en-US" sz="2400" dirty="0" smtClean="0"/>
+              <a:t>time</a:t>
+            </a:r>
+            <a:endParaRPr lang="en-US" sz="2400" dirty="0"/>
           </a:p>
         </p:txBody>
       </p:sp>
     </p:spTree>
     <p:extLst>
       <p:ext uri="{BB962C8B-B14F-4D97-AF65-F5344CB8AC3E}">
-        <p14:creationId xmlns:p14="http://schemas.microsoft.com/office/powerpoint/2010/main" val="1700301986"/>
+        <p14:creationId xmlns:p14="http://schemas.microsoft.com/office/powerpoint/2010/main" val="71914348"/>
+      </p:ext>
+    </p:extLst>
+  </p:cSld>
+  <p:clrMapOvr>
+    <a:masterClrMapping/>
+  </p:clrMapOvr>
+  <p:timing>
+    <p:tnLst>
+      <p:par>
+        <p:cTn id="1" dur="indefinite" restart="never" nodeType="tmRoot"/>
+      </p:par>
+    </p:tnLst>
+  </p:timing>
+</p:sld>
+</file>
+
+<file path=ppt/slides/slide26.xml><?xml version="1.0" encoding="utf-8"?>
+<p:sld xmlns:a="http://schemas.openxmlformats.org/drawingml/2006/main" xmlns:r="http://schemas.openxmlformats.org/officeDocument/2006/relationships" xmlns:p="http://schemas.openxmlformats.org/presentationml/2006/main">
+  <p:cSld>
+    <p:spTree>
+      <p:nvGrpSpPr>
+        <p:cNvPr id="1" name=""/>
+        <p:cNvGrpSpPr/>
+        <p:nvPr/>
+      </p:nvGrpSpPr>
+      <p:grpSpPr>
+        <a:xfrm>
+          <a:off x="0" y="0"/>
+          <a:ext cx="0" cy="0"/>
+          <a:chOff x="0" y="0"/>
+          <a:chExt cx="0" cy="0"/>
+        </a:xfrm>
+      </p:grpSpPr>
+      <p:sp>
+        <p:nvSpPr>
+          <p:cNvPr id="2" name="Title 1"/>
+          <p:cNvSpPr>
+            <a:spLocks noGrp="1"/>
+          </p:cNvSpPr>
+          <p:nvPr>
+            <p:ph type="title"/>
+          </p:nvPr>
+        </p:nvSpPr>
+        <p:spPr>
+          <a:xfrm>
+            <a:off x="304800" y="0"/>
+            <a:ext cx="5486400" cy="838200"/>
+          </a:xfrm>
+        </p:spPr>
+        <p:txBody>
+          <a:bodyPr>
+            <a:normAutofit fontScale="90000"/>
+          </a:bodyPr>
+          <a:lstStyle/>
+          <a:p>
+            <a:pPr algn="l"/>
+            <a:r>
+              <a:rPr lang="en-US" sz="6000" b="1" dirty="0" smtClean="0"/>
+              <a:t>Glossary of Terms</a:t>
+            </a:r>
+            <a:endParaRPr lang="en-US" sz="6000" b="1" dirty="0"/>
+          </a:p>
+        </p:txBody>
+      </p:sp>
+      <p:sp>
+        <p:nvSpPr>
+          <p:cNvPr id="3" name="Content Placeholder 2"/>
+          <p:cNvSpPr>
+            <a:spLocks noGrp="1"/>
+          </p:cNvSpPr>
+          <p:nvPr>
+            <p:ph idx="1"/>
+          </p:nvPr>
+        </p:nvSpPr>
+        <p:spPr>
+          <a:xfrm>
+            <a:off x="228600" y="838200"/>
+            <a:ext cx="8610600" cy="5638800"/>
+          </a:xfrm>
+        </p:spPr>
+        <p:txBody>
+          <a:bodyPr>
+            <a:noAutofit/>
+          </a:bodyPr>
+          <a:lstStyle/>
+          <a:p>
+            <a:r>
+              <a:rPr lang="en-US" sz="2400" b="1" dirty="0" smtClean="0"/>
+              <a:t>Order </a:t>
+            </a:r>
+            <a:r>
+              <a:rPr lang="en-US" sz="2400" b="1" dirty="0"/>
+              <a:t>Group</a:t>
+            </a:r>
+            <a:r>
+              <a:rPr lang="en-US" sz="2400" dirty="0"/>
+              <a:t>: Orders to be paid by the same payee</a:t>
+            </a:r>
+          </a:p>
+          <a:p>
+            <a:r>
+              <a:rPr lang="en-US" sz="2400" b="1" dirty="0"/>
+              <a:t>Order Queue</a:t>
+            </a:r>
+            <a:r>
+              <a:rPr lang="en-US" sz="2400" dirty="0"/>
+              <a:t>: List of Orders, used in the kitchen to plan for orders to be prepared on a first-come first-served basis (grouped by Party and Dish Type)</a:t>
+            </a:r>
+          </a:p>
+          <a:p>
+            <a:r>
+              <a:rPr lang="en-US" sz="2400" b="1" dirty="0"/>
+              <a:t>Order</a:t>
+            </a:r>
+            <a:r>
+              <a:rPr lang="en-US" sz="2400" dirty="0"/>
+              <a:t>: A set of items ordered by a customer at a seat</a:t>
+            </a:r>
+          </a:p>
+          <a:p>
+            <a:r>
+              <a:rPr lang="en-US" sz="2400" b="1" dirty="0"/>
+              <a:t>Party</a:t>
+            </a:r>
+            <a:r>
+              <a:rPr lang="en-US" sz="2400" dirty="0"/>
+              <a:t>: A set of customers sitting together and ordering for the same meal</a:t>
+            </a:r>
+          </a:p>
+          <a:p>
+            <a:r>
+              <a:rPr lang="en-US" sz="2400" b="1" dirty="0"/>
+              <a:t>Seat</a:t>
+            </a:r>
+            <a:r>
+              <a:rPr lang="en-US" sz="2400" dirty="0"/>
+              <a:t>: A single spot at a Table, identified by number. A Customer in a Party occupies a Seat.</a:t>
+            </a:r>
+          </a:p>
+          <a:p>
+            <a:r>
+              <a:rPr lang="en-US" sz="2400" b="1" dirty="0"/>
+              <a:t>Service Queue</a:t>
+            </a:r>
+            <a:r>
+              <a:rPr lang="en-US" sz="2400" dirty="0"/>
+              <a:t>: Collection of Items of the same type ready to be delivered to a table</a:t>
+            </a:r>
+          </a:p>
+          <a:p>
+            <a:r>
+              <a:rPr lang="en-US" sz="2400" b="1" dirty="0"/>
+              <a:t>Table status</a:t>
+            </a:r>
+            <a:r>
+              <a:rPr lang="en-US" sz="2400" dirty="0"/>
+              <a:t>: Attribute of Tables determining next action that can be taken. Values include: occupied, bus-queue, available</a:t>
+            </a:r>
+          </a:p>
+          <a:p>
+            <a:r>
+              <a:rPr lang="en-US" sz="2400" b="1" dirty="0"/>
+              <a:t>Table</a:t>
+            </a:r>
+            <a:r>
+              <a:rPr lang="en-US" sz="2400" dirty="0"/>
+              <a:t>: The physical location at which Customers sit while dining</a:t>
+            </a:r>
+          </a:p>
+        </p:txBody>
+      </p:sp>
+    </p:spTree>
+    <p:extLst>
+      <p:ext uri="{BB962C8B-B14F-4D97-AF65-F5344CB8AC3E}">
+        <p14:creationId xmlns:p14="http://schemas.microsoft.com/office/powerpoint/2010/main" val="3224546538"/>
       </p:ext>
     </p:extLst>
   </p:cSld>
